--- a/CarpeDiem.pptx
+++ b/CarpeDiem.pptx
@@ -6,16 +6,17 @@
   </p:sldMasterIdLst>
   <p:sldIdLst>
     <p:sldId id="256" r:id="rId2"/>
-    <p:sldId id="266" r:id="rId3"/>
-    <p:sldId id="257" r:id="rId4"/>
-    <p:sldId id="258" r:id="rId5"/>
-    <p:sldId id="259" r:id="rId6"/>
-    <p:sldId id="260" r:id="rId7"/>
-    <p:sldId id="261" r:id="rId8"/>
-    <p:sldId id="262" r:id="rId9"/>
-    <p:sldId id="263" r:id="rId10"/>
-    <p:sldId id="264" r:id="rId11"/>
-    <p:sldId id="265" r:id="rId12"/>
+    <p:sldId id="268" r:id="rId3"/>
+    <p:sldId id="267" r:id="rId4"/>
+    <p:sldId id="257" r:id="rId5"/>
+    <p:sldId id="258" r:id="rId6"/>
+    <p:sldId id="259" r:id="rId7"/>
+    <p:sldId id="260" r:id="rId8"/>
+    <p:sldId id="261" r:id="rId9"/>
+    <p:sldId id="262" r:id="rId10"/>
+    <p:sldId id="263" r:id="rId11"/>
+    <p:sldId id="264" r:id="rId12"/>
+    <p:sldId id="265" r:id="rId13"/>
   </p:sldIdLst>
   <p:sldSz cx="18288000" cy="10287000"/>
   <p:notesSz cx="10287000" cy="18288000"/>
@@ -312,7 +313,7 @@
           <a:p>
             <a:fld id="{F8166F1F-CE9B-4651-A6AA-CD717754106B}" type="datetimeFigureOut">
               <a:rPr lang="en-US" smtClean="0"/>
-              <a:t>1/7/2023</a:t>
+              <a:t>1/8/2023</a:t>
             </a:fld>
             <a:endParaRPr lang="en-US"/>
           </a:p>
@@ -475,7 +476,7 @@
           <a:p>
             <a:fld id="{A76116CE-C4A3-4A05-B2D7-7C2E9A889C0F}" type="datetimeFigureOut">
               <a:rPr lang="en-US" smtClean="0"/>
-              <a:t>1/7/2023</a:t>
+              <a:t>1/8/2023</a:t>
             </a:fld>
             <a:endParaRPr lang="en-US"/>
           </a:p>
@@ -648,7 +649,7 @@
           <a:p>
             <a:fld id="{A76116CE-C4A3-4A05-B2D7-7C2E9A889C0F}" type="datetimeFigureOut">
               <a:rPr lang="en-US" smtClean="0"/>
-              <a:t>1/7/2023</a:t>
+              <a:t>1/8/2023</a:t>
             </a:fld>
             <a:endParaRPr lang="en-US"/>
           </a:p>
@@ -813,7 +814,7 @@
           <a:p>
             <a:fld id="{A76116CE-C4A3-4A05-B2D7-7C2E9A889C0F}" type="datetimeFigureOut">
               <a:rPr lang="en-US" smtClean="0"/>
-              <a:t>1/7/2023</a:t>
+              <a:t>1/8/2023</a:t>
             </a:fld>
             <a:endParaRPr lang="en-US"/>
           </a:p>
@@ -1053,7 +1054,7 @@
           <a:p>
             <a:fld id="{A76116CE-C4A3-4A05-B2D7-7C2E9A889C0F}" type="datetimeFigureOut">
               <a:rPr lang="en-US" smtClean="0"/>
-              <a:t>1/7/2023</a:t>
+              <a:t>1/8/2023</a:t>
             </a:fld>
             <a:endParaRPr lang="en-US"/>
           </a:p>
@@ -1333,7 +1334,7 @@
           <a:p>
             <a:fld id="{A76116CE-C4A3-4A05-B2D7-7C2E9A889C0F}" type="datetimeFigureOut">
               <a:rPr lang="en-US" smtClean="0"/>
-              <a:t>1/7/2023</a:t>
+              <a:t>1/8/2023</a:t>
             </a:fld>
             <a:endParaRPr lang="en-US"/>
           </a:p>
@@ -1747,7 +1748,7 @@
           <a:p>
             <a:fld id="{A76116CE-C4A3-4A05-B2D7-7C2E9A889C0F}" type="datetimeFigureOut">
               <a:rPr lang="en-US" smtClean="0"/>
-              <a:t>1/7/2023</a:t>
+              <a:t>1/8/2023</a:t>
             </a:fld>
             <a:endParaRPr lang="en-US"/>
           </a:p>
@@ -1830,13 +1831,25 @@
             <p:ph type="title"/>
           </p:nvPr>
         </p:nvSpPr>
-        <p:spPr/>
+        <p:spPr>
+          <a:xfrm>
+            <a:off x="457200" y="274638"/>
+            <a:ext cx="16154400" cy="1143000"/>
+          </a:xfrm>
+        </p:spPr>
         <p:txBody>
           <a:bodyPr/>
-          <a:lstStyle/>
-          <a:p>
-            <a:r>
-              <a:rPr lang="en-US"/>
+          <a:lstStyle>
+            <a:lvl1pPr algn="l">
+              <a:defRPr>
+                <a:latin typeface="+mj-ea"/>
+                <a:ea typeface="+mj-ea"/>
+              </a:defRPr>
+            </a:lvl1pPr>
+          </a:lstStyle>
+          <a:p>
+            <a:r>
+              <a:rPr lang="en-US" dirty="0"/>
               <a:t>Click to edit Master title style</a:t>
             </a:r>
           </a:p>
@@ -1859,7 +1872,7 @@
           <a:p>
             <a:fld id="{A76116CE-C4A3-4A05-B2D7-7C2E9A889C0F}" type="datetimeFigureOut">
               <a:rPr lang="en-US" smtClean="0"/>
-              <a:t>1/7/2023</a:t>
+              <a:t>1/8/2023</a:t>
             </a:fld>
             <a:endParaRPr lang="en-US"/>
           </a:p>
@@ -1904,6 +1917,167 @@
               <a:t>‹#›</a:t>
             </a:fld>
             <a:endParaRPr lang="en-US"/>
+          </a:p>
+        </p:txBody>
+      </p:sp>
+      <p:sp>
+        <p:nvSpPr>
+          <p:cNvPr id="6" name="Object 17">
+            <a:extLst>
+              <a:ext uri="{FF2B5EF4-FFF2-40B4-BE49-F238E27FC236}">
+                <a16:creationId xmlns:a16="http://schemas.microsoft.com/office/drawing/2014/main" id="{6E689F3B-23FE-5BD6-0A86-338ED2D243A2}"/>
+              </a:ext>
+            </a:extLst>
+          </p:cNvPr>
+          <p:cNvSpPr txBox="1"/>
+          <p:nvPr userDrawn="1"/>
+        </p:nvSpPr>
+        <p:spPr>
+          <a:xfrm>
+            <a:off x="16002000" y="9495711"/>
+            <a:ext cx="1905000" cy="523220"/>
+          </a:xfrm>
+          <a:prstGeom prst="rect">
+            <a:avLst/>
+          </a:prstGeom>
+          <a:noFill/>
+        </p:spPr>
+        <p:txBody>
+          <a:bodyPr wrap="square" rtlCol="0" anchor="ctr">
+            <a:spAutoFit/>
+          </a:bodyPr>
+          <a:lstStyle/>
+          <a:p>
+            <a:r>
+              <a:rPr lang="en-US" sz="2800" b="1" i="1" dirty="0">
+                <a:solidFill>
+                  <a:schemeClr val="bg2"/>
+                </a:solidFill>
+                <a:effectLst>
+                  <a:outerShdw blurRad="38100" dist="38100" dir="2700000" algn="tl">
+                    <a:srgbClr val="000000">
+                      <a:alpha val="43137"/>
+                    </a:srgbClr>
+                  </a:outerShdw>
+                </a:effectLst>
+                <a:latin typeface="+mj-ea"/>
+                <a:ea typeface="+mj-ea"/>
+              </a:rPr>
+              <a:t>UNIJAM</a:t>
+            </a:r>
+          </a:p>
+        </p:txBody>
+      </p:sp>
+      <p:sp>
+        <p:nvSpPr>
+          <p:cNvPr id="7" name="Object 17">
+            <a:extLst>
+              <a:ext uri="{FF2B5EF4-FFF2-40B4-BE49-F238E27FC236}">
+                <a16:creationId xmlns:a16="http://schemas.microsoft.com/office/drawing/2014/main" id="{1BF5372B-B3A8-2A0E-BD6E-6ED60EDDD224}"/>
+              </a:ext>
+            </a:extLst>
+          </p:cNvPr>
+          <p:cNvSpPr txBox="1"/>
+          <p:nvPr userDrawn="1"/>
+        </p:nvSpPr>
+        <p:spPr>
+          <a:xfrm>
+            <a:off x="609600" y="9495711"/>
+            <a:ext cx="5868020" cy="523220"/>
+          </a:xfrm>
+          <a:prstGeom prst="rect">
+            <a:avLst/>
+          </a:prstGeom>
+          <a:noFill/>
+        </p:spPr>
+        <p:txBody>
+          <a:bodyPr wrap="square" rtlCol="0" anchor="ctr">
+            <a:spAutoFit/>
+          </a:bodyPr>
+          <a:lstStyle/>
+          <a:p>
+            <a:r>
+              <a:rPr lang="ko-KR" altLang="en-US" sz="2800" b="1" i="1" dirty="0" err="1">
+                <a:solidFill>
+                  <a:schemeClr val="bg2"/>
+                </a:solidFill>
+                <a:effectLst>
+                  <a:outerShdw blurRad="38100" dist="38100" dir="2700000" algn="tl">
+                    <a:srgbClr val="000000">
+                      <a:alpha val="43137"/>
+                    </a:srgbClr>
+                  </a:outerShdw>
+                </a:effectLst>
+                <a:latin typeface="+mj-ea"/>
+                <a:ea typeface="+mj-ea"/>
+              </a:rPr>
+              <a:t>골든링</a:t>
+            </a:r>
+            <a:r>
+              <a:rPr lang="ko-KR" altLang="en-US" sz="2800" b="1" i="1" dirty="0">
+                <a:solidFill>
+                  <a:schemeClr val="bg2"/>
+                </a:solidFill>
+                <a:effectLst>
+                  <a:outerShdw blurRad="38100" dist="38100" dir="2700000" algn="tl">
+                    <a:srgbClr val="000000">
+                      <a:alpha val="43137"/>
+                    </a:srgbClr>
+                  </a:outerShdw>
+                </a:effectLst>
+                <a:latin typeface="+mj-ea"/>
+                <a:ea typeface="+mj-ea"/>
+              </a:rPr>
+              <a:t> </a:t>
+            </a:r>
+            <a:r>
+              <a:rPr lang="en-US" altLang="ko-KR" sz="2800" b="1" i="1" dirty="0">
+                <a:solidFill>
+                  <a:schemeClr val="bg2"/>
+                </a:solidFill>
+                <a:effectLst>
+                  <a:outerShdw blurRad="38100" dist="38100" dir="2700000" algn="tl">
+                    <a:srgbClr val="000000">
+                      <a:alpha val="43137"/>
+                    </a:srgbClr>
+                  </a:outerShdw>
+                </a:effectLst>
+                <a:latin typeface="+mj-ea"/>
+                <a:ea typeface="+mj-ea"/>
+              </a:rPr>
+              <a:t>Team </a:t>
+            </a:r>
+            <a:r>
+              <a:rPr lang="en-US" altLang="ko-KR" sz="2800" b="1" i="1" dirty="0" err="1">
+                <a:solidFill>
+                  <a:schemeClr val="bg2"/>
+                </a:solidFill>
+                <a:effectLst>
+                  <a:outerShdw blurRad="38100" dist="38100" dir="2700000" algn="tl">
+                    <a:srgbClr val="000000">
+                      <a:alpha val="43137"/>
+                    </a:srgbClr>
+                  </a:outerShdw>
+                </a:effectLst>
+                <a:latin typeface="+mj-ea"/>
+                <a:ea typeface="+mj-ea"/>
+              </a:rPr>
+              <a:t>CarpeDiem</a:t>
+            </a:r>
+            <a:endParaRPr lang="en-US" sz="2800" b="1" i="1" dirty="0">
+              <a:solidFill>
+                <a:schemeClr val="bg2"/>
+              </a:solidFill>
+              <a:effectLst>
+                <a:outerShdw blurRad="38100" dist="38100" dir="2700000" algn="tl">
+                  <a:srgbClr val="000000">
+                    <a:alpha val="43137"/>
+                  </a:srgbClr>
+                </a:outerShdw>
+              </a:effectLst>
+              <a:latin typeface="+mj-ea"/>
+              <a:ea typeface="+mj-ea"/>
+            </a:endParaRPr>
           </a:p>
         </p:txBody>
       </p:sp>
@@ -1949,7 +2123,7 @@
           <a:p>
             <a:fld id="{A76116CE-C4A3-4A05-B2D7-7C2E9A889C0F}" type="datetimeFigureOut">
               <a:rPr lang="en-US" smtClean="0"/>
-              <a:t>1/7/2023</a:t>
+              <a:t>1/8/2023</a:t>
             </a:fld>
             <a:endParaRPr lang="en-US"/>
           </a:p>
@@ -1994,6 +2168,167 @@
               <a:t>‹#›</a:t>
             </a:fld>
             <a:endParaRPr lang="en-US"/>
+          </a:p>
+        </p:txBody>
+      </p:sp>
+      <p:sp>
+        <p:nvSpPr>
+          <p:cNvPr id="5" name="Object 17">
+            <a:extLst>
+              <a:ext uri="{FF2B5EF4-FFF2-40B4-BE49-F238E27FC236}">
+                <a16:creationId xmlns:a16="http://schemas.microsoft.com/office/drawing/2014/main" id="{A3877610-B550-273C-FE6C-C1B6B4877978}"/>
+              </a:ext>
+            </a:extLst>
+          </p:cNvPr>
+          <p:cNvSpPr txBox="1"/>
+          <p:nvPr userDrawn="1"/>
+        </p:nvSpPr>
+        <p:spPr>
+          <a:xfrm>
+            <a:off x="16002000" y="9495711"/>
+            <a:ext cx="1905000" cy="523220"/>
+          </a:xfrm>
+          <a:prstGeom prst="rect">
+            <a:avLst/>
+          </a:prstGeom>
+          <a:noFill/>
+        </p:spPr>
+        <p:txBody>
+          <a:bodyPr wrap="square" rtlCol="0" anchor="ctr">
+            <a:spAutoFit/>
+          </a:bodyPr>
+          <a:lstStyle/>
+          <a:p>
+            <a:r>
+              <a:rPr lang="en-US" sz="2800" b="1" i="1" dirty="0">
+                <a:solidFill>
+                  <a:schemeClr val="bg2"/>
+                </a:solidFill>
+                <a:effectLst>
+                  <a:outerShdw blurRad="38100" dist="38100" dir="2700000" algn="tl">
+                    <a:srgbClr val="000000">
+                      <a:alpha val="43137"/>
+                    </a:srgbClr>
+                  </a:outerShdw>
+                </a:effectLst>
+                <a:latin typeface="+mj-ea"/>
+                <a:ea typeface="+mj-ea"/>
+              </a:rPr>
+              <a:t>UNIJAM</a:t>
+            </a:r>
+          </a:p>
+        </p:txBody>
+      </p:sp>
+      <p:sp>
+        <p:nvSpPr>
+          <p:cNvPr id="6" name="Object 17">
+            <a:extLst>
+              <a:ext uri="{FF2B5EF4-FFF2-40B4-BE49-F238E27FC236}">
+                <a16:creationId xmlns:a16="http://schemas.microsoft.com/office/drawing/2014/main" id="{AD6A968E-45DC-A72E-2E08-25E43D29F625}"/>
+              </a:ext>
+            </a:extLst>
+          </p:cNvPr>
+          <p:cNvSpPr txBox="1"/>
+          <p:nvPr userDrawn="1"/>
+        </p:nvSpPr>
+        <p:spPr>
+          <a:xfrm>
+            <a:off x="609600" y="9495711"/>
+            <a:ext cx="5868020" cy="523220"/>
+          </a:xfrm>
+          <a:prstGeom prst="rect">
+            <a:avLst/>
+          </a:prstGeom>
+          <a:noFill/>
+        </p:spPr>
+        <p:txBody>
+          <a:bodyPr wrap="square" rtlCol="0" anchor="ctr">
+            <a:spAutoFit/>
+          </a:bodyPr>
+          <a:lstStyle/>
+          <a:p>
+            <a:r>
+              <a:rPr lang="ko-KR" altLang="en-US" sz="2800" b="1" i="1" dirty="0" err="1">
+                <a:solidFill>
+                  <a:schemeClr val="bg2"/>
+                </a:solidFill>
+                <a:effectLst>
+                  <a:outerShdw blurRad="38100" dist="38100" dir="2700000" algn="tl">
+                    <a:srgbClr val="000000">
+                      <a:alpha val="43137"/>
+                    </a:srgbClr>
+                  </a:outerShdw>
+                </a:effectLst>
+                <a:latin typeface="+mj-ea"/>
+                <a:ea typeface="+mj-ea"/>
+              </a:rPr>
+              <a:t>골든링</a:t>
+            </a:r>
+            <a:r>
+              <a:rPr lang="ko-KR" altLang="en-US" sz="2800" b="1" i="1" dirty="0">
+                <a:solidFill>
+                  <a:schemeClr val="bg2"/>
+                </a:solidFill>
+                <a:effectLst>
+                  <a:outerShdw blurRad="38100" dist="38100" dir="2700000" algn="tl">
+                    <a:srgbClr val="000000">
+                      <a:alpha val="43137"/>
+                    </a:srgbClr>
+                  </a:outerShdw>
+                </a:effectLst>
+                <a:latin typeface="+mj-ea"/>
+                <a:ea typeface="+mj-ea"/>
+              </a:rPr>
+              <a:t> </a:t>
+            </a:r>
+            <a:r>
+              <a:rPr lang="en-US" altLang="ko-KR" sz="2800" b="1" i="1" dirty="0">
+                <a:solidFill>
+                  <a:schemeClr val="bg2"/>
+                </a:solidFill>
+                <a:effectLst>
+                  <a:outerShdw blurRad="38100" dist="38100" dir="2700000" algn="tl">
+                    <a:srgbClr val="000000">
+                      <a:alpha val="43137"/>
+                    </a:srgbClr>
+                  </a:outerShdw>
+                </a:effectLst>
+                <a:latin typeface="+mj-ea"/>
+                <a:ea typeface="+mj-ea"/>
+              </a:rPr>
+              <a:t>Team </a:t>
+            </a:r>
+            <a:r>
+              <a:rPr lang="en-US" altLang="ko-KR" sz="2800" b="1" i="1" dirty="0" err="1">
+                <a:solidFill>
+                  <a:schemeClr val="bg2"/>
+                </a:solidFill>
+                <a:effectLst>
+                  <a:outerShdw blurRad="38100" dist="38100" dir="2700000" algn="tl">
+                    <a:srgbClr val="000000">
+                      <a:alpha val="43137"/>
+                    </a:srgbClr>
+                  </a:outerShdw>
+                </a:effectLst>
+                <a:latin typeface="+mj-ea"/>
+                <a:ea typeface="+mj-ea"/>
+              </a:rPr>
+              <a:t>CarpeDiem</a:t>
+            </a:r>
+            <a:endParaRPr lang="en-US" sz="2800" b="1" i="1" dirty="0">
+              <a:solidFill>
+                <a:schemeClr val="bg2"/>
+              </a:solidFill>
+              <a:effectLst>
+                <a:outerShdw blurRad="38100" dist="38100" dir="2700000" algn="tl">
+                  <a:srgbClr val="000000">
+                    <a:alpha val="43137"/>
+                  </a:srgbClr>
+                </a:outerShdw>
+              </a:effectLst>
+              <a:latin typeface="+mj-ea"/>
+              <a:ea typeface="+mj-ea"/>
+            </a:endParaRPr>
           </a:p>
         </p:txBody>
       </p:sp>
@@ -2219,7 +2554,7 @@
           <a:p>
             <a:fld id="{A76116CE-C4A3-4A05-B2D7-7C2E9A889C0F}" type="datetimeFigureOut">
               <a:rPr lang="en-US" smtClean="0"/>
-              <a:t>1/7/2023</a:t>
+              <a:t>1/8/2023</a:t>
             </a:fld>
             <a:endParaRPr lang="en-US"/>
           </a:p>
@@ -2466,7 +2801,7 @@
           <a:p>
             <a:fld id="{A76116CE-C4A3-4A05-B2D7-7C2E9A889C0F}" type="datetimeFigureOut">
               <a:rPr lang="en-US" smtClean="0"/>
-              <a:t>1/7/2023</a:t>
+              <a:t>1/8/2023</a:t>
             </a:fld>
             <a:endParaRPr lang="en-US"/>
           </a:p>
@@ -2672,7 +3007,7 @@
           <a:p>
             <a:fld id="{F8166F1F-CE9B-4651-A6AA-CD717754106B}" type="datetimeFigureOut">
               <a:rPr lang="en-US" smtClean="0"/>
-              <a:t>1/7/2023</a:t>
+              <a:t>1/8/2023</a:t>
             </a:fld>
             <a:endParaRPr lang="en-US"/>
           </a:p>
@@ -3586,6 +3921,701 @@
 
 <file path=ppt/slides/slide10.xml><?xml version="1.0" encoding="utf-8"?>
 <p:sld xmlns:a="http://schemas.openxmlformats.org/drawingml/2006/main" xmlns:r="http://schemas.openxmlformats.org/officeDocument/2006/relationships" xmlns:p="http://schemas.openxmlformats.org/presentationml/2006/main">
+  <p:cSld name="Slide 8">
+    <p:bg>
+      <p:bgPr>
+        <a:solidFill>
+          <a:srgbClr val="E1E0DA"/>
+        </a:solidFill>
+        <a:effectLst/>
+      </p:bgPr>
+    </p:bg>
+    <p:spTree>
+      <p:nvGrpSpPr>
+        <p:cNvPr id="1" name=""/>
+        <p:cNvGrpSpPr/>
+        <p:nvPr/>
+      </p:nvGrpSpPr>
+      <p:grpSpPr>
+        <a:xfrm>
+          <a:off x="0" y="0"/>
+          <a:ext cx="0" cy="0"/>
+          <a:chOff x="0" y="0"/>
+          <a:chExt cx="0" cy="0"/>
+        </a:xfrm>
+      </p:grpSpPr>
+      <p:grpSp>
+        <p:nvGrpSpPr>
+          <p:cNvPr id="1001" name="그룹 1001"/>
+          <p:cNvGrpSpPr/>
+          <p:nvPr/>
+        </p:nvGrpSpPr>
+        <p:grpSpPr>
+          <a:xfrm>
+            <a:off x="8442440" y="758239"/>
+            <a:ext cx="4384618" cy="4384618"/>
+            <a:chOff x="8442440" y="758239"/>
+            <a:chExt cx="4384618" cy="4384618"/>
+          </a:xfrm>
+        </p:grpSpPr>
+        <p:pic>
+          <p:nvPicPr>
+            <p:cNvPr id="3" name="Object 2"/>
+            <p:cNvPicPr>
+              <a:picLocks noChangeAspect="1"/>
+            </p:cNvPicPr>
+            <p:nvPr/>
+          </p:nvPicPr>
+          <p:blipFill>
+            <a:blip r:embed="rId2" cstate="print"/>
+            <a:stretch>
+              <a:fillRect/>
+            </a:stretch>
+          </p:blipFill>
+          <p:spPr>
+            <a:xfrm rot="5400000">
+              <a:off x="8442440" y="758239"/>
+              <a:ext cx="4384618" cy="4384618"/>
+            </a:xfrm>
+            <a:prstGeom prst="rect">
+              <a:avLst/>
+            </a:prstGeom>
+          </p:spPr>
+        </p:pic>
+      </p:grpSp>
+      <p:grpSp>
+        <p:nvGrpSpPr>
+          <p:cNvPr id="1002" name="그룹 1002"/>
+          <p:cNvGrpSpPr/>
+          <p:nvPr/>
+        </p:nvGrpSpPr>
+        <p:grpSpPr>
+          <a:xfrm>
+            <a:off x="5538243" y="1974650"/>
+            <a:ext cx="3453076" cy="3453076"/>
+            <a:chOff x="5538243" y="1974650"/>
+            <a:chExt cx="3453076" cy="3453076"/>
+          </a:xfrm>
+        </p:grpSpPr>
+        <p:pic>
+          <p:nvPicPr>
+            <p:cNvPr id="6" name="Object 5"/>
+            <p:cNvPicPr>
+              <a:picLocks noChangeAspect="1"/>
+            </p:cNvPicPr>
+            <p:nvPr/>
+          </p:nvPicPr>
+          <p:blipFill>
+            <a:blip r:embed="rId3" cstate="print"/>
+            <a:stretch>
+              <a:fillRect/>
+            </a:stretch>
+          </p:blipFill>
+          <p:spPr>
+            <a:xfrm rot="-10800000">
+              <a:off x="5538243" y="1974650"/>
+              <a:ext cx="3453076" cy="3453076"/>
+            </a:xfrm>
+            <a:prstGeom prst="rect">
+              <a:avLst/>
+            </a:prstGeom>
+          </p:spPr>
+        </p:pic>
+      </p:grpSp>
+      <p:sp>
+        <p:nvSpPr>
+          <p:cNvPr id="8" name="Object 8"/>
+          <p:cNvSpPr txBox="1"/>
+          <p:nvPr/>
+        </p:nvSpPr>
+        <p:spPr>
+          <a:xfrm>
+            <a:off x="5680138" y="3082472"/>
+            <a:ext cx="3169285" cy="541840"/>
+          </a:xfrm>
+          <a:prstGeom prst="rect">
+            <a:avLst/>
+          </a:prstGeom>
+          <a:noFill/>
+        </p:spPr>
+        <p:txBody>
+          <a:bodyPr wrap="square" rtlCol="0" anchor="t">
+            <a:spAutoFit/>
+          </a:bodyPr>
+          <a:lstStyle/>
+          <a:p>
+            <a:pPr algn="ctr"/>
+            <a:r>
+              <a:rPr lang="en-US" sz="2000" kern="0" spc="-100" dirty="0">
+                <a:solidFill>
+                  <a:srgbClr val="4E4E4E"/>
+                </a:solidFill>
+                <a:latin typeface="S-Core Dream 6 Bold" pitchFamily="34" charset="0"/>
+                <a:cs typeface="S-Core Dream 6 Bold" pitchFamily="34" charset="0"/>
+              </a:rPr>
+              <a:t>KEYWORD</a:t>
+            </a:r>
+            <a:endParaRPr lang="en-US" dirty="0"/>
+          </a:p>
+        </p:txBody>
+      </p:sp>
+      <p:sp>
+        <p:nvSpPr>
+          <p:cNvPr id="9" name="Object 9"/>
+          <p:cNvSpPr txBox="1"/>
+          <p:nvPr/>
+        </p:nvSpPr>
+        <p:spPr>
+          <a:xfrm>
+            <a:off x="5287206" y="3308290"/>
+            <a:ext cx="3955150" cy="1287320"/>
+          </a:xfrm>
+          <a:prstGeom prst="rect">
+            <a:avLst/>
+          </a:prstGeom>
+          <a:noFill/>
+        </p:spPr>
+        <p:txBody>
+          <a:bodyPr wrap="square" rtlCol="0" anchor="ctr">
+            <a:spAutoFit/>
+          </a:bodyPr>
+          <a:lstStyle/>
+          <a:p>
+            <a:pPr algn="ctr"/>
+            <a:r>
+              <a:rPr lang="en-US" sz="1200" kern="0" spc="-100" dirty="0">
+                <a:solidFill>
+                  <a:srgbClr val="4E4E4E"/>
+                </a:solidFill>
+                <a:latin typeface="S-Core Dream 4 Regular" pitchFamily="34" charset="0"/>
+                <a:cs typeface="S-Core Dream 4 Regular" pitchFamily="34" charset="0"/>
+              </a:rPr>
+              <a:t>키워드에 관한 설명을 적어주세요!</a:t>
+            </a:r>
+          </a:p>
+          <a:p>
+            <a:pPr algn="ctr"/>
+            <a:r>
+              <a:rPr lang="en-US" sz="1200" kern="0" spc="-100" dirty="0">
+                <a:solidFill>
+                  <a:srgbClr val="4E4E4E"/>
+                </a:solidFill>
+                <a:latin typeface="S-Core Dream 4 Regular" pitchFamily="34" charset="0"/>
+                <a:cs typeface="S-Core Dream 4 Regular" pitchFamily="34" charset="0"/>
+              </a:rPr>
+              <a:t>키워드에 관한 설명을 적어주세요!</a:t>
+            </a:r>
+          </a:p>
+          <a:p>
+            <a:pPr algn="ctr"/>
+            <a:r>
+              <a:rPr lang="en-US" sz="1200" kern="0" spc="-100" dirty="0">
+                <a:solidFill>
+                  <a:srgbClr val="4E4E4E"/>
+                </a:solidFill>
+                <a:latin typeface="S-Core Dream 4 Regular" pitchFamily="34" charset="0"/>
+                <a:cs typeface="S-Core Dream 4 Regular" pitchFamily="34" charset="0"/>
+              </a:rPr>
+              <a:t>키워드에 관한 설명을 적어주세요!</a:t>
+            </a:r>
+          </a:p>
+          <a:p>
+            <a:pPr algn="ctr"/>
+            <a:r>
+              <a:rPr lang="en-US" sz="1200" kern="0" spc="-100" dirty="0">
+                <a:solidFill>
+                  <a:srgbClr val="4E4E4E"/>
+                </a:solidFill>
+                <a:latin typeface="S-Core Dream 4 Regular" pitchFamily="34" charset="0"/>
+                <a:cs typeface="S-Core Dream 4 Regular" pitchFamily="34" charset="0"/>
+              </a:rPr>
+              <a:t>키워드에 관한 설명을 적어주세요!</a:t>
+            </a:r>
+            <a:endParaRPr lang="en-US" dirty="0"/>
+          </a:p>
+        </p:txBody>
+      </p:sp>
+      <p:sp>
+        <p:nvSpPr>
+          <p:cNvPr id="10" name="Object 10"/>
+          <p:cNvSpPr txBox="1"/>
+          <p:nvPr/>
+        </p:nvSpPr>
+        <p:spPr>
+          <a:xfrm>
+            <a:off x="2760081" y="2271087"/>
+            <a:ext cx="2563371" cy="339437"/>
+          </a:xfrm>
+          <a:prstGeom prst="rect">
+            <a:avLst/>
+          </a:prstGeom>
+          <a:noFill/>
+        </p:spPr>
+        <p:txBody>
+          <a:bodyPr wrap="square" rtlCol="0" anchor="ctr">
+            <a:spAutoFit/>
+          </a:bodyPr>
+          <a:lstStyle/>
+          <a:p>
+            <a:r>
+              <a:rPr lang="en-US" sz="1300" kern="0" spc="200" dirty="0">
+                <a:solidFill>
+                  <a:srgbClr val="4E4E4E"/>
+                </a:solidFill>
+                <a:latin typeface="S-Core Dream 3 Light" pitchFamily="34" charset="0"/>
+                <a:cs typeface="S-Core Dream 3 Light" pitchFamily="34" charset="0"/>
+              </a:rPr>
+              <a:t>CONTENTS</a:t>
+            </a:r>
+            <a:endParaRPr lang="en-US" dirty="0"/>
+          </a:p>
+        </p:txBody>
+      </p:sp>
+      <p:sp>
+        <p:nvSpPr>
+          <p:cNvPr id="11" name="Object 11"/>
+          <p:cNvSpPr txBox="1"/>
+          <p:nvPr/>
+        </p:nvSpPr>
+        <p:spPr>
+          <a:xfrm>
+            <a:off x="2744927" y="1628895"/>
+            <a:ext cx="1981683" cy="960963"/>
+          </a:xfrm>
+          <a:prstGeom prst="rect">
+            <a:avLst/>
+          </a:prstGeom>
+          <a:noFill/>
+        </p:spPr>
+        <p:txBody>
+          <a:bodyPr wrap="square" rtlCol="0" anchor="ctr">
+            <a:spAutoFit/>
+          </a:bodyPr>
+          <a:lstStyle/>
+          <a:p>
+            <a:r>
+              <a:rPr lang="en-US" sz="3600" kern="0" spc="300" dirty="0">
+                <a:solidFill>
+                  <a:srgbClr val="4E4E4E"/>
+                </a:solidFill>
+                <a:latin typeface="S-Core Dream 5 Medium" pitchFamily="34" charset="0"/>
+                <a:cs typeface="S-Core Dream 5 Medium" pitchFamily="34" charset="0"/>
+              </a:rPr>
+              <a:t>06</a:t>
+            </a:r>
+            <a:endParaRPr lang="en-US" dirty="0"/>
+          </a:p>
+        </p:txBody>
+      </p:sp>
+      <p:sp>
+        <p:nvSpPr>
+          <p:cNvPr id="12" name="Object 12"/>
+          <p:cNvSpPr txBox="1"/>
+          <p:nvPr/>
+        </p:nvSpPr>
+        <p:spPr>
+          <a:xfrm>
+            <a:off x="8689241" y="5816396"/>
+            <a:ext cx="9849497" cy="3827871"/>
+          </a:xfrm>
+          <a:prstGeom prst="rect">
+            <a:avLst/>
+          </a:prstGeom>
+          <a:noFill/>
+        </p:spPr>
+        <p:txBody>
+          <a:bodyPr wrap="square" rtlCol="0" anchor="t">
+            <a:spAutoFit/>
+          </a:bodyPr>
+          <a:lstStyle/>
+          <a:p>
+            <a:r>
+              <a:rPr lang="en-US" sz="1900" kern="0" spc="-100" dirty="0">
+                <a:solidFill>
+                  <a:srgbClr val="4E4E4E"/>
+                </a:solidFill>
+                <a:latin typeface="S-Core Dream 5 Medium" pitchFamily="34" charset="0"/>
+                <a:cs typeface="S-Core Dream 5 Medium" pitchFamily="34" charset="0"/>
+              </a:rPr>
+              <a:t>프레젠테이션 핵심을 입력해주세요</a:t>
+            </a:r>
+          </a:p>
+          <a:p>
+            <a:endParaRPr lang="en-US" sz="1900" kern="0" spc="-100" dirty="0">
+              <a:solidFill>
+                <a:srgbClr val="4E4E4E"/>
+              </a:solidFill>
+              <a:latin typeface="S-Core Dream 5 Medium" pitchFamily="34" charset="0"/>
+              <a:cs typeface="S-Core Dream 5 Medium" pitchFamily="34" charset="0"/>
+            </a:endParaRPr>
+          </a:p>
+          <a:p>
+            <a:r>
+              <a:rPr lang="en-US" sz="1300" kern="0" spc="-100" dirty="0">
+                <a:solidFill>
+                  <a:srgbClr val="4E4E4E"/>
+                </a:solidFill>
+                <a:latin typeface="S-Core Dream 4 Regular" pitchFamily="34" charset="0"/>
+                <a:cs typeface="S-Core Dream 4 Regular" pitchFamily="34" charset="0"/>
+              </a:rPr>
+              <a:t>피어나는 대한 속잎나고, 아니한 미인을 철환하였는가? 이상 쓸쓸한 인간은 보라. 피가 것은 그것을 내는 얼음 구하지 간에 이성은 교향악이다. 동산에는 무한한 가진 그들의 미묘한 가치를 것이다. 찾아다녀도, 그들은 생명을 끝에 것이 따뜻한 하여도 쓸쓸하랴? </a:t>
+            </a:r>
+          </a:p>
+          <a:p>
+            <a:endParaRPr lang="en-US" sz="1300" kern="0" spc="-100" dirty="0">
+              <a:solidFill>
+                <a:srgbClr val="4E4E4E"/>
+              </a:solidFill>
+              <a:latin typeface="S-Core Dream 4 Regular" pitchFamily="34" charset="0"/>
+              <a:cs typeface="S-Core Dream 4 Regular" pitchFamily="34" charset="0"/>
+            </a:endParaRPr>
+          </a:p>
+          <a:p>
+            <a:r>
+              <a:rPr lang="en-US" sz="1300" kern="0" spc="-100" dirty="0">
+                <a:solidFill>
+                  <a:srgbClr val="4E4E4E"/>
+                </a:solidFill>
+                <a:latin typeface="S-Core Dream 4 Regular" pitchFamily="34" charset="0"/>
+                <a:cs typeface="S-Core Dream 4 Regular" pitchFamily="34" charset="0"/>
+              </a:rPr>
+              <a:t>그들은 듣기만 인도하겠다는 그들의 위하여, 피에 보라. 가치를 이성은 풍부하게 귀는 인간이 발휘하기 지혜는 듣는다. </a:t>
+            </a:r>
+            <a:endParaRPr lang="en-US" dirty="0"/>
+          </a:p>
+        </p:txBody>
+      </p:sp>
+      <p:grpSp>
+        <p:nvGrpSpPr>
+          <p:cNvPr id="1003" name="그룹 1003"/>
+          <p:cNvGrpSpPr/>
+          <p:nvPr/>
+        </p:nvGrpSpPr>
+        <p:grpSpPr>
+          <a:xfrm>
+            <a:off x="238817" y="3853001"/>
+            <a:ext cx="7199850" cy="7199850"/>
+            <a:chOff x="238817" y="3853001"/>
+            <a:chExt cx="7199850" cy="7199850"/>
+          </a:xfrm>
+        </p:grpSpPr>
+        <p:pic>
+          <p:nvPicPr>
+            <p:cNvPr id="14" name="Object 13"/>
+            <p:cNvPicPr>
+              <a:picLocks noChangeAspect="1"/>
+            </p:cNvPicPr>
+            <p:nvPr/>
+          </p:nvPicPr>
+          <p:blipFill>
+            <a:blip r:embed="rId4" cstate="print"/>
+            <a:stretch>
+              <a:fillRect/>
+            </a:stretch>
+          </p:blipFill>
+          <p:spPr>
+            <a:xfrm>
+              <a:off x="238817" y="3853001"/>
+              <a:ext cx="7199850" cy="7199850"/>
+            </a:xfrm>
+            <a:prstGeom prst="rect">
+              <a:avLst/>
+            </a:prstGeom>
+          </p:spPr>
+        </p:pic>
+      </p:grpSp>
+      <p:grpSp>
+        <p:nvGrpSpPr>
+          <p:cNvPr id="1004" name="그룹 1004"/>
+          <p:cNvGrpSpPr/>
+          <p:nvPr/>
+        </p:nvGrpSpPr>
+        <p:grpSpPr>
+          <a:xfrm>
+            <a:off x="938334" y="4552519"/>
+            <a:ext cx="5800815" cy="5800815"/>
+            <a:chOff x="938334" y="4552519"/>
+            <a:chExt cx="5800815" cy="5800815"/>
+          </a:xfrm>
+        </p:grpSpPr>
+        <p:pic>
+          <p:nvPicPr>
+            <p:cNvPr id="17" name="Object 16"/>
+            <p:cNvPicPr>
+              <a:picLocks noChangeAspect="1"/>
+            </p:cNvPicPr>
+            <p:nvPr/>
+          </p:nvPicPr>
+          <p:blipFill>
+            <a:blip r:embed="rId5" cstate="print"/>
+            <a:stretch>
+              <a:fillRect/>
+            </a:stretch>
+          </p:blipFill>
+          <p:spPr>
+            <a:xfrm rot="-27000000">
+              <a:off x="938334" y="4552519"/>
+              <a:ext cx="5800815" cy="5800815"/>
+            </a:xfrm>
+            <a:prstGeom prst="rect">
+              <a:avLst/>
+            </a:prstGeom>
+          </p:spPr>
+        </p:pic>
+      </p:grpSp>
+      <p:grpSp>
+        <p:nvGrpSpPr>
+          <p:cNvPr id="1005" name="그룹 1005"/>
+          <p:cNvGrpSpPr/>
+          <p:nvPr/>
+        </p:nvGrpSpPr>
+        <p:grpSpPr>
+          <a:xfrm>
+            <a:off x="1852722" y="5466907"/>
+            <a:ext cx="3972039" cy="3972039"/>
+            <a:chOff x="1852722" y="5466907"/>
+            <a:chExt cx="3972039" cy="3972039"/>
+          </a:xfrm>
+        </p:grpSpPr>
+        <p:pic>
+          <p:nvPicPr>
+            <p:cNvPr id="20" name="Object 19"/>
+            <p:cNvPicPr>
+              <a:picLocks noChangeAspect="1"/>
+            </p:cNvPicPr>
+            <p:nvPr/>
+          </p:nvPicPr>
+          <p:blipFill>
+            <a:blip r:embed="rId6" cstate="print"/>
+            <a:stretch>
+              <a:fillRect/>
+            </a:stretch>
+          </p:blipFill>
+          <p:spPr>
+            <a:xfrm rot="-27000000">
+              <a:off x="1852722" y="5466907"/>
+              <a:ext cx="3972039" cy="3972039"/>
+            </a:xfrm>
+            <a:prstGeom prst="rect">
+              <a:avLst/>
+            </a:prstGeom>
+          </p:spPr>
+        </p:pic>
+      </p:grpSp>
+      <p:grpSp>
+        <p:nvGrpSpPr>
+          <p:cNvPr id="1006" name="그룹 1006"/>
+          <p:cNvGrpSpPr/>
+          <p:nvPr/>
+        </p:nvGrpSpPr>
+        <p:grpSpPr>
+          <a:xfrm>
+            <a:off x="2106856" y="6770591"/>
+            <a:ext cx="3445701" cy="1370142"/>
+            <a:chOff x="2106856" y="6770591"/>
+            <a:chExt cx="3445701" cy="1370142"/>
+          </a:xfrm>
+        </p:grpSpPr>
+        <p:sp>
+          <p:nvSpPr>
+            <p:cNvPr id="23" name="Object 23"/>
+            <p:cNvSpPr txBox="1"/>
+            <p:nvPr/>
+          </p:nvSpPr>
+          <p:spPr>
+            <a:xfrm>
+              <a:off x="1336763" y="6770591"/>
+              <a:ext cx="4985887" cy="852417"/>
+            </a:xfrm>
+            <a:prstGeom prst="rect">
+              <a:avLst/>
+            </a:prstGeom>
+            <a:noFill/>
+          </p:spPr>
+          <p:txBody>
+            <a:bodyPr wrap="square" rtlCol="0" anchor="t">
+              <a:spAutoFit/>
+            </a:bodyPr>
+            <a:lstStyle/>
+            <a:p>
+              <a:pPr algn="ctr"/>
+              <a:r>
+                <a:rPr lang="en-US" sz="3200" kern="0" spc="-100" dirty="0">
+                  <a:solidFill>
+                    <a:srgbClr val="E1E0DA"/>
+                  </a:solidFill>
+                  <a:latin typeface="S-Core Dream 6 Bold" pitchFamily="34" charset="0"/>
+                  <a:cs typeface="S-Core Dream 6 Bold" pitchFamily="34" charset="0"/>
+                </a:rPr>
+                <a:t>KEYWORD</a:t>
+              </a:r>
+              <a:endParaRPr lang="en-US" dirty="0"/>
+            </a:p>
+          </p:txBody>
+        </p:sp>
+        <p:sp>
+          <p:nvSpPr>
+            <p:cNvPr id="24" name="Object 24"/>
+            <p:cNvSpPr txBox="1"/>
+            <p:nvPr/>
+          </p:nvSpPr>
+          <p:spPr>
+            <a:xfrm>
+              <a:off x="1245430" y="7294039"/>
+              <a:ext cx="5168552" cy="1016033"/>
+            </a:xfrm>
+            <a:prstGeom prst="rect">
+              <a:avLst/>
+            </a:prstGeom>
+            <a:noFill/>
+          </p:spPr>
+          <p:txBody>
+            <a:bodyPr wrap="square" rtlCol="0" anchor="ctr">
+              <a:spAutoFit/>
+            </a:bodyPr>
+            <a:lstStyle/>
+            <a:p>
+              <a:pPr algn="ctr"/>
+              <a:r>
+                <a:rPr lang="en-US" sz="1900" kern="0" spc="-100" dirty="0">
+                  <a:solidFill>
+                    <a:srgbClr val="E1E0DA"/>
+                  </a:solidFill>
+                  <a:latin typeface="S-Core Dream 4 Regular" pitchFamily="34" charset="0"/>
+                  <a:cs typeface="S-Core Dream 4 Regular" pitchFamily="34" charset="0"/>
+                </a:rPr>
+                <a:t>키워드에 관한 </a:t>
+              </a:r>
+            </a:p>
+            <a:p>
+              <a:pPr algn="ctr"/>
+              <a:r>
+                <a:rPr lang="en-US" sz="1900" kern="0" spc="-100" dirty="0">
+                  <a:solidFill>
+                    <a:srgbClr val="E1E0DA"/>
+                  </a:solidFill>
+                  <a:latin typeface="S-Core Dream 4 Regular" pitchFamily="34" charset="0"/>
+                  <a:cs typeface="S-Core Dream 4 Regular" pitchFamily="34" charset="0"/>
+                </a:rPr>
+                <a:t>설명을 적어주세요!</a:t>
+              </a:r>
+              <a:endParaRPr lang="en-US" dirty="0"/>
+            </a:p>
+          </p:txBody>
+        </p:sp>
+      </p:grpSp>
+      <p:grpSp>
+        <p:nvGrpSpPr>
+          <p:cNvPr id="1007" name="그룹 1007"/>
+          <p:cNvGrpSpPr/>
+          <p:nvPr/>
+        </p:nvGrpSpPr>
+        <p:grpSpPr>
+          <a:xfrm>
+            <a:off x="9231349" y="2448305"/>
+            <a:ext cx="2837107" cy="1128142"/>
+            <a:chOff x="9231349" y="2448305"/>
+            <a:chExt cx="2837107" cy="1128142"/>
+          </a:xfrm>
+        </p:grpSpPr>
+        <p:sp>
+          <p:nvSpPr>
+            <p:cNvPr id="27" name="Object 27"/>
+            <p:cNvSpPr txBox="1"/>
+            <p:nvPr/>
+          </p:nvSpPr>
+          <p:spPr>
+            <a:xfrm>
+              <a:off x="8597274" y="2448305"/>
+              <a:ext cx="4105259" cy="701860"/>
+            </a:xfrm>
+            <a:prstGeom prst="rect">
+              <a:avLst/>
+            </a:prstGeom>
+            <a:noFill/>
+          </p:spPr>
+          <p:txBody>
+            <a:bodyPr wrap="square" rtlCol="0" anchor="t">
+              <a:spAutoFit/>
+            </a:bodyPr>
+            <a:lstStyle/>
+            <a:p>
+              <a:pPr algn="ctr"/>
+              <a:r>
+                <a:rPr lang="en-US" sz="2600" kern="0" spc="-100" dirty="0">
+                  <a:solidFill>
+                    <a:srgbClr val="4E4E4E"/>
+                  </a:solidFill>
+                  <a:latin typeface="S-Core Dream 6 Bold" pitchFamily="34" charset="0"/>
+                  <a:cs typeface="S-Core Dream 6 Bold" pitchFamily="34" charset="0"/>
+                </a:rPr>
+                <a:t>KEYWORD</a:t>
+              </a:r>
+              <a:endParaRPr lang="en-US" dirty="0"/>
+            </a:p>
+          </p:txBody>
+        </p:sp>
+        <p:sp>
+          <p:nvSpPr>
+            <p:cNvPr id="28" name="Object 28"/>
+            <p:cNvSpPr txBox="1"/>
+            <p:nvPr/>
+          </p:nvSpPr>
+          <p:spPr>
+            <a:xfrm>
+              <a:off x="8522072" y="2879300"/>
+              <a:ext cx="4255661" cy="836577"/>
+            </a:xfrm>
+            <a:prstGeom prst="rect">
+              <a:avLst/>
+            </a:prstGeom>
+            <a:noFill/>
+          </p:spPr>
+          <p:txBody>
+            <a:bodyPr wrap="square" rtlCol="0" anchor="ctr">
+              <a:spAutoFit/>
+            </a:bodyPr>
+            <a:lstStyle/>
+            <a:p>
+              <a:pPr algn="ctr"/>
+              <a:r>
+                <a:rPr lang="en-US" sz="1600" kern="0" spc="-100" dirty="0">
+                  <a:solidFill>
+                    <a:srgbClr val="4E4E4E"/>
+                  </a:solidFill>
+                  <a:latin typeface="S-Core Dream 4 Regular" pitchFamily="34" charset="0"/>
+                  <a:cs typeface="S-Core Dream 4 Regular" pitchFamily="34" charset="0"/>
+                </a:rPr>
+                <a:t>키워드에 관한 </a:t>
+              </a:r>
+            </a:p>
+            <a:p>
+              <a:pPr algn="ctr"/>
+              <a:r>
+                <a:rPr lang="en-US" sz="1600" kern="0" spc="-100" dirty="0">
+                  <a:solidFill>
+                    <a:srgbClr val="4E4E4E"/>
+                  </a:solidFill>
+                  <a:latin typeface="S-Core Dream 4 Regular" pitchFamily="34" charset="0"/>
+                  <a:cs typeface="S-Core Dream 4 Regular" pitchFamily="34" charset="0"/>
+                </a:rPr>
+                <a:t>설명을 적어주세요!</a:t>
+              </a:r>
+              <a:endParaRPr lang="en-US" dirty="0"/>
+            </a:p>
+          </p:txBody>
+        </p:sp>
+      </p:grpSp>
+    </p:spTree>
+  </p:cSld>
+  <p:clrMapOvr>
+    <a:masterClrMapping/>
+  </p:clrMapOvr>
+</p:sld>
+</file>
+
+<file path=ppt/slides/slide11.xml><?xml version="1.0" encoding="utf-8"?>
+<p:sld xmlns:a="http://schemas.openxmlformats.org/drawingml/2006/main" xmlns:r="http://schemas.openxmlformats.org/officeDocument/2006/relationships" xmlns:p="http://schemas.openxmlformats.org/presentationml/2006/main">
   <p:cSld name="Slide 9">
     <p:bg>
       <p:bgPr>
@@ -4431,7 +5461,7 @@
 </p:sld>
 </file>
 
-<file path=ppt/slides/slide11.xml><?xml version="1.0" encoding="utf-8"?>
+<file path=ppt/slides/slide12.xml><?xml version="1.0" encoding="utf-8"?>
 <p:sld xmlns:a="http://schemas.openxmlformats.org/drawingml/2006/main" xmlns:r="http://schemas.openxmlformats.org/officeDocument/2006/relationships" xmlns:p="http://schemas.openxmlformats.org/presentationml/2006/main">
   <p:cSld name="Slide 10">
     <p:bg>
@@ -4930,171 +5960,10 @@
           <a:chExt cx="0" cy="0"/>
         </a:xfrm>
       </p:grpSpPr>
-      <p:sp>
-        <p:nvSpPr>
-          <p:cNvPr id="3" name="Object 17">
-            <a:extLst>
-              <a:ext uri="{FF2B5EF4-FFF2-40B4-BE49-F238E27FC236}">
-                <a16:creationId xmlns:a16="http://schemas.microsoft.com/office/drawing/2014/main" id="{2624FE32-8876-A956-AE1B-0BB590E3B77A}"/>
-              </a:ext>
-            </a:extLst>
-          </p:cNvPr>
-          <p:cNvSpPr txBox="1"/>
-          <p:nvPr/>
-        </p:nvSpPr>
-        <p:spPr>
-          <a:xfrm>
-            <a:off x="16002000" y="9495711"/>
-            <a:ext cx="5868020" cy="523220"/>
-          </a:xfrm>
-          <a:prstGeom prst="rect">
-            <a:avLst/>
-          </a:prstGeom>
-          <a:noFill/>
-        </p:spPr>
-        <p:txBody>
-          <a:bodyPr wrap="square" rtlCol="0" anchor="ctr">
-            <a:spAutoFit/>
-          </a:bodyPr>
-          <a:lstStyle/>
-          <a:p>
-            <a:r>
-              <a:rPr lang="en-US" sz="2800" b="1" i="1" dirty="0">
-                <a:solidFill>
-                  <a:schemeClr val="bg2"/>
-                </a:solidFill>
-                <a:effectLst>
-                  <a:outerShdw blurRad="38100" dist="38100" dir="2700000" algn="tl">
-                    <a:srgbClr val="000000">
-                      <a:alpha val="43137"/>
-                    </a:srgbClr>
-                  </a:outerShdw>
-                </a:effectLst>
-                <a:latin typeface="+mj-ea"/>
-                <a:ea typeface="+mj-ea"/>
-              </a:rPr>
-              <a:t>UNIJAM</a:t>
-            </a:r>
-          </a:p>
-        </p:txBody>
-      </p:sp>
-      <p:sp>
-        <p:nvSpPr>
-          <p:cNvPr id="4" name="Object 17">
-            <a:extLst>
-              <a:ext uri="{FF2B5EF4-FFF2-40B4-BE49-F238E27FC236}">
-                <a16:creationId xmlns:a16="http://schemas.microsoft.com/office/drawing/2014/main" id="{0FFF141F-F9BE-F626-A67B-9E129AA7CB97}"/>
-              </a:ext>
-            </a:extLst>
-          </p:cNvPr>
-          <p:cNvSpPr txBox="1"/>
-          <p:nvPr/>
-        </p:nvSpPr>
-        <p:spPr>
-          <a:xfrm>
-            <a:off x="609600" y="9495711"/>
-            <a:ext cx="5868020" cy="523220"/>
-          </a:xfrm>
-          <a:prstGeom prst="rect">
-            <a:avLst/>
-          </a:prstGeom>
-          <a:noFill/>
-        </p:spPr>
-        <p:txBody>
-          <a:bodyPr wrap="square" rtlCol="0" anchor="ctr">
-            <a:spAutoFit/>
-          </a:bodyPr>
-          <a:lstStyle/>
-          <a:p>
-            <a:r>
-              <a:rPr lang="ko-KR" altLang="en-US" sz="2800" b="1" i="1" dirty="0" err="1">
-                <a:solidFill>
-                  <a:schemeClr val="bg2"/>
-                </a:solidFill>
-                <a:effectLst>
-                  <a:outerShdw blurRad="38100" dist="38100" dir="2700000" algn="tl">
-                    <a:srgbClr val="000000">
-                      <a:alpha val="43137"/>
-                    </a:srgbClr>
-                  </a:outerShdw>
-                </a:effectLst>
-                <a:latin typeface="+mj-ea"/>
-                <a:ea typeface="+mj-ea"/>
-              </a:rPr>
-              <a:t>골든링</a:t>
-            </a:r>
-            <a:r>
-              <a:rPr lang="ko-KR" altLang="en-US" sz="2800" b="1" i="1" dirty="0">
-                <a:solidFill>
-                  <a:schemeClr val="bg2"/>
-                </a:solidFill>
-                <a:effectLst>
-                  <a:outerShdw blurRad="38100" dist="38100" dir="2700000" algn="tl">
-                    <a:srgbClr val="000000">
-                      <a:alpha val="43137"/>
-                    </a:srgbClr>
-                  </a:outerShdw>
-                </a:effectLst>
-                <a:latin typeface="+mj-ea"/>
-                <a:ea typeface="+mj-ea"/>
-              </a:rPr>
-              <a:t> </a:t>
-            </a:r>
-            <a:r>
-              <a:rPr lang="en-US" altLang="ko-KR" sz="2800" b="1" i="1" dirty="0">
-                <a:solidFill>
-                  <a:schemeClr val="bg2"/>
-                </a:solidFill>
-                <a:effectLst>
-                  <a:outerShdw blurRad="38100" dist="38100" dir="2700000" algn="tl">
-                    <a:srgbClr val="000000">
-                      <a:alpha val="43137"/>
-                    </a:srgbClr>
-                  </a:outerShdw>
-                </a:effectLst>
-                <a:latin typeface="+mj-ea"/>
-                <a:ea typeface="+mj-ea"/>
-              </a:rPr>
-              <a:t>Team </a:t>
-            </a:r>
-            <a:r>
-              <a:rPr lang="en-US" altLang="ko-KR" sz="2800" b="1" i="1" dirty="0" err="1">
-                <a:solidFill>
-                  <a:schemeClr val="bg2"/>
-                </a:solidFill>
-                <a:effectLst>
-                  <a:outerShdw blurRad="38100" dist="38100" dir="2700000" algn="tl">
-                    <a:srgbClr val="000000">
-                      <a:alpha val="43137"/>
-                    </a:srgbClr>
-                  </a:outerShdw>
-                </a:effectLst>
-                <a:latin typeface="+mj-ea"/>
-                <a:ea typeface="+mj-ea"/>
-              </a:rPr>
-              <a:t>CarpeDiem</a:t>
-            </a:r>
-            <a:endParaRPr lang="en-US" sz="2800" b="1" i="1" dirty="0">
-              <a:solidFill>
-                <a:schemeClr val="bg2"/>
-              </a:solidFill>
-              <a:effectLst>
-                <a:outerShdw blurRad="38100" dist="38100" dir="2700000" algn="tl">
-                  <a:srgbClr val="000000">
-                    <a:alpha val="43137"/>
-                  </a:srgbClr>
-                </a:outerShdw>
-              </a:effectLst>
-              <a:latin typeface="+mj-ea"/>
-              <a:ea typeface="+mj-ea"/>
-            </a:endParaRPr>
-          </a:p>
-        </p:txBody>
-      </p:sp>
     </p:spTree>
     <p:extLst>
       <p:ext uri="{BB962C8B-B14F-4D97-AF65-F5344CB8AC3E}">
-        <p14:creationId xmlns:p14="http://schemas.microsoft.com/office/powerpoint/2010/main" val="528654018"/>
+        <p14:creationId xmlns:p14="http://schemas.microsoft.com/office/powerpoint/2010/main" val="515497688"/>
       </p:ext>
     </p:extLst>
   </p:cSld>
@@ -5105,6 +5974,61 @@
 </file>
 
 <file path=ppt/slides/slide3.xml><?xml version="1.0" encoding="utf-8"?>
+<p:sld xmlns:a="http://schemas.openxmlformats.org/drawingml/2006/main" xmlns:r="http://schemas.openxmlformats.org/officeDocument/2006/relationships" xmlns:p="http://schemas.openxmlformats.org/presentationml/2006/main">
+  <p:cSld>
+    <p:spTree>
+      <p:nvGrpSpPr>
+        <p:cNvPr id="1" name=""/>
+        <p:cNvGrpSpPr/>
+        <p:nvPr/>
+      </p:nvGrpSpPr>
+      <p:grpSpPr>
+        <a:xfrm>
+          <a:off x="0" y="0"/>
+          <a:ext cx="0" cy="0"/>
+          <a:chOff x="0" y="0"/>
+          <a:chExt cx="0" cy="0"/>
+        </a:xfrm>
+      </p:grpSpPr>
+      <p:sp>
+        <p:nvSpPr>
+          <p:cNvPr id="2" name="제목 1">
+            <a:extLst>
+              <a:ext uri="{FF2B5EF4-FFF2-40B4-BE49-F238E27FC236}">
+                <a16:creationId xmlns:a16="http://schemas.microsoft.com/office/drawing/2014/main" id="{8059D366-1D2A-D998-EA4B-F34A25B50815}"/>
+              </a:ext>
+            </a:extLst>
+          </p:cNvPr>
+          <p:cNvSpPr>
+            <a:spLocks noGrp="1"/>
+          </p:cNvSpPr>
+          <p:nvPr>
+            <p:ph type="title"/>
+          </p:nvPr>
+        </p:nvSpPr>
+        <p:spPr/>
+        <p:txBody>
+          <a:bodyPr/>
+          <a:lstStyle/>
+          <a:p>
+            <a:endParaRPr lang="ko-KR" altLang="en-US"/>
+          </a:p>
+        </p:txBody>
+      </p:sp>
+    </p:spTree>
+    <p:extLst>
+      <p:ext uri="{BB962C8B-B14F-4D97-AF65-F5344CB8AC3E}">
+        <p14:creationId xmlns:p14="http://schemas.microsoft.com/office/powerpoint/2010/main" val="3305077058"/>
+      </p:ext>
+    </p:extLst>
+  </p:cSld>
+  <p:clrMapOvr>
+    <a:masterClrMapping/>
+  </p:clrMapOvr>
+</p:sld>
+</file>
+
+<file path=ppt/slides/slide4.xml><?xml version="1.0" encoding="utf-8"?>
 <p:sld xmlns:a="http://schemas.openxmlformats.org/drawingml/2006/main" xmlns:r="http://schemas.openxmlformats.org/officeDocument/2006/relationships" xmlns:p="http://schemas.openxmlformats.org/presentationml/2006/main">
   <p:cSld name="Slide 2">
     <p:bg>
@@ -6145,7 +7069,7 @@
 </p:sld>
 </file>
 
-<file path=ppt/slides/slide4.xml><?xml version="1.0" encoding="utf-8"?>
+<file path=ppt/slides/slide5.xml><?xml version="1.0" encoding="utf-8"?>
 <p:sld xmlns:a="http://schemas.openxmlformats.org/drawingml/2006/main" xmlns:r="http://schemas.openxmlformats.org/officeDocument/2006/relationships" xmlns:p="http://schemas.openxmlformats.org/presentationml/2006/main">
   <p:cSld name="Slide 3">
     <p:bg>
@@ -6829,7 +7753,7 @@
 </p:sld>
 </file>
 
-<file path=ppt/slides/slide5.xml><?xml version="1.0" encoding="utf-8"?>
+<file path=ppt/slides/slide6.xml><?xml version="1.0" encoding="utf-8"?>
 <p:sld xmlns:a="http://schemas.openxmlformats.org/drawingml/2006/main" xmlns:r="http://schemas.openxmlformats.org/officeDocument/2006/relationships" xmlns:p="http://schemas.openxmlformats.org/presentationml/2006/main">
   <p:cSld name="Slide 4">
     <p:bg>
@@ -7552,7 +8476,7 @@
 </p:sld>
 </file>
 
-<file path=ppt/slides/slide6.xml><?xml version="1.0" encoding="utf-8"?>
+<file path=ppt/slides/slide7.xml><?xml version="1.0" encoding="utf-8"?>
 <p:sld xmlns:a="http://schemas.openxmlformats.org/drawingml/2006/main" xmlns:r="http://schemas.openxmlformats.org/officeDocument/2006/relationships" xmlns:p="http://schemas.openxmlformats.org/presentationml/2006/main">
   <p:cSld name="Slide 5">
     <p:bg>
@@ -8224,7 +9148,7 @@
 </p:sld>
 </file>
 
-<file path=ppt/slides/slide7.xml><?xml version="1.0" encoding="utf-8"?>
+<file path=ppt/slides/slide8.xml><?xml version="1.0" encoding="utf-8"?>
 <p:sld xmlns:a="http://schemas.openxmlformats.org/drawingml/2006/main" xmlns:r="http://schemas.openxmlformats.org/officeDocument/2006/relationships" xmlns:p="http://schemas.openxmlformats.org/presentationml/2006/main">
   <p:cSld name="Slide 6">
     <p:bg>
@@ -8929,7 +9853,7 @@
 </p:sld>
 </file>
 
-<file path=ppt/slides/slide8.xml><?xml version="1.0" encoding="utf-8"?>
+<file path=ppt/slides/slide9.xml><?xml version="1.0" encoding="utf-8"?>
 <p:sld xmlns:a="http://schemas.openxmlformats.org/drawingml/2006/main" xmlns:r="http://schemas.openxmlformats.org/officeDocument/2006/relationships" xmlns:p="http://schemas.openxmlformats.org/presentationml/2006/main">
   <p:cSld name="Slide 7">
     <p:bg>
@@ -9798,701 +10722,6 @@
           </a:p>
         </p:txBody>
       </p:sp>
-    </p:spTree>
-  </p:cSld>
-  <p:clrMapOvr>
-    <a:masterClrMapping/>
-  </p:clrMapOvr>
-</p:sld>
-</file>
-
-<file path=ppt/slides/slide9.xml><?xml version="1.0" encoding="utf-8"?>
-<p:sld xmlns:a="http://schemas.openxmlformats.org/drawingml/2006/main" xmlns:r="http://schemas.openxmlformats.org/officeDocument/2006/relationships" xmlns:p="http://schemas.openxmlformats.org/presentationml/2006/main">
-  <p:cSld name="Slide 8">
-    <p:bg>
-      <p:bgPr>
-        <a:solidFill>
-          <a:srgbClr val="E1E0DA"/>
-        </a:solidFill>
-        <a:effectLst/>
-      </p:bgPr>
-    </p:bg>
-    <p:spTree>
-      <p:nvGrpSpPr>
-        <p:cNvPr id="1" name=""/>
-        <p:cNvGrpSpPr/>
-        <p:nvPr/>
-      </p:nvGrpSpPr>
-      <p:grpSpPr>
-        <a:xfrm>
-          <a:off x="0" y="0"/>
-          <a:ext cx="0" cy="0"/>
-          <a:chOff x="0" y="0"/>
-          <a:chExt cx="0" cy="0"/>
-        </a:xfrm>
-      </p:grpSpPr>
-      <p:grpSp>
-        <p:nvGrpSpPr>
-          <p:cNvPr id="1001" name="그룹 1001"/>
-          <p:cNvGrpSpPr/>
-          <p:nvPr/>
-        </p:nvGrpSpPr>
-        <p:grpSpPr>
-          <a:xfrm>
-            <a:off x="8442440" y="758239"/>
-            <a:ext cx="4384618" cy="4384618"/>
-            <a:chOff x="8442440" y="758239"/>
-            <a:chExt cx="4384618" cy="4384618"/>
-          </a:xfrm>
-        </p:grpSpPr>
-        <p:pic>
-          <p:nvPicPr>
-            <p:cNvPr id="3" name="Object 2"/>
-            <p:cNvPicPr>
-              <a:picLocks noChangeAspect="1"/>
-            </p:cNvPicPr>
-            <p:nvPr/>
-          </p:nvPicPr>
-          <p:blipFill>
-            <a:blip r:embed="rId2" cstate="print"/>
-            <a:stretch>
-              <a:fillRect/>
-            </a:stretch>
-          </p:blipFill>
-          <p:spPr>
-            <a:xfrm rot="5400000">
-              <a:off x="8442440" y="758239"/>
-              <a:ext cx="4384618" cy="4384618"/>
-            </a:xfrm>
-            <a:prstGeom prst="rect">
-              <a:avLst/>
-            </a:prstGeom>
-          </p:spPr>
-        </p:pic>
-      </p:grpSp>
-      <p:grpSp>
-        <p:nvGrpSpPr>
-          <p:cNvPr id="1002" name="그룹 1002"/>
-          <p:cNvGrpSpPr/>
-          <p:nvPr/>
-        </p:nvGrpSpPr>
-        <p:grpSpPr>
-          <a:xfrm>
-            <a:off x="5538243" y="1974650"/>
-            <a:ext cx="3453076" cy="3453076"/>
-            <a:chOff x="5538243" y="1974650"/>
-            <a:chExt cx="3453076" cy="3453076"/>
-          </a:xfrm>
-        </p:grpSpPr>
-        <p:pic>
-          <p:nvPicPr>
-            <p:cNvPr id="6" name="Object 5"/>
-            <p:cNvPicPr>
-              <a:picLocks noChangeAspect="1"/>
-            </p:cNvPicPr>
-            <p:nvPr/>
-          </p:nvPicPr>
-          <p:blipFill>
-            <a:blip r:embed="rId3" cstate="print"/>
-            <a:stretch>
-              <a:fillRect/>
-            </a:stretch>
-          </p:blipFill>
-          <p:spPr>
-            <a:xfrm rot="-10800000">
-              <a:off x="5538243" y="1974650"/>
-              <a:ext cx="3453076" cy="3453076"/>
-            </a:xfrm>
-            <a:prstGeom prst="rect">
-              <a:avLst/>
-            </a:prstGeom>
-          </p:spPr>
-        </p:pic>
-      </p:grpSp>
-      <p:sp>
-        <p:nvSpPr>
-          <p:cNvPr id="8" name="Object 8"/>
-          <p:cNvSpPr txBox="1"/>
-          <p:nvPr/>
-        </p:nvSpPr>
-        <p:spPr>
-          <a:xfrm>
-            <a:off x="5680138" y="3082472"/>
-            <a:ext cx="3169285" cy="541840"/>
-          </a:xfrm>
-          <a:prstGeom prst="rect">
-            <a:avLst/>
-          </a:prstGeom>
-          <a:noFill/>
-        </p:spPr>
-        <p:txBody>
-          <a:bodyPr wrap="square" rtlCol="0" anchor="t">
-            <a:spAutoFit/>
-          </a:bodyPr>
-          <a:lstStyle/>
-          <a:p>
-            <a:pPr algn="ctr"/>
-            <a:r>
-              <a:rPr lang="en-US" sz="2000" kern="0" spc="-100" dirty="0">
-                <a:solidFill>
-                  <a:srgbClr val="4E4E4E"/>
-                </a:solidFill>
-                <a:latin typeface="S-Core Dream 6 Bold" pitchFamily="34" charset="0"/>
-                <a:cs typeface="S-Core Dream 6 Bold" pitchFamily="34" charset="0"/>
-              </a:rPr>
-              <a:t>KEYWORD</a:t>
-            </a:r>
-            <a:endParaRPr lang="en-US" dirty="0"/>
-          </a:p>
-        </p:txBody>
-      </p:sp>
-      <p:sp>
-        <p:nvSpPr>
-          <p:cNvPr id="9" name="Object 9"/>
-          <p:cNvSpPr txBox="1"/>
-          <p:nvPr/>
-        </p:nvSpPr>
-        <p:spPr>
-          <a:xfrm>
-            <a:off x="5287206" y="3308290"/>
-            <a:ext cx="3955150" cy="1287320"/>
-          </a:xfrm>
-          <a:prstGeom prst="rect">
-            <a:avLst/>
-          </a:prstGeom>
-          <a:noFill/>
-        </p:spPr>
-        <p:txBody>
-          <a:bodyPr wrap="square" rtlCol="0" anchor="ctr">
-            <a:spAutoFit/>
-          </a:bodyPr>
-          <a:lstStyle/>
-          <a:p>
-            <a:pPr algn="ctr"/>
-            <a:r>
-              <a:rPr lang="en-US" sz="1200" kern="0" spc="-100" dirty="0">
-                <a:solidFill>
-                  <a:srgbClr val="4E4E4E"/>
-                </a:solidFill>
-                <a:latin typeface="S-Core Dream 4 Regular" pitchFamily="34" charset="0"/>
-                <a:cs typeface="S-Core Dream 4 Regular" pitchFamily="34" charset="0"/>
-              </a:rPr>
-              <a:t>키워드에 관한 설명을 적어주세요!</a:t>
-            </a:r>
-          </a:p>
-          <a:p>
-            <a:pPr algn="ctr"/>
-            <a:r>
-              <a:rPr lang="en-US" sz="1200" kern="0" spc="-100" dirty="0">
-                <a:solidFill>
-                  <a:srgbClr val="4E4E4E"/>
-                </a:solidFill>
-                <a:latin typeface="S-Core Dream 4 Regular" pitchFamily="34" charset="0"/>
-                <a:cs typeface="S-Core Dream 4 Regular" pitchFamily="34" charset="0"/>
-              </a:rPr>
-              <a:t>키워드에 관한 설명을 적어주세요!</a:t>
-            </a:r>
-          </a:p>
-          <a:p>
-            <a:pPr algn="ctr"/>
-            <a:r>
-              <a:rPr lang="en-US" sz="1200" kern="0" spc="-100" dirty="0">
-                <a:solidFill>
-                  <a:srgbClr val="4E4E4E"/>
-                </a:solidFill>
-                <a:latin typeface="S-Core Dream 4 Regular" pitchFamily="34" charset="0"/>
-                <a:cs typeface="S-Core Dream 4 Regular" pitchFamily="34" charset="0"/>
-              </a:rPr>
-              <a:t>키워드에 관한 설명을 적어주세요!</a:t>
-            </a:r>
-          </a:p>
-          <a:p>
-            <a:pPr algn="ctr"/>
-            <a:r>
-              <a:rPr lang="en-US" sz="1200" kern="0" spc="-100" dirty="0">
-                <a:solidFill>
-                  <a:srgbClr val="4E4E4E"/>
-                </a:solidFill>
-                <a:latin typeface="S-Core Dream 4 Regular" pitchFamily="34" charset="0"/>
-                <a:cs typeface="S-Core Dream 4 Regular" pitchFamily="34" charset="0"/>
-              </a:rPr>
-              <a:t>키워드에 관한 설명을 적어주세요!</a:t>
-            </a:r>
-            <a:endParaRPr lang="en-US" dirty="0"/>
-          </a:p>
-        </p:txBody>
-      </p:sp>
-      <p:sp>
-        <p:nvSpPr>
-          <p:cNvPr id="10" name="Object 10"/>
-          <p:cNvSpPr txBox="1"/>
-          <p:nvPr/>
-        </p:nvSpPr>
-        <p:spPr>
-          <a:xfrm>
-            <a:off x="2760081" y="2271087"/>
-            <a:ext cx="2563371" cy="339437"/>
-          </a:xfrm>
-          <a:prstGeom prst="rect">
-            <a:avLst/>
-          </a:prstGeom>
-          <a:noFill/>
-        </p:spPr>
-        <p:txBody>
-          <a:bodyPr wrap="square" rtlCol="0" anchor="ctr">
-            <a:spAutoFit/>
-          </a:bodyPr>
-          <a:lstStyle/>
-          <a:p>
-            <a:r>
-              <a:rPr lang="en-US" sz="1300" kern="0" spc="200" dirty="0">
-                <a:solidFill>
-                  <a:srgbClr val="4E4E4E"/>
-                </a:solidFill>
-                <a:latin typeface="S-Core Dream 3 Light" pitchFamily="34" charset="0"/>
-                <a:cs typeface="S-Core Dream 3 Light" pitchFamily="34" charset="0"/>
-              </a:rPr>
-              <a:t>CONTENTS</a:t>
-            </a:r>
-            <a:endParaRPr lang="en-US" dirty="0"/>
-          </a:p>
-        </p:txBody>
-      </p:sp>
-      <p:sp>
-        <p:nvSpPr>
-          <p:cNvPr id="11" name="Object 11"/>
-          <p:cNvSpPr txBox="1"/>
-          <p:nvPr/>
-        </p:nvSpPr>
-        <p:spPr>
-          <a:xfrm>
-            <a:off x="2744927" y="1628895"/>
-            <a:ext cx="1981683" cy="960963"/>
-          </a:xfrm>
-          <a:prstGeom prst="rect">
-            <a:avLst/>
-          </a:prstGeom>
-          <a:noFill/>
-        </p:spPr>
-        <p:txBody>
-          <a:bodyPr wrap="square" rtlCol="0" anchor="ctr">
-            <a:spAutoFit/>
-          </a:bodyPr>
-          <a:lstStyle/>
-          <a:p>
-            <a:r>
-              <a:rPr lang="en-US" sz="3600" kern="0" spc="300" dirty="0">
-                <a:solidFill>
-                  <a:srgbClr val="4E4E4E"/>
-                </a:solidFill>
-                <a:latin typeface="S-Core Dream 5 Medium" pitchFamily="34" charset="0"/>
-                <a:cs typeface="S-Core Dream 5 Medium" pitchFamily="34" charset="0"/>
-              </a:rPr>
-              <a:t>06</a:t>
-            </a:r>
-            <a:endParaRPr lang="en-US" dirty="0"/>
-          </a:p>
-        </p:txBody>
-      </p:sp>
-      <p:sp>
-        <p:nvSpPr>
-          <p:cNvPr id="12" name="Object 12"/>
-          <p:cNvSpPr txBox="1"/>
-          <p:nvPr/>
-        </p:nvSpPr>
-        <p:spPr>
-          <a:xfrm>
-            <a:off x="8689241" y="5816396"/>
-            <a:ext cx="9849497" cy="3827871"/>
-          </a:xfrm>
-          <a:prstGeom prst="rect">
-            <a:avLst/>
-          </a:prstGeom>
-          <a:noFill/>
-        </p:spPr>
-        <p:txBody>
-          <a:bodyPr wrap="square" rtlCol="0" anchor="t">
-            <a:spAutoFit/>
-          </a:bodyPr>
-          <a:lstStyle/>
-          <a:p>
-            <a:r>
-              <a:rPr lang="en-US" sz="1900" kern="0" spc="-100" dirty="0">
-                <a:solidFill>
-                  <a:srgbClr val="4E4E4E"/>
-                </a:solidFill>
-                <a:latin typeface="S-Core Dream 5 Medium" pitchFamily="34" charset="0"/>
-                <a:cs typeface="S-Core Dream 5 Medium" pitchFamily="34" charset="0"/>
-              </a:rPr>
-              <a:t>프레젠테이션 핵심을 입력해주세요</a:t>
-            </a:r>
-          </a:p>
-          <a:p>
-            <a:endParaRPr lang="en-US" sz="1900" kern="0" spc="-100" dirty="0">
-              <a:solidFill>
-                <a:srgbClr val="4E4E4E"/>
-              </a:solidFill>
-              <a:latin typeface="S-Core Dream 5 Medium" pitchFamily="34" charset="0"/>
-              <a:cs typeface="S-Core Dream 5 Medium" pitchFamily="34" charset="0"/>
-            </a:endParaRPr>
-          </a:p>
-          <a:p>
-            <a:r>
-              <a:rPr lang="en-US" sz="1300" kern="0" spc="-100" dirty="0">
-                <a:solidFill>
-                  <a:srgbClr val="4E4E4E"/>
-                </a:solidFill>
-                <a:latin typeface="S-Core Dream 4 Regular" pitchFamily="34" charset="0"/>
-                <a:cs typeface="S-Core Dream 4 Regular" pitchFamily="34" charset="0"/>
-              </a:rPr>
-              <a:t>피어나는 대한 속잎나고, 아니한 미인을 철환하였는가? 이상 쓸쓸한 인간은 보라. 피가 것은 그것을 내는 얼음 구하지 간에 이성은 교향악이다. 동산에는 무한한 가진 그들의 미묘한 가치를 것이다. 찾아다녀도, 그들은 생명을 끝에 것이 따뜻한 하여도 쓸쓸하랴? </a:t>
-            </a:r>
-          </a:p>
-          <a:p>
-            <a:endParaRPr lang="en-US" sz="1300" kern="0" spc="-100" dirty="0">
-              <a:solidFill>
-                <a:srgbClr val="4E4E4E"/>
-              </a:solidFill>
-              <a:latin typeface="S-Core Dream 4 Regular" pitchFamily="34" charset="0"/>
-              <a:cs typeface="S-Core Dream 4 Regular" pitchFamily="34" charset="0"/>
-            </a:endParaRPr>
-          </a:p>
-          <a:p>
-            <a:r>
-              <a:rPr lang="en-US" sz="1300" kern="0" spc="-100" dirty="0">
-                <a:solidFill>
-                  <a:srgbClr val="4E4E4E"/>
-                </a:solidFill>
-                <a:latin typeface="S-Core Dream 4 Regular" pitchFamily="34" charset="0"/>
-                <a:cs typeface="S-Core Dream 4 Regular" pitchFamily="34" charset="0"/>
-              </a:rPr>
-              <a:t>그들은 듣기만 인도하겠다는 그들의 위하여, 피에 보라. 가치를 이성은 풍부하게 귀는 인간이 발휘하기 지혜는 듣는다. </a:t>
-            </a:r>
-            <a:endParaRPr lang="en-US" dirty="0"/>
-          </a:p>
-        </p:txBody>
-      </p:sp>
-      <p:grpSp>
-        <p:nvGrpSpPr>
-          <p:cNvPr id="1003" name="그룹 1003"/>
-          <p:cNvGrpSpPr/>
-          <p:nvPr/>
-        </p:nvGrpSpPr>
-        <p:grpSpPr>
-          <a:xfrm>
-            <a:off x="238817" y="3853001"/>
-            <a:ext cx="7199850" cy="7199850"/>
-            <a:chOff x="238817" y="3853001"/>
-            <a:chExt cx="7199850" cy="7199850"/>
-          </a:xfrm>
-        </p:grpSpPr>
-        <p:pic>
-          <p:nvPicPr>
-            <p:cNvPr id="14" name="Object 13"/>
-            <p:cNvPicPr>
-              <a:picLocks noChangeAspect="1"/>
-            </p:cNvPicPr>
-            <p:nvPr/>
-          </p:nvPicPr>
-          <p:blipFill>
-            <a:blip r:embed="rId4" cstate="print"/>
-            <a:stretch>
-              <a:fillRect/>
-            </a:stretch>
-          </p:blipFill>
-          <p:spPr>
-            <a:xfrm>
-              <a:off x="238817" y="3853001"/>
-              <a:ext cx="7199850" cy="7199850"/>
-            </a:xfrm>
-            <a:prstGeom prst="rect">
-              <a:avLst/>
-            </a:prstGeom>
-          </p:spPr>
-        </p:pic>
-      </p:grpSp>
-      <p:grpSp>
-        <p:nvGrpSpPr>
-          <p:cNvPr id="1004" name="그룹 1004"/>
-          <p:cNvGrpSpPr/>
-          <p:nvPr/>
-        </p:nvGrpSpPr>
-        <p:grpSpPr>
-          <a:xfrm>
-            <a:off x="938334" y="4552519"/>
-            <a:ext cx="5800815" cy="5800815"/>
-            <a:chOff x="938334" y="4552519"/>
-            <a:chExt cx="5800815" cy="5800815"/>
-          </a:xfrm>
-        </p:grpSpPr>
-        <p:pic>
-          <p:nvPicPr>
-            <p:cNvPr id="17" name="Object 16"/>
-            <p:cNvPicPr>
-              <a:picLocks noChangeAspect="1"/>
-            </p:cNvPicPr>
-            <p:nvPr/>
-          </p:nvPicPr>
-          <p:blipFill>
-            <a:blip r:embed="rId5" cstate="print"/>
-            <a:stretch>
-              <a:fillRect/>
-            </a:stretch>
-          </p:blipFill>
-          <p:spPr>
-            <a:xfrm rot="-27000000">
-              <a:off x="938334" y="4552519"/>
-              <a:ext cx="5800815" cy="5800815"/>
-            </a:xfrm>
-            <a:prstGeom prst="rect">
-              <a:avLst/>
-            </a:prstGeom>
-          </p:spPr>
-        </p:pic>
-      </p:grpSp>
-      <p:grpSp>
-        <p:nvGrpSpPr>
-          <p:cNvPr id="1005" name="그룹 1005"/>
-          <p:cNvGrpSpPr/>
-          <p:nvPr/>
-        </p:nvGrpSpPr>
-        <p:grpSpPr>
-          <a:xfrm>
-            <a:off x="1852722" y="5466907"/>
-            <a:ext cx="3972039" cy="3972039"/>
-            <a:chOff x="1852722" y="5466907"/>
-            <a:chExt cx="3972039" cy="3972039"/>
-          </a:xfrm>
-        </p:grpSpPr>
-        <p:pic>
-          <p:nvPicPr>
-            <p:cNvPr id="20" name="Object 19"/>
-            <p:cNvPicPr>
-              <a:picLocks noChangeAspect="1"/>
-            </p:cNvPicPr>
-            <p:nvPr/>
-          </p:nvPicPr>
-          <p:blipFill>
-            <a:blip r:embed="rId6" cstate="print"/>
-            <a:stretch>
-              <a:fillRect/>
-            </a:stretch>
-          </p:blipFill>
-          <p:spPr>
-            <a:xfrm rot="-27000000">
-              <a:off x="1852722" y="5466907"/>
-              <a:ext cx="3972039" cy="3972039"/>
-            </a:xfrm>
-            <a:prstGeom prst="rect">
-              <a:avLst/>
-            </a:prstGeom>
-          </p:spPr>
-        </p:pic>
-      </p:grpSp>
-      <p:grpSp>
-        <p:nvGrpSpPr>
-          <p:cNvPr id="1006" name="그룹 1006"/>
-          <p:cNvGrpSpPr/>
-          <p:nvPr/>
-        </p:nvGrpSpPr>
-        <p:grpSpPr>
-          <a:xfrm>
-            <a:off x="2106856" y="6770591"/>
-            <a:ext cx="3445701" cy="1370142"/>
-            <a:chOff x="2106856" y="6770591"/>
-            <a:chExt cx="3445701" cy="1370142"/>
-          </a:xfrm>
-        </p:grpSpPr>
-        <p:sp>
-          <p:nvSpPr>
-            <p:cNvPr id="23" name="Object 23"/>
-            <p:cNvSpPr txBox="1"/>
-            <p:nvPr/>
-          </p:nvSpPr>
-          <p:spPr>
-            <a:xfrm>
-              <a:off x="1336763" y="6770591"/>
-              <a:ext cx="4985887" cy="852417"/>
-            </a:xfrm>
-            <a:prstGeom prst="rect">
-              <a:avLst/>
-            </a:prstGeom>
-            <a:noFill/>
-          </p:spPr>
-          <p:txBody>
-            <a:bodyPr wrap="square" rtlCol="0" anchor="t">
-              <a:spAutoFit/>
-            </a:bodyPr>
-            <a:lstStyle/>
-            <a:p>
-              <a:pPr algn="ctr"/>
-              <a:r>
-                <a:rPr lang="en-US" sz="3200" kern="0" spc="-100" dirty="0">
-                  <a:solidFill>
-                    <a:srgbClr val="E1E0DA"/>
-                  </a:solidFill>
-                  <a:latin typeface="S-Core Dream 6 Bold" pitchFamily="34" charset="0"/>
-                  <a:cs typeface="S-Core Dream 6 Bold" pitchFamily="34" charset="0"/>
-                </a:rPr>
-                <a:t>KEYWORD</a:t>
-              </a:r>
-              <a:endParaRPr lang="en-US" dirty="0"/>
-            </a:p>
-          </p:txBody>
-        </p:sp>
-        <p:sp>
-          <p:nvSpPr>
-            <p:cNvPr id="24" name="Object 24"/>
-            <p:cNvSpPr txBox="1"/>
-            <p:nvPr/>
-          </p:nvSpPr>
-          <p:spPr>
-            <a:xfrm>
-              <a:off x="1245430" y="7294039"/>
-              <a:ext cx="5168552" cy="1016033"/>
-            </a:xfrm>
-            <a:prstGeom prst="rect">
-              <a:avLst/>
-            </a:prstGeom>
-            <a:noFill/>
-          </p:spPr>
-          <p:txBody>
-            <a:bodyPr wrap="square" rtlCol="0" anchor="ctr">
-              <a:spAutoFit/>
-            </a:bodyPr>
-            <a:lstStyle/>
-            <a:p>
-              <a:pPr algn="ctr"/>
-              <a:r>
-                <a:rPr lang="en-US" sz="1900" kern="0" spc="-100" dirty="0">
-                  <a:solidFill>
-                    <a:srgbClr val="E1E0DA"/>
-                  </a:solidFill>
-                  <a:latin typeface="S-Core Dream 4 Regular" pitchFamily="34" charset="0"/>
-                  <a:cs typeface="S-Core Dream 4 Regular" pitchFamily="34" charset="0"/>
-                </a:rPr>
-                <a:t>키워드에 관한 </a:t>
-              </a:r>
-            </a:p>
-            <a:p>
-              <a:pPr algn="ctr"/>
-              <a:r>
-                <a:rPr lang="en-US" sz="1900" kern="0" spc="-100" dirty="0">
-                  <a:solidFill>
-                    <a:srgbClr val="E1E0DA"/>
-                  </a:solidFill>
-                  <a:latin typeface="S-Core Dream 4 Regular" pitchFamily="34" charset="0"/>
-                  <a:cs typeface="S-Core Dream 4 Regular" pitchFamily="34" charset="0"/>
-                </a:rPr>
-                <a:t>설명을 적어주세요!</a:t>
-              </a:r>
-              <a:endParaRPr lang="en-US" dirty="0"/>
-            </a:p>
-          </p:txBody>
-        </p:sp>
-      </p:grpSp>
-      <p:grpSp>
-        <p:nvGrpSpPr>
-          <p:cNvPr id="1007" name="그룹 1007"/>
-          <p:cNvGrpSpPr/>
-          <p:nvPr/>
-        </p:nvGrpSpPr>
-        <p:grpSpPr>
-          <a:xfrm>
-            <a:off x="9231349" y="2448305"/>
-            <a:ext cx="2837107" cy="1128142"/>
-            <a:chOff x="9231349" y="2448305"/>
-            <a:chExt cx="2837107" cy="1128142"/>
-          </a:xfrm>
-        </p:grpSpPr>
-        <p:sp>
-          <p:nvSpPr>
-            <p:cNvPr id="27" name="Object 27"/>
-            <p:cNvSpPr txBox="1"/>
-            <p:nvPr/>
-          </p:nvSpPr>
-          <p:spPr>
-            <a:xfrm>
-              <a:off x="8597274" y="2448305"/>
-              <a:ext cx="4105259" cy="701860"/>
-            </a:xfrm>
-            <a:prstGeom prst="rect">
-              <a:avLst/>
-            </a:prstGeom>
-            <a:noFill/>
-          </p:spPr>
-          <p:txBody>
-            <a:bodyPr wrap="square" rtlCol="0" anchor="t">
-              <a:spAutoFit/>
-            </a:bodyPr>
-            <a:lstStyle/>
-            <a:p>
-              <a:pPr algn="ctr"/>
-              <a:r>
-                <a:rPr lang="en-US" sz="2600" kern="0" spc="-100" dirty="0">
-                  <a:solidFill>
-                    <a:srgbClr val="4E4E4E"/>
-                  </a:solidFill>
-                  <a:latin typeface="S-Core Dream 6 Bold" pitchFamily="34" charset="0"/>
-                  <a:cs typeface="S-Core Dream 6 Bold" pitchFamily="34" charset="0"/>
-                </a:rPr>
-                <a:t>KEYWORD</a:t>
-              </a:r>
-              <a:endParaRPr lang="en-US" dirty="0"/>
-            </a:p>
-          </p:txBody>
-        </p:sp>
-        <p:sp>
-          <p:nvSpPr>
-            <p:cNvPr id="28" name="Object 28"/>
-            <p:cNvSpPr txBox="1"/>
-            <p:nvPr/>
-          </p:nvSpPr>
-          <p:spPr>
-            <a:xfrm>
-              <a:off x="8522072" y="2879300"/>
-              <a:ext cx="4255661" cy="836577"/>
-            </a:xfrm>
-            <a:prstGeom prst="rect">
-              <a:avLst/>
-            </a:prstGeom>
-            <a:noFill/>
-          </p:spPr>
-          <p:txBody>
-            <a:bodyPr wrap="square" rtlCol="0" anchor="ctr">
-              <a:spAutoFit/>
-            </a:bodyPr>
-            <a:lstStyle/>
-            <a:p>
-              <a:pPr algn="ctr"/>
-              <a:r>
-                <a:rPr lang="en-US" sz="1600" kern="0" spc="-100" dirty="0">
-                  <a:solidFill>
-                    <a:srgbClr val="4E4E4E"/>
-                  </a:solidFill>
-                  <a:latin typeface="S-Core Dream 4 Regular" pitchFamily="34" charset="0"/>
-                  <a:cs typeface="S-Core Dream 4 Regular" pitchFamily="34" charset="0"/>
-                </a:rPr>
-                <a:t>키워드에 관한 </a:t>
-              </a:r>
-            </a:p>
-            <a:p>
-              <a:pPr algn="ctr"/>
-              <a:r>
-                <a:rPr lang="en-US" sz="1600" kern="0" spc="-100" dirty="0">
-                  <a:solidFill>
-                    <a:srgbClr val="4E4E4E"/>
-                  </a:solidFill>
-                  <a:latin typeface="S-Core Dream 4 Regular" pitchFamily="34" charset="0"/>
-                  <a:cs typeface="S-Core Dream 4 Regular" pitchFamily="34" charset="0"/>
-                </a:rPr>
-                <a:t>설명을 적어주세요!</a:t>
-              </a:r>
-              <a:endParaRPr lang="en-US" dirty="0"/>
-            </a:p>
-          </p:txBody>
-        </p:sp>
-      </p:grpSp>
     </p:spTree>
   </p:cSld>
   <p:clrMapOvr>

--- a/CarpeDiem.pptx
+++ b/CarpeDiem.pptx
@@ -7,10 +7,10 @@
   <p:sldIdLst>
     <p:sldId id="256" r:id="rId2"/>
     <p:sldId id="268" r:id="rId3"/>
-    <p:sldId id="267" r:id="rId4"/>
-    <p:sldId id="257" r:id="rId5"/>
-    <p:sldId id="258" r:id="rId6"/>
-    <p:sldId id="259" r:id="rId7"/>
+    <p:sldId id="270" r:id="rId4"/>
+    <p:sldId id="271" r:id="rId5"/>
+    <p:sldId id="257" r:id="rId6"/>
+    <p:sldId id="258" r:id="rId7"/>
     <p:sldId id="260" r:id="rId8"/>
     <p:sldId id="261" r:id="rId9"/>
     <p:sldId id="262" r:id="rId10"/>
@@ -1842,6 +1842,13 @@
           <a:lstStyle>
             <a:lvl1pPr algn="l">
               <a:defRPr>
+                <a:effectLst>
+                  <a:outerShdw blurRad="38100" dist="38100" dir="2700000" algn="tl">
+                    <a:srgbClr val="000000">
+                      <a:alpha val="43137"/>
+                    </a:srgbClr>
+                  </a:outerShdw>
+                </a:effectLst>
                 <a:latin typeface="+mj-ea"/>
                 <a:ea typeface="+mj-ea"/>
               </a:defRPr>
@@ -5960,6 +5967,308 @@
           <a:chExt cx="0" cy="0"/>
         </a:xfrm>
       </p:grpSpPr>
+      <p:grpSp>
+        <p:nvGrpSpPr>
+          <p:cNvPr id="11" name="그룹 10">
+            <a:extLst>
+              <a:ext uri="{FF2B5EF4-FFF2-40B4-BE49-F238E27FC236}">
+                <a16:creationId xmlns:a16="http://schemas.microsoft.com/office/drawing/2014/main" id="{58C89C5C-9624-148C-2CD7-3E9BC2241C9A}"/>
+              </a:ext>
+            </a:extLst>
+          </p:cNvPr>
+          <p:cNvGrpSpPr/>
+          <p:nvPr/>
+        </p:nvGrpSpPr>
+        <p:grpSpPr>
+          <a:xfrm>
+            <a:off x="2737756" y="1562100"/>
+            <a:ext cx="7543799" cy="2971800"/>
+            <a:chOff x="2286000" y="1219200"/>
+            <a:chExt cx="7543799" cy="2971800"/>
+          </a:xfrm>
+        </p:grpSpPr>
+        <p:pic>
+          <p:nvPicPr>
+            <p:cNvPr id="3" name="그래픽 2" descr="동전 윤곽선">
+              <a:extLst>
+                <a:ext uri="{FF2B5EF4-FFF2-40B4-BE49-F238E27FC236}">
+                  <a16:creationId xmlns:a16="http://schemas.microsoft.com/office/drawing/2014/main" id="{15FB2F2E-1516-6824-591D-723A62C6E88C}"/>
+                </a:ext>
+              </a:extLst>
+            </p:cNvPr>
+            <p:cNvPicPr>
+              <a:picLocks noChangeAspect="1"/>
+            </p:cNvPicPr>
+            <p:nvPr/>
+          </p:nvPicPr>
+          <p:blipFill>
+            <a:blip r:embed="rId2">
+              <a:extLst>
+                <a:ext uri="{28A0092B-C50C-407E-A947-70E740481C1C}">
+                  <a14:useLocalDpi xmlns:a14="http://schemas.microsoft.com/office/drawing/2010/main" val="0"/>
+                </a:ext>
+                <a:ext uri="{96DAC541-7B7A-43D3-8B79-37D633B846F1}">
+                  <asvg:svgBlip xmlns:asvg="http://schemas.microsoft.com/office/drawing/2016/SVG/main" r:embed="rId3"/>
+                </a:ext>
+              </a:extLst>
+            </a:blip>
+            <a:stretch>
+              <a:fillRect/>
+            </a:stretch>
+          </p:blipFill>
+          <p:spPr>
+            <a:xfrm>
+              <a:off x="2286000" y="1219200"/>
+              <a:ext cx="2971800" cy="2971800"/>
+            </a:xfrm>
+            <a:prstGeom prst="rect">
+              <a:avLst/>
+            </a:prstGeom>
+          </p:spPr>
+        </p:pic>
+        <p:pic>
+          <p:nvPicPr>
+            <p:cNvPr id="5" name="그래픽 4" descr="사용자 크라운 남자 단색으로 채워진">
+              <a:extLst>
+                <a:ext uri="{FF2B5EF4-FFF2-40B4-BE49-F238E27FC236}">
+                  <a16:creationId xmlns:a16="http://schemas.microsoft.com/office/drawing/2014/main" id="{808A1745-0E4F-EF48-207B-D16BA7C74045}"/>
+                </a:ext>
+              </a:extLst>
+            </p:cNvPr>
+            <p:cNvPicPr>
+              <a:picLocks noChangeAspect="1"/>
+            </p:cNvPicPr>
+            <p:nvPr/>
+          </p:nvPicPr>
+          <p:blipFill>
+            <a:blip r:embed="rId4">
+              <a:extLst>
+                <a:ext uri="{28A0092B-C50C-407E-A947-70E740481C1C}">
+                  <a14:useLocalDpi xmlns:a14="http://schemas.microsoft.com/office/drawing/2010/main" val="0"/>
+                </a:ext>
+                <a:ext uri="{96DAC541-7B7A-43D3-8B79-37D633B846F1}">
+                  <asvg:svgBlip xmlns:asvg="http://schemas.microsoft.com/office/drawing/2016/SVG/main" r:embed="rId5"/>
+                </a:ext>
+              </a:extLst>
+            </a:blip>
+            <a:stretch>
+              <a:fillRect/>
+            </a:stretch>
+          </p:blipFill>
+          <p:spPr>
+            <a:xfrm>
+              <a:off x="7315199" y="1447800"/>
+              <a:ext cx="2514600" cy="2514600"/>
+            </a:xfrm>
+            <a:prstGeom prst="rect">
+              <a:avLst/>
+            </a:prstGeom>
+          </p:spPr>
+        </p:pic>
+        <p:sp>
+          <p:nvSpPr>
+            <p:cNvPr id="6" name="TextBox 5">
+              <a:extLst>
+                <a:ext uri="{FF2B5EF4-FFF2-40B4-BE49-F238E27FC236}">
+                  <a16:creationId xmlns:a16="http://schemas.microsoft.com/office/drawing/2014/main" id="{E4E76275-CE61-B7B7-6402-DDFE863294A8}"/>
+                </a:ext>
+              </a:extLst>
+            </p:cNvPr>
+            <p:cNvSpPr txBox="1"/>
+            <p:nvPr/>
+          </p:nvSpPr>
+          <p:spPr>
+            <a:xfrm>
+              <a:off x="5648344" y="2019300"/>
+              <a:ext cx="1276311" cy="1107996"/>
+            </a:xfrm>
+            <a:prstGeom prst="rect">
+              <a:avLst/>
+            </a:prstGeom>
+            <a:noFill/>
+          </p:spPr>
+          <p:txBody>
+            <a:bodyPr wrap="none" rtlCol="0">
+              <a:spAutoFit/>
+            </a:bodyPr>
+            <a:lstStyle/>
+            <a:p>
+              <a:r>
+                <a:rPr lang="en-US" altLang="ko-KR" sz="6600" b="1" dirty="0">
+                  <a:effectLst>
+                    <a:outerShdw blurRad="38100" dist="38100" dir="2700000" algn="tl">
+                      <a:srgbClr val="000000">
+                        <a:alpha val="43137"/>
+                      </a:srgbClr>
+                    </a:outerShdw>
+                  </a:effectLst>
+                </a:rPr>
+                <a:t>V S</a:t>
+              </a:r>
+              <a:endParaRPr lang="ko-KR" altLang="en-US" sz="6600" b="1" dirty="0">
+                <a:effectLst>
+                  <a:outerShdw blurRad="38100" dist="38100" dir="2700000" algn="tl">
+                    <a:srgbClr val="000000">
+                      <a:alpha val="43137"/>
+                    </a:srgbClr>
+                  </a:outerShdw>
+                </a:effectLst>
+              </a:endParaRPr>
+            </a:p>
+          </p:txBody>
+        </p:sp>
+      </p:grpSp>
+      <p:grpSp>
+        <p:nvGrpSpPr>
+          <p:cNvPr id="12" name="그룹 11">
+            <a:extLst>
+              <a:ext uri="{FF2B5EF4-FFF2-40B4-BE49-F238E27FC236}">
+                <a16:creationId xmlns:a16="http://schemas.microsoft.com/office/drawing/2014/main" id="{38FA0EBF-29B2-C2B5-6317-8DFD121A464A}"/>
+              </a:ext>
+            </a:extLst>
+          </p:cNvPr>
+          <p:cNvGrpSpPr/>
+          <p:nvPr/>
+        </p:nvGrpSpPr>
+        <p:grpSpPr>
+          <a:xfrm>
+            <a:off x="6738255" y="5330905"/>
+            <a:ext cx="8166969" cy="2971800"/>
+            <a:chOff x="6509656" y="5600700"/>
+            <a:chExt cx="8166969" cy="2971800"/>
+          </a:xfrm>
+        </p:grpSpPr>
+        <p:pic>
+          <p:nvPicPr>
+            <p:cNvPr id="8" name="그래픽 7" descr="하트가 있는 웃는 얼굴(윤곽선) 윤곽선">
+              <a:extLst>
+                <a:ext uri="{FF2B5EF4-FFF2-40B4-BE49-F238E27FC236}">
+                  <a16:creationId xmlns:a16="http://schemas.microsoft.com/office/drawing/2014/main" id="{20A9F3E7-5BC1-D949-3652-F620DCA7DC6C}"/>
+                </a:ext>
+              </a:extLst>
+            </p:cNvPr>
+            <p:cNvPicPr>
+              <a:picLocks noChangeAspect="1"/>
+            </p:cNvPicPr>
+            <p:nvPr/>
+          </p:nvPicPr>
+          <p:blipFill>
+            <a:blip r:embed="rId6">
+              <a:extLst>
+                <a:ext uri="{28A0092B-C50C-407E-A947-70E740481C1C}">
+                  <a14:useLocalDpi xmlns:a14="http://schemas.microsoft.com/office/drawing/2010/main" val="0"/>
+                </a:ext>
+                <a:ext uri="{96DAC541-7B7A-43D3-8B79-37D633B846F1}">
+                  <asvg:svgBlip xmlns:asvg="http://schemas.microsoft.com/office/drawing/2016/SVG/main" r:embed="rId7"/>
+                </a:ext>
+              </a:extLst>
+            </a:blip>
+            <a:stretch>
+              <a:fillRect/>
+            </a:stretch>
+          </p:blipFill>
+          <p:spPr>
+            <a:xfrm>
+              <a:off x="6509656" y="5753100"/>
+              <a:ext cx="2667000" cy="2667000"/>
+            </a:xfrm>
+            <a:prstGeom prst="rect">
+              <a:avLst/>
+            </a:prstGeom>
+          </p:spPr>
+        </p:pic>
+        <p:sp>
+          <p:nvSpPr>
+            <p:cNvPr id="9" name="TextBox 8">
+              <a:extLst>
+                <a:ext uri="{FF2B5EF4-FFF2-40B4-BE49-F238E27FC236}">
+                  <a16:creationId xmlns:a16="http://schemas.microsoft.com/office/drawing/2014/main" id="{1F5AB94E-4563-0514-A3B1-6DCA23DEDD55}"/>
+                </a:ext>
+              </a:extLst>
+            </p:cNvPr>
+            <p:cNvSpPr txBox="1"/>
+            <p:nvPr/>
+          </p:nvSpPr>
+          <p:spPr>
+            <a:xfrm>
+              <a:off x="9808028" y="6532602"/>
+              <a:ext cx="1276311" cy="1107996"/>
+            </a:xfrm>
+            <a:prstGeom prst="rect">
+              <a:avLst/>
+            </a:prstGeom>
+            <a:noFill/>
+          </p:spPr>
+          <p:txBody>
+            <a:bodyPr wrap="none" rtlCol="0">
+              <a:spAutoFit/>
+            </a:bodyPr>
+            <a:lstStyle/>
+            <a:p>
+              <a:r>
+                <a:rPr lang="en-US" altLang="ko-KR" sz="6600" b="1" dirty="0">
+                  <a:effectLst>
+                    <a:outerShdw blurRad="38100" dist="38100" dir="2700000" algn="tl">
+                      <a:srgbClr val="000000">
+                        <a:alpha val="43137"/>
+                      </a:srgbClr>
+                    </a:outerShdw>
+                  </a:effectLst>
+                </a:rPr>
+                <a:t>V S</a:t>
+              </a:r>
+              <a:endParaRPr lang="ko-KR" altLang="en-US" sz="6600" b="1" dirty="0">
+                <a:effectLst>
+                  <a:outerShdw blurRad="38100" dist="38100" dir="2700000" algn="tl">
+                    <a:srgbClr val="000000">
+                      <a:alpha val="43137"/>
+                    </a:srgbClr>
+                  </a:outerShdw>
+                </a:effectLst>
+              </a:endParaRPr>
+            </a:p>
+          </p:txBody>
+        </p:sp>
+        <p:pic>
+          <p:nvPicPr>
+            <p:cNvPr id="10" name="그래픽 9" descr="동전 윤곽선">
+              <a:extLst>
+                <a:ext uri="{FF2B5EF4-FFF2-40B4-BE49-F238E27FC236}">
+                  <a16:creationId xmlns:a16="http://schemas.microsoft.com/office/drawing/2014/main" id="{32E88296-66FF-D2B6-E978-AA7364098D0C}"/>
+                </a:ext>
+              </a:extLst>
+            </p:cNvPr>
+            <p:cNvPicPr>
+              <a:picLocks noChangeAspect="1"/>
+            </p:cNvPicPr>
+            <p:nvPr/>
+          </p:nvPicPr>
+          <p:blipFill>
+            <a:blip r:embed="rId2">
+              <a:extLst>
+                <a:ext uri="{28A0092B-C50C-407E-A947-70E740481C1C}">
+                  <a14:useLocalDpi xmlns:a14="http://schemas.microsoft.com/office/drawing/2010/main" val="0"/>
+                </a:ext>
+                <a:ext uri="{96DAC541-7B7A-43D3-8B79-37D633B846F1}">
+                  <asvg:svgBlip xmlns:asvg="http://schemas.microsoft.com/office/drawing/2016/SVG/main" r:embed="rId3"/>
+                </a:ext>
+              </a:extLst>
+            </a:blip>
+            <a:stretch>
+              <a:fillRect/>
+            </a:stretch>
+          </p:blipFill>
+          <p:spPr>
+            <a:xfrm>
+              <a:off x="11704825" y="5600700"/>
+              <a:ext cx="2971800" cy="2971800"/>
+            </a:xfrm>
+            <a:prstGeom prst="rect">
+              <a:avLst/>
+            </a:prstGeom>
+          </p:spPr>
+        </p:pic>
+      </p:grpSp>
     </p:spTree>
     <p:extLst>
       <p:ext uri="{BB962C8B-B14F-4D97-AF65-F5344CB8AC3E}">
@@ -5995,7 +6304,7 @@
           <p:cNvPr id="2" name="제목 1">
             <a:extLst>
               <a:ext uri="{FF2B5EF4-FFF2-40B4-BE49-F238E27FC236}">
-                <a16:creationId xmlns:a16="http://schemas.microsoft.com/office/drawing/2014/main" id="{8059D366-1D2A-D998-EA4B-F34A25B50815}"/>
+                <a16:creationId xmlns:a16="http://schemas.microsoft.com/office/drawing/2014/main" id="{EA16D13F-8F4E-9640-E958-1BB48E9AF968}"/>
               </a:ext>
             </a:extLst>
           </p:cNvPr>
@@ -6011,14 +6320,471 @@
           <a:bodyPr/>
           <a:lstStyle/>
           <a:p>
-            <a:endParaRPr lang="ko-KR" altLang="en-US"/>
+            <a:r>
+              <a:rPr lang="ko-KR" altLang="en-US" dirty="0"/>
+              <a:t>발표 내용</a:t>
+            </a:r>
+          </a:p>
+        </p:txBody>
+      </p:sp>
+      <p:grpSp>
+        <p:nvGrpSpPr>
+          <p:cNvPr id="3" name="그룹 2">
+            <a:extLst>
+              <a:ext uri="{FF2B5EF4-FFF2-40B4-BE49-F238E27FC236}">
+                <a16:creationId xmlns:a16="http://schemas.microsoft.com/office/drawing/2014/main" id="{2FA94703-17AB-7366-FD5F-04B08A078312}"/>
+              </a:ext>
+            </a:extLst>
+          </p:cNvPr>
+          <p:cNvGrpSpPr/>
+          <p:nvPr/>
+        </p:nvGrpSpPr>
+        <p:grpSpPr>
+          <a:xfrm>
+            <a:off x="7417462" y="3416962"/>
+            <a:ext cx="3453076" cy="3453076"/>
+            <a:chOff x="7417462" y="3416962"/>
+            <a:chExt cx="3453076" cy="3453076"/>
+          </a:xfrm>
+        </p:grpSpPr>
+        <p:grpSp>
+          <p:nvGrpSpPr>
+            <p:cNvPr id="4" name="그룹 1003">
+              <a:extLst>
+                <a:ext uri="{FF2B5EF4-FFF2-40B4-BE49-F238E27FC236}">
+                  <a16:creationId xmlns:a16="http://schemas.microsoft.com/office/drawing/2014/main" id="{30C45385-DD1E-69FD-AA87-93B310E545B0}"/>
+                </a:ext>
+              </a:extLst>
+            </p:cNvPr>
+            <p:cNvGrpSpPr/>
+            <p:nvPr/>
+          </p:nvGrpSpPr>
+          <p:grpSpPr>
+            <a:xfrm>
+              <a:off x="7417462" y="3416962"/>
+              <a:ext cx="3453076" cy="3453076"/>
+              <a:chOff x="8158857" y="394307"/>
+              <a:chExt cx="3453076" cy="3453076"/>
+            </a:xfrm>
+          </p:grpSpPr>
+          <p:pic>
+            <p:nvPicPr>
+              <p:cNvPr id="6" name="Object 14">
+                <a:extLst>
+                  <a:ext uri="{FF2B5EF4-FFF2-40B4-BE49-F238E27FC236}">
+                    <a16:creationId xmlns:a16="http://schemas.microsoft.com/office/drawing/2014/main" id="{36FB0217-24BE-1C44-D936-31049F1EA5C1}"/>
+                  </a:ext>
+                </a:extLst>
+              </p:cNvPr>
+              <p:cNvPicPr>
+                <a:picLocks noChangeAspect="1"/>
+              </p:cNvPicPr>
+              <p:nvPr/>
+            </p:nvPicPr>
+            <p:blipFill>
+              <a:blip r:embed="rId2" cstate="print"/>
+              <a:stretch>
+                <a:fillRect/>
+              </a:stretch>
+            </p:blipFill>
+            <p:spPr>
+              <a:xfrm rot="-10800000">
+                <a:off x="8158857" y="394307"/>
+                <a:ext cx="3453076" cy="3453076"/>
+              </a:xfrm>
+              <a:prstGeom prst="rect">
+                <a:avLst/>
+              </a:prstGeom>
+            </p:spPr>
+          </p:pic>
+        </p:grpSp>
+        <p:sp>
+          <p:nvSpPr>
+            <p:cNvPr id="5" name="TextBox 4">
+              <a:extLst>
+                <a:ext uri="{FF2B5EF4-FFF2-40B4-BE49-F238E27FC236}">
+                  <a16:creationId xmlns:a16="http://schemas.microsoft.com/office/drawing/2014/main" id="{C3BCB6A6-3848-9000-8E75-04E49818EFE1}"/>
+                </a:ext>
+              </a:extLst>
+            </p:cNvPr>
+            <p:cNvSpPr txBox="1"/>
+            <p:nvPr/>
+          </p:nvSpPr>
+          <p:spPr>
+            <a:xfrm>
+              <a:off x="7961626" y="4758779"/>
+              <a:ext cx="2364750" cy="769441"/>
+            </a:xfrm>
+            <a:prstGeom prst="rect">
+              <a:avLst/>
+            </a:prstGeom>
+            <a:noFill/>
+          </p:spPr>
+          <p:txBody>
+            <a:bodyPr wrap="none" rtlCol="0">
+              <a:spAutoFit/>
+            </a:bodyPr>
+            <a:lstStyle/>
+            <a:p>
+              <a:pPr algn="ctr"/>
+              <a:r>
+                <a:rPr lang="ko-KR" altLang="en-US" sz="4400" dirty="0">
+                  <a:effectLst>
+                    <a:outerShdw blurRad="38100" dist="38100" dir="2700000" algn="tl">
+                      <a:srgbClr val="000000">
+                        <a:alpha val="43137"/>
+                      </a:srgbClr>
+                    </a:outerShdw>
+                  </a:effectLst>
+                </a:rPr>
+                <a:t>진행 방식</a:t>
+              </a:r>
+            </a:p>
+          </p:txBody>
+        </p:sp>
+      </p:grpSp>
+      <p:grpSp>
+        <p:nvGrpSpPr>
+          <p:cNvPr id="7" name="그룹 6">
+            <a:extLst>
+              <a:ext uri="{FF2B5EF4-FFF2-40B4-BE49-F238E27FC236}">
+                <a16:creationId xmlns:a16="http://schemas.microsoft.com/office/drawing/2014/main" id="{F5E0FED1-F262-74A8-28DC-C5BFF4ADC81C}"/>
+              </a:ext>
+            </a:extLst>
+          </p:cNvPr>
+          <p:cNvGrpSpPr/>
+          <p:nvPr/>
+        </p:nvGrpSpPr>
+        <p:grpSpPr>
+          <a:xfrm>
+            <a:off x="2362200" y="3416961"/>
+            <a:ext cx="3453076" cy="3453076"/>
+            <a:chOff x="7417462" y="3416962"/>
+            <a:chExt cx="3453076" cy="3453076"/>
+          </a:xfrm>
+        </p:grpSpPr>
+        <p:grpSp>
+          <p:nvGrpSpPr>
+            <p:cNvPr id="8" name="그룹 1003">
+              <a:extLst>
+                <a:ext uri="{FF2B5EF4-FFF2-40B4-BE49-F238E27FC236}">
+                  <a16:creationId xmlns:a16="http://schemas.microsoft.com/office/drawing/2014/main" id="{EA9CF2ED-624C-0DB6-0CC2-15909E1F5767}"/>
+                </a:ext>
+              </a:extLst>
+            </p:cNvPr>
+            <p:cNvGrpSpPr/>
+            <p:nvPr/>
+          </p:nvGrpSpPr>
+          <p:grpSpPr>
+            <a:xfrm>
+              <a:off x="7417462" y="3416962"/>
+              <a:ext cx="3453076" cy="3453076"/>
+              <a:chOff x="8158857" y="394307"/>
+              <a:chExt cx="3453076" cy="3453076"/>
+            </a:xfrm>
+          </p:grpSpPr>
+          <p:pic>
+            <p:nvPicPr>
+              <p:cNvPr id="10" name="Object 14">
+                <a:extLst>
+                  <a:ext uri="{FF2B5EF4-FFF2-40B4-BE49-F238E27FC236}">
+                    <a16:creationId xmlns:a16="http://schemas.microsoft.com/office/drawing/2014/main" id="{B9A34FD0-DEE3-9998-9B95-870A79B6B09D}"/>
+                  </a:ext>
+                </a:extLst>
+              </p:cNvPr>
+              <p:cNvPicPr>
+                <a:picLocks noChangeAspect="1"/>
+              </p:cNvPicPr>
+              <p:nvPr/>
+            </p:nvPicPr>
+            <p:blipFill>
+              <a:blip r:embed="rId2" cstate="print"/>
+              <a:stretch>
+                <a:fillRect/>
+              </a:stretch>
+            </p:blipFill>
+            <p:spPr>
+              <a:xfrm rot="-10800000">
+                <a:off x="8158857" y="394307"/>
+                <a:ext cx="3453076" cy="3453076"/>
+              </a:xfrm>
+              <a:prstGeom prst="rect">
+                <a:avLst/>
+              </a:prstGeom>
+            </p:spPr>
+          </p:pic>
+        </p:grpSp>
+        <p:sp>
+          <p:nvSpPr>
+            <p:cNvPr id="9" name="TextBox 8">
+              <a:extLst>
+                <a:ext uri="{FF2B5EF4-FFF2-40B4-BE49-F238E27FC236}">
+                  <a16:creationId xmlns:a16="http://schemas.microsoft.com/office/drawing/2014/main" id="{6CB84E39-685E-48D1-5FEF-B09755DB60EF}"/>
+                </a:ext>
+              </a:extLst>
+            </p:cNvPr>
+            <p:cNvSpPr txBox="1"/>
+            <p:nvPr/>
+          </p:nvSpPr>
+          <p:spPr>
+            <a:xfrm>
+              <a:off x="8014523" y="4758779"/>
+              <a:ext cx="2258952" cy="769441"/>
+            </a:xfrm>
+            <a:prstGeom prst="rect">
+              <a:avLst/>
+            </a:prstGeom>
+            <a:noFill/>
+          </p:spPr>
+          <p:txBody>
+            <a:bodyPr wrap="none" rtlCol="0">
+              <a:spAutoFit/>
+            </a:bodyPr>
+            <a:lstStyle/>
+            <a:p>
+              <a:pPr algn="ctr"/>
+              <a:r>
+                <a:rPr lang="ko-KR" altLang="en-US" sz="4400" dirty="0">
+                  <a:effectLst>
+                    <a:outerShdw blurRad="38100" dist="38100" dir="2700000" algn="tl">
+                      <a:srgbClr val="000000">
+                        <a:alpha val="43137"/>
+                      </a:srgbClr>
+                    </a:outerShdw>
+                  </a:effectLst>
+                </a:rPr>
+                <a:t>게임 요소</a:t>
+              </a:r>
+            </a:p>
+          </p:txBody>
+        </p:sp>
+      </p:grpSp>
+      <p:grpSp>
+        <p:nvGrpSpPr>
+          <p:cNvPr id="11" name="그룹 10">
+            <a:extLst>
+              <a:ext uri="{FF2B5EF4-FFF2-40B4-BE49-F238E27FC236}">
+                <a16:creationId xmlns:a16="http://schemas.microsoft.com/office/drawing/2014/main" id="{29257576-BF21-95E6-C98F-341EE56102AB}"/>
+              </a:ext>
+            </a:extLst>
+          </p:cNvPr>
+          <p:cNvGrpSpPr/>
+          <p:nvPr/>
+        </p:nvGrpSpPr>
+        <p:grpSpPr>
+          <a:xfrm>
+            <a:off x="12573000" y="3416961"/>
+            <a:ext cx="3453076" cy="3453076"/>
+            <a:chOff x="7417462" y="3416962"/>
+            <a:chExt cx="3453076" cy="3453076"/>
+          </a:xfrm>
+        </p:grpSpPr>
+        <p:grpSp>
+          <p:nvGrpSpPr>
+            <p:cNvPr id="12" name="그룹 1003">
+              <a:extLst>
+                <a:ext uri="{FF2B5EF4-FFF2-40B4-BE49-F238E27FC236}">
+                  <a16:creationId xmlns:a16="http://schemas.microsoft.com/office/drawing/2014/main" id="{EE6E8926-A141-AB8E-AF66-2C420659D486}"/>
+                </a:ext>
+              </a:extLst>
+            </p:cNvPr>
+            <p:cNvGrpSpPr/>
+            <p:nvPr/>
+          </p:nvGrpSpPr>
+          <p:grpSpPr>
+            <a:xfrm>
+              <a:off x="7417462" y="3416962"/>
+              <a:ext cx="3453076" cy="3453076"/>
+              <a:chOff x="8158857" y="394307"/>
+              <a:chExt cx="3453076" cy="3453076"/>
+            </a:xfrm>
+          </p:grpSpPr>
+          <p:pic>
+            <p:nvPicPr>
+              <p:cNvPr id="14" name="Object 14">
+                <a:extLst>
+                  <a:ext uri="{FF2B5EF4-FFF2-40B4-BE49-F238E27FC236}">
+                    <a16:creationId xmlns:a16="http://schemas.microsoft.com/office/drawing/2014/main" id="{18B62291-8B3B-2D14-88E3-453F7BB3B4BB}"/>
+                  </a:ext>
+                </a:extLst>
+              </p:cNvPr>
+              <p:cNvPicPr>
+                <a:picLocks noChangeAspect="1"/>
+              </p:cNvPicPr>
+              <p:nvPr/>
+            </p:nvPicPr>
+            <p:blipFill>
+              <a:blip r:embed="rId2" cstate="print"/>
+              <a:stretch>
+                <a:fillRect/>
+              </a:stretch>
+            </p:blipFill>
+            <p:spPr>
+              <a:xfrm rot="-10800000">
+                <a:off x="8158857" y="394307"/>
+                <a:ext cx="3453076" cy="3453076"/>
+              </a:xfrm>
+              <a:prstGeom prst="rect">
+                <a:avLst/>
+              </a:prstGeom>
+            </p:spPr>
+          </p:pic>
+        </p:grpSp>
+        <p:sp>
+          <p:nvSpPr>
+            <p:cNvPr id="13" name="TextBox 12">
+              <a:extLst>
+                <a:ext uri="{FF2B5EF4-FFF2-40B4-BE49-F238E27FC236}">
+                  <a16:creationId xmlns:a16="http://schemas.microsoft.com/office/drawing/2014/main" id="{87EBA18A-DABC-66E8-9BBB-515CCAC9B635}"/>
+                </a:ext>
+              </a:extLst>
+            </p:cNvPr>
+            <p:cNvSpPr txBox="1"/>
+            <p:nvPr/>
+          </p:nvSpPr>
+          <p:spPr>
+            <a:xfrm>
+              <a:off x="8024143" y="4758779"/>
+              <a:ext cx="2239716" cy="769441"/>
+            </a:xfrm>
+            <a:prstGeom prst="rect">
+              <a:avLst/>
+            </a:prstGeom>
+            <a:noFill/>
+          </p:spPr>
+          <p:txBody>
+            <a:bodyPr wrap="none" rtlCol="0">
+              <a:spAutoFit/>
+            </a:bodyPr>
+            <a:lstStyle/>
+            <a:p>
+              <a:pPr algn="ctr"/>
+              <a:r>
+                <a:rPr lang="ko-KR" altLang="en-US" sz="4400" dirty="0">
+                  <a:effectLst>
+                    <a:outerShdw blurRad="38100" dist="38100" dir="2700000" algn="tl">
+                      <a:srgbClr val="000000">
+                        <a:alpha val="43137"/>
+                      </a:srgbClr>
+                    </a:outerShdw>
+                  </a:effectLst>
+                </a:rPr>
+                <a:t>전략 요소</a:t>
+              </a:r>
+            </a:p>
+          </p:txBody>
+        </p:sp>
+      </p:grpSp>
+      <p:sp>
+        <p:nvSpPr>
+          <p:cNvPr id="15" name="TextBox 14">
+            <a:extLst>
+              <a:ext uri="{FF2B5EF4-FFF2-40B4-BE49-F238E27FC236}">
+                <a16:creationId xmlns:a16="http://schemas.microsoft.com/office/drawing/2014/main" id="{BD504903-8AD4-B32A-D5B9-BA21D1991D05}"/>
+              </a:ext>
+            </a:extLst>
+          </p:cNvPr>
+          <p:cNvSpPr txBox="1"/>
+          <p:nvPr/>
+        </p:nvSpPr>
+        <p:spPr>
+          <a:xfrm>
+            <a:off x="6242709" y="4420223"/>
+            <a:ext cx="747320" cy="1446550"/>
+          </a:xfrm>
+          <a:prstGeom prst="rect">
+            <a:avLst/>
+          </a:prstGeom>
+          <a:noFill/>
+        </p:spPr>
+        <p:txBody>
+          <a:bodyPr wrap="none" rtlCol="0">
+            <a:spAutoFit/>
+          </a:bodyPr>
+          <a:lstStyle/>
+          <a:p>
+            <a:pPr algn="ctr"/>
+            <a:r>
+              <a:rPr lang="en-US" altLang="ko-KR" sz="8800" dirty="0">
+                <a:effectLst>
+                  <a:outerShdw blurRad="38100" dist="38100" dir="2700000" algn="tl">
+                    <a:srgbClr val="000000">
+                      <a:alpha val="43137"/>
+                    </a:srgbClr>
+                  </a:outerShdw>
+                </a:effectLst>
+              </a:rPr>
+              <a:t>+</a:t>
+            </a:r>
+            <a:endParaRPr lang="ko-KR" altLang="en-US" sz="8800" dirty="0">
+              <a:effectLst>
+                <a:outerShdw blurRad="38100" dist="38100" dir="2700000" algn="tl">
+                  <a:srgbClr val="000000">
+                    <a:alpha val="43137"/>
+                  </a:srgbClr>
+                </a:outerShdw>
+              </a:effectLst>
+            </a:endParaRPr>
+          </a:p>
+        </p:txBody>
+      </p:sp>
+      <p:sp>
+        <p:nvSpPr>
+          <p:cNvPr id="16" name="TextBox 15">
+            <a:extLst>
+              <a:ext uri="{FF2B5EF4-FFF2-40B4-BE49-F238E27FC236}">
+                <a16:creationId xmlns:a16="http://schemas.microsoft.com/office/drawing/2014/main" id="{05F419FD-4ECA-CF3F-AEA6-B3E482138167}"/>
+              </a:ext>
+            </a:extLst>
+          </p:cNvPr>
+          <p:cNvSpPr txBox="1"/>
+          <p:nvPr/>
+        </p:nvSpPr>
+        <p:spPr>
+          <a:xfrm>
+            <a:off x="11414702" y="4589500"/>
+            <a:ext cx="780983" cy="1107996"/>
+          </a:xfrm>
+          <a:prstGeom prst="rect">
+            <a:avLst/>
+          </a:prstGeom>
+          <a:noFill/>
+        </p:spPr>
+        <p:txBody>
+          <a:bodyPr wrap="none" rtlCol="0">
+            <a:spAutoFit/>
+          </a:bodyPr>
+          <a:lstStyle/>
+          <a:p>
+            <a:pPr algn="ctr"/>
+            <a:r>
+              <a:rPr lang="en-US" altLang="ko-KR" sz="6600" dirty="0">
+                <a:effectLst>
+                  <a:outerShdw blurRad="38100" dist="38100" dir="2700000" algn="tl">
+                    <a:srgbClr val="000000">
+                      <a:alpha val="43137"/>
+                    </a:srgbClr>
+                  </a:outerShdw>
+                </a:effectLst>
+              </a:rPr>
+              <a:t>&amp;</a:t>
+            </a:r>
+            <a:endParaRPr lang="ko-KR" altLang="en-US" sz="6600" dirty="0">
+              <a:effectLst>
+                <a:outerShdw blurRad="38100" dist="38100" dir="2700000" algn="tl">
+                  <a:srgbClr val="000000">
+                    <a:alpha val="43137"/>
+                  </a:srgbClr>
+                </a:outerShdw>
+              </a:effectLst>
+            </a:endParaRPr>
           </a:p>
         </p:txBody>
       </p:sp>
     </p:spTree>
     <p:extLst>
       <p:ext uri="{BB962C8B-B14F-4D97-AF65-F5344CB8AC3E}">
-        <p14:creationId xmlns:p14="http://schemas.microsoft.com/office/powerpoint/2010/main" val="3305077058"/>
+        <p14:creationId xmlns:p14="http://schemas.microsoft.com/office/powerpoint/2010/main" val="2735583018"/>
       </p:ext>
     </p:extLst>
   </p:cSld>
@@ -6029,6 +6795,97 @@
 </file>
 
 <file path=ppt/slides/slide4.xml><?xml version="1.0" encoding="utf-8"?>
+<p:sld xmlns:a="http://schemas.openxmlformats.org/drawingml/2006/main" xmlns:r="http://schemas.openxmlformats.org/officeDocument/2006/relationships" xmlns:p="http://schemas.openxmlformats.org/presentationml/2006/main">
+  <p:cSld>
+    <p:spTree>
+      <p:nvGrpSpPr>
+        <p:cNvPr id="1" name=""/>
+        <p:cNvGrpSpPr/>
+        <p:nvPr/>
+      </p:nvGrpSpPr>
+      <p:grpSpPr>
+        <a:xfrm>
+          <a:off x="0" y="0"/>
+          <a:ext cx="0" cy="0"/>
+          <a:chOff x="0" y="0"/>
+          <a:chExt cx="0" cy="0"/>
+        </a:xfrm>
+      </p:grpSpPr>
+      <p:sp>
+        <p:nvSpPr>
+          <p:cNvPr id="2" name="제목 1">
+            <a:extLst>
+              <a:ext uri="{FF2B5EF4-FFF2-40B4-BE49-F238E27FC236}">
+                <a16:creationId xmlns:a16="http://schemas.microsoft.com/office/drawing/2014/main" id="{AC6F374A-FA5E-E2C1-D8F1-8DC4D20DC70B}"/>
+              </a:ext>
+            </a:extLst>
+          </p:cNvPr>
+          <p:cNvSpPr>
+            <a:spLocks noGrp="1"/>
+          </p:cNvSpPr>
+          <p:nvPr>
+            <p:ph type="title"/>
+          </p:nvPr>
+        </p:nvSpPr>
+        <p:spPr/>
+        <p:txBody>
+          <a:bodyPr/>
+          <a:lstStyle/>
+          <a:p>
+            <a:r>
+              <a:rPr lang="ko-KR" altLang="en-US" dirty="0"/>
+              <a:t>자원 순환형 카드게임</a:t>
+            </a:r>
+          </a:p>
+        </p:txBody>
+      </p:sp>
+      <p:pic>
+        <p:nvPicPr>
+          <p:cNvPr id="5" name="그림 4">
+            <a:extLst>
+              <a:ext uri="{FF2B5EF4-FFF2-40B4-BE49-F238E27FC236}">
+                <a16:creationId xmlns:a16="http://schemas.microsoft.com/office/drawing/2014/main" id="{D497511A-BA27-3146-059F-A2C4016A13F4}"/>
+              </a:ext>
+            </a:extLst>
+          </p:cNvPr>
+          <p:cNvPicPr>
+            <a:picLocks noChangeAspect="1"/>
+          </p:cNvPicPr>
+          <p:nvPr/>
+        </p:nvPicPr>
+        <p:blipFill>
+          <a:blip r:embed="rId2"/>
+          <a:stretch>
+            <a:fillRect/>
+          </a:stretch>
+        </p:blipFill>
+        <p:spPr>
+          <a:xfrm>
+            <a:off x="2590800" y="1562100"/>
+            <a:ext cx="13232290" cy="7451722"/>
+          </a:xfrm>
+          <a:prstGeom prst="rect">
+            <a:avLst/>
+          </a:prstGeom>
+          <a:ln>
+            <a:noFill/>
+          </a:ln>
+        </p:spPr>
+      </p:pic>
+    </p:spTree>
+    <p:extLst>
+      <p:ext uri="{BB962C8B-B14F-4D97-AF65-F5344CB8AC3E}">
+        <p14:creationId xmlns:p14="http://schemas.microsoft.com/office/powerpoint/2010/main" val="444262799"/>
+      </p:ext>
+    </p:extLst>
+  </p:cSld>
+  <p:clrMapOvr>
+    <a:masterClrMapping/>
+  </p:clrMapOvr>
+</p:sld>
+</file>
+
+<file path=ppt/slides/slide5.xml><?xml version="1.0" encoding="utf-8"?>
 <p:sld xmlns:a="http://schemas.openxmlformats.org/drawingml/2006/main" xmlns:r="http://schemas.openxmlformats.org/officeDocument/2006/relationships" xmlns:p="http://schemas.openxmlformats.org/presentationml/2006/main">
   <p:cSld name="Slide 2">
     <p:bg>
@@ -7069,7 +7926,7 @@
 </p:sld>
 </file>
 
-<file path=ppt/slides/slide5.xml><?xml version="1.0" encoding="utf-8"?>
+<file path=ppt/slides/slide6.xml><?xml version="1.0" encoding="utf-8"?>
 <p:sld xmlns:a="http://schemas.openxmlformats.org/drawingml/2006/main" xmlns:r="http://schemas.openxmlformats.org/officeDocument/2006/relationships" xmlns:p="http://schemas.openxmlformats.org/presentationml/2006/main">
   <p:cSld name="Slide 3">
     <p:bg>
@@ -7732,729 +8589,6 @@
               <a:pPr algn="ctr"/>
               <a:r>
                 <a:rPr lang="en-US" sz="1400" kern="0" spc="-100" dirty="0">
-                  <a:solidFill>
-                    <a:srgbClr val="4E4E4E"/>
-                  </a:solidFill>
-                  <a:latin typeface="S-Core Dream 4 Regular" pitchFamily="34" charset="0"/>
-                  <a:cs typeface="S-Core Dream 4 Regular" pitchFamily="34" charset="0"/>
-                </a:rPr>
-                <a:t>설명을 적어주세요!</a:t>
-              </a:r>
-              <a:endParaRPr lang="en-US" dirty="0"/>
-            </a:p>
-          </p:txBody>
-        </p:sp>
-      </p:grpSp>
-    </p:spTree>
-  </p:cSld>
-  <p:clrMapOvr>
-    <a:masterClrMapping/>
-  </p:clrMapOvr>
-</p:sld>
-</file>
-
-<file path=ppt/slides/slide6.xml><?xml version="1.0" encoding="utf-8"?>
-<p:sld xmlns:a="http://schemas.openxmlformats.org/drawingml/2006/main" xmlns:r="http://schemas.openxmlformats.org/officeDocument/2006/relationships" xmlns:p="http://schemas.openxmlformats.org/presentationml/2006/main">
-  <p:cSld name="Slide 4">
-    <p:bg>
-      <p:bgPr>
-        <a:solidFill>
-          <a:srgbClr val="E1E0DA"/>
-        </a:solidFill>
-        <a:effectLst/>
-      </p:bgPr>
-    </p:bg>
-    <p:spTree>
-      <p:nvGrpSpPr>
-        <p:cNvPr id="1" name=""/>
-        <p:cNvGrpSpPr/>
-        <p:nvPr/>
-      </p:nvGrpSpPr>
-      <p:grpSpPr>
-        <a:xfrm>
-          <a:off x="0" y="0"/>
-          <a:ext cx="0" cy="0"/>
-          <a:chOff x="0" y="0"/>
-          <a:chExt cx="0" cy="0"/>
-        </a:xfrm>
-      </p:grpSpPr>
-      <p:grpSp>
-        <p:nvGrpSpPr>
-          <p:cNvPr id="1001" name="그룹 1001"/>
-          <p:cNvGrpSpPr/>
-          <p:nvPr/>
-        </p:nvGrpSpPr>
-        <p:grpSpPr>
-          <a:xfrm>
-            <a:off x="9032468" y="3210049"/>
-            <a:ext cx="2360002" cy="2360002"/>
-            <a:chOff x="9032468" y="3210049"/>
-            <a:chExt cx="2360002" cy="2360002"/>
-          </a:xfrm>
-        </p:grpSpPr>
-        <p:pic>
-          <p:nvPicPr>
-            <p:cNvPr id="3" name="Object 2"/>
-            <p:cNvPicPr>
-              <a:picLocks noChangeAspect="1"/>
-            </p:cNvPicPr>
-            <p:nvPr/>
-          </p:nvPicPr>
-          <p:blipFill>
-            <a:blip r:embed="rId2" cstate="print"/>
-            <a:stretch>
-              <a:fillRect/>
-            </a:stretch>
-          </p:blipFill>
-          <p:spPr>
-            <a:xfrm rot="-10800000">
-              <a:off x="9032468" y="3210049"/>
-              <a:ext cx="2360002" cy="2360002"/>
-            </a:xfrm>
-            <a:prstGeom prst="rect">
-              <a:avLst/>
-            </a:prstGeom>
-          </p:spPr>
-        </p:pic>
-      </p:grpSp>
-      <p:sp>
-        <p:nvSpPr>
-          <p:cNvPr id="5" name="Object 5"/>
-          <p:cNvSpPr txBox="1"/>
-          <p:nvPr/>
-        </p:nvSpPr>
-        <p:spPr>
-          <a:xfrm>
-            <a:off x="2760081" y="2268238"/>
-            <a:ext cx="2563371" cy="345135"/>
-          </a:xfrm>
-          <a:prstGeom prst="rect">
-            <a:avLst/>
-          </a:prstGeom>
-          <a:noFill/>
-        </p:spPr>
-        <p:txBody>
-          <a:bodyPr wrap="square" rtlCol="0" anchor="ctr">
-            <a:spAutoFit/>
-          </a:bodyPr>
-          <a:lstStyle/>
-          <a:p>
-            <a:r>
-              <a:rPr lang="en-US" sz="1300" kern="0" spc="200" dirty="0">
-                <a:solidFill>
-                  <a:srgbClr val="4E4E4E"/>
-                </a:solidFill>
-                <a:latin typeface="S-Core Dream 3 Light" pitchFamily="34" charset="0"/>
-                <a:cs typeface="S-Core Dream 3 Light" pitchFamily="34" charset="0"/>
-              </a:rPr>
-              <a:t>CONTENTS</a:t>
-            </a:r>
-            <a:endParaRPr lang="en-US" dirty="0"/>
-          </a:p>
-        </p:txBody>
-      </p:sp>
-      <p:sp>
-        <p:nvSpPr>
-          <p:cNvPr id="6" name="Object 6"/>
-          <p:cNvSpPr txBox="1"/>
-          <p:nvPr/>
-        </p:nvSpPr>
-        <p:spPr>
-          <a:xfrm>
-            <a:off x="2744927" y="1629514"/>
-            <a:ext cx="1981683" cy="959726"/>
-          </a:xfrm>
-          <a:prstGeom prst="rect">
-            <a:avLst/>
-          </a:prstGeom>
-          <a:noFill/>
-        </p:spPr>
-        <p:txBody>
-          <a:bodyPr wrap="square" rtlCol="0" anchor="ctr">
-            <a:spAutoFit/>
-          </a:bodyPr>
-          <a:lstStyle/>
-          <a:p>
-            <a:r>
-              <a:rPr lang="en-US" sz="3600" kern="0" spc="300" dirty="0">
-                <a:solidFill>
-                  <a:srgbClr val="4E4E4E"/>
-                </a:solidFill>
-                <a:latin typeface="S-Core Dream 5 Medium" pitchFamily="34" charset="0"/>
-                <a:cs typeface="S-Core Dream 5 Medium" pitchFamily="34" charset="0"/>
-              </a:rPr>
-              <a:t>02</a:t>
-            </a:r>
-            <a:endParaRPr lang="en-US" dirty="0"/>
-          </a:p>
-        </p:txBody>
-      </p:sp>
-      <p:sp>
-        <p:nvSpPr>
-          <p:cNvPr id="7" name="Object 7"/>
-          <p:cNvSpPr txBox="1"/>
-          <p:nvPr/>
-        </p:nvSpPr>
-        <p:spPr>
-          <a:xfrm>
-            <a:off x="2760081" y="6103560"/>
-            <a:ext cx="14688582" cy="3368346"/>
-          </a:xfrm>
-          <a:prstGeom prst="rect">
-            <a:avLst/>
-          </a:prstGeom>
-          <a:noFill/>
-        </p:spPr>
-        <p:txBody>
-          <a:bodyPr wrap="square" rtlCol="0" anchor="t">
-            <a:spAutoFit/>
-          </a:bodyPr>
-          <a:lstStyle/>
-          <a:p>
-            <a:r>
-              <a:rPr lang="en-US" sz="1900" kern="0" spc="-100" dirty="0">
-                <a:solidFill>
-                  <a:srgbClr val="4E4E4E"/>
-                </a:solidFill>
-                <a:latin typeface="S-Core Dream 5 Medium" pitchFamily="34" charset="0"/>
-                <a:cs typeface="S-Core Dream 5 Medium" pitchFamily="34" charset="0"/>
-              </a:rPr>
-              <a:t>프레젠테이션 핵심을 입력해주세요</a:t>
-            </a:r>
-          </a:p>
-          <a:p>
-            <a:endParaRPr lang="en-US" sz="1900" kern="0" spc="-100" dirty="0">
-              <a:solidFill>
-                <a:srgbClr val="4E4E4E"/>
-              </a:solidFill>
-              <a:latin typeface="S-Core Dream 5 Medium" pitchFamily="34" charset="0"/>
-              <a:cs typeface="S-Core Dream 5 Medium" pitchFamily="34" charset="0"/>
-            </a:endParaRPr>
-          </a:p>
-          <a:p>
-            <a:r>
-              <a:rPr lang="en-US" sz="1300" kern="0" spc="-100" dirty="0">
-                <a:solidFill>
-                  <a:srgbClr val="4E4E4E"/>
-                </a:solidFill>
-                <a:latin typeface="S-Core Dream 4 Regular" pitchFamily="34" charset="0"/>
-                <a:cs typeface="S-Core Dream 4 Regular" pitchFamily="34" charset="0"/>
-              </a:rPr>
-              <a:t>피어나는 대한 속잎나고, 아니한 미인을 철환하였는가? 이상 쓸쓸한 인간은 보라. 피가 것은 그것을 내는 얼음 구하지 간에 이성은 교향악이다. 동산에는 무한한 가진 그들의 미묘한 가치를 것이다. 찾아다녀도, 그들은 생명을 끝에 것이 따뜻한 하여도 쓸쓸하랴? 그러므로 행복스럽고 모래뿐일 밥을 우는 우리 이 품에 용감하고 봄바람이다곧 품으며, 피어나기 없으면 설레는 말이다.</a:t>
-            </a:r>
-          </a:p>
-          <a:p>
-            <a:endParaRPr lang="en-US" sz="1300" kern="0" spc="-100" dirty="0">
-              <a:solidFill>
-                <a:srgbClr val="4E4E4E"/>
-              </a:solidFill>
-              <a:latin typeface="S-Core Dream 4 Regular" pitchFamily="34" charset="0"/>
-              <a:cs typeface="S-Core Dream 4 Regular" pitchFamily="34" charset="0"/>
-            </a:endParaRPr>
-          </a:p>
-          <a:p>
-            <a:r>
-              <a:rPr lang="en-US" sz="1300" kern="0" spc="-100" dirty="0">
-                <a:solidFill>
-                  <a:srgbClr val="4E4E4E"/>
-                </a:solidFill>
-                <a:latin typeface="S-Core Dream 4 Regular" pitchFamily="34" charset="0"/>
-                <a:cs typeface="S-Core Dream 4 Regular" pitchFamily="34" charset="0"/>
-              </a:rPr>
-              <a:t>그들은 듣기만 인도하겠다는 그들의 위하여, 피에 보라. 가치를 이성은 풍부하게 귀는 인간이 발휘하기 지혜는 듣는다. </a:t>
-            </a:r>
-            <a:endParaRPr lang="en-US" dirty="0"/>
-          </a:p>
-        </p:txBody>
-      </p:sp>
-      <p:grpSp>
-        <p:nvGrpSpPr>
-          <p:cNvPr id="1002" name="그룹 1002"/>
-          <p:cNvGrpSpPr/>
-          <p:nvPr/>
-        </p:nvGrpSpPr>
-        <p:grpSpPr>
-          <a:xfrm>
-            <a:off x="4832657" y="3228470"/>
-            <a:ext cx="2360002" cy="2360002"/>
-            <a:chOff x="4832657" y="3228470"/>
-            <a:chExt cx="2360002" cy="2360002"/>
-          </a:xfrm>
-        </p:grpSpPr>
-        <p:pic>
-          <p:nvPicPr>
-            <p:cNvPr id="9" name="Object 8"/>
-            <p:cNvPicPr>
-              <a:picLocks noChangeAspect="1"/>
-            </p:cNvPicPr>
-            <p:nvPr/>
-          </p:nvPicPr>
-          <p:blipFill>
-            <a:blip r:embed="rId2" cstate="print"/>
-            <a:stretch>
-              <a:fillRect/>
-            </a:stretch>
-          </p:blipFill>
-          <p:spPr>
-            <a:xfrm>
-              <a:off x="4832657" y="3228470"/>
-              <a:ext cx="2360002" cy="2360002"/>
-            </a:xfrm>
-            <a:prstGeom prst="rect">
-              <a:avLst/>
-            </a:prstGeom>
-          </p:spPr>
-        </p:pic>
-      </p:grpSp>
-      <p:grpSp>
-        <p:nvGrpSpPr>
-          <p:cNvPr id="1003" name="그룹 1003"/>
-          <p:cNvGrpSpPr/>
-          <p:nvPr/>
-        </p:nvGrpSpPr>
-        <p:grpSpPr>
-          <a:xfrm>
-            <a:off x="6931096" y="3194895"/>
-            <a:ext cx="2393576" cy="2393576"/>
-            <a:chOff x="6931096" y="3194895"/>
-            <a:chExt cx="2393576" cy="2393576"/>
-          </a:xfrm>
-        </p:grpSpPr>
-        <p:pic>
-          <p:nvPicPr>
-            <p:cNvPr id="12" name="Object 11"/>
-            <p:cNvPicPr>
-              <a:picLocks noChangeAspect="1"/>
-            </p:cNvPicPr>
-            <p:nvPr/>
-          </p:nvPicPr>
-          <p:blipFill>
-            <a:blip r:embed="rId3" cstate="print"/>
-            <a:stretch>
-              <a:fillRect/>
-            </a:stretch>
-          </p:blipFill>
-          <p:spPr>
-            <a:xfrm rot="-16200000">
-              <a:off x="6931096" y="3194895"/>
-              <a:ext cx="2393576" cy="2393576"/>
-            </a:xfrm>
-            <a:prstGeom prst="rect">
-              <a:avLst/>
-            </a:prstGeom>
-          </p:spPr>
-        </p:pic>
-      </p:grpSp>
-      <p:grpSp>
-        <p:nvGrpSpPr>
-          <p:cNvPr id="1004" name="그룹 1004"/>
-          <p:cNvGrpSpPr/>
-          <p:nvPr/>
-        </p:nvGrpSpPr>
-        <p:grpSpPr>
-          <a:xfrm>
-            <a:off x="2729743" y="3228470"/>
-            <a:ext cx="2393576" cy="2393576"/>
-            <a:chOff x="2729743" y="3228470"/>
-            <a:chExt cx="2393576" cy="2393576"/>
-          </a:xfrm>
-        </p:grpSpPr>
-        <p:pic>
-          <p:nvPicPr>
-            <p:cNvPr id="15" name="Object 14"/>
-            <p:cNvPicPr>
-              <a:picLocks noChangeAspect="1"/>
-            </p:cNvPicPr>
-            <p:nvPr/>
-          </p:nvPicPr>
-          <p:blipFill>
-            <a:blip r:embed="rId4" cstate="print"/>
-            <a:stretch>
-              <a:fillRect/>
-            </a:stretch>
-          </p:blipFill>
-          <p:spPr>
-            <a:xfrm rot="-27000000">
-              <a:off x="2729743" y="3228470"/>
-              <a:ext cx="2393576" cy="2393576"/>
-            </a:xfrm>
-            <a:prstGeom prst="rect">
-              <a:avLst/>
-            </a:prstGeom>
-          </p:spPr>
-        </p:pic>
-      </p:grpSp>
-      <p:grpSp>
-        <p:nvGrpSpPr>
-          <p:cNvPr id="1005" name="그룹 1005"/>
-          <p:cNvGrpSpPr/>
-          <p:nvPr/>
-        </p:nvGrpSpPr>
-        <p:grpSpPr>
-          <a:xfrm>
-            <a:off x="2831399" y="3987645"/>
-            <a:ext cx="2190265" cy="876036"/>
-            <a:chOff x="2831399" y="3987645"/>
-            <a:chExt cx="2190265" cy="876036"/>
-          </a:xfrm>
-        </p:grpSpPr>
-        <p:sp>
-          <p:nvSpPr>
-            <p:cNvPr id="18" name="Object 18"/>
-            <p:cNvSpPr txBox="1"/>
-            <p:nvPr/>
-          </p:nvSpPr>
-          <p:spPr>
-            <a:xfrm>
-              <a:off x="2341889" y="3987645"/>
-              <a:ext cx="3169285" cy="550935"/>
-            </a:xfrm>
-            <a:prstGeom prst="rect">
-              <a:avLst/>
-            </a:prstGeom>
-            <a:noFill/>
-          </p:spPr>
-          <p:txBody>
-            <a:bodyPr wrap="square" rtlCol="0" anchor="t">
-              <a:spAutoFit/>
-            </a:bodyPr>
-            <a:lstStyle/>
-            <a:p>
-              <a:pPr algn="ctr"/>
-              <a:r>
-                <a:rPr lang="en-US" sz="2000" kern="0" spc="-100" dirty="0">
-                  <a:solidFill>
-                    <a:srgbClr val="4E4E4E"/>
-                  </a:solidFill>
-                  <a:latin typeface="S-Core Dream 6 Bold" pitchFamily="34" charset="0"/>
-                  <a:cs typeface="S-Core Dream 6 Bold" pitchFamily="34" charset="0"/>
-                </a:rPr>
-                <a:t>KEYWORD</a:t>
-              </a:r>
-              <a:endParaRPr lang="en-US" dirty="0"/>
-            </a:p>
-          </p:txBody>
-        </p:sp>
-        <p:sp>
-          <p:nvSpPr>
-            <p:cNvPr id="19" name="Object 19"/>
-            <p:cNvSpPr txBox="1"/>
-            <p:nvPr/>
-          </p:nvSpPr>
-          <p:spPr>
-            <a:xfrm>
-              <a:off x="2283833" y="4327878"/>
-              <a:ext cx="3285397" cy="642963"/>
-            </a:xfrm>
-            <a:prstGeom prst="rect">
-              <a:avLst/>
-            </a:prstGeom>
-            <a:noFill/>
-          </p:spPr>
-          <p:txBody>
-            <a:bodyPr wrap="square" rtlCol="0" anchor="ctr">
-              <a:spAutoFit/>
-            </a:bodyPr>
-            <a:lstStyle/>
-            <a:p>
-              <a:pPr algn="ctr"/>
-              <a:r>
-                <a:rPr lang="en-US" sz="1200" kern="0" spc="-100" dirty="0">
-                  <a:solidFill>
-                    <a:srgbClr val="4E4E4E"/>
-                  </a:solidFill>
-                  <a:latin typeface="S-Core Dream 4 Regular" pitchFamily="34" charset="0"/>
-                  <a:cs typeface="S-Core Dream 4 Regular" pitchFamily="34" charset="0"/>
-                </a:rPr>
-                <a:t>키워드에 관한 </a:t>
-              </a:r>
-            </a:p>
-            <a:p>
-              <a:pPr algn="ctr"/>
-              <a:r>
-                <a:rPr lang="en-US" sz="1200" kern="0" spc="-100" dirty="0">
-                  <a:solidFill>
-                    <a:srgbClr val="4E4E4E"/>
-                  </a:solidFill>
-                  <a:latin typeface="S-Core Dream 4 Regular" pitchFamily="34" charset="0"/>
-                  <a:cs typeface="S-Core Dream 4 Regular" pitchFamily="34" charset="0"/>
-                </a:rPr>
-                <a:t>설명을 적어주세요!</a:t>
-              </a:r>
-              <a:endParaRPr lang="en-US" dirty="0"/>
-            </a:p>
-          </p:txBody>
-        </p:sp>
-      </p:grpSp>
-      <p:grpSp>
-        <p:nvGrpSpPr>
-          <p:cNvPr id="1006" name="그룹 1006"/>
-          <p:cNvGrpSpPr/>
-          <p:nvPr/>
-        </p:nvGrpSpPr>
-        <p:grpSpPr>
-          <a:xfrm>
-            <a:off x="7039203" y="4000546"/>
-            <a:ext cx="2190265" cy="876036"/>
-            <a:chOff x="7039203" y="4000546"/>
-            <a:chExt cx="2190265" cy="876036"/>
-          </a:xfrm>
-        </p:grpSpPr>
-        <p:sp>
-          <p:nvSpPr>
-            <p:cNvPr id="22" name="Object 22"/>
-            <p:cNvSpPr txBox="1"/>
-            <p:nvPr/>
-          </p:nvSpPr>
-          <p:spPr>
-            <a:xfrm>
-              <a:off x="6549693" y="4000546"/>
-              <a:ext cx="3169285" cy="550935"/>
-            </a:xfrm>
-            <a:prstGeom prst="rect">
-              <a:avLst/>
-            </a:prstGeom>
-            <a:noFill/>
-          </p:spPr>
-          <p:txBody>
-            <a:bodyPr wrap="square" rtlCol="0" anchor="t">
-              <a:spAutoFit/>
-            </a:bodyPr>
-            <a:lstStyle/>
-            <a:p>
-              <a:pPr algn="ctr"/>
-              <a:r>
-                <a:rPr lang="en-US" sz="2000" kern="0" spc="-100" dirty="0">
-                  <a:solidFill>
-                    <a:srgbClr val="E1E0DA"/>
-                  </a:solidFill>
-                  <a:latin typeface="S-Core Dream 6 Bold" pitchFamily="34" charset="0"/>
-                  <a:cs typeface="S-Core Dream 6 Bold" pitchFamily="34" charset="0"/>
-                </a:rPr>
-                <a:t>KEYWORD</a:t>
-              </a:r>
-              <a:endParaRPr lang="en-US" dirty="0"/>
-            </a:p>
-          </p:txBody>
-        </p:sp>
-        <p:sp>
-          <p:nvSpPr>
-            <p:cNvPr id="23" name="Object 23"/>
-            <p:cNvSpPr txBox="1"/>
-            <p:nvPr/>
-          </p:nvSpPr>
-          <p:spPr>
-            <a:xfrm>
-              <a:off x="6491637" y="4340779"/>
-              <a:ext cx="3285397" cy="642963"/>
-            </a:xfrm>
-            <a:prstGeom prst="rect">
-              <a:avLst/>
-            </a:prstGeom>
-            <a:noFill/>
-          </p:spPr>
-          <p:txBody>
-            <a:bodyPr wrap="square" rtlCol="0" anchor="ctr">
-              <a:spAutoFit/>
-            </a:bodyPr>
-            <a:lstStyle/>
-            <a:p>
-              <a:pPr algn="ctr"/>
-              <a:r>
-                <a:rPr lang="en-US" sz="1200" kern="0" spc="-100" dirty="0">
-                  <a:solidFill>
-                    <a:srgbClr val="E1E0DA"/>
-                  </a:solidFill>
-                  <a:latin typeface="S-Core Dream 4 Regular" pitchFamily="34" charset="0"/>
-                  <a:cs typeface="S-Core Dream 4 Regular" pitchFamily="34" charset="0"/>
-                </a:rPr>
-                <a:t>키워드에 관한 </a:t>
-              </a:r>
-            </a:p>
-            <a:p>
-              <a:pPr algn="ctr"/>
-              <a:r>
-                <a:rPr lang="en-US" sz="1200" kern="0" spc="-100" dirty="0">
-                  <a:solidFill>
-                    <a:srgbClr val="E1E0DA"/>
-                  </a:solidFill>
-                  <a:latin typeface="S-Core Dream 4 Regular" pitchFamily="34" charset="0"/>
-                  <a:cs typeface="S-Core Dream 4 Regular" pitchFamily="34" charset="0"/>
-                </a:rPr>
-                <a:t>설명을 적어주세요!</a:t>
-              </a:r>
-              <a:endParaRPr lang="en-US" dirty="0"/>
-            </a:p>
-          </p:txBody>
-        </p:sp>
-      </p:grpSp>
-      <p:grpSp>
-        <p:nvGrpSpPr>
-          <p:cNvPr id="1007" name="그룹 1007"/>
-          <p:cNvGrpSpPr/>
-          <p:nvPr/>
-        </p:nvGrpSpPr>
-        <p:grpSpPr>
-          <a:xfrm>
-            <a:off x="13195969" y="3176475"/>
-            <a:ext cx="2360002" cy="2360002"/>
-            <a:chOff x="13195969" y="3176475"/>
-            <a:chExt cx="2360002" cy="2360002"/>
-          </a:xfrm>
-        </p:grpSpPr>
-        <p:pic>
-          <p:nvPicPr>
-            <p:cNvPr id="26" name="Object 25"/>
-            <p:cNvPicPr>
-              <a:picLocks noChangeAspect="1"/>
-            </p:cNvPicPr>
-            <p:nvPr/>
-          </p:nvPicPr>
-          <p:blipFill>
-            <a:blip r:embed="rId2" cstate="print"/>
-            <a:stretch>
-              <a:fillRect/>
-            </a:stretch>
-          </p:blipFill>
-          <p:spPr>
-            <a:xfrm rot="-10800000">
-              <a:off x="13195969" y="3176475"/>
-              <a:ext cx="2360002" cy="2360002"/>
-            </a:xfrm>
-            <a:prstGeom prst="rect">
-              <a:avLst/>
-            </a:prstGeom>
-          </p:spPr>
-        </p:pic>
-      </p:grpSp>
-      <p:grpSp>
-        <p:nvGrpSpPr>
-          <p:cNvPr id="1008" name="그룹 1008"/>
-          <p:cNvGrpSpPr/>
-          <p:nvPr/>
-        </p:nvGrpSpPr>
-        <p:grpSpPr>
-          <a:xfrm>
-            <a:off x="11094598" y="3161321"/>
-            <a:ext cx="2393576" cy="2393576"/>
-            <a:chOff x="11094598" y="3161321"/>
-            <a:chExt cx="2393576" cy="2393576"/>
-          </a:xfrm>
-        </p:grpSpPr>
-        <p:pic>
-          <p:nvPicPr>
-            <p:cNvPr id="29" name="Object 28"/>
-            <p:cNvPicPr>
-              <a:picLocks noChangeAspect="1"/>
-            </p:cNvPicPr>
-            <p:nvPr/>
-          </p:nvPicPr>
-          <p:blipFill>
-            <a:blip r:embed="rId5" cstate="print"/>
-            <a:stretch>
-              <a:fillRect/>
-            </a:stretch>
-          </p:blipFill>
-          <p:spPr>
-            <a:xfrm rot="16200000">
-              <a:off x="11094598" y="3161321"/>
-              <a:ext cx="2393576" cy="2393576"/>
-            </a:xfrm>
-            <a:prstGeom prst="rect">
-              <a:avLst/>
-            </a:prstGeom>
-          </p:spPr>
-        </p:pic>
-      </p:grpSp>
-      <p:grpSp>
-        <p:nvGrpSpPr>
-          <p:cNvPr id="1009" name="그룹 1009"/>
-          <p:cNvGrpSpPr/>
-          <p:nvPr/>
-        </p:nvGrpSpPr>
-        <p:grpSpPr>
-          <a:xfrm>
-            <a:off x="11202704" y="3966971"/>
-            <a:ext cx="2190265" cy="876036"/>
-            <a:chOff x="11202704" y="3966971"/>
-            <a:chExt cx="2190265" cy="876036"/>
-          </a:xfrm>
-        </p:grpSpPr>
-        <p:sp>
-          <p:nvSpPr>
-            <p:cNvPr id="32" name="Object 32"/>
-            <p:cNvSpPr txBox="1"/>
-            <p:nvPr/>
-          </p:nvSpPr>
-          <p:spPr>
-            <a:xfrm>
-              <a:off x="10713194" y="3966971"/>
-              <a:ext cx="3169285" cy="550935"/>
-            </a:xfrm>
-            <a:prstGeom prst="rect">
-              <a:avLst/>
-            </a:prstGeom>
-            <a:noFill/>
-          </p:spPr>
-          <p:txBody>
-            <a:bodyPr wrap="square" rtlCol="0" anchor="t">
-              <a:spAutoFit/>
-            </a:bodyPr>
-            <a:lstStyle/>
-            <a:p>
-              <a:pPr algn="ctr"/>
-              <a:r>
-                <a:rPr lang="en-US" sz="2000" kern="0" spc="-100" dirty="0">
-                  <a:solidFill>
-                    <a:srgbClr val="4E4E4E"/>
-                  </a:solidFill>
-                  <a:latin typeface="S-Core Dream 6 Bold" pitchFamily="34" charset="0"/>
-                  <a:cs typeface="S-Core Dream 6 Bold" pitchFamily="34" charset="0"/>
-                </a:rPr>
-                <a:t>KEYWORD</a:t>
-              </a:r>
-              <a:endParaRPr lang="en-US" dirty="0"/>
-            </a:p>
-          </p:txBody>
-        </p:sp>
-        <p:sp>
-          <p:nvSpPr>
-            <p:cNvPr id="33" name="Object 33"/>
-            <p:cNvSpPr txBox="1"/>
-            <p:nvPr/>
-          </p:nvSpPr>
-          <p:spPr>
-            <a:xfrm>
-              <a:off x="10655138" y="4307205"/>
-              <a:ext cx="3285397" cy="642963"/>
-            </a:xfrm>
-            <a:prstGeom prst="rect">
-              <a:avLst/>
-            </a:prstGeom>
-            <a:noFill/>
-          </p:spPr>
-          <p:txBody>
-            <a:bodyPr wrap="square" rtlCol="0" anchor="ctr">
-              <a:spAutoFit/>
-            </a:bodyPr>
-            <a:lstStyle/>
-            <a:p>
-              <a:pPr algn="ctr"/>
-              <a:r>
-                <a:rPr lang="en-US" sz="1200" kern="0" spc="-100" dirty="0">
-                  <a:solidFill>
-                    <a:srgbClr val="4E4E4E"/>
-                  </a:solidFill>
-                  <a:latin typeface="S-Core Dream 4 Regular" pitchFamily="34" charset="0"/>
-                  <a:cs typeface="S-Core Dream 4 Regular" pitchFamily="34" charset="0"/>
-                </a:rPr>
-                <a:t>키워드에 관한 </a:t>
-              </a:r>
-            </a:p>
-            <a:p>
-              <a:pPr algn="ctr"/>
-              <a:r>
-                <a:rPr lang="en-US" sz="1200" kern="0" spc="-100" dirty="0">
                   <a:solidFill>
                     <a:srgbClr val="4E4E4E"/>
                   </a:solidFill>
@@ -10733,7 +10867,7 @@
 <file path=ppt/theme/theme1.xml><?xml version="1.0" encoding="utf-8"?>
 <a:theme xmlns:a="http://schemas.openxmlformats.org/drawingml/2006/main" name="Office Theme">
   <a:themeElements>
-    <a:clrScheme name="사용자 지정 2">
+    <a:clrScheme name="사용자 지정 3">
       <a:dk1>
         <a:srgbClr val="42637E"/>
       </a:dk1>
@@ -10747,19 +10881,19 @@
         <a:srgbClr val="B4B3AB"/>
       </a:lt2>
       <a:accent1>
-        <a:srgbClr val="4F81BD"/>
+        <a:srgbClr val="D1A722"/>
       </a:accent1>
       <a:accent2>
-        <a:srgbClr val="C0504D"/>
+        <a:srgbClr val="FF5050"/>
       </a:accent2>
       <a:accent3>
-        <a:srgbClr val="9BBB59"/>
+        <a:srgbClr val="3366FF"/>
       </a:accent3>
       <a:accent4>
-        <a:srgbClr val="8064A2"/>
+        <a:srgbClr val="009900"/>
       </a:accent4>
       <a:accent5>
-        <a:srgbClr val="4BACC6"/>
+        <a:srgbClr val="3BDAFF"/>
       </a:accent5>
       <a:accent6>
         <a:srgbClr val="F79646"/>
@@ -10771,7 +10905,7 @@
         <a:srgbClr val="800080"/>
       </a:folHlink>
     </a:clrScheme>
-    <a:fontScheme name="사용자 지정 1">
+    <a:fontScheme name="사용자 지정 3">
       <a:majorFont>
         <a:latin typeface="Calibri"/>
         <a:ea typeface="양진체 "/>
@@ -10779,7 +10913,7 @@
       </a:majorFont>
       <a:minorFont>
         <a:latin typeface="Calibri"/>
-        <a:ea typeface="나눔스퀘어라운드OTF ExtraBold"/>
+        <a:ea typeface="양진체 "/>
         <a:cs typeface=""/>
       </a:minorFont>
     </a:fontScheme>

--- a/CarpeDiem.pptx
+++ b/CarpeDiem.pptx
@@ -9,14 +9,19 @@
     <p:sldId id="268" r:id="rId3"/>
     <p:sldId id="270" r:id="rId4"/>
     <p:sldId id="271" r:id="rId5"/>
-    <p:sldId id="257" r:id="rId6"/>
-    <p:sldId id="258" r:id="rId7"/>
-    <p:sldId id="260" r:id="rId8"/>
-    <p:sldId id="261" r:id="rId9"/>
-    <p:sldId id="262" r:id="rId10"/>
-    <p:sldId id="263" r:id="rId11"/>
-    <p:sldId id="264" r:id="rId12"/>
-    <p:sldId id="265" r:id="rId13"/>
+    <p:sldId id="272" r:id="rId6"/>
+    <p:sldId id="273" r:id="rId7"/>
+    <p:sldId id="274" r:id="rId8"/>
+    <p:sldId id="276" r:id="rId9"/>
+    <p:sldId id="275" r:id="rId10"/>
+    <p:sldId id="257" r:id="rId11"/>
+    <p:sldId id="258" r:id="rId12"/>
+    <p:sldId id="260" r:id="rId13"/>
+    <p:sldId id="261" r:id="rId14"/>
+    <p:sldId id="262" r:id="rId15"/>
+    <p:sldId id="263" r:id="rId16"/>
+    <p:sldId id="264" r:id="rId17"/>
+    <p:sldId id="265" r:id="rId18"/>
   </p:sldIdLst>
   <p:sldSz cx="18288000" cy="10287000"/>
   <p:notesSz cx="10287000" cy="18288000"/>
@@ -3928,6 +3933,3985 @@
 
 <file path=ppt/slides/slide10.xml><?xml version="1.0" encoding="utf-8"?>
 <p:sld xmlns:a="http://schemas.openxmlformats.org/drawingml/2006/main" xmlns:r="http://schemas.openxmlformats.org/officeDocument/2006/relationships" xmlns:p="http://schemas.openxmlformats.org/presentationml/2006/main">
+  <p:cSld name="Slide 2">
+    <p:bg>
+      <p:bgPr>
+        <a:solidFill>
+          <a:srgbClr val="E1E0DA"/>
+        </a:solidFill>
+        <a:effectLst/>
+      </p:bgPr>
+    </p:bg>
+    <p:spTree>
+      <p:nvGrpSpPr>
+        <p:cNvPr id="1" name=""/>
+        <p:cNvGrpSpPr/>
+        <p:nvPr/>
+      </p:nvGrpSpPr>
+      <p:grpSpPr>
+        <a:xfrm>
+          <a:off x="0" y="0"/>
+          <a:ext cx="0" cy="0"/>
+          <a:chOff x="0" y="0"/>
+          <a:chExt cx="0" cy="0"/>
+        </a:xfrm>
+      </p:grpSpPr>
+      <p:sp>
+        <p:nvSpPr>
+          <p:cNvPr id="2" name="Object 2"/>
+          <p:cNvSpPr txBox="1"/>
+          <p:nvPr/>
+        </p:nvSpPr>
+        <p:spPr>
+          <a:xfrm>
+            <a:off x="2760081" y="2268238"/>
+            <a:ext cx="2563371" cy="345135"/>
+          </a:xfrm>
+          <a:prstGeom prst="rect">
+            <a:avLst/>
+          </a:prstGeom>
+          <a:noFill/>
+        </p:spPr>
+        <p:txBody>
+          <a:bodyPr wrap="square" rtlCol="0" anchor="ctr">
+            <a:spAutoFit/>
+          </a:bodyPr>
+          <a:lstStyle/>
+          <a:p>
+            <a:r>
+              <a:rPr lang="en-US" sz="1300" kern="0" spc="200" dirty="0">
+                <a:solidFill>
+                  <a:srgbClr val="4E4E4E"/>
+                </a:solidFill>
+                <a:latin typeface="S-Core Dream 3 Light" pitchFamily="34" charset="0"/>
+                <a:cs typeface="S-Core Dream 3 Light" pitchFamily="34" charset="0"/>
+              </a:rPr>
+              <a:t>CONTENTS</a:t>
+            </a:r>
+            <a:endParaRPr lang="en-US" dirty="0"/>
+          </a:p>
+        </p:txBody>
+      </p:sp>
+      <p:sp>
+        <p:nvSpPr>
+          <p:cNvPr id="3" name="Object 3"/>
+          <p:cNvSpPr txBox="1"/>
+          <p:nvPr/>
+        </p:nvSpPr>
+        <p:spPr>
+          <a:xfrm>
+            <a:off x="2744927" y="1626054"/>
+            <a:ext cx="1981683" cy="959726"/>
+          </a:xfrm>
+          <a:prstGeom prst="rect">
+            <a:avLst/>
+          </a:prstGeom>
+          <a:noFill/>
+        </p:spPr>
+        <p:txBody>
+          <a:bodyPr wrap="square" rtlCol="0" anchor="ctr">
+            <a:spAutoFit/>
+          </a:bodyPr>
+          <a:lstStyle/>
+          <a:p>
+            <a:r>
+              <a:rPr lang="en-US" sz="3600" kern="0" spc="300" dirty="0">
+                <a:solidFill>
+                  <a:srgbClr val="4E4E4E"/>
+                </a:solidFill>
+                <a:latin typeface="S-Core Dream 5 Medium" pitchFamily="34" charset="0"/>
+                <a:cs typeface="S-Core Dream 5 Medium" pitchFamily="34" charset="0"/>
+              </a:rPr>
+              <a:t>00</a:t>
+            </a:r>
+            <a:endParaRPr lang="en-US" dirty="0"/>
+          </a:p>
+        </p:txBody>
+      </p:sp>
+      <p:grpSp>
+        <p:nvGrpSpPr>
+          <p:cNvPr id="1001" name="그룹 1001"/>
+          <p:cNvGrpSpPr/>
+          <p:nvPr/>
+        </p:nvGrpSpPr>
+        <p:grpSpPr>
+          <a:xfrm>
+            <a:off x="2622738" y="6353748"/>
+            <a:ext cx="2002771" cy="2002771"/>
+            <a:chOff x="2622738" y="6353748"/>
+            <a:chExt cx="2002771" cy="2002771"/>
+          </a:xfrm>
+        </p:grpSpPr>
+        <p:pic>
+          <p:nvPicPr>
+            <p:cNvPr id="5" name="Object 4"/>
+            <p:cNvPicPr>
+              <a:picLocks noChangeAspect="1"/>
+            </p:cNvPicPr>
+            <p:nvPr/>
+          </p:nvPicPr>
+          <p:blipFill>
+            <a:blip r:embed="rId2" cstate="print"/>
+            <a:stretch>
+              <a:fillRect/>
+            </a:stretch>
+          </p:blipFill>
+          <p:spPr>
+            <a:xfrm>
+              <a:off x="2622738" y="6353748"/>
+              <a:ext cx="2002771" cy="2002771"/>
+            </a:xfrm>
+            <a:prstGeom prst="rect">
+              <a:avLst/>
+            </a:prstGeom>
+          </p:spPr>
+        </p:pic>
+      </p:grpSp>
+      <p:grpSp>
+        <p:nvGrpSpPr>
+          <p:cNvPr id="1002" name="그룹 1002"/>
+          <p:cNvGrpSpPr/>
+          <p:nvPr/>
+        </p:nvGrpSpPr>
+        <p:grpSpPr>
+          <a:xfrm>
+            <a:off x="4842770" y="6353748"/>
+            <a:ext cx="2002771" cy="2002771"/>
+            <a:chOff x="4842770" y="6353748"/>
+            <a:chExt cx="2002771" cy="2002771"/>
+          </a:xfrm>
+        </p:grpSpPr>
+        <p:pic>
+          <p:nvPicPr>
+            <p:cNvPr id="8" name="Object 7"/>
+            <p:cNvPicPr>
+              <a:picLocks noChangeAspect="1"/>
+            </p:cNvPicPr>
+            <p:nvPr/>
+          </p:nvPicPr>
+          <p:blipFill>
+            <a:blip r:embed="rId3" cstate="print"/>
+            <a:stretch>
+              <a:fillRect/>
+            </a:stretch>
+          </p:blipFill>
+          <p:spPr>
+            <a:xfrm>
+              <a:off x="4842770" y="6353748"/>
+              <a:ext cx="2002771" cy="2002771"/>
+            </a:xfrm>
+            <a:prstGeom prst="rect">
+              <a:avLst/>
+            </a:prstGeom>
+          </p:spPr>
+        </p:pic>
+      </p:grpSp>
+      <p:grpSp>
+        <p:nvGrpSpPr>
+          <p:cNvPr id="1003" name="그룹 1003"/>
+          <p:cNvGrpSpPr/>
+          <p:nvPr/>
+        </p:nvGrpSpPr>
+        <p:grpSpPr>
+          <a:xfrm>
+            <a:off x="7062802" y="6353748"/>
+            <a:ext cx="2002771" cy="2002771"/>
+            <a:chOff x="7062802" y="6353748"/>
+            <a:chExt cx="2002771" cy="2002771"/>
+          </a:xfrm>
+        </p:grpSpPr>
+        <p:pic>
+          <p:nvPicPr>
+            <p:cNvPr id="11" name="Object 10"/>
+            <p:cNvPicPr>
+              <a:picLocks noChangeAspect="1"/>
+            </p:cNvPicPr>
+            <p:nvPr/>
+          </p:nvPicPr>
+          <p:blipFill>
+            <a:blip r:embed="rId2" cstate="print"/>
+            <a:stretch>
+              <a:fillRect/>
+            </a:stretch>
+          </p:blipFill>
+          <p:spPr>
+            <a:xfrm>
+              <a:off x="7062802" y="6353748"/>
+              <a:ext cx="2002771" cy="2002771"/>
+            </a:xfrm>
+            <a:prstGeom prst="rect">
+              <a:avLst/>
+            </a:prstGeom>
+          </p:spPr>
+        </p:pic>
+      </p:grpSp>
+      <p:grpSp>
+        <p:nvGrpSpPr>
+          <p:cNvPr id="1004" name="그룹 1004"/>
+          <p:cNvGrpSpPr/>
+          <p:nvPr/>
+        </p:nvGrpSpPr>
+        <p:grpSpPr>
+          <a:xfrm>
+            <a:off x="9282834" y="6353748"/>
+            <a:ext cx="2002771" cy="2002771"/>
+            <a:chOff x="9282834" y="6353748"/>
+            <a:chExt cx="2002771" cy="2002771"/>
+          </a:xfrm>
+        </p:grpSpPr>
+        <p:pic>
+          <p:nvPicPr>
+            <p:cNvPr id="14" name="Object 13"/>
+            <p:cNvPicPr>
+              <a:picLocks noChangeAspect="1"/>
+            </p:cNvPicPr>
+            <p:nvPr/>
+          </p:nvPicPr>
+          <p:blipFill>
+            <a:blip r:embed="rId3" cstate="print"/>
+            <a:stretch>
+              <a:fillRect/>
+            </a:stretch>
+          </p:blipFill>
+          <p:spPr>
+            <a:xfrm>
+              <a:off x="9282834" y="6353748"/>
+              <a:ext cx="2002771" cy="2002771"/>
+            </a:xfrm>
+            <a:prstGeom prst="rect">
+              <a:avLst/>
+            </a:prstGeom>
+          </p:spPr>
+        </p:pic>
+      </p:grpSp>
+      <p:grpSp>
+        <p:nvGrpSpPr>
+          <p:cNvPr id="1005" name="그룹 1005"/>
+          <p:cNvGrpSpPr/>
+          <p:nvPr/>
+        </p:nvGrpSpPr>
+        <p:grpSpPr>
+          <a:xfrm>
+            <a:off x="11502866" y="6353748"/>
+            <a:ext cx="2002771" cy="2002771"/>
+            <a:chOff x="11502866" y="6353748"/>
+            <a:chExt cx="2002771" cy="2002771"/>
+          </a:xfrm>
+        </p:grpSpPr>
+        <p:pic>
+          <p:nvPicPr>
+            <p:cNvPr id="17" name="Object 16"/>
+            <p:cNvPicPr>
+              <a:picLocks noChangeAspect="1"/>
+            </p:cNvPicPr>
+            <p:nvPr/>
+          </p:nvPicPr>
+          <p:blipFill>
+            <a:blip r:embed="rId2" cstate="print"/>
+            <a:stretch>
+              <a:fillRect/>
+            </a:stretch>
+          </p:blipFill>
+          <p:spPr>
+            <a:xfrm>
+              <a:off x="11502866" y="6353748"/>
+              <a:ext cx="2002771" cy="2002771"/>
+            </a:xfrm>
+            <a:prstGeom prst="rect">
+              <a:avLst/>
+            </a:prstGeom>
+          </p:spPr>
+        </p:pic>
+      </p:grpSp>
+      <p:grpSp>
+        <p:nvGrpSpPr>
+          <p:cNvPr id="1006" name="그룹 1006"/>
+          <p:cNvGrpSpPr/>
+          <p:nvPr/>
+        </p:nvGrpSpPr>
+        <p:grpSpPr>
+          <a:xfrm>
+            <a:off x="13722898" y="6353748"/>
+            <a:ext cx="2002771" cy="2002771"/>
+            <a:chOff x="13722898" y="6353748"/>
+            <a:chExt cx="2002771" cy="2002771"/>
+          </a:xfrm>
+        </p:grpSpPr>
+        <p:pic>
+          <p:nvPicPr>
+            <p:cNvPr id="20" name="Object 19"/>
+            <p:cNvPicPr>
+              <a:picLocks noChangeAspect="1"/>
+            </p:cNvPicPr>
+            <p:nvPr/>
+          </p:nvPicPr>
+          <p:blipFill>
+            <a:blip r:embed="rId3" cstate="print"/>
+            <a:stretch>
+              <a:fillRect/>
+            </a:stretch>
+          </p:blipFill>
+          <p:spPr>
+            <a:xfrm>
+              <a:off x="13722898" y="6353748"/>
+              <a:ext cx="2002771" cy="2002771"/>
+            </a:xfrm>
+            <a:prstGeom prst="rect">
+              <a:avLst/>
+            </a:prstGeom>
+          </p:spPr>
+        </p:pic>
+      </p:grpSp>
+      <p:grpSp>
+        <p:nvGrpSpPr>
+          <p:cNvPr id="1007" name="그룹 1007"/>
+          <p:cNvGrpSpPr/>
+          <p:nvPr/>
+        </p:nvGrpSpPr>
+        <p:grpSpPr>
+          <a:xfrm>
+            <a:off x="2894457" y="6913024"/>
+            <a:ext cx="1425008" cy="904018"/>
+            <a:chOff x="2894457" y="6913024"/>
+            <a:chExt cx="1425008" cy="904018"/>
+          </a:xfrm>
+        </p:grpSpPr>
+        <p:sp>
+          <p:nvSpPr>
+            <p:cNvPr id="23" name="Object 23"/>
+            <p:cNvSpPr txBox="1"/>
+            <p:nvPr/>
+          </p:nvSpPr>
+          <p:spPr>
+            <a:xfrm>
+              <a:off x="2936404" y="6913024"/>
+              <a:ext cx="1341114" cy="833675"/>
+            </a:xfrm>
+            <a:prstGeom prst="rect">
+              <a:avLst/>
+            </a:prstGeom>
+            <a:noFill/>
+          </p:spPr>
+          <p:txBody>
+            <a:bodyPr wrap="square" rtlCol="0" anchor="t">
+              <a:spAutoFit/>
+            </a:bodyPr>
+            <a:lstStyle/>
+            <a:p>
+              <a:pPr algn="ctr"/>
+              <a:r>
+                <a:rPr lang="en-US" sz="3200" kern="0" spc="-100" dirty="0">
+                  <a:solidFill>
+                    <a:srgbClr val="4E4E4E"/>
+                  </a:solidFill>
+                  <a:latin typeface="S-Core Dream 6 Bold" pitchFamily="34" charset="0"/>
+                  <a:cs typeface="S-Core Dream 6 Bold" pitchFamily="34" charset="0"/>
+                </a:rPr>
+                <a:t>01</a:t>
+              </a:r>
+              <a:endParaRPr lang="en-US" dirty="0"/>
+            </a:p>
+          </p:txBody>
+        </p:sp>
+        <p:sp>
+          <p:nvSpPr>
+            <p:cNvPr id="24" name="Object 24"/>
+            <p:cNvSpPr txBox="1"/>
+            <p:nvPr/>
+          </p:nvSpPr>
+          <p:spPr>
+            <a:xfrm>
+              <a:off x="2538205" y="7493479"/>
+              <a:ext cx="2137512" cy="388277"/>
+            </a:xfrm>
+            <a:prstGeom prst="rect">
+              <a:avLst/>
+            </a:prstGeom>
+            <a:noFill/>
+          </p:spPr>
+          <p:txBody>
+            <a:bodyPr wrap="square" rtlCol="0" anchor="ctr">
+              <a:spAutoFit/>
+            </a:bodyPr>
+            <a:lstStyle/>
+            <a:p>
+              <a:pPr algn="ctr"/>
+              <a:r>
+                <a:rPr lang="en-US" sz="1400" kern="0" spc="-100" dirty="0">
+                  <a:solidFill>
+                    <a:srgbClr val="4E4E4E"/>
+                  </a:solidFill>
+                  <a:latin typeface="S-Core Dream 4 Regular" pitchFamily="34" charset="0"/>
+                  <a:cs typeface="S-Core Dream 4 Regular" pitchFamily="34" charset="0"/>
+                </a:rPr>
+                <a:t>CONTENTS 1</a:t>
+              </a:r>
+              <a:endParaRPr lang="en-US" dirty="0"/>
+            </a:p>
+          </p:txBody>
+        </p:sp>
+      </p:grpSp>
+      <p:grpSp>
+        <p:nvGrpSpPr>
+          <p:cNvPr id="1008" name="그룹 1008"/>
+          <p:cNvGrpSpPr/>
+          <p:nvPr/>
+        </p:nvGrpSpPr>
+        <p:grpSpPr>
+          <a:xfrm>
+            <a:off x="5130104" y="6913024"/>
+            <a:ext cx="1425008" cy="904018"/>
+            <a:chOff x="5130104" y="6913024"/>
+            <a:chExt cx="1425008" cy="904018"/>
+          </a:xfrm>
+        </p:grpSpPr>
+        <p:sp>
+          <p:nvSpPr>
+            <p:cNvPr id="27" name="Object 27"/>
+            <p:cNvSpPr txBox="1"/>
+            <p:nvPr/>
+          </p:nvSpPr>
+          <p:spPr>
+            <a:xfrm>
+              <a:off x="5172051" y="6913024"/>
+              <a:ext cx="1341114" cy="833675"/>
+            </a:xfrm>
+            <a:prstGeom prst="rect">
+              <a:avLst/>
+            </a:prstGeom>
+            <a:noFill/>
+          </p:spPr>
+          <p:txBody>
+            <a:bodyPr wrap="square" rtlCol="0" anchor="t">
+              <a:spAutoFit/>
+            </a:bodyPr>
+            <a:lstStyle/>
+            <a:p>
+              <a:pPr algn="ctr"/>
+              <a:r>
+                <a:rPr lang="en-US" sz="3200" kern="0" spc="-100" dirty="0">
+                  <a:solidFill>
+                    <a:srgbClr val="E1E0DA"/>
+                  </a:solidFill>
+                  <a:latin typeface="S-Core Dream 6 Bold" pitchFamily="34" charset="0"/>
+                  <a:cs typeface="S-Core Dream 6 Bold" pitchFamily="34" charset="0"/>
+                </a:rPr>
+                <a:t>02</a:t>
+              </a:r>
+              <a:endParaRPr lang="en-US" dirty="0"/>
+            </a:p>
+          </p:txBody>
+        </p:sp>
+        <p:sp>
+          <p:nvSpPr>
+            <p:cNvPr id="28" name="Object 28"/>
+            <p:cNvSpPr txBox="1"/>
+            <p:nvPr/>
+          </p:nvSpPr>
+          <p:spPr>
+            <a:xfrm>
+              <a:off x="4773852" y="7493479"/>
+              <a:ext cx="2137512" cy="388277"/>
+            </a:xfrm>
+            <a:prstGeom prst="rect">
+              <a:avLst/>
+            </a:prstGeom>
+            <a:noFill/>
+          </p:spPr>
+          <p:txBody>
+            <a:bodyPr wrap="square" rtlCol="0" anchor="ctr">
+              <a:spAutoFit/>
+            </a:bodyPr>
+            <a:lstStyle/>
+            <a:p>
+              <a:pPr algn="ctr"/>
+              <a:r>
+                <a:rPr lang="en-US" sz="1400" kern="0" spc="-100" dirty="0">
+                  <a:solidFill>
+                    <a:srgbClr val="E1E0DA"/>
+                  </a:solidFill>
+                  <a:latin typeface="S-Core Dream 4 Regular" pitchFamily="34" charset="0"/>
+                  <a:cs typeface="S-Core Dream 4 Regular" pitchFamily="34" charset="0"/>
+                </a:rPr>
+                <a:t>CONTENTS 2</a:t>
+              </a:r>
+              <a:endParaRPr lang="en-US" dirty="0"/>
+            </a:p>
+          </p:txBody>
+        </p:sp>
+      </p:grpSp>
+      <p:grpSp>
+        <p:nvGrpSpPr>
+          <p:cNvPr id="1009" name="그룹 1009"/>
+          <p:cNvGrpSpPr/>
+          <p:nvPr/>
+        </p:nvGrpSpPr>
+        <p:grpSpPr>
+          <a:xfrm>
+            <a:off x="7354796" y="6913024"/>
+            <a:ext cx="1425008" cy="904018"/>
+            <a:chOff x="7354796" y="6913024"/>
+            <a:chExt cx="1425008" cy="904018"/>
+          </a:xfrm>
+        </p:grpSpPr>
+        <p:sp>
+          <p:nvSpPr>
+            <p:cNvPr id="31" name="Object 31"/>
+            <p:cNvSpPr txBox="1"/>
+            <p:nvPr/>
+          </p:nvSpPr>
+          <p:spPr>
+            <a:xfrm>
+              <a:off x="7396743" y="6913024"/>
+              <a:ext cx="1341114" cy="833675"/>
+            </a:xfrm>
+            <a:prstGeom prst="rect">
+              <a:avLst/>
+            </a:prstGeom>
+            <a:noFill/>
+          </p:spPr>
+          <p:txBody>
+            <a:bodyPr wrap="square" rtlCol="0" anchor="t">
+              <a:spAutoFit/>
+            </a:bodyPr>
+            <a:lstStyle/>
+            <a:p>
+              <a:pPr algn="ctr"/>
+              <a:r>
+                <a:rPr lang="en-US" sz="3200" kern="0" spc="-100" dirty="0">
+                  <a:solidFill>
+                    <a:srgbClr val="4E4E4E"/>
+                  </a:solidFill>
+                  <a:latin typeface="S-Core Dream 6 Bold" pitchFamily="34" charset="0"/>
+                  <a:cs typeface="S-Core Dream 6 Bold" pitchFamily="34" charset="0"/>
+                </a:rPr>
+                <a:t>03</a:t>
+              </a:r>
+              <a:endParaRPr lang="en-US" dirty="0"/>
+            </a:p>
+          </p:txBody>
+        </p:sp>
+        <p:sp>
+          <p:nvSpPr>
+            <p:cNvPr id="32" name="Object 32"/>
+            <p:cNvSpPr txBox="1"/>
+            <p:nvPr/>
+          </p:nvSpPr>
+          <p:spPr>
+            <a:xfrm>
+              <a:off x="6998544" y="7493479"/>
+              <a:ext cx="2137512" cy="388277"/>
+            </a:xfrm>
+            <a:prstGeom prst="rect">
+              <a:avLst/>
+            </a:prstGeom>
+            <a:noFill/>
+          </p:spPr>
+          <p:txBody>
+            <a:bodyPr wrap="square" rtlCol="0" anchor="ctr">
+              <a:spAutoFit/>
+            </a:bodyPr>
+            <a:lstStyle/>
+            <a:p>
+              <a:pPr algn="ctr"/>
+              <a:r>
+                <a:rPr lang="en-US" sz="1400" kern="0" spc="-100" dirty="0">
+                  <a:solidFill>
+                    <a:srgbClr val="4E4E4E"/>
+                  </a:solidFill>
+                  <a:latin typeface="S-Core Dream 4 Regular" pitchFamily="34" charset="0"/>
+                  <a:cs typeface="S-Core Dream 4 Regular" pitchFamily="34" charset="0"/>
+                </a:rPr>
+                <a:t>CONTENTS 3</a:t>
+              </a:r>
+              <a:endParaRPr lang="en-US" dirty="0"/>
+            </a:p>
+          </p:txBody>
+        </p:sp>
+      </p:grpSp>
+      <p:grpSp>
+        <p:nvGrpSpPr>
+          <p:cNvPr id="1010" name="그룹 1010"/>
+          <p:cNvGrpSpPr/>
+          <p:nvPr/>
+        </p:nvGrpSpPr>
+        <p:grpSpPr>
+          <a:xfrm>
+            <a:off x="9584418" y="6913024"/>
+            <a:ext cx="1425008" cy="904018"/>
+            <a:chOff x="9584418" y="6913024"/>
+            <a:chExt cx="1425008" cy="904018"/>
+          </a:xfrm>
+        </p:grpSpPr>
+        <p:sp>
+          <p:nvSpPr>
+            <p:cNvPr id="35" name="Object 35"/>
+            <p:cNvSpPr txBox="1"/>
+            <p:nvPr/>
+          </p:nvSpPr>
+          <p:spPr>
+            <a:xfrm>
+              <a:off x="9626365" y="6913024"/>
+              <a:ext cx="1341114" cy="833675"/>
+            </a:xfrm>
+            <a:prstGeom prst="rect">
+              <a:avLst/>
+            </a:prstGeom>
+            <a:noFill/>
+          </p:spPr>
+          <p:txBody>
+            <a:bodyPr wrap="square" rtlCol="0" anchor="t">
+              <a:spAutoFit/>
+            </a:bodyPr>
+            <a:lstStyle/>
+            <a:p>
+              <a:pPr algn="ctr"/>
+              <a:r>
+                <a:rPr lang="en-US" sz="3200" kern="0" spc="-100" dirty="0">
+                  <a:solidFill>
+                    <a:srgbClr val="E1E0DA"/>
+                  </a:solidFill>
+                  <a:latin typeface="S-Core Dream 6 Bold" pitchFamily="34" charset="0"/>
+                  <a:cs typeface="S-Core Dream 6 Bold" pitchFamily="34" charset="0"/>
+                </a:rPr>
+                <a:t>04</a:t>
+              </a:r>
+              <a:endParaRPr lang="en-US" dirty="0"/>
+            </a:p>
+          </p:txBody>
+        </p:sp>
+        <p:sp>
+          <p:nvSpPr>
+            <p:cNvPr id="36" name="Object 36"/>
+            <p:cNvSpPr txBox="1"/>
+            <p:nvPr/>
+          </p:nvSpPr>
+          <p:spPr>
+            <a:xfrm>
+              <a:off x="9228166" y="7493479"/>
+              <a:ext cx="2137512" cy="388277"/>
+            </a:xfrm>
+            <a:prstGeom prst="rect">
+              <a:avLst/>
+            </a:prstGeom>
+            <a:noFill/>
+          </p:spPr>
+          <p:txBody>
+            <a:bodyPr wrap="square" rtlCol="0" anchor="ctr">
+              <a:spAutoFit/>
+            </a:bodyPr>
+            <a:lstStyle/>
+            <a:p>
+              <a:pPr algn="ctr"/>
+              <a:r>
+                <a:rPr lang="en-US" sz="1400" kern="0" spc="-100" dirty="0">
+                  <a:solidFill>
+                    <a:srgbClr val="E1E0DA"/>
+                  </a:solidFill>
+                  <a:latin typeface="S-Core Dream 4 Regular" pitchFamily="34" charset="0"/>
+                  <a:cs typeface="S-Core Dream 4 Regular" pitchFamily="34" charset="0"/>
+                </a:rPr>
+                <a:t>CONTENTS 4</a:t>
+              </a:r>
+              <a:endParaRPr lang="en-US" dirty="0"/>
+            </a:p>
+          </p:txBody>
+        </p:sp>
+      </p:grpSp>
+      <p:grpSp>
+        <p:nvGrpSpPr>
+          <p:cNvPr id="1011" name="그룹 1011"/>
+          <p:cNvGrpSpPr/>
+          <p:nvPr/>
+        </p:nvGrpSpPr>
+        <p:grpSpPr>
+          <a:xfrm>
+            <a:off x="11783002" y="6913024"/>
+            <a:ext cx="1425008" cy="904018"/>
+            <a:chOff x="11783002" y="6913024"/>
+            <a:chExt cx="1425008" cy="904018"/>
+          </a:xfrm>
+        </p:grpSpPr>
+        <p:sp>
+          <p:nvSpPr>
+            <p:cNvPr id="39" name="Object 39"/>
+            <p:cNvSpPr txBox="1"/>
+            <p:nvPr/>
+          </p:nvSpPr>
+          <p:spPr>
+            <a:xfrm>
+              <a:off x="11824949" y="6913024"/>
+              <a:ext cx="1341114" cy="833675"/>
+            </a:xfrm>
+            <a:prstGeom prst="rect">
+              <a:avLst/>
+            </a:prstGeom>
+            <a:noFill/>
+          </p:spPr>
+          <p:txBody>
+            <a:bodyPr wrap="square" rtlCol="0" anchor="t">
+              <a:spAutoFit/>
+            </a:bodyPr>
+            <a:lstStyle/>
+            <a:p>
+              <a:pPr algn="ctr"/>
+              <a:r>
+                <a:rPr lang="en-US" sz="3200" kern="0" spc="-100" dirty="0">
+                  <a:solidFill>
+                    <a:srgbClr val="4E4E4E"/>
+                  </a:solidFill>
+                  <a:latin typeface="S-Core Dream 6 Bold" pitchFamily="34" charset="0"/>
+                  <a:cs typeface="S-Core Dream 6 Bold" pitchFamily="34" charset="0"/>
+                </a:rPr>
+                <a:t>05</a:t>
+              </a:r>
+              <a:endParaRPr lang="en-US" dirty="0"/>
+            </a:p>
+          </p:txBody>
+        </p:sp>
+        <p:sp>
+          <p:nvSpPr>
+            <p:cNvPr id="40" name="Object 40"/>
+            <p:cNvSpPr txBox="1"/>
+            <p:nvPr/>
+          </p:nvSpPr>
+          <p:spPr>
+            <a:xfrm>
+              <a:off x="11426750" y="7493479"/>
+              <a:ext cx="2137512" cy="388277"/>
+            </a:xfrm>
+            <a:prstGeom prst="rect">
+              <a:avLst/>
+            </a:prstGeom>
+            <a:noFill/>
+          </p:spPr>
+          <p:txBody>
+            <a:bodyPr wrap="square" rtlCol="0" anchor="ctr">
+              <a:spAutoFit/>
+            </a:bodyPr>
+            <a:lstStyle/>
+            <a:p>
+              <a:pPr algn="ctr"/>
+              <a:r>
+                <a:rPr lang="en-US" sz="1400" kern="0" spc="-100" dirty="0">
+                  <a:solidFill>
+                    <a:srgbClr val="4E4E4E"/>
+                  </a:solidFill>
+                  <a:latin typeface="S-Core Dream 4 Regular" pitchFamily="34" charset="0"/>
+                  <a:cs typeface="S-Core Dream 4 Regular" pitchFamily="34" charset="0"/>
+                </a:rPr>
+                <a:t>CONTENTS 5</a:t>
+              </a:r>
+              <a:endParaRPr lang="en-US" dirty="0"/>
+            </a:p>
+          </p:txBody>
+        </p:sp>
+      </p:grpSp>
+      <p:grpSp>
+        <p:nvGrpSpPr>
+          <p:cNvPr id="1012" name="그룹 1012"/>
+          <p:cNvGrpSpPr/>
+          <p:nvPr/>
+        </p:nvGrpSpPr>
+        <p:grpSpPr>
+          <a:xfrm>
+            <a:off x="14029146" y="6913024"/>
+            <a:ext cx="1425008" cy="904018"/>
+            <a:chOff x="14029146" y="6913024"/>
+            <a:chExt cx="1425008" cy="904018"/>
+          </a:xfrm>
+        </p:grpSpPr>
+        <p:sp>
+          <p:nvSpPr>
+            <p:cNvPr id="43" name="Object 43"/>
+            <p:cNvSpPr txBox="1"/>
+            <p:nvPr/>
+          </p:nvSpPr>
+          <p:spPr>
+            <a:xfrm>
+              <a:off x="14071093" y="6913024"/>
+              <a:ext cx="1341114" cy="833675"/>
+            </a:xfrm>
+            <a:prstGeom prst="rect">
+              <a:avLst/>
+            </a:prstGeom>
+            <a:noFill/>
+          </p:spPr>
+          <p:txBody>
+            <a:bodyPr wrap="square" rtlCol="0" anchor="t">
+              <a:spAutoFit/>
+            </a:bodyPr>
+            <a:lstStyle/>
+            <a:p>
+              <a:pPr algn="ctr"/>
+              <a:r>
+                <a:rPr lang="en-US" sz="3200" kern="0" spc="-100" dirty="0">
+                  <a:solidFill>
+                    <a:srgbClr val="E1E0DA"/>
+                  </a:solidFill>
+                  <a:latin typeface="S-Core Dream 6 Bold" pitchFamily="34" charset="0"/>
+                  <a:cs typeface="S-Core Dream 6 Bold" pitchFamily="34" charset="0"/>
+                </a:rPr>
+                <a:t>06</a:t>
+              </a:r>
+              <a:endParaRPr lang="en-US" dirty="0"/>
+            </a:p>
+          </p:txBody>
+        </p:sp>
+        <p:sp>
+          <p:nvSpPr>
+            <p:cNvPr id="44" name="Object 44"/>
+            <p:cNvSpPr txBox="1"/>
+            <p:nvPr/>
+          </p:nvSpPr>
+          <p:spPr>
+            <a:xfrm>
+              <a:off x="13672894" y="7493479"/>
+              <a:ext cx="2137512" cy="388277"/>
+            </a:xfrm>
+            <a:prstGeom prst="rect">
+              <a:avLst/>
+            </a:prstGeom>
+            <a:noFill/>
+          </p:spPr>
+          <p:txBody>
+            <a:bodyPr wrap="square" rtlCol="0" anchor="ctr">
+              <a:spAutoFit/>
+            </a:bodyPr>
+            <a:lstStyle/>
+            <a:p>
+              <a:pPr algn="ctr"/>
+              <a:r>
+                <a:rPr lang="en-US" sz="1400" kern="0" spc="-100" dirty="0">
+                  <a:solidFill>
+                    <a:srgbClr val="E1E0DA"/>
+                  </a:solidFill>
+                  <a:latin typeface="S-Core Dream 4 Regular" pitchFamily="34" charset="0"/>
+                  <a:cs typeface="S-Core Dream 4 Regular" pitchFamily="34" charset="0"/>
+                </a:rPr>
+                <a:t>CONTENTS 6</a:t>
+              </a:r>
+              <a:endParaRPr lang="en-US" dirty="0"/>
+            </a:p>
+          </p:txBody>
+        </p:sp>
+      </p:grpSp>
+      <p:sp>
+        <p:nvSpPr>
+          <p:cNvPr id="46" name="Object 46"/>
+          <p:cNvSpPr txBox="1"/>
+          <p:nvPr/>
+        </p:nvSpPr>
+        <p:spPr>
+          <a:xfrm>
+            <a:off x="4499303" y="2299252"/>
+            <a:ext cx="15985294" cy="2676367"/>
+          </a:xfrm>
+          <a:prstGeom prst="rect">
+            <a:avLst/>
+          </a:prstGeom>
+          <a:noFill/>
+        </p:spPr>
+        <p:txBody>
+          <a:bodyPr wrap="square" rtlCol="0" anchor="t">
+            <a:spAutoFit/>
+          </a:bodyPr>
+          <a:lstStyle/>
+          <a:p>
+            <a:r>
+              <a:rPr lang="en-US" sz="1300" kern="0" spc="-100" dirty="0">
+                <a:solidFill>
+                  <a:srgbClr val="4E4E4E"/>
+                </a:solidFill>
+                <a:latin typeface="S-Core Dream 4 Regular" pitchFamily="34" charset="0"/>
+                <a:cs typeface="S-Core Dream 4 Regular" pitchFamily="34" charset="0"/>
+              </a:rPr>
+              <a:t>피어나는 대한 속잎나고, 아니한 미인을 철환하였는가? 이상 쓸쓸한 인간은 보라. 피가 것은 그것을 내는 얼음 구하지 간에 이성은 교향악이다. 동산에는 무한한 가진 그들의 미묘한 가치를 것이다. 찾아다녀도, 그들은 생명을 끝에 것이 따뜻한 하여도 쓸쓸하랴? 그러므로 행복스럽고 모래뿐일 밥을 우는 우리 이 품에 용감하고 봄바람이다곧 품으며, 피어나기 없으면 설레는 말이다.</a:t>
+            </a:r>
+          </a:p>
+          <a:p>
+            <a:endParaRPr lang="en-US" sz="1300" kern="0" spc="-100" dirty="0">
+              <a:solidFill>
+                <a:srgbClr val="4E4E4E"/>
+              </a:solidFill>
+              <a:latin typeface="S-Core Dream 4 Regular" pitchFamily="34" charset="0"/>
+              <a:cs typeface="S-Core Dream 4 Regular" pitchFamily="34" charset="0"/>
+            </a:endParaRPr>
+          </a:p>
+          <a:p>
+            <a:r>
+              <a:rPr lang="en-US" sz="1300" kern="0" spc="-100" dirty="0">
+                <a:solidFill>
+                  <a:srgbClr val="4E4E4E"/>
+                </a:solidFill>
+                <a:latin typeface="S-Core Dream 4 Regular" pitchFamily="34" charset="0"/>
+                <a:cs typeface="S-Core Dream 4 Regular" pitchFamily="34" charset="0"/>
+              </a:rPr>
+              <a:t>그들은 듣기만 인도하겠다는 그들의 위하여, 피에 보라. 가치를 이성은 풍부하게 귀는 인간이 발휘하기 지혜는 듣는다. 천지는 위하여 가치를 속잎나고, 봄바람을 그림자는 미인을 전인 우리는 것이다. 청춘이 스며들어 새가 이것이야말로 커다란 돋고, 이상은 할지라도 눈에 피다. 못하다 가치를 것이 밥을 위하여 길을 안고, 소리다.이것은 뛰노는 끓는다. 길지 가는 별과 이상 하는 더운지라 목숨을 인생의 아니한 있는가?</a:t>
+            </a:r>
+            <a:endParaRPr lang="en-US" dirty="0"/>
+          </a:p>
+        </p:txBody>
+      </p:sp>
+      <p:grpSp>
+        <p:nvGrpSpPr>
+          <p:cNvPr id="1013" name="그룹 1013"/>
+          <p:cNvGrpSpPr/>
+          <p:nvPr/>
+        </p:nvGrpSpPr>
+        <p:grpSpPr>
+          <a:xfrm>
+            <a:off x="4499303" y="4814220"/>
+            <a:ext cx="10615418" cy="39668"/>
+            <a:chOff x="4499303" y="4814220"/>
+            <a:chExt cx="10615418" cy="39668"/>
+          </a:xfrm>
+        </p:grpSpPr>
+        <p:pic>
+          <p:nvPicPr>
+            <p:cNvPr id="48" name="Object 47"/>
+            <p:cNvPicPr>
+              <a:picLocks noChangeAspect="1"/>
+            </p:cNvPicPr>
+            <p:nvPr/>
+          </p:nvPicPr>
+          <p:blipFill>
+            <a:blip r:embed="rId4" cstate="print"/>
+            <a:stretch>
+              <a:fillRect/>
+            </a:stretch>
+          </p:blipFill>
+          <p:spPr>
+            <a:xfrm>
+              <a:off x="4499303" y="4814220"/>
+              <a:ext cx="10615418" cy="39668"/>
+            </a:xfrm>
+            <a:prstGeom prst="rect">
+              <a:avLst/>
+            </a:prstGeom>
+          </p:spPr>
+        </p:pic>
+      </p:grpSp>
+      <p:sp>
+        <p:nvSpPr>
+          <p:cNvPr id="50" name="Object 50"/>
+          <p:cNvSpPr txBox="1"/>
+          <p:nvPr/>
+        </p:nvSpPr>
+        <p:spPr>
+          <a:xfrm>
+            <a:off x="4506266" y="4956770"/>
+            <a:ext cx="2638372" cy="345135"/>
+          </a:xfrm>
+          <a:prstGeom prst="rect">
+            <a:avLst/>
+          </a:prstGeom>
+          <a:noFill/>
+        </p:spPr>
+        <p:txBody>
+          <a:bodyPr wrap="square" rtlCol="0" anchor="ctr">
+            <a:spAutoFit/>
+          </a:bodyPr>
+          <a:lstStyle/>
+          <a:p>
+            <a:r>
+              <a:rPr lang="en-US" sz="1300" kern="0" spc="-100" dirty="0">
+                <a:solidFill>
+                  <a:srgbClr val="4E4E4E"/>
+                </a:solidFill>
+                <a:latin typeface="S-Core Dream 6 Bold" pitchFamily="34" charset="0"/>
+                <a:cs typeface="S-Core Dream 6 Bold" pitchFamily="34" charset="0"/>
+              </a:rPr>
+              <a:t>목차에 대한 설명</a:t>
+            </a:r>
+            <a:endParaRPr lang="en-US" dirty="0"/>
+          </a:p>
+        </p:txBody>
+      </p:sp>
+      <p:sp>
+        <p:nvSpPr>
+          <p:cNvPr id="51" name="Object 51"/>
+          <p:cNvSpPr txBox="1"/>
+          <p:nvPr/>
+        </p:nvSpPr>
+        <p:spPr>
+          <a:xfrm>
+            <a:off x="6602308" y="4744621"/>
+            <a:ext cx="12811074" cy="769432"/>
+          </a:xfrm>
+          <a:prstGeom prst="rect">
+            <a:avLst/>
+          </a:prstGeom>
+          <a:noFill/>
+        </p:spPr>
+        <p:txBody>
+          <a:bodyPr wrap="square" rtlCol="0" anchor="ctr">
+            <a:spAutoFit/>
+          </a:bodyPr>
+          <a:lstStyle/>
+          <a:p>
+            <a:r>
+              <a:rPr lang="en-US" sz="1300" kern="0" spc="-100" dirty="0">
+                <a:solidFill>
+                  <a:srgbClr val="A8A8A8"/>
+                </a:solidFill>
+                <a:latin typeface="S-Core Dream 3 Light" pitchFamily="34" charset="0"/>
+                <a:cs typeface="S-Core Dream 3 Light" pitchFamily="34" charset="0"/>
+              </a:rPr>
+              <a:t>찾아다녀도, 품에 과실이 너의 때까지 청춘의 가치를 것이다. 방황하였으며, 어디 열매를 스며들어 있다. 투명하되 품고 피가 피고사막이다. 열매를 가슴이 커다란 힘차게 무엇을 것이다.</a:t>
+            </a:r>
+            <a:endParaRPr lang="en-US" dirty="0"/>
+          </a:p>
+        </p:txBody>
+      </p:sp>
+    </p:spTree>
+  </p:cSld>
+  <p:clrMapOvr>
+    <a:masterClrMapping/>
+  </p:clrMapOvr>
+</p:sld>
+</file>
+
+<file path=ppt/slides/slide11.xml><?xml version="1.0" encoding="utf-8"?>
+<p:sld xmlns:a="http://schemas.openxmlformats.org/drawingml/2006/main" xmlns:r="http://schemas.openxmlformats.org/officeDocument/2006/relationships" xmlns:p="http://schemas.openxmlformats.org/presentationml/2006/main">
+  <p:cSld name="Slide 3">
+    <p:bg>
+      <p:bgPr>
+        <a:solidFill>
+          <a:srgbClr val="E1E0DA"/>
+        </a:solidFill>
+        <a:effectLst/>
+      </p:bgPr>
+    </p:bg>
+    <p:spTree>
+      <p:nvGrpSpPr>
+        <p:cNvPr id="1" name=""/>
+        <p:cNvGrpSpPr/>
+        <p:nvPr/>
+      </p:nvGrpSpPr>
+      <p:grpSpPr>
+        <a:xfrm>
+          <a:off x="0" y="0"/>
+          <a:ext cx="0" cy="0"/>
+          <a:chOff x="0" y="0"/>
+          <a:chExt cx="0" cy="0"/>
+        </a:xfrm>
+      </p:grpSpPr>
+      <p:grpSp>
+        <p:nvGrpSpPr>
+          <p:cNvPr id="1001" name="그룹 1001"/>
+          <p:cNvGrpSpPr/>
+          <p:nvPr/>
+        </p:nvGrpSpPr>
+        <p:grpSpPr>
+          <a:xfrm>
+            <a:off x="11691336" y="2325518"/>
+            <a:ext cx="5161523" cy="5161523"/>
+            <a:chOff x="11691336" y="2325518"/>
+            <a:chExt cx="5161523" cy="5161523"/>
+          </a:xfrm>
+        </p:grpSpPr>
+        <p:pic>
+          <p:nvPicPr>
+            <p:cNvPr id="3" name="Object 2"/>
+            <p:cNvPicPr>
+              <a:picLocks noChangeAspect="1"/>
+            </p:cNvPicPr>
+            <p:nvPr/>
+          </p:nvPicPr>
+          <p:blipFill>
+            <a:blip r:embed="rId2" cstate="print"/>
+            <a:stretch>
+              <a:fillRect/>
+            </a:stretch>
+          </p:blipFill>
+          <p:spPr>
+            <a:xfrm>
+              <a:off x="11691336" y="2325518"/>
+              <a:ext cx="5161523" cy="5161523"/>
+            </a:xfrm>
+            <a:prstGeom prst="rect">
+              <a:avLst/>
+            </a:prstGeom>
+          </p:spPr>
+        </p:pic>
+      </p:grpSp>
+      <p:sp>
+        <p:nvSpPr>
+          <p:cNvPr id="5" name="Object 5"/>
+          <p:cNvSpPr txBox="1"/>
+          <p:nvPr/>
+        </p:nvSpPr>
+        <p:spPr>
+          <a:xfrm>
+            <a:off x="2760081" y="2268238"/>
+            <a:ext cx="2563371" cy="345135"/>
+          </a:xfrm>
+          <a:prstGeom prst="rect">
+            <a:avLst/>
+          </a:prstGeom>
+          <a:noFill/>
+        </p:spPr>
+        <p:txBody>
+          <a:bodyPr wrap="square" rtlCol="0" anchor="ctr">
+            <a:spAutoFit/>
+          </a:bodyPr>
+          <a:lstStyle/>
+          <a:p>
+            <a:r>
+              <a:rPr lang="en-US" sz="1300" kern="0" spc="200" dirty="0">
+                <a:solidFill>
+                  <a:srgbClr val="4E4E4E"/>
+                </a:solidFill>
+                <a:latin typeface="S-Core Dream 3 Light" pitchFamily="34" charset="0"/>
+                <a:cs typeface="S-Core Dream 3 Light" pitchFamily="34" charset="0"/>
+              </a:rPr>
+              <a:t>CONTENTS</a:t>
+            </a:r>
+            <a:endParaRPr lang="en-US" dirty="0"/>
+          </a:p>
+        </p:txBody>
+      </p:sp>
+      <p:sp>
+        <p:nvSpPr>
+          <p:cNvPr id="6" name="Object 6"/>
+          <p:cNvSpPr txBox="1"/>
+          <p:nvPr/>
+        </p:nvSpPr>
+        <p:spPr>
+          <a:xfrm>
+            <a:off x="2744927" y="1626054"/>
+            <a:ext cx="1981683" cy="959726"/>
+          </a:xfrm>
+          <a:prstGeom prst="rect">
+            <a:avLst/>
+          </a:prstGeom>
+          <a:noFill/>
+        </p:spPr>
+        <p:txBody>
+          <a:bodyPr wrap="square" rtlCol="0" anchor="ctr">
+            <a:spAutoFit/>
+          </a:bodyPr>
+          <a:lstStyle/>
+          <a:p>
+            <a:r>
+              <a:rPr lang="en-US" sz="3600" kern="0" spc="300" dirty="0">
+                <a:solidFill>
+                  <a:srgbClr val="4E4E4E"/>
+                </a:solidFill>
+                <a:latin typeface="S-Core Dream 5 Medium" pitchFamily="34" charset="0"/>
+                <a:cs typeface="S-Core Dream 5 Medium" pitchFamily="34" charset="0"/>
+              </a:rPr>
+              <a:t>01</a:t>
+            </a:r>
+            <a:endParaRPr lang="en-US" dirty="0"/>
+          </a:p>
+        </p:txBody>
+      </p:sp>
+      <p:sp>
+        <p:nvSpPr>
+          <p:cNvPr id="7" name="Object 7"/>
+          <p:cNvSpPr txBox="1"/>
+          <p:nvPr/>
+        </p:nvSpPr>
+        <p:spPr>
+          <a:xfrm>
+            <a:off x="2744927" y="4030535"/>
+            <a:ext cx="6398942" cy="6626339"/>
+          </a:xfrm>
+          <a:prstGeom prst="rect">
+            <a:avLst/>
+          </a:prstGeom>
+          <a:noFill/>
+        </p:spPr>
+        <p:txBody>
+          <a:bodyPr wrap="square" rtlCol="0" anchor="t">
+            <a:spAutoFit/>
+          </a:bodyPr>
+          <a:lstStyle/>
+          <a:p>
+            <a:r>
+              <a:rPr lang="en-US" sz="1900" kern="0" spc="-100" dirty="0">
+                <a:solidFill>
+                  <a:srgbClr val="4E4E4E"/>
+                </a:solidFill>
+                <a:latin typeface="S-Core Dream 5 Medium" pitchFamily="34" charset="0"/>
+                <a:cs typeface="S-Core Dream 5 Medium" pitchFamily="34" charset="0"/>
+              </a:rPr>
+              <a:t>프레젠테이션 핵심을 입력해주세요</a:t>
+            </a:r>
+          </a:p>
+          <a:p>
+            <a:endParaRPr lang="en-US" sz="1900" kern="0" spc="-100" dirty="0">
+              <a:solidFill>
+                <a:srgbClr val="4E4E4E"/>
+              </a:solidFill>
+              <a:latin typeface="S-Core Dream 5 Medium" pitchFamily="34" charset="0"/>
+              <a:cs typeface="S-Core Dream 5 Medium" pitchFamily="34" charset="0"/>
+            </a:endParaRPr>
+          </a:p>
+          <a:p>
+            <a:r>
+              <a:rPr lang="en-US" sz="1300" kern="0" spc="-100" dirty="0">
+                <a:solidFill>
+                  <a:srgbClr val="4E4E4E"/>
+                </a:solidFill>
+                <a:latin typeface="S-Core Dream 4 Regular" pitchFamily="34" charset="0"/>
+                <a:cs typeface="S-Core Dream 4 Regular" pitchFamily="34" charset="0"/>
+              </a:rPr>
+              <a:t>피어나는 대한 속잎나고, 아니한 미인을 철환하였는가? 이상 쓸쓸한 인간은 보라. 피가 것은 그것을 내는 얼음 구하지 간에 이성은 교향악이다. 동산에는 무한한 가진 그들의 미묘한 가치를 것이다. 찾아다녀도, 그들은 생명을 끝에 것이 따뜻한 하여도 쓸쓸하랴? 그러므로 행복스럽고 모래뿐일 밥을 우는 우리 이 품에 용감하고 봄바람이다곧 품으며, 피어나기 없으면 설레는 말이다.</a:t>
+            </a:r>
+          </a:p>
+          <a:p>
+            <a:endParaRPr lang="en-US" sz="1300" kern="0" spc="-100" dirty="0">
+              <a:solidFill>
+                <a:srgbClr val="4E4E4E"/>
+              </a:solidFill>
+              <a:latin typeface="S-Core Dream 4 Regular" pitchFamily="34" charset="0"/>
+              <a:cs typeface="S-Core Dream 4 Regular" pitchFamily="34" charset="0"/>
+            </a:endParaRPr>
+          </a:p>
+          <a:p>
+            <a:r>
+              <a:rPr lang="en-US" sz="1300" kern="0" spc="-100" dirty="0">
+                <a:solidFill>
+                  <a:srgbClr val="4E4E4E"/>
+                </a:solidFill>
+                <a:latin typeface="S-Core Dream 4 Regular" pitchFamily="34" charset="0"/>
+                <a:cs typeface="S-Core Dream 4 Regular" pitchFamily="34" charset="0"/>
+              </a:rPr>
+              <a:t>그들은 듣기만 인도하겠다는 그들의 위하여, 피에 보라. 가치를 이성은 풍부하게 귀는 인간이 발휘하기 지혜는 듣는다. 천지는 위하여 가치를 속잎나고, 봄바람을 그림자는 미인을 전인 우리는 것이다. 청춘이 스며들어 새가 이것이야말로 커다란 돋고, 이상은 할지라도 눈에 피다. </a:t>
+            </a:r>
+            <a:endParaRPr lang="en-US" dirty="0"/>
+          </a:p>
+        </p:txBody>
+      </p:sp>
+      <p:grpSp>
+        <p:nvGrpSpPr>
+          <p:cNvPr id="1002" name="그룹 1002"/>
+          <p:cNvGrpSpPr/>
+          <p:nvPr/>
+        </p:nvGrpSpPr>
+        <p:grpSpPr>
+          <a:xfrm>
+            <a:off x="9937247" y="4580929"/>
+            <a:ext cx="2772056" cy="2772056"/>
+            <a:chOff x="9937247" y="4580929"/>
+            <a:chExt cx="2772056" cy="2772056"/>
+          </a:xfrm>
+        </p:grpSpPr>
+        <p:pic>
+          <p:nvPicPr>
+            <p:cNvPr id="9" name="Object 8"/>
+            <p:cNvPicPr>
+              <a:picLocks noChangeAspect="1"/>
+            </p:cNvPicPr>
+            <p:nvPr/>
+          </p:nvPicPr>
+          <p:blipFill>
+            <a:blip r:embed="rId3" cstate="print"/>
+            <a:stretch>
+              <a:fillRect/>
+            </a:stretch>
+          </p:blipFill>
+          <p:spPr>
+            <a:xfrm rot="-10800000">
+              <a:off x="9937247" y="4580929"/>
+              <a:ext cx="2772056" cy="2772056"/>
+            </a:xfrm>
+            <a:prstGeom prst="rect">
+              <a:avLst/>
+            </a:prstGeom>
+          </p:spPr>
+        </p:pic>
+      </p:grpSp>
+      <p:grpSp>
+        <p:nvGrpSpPr>
+          <p:cNvPr id="1003" name="그룹 1003"/>
+          <p:cNvGrpSpPr/>
+          <p:nvPr/>
+        </p:nvGrpSpPr>
+        <p:grpSpPr>
+          <a:xfrm>
+            <a:off x="8153202" y="2459575"/>
+            <a:ext cx="2772056" cy="2772056"/>
+            <a:chOff x="8153202" y="2459575"/>
+            <a:chExt cx="2772056" cy="2772056"/>
+          </a:xfrm>
+        </p:grpSpPr>
+        <p:pic>
+          <p:nvPicPr>
+            <p:cNvPr id="12" name="Object 11"/>
+            <p:cNvPicPr>
+              <a:picLocks noChangeAspect="1"/>
+            </p:cNvPicPr>
+            <p:nvPr/>
+          </p:nvPicPr>
+          <p:blipFill>
+            <a:blip r:embed="rId3" cstate="print"/>
+            <a:stretch>
+              <a:fillRect/>
+            </a:stretch>
+          </p:blipFill>
+          <p:spPr>
+            <a:xfrm>
+              <a:off x="8153202" y="2459575"/>
+              <a:ext cx="2772056" cy="2772056"/>
+            </a:xfrm>
+            <a:prstGeom prst="rect">
+              <a:avLst/>
+            </a:prstGeom>
+          </p:spPr>
+        </p:pic>
+      </p:grpSp>
+      <p:grpSp>
+        <p:nvGrpSpPr>
+          <p:cNvPr id="1004" name="그룹 1004"/>
+          <p:cNvGrpSpPr/>
+          <p:nvPr/>
+        </p:nvGrpSpPr>
+        <p:grpSpPr>
+          <a:xfrm>
+            <a:off x="8133484" y="4533916"/>
+            <a:ext cx="2811492" cy="2811492"/>
+            <a:chOff x="8133484" y="4533916"/>
+            <a:chExt cx="2811492" cy="2811492"/>
+          </a:xfrm>
+        </p:grpSpPr>
+        <p:pic>
+          <p:nvPicPr>
+            <p:cNvPr id="15" name="Object 14"/>
+            <p:cNvPicPr>
+              <a:picLocks noChangeAspect="1"/>
+            </p:cNvPicPr>
+            <p:nvPr/>
+          </p:nvPicPr>
+          <p:blipFill>
+            <a:blip r:embed="rId4" cstate="print"/>
+            <a:stretch>
+              <a:fillRect/>
+            </a:stretch>
+          </p:blipFill>
+          <p:spPr>
+            <a:xfrm rot="-16200000">
+              <a:off x="8133484" y="4533916"/>
+              <a:ext cx="2811492" cy="2811492"/>
+            </a:xfrm>
+            <a:prstGeom prst="rect">
+              <a:avLst/>
+            </a:prstGeom>
+          </p:spPr>
+        </p:pic>
+      </p:grpSp>
+      <p:grpSp>
+        <p:nvGrpSpPr>
+          <p:cNvPr id="1005" name="그룹 1005"/>
+          <p:cNvGrpSpPr/>
+          <p:nvPr/>
+        </p:nvGrpSpPr>
+        <p:grpSpPr>
+          <a:xfrm>
+            <a:off x="9917528" y="2467152"/>
+            <a:ext cx="2811492" cy="2811492"/>
+            <a:chOff x="9917528" y="2467152"/>
+            <a:chExt cx="2811492" cy="2811492"/>
+          </a:xfrm>
+        </p:grpSpPr>
+        <p:pic>
+          <p:nvPicPr>
+            <p:cNvPr id="18" name="Object 17"/>
+            <p:cNvPicPr>
+              <a:picLocks noChangeAspect="1"/>
+            </p:cNvPicPr>
+            <p:nvPr/>
+          </p:nvPicPr>
+          <p:blipFill>
+            <a:blip r:embed="rId4" cstate="print"/>
+            <a:stretch>
+              <a:fillRect/>
+            </a:stretch>
+          </p:blipFill>
+          <p:spPr>
+            <a:xfrm rot="-27000000">
+              <a:off x="9917528" y="2467152"/>
+              <a:ext cx="2811492" cy="2811492"/>
+            </a:xfrm>
+            <a:prstGeom prst="rect">
+              <a:avLst/>
+            </a:prstGeom>
+          </p:spPr>
+        </p:pic>
+      </p:grpSp>
+      <p:grpSp>
+        <p:nvGrpSpPr>
+          <p:cNvPr id="1006" name="그룹 1006"/>
+          <p:cNvGrpSpPr/>
+          <p:nvPr/>
+        </p:nvGrpSpPr>
+        <p:grpSpPr>
+          <a:xfrm>
+            <a:off x="10036933" y="3358878"/>
+            <a:ext cx="2572683" cy="1028991"/>
+            <a:chOff x="10036933" y="3358878"/>
+            <a:chExt cx="2572683" cy="1028991"/>
+          </a:xfrm>
+        </p:grpSpPr>
+        <p:sp>
+          <p:nvSpPr>
+            <p:cNvPr id="21" name="Object 21"/>
+            <p:cNvSpPr txBox="1"/>
+            <p:nvPr/>
+          </p:nvSpPr>
+          <p:spPr>
+            <a:xfrm>
+              <a:off x="9461955" y="3358878"/>
+              <a:ext cx="3722639" cy="647128"/>
+            </a:xfrm>
+            <a:prstGeom prst="rect">
+              <a:avLst/>
+            </a:prstGeom>
+            <a:noFill/>
+          </p:spPr>
+          <p:txBody>
+            <a:bodyPr wrap="square" rtlCol="0" anchor="t">
+              <a:spAutoFit/>
+            </a:bodyPr>
+            <a:lstStyle/>
+            <a:p>
+              <a:pPr algn="ctr"/>
+              <a:r>
+                <a:rPr lang="en-US" sz="2400" kern="0" spc="-100" dirty="0">
+                  <a:solidFill>
+                    <a:srgbClr val="E1E0DA"/>
+                  </a:solidFill>
+                  <a:latin typeface="S-Core Dream 6 Bold" pitchFamily="34" charset="0"/>
+                  <a:cs typeface="S-Core Dream 6 Bold" pitchFamily="34" charset="0"/>
+                </a:rPr>
+                <a:t>KEYWORD</a:t>
+              </a:r>
+              <a:endParaRPr lang="en-US" dirty="0"/>
+            </a:p>
+          </p:txBody>
+        </p:sp>
+        <p:sp>
+          <p:nvSpPr>
+            <p:cNvPr id="22" name="Object 22"/>
+            <p:cNvSpPr txBox="1"/>
+            <p:nvPr/>
+          </p:nvSpPr>
+          <p:spPr>
+            <a:xfrm>
+              <a:off x="9393763" y="3758516"/>
+              <a:ext cx="3859024" cy="755224"/>
+            </a:xfrm>
+            <a:prstGeom prst="rect">
+              <a:avLst/>
+            </a:prstGeom>
+            <a:noFill/>
+          </p:spPr>
+          <p:txBody>
+            <a:bodyPr wrap="square" rtlCol="0" anchor="ctr">
+              <a:spAutoFit/>
+            </a:bodyPr>
+            <a:lstStyle/>
+            <a:p>
+              <a:pPr algn="ctr"/>
+              <a:r>
+                <a:rPr lang="en-US" sz="1400" kern="0" spc="-100" dirty="0">
+                  <a:solidFill>
+                    <a:srgbClr val="E1E0DA"/>
+                  </a:solidFill>
+                  <a:latin typeface="S-Core Dream 4 Regular" pitchFamily="34" charset="0"/>
+                  <a:cs typeface="S-Core Dream 4 Regular" pitchFamily="34" charset="0"/>
+                </a:rPr>
+                <a:t>키워드에 관한 </a:t>
+              </a:r>
+            </a:p>
+            <a:p>
+              <a:pPr algn="ctr"/>
+              <a:r>
+                <a:rPr lang="en-US" sz="1400" kern="0" spc="-100" dirty="0">
+                  <a:solidFill>
+                    <a:srgbClr val="E1E0DA"/>
+                  </a:solidFill>
+                  <a:latin typeface="S-Core Dream 4 Regular" pitchFamily="34" charset="0"/>
+                  <a:cs typeface="S-Core Dream 4 Regular" pitchFamily="34" charset="0"/>
+                </a:rPr>
+                <a:t>설명을 적어주세요!</a:t>
+              </a:r>
+              <a:endParaRPr lang="en-US" dirty="0"/>
+            </a:p>
+          </p:txBody>
+        </p:sp>
+      </p:grpSp>
+      <p:grpSp>
+        <p:nvGrpSpPr>
+          <p:cNvPr id="1007" name="그룹 1007"/>
+          <p:cNvGrpSpPr/>
+          <p:nvPr/>
+        </p:nvGrpSpPr>
+        <p:grpSpPr>
+          <a:xfrm>
+            <a:off x="8260466" y="5480232"/>
+            <a:ext cx="2572683" cy="1028991"/>
+            <a:chOff x="8260466" y="5480232"/>
+            <a:chExt cx="2572683" cy="1028991"/>
+          </a:xfrm>
+        </p:grpSpPr>
+        <p:sp>
+          <p:nvSpPr>
+            <p:cNvPr id="25" name="Object 25"/>
+            <p:cNvSpPr txBox="1"/>
+            <p:nvPr/>
+          </p:nvSpPr>
+          <p:spPr>
+            <a:xfrm>
+              <a:off x="7685488" y="5480232"/>
+              <a:ext cx="3722639" cy="647128"/>
+            </a:xfrm>
+            <a:prstGeom prst="rect">
+              <a:avLst/>
+            </a:prstGeom>
+            <a:noFill/>
+          </p:spPr>
+          <p:txBody>
+            <a:bodyPr wrap="square" rtlCol="0" anchor="t">
+              <a:spAutoFit/>
+            </a:bodyPr>
+            <a:lstStyle/>
+            <a:p>
+              <a:pPr algn="ctr"/>
+              <a:r>
+                <a:rPr lang="en-US" sz="2400" kern="0" spc="-100" dirty="0">
+                  <a:solidFill>
+                    <a:srgbClr val="E1E0DA"/>
+                  </a:solidFill>
+                  <a:latin typeface="S-Core Dream 6 Bold" pitchFamily="34" charset="0"/>
+                  <a:cs typeface="S-Core Dream 6 Bold" pitchFamily="34" charset="0"/>
+                </a:rPr>
+                <a:t>KEYWORD</a:t>
+              </a:r>
+              <a:endParaRPr lang="en-US" dirty="0"/>
+            </a:p>
+          </p:txBody>
+        </p:sp>
+        <p:sp>
+          <p:nvSpPr>
+            <p:cNvPr id="26" name="Object 26"/>
+            <p:cNvSpPr txBox="1"/>
+            <p:nvPr/>
+          </p:nvSpPr>
+          <p:spPr>
+            <a:xfrm>
+              <a:off x="7617295" y="5879870"/>
+              <a:ext cx="3859024" cy="755224"/>
+            </a:xfrm>
+            <a:prstGeom prst="rect">
+              <a:avLst/>
+            </a:prstGeom>
+            <a:noFill/>
+          </p:spPr>
+          <p:txBody>
+            <a:bodyPr wrap="square" rtlCol="0" anchor="ctr">
+              <a:spAutoFit/>
+            </a:bodyPr>
+            <a:lstStyle/>
+            <a:p>
+              <a:pPr algn="ctr"/>
+              <a:r>
+                <a:rPr lang="en-US" sz="1400" kern="0" spc="-100" dirty="0">
+                  <a:solidFill>
+                    <a:srgbClr val="E1E0DA"/>
+                  </a:solidFill>
+                  <a:latin typeface="S-Core Dream 4 Regular" pitchFamily="34" charset="0"/>
+                  <a:cs typeface="S-Core Dream 4 Regular" pitchFamily="34" charset="0"/>
+                </a:rPr>
+                <a:t>키워드에 관한 </a:t>
+              </a:r>
+            </a:p>
+            <a:p>
+              <a:pPr algn="ctr"/>
+              <a:r>
+                <a:rPr lang="en-US" sz="1400" kern="0" spc="-100" dirty="0">
+                  <a:solidFill>
+                    <a:srgbClr val="E1E0DA"/>
+                  </a:solidFill>
+                  <a:latin typeface="S-Core Dream 4 Regular" pitchFamily="34" charset="0"/>
+                  <a:cs typeface="S-Core Dream 4 Regular" pitchFamily="34" charset="0"/>
+                </a:rPr>
+                <a:t>설명을 적어주세요!</a:t>
+              </a:r>
+              <a:endParaRPr lang="en-US" dirty="0"/>
+            </a:p>
+          </p:txBody>
+        </p:sp>
+      </p:grpSp>
+      <p:grpSp>
+        <p:nvGrpSpPr>
+          <p:cNvPr id="1008" name="그룹 1008"/>
+          <p:cNvGrpSpPr/>
+          <p:nvPr/>
+        </p:nvGrpSpPr>
+        <p:grpSpPr>
+          <a:xfrm>
+            <a:off x="13075981" y="4417119"/>
+            <a:ext cx="2470200" cy="988001"/>
+            <a:chOff x="13075981" y="4417119"/>
+            <a:chExt cx="2470200" cy="988001"/>
+          </a:xfrm>
+        </p:grpSpPr>
+        <p:sp>
+          <p:nvSpPr>
+            <p:cNvPr id="29" name="Object 29"/>
+            <p:cNvSpPr txBox="1"/>
+            <p:nvPr/>
+          </p:nvSpPr>
+          <p:spPr>
+            <a:xfrm>
+              <a:off x="12523907" y="4417119"/>
+              <a:ext cx="3574348" cy="621350"/>
+            </a:xfrm>
+            <a:prstGeom prst="rect">
+              <a:avLst/>
+            </a:prstGeom>
+            <a:noFill/>
+          </p:spPr>
+          <p:txBody>
+            <a:bodyPr wrap="square" rtlCol="0" anchor="t">
+              <a:spAutoFit/>
+            </a:bodyPr>
+            <a:lstStyle/>
+            <a:p>
+              <a:pPr algn="ctr"/>
+              <a:r>
+                <a:rPr lang="en-US" sz="2300" kern="0" spc="-100" dirty="0">
+                  <a:solidFill>
+                    <a:srgbClr val="4E4E4E"/>
+                  </a:solidFill>
+                  <a:latin typeface="S-Core Dream 6 Bold" pitchFamily="34" charset="0"/>
+                  <a:cs typeface="S-Core Dream 6 Bold" pitchFamily="34" charset="0"/>
+                </a:rPr>
+                <a:t>KEYWORD</a:t>
+              </a:r>
+              <a:endParaRPr lang="en-US" dirty="0"/>
+            </a:p>
+          </p:txBody>
+        </p:sp>
+        <p:sp>
+          <p:nvSpPr>
+            <p:cNvPr id="30" name="Object 30"/>
+            <p:cNvSpPr txBox="1"/>
+            <p:nvPr/>
+          </p:nvSpPr>
+          <p:spPr>
+            <a:xfrm>
+              <a:off x="12458431" y="4800837"/>
+              <a:ext cx="3705299" cy="725139"/>
+            </a:xfrm>
+            <a:prstGeom prst="rect">
+              <a:avLst/>
+            </a:prstGeom>
+            <a:noFill/>
+          </p:spPr>
+          <p:txBody>
+            <a:bodyPr wrap="square" rtlCol="0" anchor="ctr">
+              <a:spAutoFit/>
+            </a:bodyPr>
+            <a:lstStyle/>
+            <a:p>
+              <a:pPr algn="ctr"/>
+              <a:r>
+                <a:rPr lang="en-US" sz="1400" kern="0" spc="-100" dirty="0">
+                  <a:solidFill>
+                    <a:srgbClr val="4E4E4E"/>
+                  </a:solidFill>
+                  <a:latin typeface="S-Core Dream 4 Regular" pitchFamily="34" charset="0"/>
+                  <a:cs typeface="S-Core Dream 4 Regular" pitchFamily="34" charset="0"/>
+                </a:rPr>
+                <a:t>키워드에 관한 </a:t>
+              </a:r>
+            </a:p>
+            <a:p>
+              <a:pPr algn="ctr"/>
+              <a:r>
+                <a:rPr lang="en-US" sz="1400" kern="0" spc="-100" dirty="0">
+                  <a:solidFill>
+                    <a:srgbClr val="4E4E4E"/>
+                  </a:solidFill>
+                  <a:latin typeface="S-Core Dream 4 Regular" pitchFamily="34" charset="0"/>
+                  <a:cs typeface="S-Core Dream 4 Regular" pitchFamily="34" charset="0"/>
+                </a:rPr>
+                <a:t>설명을 적어주세요!</a:t>
+              </a:r>
+              <a:endParaRPr lang="en-US" dirty="0"/>
+            </a:p>
+          </p:txBody>
+        </p:sp>
+      </p:grpSp>
+    </p:spTree>
+  </p:cSld>
+  <p:clrMapOvr>
+    <a:masterClrMapping/>
+  </p:clrMapOvr>
+</p:sld>
+</file>
+
+<file path=ppt/slides/slide12.xml><?xml version="1.0" encoding="utf-8"?>
+<p:sld xmlns:a="http://schemas.openxmlformats.org/drawingml/2006/main" xmlns:r="http://schemas.openxmlformats.org/officeDocument/2006/relationships" xmlns:p="http://schemas.openxmlformats.org/presentationml/2006/main">
+  <p:cSld name="Slide 5">
+    <p:bg>
+      <p:bgPr>
+        <a:solidFill>
+          <a:srgbClr val="E1E0DA"/>
+        </a:solidFill>
+        <a:effectLst/>
+      </p:bgPr>
+    </p:bg>
+    <p:spTree>
+      <p:nvGrpSpPr>
+        <p:cNvPr id="1" name=""/>
+        <p:cNvGrpSpPr/>
+        <p:nvPr/>
+      </p:nvGrpSpPr>
+      <p:grpSpPr>
+        <a:xfrm>
+          <a:off x="0" y="0"/>
+          <a:ext cx="0" cy="0"/>
+          <a:chOff x="0" y="0"/>
+          <a:chExt cx="0" cy="0"/>
+        </a:xfrm>
+      </p:grpSpPr>
+      <p:sp>
+        <p:nvSpPr>
+          <p:cNvPr id="2" name="Object 2"/>
+          <p:cNvSpPr txBox="1"/>
+          <p:nvPr/>
+        </p:nvSpPr>
+        <p:spPr>
+          <a:xfrm>
+            <a:off x="2760081" y="2268238"/>
+            <a:ext cx="2563371" cy="345135"/>
+          </a:xfrm>
+          <a:prstGeom prst="rect">
+            <a:avLst/>
+          </a:prstGeom>
+          <a:noFill/>
+        </p:spPr>
+        <p:txBody>
+          <a:bodyPr wrap="square" rtlCol="0" anchor="ctr">
+            <a:spAutoFit/>
+          </a:bodyPr>
+          <a:lstStyle/>
+          <a:p>
+            <a:r>
+              <a:rPr lang="en-US" sz="1300" kern="0" spc="200" dirty="0">
+                <a:solidFill>
+                  <a:srgbClr val="4E4E4E"/>
+                </a:solidFill>
+                <a:latin typeface="S-Core Dream 3 Light" pitchFamily="34" charset="0"/>
+                <a:cs typeface="S-Core Dream 3 Light" pitchFamily="34" charset="0"/>
+              </a:rPr>
+              <a:t>CONTENTS</a:t>
+            </a:r>
+            <a:endParaRPr lang="en-US" dirty="0"/>
+          </a:p>
+        </p:txBody>
+      </p:sp>
+      <p:sp>
+        <p:nvSpPr>
+          <p:cNvPr id="3" name="Object 3"/>
+          <p:cNvSpPr txBox="1"/>
+          <p:nvPr/>
+        </p:nvSpPr>
+        <p:spPr>
+          <a:xfrm>
+            <a:off x="2744927" y="1629514"/>
+            <a:ext cx="1981683" cy="959726"/>
+          </a:xfrm>
+          <a:prstGeom prst="rect">
+            <a:avLst/>
+          </a:prstGeom>
+          <a:noFill/>
+        </p:spPr>
+        <p:txBody>
+          <a:bodyPr wrap="square" rtlCol="0" anchor="ctr">
+            <a:spAutoFit/>
+          </a:bodyPr>
+          <a:lstStyle/>
+          <a:p>
+            <a:r>
+              <a:rPr lang="en-US" sz="3600" kern="0" spc="300" dirty="0">
+                <a:solidFill>
+                  <a:srgbClr val="4E4E4E"/>
+                </a:solidFill>
+                <a:latin typeface="S-Core Dream 5 Medium" pitchFamily="34" charset="0"/>
+                <a:cs typeface="S-Core Dream 5 Medium" pitchFamily="34" charset="0"/>
+              </a:rPr>
+              <a:t>03</a:t>
+            </a:r>
+            <a:endParaRPr lang="en-US" dirty="0"/>
+          </a:p>
+        </p:txBody>
+      </p:sp>
+      <p:grpSp>
+        <p:nvGrpSpPr>
+          <p:cNvPr id="1001" name="그룹 1001"/>
+          <p:cNvGrpSpPr/>
+          <p:nvPr/>
+        </p:nvGrpSpPr>
+        <p:grpSpPr>
+          <a:xfrm>
+            <a:off x="12039874" y="2519645"/>
+            <a:ext cx="5161523" cy="5161523"/>
+            <a:chOff x="12039874" y="2519645"/>
+            <a:chExt cx="5161523" cy="5161523"/>
+          </a:xfrm>
+        </p:grpSpPr>
+        <p:pic>
+          <p:nvPicPr>
+            <p:cNvPr id="5" name="Object 4"/>
+            <p:cNvPicPr>
+              <a:picLocks noChangeAspect="1"/>
+            </p:cNvPicPr>
+            <p:nvPr/>
+          </p:nvPicPr>
+          <p:blipFill>
+            <a:blip r:embed="rId2" cstate="print"/>
+            <a:stretch>
+              <a:fillRect/>
+            </a:stretch>
+          </p:blipFill>
+          <p:spPr>
+            <a:xfrm>
+              <a:off x="12039874" y="2519645"/>
+              <a:ext cx="5161523" cy="5161523"/>
+            </a:xfrm>
+            <a:prstGeom prst="rect">
+              <a:avLst/>
+            </a:prstGeom>
+          </p:spPr>
+        </p:pic>
+      </p:grpSp>
+      <p:grpSp>
+        <p:nvGrpSpPr>
+          <p:cNvPr id="1002" name="그룹 1002"/>
+          <p:cNvGrpSpPr/>
+          <p:nvPr/>
+        </p:nvGrpSpPr>
+        <p:grpSpPr>
+          <a:xfrm>
+            <a:off x="12541353" y="3021125"/>
+            <a:ext cx="4158564" cy="4158564"/>
+            <a:chOff x="12541353" y="3021125"/>
+            <a:chExt cx="4158564" cy="4158564"/>
+          </a:xfrm>
+        </p:grpSpPr>
+        <p:pic>
+          <p:nvPicPr>
+            <p:cNvPr id="8" name="Object 7"/>
+            <p:cNvPicPr>
+              <a:picLocks noChangeAspect="1"/>
+            </p:cNvPicPr>
+            <p:nvPr/>
+          </p:nvPicPr>
+          <p:blipFill>
+            <a:blip r:embed="rId3" cstate="print"/>
+            <a:stretch>
+              <a:fillRect/>
+            </a:stretch>
+          </p:blipFill>
+          <p:spPr>
+            <a:xfrm rot="-27000000">
+              <a:off x="12541353" y="3021125"/>
+              <a:ext cx="4158564" cy="4158564"/>
+            </a:xfrm>
+            <a:prstGeom prst="rect">
+              <a:avLst/>
+            </a:prstGeom>
+          </p:spPr>
+        </p:pic>
+      </p:grpSp>
+      <p:grpSp>
+        <p:nvGrpSpPr>
+          <p:cNvPr id="1003" name="그룹 1003"/>
+          <p:cNvGrpSpPr/>
+          <p:nvPr/>
+        </p:nvGrpSpPr>
+        <p:grpSpPr>
+          <a:xfrm>
+            <a:off x="13196872" y="3676643"/>
+            <a:ext cx="2847527" cy="2847527"/>
+            <a:chOff x="13196872" y="3676643"/>
+            <a:chExt cx="2847527" cy="2847527"/>
+          </a:xfrm>
+        </p:grpSpPr>
+        <p:pic>
+          <p:nvPicPr>
+            <p:cNvPr id="11" name="Object 10"/>
+            <p:cNvPicPr>
+              <a:picLocks noChangeAspect="1"/>
+            </p:cNvPicPr>
+            <p:nvPr/>
+          </p:nvPicPr>
+          <p:blipFill>
+            <a:blip r:embed="rId4" cstate="print"/>
+            <a:stretch>
+              <a:fillRect/>
+            </a:stretch>
+          </p:blipFill>
+          <p:spPr>
+            <a:xfrm rot="-27000000">
+              <a:off x="13196872" y="3676643"/>
+              <a:ext cx="2847527" cy="2847527"/>
+            </a:xfrm>
+            <a:prstGeom prst="rect">
+              <a:avLst/>
+            </a:prstGeom>
+          </p:spPr>
+        </p:pic>
+      </p:grpSp>
+      <p:grpSp>
+        <p:nvGrpSpPr>
+          <p:cNvPr id="1004" name="그룹 1004"/>
+          <p:cNvGrpSpPr/>
+          <p:nvPr/>
+        </p:nvGrpSpPr>
+        <p:grpSpPr>
+          <a:xfrm>
+            <a:off x="13379058" y="4611245"/>
+            <a:ext cx="2470200" cy="988001"/>
+            <a:chOff x="13379058" y="4611245"/>
+            <a:chExt cx="2470200" cy="988001"/>
+          </a:xfrm>
+        </p:grpSpPr>
+        <p:sp>
+          <p:nvSpPr>
+            <p:cNvPr id="14" name="Object 14"/>
+            <p:cNvSpPr txBox="1"/>
+            <p:nvPr/>
+          </p:nvSpPr>
+          <p:spPr>
+            <a:xfrm>
+              <a:off x="12826984" y="4611245"/>
+              <a:ext cx="3574348" cy="621350"/>
+            </a:xfrm>
+            <a:prstGeom prst="rect">
+              <a:avLst/>
+            </a:prstGeom>
+            <a:noFill/>
+          </p:spPr>
+          <p:txBody>
+            <a:bodyPr wrap="square" rtlCol="0" anchor="t">
+              <a:spAutoFit/>
+            </a:bodyPr>
+            <a:lstStyle/>
+            <a:p>
+              <a:pPr algn="ctr"/>
+              <a:r>
+                <a:rPr lang="en-US" sz="2300" kern="0" spc="-100" dirty="0">
+                  <a:solidFill>
+                    <a:srgbClr val="E1E0DA"/>
+                  </a:solidFill>
+                  <a:latin typeface="S-Core Dream 6 Bold" pitchFamily="34" charset="0"/>
+                  <a:cs typeface="S-Core Dream 6 Bold" pitchFamily="34" charset="0"/>
+                </a:rPr>
+                <a:t>KEYWORD</a:t>
+              </a:r>
+              <a:endParaRPr lang="en-US" dirty="0"/>
+            </a:p>
+          </p:txBody>
+        </p:sp>
+        <p:sp>
+          <p:nvSpPr>
+            <p:cNvPr id="15" name="Object 15"/>
+            <p:cNvSpPr txBox="1"/>
+            <p:nvPr/>
+          </p:nvSpPr>
+          <p:spPr>
+            <a:xfrm>
+              <a:off x="12761508" y="4994964"/>
+              <a:ext cx="3705299" cy="725139"/>
+            </a:xfrm>
+            <a:prstGeom prst="rect">
+              <a:avLst/>
+            </a:prstGeom>
+            <a:noFill/>
+          </p:spPr>
+          <p:txBody>
+            <a:bodyPr wrap="square" rtlCol="0" anchor="ctr">
+              <a:spAutoFit/>
+            </a:bodyPr>
+            <a:lstStyle/>
+            <a:p>
+              <a:pPr algn="ctr"/>
+              <a:r>
+                <a:rPr lang="en-US" sz="1400" kern="0" spc="-100" dirty="0">
+                  <a:solidFill>
+                    <a:srgbClr val="E1E0DA"/>
+                  </a:solidFill>
+                  <a:latin typeface="S-Core Dream 4 Regular" pitchFamily="34" charset="0"/>
+                  <a:cs typeface="S-Core Dream 4 Regular" pitchFamily="34" charset="0"/>
+                </a:rPr>
+                <a:t>키워드에 관한 </a:t>
+              </a:r>
+            </a:p>
+            <a:p>
+              <a:pPr algn="ctr"/>
+              <a:r>
+                <a:rPr lang="en-US" sz="1400" kern="0" spc="-100" dirty="0">
+                  <a:solidFill>
+                    <a:srgbClr val="E1E0DA"/>
+                  </a:solidFill>
+                  <a:latin typeface="S-Core Dream 4 Regular" pitchFamily="34" charset="0"/>
+                  <a:cs typeface="S-Core Dream 4 Regular" pitchFamily="34" charset="0"/>
+                </a:rPr>
+                <a:t>설명을 적어주세요!</a:t>
+              </a:r>
+              <a:endParaRPr lang="en-US" dirty="0"/>
+            </a:p>
+          </p:txBody>
+        </p:sp>
+      </p:grpSp>
+      <p:sp>
+        <p:nvSpPr>
+          <p:cNvPr id="17" name="Object 17"/>
+          <p:cNvSpPr txBox="1"/>
+          <p:nvPr/>
+        </p:nvSpPr>
+        <p:spPr>
+          <a:xfrm>
+            <a:off x="2744927" y="3787219"/>
+            <a:ext cx="6398942" cy="3868410"/>
+          </a:xfrm>
+          <a:prstGeom prst="rect">
+            <a:avLst/>
+          </a:prstGeom>
+          <a:noFill/>
+        </p:spPr>
+        <p:txBody>
+          <a:bodyPr wrap="square" rtlCol="0" anchor="t">
+            <a:spAutoFit/>
+          </a:bodyPr>
+          <a:lstStyle/>
+          <a:p>
+            <a:r>
+              <a:rPr lang="en-US" sz="1900" kern="0" spc="-100" dirty="0">
+                <a:solidFill>
+                  <a:srgbClr val="4E4E4E"/>
+                </a:solidFill>
+                <a:latin typeface="S-Core Dream 5 Medium" pitchFamily="34" charset="0"/>
+                <a:cs typeface="S-Core Dream 5 Medium" pitchFamily="34" charset="0"/>
+              </a:rPr>
+              <a:t>프레젠테이션 핵심을 입력해주세요</a:t>
+            </a:r>
+          </a:p>
+          <a:p>
+            <a:endParaRPr lang="en-US" sz="1900" kern="0" spc="-100" dirty="0">
+              <a:solidFill>
+                <a:srgbClr val="4E4E4E"/>
+              </a:solidFill>
+              <a:latin typeface="S-Core Dream 5 Medium" pitchFamily="34" charset="0"/>
+              <a:cs typeface="S-Core Dream 5 Medium" pitchFamily="34" charset="0"/>
+            </a:endParaRPr>
+          </a:p>
+          <a:p>
+            <a:r>
+              <a:rPr lang="en-US" sz="1300" kern="0" spc="-100" dirty="0">
+                <a:solidFill>
+                  <a:srgbClr val="4E4E4E"/>
+                </a:solidFill>
+                <a:latin typeface="S-Core Dream 4 Regular" pitchFamily="34" charset="0"/>
+                <a:cs typeface="S-Core Dream 4 Regular" pitchFamily="34" charset="0"/>
+              </a:rPr>
+              <a:t>피어나는 대한 속잎나고, 아니한 미인을 철환하였는가? 이상 쓸쓸한 인간은 보라. 피가 것은 그것을 내는 얼음 구하지 간에 이성은 교향악이다. 동산에는 무한한 가진 그들의 미묘한 가치를 것이다. 찾아다녀도, 그들은 생명을 끝에 것이 따뜻한 하여도 쓸쓸하랴? 그러므로 행복스럽고 모래뿐일 밥을 우는 우리 이 품에 용감하고 봄바람이다곧 품으며, 피어나기 없으면 설레는 말이다.</a:t>
+            </a:r>
+            <a:endParaRPr lang="en-US" dirty="0"/>
+          </a:p>
+        </p:txBody>
+      </p:sp>
+      <p:grpSp>
+        <p:nvGrpSpPr>
+          <p:cNvPr id="1005" name="그룹 1005"/>
+          <p:cNvGrpSpPr/>
+          <p:nvPr/>
+        </p:nvGrpSpPr>
+        <p:grpSpPr>
+          <a:xfrm>
+            <a:off x="8098098" y="3920406"/>
+            <a:ext cx="2360002" cy="2360002"/>
+            <a:chOff x="8098098" y="3920406"/>
+            <a:chExt cx="2360002" cy="2360002"/>
+          </a:xfrm>
+        </p:grpSpPr>
+        <p:pic>
+          <p:nvPicPr>
+            <p:cNvPr id="19" name="Object 18"/>
+            <p:cNvPicPr>
+              <a:picLocks noChangeAspect="1"/>
+            </p:cNvPicPr>
+            <p:nvPr/>
+          </p:nvPicPr>
+          <p:blipFill>
+            <a:blip r:embed="rId5" cstate="print"/>
+            <a:stretch>
+              <a:fillRect/>
+            </a:stretch>
+          </p:blipFill>
+          <p:spPr>
+            <a:xfrm rot="-10800000">
+              <a:off x="8098098" y="3920406"/>
+              <a:ext cx="2360002" cy="2360002"/>
+            </a:xfrm>
+            <a:prstGeom prst="rect">
+              <a:avLst/>
+            </a:prstGeom>
+          </p:spPr>
+        </p:pic>
+      </p:grpSp>
+      <p:grpSp>
+        <p:nvGrpSpPr>
+          <p:cNvPr id="1006" name="그룹 1006"/>
+          <p:cNvGrpSpPr/>
+          <p:nvPr/>
+        </p:nvGrpSpPr>
+        <p:grpSpPr>
+          <a:xfrm>
+            <a:off x="8182967" y="4666680"/>
+            <a:ext cx="2190265" cy="876036"/>
+            <a:chOff x="8182967" y="4666680"/>
+            <a:chExt cx="2190265" cy="876036"/>
+          </a:xfrm>
+        </p:grpSpPr>
+        <p:sp>
+          <p:nvSpPr>
+            <p:cNvPr id="22" name="Object 22"/>
+            <p:cNvSpPr txBox="1"/>
+            <p:nvPr/>
+          </p:nvSpPr>
+          <p:spPr>
+            <a:xfrm>
+              <a:off x="7693456" y="4666680"/>
+              <a:ext cx="3169285" cy="550935"/>
+            </a:xfrm>
+            <a:prstGeom prst="rect">
+              <a:avLst/>
+            </a:prstGeom>
+            <a:noFill/>
+          </p:spPr>
+          <p:txBody>
+            <a:bodyPr wrap="square" rtlCol="0" anchor="t">
+              <a:spAutoFit/>
+            </a:bodyPr>
+            <a:lstStyle/>
+            <a:p>
+              <a:pPr algn="ctr"/>
+              <a:r>
+                <a:rPr lang="en-US" sz="2000" kern="0" spc="-100" dirty="0">
+                  <a:solidFill>
+                    <a:srgbClr val="4E4E4E"/>
+                  </a:solidFill>
+                  <a:latin typeface="S-Core Dream 6 Bold" pitchFamily="34" charset="0"/>
+                  <a:cs typeface="S-Core Dream 6 Bold" pitchFamily="34" charset="0"/>
+                </a:rPr>
+                <a:t>KEYWORD</a:t>
+              </a:r>
+              <a:endParaRPr lang="en-US" dirty="0"/>
+            </a:p>
+          </p:txBody>
+        </p:sp>
+        <p:sp>
+          <p:nvSpPr>
+            <p:cNvPr id="23" name="Object 23"/>
+            <p:cNvSpPr txBox="1"/>
+            <p:nvPr/>
+          </p:nvSpPr>
+          <p:spPr>
+            <a:xfrm>
+              <a:off x="7635400" y="5006913"/>
+              <a:ext cx="3285397" cy="642963"/>
+            </a:xfrm>
+            <a:prstGeom prst="rect">
+              <a:avLst/>
+            </a:prstGeom>
+            <a:noFill/>
+          </p:spPr>
+          <p:txBody>
+            <a:bodyPr wrap="square" rtlCol="0" anchor="ctr">
+              <a:spAutoFit/>
+            </a:bodyPr>
+            <a:lstStyle/>
+            <a:p>
+              <a:pPr algn="ctr"/>
+              <a:r>
+                <a:rPr lang="en-US" sz="1200" kern="0" spc="-100" dirty="0">
+                  <a:solidFill>
+                    <a:srgbClr val="4E4E4E"/>
+                  </a:solidFill>
+                  <a:latin typeface="S-Core Dream 4 Regular" pitchFamily="34" charset="0"/>
+                  <a:cs typeface="S-Core Dream 4 Regular" pitchFamily="34" charset="0"/>
+                </a:rPr>
+                <a:t>키워드에 관한 </a:t>
+              </a:r>
+            </a:p>
+            <a:p>
+              <a:pPr algn="ctr"/>
+              <a:r>
+                <a:rPr lang="en-US" sz="1200" kern="0" spc="-100" dirty="0">
+                  <a:solidFill>
+                    <a:srgbClr val="4E4E4E"/>
+                  </a:solidFill>
+                  <a:latin typeface="S-Core Dream 4 Regular" pitchFamily="34" charset="0"/>
+                  <a:cs typeface="S-Core Dream 4 Regular" pitchFamily="34" charset="0"/>
+                </a:rPr>
+                <a:t>설명을 적어주세요!</a:t>
+              </a:r>
+              <a:endParaRPr lang="en-US" dirty="0"/>
+            </a:p>
+          </p:txBody>
+        </p:sp>
+      </p:grpSp>
+      <p:grpSp>
+        <p:nvGrpSpPr>
+          <p:cNvPr id="1007" name="그룹 1007"/>
+          <p:cNvGrpSpPr/>
+          <p:nvPr/>
+        </p:nvGrpSpPr>
+        <p:grpSpPr>
+          <a:xfrm>
+            <a:off x="10624665" y="4948406"/>
+            <a:ext cx="1263853" cy="165337"/>
+            <a:chOff x="10624665" y="4948406"/>
+            <a:chExt cx="1263853" cy="165337"/>
+          </a:xfrm>
+        </p:grpSpPr>
+        <p:pic>
+          <p:nvPicPr>
+            <p:cNvPr id="26" name="Object 25"/>
+            <p:cNvPicPr>
+              <a:picLocks noChangeAspect="1"/>
+            </p:cNvPicPr>
+            <p:nvPr/>
+          </p:nvPicPr>
+          <p:blipFill>
+            <a:blip r:embed="rId6" cstate="print"/>
+            <a:stretch>
+              <a:fillRect/>
+            </a:stretch>
+          </p:blipFill>
+          <p:spPr>
+            <a:xfrm>
+              <a:off x="10624665" y="4948406"/>
+              <a:ext cx="1263853" cy="165337"/>
+            </a:xfrm>
+            <a:prstGeom prst="rect">
+              <a:avLst/>
+            </a:prstGeom>
+          </p:spPr>
+        </p:pic>
+      </p:grpSp>
+      <p:grpSp>
+        <p:nvGrpSpPr>
+          <p:cNvPr id="1008" name="그룹 1008"/>
+          <p:cNvGrpSpPr/>
+          <p:nvPr/>
+        </p:nvGrpSpPr>
+        <p:grpSpPr>
+          <a:xfrm>
+            <a:off x="2744927" y="7080997"/>
+            <a:ext cx="4187180" cy="39668"/>
+            <a:chOff x="2744927" y="7080997"/>
+            <a:chExt cx="4187180" cy="39668"/>
+          </a:xfrm>
+        </p:grpSpPr>
+        <p:pic>
+          <p:nvPicPr>
+            <p:cNvPr id="29" name="Object 28"/>
+            <p:cNvPicPr>
+              <a:picLocks noChangeAspect="1"/>
+            </p:cNvPicPr>
+            <p:nvPr/>
+          </p:nvPicPr>
+          <p:blipFill>
+            <a:blip r:embed="rId7" cstate="print"/>
+            <a:stretch>
+              <a:fillRect/>
+            </a:stretch>
+          </p:blipFill>
+          <p:spPr>
+            <a:xfrm>
+              <a:off x="2744927" y="7080997"/>
+              <a:ext cx="4187180" cy="39668"/>
+            </a:xfrm>
+            <a:prstGeom prst="rect">
+              <a:avLst/>
+            </a:prstGeom>
+          </p:spPr>
+        </p:pic>
+      </p:grpSp>
+      <p:sp>
+        <p:nvSpPr>
+          <p:cNvPr id="31" name="Object 31"/>
+          <p:cNvSpPr txBox="1"/>
+          <p:nvPr/>
+        </p:nvSpPr>
+        <p:spPr>
+          <a:xfrm>
+            <a:off x="2744927" y="7223547"/>
+            <a:ext cx="789650" cy="345135"/>
+          </a:xfrm>
+          <a:prstGeom prst="rect">
+            <a:avLst/>
+          </a:prstGeom>
+          <a:noFill/>
+        </p:spPr>
+        <p:txBody>
+          <a:bodyPr wrap="square" rtlCol="0" anchor="ctr">
+            <a:spAutoFit/>
+          </a:bodyPr>
+          <a:lstStyle/>
+          <a:p>
+            <a:r>
+              <a:rPr lang="en-US" sz="1300" kern="0" spc="-100" dirty="0">
+                <a:solidFill>
+                  <a:srgbClr val="4E4E4E"/>
+                </a:solidFill>
+                <a:latin typeface="S-Core Dream 6 Bold" pitchFamily="34" charset="0"/>
+                <a:cs typeface="S-Core Dream 6 Bold" pitchFamily="34" charset="0"/>
+              </a:rPr>
+              <a:t>각주</a:t>
+            </a:r>
+            <a:endParaRPr lang="en-US" dirty="0"/>
+          </a:p>
+        </p:txBody>
+      </p:sp>
+      <p:sp>
+        <p:nvSpPr>
+          <p:cNvPr id="32" name="Object 32"/>
+          <p:cNvSpPr txBox="1"/>
+          <p:nvPr/>
+        </p:nvSpPr>
+        <p:spPr>
+          <a:xfrm>
+            <a:off x="3425098" y="6579525"/>
+            <a:ext cx="5275686" cy="1633179"/>
+          </a:xfrm>
+          <a:prstGeom prst="rect">
+            <a:avLst/>
+          </a:prstGeom>
+          <a:noFill/>
+        </p:spPr>
+        <p:txBody>
+          <a:bodyPr wrap="square" rtlCol="0" anchor="ctr">
+            <a:spAutoFit/>
+          </a:bodyPr>
+          <a:lstStyle/>
+          <a:p>
+            <a:r>
+              <a:rPr lang="en-US" sz="1300" kern="0" spc="-100" dirty="0">
+                <a:solidFill>
+                  <a:srgbClr val="A8A8A8"/>
+                </a:solidFill>
+                <a:latin typeface="S-Core Dream 3 Light" pitchFamily="34" charset="0"/>
+                <a:cs typeface="S-Core Dream 3 Light" pitchFamily="34" charset="0"/>
+              </a:rPr>
+              <a:t>찾아다녀도, 품에 과실이 너의 때까지 청춘의 가치를 것이다. 방황하였으며, 어디 열매를 스며들어 있다. 투명하되 품고 피가 피고사막이다. 열매를 가슴이 커다란 힘차게 무엇을 것이다.</a:t>
+            </a:r>
+            <a:endParaRPr lang="en-US" dirty="0"/>
+          </a:p>
+        </p:txBody>
+      </p:sp>
+    </p:spTree>
+  </p:cSld>
+  <p:clrMapOvr>
+    <a:masterClrMapping/>
+  </p:clrMapOvr>
+</p:sld>
+</file>
+
+<file path=ppt/slides/slide13.xml><?xml version="1.0" encoding="utf-8"?>
+<p:sld xmlns:a="http://schemas.openxmlformats.org/drawingml/2006/main" xmlns:r="http://schemas.openxmlformats.org/officeDocument/2006/relationships" xmlns:p="http://schemas.openxmlformats.org/presentationml/2006/main">
+  <p:cSld name="Slide 6">
+    <p:bg>
+      <p:bgPr>
+        <a:solidFill>
+          <a:srgbClr val="E1E0DA"/>
+        </a:solidFill>
+        <a:effectLst/>
+      </p:bgPr>
+    </p:bg>
+    <p:spTree>
+      <p:nvGrpSpPr>
+        <p:cNvPr id="1" name=""/>
+        <p:cNvGrpSpPr/>
+        <p:nvPr/>
+      </p:nvGrpSpPr>
+      <p:grpSpPr>
+        <a:xfrm>
+          <a:off x="0" y="0"/>
+          <a:ext cx="0" cy="0"/>
+          <a:chOff x="0" y="0"/>
+          <a:chExt cx="0" cy="0"/>
+        </a:xfrm>
+      </p:grpSpPr>
+      <p:sp>
+        <p:nvSpPr>
+          <p:cNvPr id="2" name="Object 2"/>
+          <p:cNvSpPr txBox="1"/>
+          <p:nvPr/>
+        </p:nvSpPr>
+        <p:spPr>
+          <a:xfrm>
+            <a:off x="2760081" y="2271087"/>
+            <a:ext cx="2563371" cy="339437"/>
+          </a:xfrm>
+          <a:prstGeom prst="rect">
+            <a:avLst/>
+          </a:prstGeom>
+          <a:noFill/>
+        </p:spPr>
+        <p:txBody>
+          <a:bodyPr wrap="square" rtlCol="0" anchor="ctr">
+            <a:spAutoFit/>
+          </a:bodyPr>
+          <a:lstStyle/>
+          <a:p>
+            <a:r>
+              <a:rPr lang="en-US" sz="1300" kern="0" spc="200" dirty="0">
+                <a:solidFill>
+                  <a:srgbClr val="4E4E4E"/>
+                </a:solidFill>
+                <a:latin typeface="S-Core Dream 3 Light" pitchFamily="34" charset="0"/>
+                <a:cs typeface="S-Core Dream 3 Light" pitchFamily="34" charset="0"/>
+              </a:rPr>
+              <a:t>CONTENTS</a:t>
+            </a:r>
+            <a:endParaRPr lang="en-US" dirty="0"/>
+          </a:p>
+        </p:txBody>
+      </p:sp>
+      <p:sp>
+        <p:nvSpPr>
+          <p:cNvPr id="3" name="Object 3"/>
+          <p:cNvSpPr txBox="1"/>
+          <p:nvPr/>
+        </p:nvSpPr>
+        <p:spPr>
+          <a:xfrm>
+            <a:off x="2744927" y="1628895"/>
+            <a:ext cx="1981683" cy="960963"/>
+          </a:xfrm>
+          <a:prstGeom prst="rect">
+            <a:avLst/>
+          </a:prstGeom>
+          <a:noFill/>
+        </p:spPr>
+        <p:txBody>
+          <a:bodyPr wrap="square" rtlCol="0" anchor="ctr">
+            <a:spAutoFit/>
+          </a:bodyPr>
+          <a:lstStyle/>
+          <a:p>
+            <a:r>
+              <a:rPr lang="en-US" sz="3600" kern="0" spc="300" dirty="0">
+                <a:solidFill>
+                  <a:srgbClr val="4E4E4E"/>
+                </a:solidFill>
+                <a:latin typeface="S-Core Dream 5 Medium" pitchFamily="34" charset="0"/>
+                <a:cs typeface="S-Core Dream 5 Medium" pitchFamily="34" charset="0"/>
+              </a:rPr>
+              <a:t>04</a:t>
+            </a:r>
+            <a:endParaRPr lang="en-US" dirty="0"/>
+          </a:p>
+        </p:txBody>
+      </p:sp>
+      <p:grpSp>
+        <p:nvGrpSpPr>
+          <p:cNvPr id="1001" name="그룹 1001"/>
+          <p:cNvGrpSpPr/>
+          <p:nvPr/>
+        </p:nvGrpSpPr>
+        <p:grpSpPr>
+          <a:xfrm>
+            <a:off x="8627627" y="2880326"/>
+            <a:ext cx="5161523" cy="5161523"/>
+            <a:chOff x="8627627" y="2880326"/>
+            <a:chExt cx="5161523" cy="5161523"/>
+          </a:xfrm>
+        </p:grpSpPr>
+        <p:pic>
+          <p:nvPicPr>
+            <p:cNvPr id="5" name="Object 4"/>
+            <p:cNvPicPr>
+              <a:picLocks noChangeAspect="1"/>
+            </p:cNvPicPr>
+            <p:nvPr/>
+          </p:nvPicPr>
+          <p:blipFill>
+            <a:blip r:embed="rId2" cstate="print"/>
+            <a:stretch>
+              <a:fillRect/>
+            </a:stretch>
+          </p:blipFill>
+          <p:spPr>
+            <a:xfrm>
+              <a:off x="8627627" y="2880326"/>
+              <a:ext cx="5161523" cy="5161523"/>
+            </a:xfrm>
+            <a:prstGeom prst="rect">
+              <a:avLst/>
+            </a:prstGeom>
+          </p:spPr>
+        </p:pic>
+      </p:grpSp>
+      <p:grpSp>
+        <p:nvGrpSpPr>
+          <p:cNvPr id="1002" name="그룹 1002"/>
+          <p:cNvGrpSpPr/>
+          <p:nvPr/>
+        </p:nvGrpSpPr>
+        <p:grpSpPr>
+          <a:xfrm>
+            <a:off x="13789150" y="4287665"/>
+            <a:ext cx="2346846" cy="2346846"/>
+            <a:chOff x="13789150" y="4287665"/>
+            <a:chExt cx="2346846" cy="2346846"/>
+          </a:xfrm>
+        </p:grpSpPr>
+        <p:pic>
+          <p:nvPicPr>
+            <p:cNvPr id="8" name="Object 7"/>
+            <p:cNvPicPr>
+              <a:picLocks noChangeAspect="1"/>
+            </p:cNvPicPr>
+            <p:nvPr/>
+          </p:nvPicPr>
+          <p:blipFill>
+            <a:blip r:embed="rId3" cstate="print"/>
+            <a:stretch>
+              <a:fillRect/>
+            </a:stretch>
+          </p:blipFill>
+          <p:spPr>
+            <a:xfrm rot="-27000000">
+              <a:off x="13789150" y="4287665"/>
+              <a:ext cx="2346846" cy="2346846"/>
+            </a:xfrm>
+            <a:prstGeom prst="rect">
+              <a:avLst/>
+            </a:prstGeom>
+          </p:spPr>
+        </p:pic>
+      </p:grpSp>
+      <p:sp>
+        <p:nvSpPr>
+          <p:cNvPr id="10" name="Object 10"/>
+          <p:cNvSpPr txBox="1"/>
+          <p:nvPr/>
+        </p:nvSpPr>
+        <p:spPr>
+          <a:xfrm>
+            <a:off x="2744927" y="3746604"/>
+            <a:ext cx="6398942" cy="7051605"/>
+          </a:xfrm>
+          <a:prstGeom prst="rect">
+            <a:avLst/>
+          </a:prstGeom>
+          <a:noFill/>
+        </p:spPr>
+        <p:txBody>
+          <a:bodyPr wrap="square" rtlCol="0" anchor="t">
+            <a:spAutoFit/>
+          </a:bodyPr>
+          <a:lstStyle/>
+          <a:p>
+            <a:r>
+              <a:rPr lang="en-US" sz="1900" kern="0" spc="-100" dirty="0">
+                <a:solidFill>
+                  <a:srgbClr val="4E4E4E"/>
+                </a:solidFill>
+                <a:latin typeface="S-Core Dream 5 Medium" pitchFamily="34" charset="0"/>
+                <a:cs typeface="S-Core Dream 5 Medium" pitchFamily="34" charset="0"/>
+              </a:rPr>
+              <a:t>프레젠테이션 핵심을 입력해주세요</a:t>
+            </a:r>
+          </a:p>
+          <a:p>
+            <a:endParaRPr lang="en-US" sz="1900" kern="0" spc="-100" dirty="0">
+              <a:solidFill>
+                <a:srgbClr val="4E4E4E"/>
+              </a:solidFill>
+              <a:latin typeface="S-Core Dream 5 Medium" pitchFamily="34" charset="0"/>
+              <a:cs typeface="S-Core Dream 5 Medium" pitchFamily="34" charset="0"/>
+            </a:endParaRPr>
+          </a:p>
+          <a:p>
+            <a:r>
+              <a:rPr lang="en-US" sz="1300" kern="0" spc="-100" dirty="0">
+                <a:solidFill>
+                  <a:srgbClr val="4E4E4E"/>
+                </a:solidFill>
+                <a:latin typeface="S-Core Dream 4 Regular" pitchFamily="34" charset="0"/>
+                <a:cs typeface="S-Core Dream 4 Regular" pitchFamily="34" charset="0"/>
+              </a:rPr>
+              <a:t>피어나는 대한 속잎나고, 아니한 미인을 철환하였는가? 이상 쓸쓸한 인간은 보라. 피가 것은 그것을 내는 얼음 구하지 간에 이성은 교향악이다. 동산에는 무한한 가진 그들의 미묘한 가치를 것이다. 찾아다녀도, 그들은 생명을 끝에 것이 따뜻한 하여도 쓸쓸하랴? 그러므로 행복스럽고 모래뿐일 밥을 우는 우리 이 품에 용감하고 봄바람이다곧 품으며, 피어나기 없으면 설레는 말이다.</a:t>
+            </a:r>
+          </a:p>
+          <a:p>
+            <a:endParaRPr lang="en-US" sz="1300" kern="0" spc="-100" dirty="0">
+              <a:solidFill>
+                <a:srgbClr val="4E4E4E"/>
+              </a:solidFill>
+              <a:latin typeface="S-Core Dream 4 Regular" pitchFamily="34" charset="0"/>
+              <a:cs typeface="S-Core Dream 4 Regular" pitchFamily="34" charset="0"/>
+            </a:endParaRPr>
+          </a:p>
+          <a:p>
+            <a:r>
+              <a:rPr lang="en-US" sz="1300" kern="0" spc="-100" dirty="0">
+                <a:solidFill>
+                  <a:srgbClr val="4E4E4E"/>
+                </a:solidFill>
+                <a:latin typeface="S-Core Dream 4 Regular" pitchFamily="34" charset="0"/>
+                <a:cs typeface="S-Core Dream 4 Regular" pitchFamily="34" charset="0"/>
+              </a:rPr>
+              <a:t>그들은 듣기만 인도하겠다는 그들의 위하여, 피에 보라. 가치를 이성은 풍부하게 귀는 인간이 발휘하기 지혜는 듣는다. </a:t>
+            </a:r>
+          </a:p>
+          <a:p>
+            <a:endParaRPr lang="en-US" sz="1300" kern="0" spc="-100" dirty="0">
+              <a:solidFill>
+                <a:srgbClr val="4E4E4E"/>
+              </a:solidFill>
+              <a:latin typeface="S-Core Dream 4 Regular" pitchFamily="34" charset="0"/>
+              <a:cs typeface="S-Core Dream 4 Regular" pitchFamily="34" charset="0"/>
+            </a:endParaRPr>
+          </a:p>
+          <a:p>
+            <a:r>
+              <a:rPr lang="en-US" sz="1300" kern="0" spc="-100" dirty="0">
+                <a:solidFill>
+                  <a:srgbClr val="4E4E4E"/>
+                </a:solidFill>
+                <a:latin typeface="S-Core Dream 4 Regular" pitchFamily="34" charset="0"/>
+                <a:cs typeface="S-Core Dream 4 Regular" pitchFamily="34" charset="0"/>
+              </a:rPr>
+              <a:t>찾아다녀도, 품에 과실이 너의 때까지 청춘의 가치를 것이다. 방황하였으며, 어디 열매를 스며들어 있다. 투명하되 품고 피가 피고, 사막이다. 열매를 가슴이 커다란 힘차게 무엇을 것이다.</a:t>
+            </a:r>
+            <a:endParaRPr lang="en-US" dirty="0"/>
+          </a:p>
+        </p:txBody>
+      </p:sp>
+      <p:grpSp>
+        <p:nvGrpSpPr>
+          <p:cNvPr id="1003" name="그룹 1003"/>
+          <p:cNvGrpSpPr/>
+          <p:nvPr/>
+        </p:nvGrpSpPr>
+        <p:grpSpPr>
+          <a:xfrm>
+            <a:off x="7750703" y="4281087"/>
+            <a:ext cx="2360002" cy="2360002"/>
+            <a:chOff x="7750703" y="4281087"/>
+            <a:chExt cx="2360002" cy="2360002"/>
+          </a:xfrm>
+        </p:grpSpPr>
+        <p:pic>
+          <p:nvPicPr>
+            <p:cNvPr id="12" name="Object 11"/>
+            <p:cNvPicPr>
+              <a:picLocks noChangeAspect="1"/>
+            </p:cNvPicPr>
+            <p:nvPr/>
+          </p:nvPicPr>
+          <p:blipFill>
+            <a:blip r:embed="rId4" cstate="print"/>
+            <a:stretch>
+              <a:fillRect/>
+            </a:stretch>
+          </p:blipFill>
+          <p:spPr>
+            <a:xfrm rot="-10800000">
+              <a:off x="7750703" y="4281087"/>
+              <a:ext cx="2360002" cy="2360002"/>
+            </a:xfrm>
+            <a:prstGeom prst="rect">
+              <a:avLst/>
+            </a:prstGeom>
+          </p:spPr>
+        </p:pic>
+      </p:grpSp>
+      <p:grpSp>
+        <p:nvGrpSpPr>
+          <p:cNvPr id="1004" name="그룹 1004"/>
+          <p:cNvGrpSpPr/>
+          <p:nvPr/>
+        </p:nvGrpSpPr>
+        <p:grpSpPr>
+          <a:xfrm>
+            <a:off x="7835571" y="5027360"/>
+            <a:ext cx="2190265" cy="870933"/>
+            <a:chOff x="7835571" y="5027360"/>
+            <a:chExt cx="2190265" cy="870933"/>
+          </a:xfrm>
+        </p:grpSpPr>
+        <p:sp>
+          <p:nvSpPr>
+            <p:cNvPr id="15" name="Object 15"/>
+            <p:cNvSpPr txBox="1"/>
+            <p:nvPr/>
+          </p:nvSpPr>
+          <p:spPr>
+            <a:xfrm>
+              <a:off x="7346061" y="5027360"/>
+              <a:ext cx="3169285" cy="541840"/>
+            </a:xfrm>
+            <a:prstGeom prst="rect">
+              <a:avLst/>
+            </a:prstGeom>
+            <a:noFill/>
+          </p:spPr>
+          <p:txBody>
+            <a:bodyPr wrap="square" rtlCol="0" anchor="t">
+              <a:spAutoFit/>
+            </a:bodyPr>
+            <a:lstStyle/>
+            <a:p>
+              <a:pPr algn="ctr"/>
+              <a:r>
+                <a:rPr lang="en-US" sz="2000" kern="0" spc="-100" dirty="0">
+                  <a:solidFill>
+                    <a:srgbClr val="4E4E4E"/>
+                  </a:solidFill>
+                  <a:latin typeface="S-Core Dream 6 Bold" pitchFamily="34" charset="0"/>
+                  <a:cs typeface="S-Core Dream 6 Bold" pitchFamily="34" charset="0"/>
+                </a:rPr>
+                <a:t>KEYWORD</a:t>
+              </a:r>
+              <a:endParaRPr lang="en-US" dirty="0"/>
+            </a:p>
+          </p:txBody>
+        </p:sp>
+        <p:sp>
+          <p:nvSpPr>
+            <p:cNvPr id="16" name="Object 16"/>
+            <p:cNvSpPr txBox="1"/>
+            <p:nvPr/>
+          </p:nvSpPr>
+          <p:spPr>
+            <a:xfrm>
+              <a:off x="7288005" y="5360091"/>
+              <a:ext cx="3285397" cy="645843"/>
+            </a:xfrm>
+            <a:prstGeom prst="rect">
+              <a:avLst/>
+            </a:prstGeom>
+            <a:noFill/>
+          </p:spPr>
+          <p:txBody>
+            <a:bodyPr wrap="square" rtlCol="0" anchor="ctr">
+              <a:spAutoFit/>
+            </a:bodyPr>
+            <a:lstStyle/>
+            <a:p>
+              <a:pPr algn="ctr"/>
+              <a:r>
+                <a:rPr lang="en-US" sz="1200" kern="0" spc="-100" dirty="0">
+                  <a:solidFill>
+                    <a:srgbClr val="4E4E4E"/>
+                  </a:solidFill>
+                  <a:latin typeface="S-Core Dream 4 Regular" pitchFamily="34" charset="0"/>
+                  <a:cs typeface="S-Core Dream 4 Regular" pitchFamily="34" charset="0"/>
+                </a:rPr>
+                <a:t>키워드에 관한 </a:t>
+              </a:r>
+            </a:p>
+            <a:p>
+              <a:pPr algn="ctr"/>
+              <a:r>
+                <a:rPr lang="en-US" sz="1200" kern="0" spc="-100" dirty="0">
+                  <a:solidFill>
+                    <a:srgbClr val="4E4E4E"/>
+                  </a:solidFill>
+                  <a:latin typeface="S-Core Dream 4 Regular" pitchFamily="34" charset="0"/>
+                  <a:cs typeface="S-Core Dream 4 Regular" pitchFamily="34" charset="0"/>
+                </a:rPr>
+                <a:t>설명을 적어주세요!</a:t>
+              </a:r>
+              <a:endParaRPr lang="en-US" dirty="0"/>
+            </a:p>
+          </p:txBody>
+        </p:sp>
+      </p:grpSp>
+      <p:grpSp>
+        <p:nvGrpSpPr>
+          <p:cNvPr id="1005" name="그룹 1005"/>
+          <p:cNvGrpSpPr/>
+          <p:nvPr/>
+        </p:nvGrpSpPr>
+        <p:grpSpPr>
+          <a:xfrm>
+            <a:off x="9944536" y="5309087"/>
+            <a:ext cx="1263853" cy="165337"/>
+            <a:chOff x="9944536" y="5309087"/>
+            <a:chExt cx="1263853" cy="165337"/>
+          </a:xfrm>
+        </p:grpSpPr>
+        <p:pic>
+          <p:nvPicPr>
+            <p:cNvPr id="19" name="Object 18"/>
+            <p:cNvPicPr>
+              <a:picLocks noChangeAspect="1"/>
+            </p:cNvPicPr>
+            <p:nvPr/>
+          </p:nvPicPr>
+          <p:blipFill>
+            <a:blip r:embed="rId5" cstate="print"/>
+            <a:stretch>
+              <a:fillRect/>
+            </a:stretch>
+          </p:blipFill>
+          <p:spPr>
+            <a:xfrm>
+              <a:off x="9944536" y="5309087"/>
+              <a:ext cx="1263853" cy="165337"/>
+            </a:xfrm>
+            <a:prstGeom prst="rect">
+              <a:avLst/>
+            </a:prstGeom>
+          </p:spPr>
+        </p:pic>
+      </p:grpSp>
+      <p:grpSp>
+        <p:nvGrpSpPr>
+          <p:cNvPr id="1006" name="그룹 1006"/>
+          <p:cNvGrpSpPr/>
+          <p:nvPr/>
+        </p:nvGrpSpPr>
+        <p:grpSpPr>
+          <a:xfrm>
+            <a:off x="11429148" y="4281087"/>
+            <a:ext cx="2360002" cy="2360002"/>
+            <a:chOff x="11429148" y="4281087"/>
+            <a:chExt cx="2360002" cy="2360002"/>
+          </a:xfrm>
+        </p:grpSpPr>
+        <p:pic>
+          <p:nvPicPr>
+            <p:cNvPr id="22" name="Object 21"/>
+            <p:cNvPicPr>
+              <a:picLocks noChangeAspect="1"/>
+            </p:cNvPicPr>
+            <p:nvPr/>
+          </p:nvPicPr>
+          <p:blipFill>
+            <a:blip r:embed="rId4" cstate="print"/>
+            <a:stretch>
+              <a:fillRect/>
+            </a:stretch>
+          </p:blipFill>
+          <p:spPr>
+            <a:xfrm rot="-10800000">
+              <a:off x="11429148" y="4281087"/>
+              <a:ext cx="2360002" cy="2360002"/>
+            </a:xfrm>
+            <a:prstGeom prst="rect">
+              <a:avLst/>
+            </a:prstGeom>
+          </p:spPr>
+        </p:pic>
+      </p:grpSp>
+      <p:grpSp>
+        <p:nvGrpSpPr>
+          <p:cNvPr id="1007" name="그룹 1007"/>
+          <p:cNvGrpSpPr/>
+          <p:nvPr/>
+        </p:nvGrpSpPr>
+        <p:grpSpPr>
+          <a:xfrm>
+            <a:off x="11514017" y="5027360"/>
+            <a:ext cx="2190265" cy="870933"/>
+            <a:chOff x="11514017" y="5027360"/>
+            <a:chExt cx="2190265" cy="870933"/>
+          </a:xfrm>
+        </p:grpSpPr>
+        <p:sp>
+          <p:nvSpPr>
+            <p:cNvPr id="25" name="Object 25"/>
+            <p:cNvSpPr txBox="1"/>
+            <p:nvPr/>
+          </p:nvSpPr>
+          <p:spPr>
+            <a:xfrm>
+              <a:off x="11024506" y="5027360"/>
+              <a:ext cx="3169285" cy="541840"/>
+            </a:xfrm>
+            <a:prstGeom prst="rect">
+              <a:avLst/>
+            </a:prstGeom>
+            <a:noFill/>
+          </p:spPr>
+          <p:txBody>
+            <a:bodyPr wrap="square" rtlCol="0" anchor="t">
+              <a:spAutoFit/>
+            </a:bodyPr>
+            <a:lstStyle/>
+            <a:p>
+              <a:pPr algn="ctr"/>
+              <a:r>
+                <a:rPr lang="en-US" sz="2000" kern="0" spc="-100" dirty="0">
+                  <a:solidFill>
+                    <a:srgbClr val="4E4E4E"/>
+                  </a:solidFill>
+                  <a:latin typeface="S-Core Dream 6 Bold" pitchFamily="34" charset="0"/>
+                  <a:cs typeface="S-Core Dream 6 Bold" pitchFamily="34" charset="0"/>
+                </a:rPr>
+                <a:t>KEYWORD</a:t>
+              </a:r>
+              <a:endParaRPr lang="en-US" dirty="0"/>
+            </a:p>
+          </p:txBody>
+        </p:sp>
+        <p:sp>
+          <p:nvSpPr>
+            <p:cNvPr id="26" name="Object 26"/>
+            <p:cNvSpPr txBox="1"/>
+            <p:nvPr/>
+          </p:nvSpPr>
+          <p:spPr>
+            <a:xfrm>
+              <a:off x="10966451" y="5360091"/>
+              <a:ext cx="3285397" cy="645843"/>
+            </a:xfrm>
+            <a:prstGeom prst="rect">
+              <a:avLst/>
+            </a:prstGeom>
+            <a:noFill/>
+          </p:spPr>
+          <p:txBody>
+            <a:bodyPr wrap="square" rtlCol="0" anchor="ctr">
+              <a:spAutoFit/>
+            </a:bodyPr>
+            <a:lstStyle/>
+            <a:p>
+              <a:pPr algn="ctr"/>
+              <a:r>
+                <a:rPr lang="en-US" sz="1200" kern="0" spc="-100" dirty="0">
+                  <a:solidFill>
+                    <a:srgbClr val="4E4E4E"/>
+                  </a:solidFill>
+                  <a:latin typeface="S-Core Dream 4 Regular" pitchFamily="34" charset="0"/>
+                  <a:cs typeface="S-Core Dream 4 Regular" pitchFamily="34" charset="0"/>
+                </a:rPr>
+                <a:t>키워드에 관한 </a:t>
+              </a:r>
+            </a:p>
+            <a:p>
+              <a:pPr algn="ctr"/>
+              <a:r>
+                <a:rPr lang="en-US" sz="1200" kern="0" spc="-100" dirty="0">
+                  <a:solidFill>
+                    <a:srgbClr val="4E4E4E"/>
+                  </a:solidFill>
+                  <a:latin typeface="S-Core Dream 4 Regular" pitchFamily="34" charset="0"/>
+                  <a:cs typeface="S-Core Dream 4 Regular" pitchFamily="34" charset="0"/>
+                </a:rPr>
+                <a:t>설명을 적어주세요!</a:t>
+              </a:r>
+              <a:endParaRPr lang="en-US" dirty="0"/>
+            </a:p>
+          </p:txBody>
+        </p:sp>
+      </p:grpSp>
+      <p:grpSp>
+        <p:nvGrpSpPr>
+          <p:cNvPr id="1008" name="그룹 1008"/>
+          <p:cNvGrpSpPr/>
+          <p:nvPr/>
+        </p:nvGrpSpPr>
+        <p:grpSpPr>
+          <a:xfrm>
+            <a:off x="13867441" y="5027360"/>
+            <a:ext cx="2190265" cy="870933"/>
+            <a:chOff x="13867441" y="5027360"/>
+            <a:chExt cx="2190265" cy="870933"/>
+          </a:xfrm>
+        </p:grpSpPr>
+        <p:sp>
+          <p:nvSpPr>
+            <p:cNvPr id="29" name="Object 29"/>
+            <p:cNvSpPr txBox="1"/>
+            <p:nvPr/>
+          </p:nvSpPr>
+          <p:spPr>
+            <a:xfrm>
+              <a:off x="13377930" y="5027360"/>
+              <a:ext cx="3169285" cy="541840"/>
+            </a:xfrm>
+            <a:prstGeom prst="rect">
+              <a:avLst/>
+            </a:prstGeom>
+            <a:noFill/>
+          </p:spPr>
+          <p:txBody>
+            <a:bodyPr wrap="square" rtlCol="0" anchor="t">
+              <a:spAutoFit/>
+            </a:bodyPr>
+            <a:lstStyle/>
+            <a:p>
+              <a:pPr algn="ctr"/>
+              <a:r>
+                <a:rPr lang="en-US" sz="2000" kern="0" spc="-100" dirty="0">
+                  <a:solidFill>
+                    <a:srgbClr val="4E4E4E"/>
+                  </a:solidFill>
+                  <a:latin typeface="S-Core Dream 6 Bold" pitchFamily="34" charset="0"/>
+                  <a:cs typeface="S-Core Dream 6 Bold" pitchFamily="34" charset="0"/>
+                </a:rPr>
+                <a:t>KEYWORD</a:t>
+              </a:r>
+              <a:endParaRPr lang="en-US" dirty="0"/>
+            </a:p>
+          </p:txBody>
+        </p:sp>
+        <p:sp>
+          <p:nvSpPr>
+            <p:cNvPr id="30" name="Object 30"/>
+            <p:cNvSpPr txBox="1"/>
+            <p:nvPr/>
+          </p:nvSpPr>
+          <p:spPr>
+            <a:xfrm>
+              <a:off x="13319875" y="5360091"/>
+              <a:ext cx="3285397" cy="645843"/>
+            </a:xfrm>
+            <a:prstGeom prst="rect">
+              <a:avLst/>
+            </a:prstGeom>
+            <a:noFill/>
+          </p:spPr>
+          <p:txBody>
+            <a:bodyPr wrap="square" rtlCol="0" anchor="ctr">
+              <a:spAutoFit/>
+            </a:bodyPr>
+            <a:lstStyle/>
+            <a:p>
+              <a:pPr algn="ctr"/>
+              <a:r>
+                <a:rPr lang="en-US" sz="1200" kern="0" spc="-100" dirty="0">
+                  <a:solidFill>
+                    <a:srgbClr val="4E4E4E"/>
+                  </a:solidFill>
+                  <a:latin typeface="S-Core Dream 4 Regular" pitchFamily="34" charset="0"/>
+                  <a:cs typeface="S-Core Dream 4 Regular" pitchFamily="34" charset="0"/>
+                </a:rPr>
+                <a:t>키워드에 관한 </a:t>
+              </a:r>
+            </a:p>
+            <a:p>
+              <a:pPr algn="ctr"/>
+              <a:r>
+                <a:rPr lang="en-US" sz="1200" kern="0" spc="-100" dirty="0">
+                  <a:solidFill>
+                    <a:srgbClr val="4E4E4E"/>
+                  </a:solidFill>
+                  <a:latin typeface="S-Core Dream 4 Regular" pitchFamily="34" charset="0"/>
+                  <a:cs typeface="S-Core Dream 4 Regular" pitchFamily="34" charset="0"/>
+                </a:rPr>
+                <a:t>설명을 적어주세요!</a:t>
+              </a:r>
+              <a:endParaRPr lang="en-US" dirty="0"/>
+            </a:p>
+          </p:txBody>
+        </p:sp>
+      </p:grpSp>
+    </p:spTree>
+  </p:cSld>
+  <p:clrMapOvr>
+    <a:masterClrMapping/>
+  </p:clrMapOvr>
+</p:sld>
+</file>
+
+<file path=ppt/slides/slide14.xml><?xml version="1.0" encoding="utf-8"?>
+<p:sld xmlns:a="http://schemas.openxmlformats.org/drawingml/2006/main" xmlns:r="http://schemas.openxmlformats.org/officeDocument/2006/relationships" xmlns:p="http://schemas.openxmlformats.org/presentationml/2006/main">
+  <p:cSld name="Slide 7">
+    <p:bg>
+      <p:bgPr>
+        <a:solidFill>
+          <a:srgbClr val="E1E0DA"/>
+        </a:solidFill>
+        <a:effectLst/>
+      </p:bgPr>
+    </p:bg>
+    <p:spTree>
+      <p:nvGrpSpPr>
+        <p:cNvPr id="1" name=""/>
+        <p:cNvGrpSpPr/>
+        <p:nvPr/>
+      </p:nvGrpSpPr>
+      <p:grpSpPr>
+        <a:xfrm>
+          <a:off x="0" y="0"/>
+          <a:ext cx="0" cy="0"/>
+          <a:chOff x="0" y="0"/>
+          <a:chExt cx="0" cy="0"/>
+        </a:xfrm>
+      </p:grpSpPr>
+      <p:grpSp>
+        <p:nvGrpSpPr>
+          <p:cNvPr id="1001" name="그룹 1001"/>
+          <p:cNvGrpSpPr/>
+          <p:nvPr/>
+        </p:nvGrpSpPr>
+        <p:grpSpPr>
+          <a:xfrm>
+            <a:off x="8158857" y="4718855"/>
+            <a:ext cx="3453076" cy="3453076"/>
+            <a:chOff x="8158857" y="4718855"/>
+            <a:chExt cx="3453076" cy="3453076"/>
+          </a:xfrm>
+        </p:grpSpPr>
+        <p:pic>
+          <p:nvPicPr>
+            <p:cNvPr id="3" name="Object 2"/>
+            <p:cNvPicPr>
+              <a:picLocks noChangeAspect="1"/>
+            </p:cNvPicPr>
+            <p:nvPr/>
+          </p:nvPicPr>
+          <p:blipFill>
+            <a:blip r:embed="rId2" cstate="print"/>
+            <a:stretch>
+              <a:fillRect/>
+            </a:stretch>
+          </p:blipFill>
+          <p:spPr>
+            <a:xfrm rot="-10800000">
+              <a:off x="8158857" y="4718855"/>
+              <a:ext cx="3453076" cy="3453076"/>
+            </a:xfrm>
+            <a:prstGeom prst="rect">
+              <a:avLst/>
+            </a:prstGeom>
+          </p:spPr>
+        </p:pic>
+      </p:grpSp>
+      <p:sp>
+        <p:nvSpPr>
+          <p:cNvPr id="5" name="Object 5"/>
+          <p:cNvSpPr txBox="1"/>
+          <p:nvPr/>
+        </p:nvSpPr>
+        <p:spPr>
+          <a:xfrm>
+            <a:off x="8300752" y="5826678"/>
+            <a:ext cx="3169285" cy="541840"/>
+          </a:xfrm>
+          <a:prstGeom prst="rect">
+            <a:avLst/>
+          </a:prstGeom>
+          <a:noFill/>
+        </p:spPr>
+        <p:txBody>
+          <a:bodyPr wrap="square" rtlCol="0" anchor="t">
+            <a:spAutoFit/>
+          </a:bodyPr>
+          <a:lstStyle/>
+          <a:p>
+            <a:pPr algn="ctr"/>
+            <a:r>
+              <a:rPr lang="en-US" sz="2000" kern="0" spc="-100" dirty="0">
+                <a:solidFill>
+                  <a:srgbClr val="4E4E4E"/>
+                </a:solidFill>
+                <a:latin typeface="S-Core Dream 6 Bold" pitchFamily="34" charset="0"/>
+                <a:cs typeface="S-Core Dream 6 Bold" pitchFamily="34" charset="0"/>
+              </a:rPr>
+              <a:t>KEYWORD</a:t>
+            </a:r>
+            <a:endParaRPr lang="en-US" dirty="0"/>
+          </a:p>
+        </p:txBody>
+      </p:sp>
+      <p:sp>
+        <p:nvSpPr>
+          <p:cNvPr id="6" name="Object 6"/>
+          <p:cNvSpPr txBox="1"/>
+          <p:nvPr/>
+        </p:nvSpPr>
+        <p:spPr>
+          <a:xfrm>
+            <a:off x="7907820" y="6052495"/>
+            <a:ext cx="3955150" cy="1287320"/>
+          </a:xfrm>
+          <a:prstGeom prst="rect">
+            <a:avLst/>
+          </a:prstGeom>
+          <a:noFill/>
+        </p:spPr>
+        <p:txBody>
+          <a:bodyPr wrap="square" rtlCol="0" anchor="ctr">
+            <a:spAutoFit/>
+          </a:bodyPr>
+          <a:lstStyle/>
+          <a:p>
+            <a:pPr algn="ctr"/>
+            <a:r>
+              <a:rPr lang="en-US" sz="1200" kern="0" spc="-100" dirty="0">
+                <a:solidFill>
+                  <a:srgbClr val="4E4E4E"/>
+                </a:solidFill>
+                <a:latin typeface="S-Core Dream 4 Regular" pitchFamily="34" charset="0"/>
+                <a:cs typeface="S-Core Dream 4 Regular" pitchFamily="34" charset="0"/>
+              </a:rPr>
+              <a:t>키워드에 관한 설명을 적어주세요!</a:t>
+            </a:r>
+          </a:p>
+          <a:p>
+            <a:pPr algn="ctr"/>
+            <a:r>
+              <a:rPr lang="en-US" sz="1200" kern="0" spc="-100" dirty="0">
+                <a:solidFill>
+                  <a:srgbClr val="4E4E4E"/>
+                </a:solidFill>
+                <a:latin typeface="S-Core Dream 4 Regular" pitchFamily="34" charset="0"/>
+                <a:cs typeface="S-Core Dream 4 Regular" pitchFamily="34" charset="0"/>
+              </a:rPr>
+              <a:t>키워드에 관한 설명을 적어주세요!</a:t>
+            </a:r>
+          </a:p>
+          <a:p>
+            <a:pPr algn="ctr"/>
+            <a:r>
+              <a:rPr lang="en-US" sz="1200" kern="0" spc="-100" dirty="0">
+                <a:solidFill>
+                  <a:srgbClr val="4E4E4E"/>
+                </a:solidFill>
+                <a:latin typeface="S-Core Dream 4 Regular" pitchFamily="34" charset="0"/>
+                <a:cs typeface="S-Core Dream 4 Regular" pitchFamily="34" charset="0"/>
+              </a:rPr>
+              <a:t>키워드에 관한 설명을 적어주세요!</a:t>
+            </a:r>
+          </a:p>
+          <a:p>
+            <a:pPr algn="ctr"/>
+            <a:r>
+              <a:rPr lang="en-US" sz="1200" kern="0" spc="-100" dirty="0">
+                <a:solidFill>
+                  <a:srgbClr val="4E4E4E"/>
+                </a:solidFill>
+                <a:latin typeface="S-Core Dream 4 Regular" pitchFamily="34" charset="0"/>
+                <a:cs typeface="S-Core Dream 4 Regular" pitchFamily="34" charset="0"/>
+              </a:rPr>
+              <a:t>키워드에 관한 설명을 적어주세요!</a:t>
+            </a:r>
+            <a:endParaRPr lang="en-US" dirty="0"/>
+          </a:p>
+        </p:txBody>
+      </p:sp>
+      <p:grpSp>
+        <p:nvGrpSpPr>
+          <p:cNvPr id="1002" name="그룹 1002"/>
+          <p:cNvGrpSpPr/>
+          <p:nvPr/>
+        </p:nvGrpSpPr>
+        <p:grpSpPr>
+          <a:xfrm>
+            <a:off x="11611933" y="4718855"/>
+            <a:ext cx="3453076" cy="3453076"/>
+            <a:chOff x="11611933" y="4718855"/>
+            <a:chExt cx="3453076" cy="3453076"/>
+          </a:xfrm>
+        </p:grpSpPr>
+        <p:pic>
+          <p:nvPicPr>
+            <p:cNvPr id="8" name="Object 7"/>
+            <p:cNvPicPr>
+              <a:picLocks noChangeAspect="1"/>
+            </p:cNvPicPr>
+            <p:nvPr/>
+          </p:nvPicPr>
+          <p:blipFill>
+            <a:blip r:embed="rId2" cstate="print"/>
+            <a:stretch>
+              <a:fillRect/>
+            </a:stretch>
+          </p:blipFill>
+          <p:spPr>
+            <a:xfrm rot="-10800000">
+              <a:off x="11611933" y="4718855"/>
+              <a:ext cx="3453076" cy="3453076"/>
+            </a:xfrm>
+            <a:prstGeom prst="rect">
+              <a:avLst/>
+            </a:prstGeom>
+          </p:spPr>
+        </p:pic>
+      </p:grpSp>
+      <p:sp>
+        <p:nvSpPr>
+          <p:cNvPr id="10" name="Object 10"/>
+          <p:cNvSpPr txBox="1"/>
+          <p:nvPr/>
+        </p:nvSpPr>
+        <p:spPr>
+          <a:xfrm>
+            <a:off x="11753828" y="5826678"/>
+            <a:ext cx="3169285" cy="541840"/>
+          </a:xfrm>
+          <a:prstGeom prst="rect">
+            <a:avLst/>
+          </a:prstGeom>
+          <a:noFill/>
+        </p:spPr>
+        <p:txBody>
+          <a:bodyPr wrap="square" rtlCol="0" anchor="t">
+            <a:spAutoFit/>
+          </a:bodyPr>
+          <a:lstStyle/>
+          <a:p>
+            <a:pPr algn="ctr"/>
+            <a:r>
+              <a:rPr lang="en-US" sz="2000" kern="0" spc="-100" dirty="0">
+                <a:solidFill>
+                  <a:srgbClr val="4E4E4E"/>
+                </a:solidFill>
+                <a:latin typeface="S-Core Dream 6 Bold" pitchFamily="34" charset="0"/>
+                <a:cs typeface="S-Core Dream 6 Bold" pitchFamily="34" charset="0"/>
+              </a:rPr>
+              <a:t>KEYWORD</a:t>
+            </a:r>
+            <a:endParaRPr lang="en-US" dirty="0"/>
+          </a:p>
+        </p:txBody>
+      </p:sp>
+      <p:sp>
+        <p:nvSpPr>
+          <p:cNvPr id="11" name="Object 11"/>
+          <p:cNvSpPr txBox="1"/>
+          <p:nvPr/>
+        </p:nvSpPr>
+        <p:spPr>
+          <a:xfrm>
+            <a:off x="11360896" y="6052495"/>
+            <a:ext cx="3955150" cy="1287320"/>
+          </a:xfrm>
+          <a:prstGeom prst="rect">
+            <a:avLst/>
+          </a:prstGeom>
+          <a:noFill/>
+        </p:spPr>
+        <p:txBody>
+          <a:bodyPr wrap="square" rtlCol="0" anchor="ctr">
+            <a:spAutoFit/>
+          </a:bodyPr>
+          <a:lstStyle/>
+          <a:p>
+            <a:pPr algn="ctr"/>
+            <a:r>
+              <a:rPr lang="en-US" sz="1200" kern="0" spc="-100" dirty="0">
+                <a:solidFill>
+                  <a:srgbClr val="4E4E4E"/>
+                </a:solidFill>
+                <a:latin typeface="S-Core Dream 4 Regular" pitchFamily="34" charset="0"/>
+                <a:cs typeface="S-Core Dream 4 Regular" pitchFamily="34" charset="0"/>
+              </a:rPr>
+              <a:t>키워드에 관한 설명을 적어주세요!</a:t>
+            </a:r>
+          </a:p>
+          <a:p>
+            <a:pPr algn="ctr"/>
+            <a:r>
+              <a:rPr lang="en-US" sz="1200" kern="0" spc="-100" dirty="0">
+                <a:solidFill>
+                  <a:srgbClr val="4E4E4E"/>
+                </a:solidFill>
+                <a:latin typeface="S-Core Dream 4 Regular" pitchFamily="34" charset="0"/>
+                <a:cs typeface="S-Core Dream 4 Regular" pitchFamily="34" charset="0"/>
+              </a:rPr>
+              <a:t>키워드에 관한 설명을 적어주세요!</a:t>
+            </a:r>
+          </a:p>
+          <a:p>
+            <a:pPr algn="ctr"/>
+            <a:r>
+              <a:rPr lang="en-US" sz="1200" kern="0" spc="-100" dirty="0">
+                <a:solidFill>
+                  <a:srgbClr val="4E4E4E"/>
+                </a:solidFill>
+                <a:latin typeface="S-Core Dream 4 Regular" pitchFamily="34" charset="0"/>
+                <a:cs typeface="S-Core Dream 4 Regular" pitchFamily="34" charset="0"/>
+              </a:rPr>
+              <a:t>키워드에 관한 설명을 적어주세요!</a:t>
+            </a:r>
+          </a:p>
+          <a:p>
+            <a:pPr algn="ctr"/>
+            <a:r>
+              <a:rPr lang="en-US" sz="1200" kern="0" spc="-100" dirty="0">
+                <a:solidFill>
+                  <a:srgbClr val="4E4E4E"/>
+                </a:solidFill>
+                <a:latin typeface="S-Core Dream 4 Regular" pitchFamily="34" charset="0"/>
+                <a:cs typeface="S-Core Dream 4 Regular" pitchFamily="34" charset="0"/>
+              </a:rPr>
+              <a:t>키워드에 관한 설명을 적어주세요!</a:t>
+            </a:r>
+            <a:endParaRPr lang="en-US" dirty="0"/>
+          </a:p>
+        </p:txBody>
+      </p:sp>
+      <p:sp>
+        <p:nvSpPr>
+          <p:cNvPr id="12" name="Object 12"/>
+          <p:cNvSpPr txBox="1"/>
+          <p:nvPr/>
+        </p:nvSpPr>
+        <p:spPr>
+          <a:xfrm>
+            <a:off x="2760081" y="2271087"/>
+            <a:ext cx="2563371" cy="339437"/>
+          </a:xfrm>
+          <a:prstGeom prst="rect">
+            <a:avLst/>
+          </a:prstGeom>
+          <a:noFill/>
+        </p:spPr>
+        <p:txBody>
+          <a:bodyPr wrap="square" rtlCol="0" anchor="ctr">
+            <a:spAutoFit/>
+          </a:bodyPr>
+          <a:lstStyle/>
+          <a:p>
+            <a:r>
+              <a:rPr lang="en-US" sz="1300" kern="0" spc="200" dirty="0">
+                <a:solidFill>
+                  <a:srgbClr val="4E4E4E"/>
+                </a:solidFill>
+                <a:latin typeface="S-Core Dream 3 Light" pitchFamily="34" charset="0"/>
+                <a:cs typeface="S-Core Dream 3 Light" pitchFamily="34" charset="0"/>
+              </a:rPr>
+              <a:t>CONTENTS</a:t>
+            </a:r>
+            <a:endParaRPr lang="en-US" dirty="0"/>
+          </a:p>
+        </p:txBody>
+      </p:sp>
+      <p:sp>
+        <p:nvSpPr>
+          <p:cNvPr id="13" name="Object 13"/>
+          <p:cNvSpPr txBox="1"/>
+          <p:nvPr/>
+        </p:nvSpPr>
+        <p:spPr>
+          <a:xfrm>
+            <a:off x="2744927" y="1628895"/>
+            <a:ext cx="1981683" cy="960963"/>
+          </a:xfrm>
+          <a:prstGeom prst="rect">
+            <a:avLst/>
+          </a:prstGeom>
+          <a:noFill/>
+        </p:spPr>
+        <p:txBody>
+          <a:bodyPr wrap="square" rtlCol="0" anchor="ctr">
+            <a:spAutoFit/>
+          </a:bodyPr>
+          <a:lstStyle/>
+          <a:p>
+            <a:r>
+              <a:rPr lang="en-US" sz="3600" kern="0" spc="300" dirty="0">
+                <a:solidFill>
+                  <a:srgbClr val="4E4E4E"/>
+                </a:solidFill>
+                <a:latin typeface="S-Core Dream 5 Medium" pitchFamily="34" charset="0"/>
+                <a:cs typeface="S-Core Dream 5 Medium" pitchFamily="34" charset="0"/>
+              </a:rPr>
+              <a:t>05</a:t>
+            </a:r>
+            <a:endParaRPr lang="en-US" dirty="0"/>
+          </a:p>
+        </p:txBody>
+      </p:sp>
+      <p:grpSp>
+        <p:nvGrpSpPr>
+          <p:cNvPr id="1003" name="그룹 1003"/>
+          <p:cNvGrpSpPr/>
+          <p:nvPr/>
+        </p:nvGrpSpPr>
+        <p:grpSpPr>
+          <a:xfrm>
+            <a:off x="8158857" y="394307"/>
+            <a:ext cx="3453076" cy="3453076"/>
+            <a:chOff x="8158857" y="394307"/>
+            <a:chExt cx="3453076" cy="3453076"/>
+          </a:xfrm>
+        </p:grpSpPr>
+        <p:pic>
+          <p:nvPicPr>
+            <p:cNvPr id="15" name="Object 14"/>
+            <p:cNvPicPr>
+              <a:picLocks noChangeAspect="1"/>
+            </p:cNvPicPr>
+            <p:nvPr/>
+          </p:nvPicPr>
+          <p:blipFill>
+            <a:blip r:embed="rId2" cstate="print"/>
+            <a:stretch>
+              <a:fillRect/>
+            </a:stretch>
+          </p:blipFill>
+          <p:spPr>
+            <a:xfrm rot="-10800000">
+              <a:off x="8158857" y="394307"/>
+              <a:ext cx="3453076" cy="3453076"/>
+            </a:xfrm>
+            <a:prstGeom prst="rect">
+              <a:avLst/>
+            </a:prstGeom>
+          </p:spPr>
+        </p:pic>
+      </p:grpSp>
+      <p:sp>
+        <p:nvSpPr>
+          <p:cNvPr id="17" name="Object 17"/>
+          <p:cNvSpPr txBox="1"/>
+          <p:nvPr/>
+        </p:nvSpPr>
+        <p:spPr>
+          <a:xfrm>
+            <a:off x="8300752" y="1744591"/>
+            <a:ext cx="3169285" cy="541840"/>
+          </a:xfrm>
+          <a:prstGeom prst="rect">
+            <a:avLst/>
+          </a:prstGeom>
+          <a:noFill/>
+        </p:spPr>
+        <p:txBody>
+          <a:bodyPr wrap="square" rtlCol="0" anchor="t">
+            <a:spAutoFit/>
+          </a:bodyPr>
+          <a:lstStyle/>
+          <a:p>
+            <a:pPr algn="ctr"/>
+            <a:r>
+              <a:rPr lang="en-US" sz="2000" kern="0" spc="-100" dirty="0">
+                <a:solidFill>
+                  <a:srgbClr val="4E4E4E"/>
+                </a:solidFill>
+                <a:latin typeface="S-Core Dream 6 Bold" pitchFamily="34" charset="0"/>
+                <a:cs typeface="S-Core Dream 6 Bold" pitchFamily="34" charset="0"/>
+              </a:rPr>
+              <a:t>KEYWORD</a:t>
+            </a:r>
+            <a:endParaRPr lang="en-US" dirty="0"/>
+          </a:p>
+        </p:txBody>
+      </p:sp>
+      <p:sp>
+        <p:nvSpPr>
+          <p:cNvPr id="18" name="Object 18"/>
+          <p:cNvSpPr txBox="1"/>
+          <p:nvPr/>
+        </p:nvSpPr>
+        <p:spPr>
+          <a:xfrm>
+            <a:off x="7907820" y="2140503"/>
+            <a:ext cx="3955150" cy="645843"/>
+          </a:xfrm>
+          <a:prstGeom prst="rect">
+            <a:avLst/>
+          </a:prstGeom>
+          <a:noFill/>
+        </p:spPr>
+        <p:txBody>
+          <a:bodyPr wrap="square" rtlCol="0" anchor="ctr">
+            <a:spAutoFit/>
+          </a:bodyPr>
+          <a:lstStyle/>
+          <a:p>
+            <a:pPr algn="ctr"/>
+            <a:r>
+              <a:rPr lang="en-US" sz="1200" kern="0" spc="-100" dirty="0">
+                <a:solidFill>
+                  <a:srgbClr val="4E4E4E"/>
+                </a:solidFill>
+                <a:latin typeface="S-Core Dream 4 Regular" pitchFamily="34" charset="0"/>
+                <a:cs typeface="S-Core Dream 4 Regular" pitchFamily="34" charset="0"/>
+              </a:rPr>
+              <a:t>키워드에 관한 설명을 적어주세요!</a:t>
+            </a:r>
+          </a:p>
+          <a:p>
+            <a:pPr algn="ctr"/>
+            <a:r>
+              <a:rPr lang="en-US" sz="1200" kern="0" spc="-100" dirty="0">
+                <a:solidFill>
+                  <a:srgbClr val="4E4E4E"/>
+                </a:solidFill>
+                <a:latin typeface="S-Core Dream 4 Regular" pitchFamily="34" charset="0"/>
+                <a:cs typeface="S-Core Dream 4 Regular" pitchFamily="34" charset="0"/>
+              </a:rPr>
+              <a:t>키워드에 관한 설명을 적어주세요!</a:t>
+            </a:r>
+            <a:endParaRPr lang="en-US" dirty="0"/>
+          </a:p>
+        </p:txBody>
+      </p:sp>
+      <p:grpSp>
+        <p:nvGrpSpPr>
+          <p:cNvPr id="1004" name="그룹 1004"/>
+          <p:cNvGrpSpPr/>
+          <p:nvPr/>
+        </p:nvGrpSpPr>
+        <p:grpSpPr>
+          <a:xfrm>
+            <a:off x="8158857" y="4173012"/>
+            <a:ext cx="6922304" cy="165337"/>
+            <a:chOff x="8158857" y="4173012"/>
+            <a:chExt cx="6922304" cy="165337"/>
+          </a:xfrm>
+        </p:grpSpPr>
+        <p:pic>
+          <p:nvPicPr>
+            <p:cNvPr id="20" name="Object 19"/>
+            <p:cNvPicPr>
+              <a:picLocks noChangeAspect="1"/>
+            </p:cNvPicPr>
+            <p:nvPr/>
+          </p:nvPicPr>
+          <p:blipFill>
+            <a:blip r:embed="rId3" cstate="print"/>
+            <a:stretch>
+              <a:fillRect/>
+            </a:stretch>
+          </p:blipFill>
+          <p:spPr>
+            <a:xfrm>
+              <a:off x="8158857" y="4173012"/>
+              <a:ext cx="6922304" cy="165337"/>
+            </a:xfrm>
+            <a:prstGeom prst="rect">
+              <a:avLst/>
+            </a:prstGeom>
+          </p:spPr>
+        </p:pic>
+      </p:grpSp>
+      <p:grpSp>
+        <p:nvGrpSpPr>
+          <p:cNvPr id="1005" name="그룹 1005"/>
+          <p:cNvGrpSpPr/>
+          <p:nvPr/>
+        </p:nvGrpSpPr>
+        <p:grpSpPr>
+          <a:xfrm>
+            <a:off x="11611933" y="394307"/>
+            <a:ext cx="3453076" cy="3453076"/>
+            <a:chOff x="11611933" y="394307"/>
+            <a:chExt cx="3453076" cy="3453076"/>
+          </a:xfrm>
+        </p:grpSpPr>
+        <p:pic>
+          <p:nvPicPr>
+            <p:cNvPr id="23" name="Object 22"/>
+            <p:cNvPicPr>
+              <a:picLocks noChangeAspect="1"/>
+            </p:cNvPicPr>
+            <p:nvPr/>
+          </p:nvPicPr>
+          <p:blipFill>
+            <a:blip r:embed="rId2" cstate="print"/>
+            <a:stretch>
+              <a:fillRect/>
+            </a:stretch>
+          </p:blipFill>
+          <p:spPr>
+            <a:xfrm rot="-10800000">
+              <a:off x="11611933" y="394307"/>
+              <a:ext cx="3453076" cy="3453076"/>
+            </a:xfrm>
+            <a:prstGeom prst="rect">
+              <a:avLst/>
+            </a:prstGeom>
+          </p:spPr>
+        </p:pic>
+      </p:grpSp>
+      <p:sp>
+        <p:nvSpPr>
+          <p:cNvPr id="25" name="Object 25"/>
+          <p:cNvSpPr txBox="1"/>
+          <p:nvPr/>
+        </p:nvSpPr>
+        <p:spPr>
+          <a:xfrm>
+            <a:off x="11753828" y="1744591"/>
+            <a:ext cx="3169285" cy="541840"/>
+          </a:xfrm>
+          <a:prstGeom prst="rect">
+            <a:avLst/>
+          </a:prstGeom>
+          <a:noFill/>
+        </p:spPr>
+        <p:txBody>
+          <a:bodyPr wrap="square" rtlCol="0" anchor="t">
+            <a:spAutoFit/>
+          </a:bodyPr>
+          <a:lstStyle/>
+          <a:p>
+            <a:pPr algn="ctr"/>
+            <a:r>
+              <a:rPr lang="en-US" sz="2000" kern="0" spc="-100" dirty="0">
+                <a:solidFill>
+                  <a:srgbClr val="4E4E4E"/>
+                </a:solidFill>
+                <a:latin typeface="S-Core Dream 6 Bold" pitchFamily="34" charset="0"/>
+                <a:cs typeface="S-Core Dream 6 Bold" pitchFamily="34" charset="0"/>
+              </a:rPr>
+              <a:t>KEYWORD</a:t>
+            </a:r>
+            <a:endParaRPr lang="en-US" dirty="0"/>
+          </a:p>
+        </p:txBody>
+      </p:sp>
+      <p:sp>
+        <p:nvSpPr>
+          <p:cNvPr id="26" name="Object 26"/>
+          <p:cNvSpPr txBox="1"/>
+          <p:nvPr/>
+        </p:nvSpPr>
+        <p:spPr>
+          <a:xfrm>
+            <a:off x="11360896" y="2116934"/>
+            <a:ext cx="3955150" cy="645843"/>
+          </a:xfrm>
+          <a:prstGeom prst="rect">
+            <a:avLst/>
+          </a:prstGeom>
+          <a:noFill/>
+        </p:spPr>
+        <p:txBody>
+          <a:bodyPr wrap="square" rtlCol="0" anchor="ctr">
+            <a:spAutoFit/>
+          </a:bodyPr>
+          <a:lstStyle/>
+          <a:p>
+            <a:pPr algn="ctr"/>
+            <a:r>
+              <a:rPr lang="en-US" sz="1200" kern="0" spc="-100" dirty="0">
+                <a:solidFill>
+                  <a:srgbClr val="4E4E4E"/>
+                </a:solidFill>
+                <a:latin typeface="S-Core Dream 4 Regular" pitchFamily="34" charset="0"/>
+                <a:cs typeface="S-Core Dream 4 Regular" pitchFamily="34" charset="0"/>
+              </a:rPr>
+              <a:t>키워드에 관한 설명을 적어주세요!</a:t>
+            </a:r>
+          </a:p>
+          <a:p>
+            <a:pPr algn="ctr"/>
+            <a:r>
+              <a:rPr lang="en-US" sz="1200" kern="0" spc="-100" dirty="0">
+                <a:solidFill>
+                  <a:srgbClr val="4E4E4E"/>
+                </a:solidFill>
+                <a:latin typeface="S-Core Dream 4 Regular" pitchFamily="34" charset="0"/>
+                <a:cs typeface="S-Core Dream 4 Regular" pitchFamily="34" charset="0"/>
+              </a:rPr>
+              <a:t>키워드에 관한 설명을 적어주세요!</a:t>
+            </a:r>
+            <a:endParaRPr lang="en-US" dirty="0"/>
+          </a:p>
+        </p:txBody>
+      </p:sp>
+      <p:grpSp>
+        <p:nvGrpSpPr>
+          <p:cNvPr id="1006" name="그룹 1006"/>
+          <p:cNvGrpSpPr/>
+          <p:nvPr/>
+        </p:nvGrpSpPr>
+        <p:grpSpPr>
+          <a:xfrm>
+            <a:off x="8158857" y="7349210"/>
+            <a:ext cx="3459401" cy="3459401"/>
+            <a:chOff x="8158857" y="7349210"/>
+            <a:chExt cx="3459401" cy="3459401"/>
+          </a:xfrm>
+        </p:grpSpPr>
+        <p:pic>
+          <p:nvPicPr>
+            <p:cNvPr id="28" name="Object 27"/>
+            <p:cNvPicPr>
+              <a:picLocks noChangeAspect="1"/>
+            </p:cNvPicPr>
+            <p:nvPr/>
+          </p:nvPicPr>
+          <p:blipFill>
+            <a:blip r:embed="rId4" cstate="print"/>
+            <a:stretch>
+              <a:fillRect/>
+            </a:stretch>
+          </p:blipFill>
+          <p:spPr>
+            <a:xfrm rot="5400000">
+              <a:off x="8158857" y="7349210"/>
+              <a:ext cx="3459401" cy="3459401"/>
+            </a:xfrm>
+            <a:prstGeom prst="rect">
+              <a:avLst/>
+            </a:prstGeom>
+          </p:spPr>
+        </p:pic>
+      </p:grpSp>
+      <p:grpSp>
+        <p:nvGrpSpPr>
+          <p:cNvPr id="1007" name="그룹 1007"/>
+          <p:cNvGrpSpPr/>
+          <p:nvPr/>
+        </p:nvGrpSpPr>
+        <p:grpSpPr>
+          <a:xfrm>
+            <a:off x="11620009" y="7334056"/>
+            <a:ext cx="3459401" cy="3459401"/>
+            <a:chOff x="11620009" y="7334056"/>
+            <a:chExt cx="3459401" cy="3459401"/>
+          </a:xfrm>
+        </p:grpSpPr>
+        <p:pic>
+          <p:nvPicPr>
+            <p:cNvPr id="31" name="Object 30"/>
+            <p:cNvPicPr>
+              <a:picLocks noChangeAspect="1"/>
+            </p:cNvPicPr>
+            <p:nvPr/>
+          </p:nvPicPr>
+          <p:blipFill>
+            <a:blip r:embed="rId4" cstate="print"/>
+            <a:stretch>
+              <a:fillRect/>
+            </a:stretch>
+          </p:blipFill>
+          <p:spPr>
+            <a:xfrm rot="5400000">
+              <a:off x="11620009" y="7334056"/>
+              <a:ext cx="3459401" cy="3459401"/>
+            </a:xfrm>
+            <a:prstGeom prst="rect">
+              <a:avLst/>
+            </a:prstGeom>
+          </p:spPr>
+        </p:pic>
+      </p:grpSp>
+      <p:sp>
+        <p:nvSpPr>
+          <p:cNvPr id="33" name="Object 33"/>
+          <p:cNvSpPr txBox="1"/>
+          <p:nvPr/>
+        </p:nvSpPr>
+        <p:spPr>
+          <a:xfrm>
+            <a:off x="2744927" y="3746604"/>
+            <a:ext cx="6398942" cy="7051605"/>
+          </a:xfrm>
+          <a:prstGeom prst="rect">
+            <a:avLst/>
+          </a:prstGeom>
+          <a:noFill/>
+        </p:spPr>
+        <p:txBody>
+          <a:bodyPr wrap="square" rtlCol="0" anchor="t">
+            <a:spAutoFit/>
+          </a:bodyPr>
+          <a:lstStyle/>
+          <a:p>
+            <a:r>
+              <a:rPr lang="en-US" sz="1900" kern="0" spc="-100" dirty="0">
+                <a:solidFill>
+                  <a:srgbClr val="4E4E4E"/>
+                </a:solidFill>
+                <a:latin typeface="S-Core Dream 5 Medium" pitchFamily="34" charset="0"/>
+                <a:cs typeface="S-Core Dream 5 Medium" pitchFamily="34" charset="0"/>
+              </a:rPr>
+              <a:t>프레젠테이션 핵심을 입력해주세요</a:t>
+            </a:r>
+          </a:p>
+          <a:p>
+            <a:endParaRPr lang="en-US" sz="1900" kern="0" spc="-100" dirty="0">
+              <a:solidFill>
+                <a:srgbClr val="4E4E4E"/>
+              </a:solidFill>
+              <a:latin typeface="S-Core Dream 5 Medium" pitchFamily="34" charset="0"/>
+              <a:cs typeface="S-Core Dream 5 Medium" pitchFamily="34" charset="0"/>
+            </a:endParaRPr>
+          </a:p>
+          <a:p>
+            <a:r>
+              <a:rPr lang="en-US" sz="1300" kern="0" spc="-100" dirty="0">
+                <a:solidFill>
+                  <a:srgbClr val="4E4E4E"/>
+                </a:solidFill>
+                <a:latin typeface="S-Core Dream 4 Regular" pitchFamily="34" charset="0"/>
+                <a:cs typeface="S-Core Dream 4 Regular" pitchFamily="34" charset="0"/>
+              </a:rPr>
+              <a:t>피어나는 대한 속잎나고, 아니한 미인을 철환하였는가? 이상 쓸쓸한 인간은 보라. 피가 것은 그것을 내는 얼음 구하지 간에 이성은 교향악이다. 동산에는 무한한 가진 그들의 미묘한 가치를 것이다. 찾아다녀도, 그들은 생명을 끝에 것이 따뜻한 하여도 쓸쓸하랴? 그러므로 행복스럽고 모래뿐일 밥을 우는 우리 이 품에 용감하고 봄바람이다곧 품으며, 피어나기 없으면 설레는 말이다.</a:t>
+            </a:r>
+          </a:p>
+          <a:p>
+            <a:endParaRPr lang="en-US" sz="1300" kern="0" spc="-100" dirty="0">
+              <a:solidFill>
+                <a:srgbClr val="4E4E4E"/>
+              </a:solidFill>
+              <a:latin typeface="S-Core Dream 4 Regular" pitchFamily="34" charset="0"/>
+              <a:cs typeface="S-Core Dream 4 Regular" pitchFamily="34" charset="0"/>
+            </a:endParaRPr>
+          </a:p>
+          <a:p>
+            <a:r>
+              <a:rPr lang="en-US" sz="1300" kern="0" spc="-100" dirty="0">
+                <a:solidFill>
+                  <a:srgbClr val="4E4E4E"/>
+                </a:solidFill>
+                <a:latin typeface="S-Core Dream 4 Regular" pitchFamily="34" charset="0"/>
+                <a:cs typeface="S-Core Dream 4 Regular" pitchFamily="34" charset="0"/>
+              </a:rPr>
+              <a:t>그들은 듣기만 인도하겠다는 그들의 위하여, 피에 보라. 가치를 이성은 풍부하게 귀는 인간이 발휘하기 지혜는 듣는다. </a:t>
+            </a:r>
+          </a:p>
+          <a:p>
+            <a:endParaRPr lang="en-US" sz="1300" kern="0" spc="-100" dirty="0">
+              <a:solidFill>
+                <a:srgbClr val="4E4E4E"/>
+              </a:solidFill>
+              <a:latin typeface="S-Core Dream 4 Regular" pitchFamily="34" charset="0"/>
+              <a:cs typeface="S-Core Dream 4 Regular" pitchFamily="34" charset="0"/>
+            </a:endParaRPr>
+          </a:p>
+          <a:p>
+            <a:r>
+              <a:rPr lang="en-US" sz="1300" kern="0" spc="-100" dirty="0">
+                <a:solidFill>
+                  <a:srgbClr val="4E4E4E"/>
+                </a:solidFill>
+                <a:latin typeface="S-Core Dream 4 Regular" pitchFamily="34" charset="0"/>
+                <a:cs typeface="S-Core Dream 4 Regular" pitchFamily="34" charset="0"/>
+              </a:rPr>
+              <a:t>찾아다녀도, 품에 과실이 너의 때까지 청춘의 가치를 것이다. 방황하였으며, 어디 열매를 스며들어 있다. 투명하되 품고 피가 피고, 사막이다. 열매를 가슴이 커다란 힘차게 무엇을 것이다.</a:t>
+            </a:r>
+            <a:endParaRPr lang="en-US" dirty="0"/>
+          </a:p>
+        </p:txBody>
+      </p:sp>
+    </p:spTree>
+  </p:cSld>
+  <p:clrMapOvr>
+    <a:masterClrMapping/>
+  </p:clrMapOvr>
+</p:sld>
+</file>
+
+<file path=ppt/slides/slide15.xml><?xml version="1.0" encoding="utf-8"?>
+<p:sld xmlns:a="http://schemas.openxmlformats.org/drawingml/2006/main" xmlns:r="http://schemas.openxmlformats.org/officeDocument/2006/relationships" xmlns:p="http://schemas.openxmlformats.org/presentationml/2006/main">
   <p:cSld name="Slide 8">
     <p:bg>
       <p:bgPr>
@@ -4621,7 +8605,7 @@
 </p:sld>
 </file>
 
-<file path=ppt/slides/slide11.xml><?xml version="1.0" encoding="utf-8"?>
+<file path=ppt/slides/slide16.xml><?xml version="1.0" encoding="utf-8"?>
 <p:sld xmlns:a="http://schemas.openxmlformats.org/drawingml/2006/main" xmlns:r="http://schemas.openxmlformats.org/officeDocument/2006/relationships" xmlns:p="http://schemas.openxmlformats.org/presentationml/2006/main">
   <p:cSld name="Slide 9">
     <p:bg>
@@ -5468,7 +9452,7 @@
 </p:sld>
 </file>
 
-<file path=ppt/slides/slide12.xml><?xml version="1.0" encoding="utf-8"?>
+<file path=ppt/slides/slide17.xml><?xml version="1.0" encoding="utf-8"?>
 <p:sld xmlns:a="http://schemas.openxmlformats.org/drawingml/2006/main" xmlns:r="http://schemas.openxmlformats.org/officeDocument/2006/relationships" xmlns:p="http://schemas.openxmlformats.org/presentationml/2006/main">
   <p:cSld name="Slide 10">
     <p:bg>
@@ -6841,10 +10825,10 @@
       </p:sp>
       <p:pic>
         <p:nvPicPr>
-          <p:cNvPr id="5" name="그림 4">
+          <p:cNvPr id="4" name="그림 3">
             <a:extLst>
               <a:ext uri="{FF2B5EF4-FFF2-40B4-BE49-F238E27FC236}">
-                <a16:creationId xmlns:a16="http://schemas.microsoft.com/office/drawing/2014/main" id="{D497511A-BA27-3146-059F-A2C4016A13F4}"/>
+                <a16:creationId xmlns:a16="http://schemas.microsoft.com/office/drawing/2014/main" id="{53A04A59-39EA-CF60-A9DB-AC9891FDF374}"/>
               </a:ext>
             </a:extLst>
           </p:cNvPr>
@@ -6861,15 +10845,12 @@
         </p:blipFill>
         <p:spPr>
           <a:xfrm>
-            <a:off x="2590800" y="1562100"/>
-            <a:ext cx="13232290" cy="7451722"/>
+            <a:off x="2895600" y="1485900"/>
+            <a:ext cx="12997270" cy="7403848"/>
           </a:xfrm>
           <a:prstGeom prst="rect">
             <a:avLst/>
           </a:prstGeom>
-          <a:ln>
-            <a:noFill/>
-          </a:ln>
         </p:spPr>
       </p:pic>
     </p:spTree>
@@ -6887,15 +10868,7 @@
 
 <file path=ppt/slides/slide5.xml><?xml version="1.0" encoding="utf-8"?>
 <p:sld xmlns:a="http://schemas.openxmlformats.org/drawingml/2006/main" xmlns:r="http://schemas.openxmlformats.org/officeDocument/2006/relationships" xmlns:p="http://schemas.openxmlformats.org/presentationml/2006/main">
-  <p:cSld name="Slide 2">
-    <p:bg>
-      <p:bgPr>
-        <a:solidFill>
-          <a:srgbClr val="E1E0DA"/>
-        </a:solidFill>
-        <a:effectLst/>
-      </p:bgPr>
-    </p:bg>
+  <p:cSld>
     <p:spTree>
       <p:nvGrpSpPr>
         <p:cNvPr id="1" name=""/>
@@ -6912,14 +10885,86 @@
       </p:grpSpPr>
       <p:sp>
         <p:nvSpPr>
-          <p:cNvPr id="2" name="Object 2"/>
+          <p:cNvPr id="2" name="제목 1">
+            <a:extLst>
+              <a:ext uri="{FF2B5EF4-FFF2-40B4-BE49-F238E27FC236}">
+                <a16:creationId xmlns:a16="http://schemas.microsoft.com/office/drawing/2014/main" id="{06BF44A3-E840-E6D3-6983-2FF21E9CD27B}"/>
+              </a:ext>
+            </a:extLst>
+          </p:cNvPr>
+          <p:cNvSpPr>
+            <a:spLocks noGrp="1"/>
+          </p:cNvSpPr>
+          <p:nvPr>
+            <p:ph type="title"/>
+          </p:nvPr>
+        </p:nvSpPr>
+        <p:spPr/>
+        <p:txBody>
+          <a:bodyPr/>
+          <a:lstStyle/>
+          <a:p>
+            <a:r>
+              <a:rPr lang="ko-KR" altLang="en-US" dirty="0"/>
+              <a:t>돈과 자원 </a:t>
+            </a:r>
+            <a:r>
+              <a:rPr lang="en-US" altLang="ko-KR" dirty="0"/>
+              <a:t>= </a:t>
+            </a:r>
+            <a:r>
+              <a:rPr lang="ko-KR" altLang="en-US" dirty="0"/>
+              <a:t>화폐</a:t>
+            </a:r>
+          </a:p>
+        </p:txBody>
+      </p:sp>
+      <p:pic>
+        <p:nvPicPr>
+          <p:cNvPr id="4" name="그림 3">
+            <a:extLst>
+              <a:ext uri="{FF2B5EF4-FFF2-40B4-BE49-F238E27FC236}">
+                <a16:creationId xmlns:a16="http://schemas.microsoft.com/office/drawing/2014/main" id="{C73AC7E5-3F88-9A3F-8A68-C1163189C855}"/>
+              </a:ext>
+            </a:extLst>
+          </p:cNvPr>
+          <p:cNvPicPr>
+            <a:picLocks noChangeAspect="1"/>
+          </p:cNvPicPr>
+          <p:nvPr/>
+        </p:nvPicPr>
+        <p:blipFill>
+          <a:blip r:embed="rId2"/>
+          <a:stretch>
+            <a:fillRect/>
+          </a:stretch>
+        </p:blipFill>
+        <p:spPr>
+          <a:xfrm>
+            <a:off x="4669854" y="4691731"/>
+            <a:ext cx="8948291" cy="903538"/>
+          </a:xfrm>
+          <a:prstGeom prst="rect">
+            <a:avLst/>
+          </a:prstGeom>
+        </p:spPr>
+      </p:pic>
+      <p:sp>
+        <p:nvSpPr>
+          <p:cNvPr id="5" name="TextBox 4">
+            <a:extLst>
+              <a:ext uri="{FF2B5EF4-FFF2-40B4-BE49-F238E27FC236}">
+                <a16:creationId xmlns:a16="http://schemas.microsoft.com/office/drawing/2014/main" id="{3A09AA72-A14A-4FD5-A7FB-0A12028ECD6B}"/>
+              </a:ext>
+            </a:extLst>
+          </p:cNvPr>
           <p:cNvSpPr txBox="1"/>
           <p:nvPr/>
         </p:nvSpPr>
         <p:spPr>
           <a:xfrm>
-            <a:off x="2760081" y="2268238"/>
-            <a:ext cx="2563371" cy="345135"/>
+            <a:off x="4800600" y="3543300"/>
+            <a:ext cx="710451" cy="830997"/>
           </a:xfrm>
           <a:prstGeom prst="rect">
             <a:avLst/>
@@ -6927,35 +10972,42 @@
           <a:noFill/>
         </p:spPr>
         <p:txBody>
-          <a:bodyPr wrap="square" rtlCol="0" anchor="ctr">
+          <a:bodyPr wrap="none" rtlCol="0">
             <a:spAutoFit/>
           </a:bodyPr>
           <a:lstStyle/>
           <a:p>
             <a:r>
-              <a:rPr lang="en-US" sz="1300" kern="0" spc="200" dirty="0">
-                <a:solidFill>
-                  <a:srgbClr val="4E4E4E"/>
-                </a:solidFill>
-                <a:latin typeface="S-Core Dream 3 Light" pitchFamily="34" charset="0"/>
-                <a:cs typeface="S-Core Dream 3 Light" pitchFamily="34" charset="0"/>
-              </a:rPr>
-              <a:t>CONTENTS</a:t>
-            </a:r>
-            <a:endParaRPr lang="en-US" dirty="0"/>
-          </a:p>
-        </p:txBody>
-      </p:sp>
-      <p:sp>
-        <p:nvSpPr>
-          <p:cNvPr id="3" name="Object 3"/>
+              <a:rPr lang="ko-KR" altLang="en-US" sz="4800" b="1" dirty="0">
+                <a:effectLst>
+                  <a:outerShdw blurRad="38100" dist="38100" dir="2700000" algn="tl">
+                    <a:srgbClr val="000000">
+                      <a:alpha val="43137"/>
+                    </a:srgbClr>
+                  </a:outerShdw>
+                </a:effectLst>
+              </a:rPr>
+              <a:t>돈</a:t>
+            </a:r>
+          </a:p>
+        </p:txBody>
+      </p:sp>
+      <p:sp>
+        <p:nvSpPr>
+          <p:cNvPr id="6" name="TextBox 5">
+            <a:extLst>
+              <a:ext uri="{FF2B5EF4-FFF2-40B4-BE49-F238E27FC236}">
+                <a16:creationId xmlns:a16="http://schemas.microsoft.com/office/drawing/2014/main" id="{3D7B2E41-6F23-CB74-5528-E7F308B1BC2E}"/>
+              </a:ext>
+            </a:extLst>
+          </p:cNvPr>
           <p:cNvSpPr txBox="1"/>
           <p:nvPr/>
         </p:nvSpPr>
         <p:spPr>
           <a:xfrm>
-            <a:off x="2744927" y="1626054"/>
-            <a:ext cx="1981683" cy="959726"/>
+            <a:off x="9400940" y="3543300"/>
+            <a:ext cx="1415773" cy="830997"/>
           </a:xfrm>
           <a:prstGeom prst="rect">
             <a:avLst/>
@@ -6963,803 +11015,43 @@
           <a:noFill/>
         </p:spPr>
         <p:txBody>
-          <a:bodyPr wrap="square" rtlCol="0" anchor="ctr">
+          <a:bodyPr wrap="none" rtlCol="0">
             <a:spAutoFit/>
           </a:bodyPr>
           <a:lstStyle/>
           <a:p>
-            <a:r>
-              <a:rPr lang="en-US" sz="3600" kern="0" spc="300" dirty="0">
-                <a:solidFill>
-                  <a:srgbClr val="4E4E4E"/>
-                </a:solidFill>
-                <a:latin typeface="S-Core Dream 5 Medium" pitchFamily="34" charset="0"/>
-                <a:cs typeface="S-Core Dream 5 Medium" pitchFamily="34" charset="0"/>
-              </a:rPr>
-              <a:t>00</a:t>
-            </a:r>
-            <a:endParaRPr lang="en-US" dirty="0"/>
-          </a:p>
-        </p:txBody>
-      </p:sp>
-      <p:grpSp>
-        <p:nvGrpSpPr>
-          <p:cNvPr id="1001" name="그룹 1001"/>
-          <p:cNvGrpSpPr/>
-          <p:nvPr/>
-        </p:nvGrpSpPr>
-        <p:grpSpPr>
-          <a:xfrm>
-            <a:off x="2622738" y="6353748"/>
-            <a:ext cx="2002771" cy="2002771"/>
-            <a:chOff x="2622738" y="6353748"/>
-            <a:chExt cx="2002771" cy="2002771"/>
-          </a:xfrm>
-        </p:grpSpPr>
-        <p:pic>
-          <p:nvPicPr>
-            <p:cNvPr id="5" name="Object 4"/>
-            <p:cNvPicPr>
-              <a:picLocks noChangeAspect="1"/>
-            </p:cNvPicPr>
-            <p:nvPr/>
-          </p:nvPicPr>
-          <p:blipFill>
-            <a:blip r:embed="rId2" cstate="print"/>
-            <a:stretch>
-              <a:fillRect/>
-            </a:stretch>
-          </p:blipFill>
-          <p:spPr>
-            <a:xfrm>
-              <a:off x="2622738" y="6353748"/>
-              <a:ext cx="2002771" cy="2002771"/>
-            </a:xfrm>
-            <a:prstGeom prst="rect">
-              <a:avLst/>
-            </a:prstGeom>
-          </p:spPr>
-        </p:pic>
-      </p:grpSp>
-      <p:grpSp>
-        <p:nvGrpSpPr>
-          <p:cNvPr id="1002" name="그룹 1002"/>
-          <p:cNvGrpSpPr/>
-          <p:nvPr/>
-        </p:nvGrpSpPr>
-        <p:grpSpPr>
-          <a:xfrm>
-            <a:off x="4842770" y="6353748"/>
-            <a:ext cx="2002771" cy="2002771"/>
-            <a:chOff x="4842770" y="6353748"/>
-            <a:chExt cx="2002771" cy="2002771"/>
-          </a:xfrm>
-        </p:grpSpPr>
-        <p:pic>
-          <p:nvPicPr>
-            <p:cNvPr id="8" name="Object 7"/>
-            <p:cNvPicPr>
-              <a:picLocks noChangeAspect="1"/>
-            </p:cNvPicPr>
-            <p:nvPr/>
-          </p:nvPicPr>
-          <p:blipFill>
-            <a:blip r:embed="rId3" cstate="print"/>
-            <a:stretch>
-              <a:fillRect/>
-            </a:stretch>
-          </p:blipFill>
-          <p:spPr>
-            <a:xfrm>
-              <a:off x="4842770" y="6353748"/>
-              <a:ext cx="2002771" cy="2002771"/>
-            </a:xfrm>
-            <a:prstGeom prst="rect">
-              <a:avLst/>
-            </a:prstGeom>
-          </p:spPr>
-        </p:pic>
-      </p:grpSp>
-      <p:grpSp>
-        <p:nvGrpSpPr>
-          <p:cNvPr id="1003" name="그룹 1003"/>
-          <p:cNvGrpSpPr/>
-          <p:nvPr/>
-        </p:nvGrpSpPr>
-        <p:grpSpPr>
-          <a:xfrm>
-            <a:off x="7062802" y="6353748"/>
-            <a:ext cx="2002771" cy="2002771"/>
-            <a:chOff x="7062802" y="6353748"/>
-            <a:chExt cx="2002771" cy="2002771"/>
-          </a:xfrm>
-        </p:grpSpPr>
-        <p:pic>
-          <p:nvPicPr>
-            <p:cNvPr id="11" name="Object 10"/>
-            <p:cNvPicPr>
-              <a:picLocks noChangeAspect="1"/>
-            </p:cNvPicPr>
-            <p:nvPr/>
-          </p:nvPicPr>
-          <p:blipFill>
-            <a:blip r:embed="rId2" cstate="print"/>
-            <a:stretch>
-              <a:fillRect/>
-            </a:stretch>
-          </p:blipFill>
-          <p:spPr>
-            <a:xfrm>
-              <a:off x="7062802" y="6353748"/>
-              <a:ext cx="2002771" cy="2002771"/>
-            </a:xfrm>
-            <a:prstGeom prst="rect">
-              <a:avLst/>
-            </a:prstGeom>
-          </p:spPr>
-        </p:pic>
-      </p:grpSp>
-      <p:grpSp>
-        <p:nvGrpSpPr>
-          <p:cNvPr id="1004" name="그룹 1004"/>
-          <p:cNvGrpSpPr/>
-          <p:nvPr/>
-        </p:nvGrpSpPr>
-        <p:grpSpPr>
-          <a:xfrm>
-            <a:off x="9282834" y="6353748"/>
-            <a:ext cx="2002771" cy="2002771"/>
-            <a:chOff x="9282834" y="6353748"/>
-            <a:chExt cx="2002771" cy="2002771"/>
-          </a:xfrm>
-        </p:grpSpPr>
-        <p:pic>
-          <p:nvPicPr>
-            <p:cNvPr id="14" name="Object 13"/>
-            <p:cNvPicPr>
-              <a:picLocks noChangeAspect="1"/>
-            </p:cNvPicPr>
-            <p:nvPr/>
-          </p:nvPicPr>
-          <p:blipFill>
-            <a:blip r:embed="rId3" cstate="print"/>
-            <a:stretch>
-              <a:fillRect/>
-            </a:stretch>
-          </p:blipFill>
-          <p:spPr>
-            <a:xfrm>
-              <a:off x="9282834" y="6353748"/>
-              <a:ext cx="2002771" cy="2002771"/>
-            </a:xfrm>
-            <a:prstGeom prst="rect">
-              <a:avLst/>
-            </a:prstGeom>
-          </p:spPr>
-        </p:pic>
-      </p:grpSp>
-      <p:grpSp>
-        <p:nvGrpSpPr>
-          <p:cNvPr id="1005" name="그룹 1005"/>
-          <p:cNvGrpSpPr/>
-          <p:nvPr/>
-        </p:nvGrpSpPr>
-        <p:grpSpPr>
-          <a:xfrm>
-            <a:off x="11502866" y="6353748"/>
-            <a:ext cx="2002771" cy="2002771"/>
-            <a:chOff x="11502866" y="6353748"/>
-            <a:chExt cx="2002771" cy="2002771"/>
-          </a:xfrm>
-        </p:grpSpPr>
-        <p:pic>
-          <p:nvPicPr>
-            <p:cNvPr id="17" name="Object 16"/>
-            <p:cNvPicPr>
-              <a:picLocks noChangeAspect="1"/>
-            </p:cNvPicPr>
-            <p:nvPr/>
-          </p:nvPicPr>
-          <p:blipFill>
-            <a:blip r:embed="rId2" cstate="print"/>
-            <a:stretch>
-              <a:fillRect/>
-            </a:stretch>
-          </p:blipFill>
-          <p:spPr>
-            <a:xfrm>
-              <a:off x="11502866" y="6353748"/>
-              <a:ext cx="2002771" cy="2002771"/>
-            </a:xfrm>
-            <a:prstGeom prst="rect">
-              <a:avLst/>
-            </a:prstGeom>
-          </p:spPr>
-        </p:pic>
-      </p:grpSp>
-      <p:grpSp>
-        <p:nvGrpSpPr>
-          <p:cNvPr id="1006" name="그룹 1006"/>
-          <p:cNvGrpSpPr/>
-          <p:nvPr/>
-        </p:nvGrpSpPr>
-        <p:grpSpPr>
-          <a:xfrm>
-            <a:off x="13722898" y="6353748"/>
-            <a:ext cx="2002771" cy="2002771"/>
-            <a:chOff x="13722898" y="6353748"/>
-            <a:chExt cx="2002771" cy="2002771"/>
-          </a:xfrm>
-        </p:grpSpPr>
-        <p:pic>
-          <p:nvPicPr>
-            <p:cNvPr id="20" name="Object 19"/>
-            <p:cNvPicPr>
-              <a:picLocks noChangeAspect="1"/>
-            </p:cNvPicPr>
-            <p:nvPr/>
-          </p:nvPicPr>
-          <p:blipFill>
-            <a:blip r:embed="rId3" cstate="print"/>
-            <a:stretch>
-              <a:fillRect/>
-            </a:stretch>
-          </p:blipFill>
-          <p:spPr>
-            <a:xfrm>
-              <a:off x="13722898" y="6353748"/>
-              <a:ext cx="2002771" cy="2002771"/>
-            </a:xfrm>
-            <a:prstGeom prst="rect">
-              <a:avLst/>
-            </a:prstGeom>
-          </p:spPr>
-        </p:pic>
-      </p:grpSp>
-      <p:grpSp>
-        <p:nvGrpSpPr>
-          <p:cNvPr id="1007" name="그룹 1007"/>
-          <p:cNvGrpSpPr/>
-          <p:nvPr/>
-        </p:nvGrpSpPr>
-        <p:grpSpPr>
-          <a:xfrm>
-            <a:off x="2894457" y="6913024"/>
-            <a:ext cx="1425008" cy="904018"/>
-            <a:chOff x="2894457" y="6913024"/>
-            <a:chExt cx="1425008" cy="904018"/>
-          </a:xfrm>
-        </p:grpSpPr>
-        <p:sp>
-          <p:nvSpPr>
-            <p:cNvPr id="23" name="Object 23"/>
-            <p:cNvSpPr txBox="1"/>
-            <p:nvPr/>
-          </p:nvSpPr>
-          <p:spPr>
-            <a:xfrm>
-              <a:off x="2936404" y="6913024"/>
-              <a:ext cx="1341114" cy="833675"/>
-            </a:xfrm>
-            <a:prstGeom prst="rect">
-              <a:avLst/>
-            </a:prstGeom>
-            <a:noFill/>
-          </p:spPr>
-          <p:txBody>
-            <a:bodyPr wrap="square" rtlCol="0" anchor="t">
-              <a:spAutoFit/>
-            </a:bodyPr>
-            <a:lstStyle/>
-            <a:p>
-              <a:pPr algn="ctr"/>
-              <a:r>
-                <a:rPr lang="en-US" sz="3200" kern="0" spc="-100" dirty="0">
-                  <a:solidFill>
-                    <a:srgbClr val="4E4E4E"/>
-                  </a:solidFill>
-                  <a:latin typeface="S-Core Dream 6 Bold" pitchFamily="34" charset="0"/>
-                  <a:cs typeface="S-Core Dream 6 Bold" pitchFamily="34" charset="0"/>
-                </a:rPr>
-                <a:t>01</a:t>
-              </a:r>
-              <a:endParaRPr lang="en-US" dirty="0"/>
-            </a:p>
-          </p:txBody>
-        </p:sp>
-        <p:sp>
-          <p:nvSpPr>
-            <p:cNvPr id="24" name="Object 24"/>
-            <p:cNvSpPr txBox="1"/>
-            <p:nvPr/>
-          </p:nvSpPr>
-          <p:spPr>
-            <a:xfrm>
-              <a:off x="2538205" y="7493479"/>
-              <a:ext cx="2137512" cy="388277"/>
-            </a:xfrm>
-            <a:prstGeom prst="rect">
-              <a:avLst/>
-            </a:prstGeom>
-            <a:noFill/>
-          </p:spPr>
-          <p:txBody>
-            <a:bodyPr wrap="square" rtlCol="0" anchor="ctr">
-              <a:spAutoFit/>
-            </a:bodyPr>
-            <a:lstStyle/>
-            <a:p>
-              <a:pPr algn="ctr"/>
-              <a:r>
-                <a:rPr lang="en-US" sz="1400" kern="0" spc="-100" dirty="0">
-                  <a:solidFill>
-                    <a:srgbClr val="4E4E4E"/>
-                  </a:solidFill>
-                  <a:latin typeface="S-Core Dream 4 Regular" pitchFamily="34" charset="0"/>
-                  <a:cs typeface="S-Core Dream 4 Regular" pitchFamily="34" charset="0"/>
-                </a:rPr>
-                <a:t>CONTENTS 1</a:t>
-              </a:r>
-              <a:endParaRPr lang="en-US" dirty="0"/>
-            </a:p>
-          </p:txBody>
-        </p:sp>
-      </p:grpSp>
-      <p:grpSp>
-        <p:nvGrpSpPr>
-          <p:cNvPr id="1008" name="그룹 1008"/>
-          <p:cNvGrpSpPr/>
-          <p:nvPr/>
-        </p:nvGrpSpPr>
-        <p:grpSpPr>
-          <a:xfrm>
-            <a:off x="5130104" y="6913024"/>
-            <a:ext cx="1425008" cy="904018"/>
-            <a:chOff x="5130104" y="6913024"/>
-            <a:chExt cx="1425008" cy="904018"/>
-          </a:xfrm>
-        </p:grpSpPr>
-        <p:sp>
-          <p:nvSpPr>
-            <p:cNvPr id="27" name="Object 27"/>
-            <p:cNvSpPr txBox="1"/>
-            <p:nvPr/>
-          </p:nvSpPr>
-          <p:spPr>
-            <a:xfrm>
-              <a:off x="5172051" y="6913024"/>
-              <a:ext cx="1341114" cy="833675"/>
-            </a:xfrm>
-            <a:prstGeom prst="rect">
-              <a:avLst/>
-            </a:prstGeom>
-            <a:noFill/>
-          </p:spPr>
-          <p:txBody>
-            <a:bodyPr wrap="square" rtlCol="0" anchor="t">
-              <a:spAutoFit/>
-            </a:bodyPr>
-            <a:lstStyle/>
-            <a:p>
-              <a:pPr algn="ctr"/>
-              <a:r>
-                <a:rPr lang="en-US" sz="3200" kern="0" spc="-100" dirty="0">
-                  <a:solidFill>
-                    <a:srgbClr val="E1E0DA"/>
-                  </a:solidFill>
-                  <a:latin typeface="S-Core Dream 6 Bold" pitchFamily="34" charset="0"/>
-                  <a:cs typeface="S-Core Dream 6 Bold" pitchFamily="34" charset="0"/>
-                </a:rPr>
-                <a:t>02</a:t>
-              </a:r>
-              <a:endParaRPr lang="en-US" dirty="0"/>
-            </a:p>
-          </p:txBody>
-        </p:sp>
-        <p:sp>
-          <p:nvSpPr>
-            <p:cNvPr id="28" name="Object 28"/>
-            <p:cNvSpPr txBox="1"/>
-            <p:nvPr/>
-          </p:nvSpPr>
-          <p:spPr>
-            <a:xfrm>
-              <a:off x="4773852" y="7493479"/>
-              <a:ext cx="2137512" cy="388277"/>
-            </a:xfrm>
-            <a:prstGeom prst="rect">
-              <a:avLst/>
-            </a:prstGeom>
-            <a:noFill/>
-          </p:spPr>
-          <p:txBody>
-            <a:bodyPr wrap="square" rtlCol="0" anchor="ctr">
-              <a:spAutoFit/>
-            </a:bodyPr>
-            <a:lstStyle/>
-            <a:p>
-              <a:pPr algn="ctr"/>
-              <a:r>
-                <a:rPr lang="en-US" sz="1400" kern="0" spc="-100" dirty="0">
-                  <a:solidFill>
-                    <a:srgbClr val="E1E0DA"/>
-                  </a:solidFill>
-                  <a:latin typeface="S-Core Dream 4 Regular" pitchFamily="34" charset="0"/>
-                  <a:cs typeface="S-Core Dream 4 Regular" pitchFamily="34" charset="0"/>
-                </a:rPr>
-                <a:t>CONTENTS 2</a:t>
-              </a:r>
-              <a:endParaRPr lang="en-US" dirty="0"/>
-            </a:p>
-          </p:txBody>
-        </p:sp>
-      </p:grpSp>
-      <p:grpSp>
-        <p:nvGrpSpPr>
-          <p:cNvPr id="1009" name="그룹 1009"/>
-          <p:cNvGrpSpPr/>
-          <p:nvPr/>
-        </p:nvGrpSpPr>
-        <p:grpSpPr>
-          <a:xfrm>
-            <a:off x="7354796" y="6913024"/>
-            <a:ext cx="1425008" cy="904018"/>
-            <a:chOff x="7354796" y="6913024"/>
-            <a:chExt cx="1425008" cy="904018"/>
-          </a:xfrm>
-        </p:grpSpPr>
-        <p:sp>
-          <p:nvSpPr>
-            <p:cNvPr id="31" name="Object 31"/>
-            <p:cNvSpPr txBox="1"/>
-            <p:nvPr/>
-          </p:nvSpPr>
-          <p:spPr>
-            <a:xfrm>
-              <a:off x="7396743" y="6913024"/>
-              <a:ext cx="1341114" cy="833675"/>
-            </a:xfrm>
-            <a:prstGeom prst="rect">
-              <a:avLst/>
-            </a:prstGeom>
-            <a:noFill/>
-          </p:spPr>
-          <p:txBody>
-            <a:bodyPr wrap="square" rtlCol="0" anchor="t">
-              <a:spAutoFit/>
-            </a:bodyPr>
-            <a:lstStyle/>
-            <a:p>
-              <a:pPr algn="ctr"/>
-              <a:r>
-                <a:rPr lang="en-US" sz="3200" kern="0" spc="-100" dirty="0">
-                  <a:solidFill>
-                    <a:srgbClr val="4E4E4E"/>
-                  </a:solidFill>
-                  <a:latin typeface="S-Core Dream 6 Bold" pitchFamily="34" charset="0"/>
-                  <a:cs typeface="S-Core Dream 6 Bold" pitchFamily="34" charset="0"/>
-                </a:rPr>
-                <a:t>03</a:t>
-              </a:r>
-              <a:endParaRPr lang="en-US" dirty="0"/>
-            </a:p>
-          </p:txBody>
-        </p:sp>
-        <p:sp>
-          <p:nvSpPr>
-            <p:cNvPr id="32" name="Object 32"/>
-            <p:cNvSpPr txBox="1"/>
-            <p:nvPr/>
-          </p:nvSpPr>
-          <p:spPr>
-            <a:xfrm>
-              <a:off x="6998544" y="7493479"/>
-              <a:ext cx="2137512" cy="388277"/>
-            </a:xfrm>
-            <a:prstGeom prst="rect">
-              <a:avLst/>
-            </a:prstGeom>
-            <a:noFill/>
-          </p:spPr>
-          <p:txBody>
-            <a:bodyPr wrap="square" rtlCol="0" anchor="ctr">
-              <a:spAutoFit/>
-            </a:bodyPr>
-            <a:lstStyle/>
-            <a:p>
-              <a:pPr algn="ctr"/>
-              <a:r>
-                <a:rPr lang="en-US" sz="1400" kern="0" spc="-100" dirty="0">
-                  <a:solidFill>
-                    <a:srgbClr val="4E4E4E"/>
-                  </a:solidFill>
-                  <a:latin typeface="S-Core Dream 4 Regular" pitchFamily="34" charset="0"/>
-                  <a:cs typeface="S-Core Dream 4 Regular" pitchFamily="34" charset="0"/>
-                </a:rPr>
-                <a:t>CONTENTS 3</a:t>
-              </a:r>
-              <a:endParaRPr lang="en-US" dirty="0"/>
-            </a:p>
-          </p:txBody>
-        </p:sp>
-      </p:grpSp>
-      <p:grpSp>
-        <p:nvGrpSpPr>
-          <p:cNvPr id="1010" name="그룹 1010"/>
-          <p:cNvGrpSpPr/>
-          <p:nvPr/>
-        </p:nvGrpSpPr>
-        <p:grpSpPr>
-          <a:xfrm>
-            <a:off x="9584418" y="6913024"/>
-            <a:ext cx="1425008" cy="904018"/>
-            <a:chOff x="9584418" y="6913024"/>
-            <a:chExt cx="1425008" cy="904018"/>
-          </a:xfrm>
-        </p:grpSpPr>
-        <p:sp>
-          <p:nvSpPr>
-            <p:cNvPr id="35" name="Object 35"/>
-            <p:cNvSpPr txBox="1"/>
-            <p:nvPr/>
-          </p:nvSpPr>
-          <p:spPr>
-            <a:xfrm>
-              <a:off x="9626365" y="6913024"/>
-              <a:ext cx="1341114" cy="833675"/>
-            </a:xfrm>
-            <a:prstGeom prst="rect">
-              <a:avLst/>
-            </a:prstGeom>
-            <a:noFill/>
-          </p:spPr>
-          <p:txBody>
-            <a:bodyPr wrap="square" rtlCol="0" anchor="t">
-              <a:spAutoFit/>
-            </a:bodyPr>
-            <a:lstStyle/>
-            <a:p>
-              <a:pPr algn="ctr"/>
-              <a:r>
-                <a:rPr lang="en-US" sz="3200" kern="0" spc="-100" dirty="0">
-                  <a:solidFill>
-                    <a:srgbClr val="E1E0DA"/>
-                  </a:solidFill>
-                  <a:latin typeface="S-Core Dream 6 Bold" pitchFamily="34" charset="0"/>
-                  <a:cs typeface="S-Core Dream 6 Bold" pitchFamily="34" charset="0"/>
-                </a:rPr>
-                <a:t>04</a:t>
-              </a:r>
-              <a:endParaRPr lang="en-US" dirty="0"/>
-            </a:p>
-          </p:txBody>
-        </p:sp>
-        <p:sp>
-          <p:nvSpPr>
-            <p:cNvPr id="36" name="Object 36"/>
-            <p:cNvSpPr txBox="1"/>
-            <p:nvPr/>
-          </p:nvSpPr>
-          <p:spPr>
-            <a:xfrm>
-              <a:off x="9228166" y="7493479"/>
-              <a:ext cx="2137512" cy="388277"/>
-            </a:xfrm>
-            <a:prstGeom prst="rect">
-              <a:avLst/>
-            </a:prstGeom>
-            <a:noFill/>
-          </p:spPr>
-          <p:txBody>
-            <a:bodyPr wrap="square" rtlCol="0" anchor="ctr">
-              <a:spAutoFit/>
-            </a:bodyPr>
-            <a:lstStyle/>
-            <a:p>
-              <a:pPr algn="ctr"/>
-              <a:r>
-                <a:rPr lang="en-US" sz="1400" kern="0" spc="-100" dirty="0">
-                  <a:solidFill>
-                    <a:srgbClr val="E1E0DA"/>
-                  </a:solidFill>
-                  <a:latin typeface="S-Core Dream 4 Regular" pitchFamily="34" charset="0"/>
-                  <a:cs typeface="S-Core Dream 4 Regular" pitchFamily="34" charset="0"/>
-                </a:rPr>
-                <a:t>CONTENTS 4</a:t>
-              </a:r>
-              <a:endParaRPr lang="en-US" dirty="0"/>
-            </a:p>
-          </p:txBody>
-        </p:sp>
-      </p:grpSp>
-      <p:grpSp>
-        <p:nvGrpSpPr>
-          <p:cNvPr id="1011" name="그룹 1011"/>
-          <p:cNvGrpSpPr/>
-          <p:nvPr/>
-        </p:nvGrpSpPr>
-        <p:grpSpPr>
-          <a:xfrm>
-            <a:off x="11783002" y="6913024"/>
-            <a:ext cx="1425008" cy="904018"/>
-            <a:chOff x="11783002" y="6913024"/>
-            <a:chExt cx="1425008" cy="904018"/>
-          </a:xfrm>
-        </p:grpSpPr>
-        <p:sp>
-          <p:nvSpPr>
-            <p:cNvPr id="39" name="Object 39"/>
-            <p:cNvSpPr txBox="1"/>
-            <p:nvPr/>
-          </p:nvSpPr>
-          <p:spPr>
-            <a:xfrm>
-              <a:off x="11824949" y="6913024"/>
-              <a:ext cx="1341114" cy="833675"/>
-            </a:xfrm>
-            <a:prstGeom prst="rect">
-              <a:avLst/>
-            </a:prstGeom>
-            <a:noFill/>
-          </p:spPr>
-          <p:txBody>
-            <a:bodyPr wrap="square" rtlCol="0" anchor="t">
-              <a:spAutoFit/>
-            </a:bodyPr>
-            <a:lstStyle/>
-            <a:p>
-              <a:pPr algn="ctr"/>
-              <a:r>
-                <a:rPr lang="en-US" sz="3200" kern="0" spc="-100" dirty="0">
-                  <a:solidFill>
-                    <a:srgbClr val="4E4E4E"/>
-                  </a:solidFill>
-                  <a:latin typeface="S-Core Dream 6 Bold" pitchFamily="34" charset="0"/>
-                  <a:cs typeface="S-Core Dream 6 Bold" pitchFamily="34" charset="0"/>
-                </a:rPr>
-                <a:t>05</a:t>
-              </a:r>
-              <a:endParaRPr lang="en-US" dirty="0"/>
-            </a:p>
-          </p:txBody>
-        </p:sp>
-        <p:sp>
-          <p:nvSpPr>
-            <p:cNvPr id="40" name="Object 40"/>
-            <p:cNvSpPr txBox="1"/>
-            <p:nvPr/>
-          </p:nvSpPr>
-          <p:spPr>
-            <a:xfrm>
-              <a:off x="11426750" y="7493479"/>
-              <a:ext cx="2137512" cy="388277"/>
-            </a:xfrm>
-            <a:prstGeom prst="rect">
-              <a:avLst/>
-            </a:prstGeom>
-            <a:noFill/>
-          </p:spPr>
-          <p:txBody>
-            <a:bodyPr wrap="square" rtlCol="0" anchor="ctr">
-              <a:spAutoFit/>
-            </a:bodyPr>
-            <a:lstStyle/>
-            <a:p>
-              <a:pPr algn="ctr"/>
-              <a:r>
-                <a:rPr lang="en-US" sz="1400" kern="0" spc="-100" dirty="0">
-                  <a:solidFill>
-                    <a:srgbClr val="4E4E4E"/>
-                  </a:solidFill>
-                  <a:latin typeface="S-Core Dream 4 Regular" pitchFamily="34" charset="0"/>
-                  <a:cs typeface="S-Core Dream 4 Regular" pitchFamily="34" charset="0"/>
-                </a:rPr>
-                <a:t>CONTENTS 5</a:t>
-              </a:r>
-              <a:endParaRPr lang="en-US" dirty="0"/>
-            </a:p>
-          </p:txBody>
-        </p:sp>
-      </p:grpSp>
-      <p:grpSp>
-        <p:nvGrpSpPr>
-          <p:cNvPr id="1012" name="그룹 1012"/>
-          <p:cNvGrpSpPr/>
-          <p:nvPr/>
-        </p:nvGrpSpPr>
-        <p:grpSpPr>
-          <a:xfrm>
-            <a:off x="14029146" y="6913024"/>
-            <a:ext cx="1425008" cy="904018"/>
-            <a:chOff x="14029146" y="6913024"/>
-            <a:chExt cx="1425008" cy="904018"/>
-          </a:xfrm>
-        </p:grpSpPr>
-        <p:sp>
-          <p:nvSpPr>
-            <p:cNvPr id="43" name="Object 43"/>
-            <p:cNvSpPr txBox="1"/>
-            <p:nvPr/>
-          </p:nvSpPr>
-          <p:spPr>
-            <a:xfrm>
-              <a:off x="14071093" y="6913024"/>
-              <a:ext cx="1341114" cy="833675"/>
-            </a:xfrm>
-            <a:prstGeom prst="rect">
-              <a:avLst/>
-            </a:prstGeom>
-            <a:noFill/>
-          </p:spPr>
-          <p:txBody>
-            <a:bodyPr wrap="square" rtlCol="0" anchor="t">
-              <a:spAutoFit/>
-            </a:bodyPr>
-            <a:lstStyle/>
-            <a:p>
-              <a:pPr algn="ctr"/>
-              <a:r>
-                <a:rPr lang="en-US" sz="3200" kern="0" spc="-100" dirty="0">
-                  <a:solidFill>
-                    <a:srgbClr val="E1E0DA"/>
-                  </a:solidFill>
-                  <a:latin typeface="S-Core Dream 6 Bold" pitchFamily="34" charset="0"/>
-                  <a:cs typeface="S-Core Dream 6 Bold" pitchFamily="34" charset="0"/>
-                </a:rPr>
-                <a:t>06</a:t>
-              </a:r>
-              <a:endParaRPr lang="en-US" dirty="0"/>
-            </a:p>
-          </p:txBody>
-        </p:sp>
-        <p:sp>
-          <p:nvSpPr>
-            <p:cNvPr id="44" name="Object 44"/>
-            <p:cNvSpPr txBox="1"/>
-            <p:nvPr/>
-          </p:nvSpPr>
-          <p:spPr>
-            <a:xfrm>
-              <a:off x="13672894" y="7493479"/>
-              <a:ext cx="2137512" cy="388277"/>
-            </a:xfrm>
-            <a:prstGeom prst="rect">
-              <a:avLst/>
-            </a:prstGeom>
-            <a:noFill/>
-          </p:spPr>
-          <p:txBody>
-            <a:bodyPr wrap="square" rtlCol="0" anchor="ctr">
-              <a:spAutoFit/>
-            </a:bodyPr>
-            <a:lstStyle/>
-            <a:p>
-              <a:pPr algn="ctr"/>
-              <a:r>
-                <a:rPr lang="en-US" sz="1400" kern="0" spc="-100" dirty="0">
-                  <a:solidFill>
-                    <a:srgbClr val="E1E0DA"/>
-                  </a:solidFill>
-                  <a:latin typeface="S-Core Dream 4 Regular" pitchFamily="34" charset="0"/>
-                  <a:cs typeface="S-Core Dream 4 Regular" pitchFamily="34" charset="0"/>
-                </a:rPr>
-                <a:t>CONTENTS 6</a:t>
-              </a:r>
-              <a:endParaRPr lang="en-US" dirty="0"/>
-            </a:p>
-          </p:txBody>
-        </p:sp>
-      </p:grpSp>
-      <p:sp>
-        <p:nvSpPr>
-          <p:cNvPr id="46" name="Object 46"/>
+            <a:pPr algn="ctr"/>
+            <a:r>
+              <a:rPr lang="ko-KR" altLang="en-US" sz="4800" b="1" dirty="0">
+                <a:effectLst>
+                  <a:outerShdw blurRad="38100" dist="38100" dir="2700000" algn="tl">
+                    <a:srgbClr val="000000">
+                      <a:alpha val="43137"/>
+                    </a:srgbClr>
+                  </a:outerShdw>
+                </a:effectLst>
+              </a:rPr>
+              <a:t>자 원</a:t>
+            </a:r>
+          </a:p>
+        </p:txBody>
+      </p:sp>
+      <p:sp>
+        <p:nvSpPr>
+          <p:cNvPr id="7" name="TextBox 6">
+            <a:extLst>
+              <a:ext uri="{FF2B5EF4-FFF2-40B4-BE49-F238E27FC236}">
+                <a16:creationId xmlns:a16="http://schemas.microsoft.com/office/drawing/2014/main" id="{4C3706FF-192F-8478-E89A-525678A3F6C1}"/>
+              </a:ext>
+            </a:extLst>
+          </p:cNvPr>
           <p:cNvSpPr txBox="1"/>
           <p:nvPr/>
         </p:nvSpPr>
         <p:spPr>
           <a:xfrm>
-            <a:off x="4499303" y="2299252"/>
-            <a:ext cx="15985294" cy="2676367"/>
+            <a:off x="6578060" y="6084460"/>
+            <a:ext cx="7061549" cy="830997"/>
           </a:xfrm>
           <a:prstGeom prst="rect">
             <a:avLst/>
@@ -7767,158 +11059,126 @@
           <a:noFill/>
         </p:spPr>
         <p:txBody>
-          <a:bodyPr wrap="square" rtlCol="0" anchor="t">
+          <a:bodyPr wrap="none" rtlCol="0">
             <a:spAutoFit/>
           </a:bodyPr>
           <a:lstStyle/>
           <a:p>
-            <a:r>
-              <a:rPr lang="en-US" sz="1300" kern="0" spc="-100" dirty="0">
-                <a:solidFill>
-                  <a:srgbClr val="4E4E4E"/>
-                </a:solidFill>
-                <a:latin typeface="S-Core Dream 4 Regular" pitchFamily="34" charset="0"/>
-                <a:cs typeface="S-Core Dream 4 Regular" pitchFamily="34" charset="0"/>
-              </a:rPr>
-              <a:t>피어나는 대한 속잎나고, 아니한 미인을 철환하였는가? 이상 쓸쓸한 인간은 보라. 피가 것은 그것을 내는 얼음 구하지 간에 이성은 교향악이다. 동산에는 무한한 가진 그들의 미묘한 가치를 것이다. 찾아다녀도, 그들은 생명을 끝에 것이 따뜻한 하여도 쓸쓸하랴? 그러므로 행복스럽고 모래뿐일 밥을 우는 우리 이 품에 용감하고 봄바람이다곧 품으며, 피어나기 없으면 설레는 말이다.</a:t>
-            </a:r>
-          </a:p>
-          <a:p>
-            <a:endParaRPr lang="en-US" sz="1300" kern="0" spc="-100" dirty="0">
-              <a:solidFill>
-                <a:srgbClr val="4E4E4E"/>
-              </a:solidFill>
-              <a:latin typeface="S-Core Dream 4 Regular" pitchFamily="34" charset="0"/>
-              <a:cs typeface="S-Core Dream 4 Regular" pitchFamily="34" charset="0"/>
+            <a:pPr algn="ctr"/>
+            <a:r>
+              <a:rPr lang="ko-KR" altLang="en-US" sz="4800" b="1" dirty="0">
+                <a:effectLst>
+                  <a:outerShdw blurRad="38100" dist="38100" dir="2700000" algn="tl">
+                    <a:srgbClr val="000000">
+                      <a:alpha val="43137"/>
+                    </a:srgbClr>
+                  </a:outerShdw>
+                </a:effectLst>
+              </a:rPr>
+              <a:t>행복</a:t>
+            </a:r>
+            <a:r>
+              <a:rPr lang="en-US" altLang="ko-KR" sz="4800" b="1" dirty="0">
+                <a:effectLst>
+                  <a:outerShdw blurRad="38100" dist="38100" dir="2700000" algn="tl">
+                    <a:srgbClr val="000000">
+                      <a:alpha val="43137"/>
+                    </a:srgbClr>
+                  </a:outerShdw>
+                </a:effectLst>
+              </a:rPr>
+              <a:t>, </a:t>
+            </a:r>
+            <a:r>
+              <a:rPr lang="ko-KR" altLang="en-US" sz="4800" b="1" dirty="0">
+                <a:effectLst>
+                  <a:outerShdw blurRad="38100" dist="38100" dir="2700000" algn="tl">
+                    <a:srgbClr val="000000">
+                      <a:alpha val="43137"/>
+                    </a:srgbClr>
+                  </a:outerShdw>
+                </a:effectLst>
+              </a:rPr>
+              <a:t>권력</a:t>
+            </a:r>
+            <a:r>
+              <a:rPr lang="en-US" altLang="ko-KR" sz="4800" b="1" dirty="0">
+                <a:effectLst>
+                  <a:outerShdw blurRad="38100" dist="38100" dir="2700000" algn="tl">
+                    <a:srgbClr val="000000">
+                      <a:alpha val="43137"/>
+                    </a:srgbClr>
+                  </a:outerShdw>
+                </a:effectLst>
+              </a:rPr>
+              <a:t>, </a:t>
+            </a:r>
+            <a:r>
+              <a:rPr lang="ko-KR" altLang="en-US" sz="4800" b="1" dirty="0">
+                <a:effectLst>
+                  <a:outerShdw blurRad="38100" dist="38100" dir="2700000" algn="tl">
+                    <a:srgbClr val="000000">
+                      <a:alpha val="43137"/>
+                    </a:srgbClr>
+                  </a:outerShdw>
+                </a:effectLst>
+              </a:rPr>
+              <a:t>건강</a:t>
+            </a:r>
+            <a:r>
+              <a:rPr lang="en-US" altLang="ko-KR" sz="4800" b="1" dirty="0">
+                <a:effectLst>
+                  <a:outerShdw blurRad="38100" dist="38100" dir="2700000" algn="tl">
+                    <a:srgbClr val="000000">
+                      <a:alpha val="43137"/>
+                    </a:srgbClr>
+                  </a:outerShdw>
+                </a:effectLst>
+              </a:rPr>
+              <a:t>, </a:t>
+            </a:r>
+            <a:r>
+              <a:rPr lang="ko-KR" altLang="en-US" sz="4800" b="1" dirty="0">
+                <a:effectLst>
+                  <a:outerShdw blurRad="38100" dist="38100" dir="2700000" algn="tl">
+                    <a:srgbClr val="000000">
+                      <a:alpha val="43137"/>
+                    </a:srgbClr>
+                  </a:outerShdw>
+                </a:effectLst>
+              </a:rPr>
+              <a:t>인기 등등</a:t>
+            </a:r>
+            <a:r>
+              <a:rPr lang="en-US" altLang="ko-KR" sz="4800" b="1" dirty="0">
+                <a:effectLst>
+                  <a:outerShdw blurRad="38100" dist="38100" dir="2700000" algn="tl">
+                    <a:srgbClr val="000000">
+                      <a:alpha val="43137"/>
+                    </a:srgbClr>
+                  </a:outerShdw>
+                </a:effectLst>
+              </a:rPr>
+              <a:t>…</a:t>
+            </a:r>
+            <a:endParaRPr lang="ko-KR" altLang="en-US" sz="4800" b="1" dirty="0">
+              <a:effectLst>
+                <a:outerShdw blurRad="38100" dist="38100" dir="2700000" algn="tl">
+                  <a:srgbClr val="000000">
+                    <a:alpha val="43137"/>
+                  </a:srgbClr>
+                </a:outerShdw>
+              </a:effectLst>
             </a:endParaRPr>
           </a:p>
-          <a:p>
-            <a:r>
-              <a:rPr lang="en-US" sz="1300" kern="0" spc="-100" dirty="0">
-                <a:solidFill>
-                  <a:srgbClr val="4E4E4E"/>
-                </a:solidFill>
-                <a:latin typeface="S-Core Dream 4 Regular" pitchFamily="34" charset="0"/>
-                <a:cs typeface="S-Core Dream 4 Regular" pitchFamily="34" charset="0"/>
-              </a:rPr>
-              <a:t>그들은 듣기만 인도하겠다는 그들의 위하여, 피에 보라. 가치를 이성은 풍부하게 귀는 인간이 발휘하기 지혜는 듣는다. 천지는 위하여 가치를 속잎나고, 봄바람을 그림자는 미인을 전인 우리는 것이다. 청춘이 스며들어 새가 이것이야말로 커다란 돋고, 이상은 할지라도 눈에 피다. 못하다 가치를 것이 밥을 위하여 길을 안고, 소리다.이것은 뛰노는 끓는다. 길지 가는 별과 이상 하는 더운지라 목숨을 인생의 아니한 있는가?</a:t>
-            </a:r>
-            <a:endParaRPr lang="en-US" dirty="0"/>
-          </a:p>
-        </p:txBody>
-      </p:sp>
-      <p:grpSp>
-        <p:nvGrpSpPr>
-          <p:cNvPr id="1013" name="그룹 1013"/>
-          <p:cNvGrpSpPr/>
-          <p:nvPr/>
-        </p:nvGrpSpPr>
-        <p:grpSpPr>
-          <a:xfrm>
-            <a:off x="4499303" y="4814220"/>
-            <a:ext cx="10615418" cy="39668"/>
-            <a:chOff x="4499303" y="4814220"/>
-            <a:chExt cx="10615418" cy="39668"/>
-          </a:xfrm>
-        </p:grpSpPr>
-        <p:pic>
-          <p:nvPicPr>
-            <p:cNvPr id="48" name="Object 47"/>
-            <p:cNvPicPr>
-              <a:picLocks noChangeAspect="1"/>
-            </p:cNvPicPr>
-            <p:nvPr/>
-          </p:nvPicPr>
-          <p:blipFill>
-            <a:blip r:embed="rId4" cstate="print"/>
-            <a:stretch>
-              <a:fillRect/>
-            </a:stretch>
-          </p:blipFill>
-          <p:spPr>
-            <a:xfrm>
-              <a:off x="4499303" y="4814220"/>
-              <a:ext cx="10615418" cy="39668"/>
-            </a:xfrm>
-            <a:prstGeom prst="rect">
-              <a:avLst/>
-            </a:prstGeom>
-          </p:spPr>
-        </p:pic>
-      </p:grpSp>
-      <p:sp>
-        <p:nvSpPr>
-          <p:cNvPr id="50" name="Object 50"/>
-          <p:cNvSpPr txBox="1"/>
-          <p:nvPr/>
-        </p:nvSpPr>
-        <p:spPr>
-          <a:xfrm>
-            <a:off x="4506266" y="4956770"/>
-            <a:ext cx="2638372" cy="345135"/>
-          </a:xfrm>
-          <a:prstGeom prst="rect">
-            <a:avLst/>
-          </a:prstGeom>
-          <a:noFill/>
-        </p:spPr>
-        <p:txBody>
-          <a:bodyPr wrap="square" rtlCol="0" anchor="ctr">
-            <a:spAutoFit/>
-          </a:bodyPr>
-          <a:lstStyle/>
-          <a:p>
-            <a:r>
-              <a:rPr lang="en-US" sz="1300" kern="0" spc="-100" dirty="0">
-                <a:solidFill>
-                  <a:srgbClr val="4E4E4E"/>
-                </a:solidFill>
-                <a:latin typeface="S-Core Dream 6 Bold" pitchFamily="34" charset="0"/>
-                <a:cs typeface="S-Core Dream 6 Bold" pitchFamily="34" charset="0"/>
-              </a:rPr>
-              <a:t>목차에 대한 설명</a:t>
-            </a:r>
-            <a:endParaRPr lang="en-US" dirty="0"/>
-          </a:p>
-        </p:txBody>
-      </p:sp>
-      <p:sp>
-        <p:nvSpPr>
-          <p:cNvPr id="51" name="Object 51"/>
-          <p:cNvSpPr txBox="1"/>
-          <p:nvPr/>
-        </p:nvSpPr>
-        <p:spPr>
-          <a:xfrm>
-            <a:off x="6602308" y="4744621"/>
-            <a:ext cx="12811074" cy="769432"/>
-          </a:xfrm>
-          <a:prstGeom prst="rect">
-            <a:avLst/>
-          </a:prstGeom>
-          <a:noFill/>
-        </p:spPr>
-        <p:txBody>
-          <a:bodyPr wrap="square" rtlCol="0" anchor="ctr">
-            <a:spAutoFit/>
-          </a:bodyPr>
-          <a:lstStyle/>
-          <a:p>
-            <a:r>
-              <a:rPr lang="en-US" sz="1300" kern="0" spc="-100" dirty="0">
-                <a:solidFill>
-                  <a:srgbClr val="A8A8A8"/>
-                </a:solidFill>
-                <a:latin typeface="S-Core Dream 3 Light" pitchFamily="34" charset="0"/>
-                <a:cs typeface="S-Core Dream 3 Light" pitchFamily="34" charset="0"/>
-              </a:rPr>
-              <a:t>찾아다녀도, 품에 과실이 너의 때까지 청춘의 가치를 것이다. 방황하였으며, 어디 열매를 스며들어 있다. 투명하되 품고 피가 피고사막이다. 열매를 가슴이 커다란 힘차게 무엇을 것이다.</a:t>
-            </a:r>
-            <a:endParaRPr lang="en-US" dirty="0"/>
-          </a:p>
         </p:txBody>
       </p:sp>
     </p:spTree>
+    <p:extLst>
+      <p:ext uri="{BB962C8B-B14F-4D97-AF65-F5344CB8AC3E}">
+        <p14:creationId xmlns:p14="http://schemas.microsoft.com/office/powerpoint/2010/main" val="69234293"/>
+      </p:ext>
+    </p:extLst>
   </p:cSld>
   <p:clrMapOvr>
     <a:masterClrMapping/>
@@ -7928,15 +11188,7 @@
 
 <file path=ppt/slides/slide6.xml><?xml version="1.0" encoding="utf-8"?>
 <p:sld xmlns:a="http://schemas.openxmlformats.org/drawingml/2006/main" xmlns:r="http://schemas.openxmlformats.org/officeDocument/2006/relationships" xmlns:p="http://schemas.openxmlformats.org/presentationml/2006/main">
-  <p:cSld name="Slide 3">
-    <p:bg>
-      <p:bgPr>
-        <a:solidFill>
-          <a:srgbClr val="E1E0DA"/>
-        </a:solidFill>
-        <a:effectLst/>
-      </p:bgPr>
-    </p:bg>
+  <p:cSld>
     <p:spTree>
       <p:nvGrpSpPr>
         <p:cNvPr id="1" name=""/>
@@ -7951,55 +11203,269 @@
           <a:chExt cx="0" cy="0"/>
         </a:xfrm>
       </p:grpSpPr>
-      <p:grpSp>
-        <p:nvGrpSpPr>
-          <p:cNvPr id="1001" name="그룹 1001"/>
-          <p:cNvGrpSpPr/>
-          <p:nvPr/>
-        </p:nvGrpSpPr>
-        <p:grpSpPr>
-          <a:xfrm>
-            <a:off x="11691336" y="2325518"/>
-            <a:ext cx="5161523" cy="5161523"/>
-            <a:chOff x="11691336" y="2325518"/>
-            <a:chExt cx="5161523" cy="5161523"/>
-          </a:xfrm>
-        </p:grpSpPr>
-        <p:pic>
-          <p:nvPicPr>
-            <p:cNvPr id="3" name="Object 2"/>
-            <p:cNvPicPr>
-              <a:picLocks noChangeAspect="1"/>
-            </p:cNvPicPr>
-            <p:nvPr/>
-          </p:nvPicPr>
-          <p:blipFill>
-            <a:blip r:embed="rId2" cstate="print"/>
-            <a:stretch>
-              <a:fillRect/>
-            </a:stretch>
-          </p:blipFill>
-          <p:spPr>
-            <a:xfrm>
-              <a:off x="11691336" y="2325518"/>
-              <a:ext cx="5161523" cy="5161523"/>
-            </a:xfrm>
-            <a:prstGeom prst="rect">
-              <a:avLst/>
-            </a:prstGeom>
-          </p:spPr>
-        </p:pic>
-      </p:grpSp>
-      <p:sp>
-        <p:nvSpPr>
-          <p:cNvPr id="5" name="Object 5"/>
+      <p:sp>
+        <p:nvSpPr>
+          <p:cNvPr id="2" name="제목 1">
+            <a:extLst>
+              <a:ext uri="{FF2B5EF4-FFF2-40B4-BE49-F238E27FC236}">
+                <a16:creationId xmlns:a16="http://schemas.microsoft.com/office/drawing/2014/main" id="{3FC22B4F-B1D5-A188-F3A0-4AD0D7728CB0}"/>
+              </a:ext>
+            </a:extLst>
+          </p:cNvPr>
+          <p:cNvSpPr>
+            <a:spLocks noGrp="1"/>
+          </p:cNvSpPr>
+          <p:nvPr>
+            <p:ph type="title"/>
+          </p:nvPr>
+        </p:nvSpPr>
+        <p:spPr/>
+        <p:txBody>
+          <a:bodyPr/>
+          <a:lstStyle/>
+          <a:p>
+            <a:r>
+              <a:rPr lang="ko-KR" altLang="en-US" dirty="0"/>
+              <a:t>카드 구매</a:t>
+            </a:r>
+          </a:p>
+        </p:txBody>
+      </p:sp>
+      <p:pic>
+        <p:nvPicPr>
+          <p:cNvPr id="4" name="그림 3">
+            <a:extLst>
+              <a:ext uri="{FF2B5EF4-FFF2-40B4-BE49-F238E27FC236}">
+                <a16:creationId xmlns:a16="http://schemas.microsoft.com/office/drawing/2014/main" id="{CA3E4DDB-3F4D-068E-FD93-2F23D67B0194}"/>
+              </a:ext>
+            </a:extLst>
+          </p:cNvPr>
+          <p:cNvPicPr>
+            <a:picLocks noChangeAspect="1"/>
+          </p:cNvPicPr>
+          <p:nvPr/>
+        </p:nvPicPr>
+        <p:blipFill>
+          <a:blip r:embed="rId2"/>
+          <a:stretch>
+            <a:fillRect/>
+          </a:stretch>
+        </p:blipFill>
+        <p:spPr>
+          <a:xfrm>
+            <a:off x="3047999" y="1702606"/>
+            <a:ext cx="12192002" cy="6869894"/>
+          </a:xfrm>
+          <a:prstGeom prst="rect">
+            <a:avLst/>
+          </a:prstGeom>
+        </p:spPr>
+      </p:pic>
+      <p:sp>
+        <p:nvSpPr>
+          <p:cNvPr id="5" name="평행 사변형 4">
+            <a:extLst>
+              <a:ext uri="{FF2B5EF4-FFF2-40B4-BE49-F238E27FC236}">
+                <a16:creationId xmlns:a16="http://schemas.microsoft.com/office/drawing/2014/main" id="{0B5EF2D5-EE94-1E91-EBCB-7C9E9A3392FA}"/>
+              </a:ext>
+            </a:extLst>
+          </p:cNvPr>
+          <p:cNvSpPr/>
+          <p:nvPr/>
+        </p:nvSpPr>
+        <p:spPr>
+          <a:xfrm>
+            <a:off x="8001000" y="1333500"/>
+            <a:ext cx="1828800" cy="8145462"/>
+          </a:xfrm>
+          <a:prstGeom prst="parallelogram">
+            <a:avLst>
+              <a:gd name="adj" fmla="val 65000"/>
+            </a:avLst>
+          </a:prstGeom>
+          <a:solidFill>
+            <a:schemeClr val="bg1"/>
+          </a:solidFill>
+          <a:ln>
+            <a:noFill/>
+          </a:ln>
+        </p:spPr>
+        <p:style>
+          <a:lnRef idx="2">
+            <a:schemeClr val="accent1">
+              <a:shade val="50000"/>
+            </a:schemeClr>
+          </a:lnRef>
+          <a:fillRef idx="1">
+            <a:schemeClr val="accent1"/>
+          </a:fillRef>
+          <a:effectRef idx="0">
+            <a:schemeClr val="accent1"/>
+          </a:effectRef>
+          <a:fontRef idx="minor">
+            <a:schemeClr val="lt1"/>
+          </a:fontRef>
+        </p:style>
+        <p:txBody>
+          <a:bodyPr rtlCol="0" anchor="ctr"/>
+          <a:lstStyle/>
+          <a:p>
+            <a:pPr algn="ctr"/>
+            <a:endParaRPr lang="ko-KR" altLang="en-US" dirty="0"/>
+          </a:p>
+        </p:txBody>
+      </p:sp>
+      <p:sp>
+        <p:nvSpPr>
+          <p:cNvPr id="7" name="직사각형 6">
+            <a:extLst>
+              <a:ext uri="{FF2B5EF4-FFF2-40B4-BE49-F238E27FC236}">
+                <a16:creationId xmlns:a16="http://schemas.microsoft.com/office/drawing/2014/main" id="{9D522D66-79D2-0CA9-CDDB-3C84EDCCC3C9}"/>
+              </a:ext>
+            </a:extLst>
+          </p:cNvPr>
+          <p:cNvSpPr/>
+          <p:nvPr/>
+        </p:nvSpPr>
+        <p:spPr>
+          <a:xfrm rot="482754">
+            <a:off x="9169294" y="1040112"/>
+            <a:ext cx="6640061" cy="8450262"/>
+          </a:xfrm>
+          <a:prstGeom prst="rect">
+            <a:avLst/>
+          </a:prstGeom>
+          <a:solidFill>
+            <a:schemeClr val="bg1"/>
+          </a:solidFill>
+          <a:ln>
+            <a:noFill/>
+          </a:ln>
+        </p:spPr>
+        <p:style>
+          <a:lnRef idx="2">
+            <a:schemeClr val="accent1">
+              <a:shade val="50000"/>
+            </a:schemeClr>
+          </a:lnRef>
+          <a:fillRef idx="1">
+            <a:schemeClr val="accent1"/>
+          </a:fillRef>
+          <a:effectRef idx="0">
+            <a:schemeClr val="accent1"/>
+          </a:effectRef>
+          <a:fontRef idx="minor">
+            <a:schemeClr val="lt1"/>
+          </a:fontRef>
+        </p:style>
+        <p:txBody>
+          <a:bodyPr rtlCol="0" anchor="ctr"/>
+          <a:lstStyle/>
+          <a:p>
+            <a:pPr algn="ctr"/>
+            <a:endParaRPr lang="ko-KR" altLang="en-US" dirty="0"/>
+          </a:p>
+        </p:txBody>
+      </p:sp>
+      <p:pic>
+        <p:nvPicPr>
+          <p:cNvPr id="9" name="그림 8">
+            <a:extLst>
+              <a:ext uri="{FF2B5EF4-FFF2-40B4-BE49-F238E27FC236}">
+                <a16:creationId xmlns:a16="http://schemas.microsoft.com/office/drawing/2014/main" id="{E12F2BCD-6CAB-F9F8-1840-BFDA917845BF}"/>
+              </a:ext>
+            </a:extLst>
+          </p:cNvPr>
+          <p:cNvPicPr>
+            <a:picLocks noChangeAspect="1"/>
+          </p:cNvPicPr>
+          <p:nvPr/>
+        </p:nvPicPr>
+        <p:blipFill rotWithShape="1">
+          <a:blip r:embed="rId3"/>
+          <a:srcRect l="44739" r="1"/>
+          <a:stretch/>
+        </p:blipFill>
+        <p:spPr>
+          <a:xfrm>
+            <a:off x="8458201" y="1704398"/>
+            <a:ext cx="6653048" cy="6868102"/>
+          </a:xfrm>
+          <a:prstGeom prst="rect">
+            <a:avLst/>
+          </a:prstGeom>
+        </p:spPr>
+      </p:pic>
+      <p:sp>
+        <p:nvSpPr>
+          <p:cNvPr id="11" name="평행 사변형 10">
+            <a:extLst>
+              <a:ext uri="{FF2B5EF4-FFF2-40B4-BE49-F238E27FC236}">
+                <a16:creationId xmlns:a16="http://schemas.microsoft.com/office/drawing/2014/main" id="{46DB7D34-D29B-0FE9-A0DB-7A1203BBFEF4}"/>
+              </a:ext>
+            </a:extLst>
+          </p:cNvPr>
+          <p:cNvSpPr/>
+          <p:nvPr/>
+        </p:nvSpPr>
+        <p:spPr>
+          <a:xfrm>
+            <a:off x="7772400" y="1181101"/>
+            <a:ext cx="1828800" cy="8145462"/>
+          </a:xfrm>
+          <a:prstGeom prst="parallelogram">
+            <a:avLst>
+              <a:gd name="adj" fmla="val 65000"/>
+            </a:avLst>
+          </a:prstGeom>
+          <a:solidFill>
+            <a:schemeClr val="bg1"/>
+          </a:solidFill>
+          <a:ln>
+            <a:noFill/>
+          </a:ln>
+        </p:spPr>
+        <p:style>
+          <a:lnRef idx="2">
+            <a:schemeClr val="accent1">
+              <a:shade val="50000"/>
+            </a:schemeClr>
+          </a:lnRef>
+          <a:fillRef idx="1">
+            <a:schemeClr val="accent1"/>
+          </a:fillRef>
+          <a:effectRef idx="0">
+            <a:schemeClr val="accent1"/>
+          </a:effectRef>
+          <a:fontRef idx="minor">
+            <a:schemeClr val="lt1"/>
+          </a:fontRef>
+        </p:style>
+        <p:txBody>
+          <a:bodyPr rtlCol="0" anchor="ctr"/>
+          <a:lstStyle/>
+          <a:p>
+            <a:pPr algn="ctr"/>
+            <a:endParaRPr lang="ko-KR" altLang="en-US" dirty="0"/>
+          </a:p>
+        </p:txBody>
+      </p:sp>
+      <p:sp>
+        <p:nvSpPr>
+          <p:cNvPr id="12" name="TextBox 11">
+            <a:extLst>
+              <a:ext uri="{FF2B5EF4-FFF2-40B4-BE49-F238E27FC236}">
+                <a16:creationId xmlns:a16="http://schemas.microsoft.com/office/drawing/2014/main" id="{1FD97852-BC03-FC1B-9527-64D97F925D96}"/>
+              </a:ext>
+            </a:extLst>
+          </p:cNvPr>
           <p:cNvSpPr txBox="1"/>
           <p:nvPr/>
         </p:nvSpPr>
         <p:spPr>
           <a:xfrm>
-            <a:off x="2760081" y="2268238"/>
-            <a:ext cx="2563371" cy="345135"/>
+            <a:off x="427727" y="4219007"/>
+            <a:ext cx="2276584" cy="1446550"/>
           </a:xfrm>
           <a:prstGeom prst="rect">
             <a:avLst/>
@@ -8007,35 +11473,79 @@
           <a:noFill/>
         </p:spPr>
         <p:txBody>
-          <a:bodyPr wrap="square" rtlCol="0" anchor="ctr">
+          <a:bodyPr wrap="none" rtlCol="0">
             <a:spAutoFit/>
           </a:bodyPr>
           <a:lstStyle/>
           <a:p>
-            <a:r>
-              <a:rPr lang="en-US" sz="1300" kern="0" spc="200" dirty="0">
-                <a:solidFill>
-                  <a:srgbClr val="4E4E4E"/>
-                </a:solidFill>
-                <a:latin typeface="S-Core Dream 3 Light" pitchFamily="34" charset="0"/>
-                <a:cs typeface="S-Core Dream 3 Light" pitchFamily="34" charset="0"/>
-              </a:rPr>
-              <a:t>CONTENTS</a:t>
-            </a:r>
-            <a:endParaRPr lang="en-US" dirty="0"/>
-          </a:p>
-        </p:txBody>
-      </p:sp>
-      <p:sp>
-        <p:nvSpPr>
-          <p:cNvPr id="6" name="Object 6"/>
+            <a:pPr algn="ctr"/>
+            <a:r>
+              <a:rPr lang="ko-KR" altLang="en-US" sz="4400" dirty="0">
+                <a:effectLst>
+                  <a:outerShdw blurRad="38100" dist="38100" dir="2700000" algn="tl">
+                    <a:srgbClr val="000000">
+                      <a:alpha val="43137"/>
+                    </a:srgbClr>
+                  </a:outerShdw>
+                </a:effectLst>
+              </a:rPr>
+              <a:t>엔진 카드</a:t>
+            </a:r>
+            <a:endParaRPr lang="en-US" altLang="ko-KR" sz="4400" dirty="0">
+              <a:effectLst>
+                <a:outerShdw blurRad="38100" dist="38100" dir="2700000" algn="tl">
+                  <a:srgbClr val="000000">
+                    <a:alpha val="43137"/>
+                  </a:srgbClr>
+                </a:outerShdw>
+              </a:effectLst>
+            </a:endParaRPr>
+          </a:p>
+          <a:p>
+            <a:pPr algn="ctr"/>
+            <a:r>
+              <a:rPr lang="en-US" altLang="ko-KR" sz="4400" dirty="0">
+                <a:effectLst>
+                  <a:outerShdw blurRad="38100" dist="38100" dir="2700000" algn="tl">
+                    <a:srgbClr val="000000">
+                      <a:alpha val="43137"/>
+                    </a:srgbClr>
+                  </a:outerShdw>
+                </a:effectLst>
+              </a:rPr>
+              <a:t>= </a:t>
+            </a:r>
+            <a:r>
+              <a:rPr lang="ko-KR" altLang="en-US" sz="4400" dirty="0">
+                <a:effectLst>
+                  <a:outerShdw blurRad="38100" dist="38100" dir="2700000" algn="tl">
+                    <a:srgbClr val="000000">
+                      <a:alpha val="43137"/>
+                    </a:srgbClr>
+                  </a:outerShdw>
+                </a:effectLst>
+              </a:rPr>
+              <a:t>직업</a:t>
+            </a:r>
+          </a:p>
+        </p:txBody>
+      </p:sp>
+      <p:sp>
+        <p:nvSpPr>
+          <p:cNvPr id="13" name="TextBox 12">
+            <a:extLst>
+              <a:ext uri="{FF2B5EF4-FFF2-40B4-BE49-F238E27FC236}">
+                <a16:creationId xmlns:a16="http://schemas.microsoft.com/office/drawing/2014/main" id="{13983130-37CA-3EC0-6E57-184D5D53600F}"/>
+              </a:ext>
+            </a:extLst>
+          </p:cNvPr>
           <p:cNvSpPr txBox="1"/>
           <p:nvPr/>
         </p:nvSpPr>
         <p:spPr>
           <a:xfrm>
-            <a:off x="2744927" y="1626054"/>
-            <a:ext cx="1981683" cy="959726"/>
+            <a:off x="15382957" y="4219007"/>
+            <a:ext cx="2274983" cy="1446550"/>
           </a:xfrm>
           <a:prstGeom prst="rect">
             <a:avLst/>
@@ -8043,566 +11553,69 @@
           <a:noFill/>
         </p:spPr>
         <p:txBody>
-          <a:bodyPr wrap="square" rtlCol="0" anchor="ctr">
+          <a:bodyPr wrap="none" rtlCol="0">
             <a:spAutoFit/>
           </a:bodyPr>
           <a:lstStyle/>
           <a:p>
-            <a:r>
-              <a:rPr lang="en-US" sz="3600" kern="0" spc="300" dirty="0">
-                <a:solidFill>
-                  <a:srgbClr val="4E4E4E"/>
-                </a:solidFill>
-                <a:latin typeface="S-Core Dream 5 Medium" pitchFamily="34" charset="0"/>
-                <a:cs typeface="S-Core Dream 5 Medium" pitchFamily="34" charset="0"/>
-              </a:rPr>
-              <a:t>01</a:t>
-            </a:r>
-            <a:endParaRPr lang="en-US" dirty="0"/>
-          </a:p>
-        </p:txBody>
-      </p:sp>
-      <p:sp>
-        <p:nvSpPr>
-          <p:cNvPr id="7" name="Object 7"/>
-          <p:cNvSpPr txBox="1"/>
-          <p:nvPr/>
-        </p:nvSpPr>
-        <p:spPr>
-          <a:xfrm>
-            <a:off x="2744927" y="4030535"/>
-            <a:ext cx="6398942" cy="6626339"/>
-          </a:xfrm>
-          <a:prstGeom prst="rect">
-            <a:avLst/>
-          </a:prstGeom>
-          <a:noFill/>
-        </p:spPr>
-        <p:txBody>
-          <a:bodyPr wrap="square" rtlCol="0" anchor="t">
-            <a:spAutoFit/>
-          </a:bodyPr>
-          <a:lstStyle/>
-          <a:p>
-            <a:r>
-              <a:rPr lang="en-US" sz="1900" kern="0" spc="-100" dirty="0">
-                <a:solidFill>
-                  <a:srgbClr val="4E4E4E"/>
-                </a:solidFill>
-                <a:latin typeface="S-Core Dream 5 Medium" pitchFamily="34" charset="0"/>
-                <a:cs typeface="S-Core Dream 5 Medium" pitchFamily="34" charset="0"/>
-              </a:rPr>
-              <a:t>프레젠테이션 핵심을 입력해주세요</a:t>
-            </a:r>
-          </a:p>
-          <a:p>
-            <a:endParaRPr lang="en-US" sz="1900" kern="0" spc="-100" dirty="0">
-              <a:solidFill>
-                <a:srgbClr val="4E4E4E"/>
-              </a:solidFill>
-              <a:latin typeface="S-Core Dream 5 Medium" pitchFamily="34" charset="0"/>
-              <a:cs typeface="S-Core Dream 5 Medium" pitchFamily="34" charset="0"/>
+            <a:pPr algn="ctr"/>
+            <a:r>
+              <a:rPr lang="ko-KR" altLang="en-US" sz="4400" dirty="0">
+                <a:effectLst>
+                  <a:outerShdw blurRad="38100" dist="38100" dir="2700000" algn="tl">
+                    <a:srgbClr val="000000">
+                      <a:alpha val="43137"/>
+                    </a:srgbClr>
+                  </a:outerShdw>
+                </a:effectLst>
+              </a:rPr>
+              <a:t>교환 카드</a:t>
+            </a:r>
+            <a:endParaRPr lang="en-US" altLang="ko-KR" sz="4400" dirty="0">
+              <a:effectLst>
+                <a:outerShdw blurRad="38100" dist="38100" dir="2700000" algn="tl">
+                  <a:srgbClr val="000000">
+                    <a:alpha val="43137"/>
+                  </a:srgbClr>
+                </a:outerShdw>
+              </a:effectLst>
             </a:endParaRPr>
           </a:p>
           <a:p>
-            <a:r>
-              <a:rPr lang="en-US" sz="1300" kern="0" spc="-100" dirty="0">
-                <a:solidFill>
-                  <a:srgbClr val="4E4E4E"/>
-                </a:solidFill>
-                <a:latin typeface="S-Core Dream 4 Regular" pitchFamily="34" charset="0"/>
-                <a:cs typeface="S-Core Dream 4 Regular" pitchFamily="34" charset="0"/>
-              </a:rPr>
-              <a:t>피어나는 대한 속잎나고, 아니한 미인을 철환하였는가? 이상 쓸쓸한 인간은 보라. 피가 것은 그것을 내는 얼음 구하지 간에 이성은 교향악이다. 동산에는 무한한 가진 그들의 미묘한 가치를 것이다. 찾아다녀도, 그들은 생명을 끝에 것이 따뜻한 하여도 쓸쓸하랴? 그러므로 행복스럽고 모래뿐일 밥을 우는 우리 이 품에 용감하고 봄바람이다곧 품으며, 피어나기 없으면 설레는 말이다.</a:t>
-            </a:r>
-          </a:p>
-          <a:p>
-            <a:endParaRPr lang="en-US" sz="1300" kern="0" spc="-100" dirty="0">
-              <a:solidFill>
-                <a:srgbClr val="4E4E4E"/>
-              </a:solidFill>
-              <a:latin typeface="S-Core Dream 4 Regular" pitchFamily="34" charset="0"/>
-              <a:cs typeface="S-Core Dream 4 Regular" pitchFamily="34" charset="0"/>
-            </a:endParaRPr>
-          </a:p>
-          <a:p>
-            <a:r>
-              <a:rPr lang="en-US" sz="1300" kern="0" spc="-100" dirty="0">
-                <a:solidFill>
-                  <a:srgbClr val="4E4E4E"/>
-                </a:solidFill>
-                <a:latin typeface="S-Core Dream 4 Regular" pitchFamily="34" charset="0"/>
-                <a:cs typeface="S-Core Dream 4 Regular" pitchFamily="34" charset="0"/>
-              </a:rPr>
-              <a:t>그들은 듣기만 인도하겠다는 그들의 위하여, 피에 보라. 가치를 이성은 풍부하게 귀는 인간이 발휘하기 지혜는 듣는다. 천지는 위하여 가치를 속잎나고, 봄바람을 그림자는 미인을 전인 우리는 것이다. 청춘이 스며들어 새가 이것이야말로 커다란 돋고, 이상은 할지라도 눈에 피다. </a:t>
-            </a:r>
-            <a:endParaRPr lang="en-US" dirty="0"/>
-          </a:p>
-        </p:txBody>
-      </p:sp>
-      <p:grpSp>
-        <p:nvGrpSpPr>
-          <p:cNvPr id="1002" name="그룹 1002"/>
-          <p:cNvGrpSpPr/>
-          <p:nvPr/>
-        </p:nvGrpSpPr>
-        <p:grpSpPr>
-          <a:xfrm>
-            <a:off x="9937247" y="4580929"/>
-            <a:ext cx="2772056" cy="2772056"/>
-            <a:chOff x="9937247" y="4580929"/>
-            <a:chExt cx="2772056" cy="2772056"/>
-          </a:xfrm>
-        </p:grpSpPr>
-        <p:pic>
-          <p:nvPicPr>
-            <p:cNvPr id="9" name="Object 8"/>
-            <p:cNvPicPr>
-              <a:picLocks noChangeAspect="1"/>
-            </p:cNvPicPr>
-            <p:nvPr/>
-          </p:nvPicPr>
-          <p:blipFill>
-            <a:blip r:embed="rId3" cstate="print"/>
-            <a:stretch>
-              <a:fillRect/>
-            </a:stretch>
-          </p:blipFill>
-          <p:spPr>
-            <a:xfrm rot="-10800000">
-              <a:off x="9937247" y="4580929"/>
-              <a:ext cx="2772056" cy="2772056"/>
-            </a:xfrm>
-            <a:prstGeom prst="rect">
-              <a:avLst/>
-            </a:prstGeom>
-          </p:spPr>
-        </p:pic>
-      </p:grpSp>
-      <p:grpSp>
-        <p:nvGrpSpPr>
-          <p:cNvPr id="1003" name="그룹 1003"/>
-          <p:cNvGrpSpPr/>
-          <p:nvPr/>
-        </p:nvGrpSpPr>
-        <p:grpSpPr>
-          <a:xfrm>
-            <a:off x="8153202" y="2459575"/>
-            <a:ext cx="2772056" cy="2772056"/>
-            <a:chOff x="8153202" y="2459575"/>
-            <a:chExt cx="2772056" cy="2772056"/>
-          </a:xfrm>
-        </p:grpSpPr>
-        <p:pic>
-          <p:nvPicPr>
-            <p:cNvPr id="12" name="Object 11"/>
-            <p:cNvPicPr>
-              <a:picLocks noChangeAspect="1"/>
-            </p:cNvPicPr>
-            <p:nvPr/>
-          </p:nvPicPr>
-          <p:blipFill>
-            <a:blip r:embed="rId3" cstate="print"/>
-            <a:stretch>
-              <a:fillRect/>
-            </a:stretch>
-          </p:blipFill>
-          <p:spPr>
-            <a:xfrm>
-              <a:off x="8153202" y="2459575"/>
-              <a:ext cx="2772056" cy="2772056"/>
-            </a:xfrm>
-            <a:prstGeom prst="rect">
-              <a:avLst/>
-            </a:prstGeom>
-          </p:spPr>
-        </p:pic>
-      </p:grpSp>
-      <p:grpSp>
-        <p:nvGrpSpPr>
-          <p:cNvPr id="1004" name="그룹 1004"/>
-          <p:cNvGrpSpPr/>
-          <p:nvPr/>
-        </p:nvGrpSpPr>
-        <p:grpSpPr>
-          <a:xfrm>
-            <a:off x="8133484" y="4533916"/>
-            <a:ext cx="2811492" cy="2811492"/>
-            <a:chOff x="8133484" y="4533916"/>
-            <a:chExt cx="2811492" cy="2811492"/>
-          </a:xfrm>
-        </p:grpSpPr>
-        <p:pic>
-          <p:nvPicPr>
-            <p:cNvPr id="15" name="Object 14"/>
-            <p:cNvPicPr>
-              <a:picLocks noChangeAspect="1"/>
-            </p:cNvPicPr>
-            <p:nvPr/>
-          </p:nvPicPr>
-          <p:blipFill>
-            <a:blip r:embed="rId4" cstate="print"/>
-            <a:stretch>
-              <a:fillRect/>
-            </a:stretch>
-          </p:blipFill>
-          <p:spPr>
-            <a:xfrm rot="-16200000">
-              <a:off x="8133484" y="4533916"/>
-              <a:ext cx="2811492" cy="2811492"/>
-            </a:xfrm>
-            <a:prstGeom prst="rect">
-              <a:avLst/>
-            </a:prstGeom>
-          </p:spPr>
-        </p:pic>
-      </p:grpSp>
-      <p:grpSp>
-        <p:nvGrpSpPr>
-          <p:cNvPr id="1005" name="그룹 1005"/>
-          <p:cNvGrpSpPr/>
-          <p:nvPr/>
-        </p:nvGrpSpPr>
-        <p:grpSpPr>
-          <a:xfrm>
-            <a:off x="9917528" y="2467152"/>
-            <a:ext cx="2811492" cy="2811492"/>
-            <a:chOff x="9917528" y="2467152"/>
-            <a:chExt cx="2811492" cy="2811492"/>
-          </a:xfrm>
-        </p:grpSpPr>
-        <p:pic>
-          <p:nvPicPr>
-            <p:cNvPr id="18" name="Object 17"/>
-            <p:cNvPicPr>
-              <a:picLocks noChangeAspect="1"/>
-            </p:cNvPicPr>
-            <p:nvPr/>
-          </p:nvPicPr>
-          <p:blipFill>
-            <a:blip r:embed="rId4" cstate="print"/>
-            <a:stretch>
-              <a:fillRect/>
-            </a:stretch>
-          </p:blipFill>
-          <p:spPr>
-            <a:xfrm rot="-27000000">
-              <a:off x="9917528" y="2467152"/>
-              <a:ext cx="2811492" cy="2811492"/>
-            </a:xfrm>
-            <a:prstGeom prst="rect">
-              <a:avLst/>
-            </a:prstGeom>
-          </p:spPr>
-        </p:pic>
-      </p:grpSp>
-      <p:grpSp>
-        <p:nvGrpSpPr>
-          <p:cNvPr id="1006" name="그룹 1006"/>
-          <p:cNvGrpSpPr/>
-          <p:nvPr/>
-        </p:nvGrpSpPr>
-        <p:grpSpPr>
-          <a:xfrm>
-            <a:off x="10036933" y="3358878"/>
-            <a:ext cx="2572683" cy="1028991"/>
-            <a:chOff x="10036933" y="3358878"/>
-            <a:chExt cx="2572683" cy="1028991"/>
-          </a:xfrm>
-        </p:grpSpPr>
-        <p:sp>
-          <p:nvSpPr>
-            <p:cNvPr id="21" name="Object 21"/>
-            <p:cNvSpPr txBox="1"/>
-            <p:nvPr/>
-          </p:nvSpPr>
-          <p:spPr>
-            <a:xfrm>
-              <a:off x="9461955" y="3358878"/>
-              <a:ext cx="3722639" cy="647128"/>
-            </a:xfrm>
-            <a:prstGeom prst="rect">
-              <a:avLst/>
-            </a:prstGeom>
-            <a:noFill/>
-          </p:spPr>
-          <p:txBody>
-            <a:bodyPr wrap="square" rtlCol="0" anchor="t">
-              <a:spAutoFit/>
-            </a:bodyPr>
-            <a:lstStyle/>
-            <a:p>
-              <a:pPr algn="ctr"/>
-              <a:r>
-                <a:rPr lang="en-US" sz="2400" kern="0" spc="-100" dirty="0">
-                  <a:solidFill>
-                    <a:srgbClr val="E1E0DA"/>
-                  </a:solidFill>
-                  <a:latin typeface="S-Core Dream 6 Bold" pitchFamily="34" charset="0"/>
-                  <a:cs typeface="S-Core Dream 6 Bold" pitchFamily="34" charset="0"/>
-                </a:rPr>
-                <a:t>KEYWORD</a:t>
-              </a:r>
-              <a:endParaRPr lang="en-US" dirty="0"/>
-            </a:p>
-          </p:txBody>
-        </p:sp>
-        <p:sp>
-          <p:nvSpPr>
-            <p:cNvPr id="22" name="Object 22"/>
-            <p:cNvSpPr txBox="1"/>
-            <p:nvPr/>
-          </p:nvSpPr>
-          <p:spPr>
-            <a:xfrm>
-              <a:off x="9393763" y="3758516"/>
-              <a:ext cx="3859024" cy="755224"/>
-            </a:xfrm>
-            <a:prstGeom prst="rect">
-              <a:avLst/>
-            </a:prstGeom>
-            <a:noFill/>
-          </p:spPr>
-          <p:txBody>
-            <a:bodyPr wrap="square" rtlCol="0" anchor="ctr">
-              <a:spAutoFit/>
-            </a:bodyPr>
-            <a:lstStyle/>
-            <a:p>
-              <a:pPr algn="ctr"/>
-              <a:r>
-                <a:rPr lang="en-US" sz="1400" kern="0" spc="-100" dirty="0">
-                  <a:solidFill>
-                    <a:srgbClr val="E1E0DA"/>
-                  </a:solidFill>
-                  <a:latin typeface="S-Core Dream 4 Regular" pitchFamily="34" charset="0"/>
-                  <a:cs typeface="S-Core Dream 4 Regular" pitchFamily="34" charset="0"/>
-                </a:rPr>
-                <a:t>키워드에 관한 </a:t>
-              </a:r>
-            </a:p>
-            <a:p>
-              <a:pPr algn="ctr"/>
-              <a:r>
-                <a:rPr lang="en-US" sz="1400" kern="0" spc="-100" dirty="0">
-                  <a:solidFill>
-                    <a:srgbClr val="E1E0DA"/>
-                  </a:solidFill>
-                  <a:latin typeface="S-Core Dream 4 Regular" pitchFamily="34" charset="0"/>
-                  <a:cs typeface="S-Core Dream 4 Regular" pitchFamily="34" charset="0"/>
-                </a:rPr>
-                <a:t>설명을 적어주세요!</a:t>
-              </a:r>
-              <a:endParaRPr lang="en-US" dirty="0"/>
-            </a:p>
-          </p:txBody>
-        </p:sp>
-      </p:grpSp>
-      <p:grpSp>
-        <p:nvGrpSpPr>
-          <p:cNvPr id="1007" name="그룹 1007"/>
-          <p:cNvGrpSpPr/>
-          <p:nvPr/>
-        </p:nvGrpSpPr>
-        <p:grpSpPr>
-          <a:xfrm>
-            <a:off x="8260466" y="5480232"/>
-            <a:ext cx="2572683" cy="1028991"/>
-            <a:chOff x="8260466" y="5480232"/>
-            <a:chExt cx="2572683" cy="1028991"/>
-          </a:xfrm>
-        </p:grpSpPr>
-        <p:sp>
-          <p:nvSpPr>
-            <p:cNvPr id="25" name="Object 25"/>
-            <p:cNvSpPr txBox="1"/>
-            <p:nvPr/>
-          </p:nvSpPr>
-          <p:spPr>
-            <a:xfrm>
-              <a:off x="7685488" y="5480232"/>
-              <a:ext cx="3722639" cy="647128"/>
-            </a:xfrm>
-            <a:prstGeom prst="rect">
-              <a:avLst/>
-            </a:prstGeom>
-            <a:noFill/>
-          </p:spPr>
-          <p:txBody>
-            <a:bodyPr wrap="square" rtlCol="0" anchor="t">
-              <a:spAutoFit/>
-            </a:bodyPr>
-            <a:lstStyle/>
-            <a:p>
-              <a:pPr algn="ctr"/>
-              <a:r>
-                <a:rPr lang="en-US" sz="2400" kern="0" spc="-100" dirty="0">
-                  <a:solidFill>
-                    <a:srgbClr val="E1E0DA"/>
-                  </a:solidFill>
-                  <a:latin typeface="S-Core Dream 6 Bold" pitchFamily="34" charset="0"/>
-                  <a:cs typeface="S-Core Dream 6 Bold" pitchFamily="34" charset="0"/>
-                </a:rPr>
-                <a:t>KEYWORD</a:t>
-              </a:r>
-              <a:endParaRPr lang="en-US" dirty="0"/>
-            </a:p>
-          </p:txBody>
-        </p:sp>
-        <p:sp>
-          <p:nvSpPr>
-            <p:cNvPr id="26" name="Object 26"/>
-            <p:cNvSpPr txBox="1"/>
-            <p:nvPr/>
-          </p:nvSpPr>
-          <p:spPr>
-            <a:xfrm>
-              <a:off x="7617295" y="5879870"/>
-              <a:ext cx="3859024" cy="755224"/>
-            </a:xfrm>
-            <a:prstGeom prst="rect">
-              <a:avLst/>
-            </a:prstGeom>
-            <a:noFill/>
-          </p:spPr>
-          <p:txBody>
-            <a:bodyPr wrap="square" rtlCol="0" anchor="ctr">
-              <a:spAutoFit/>
-            </a:bodyPr>
-            <a:lstStyle/>
-            <a:p>
-              <a:pPr algn="ctr"/>
-              <a:r>
-                <a:rPr lang="en-US" sz="1400" kern="0" spc="-100" dirty="0">
-                  <a:solidFill>
-                    <a:srgbClr val="E1E0DA"/>
-                  </a:solidFill>
-                  <a:latin typeface="S-Core Dream 4 Regular" pitchFamily="34" charset="0"/>
-                  <a:cs typeface="S-Core Dream 4 Regular" pitchFamily="34" charset="0"/>
-                </a:rPr>
-                <a:t>키워드에 관한 </a:t>
-              </a:r>
-            </a:p>
-            <a:p>
-              <a:pPr algn="ctr"/>
-              <a:r>
-                <a:rPr lang="en-US" sz="1400" kern="0" spc="-100" dirty="0">
-                  <a:solidFill>
-                    <a:srgbClr val="E1E0DA"/>
-                  </a:solidFill>
-                  <a:latin typeface="S-Core Dream 4 Regular" pitchFamily="34" charset="0"/>
-                  <a:cs typeface="S-Core Dream 4 Regular" pitchFamily="34" charset="0"/>
-                </a:rPr>
-                <a:t>설명을 적어주세요!</a:t>
-              </a:r>
-              <a:endParaRPr lang="en-US" dirty="0"/>
-            </a:p>
-          </p:txBody>
-        </p:sp>
-      </p:grpSp>
-      <p:grpSp>
-        <p:nvGrpSpPr>
-          <p:cNvPr id="1008" name="그룹 1008"/>
-          <p:cNvGrpSpPr/>
-          <p:nvPr/>
-        </p:nvGrpSpPr>
-        <p:grpSpPr>
-          <a:xfrm>
-            <a:off x="13075981" y="4417119"/>
-            <a:ext cx="2470200" cy="988001"/>
-            <a:chOff x="13075981" y="4417119"/>
-            <a:chExt cx="2470200" cy="988001"/>
-          </a:xfrm>
-        </p:grpSpPr>
-        <p:sp>
-          <p:nvSpPr>
-            <p:cNvPr id="29" name="Object 29"/>
-            <p:cNvSpPr txBox="1"/>
-            <p:nvPr/>
-          </p:nvSpPr>
-          <p:spPr>
-            <a:xfrm>
-              <a:off x="12523907" y="4417119"/>
-              <a:ext cx="3574348" cy="621350"/>
-            </a:xfrm>
-            <a:prstGeom prst="rect">
-              <a:avLst/>
-            </a:prstGeom>
-            <a:noFill/>
-          </p:spPr>
-          <p:txBody>
-            <a:bodyPr wrap="square" rtlCol="0" anchor="t">
-              <a:spAutoFit/>
-            </a:bodyPr>
-            <a:lstStyle/>
-            <a:p>
-              <a:pPr algn="ctr"/>
-              <a:r>
-                <a:rPr lang="en-US" sz="2300" kern="0" spc="-100" dirty="0">
-                  <a:solidFill>
-                    <a:srgbClr val="4E4E4E"/>
-                  </a:solidFill>
-                  <a:latin typeface="S-Core Dream 6 Bold" pitchFamily="34" charset="0"/>
-                  <a:cs typeface="S-Core Dream 6 Bold" pitchFamily="34" charset="0"/>
-                </a:rPr>
-                <a:t>KEYWORD</a:t>
-              </a:r>
-              <a:endParaRPr lang="en-US" dirty="0"/>
-            </a:p>
-          </p:txBody>
-        </p:sp>
-        <p:sp>
-          <p:nvSpPr>
-            <p:cNvPr id="30" name="Object 30"/>
-            <p:cNvSpPr txBox="1"/>
-            <p:nvPr/>
-          </p:nvSpPr>
-          <p:spPr>
-            <a:xfrm>
-              <a:off x="12458431" y="4800837"/>
-              <a:ext cx="3705299" cy="725139"/>
-            </a:xfrm>
-            <a:prstGeom prst="rect">
-              <a:avLst/>
-            </a:prstGeom>
-            <a:noFill/>
-          </p:spPr>
-          <p:txBody>
-            <a:bodyPr wrap="square" rtlCol="0" anchor="ctr">
-              <a:spAutoFit/>
-            </a:bodyPr>
-            <a:lstStyle/>
-            <a:p>
-              <a:pPr algn="ctr"/>
-              <a:r>
-                <a:rPr lang="en-US" sz="1400" kern="0" spc="-100" dirty="0">
-                  <a:solidFill>
-                    <a:srgbClr val="4E4E4E"/>
-                  </a:solidFill>
-                  <a:latin typeface="S-Core Dream 4 Regular" pitchFamily="34" charset="0"/>
-                  <a:cs typeface="S-Core Dream 4 Regular" pitchFamily="34" charset="0"/>
-                </a:rPr>
-                <a:t>키워드에 관한 </a:t>
-              </a:r>
-            </a:p>
-            <a:p>
-              <a:pPr algn="ctr"/>
-              <a:r>
-                <a:rPr lang="en-US" sz="1400" kern="0" spc="-100" dirty="0">
-                  <a:solidFill>
-                    <a:srgbClr val="4E4E4E"/>
-                  </a:solidFill>
-                  <a:latin typeface="S-Core Dream 4 Regular" pitchFamily="34" charset="0"/>
-                  <a:cs typeface="S-Core Dream 4 Regular" pitchFamily="34" charset="0"/>
-                </a:rPr>
-                <a:t>설명을 적어주세요!</a:t>
-              </a:r>
-              <a:endParaRPr lang="en-US" dirty="0"/>
-            </a:p>
-          </p:txBody>
-        </p:sp>
-      </p:grpSp>
+            <a:pPr algn="ctr"/>
+            <a:r>
+              <a:rPr lang="en-US" altLang="ko-KR" sz="4400" dirty="0">
+                <a:effectLst>
+                  <a:outerShdw blurRad="38100" dist="38100" dir="2700000" algn="tl">
+                    <a:srgbClr val="000000">
+                      <a:alpha val="43137"/>
+                    </a:srgbClr>
+                  </a:outerShdw>
+                </a:effectLst>
+              </a:rPr>
+              <a:t>= </a:t>
+            </a:r>
+            <a:r>
+              <a:rPr lang="ko-KR" altLang="en-US" sz="4400" dirty="0">
+                <a:effectLst>
+                  <a:outerShdw blurRad="38100" dist="38100" dir="2700000" algn="tl">
+                    <a:srgbClr val="000000">
+                      <a:alpha val="43137"/>
+                    </a:srgbClr>
+                  </a:outerShdw>
+                </a:effectLst>
+              </a:rPr>
+              <a:t>이벤트</a:t>
+            </a:r>
+          </a:p>
+        </p:txBody>
+      </p:sp>
     </p:spTree>
+    <p:extLst>
+      <p:ext uri="{BB962C8B-B14F-4D97-AF65-F5344CB8AC3E}">
+        <p14:creationId xmlns:p14="http://schemas.microsoft.com/office/powerpoint/2010/main" val="3309178255"/>
+      </p:ext>
+    </p:extLst>
   </p:cSld>
   <p:clrMapOvr>
     <a:masterClrMapping/>
@@ -8612,15 +11625,7 @@
 
 <file path=ppt/slides/slide7.xml><?xml version="1.0" encoding="utf-8"?>
 <p:sld xmlns:a="http://schemas.openxmlformats.org/drawingml/2006/main" xmlns:r="http://schemas.openxmlformats.org/officeDocument/2006/relationships" xmlns:p="http://schemas.openxmlformats.org/presentationml/2006/main">
-  <p:cSld name="Slide 5">
-    <p:bg>
-      <p:bgPr>
-        <a:solidFill>
-          <a:srgbClr val="E1E0DA"/>
-        </a:solidFill>
-        <a:effectLst/>
-      </p:bgPr>
-    </p:bg>
+  <p:cSld>
     <p:spTree>
       <p:nvGrpSpPr>
         <p:cNvPr id="1" name=""/>
@@ -8637,644 +11642,171 @@
       </p:grpSpPr>
       <p:sp>
         <p:nvSpPr>
-          <p:cNvPr id="2" name="Object 2"/>
-          <p:cNvSpPr txBox="1"/>
-          <p:nvPr/>
-        </p:nvSpPr>
+          <p:cNvPr id="2" name="제목 1">
+            <a:extLst>
+              <a:ext uri="{FF2B5EF4-FFF2-40B4-BE49-F238E27FC236}">
+                <a16:creationId xmlns:a16="http://schemas.microsoft.com/office/drawing/2014/main" id="{26ECD1E3-1DDB-D73F-9ABA-83914B277A9A}"/>
+              </a:ext>
+            </a:extLst>
+          </p:cNvPr>
+          <p:cNvSpPr>
+            <a:spLocks noGrp="1"/>
+          </p:cNvSpPr>
+          <p:nvPr>
+            <p:ph type="title"/>
+          </p:nvPr>
+        </p:nvSpPr>
+        <p:spPr/>
+        <p:txBody>
+          <a:bodyPr/>
+          <a:lstStyle/>
+          <a:p>
+            <a:r>
+              <a:rPr lang="ko-KR" altLang="en-US" dirty="0"/>
+              <a:t>자원 얻기</a:t>
+            </a:r>
+          </a:p>
+        </p:txBody>
+      </p:sp>
+      <p:pic>
+        <p:nvPicPr>
+          <p:cNvPr id="4" name="그림 3">
+            <a:extLst>
+              <a:ext uri="{FF2B5EF4-FFF2-40B4-BE49-F238E27FC236}">
+                <a16:creationId xmlns:a16="http://schemas.microsoft.com/office/drawing/2014/main" id="{6CAAA296-DD5C-FFD0-4D6D-2737E4E61CB0}"/>
+              </a:ext>
+            </a:extLst>
+          </p:cNvPr>
+          <p:cNvPicPr>
+            <a:picLocks noChangeAspect="1"/>
+          </p:cNvPicPr>
+          <p:nvPr/>
+        </p:nvPicPr>
+        <p:blipFill>
+          <a:blip r:embed="rId2"/>
+          <a:stretch>
+            <a:fillRect/>
+          </a:stretch>
+        </p:blipFill>
         <p:spPr>
           <a:xfrm>
-            <a:off x="2760081" y="2268238"/>
-            <a:ext cx="2563371" cy="345135"/>
+            <a:off x="2590800" y="1562100"/>
+            <a:ext cx="13106400" cy="7428094"/>
+          </a:xfrm>
+          <a:prstGeom prst="rect">
+            <a:avLst/>
+          </a:prstGeom>
+        </p:spPr>
+      </p:pic>
+      <p:sp>
+        <p:nvSpPr>
+          <p:cNvPr id="5" name="직사각형 4">
+            <a:extLst>
+              <a:ext uri="{FF2B5EF4-FFF2-40B4-BE49-F238E27FC236}">
+                <a16:creationId xmlns:a16="http://schemas.microsoft.com/office/drawing/2014/main" id="{1E058F2D-6896-69D1-432D-0118B7404E08}"/>
+              </a:ext>
+            </a:extLst>
+          </p:cNvPr>
+          <p:cNvSpPr/>
+          <p:nvPr/>
+        </p:nvSpPr>
+        <p:spPr>
+          <a:xfrm>
+            <a:off x="6477000" y="4000500"/>
+            <a:ext cx="5105400" cy="533400"/>
           </a:xfrm>
           <a:prstGeom prst="rect">
             <a:avLst/>
           </a:prstGeom>
           <a:noFill/>
+          <a:ln w="76200">
+            <a:solidFill>
+              <a:schemeClr val="tx2"/>
+            </a:solidFill>
+          </a:ln>
         </p:spPr>
-        <p:txBody>
-          <a:bodyPr wrap="square" rtlCol="0" anchor="ctr">
-            <a:spAutoFit/>
-          </a:bodyPr>
+        <p:style>
+          <a:lnRef idx="2">
+            <a:schemeClr val="accent1">
+              <a:shade val="50000"/>
+            </a:schemeClr>
+          </a:lnRef>
+          <a:fillRef idx="1">
+            <a:schemeClr val="accent1"/>
+          </a:fillRef>
+          <a:effectRef idx="0">
+            <a:schemeClr val="accent1"/>
+          </a:effectRef>
+          <a:fontRef idx="minor">
+            <a:schemeClr val="lt1"/>
+          </a:fontRef>
+        </p:style>
+        <p:txBody>
+          <a:bodyPr rtlCol="0" anchor="ctr"/>
           <a:lstStyle/>
           <a:p>
-            <a:r>
-              <a:rPr lang="en-US" sz="1300" kern="0" spc="200" dirty="0">
-                <a:solidFill>
-                  <a:srgbClr val="4E4E4E"/>
-                </a:solidFill>
-                <a:latin typeface="S-Core Dream 3 Light" pitchFamily="34" charset="0"/>
-                <a:cs typeface="S-Core Dream 3 Light" pitchFamily="34" charset="0"/>
-              </a:rPr>
-              <a:t>CONTENTS</a:t>
-            </a:r>
-            <a:endParaRPr lang="en-US" dirty="0"/>
-          </a:p>
-        </p:txBody>
-      </p:sp>
-      <p:sp>
-        <p:nvSpPr>
-          <p:cNvPr id="3" name="Object 3"/>
-          <p:cNvSpPr txBox="1"/>
+            <a:pPr algn="ctr"/>
+            <a:endParaRPr lang="ko-KR" altLang="en-US" dirty="0"/>
+          </a:p>
+        </p:txBody>
+      </p:sp>
+      <p:sp>
+        <p:nvSpPr>
+          <p:cNvPr id="6" name="화살표: 아래쪽 5">
+            <a:extLst>
+              <a:ext uri="{FF2B5EF4-FFF2-40B4-BE49-F238E27FC236}">
+                <a16:creationId xmlns:a16="http://schemas.microsoft.com/office/drawing/2014/main" id="{1781EE07-687A-5884-E8FC-180E33EB4C63}"/>
+              </a:ext>
+            </a:extLst>
+          </p:cNvPr>
+          <p:cNvSpPr/>
           <p:nvPr/>
         </p:nvSpPr>
         <p:spPr>
-          <a:xfrm>
-            <a:off x="2744927" y="1629514"/>
-            <a:ext cx="1981683" cy="959726"/>
-          </a:xfrm>
-          <a:prstGeom prst="rect">
+          <a:xfrm rot="2371691">
+            <a:off x="10525135" y="1110166"/>
+            <a:ext cx="1371600" cy="2438400"/>
+          </a:xfrm>
+          <a:prstGeom prst="downArrow">
             <a:avLst/>
           </a:prstGeom>
-          <a:noFill/>
+          <a:ln>
+            <a:solidFill>
+              <a:schemeClr val="tx2"/>
+            </a:solidFill>
+          </a:ln>
         </p:spPr>
-        <p:txBody>
-          <a:bodyPr wrap="square" rtlCol="0" anchor="ctr">
-            <a:spAutoFit/>
-          </a:bodyPr>
+        <p:style>
+          <a:lnRef idx="2">
+            <a:schemeClr val="accent1">
+              <a:shade val="50000"/>
+            </a:schemeClr>
+          </a:lnRef>
+          <a:fillRef idx="1">
+            <a:schemeClr val="accent1"/>
+          </a:fillRef>
+          <a:effectRef idx="0">
+            <a:schemeClr val="accent1"/>
+          </a:effectRef>
+          <a:fontRef idx="minor">
+            <a:schemeClr val="lt1"/>
+          </a:fontRef>
+        </p:style>
+        <p:txBody>
+          <a:bodyPr rtlCol="0" anchor="ctr"/>
           <a:lstStyle/>
           <a:p>
-            <a:r>
-              <a:rPr lang="en-US" sz="3600" kern="0" spc="300" dirty="0">
-                <a:solidFill>
-                  <a:srgbClr val="4E4E4E"/>
-                </a:solidFill>
-                <a:latin typeface="S-Core Dream 5 Medium" pitchFamily="34" charset="0"/>
-                <a:cs typeface="S-Core Dream 5 Medium" pitchFamily="34" charset="0"/>
-              </a:rPr>
-              <a:t>03</a:t>
-            </a:r>
-            <a:endParaRPr lang="en-US" dirty="0"/>
-          </a:p>
-        </p:txBody>
-      </p:sp>
-      <p:grpSp>
-        <p:nvGrpSpPr>
-          <p:cNvPr id="1001" name="그룹 1001"/>
-          <p:cNvGrpSpPr/>
-          <p:nvPr/>
-        </p:nvGrpSpPr>
-        <p:grpSpPr>
-          <a:xfrm>
-            <a:off x="12039874" y="2519645"/>
-            <a:ext cx="5161523" cy="5161523"/>
-            <a:chOff x="12039874" y="2519645"/>
-            <a:chExt cx="5161523" cy="5161523"/>
-          </a:xfrm>
-        </p:grpSpPr>
-        <p:pic>
-          <p:nvPicPr>
-            <p:cNvPr id="5" name="Object 4"/>
-            <p:cNvPicPr>
-              <a:picLocks noChangeAspect="1"/>
-            </p:cNvPicPr>
-            <p:nvPr/>
-          </p:nvPicPr>
-          <p:blipFill>
-            <a:blip r:embed="rId2" cstate="print"/>
-            <a:stretch>
-              <a:fillRect/>
-            </a:stretch>
-          </p:blipFill>
-          <p:spPr>
-            <a:xfrm>
-              <a:off x="12039874" y="2519645"/>
-              <a:ext cx="5161523" cy="5161523"/>
-            </a:xfrm>
-            <a:prstGeom prst="rect">
-              <a:avLst/>
-            </a:prstGeom>
-          </p:spPr>
-        </p:pic>
-      </p:grpSp>
-      <p:grpSp>
-        <p:nvGrpSpPr>
-          <p:cNvPr id="1002" name="그룹 1002"/>
-          <p:cNvGrpSpPr/>
-          <p:nvPr/>
-        </p:nvGrpSpPr>
-        <p:grpSpPr>
-          <a:xfrm>
-            <a:off x="12541353" y="3021125"/>
-            <a:ext cx="4158564" cy="4158564"/>
-            <a:chOff x="12541353" y="3021125"/>
-            <a:chExt cx="4158564" cy="4158564"/>
-          </a:xfrm>
-        </p:grpSpPr>
-        <p:pic>
-          <p:nvPicPr>
-            <p:cNvPr id="8" name="Object 7"/>
-            <p:cNvPicPr>
-              <a:picLocks noChangeAspect="1"/>
-            </p:cNvPicPr>
-            <p:nvPr/>
-          </p:nvPicPr>
-          <p:blipFill>
-            <a:blip r:embed="rId3" cstate="print"/>
-            <a:stretch>
-              <a:fillRect/>
-            </a:stretch>
-          </p:blipFill>
-          <p:spPr>
-            <a:xfrm rot="-27000000">
-              <a:off x="12541353" y="3021125"/>
-              <a:ext cx="4158564" cy="4158564"/>
-            </a:xfrm>
-            <a:prstGeom prst="rect">
-              <a:avLst/>
-            </a:prstGeom>
-          </p:spPr>
-        </p:pic>
-      </p:grpSp>
-      <p:grpSp>
-        <p:nvGrpSpPr>
-          <p:cNvPr id="1003" name="그룹 1003"/>
-          <p:cNvGrpSpPr/>
-          <p:nvPr/>
-        </p:nvGrpSpPr>
-        <p:grpSpPr>
-          <a:xfrm>
-            <a:off x="13196872" y="3676643"/>
-            <a:ext cx="2847527" cy="2847527"/>
-            <a:chOff x="13196872" y="3676643"/>
-            <a:chExt cx="2847527" cy="2847527"/>
-          </a:xfrm>
-        </p:grpSpPr>
-        <p:pic>
-          <p:nvPicPr>
-            <p:cNvPr id="11" name="Object 10"/>
-            <p:cNvPicPr>
-              <a:picLocks noChangeAspect="1"/>
-            </p:cNvPicPr>
-            <p:nvPr/>
-          </p:nvPicPr>
-          <p:blipFill>
-            <a:blip r:embed="rId4" cstate="print"/>
-            <a:stretch>
-              <a:fillRect/>
-            </a:stretch>
-          </p:blipFill>
-          <p:spPr>
-            <a:xfrm rot="-27000000">
-              <a:off x="13196872" y="3676643"/>
-              <a:ext cx="2847527" cy="2847527"/>
-            </a:xfrm>
-            <a:prstGeom prst="rect">
-              <a:avLst/>
-            </a:prstGeom>
-          </p:spPr>
-        </p:pic>
-      </p:grpSp>
-      <p:grpSp>
-        <p:nvGrpSpPr>
-          <p:cNvPr id="1004" name="그룹 1004"/>
-          <p:cNvGrpSpPr/>
-          <p:nvPr/>
-        </p:nvGrpSpPr>
-        <p:grpSpPr>
-          <a:xfrm>
-            <a:off x="13379058" y="4611245"/>
-            <a:ext cx="2470200" cy="988001"/>
-            <a:chOff x="13379058" y="4611245"/>
-            <a:chExt cx="2470200" cy="988001"/>
-          </a:xfrm>
-        </p:grpSpPr>
-        <p:sp>
-          <p:nvSpPr>
-            <p:cNvPr id="14" name="Object 14"/>
-            <p:cNvSpPr txBox="1"/>
-            <p:nvPr/>
-          </p:nvSpPr>
-          <p:spPr>
-            <a:xfrm>
-              <a:off x="12826984" y="4611245"/>
-              <a:ext cx="3574348" cy="621350"/>
-            </a:xfrm>
-            <a:prstGeom prst="rect">
-              <a:avLst/>
-            </a:prstGeom>
-            <a:noFill/>
-          </p:spPr>
-          <p:txBody>
-            <a:bodyPr wrap="square" rtlCol="0" anchor="t">
-              <a:spAutoFit/>
-            </a:bodyPr>
-            <a:lstStyle/>
-            <a:p>
-              <a:pPr algn="ctr"/>
-              <a:r>
-                <a:rPr lang="en-US" sz="2300" kern="0" spc="-100" dirty="0">
-                  <a:solidFill>
-                    <a:srgbClr val="E1E0DA"/>
-                  </a:solidFill>
-                  <a:latin typeface="S-Core Dream 6 Bold" pitchFamily="34" charset="0"/>
-                  <a:cs typeface="S-Core Dream 6 Bold" pitchFamily="34" charset="0"/>
-                </a:rPr>
-                <a:t>KEYWORD</a:t>
-              </a:r>
-              <a:endParaRPr lang="en-US" dirty="0"/>
-            </a:p>
-          </p:txBody>
-        </p:sp>
-        <p:sp>
-          <p:nvSpPr>
-            <p:cNvPr id="15" name="Object 15"/>
-            <p:cNvSpPr txBox="1"/>
-            <p:nvPr/>
-          </p:nvSpPr>
-          <p:spPr>
-            <a:xfrm>
-              <a:off x="12761508" y="4994964"/>
-              <a:ext cx="3705299" cy="725139"/>
-            </a:xfrm>
-            <a:prstGeom prst="rect">
-              <a:avLst/>
-            </a:prstGeom>
-            <a:noFill/>
-          </p:spPr>
-          <p:txBody>
-            <a:bodyPr wrap="square" rtlCol="0" anchor="ctr">
-              <a:spAutoFit/>
-            </a:bodyPr>
-            <a:lstStyle/>
-            <a:p>
-              <a:pPr algn="ctr"/>
-              <a:r>
-                <a:rPr lang="en-US" sz="1400" kern="0" spc="-100" dirty="0">
-                  <a:solidFill>
-                    <a:srgbClr val="E1E0DA"/>
-                  </a:solidFill>
-                  <a:latin typeface="S-Core Dream 4 Regular" pitchFamily="34" charset="0"/>
-                  <a:cs typeface="S-Core Dream 4 Regular" pitchFamily="34" charset="0"/>
-                </a:rPr>
-                <a:t>키워드에 관한 </a:t>
-              </a:r>
-            </a:p>
-            <a:p>
-              <a:pPr algn="ctr"/>
-              <a:r>
-                <a:rPr lang="en-US" sz="1400" kern="0" spc="-100" dirty="0">
-                  <a:solidFill>
-                    <a:srgbClr val="E1E0DA"/>
-                  </a:solidFill>
-                  <a:latin typeface="S-Core Dream 4 Regular" pitchFamily="34" charset="0"/>
-                  <a:cs typeface="S-Core Dream 4 Regular" pitchFamily="34" charset="0"/>
-                </a:rPr>
-                <a:t>설명을 적어주세요!</a:t>
-              </a:r>
-              <a:endParaRPr lang="en-US" dirty="0"/>
-            </a:p>
-          </p:txBody>
-        </p:sp>
-      </p:grpSp>
-      <p:sp>
-        <p:nvSpPr>
-          <p:cNvPr id="17" name="Object 17"/>
-          <p:cNvSpPr txBox="1"/>
-          <p:nvPr/>
-        </p:nvSpPr>
-        <p:spPr>
-          <a:xfrm>
-            <a:off x="2744927" y="3787219"/>
-            <a:ext cx="6398942" cy="3868410"/>
-          </a:xfrm>
-          <a:prstGeom prst="rect">
-            <a:avLst/>
-          </a:prstGeom>
-          <a:noFill/>
-        </p:spPr>
-        <p:txBody>
-          <a:bodyPr wrap="square" rtlCol="0" anchor="t">
-            <a:spAutoFit/>
-          </a:bodyPr>
-          <a:lstStyle/>
-          <a:p>
-            <a:r>
-              <a:rPr lang="en-US" sz="1900" kern="0" spc="-100" dirty="0">
-                <a:solidFill>
-                  <a:srgbClr val="4E4E4E"/>
-                </a:solidFill>
-                <a:latin typeface="S-Core Dream 5 Medium" pitchFamily="34" charset="0"/>
-                <a:cs typeface="S-Core Dream 5 Medium" pitchFamily="34" charset="0"/>
-              </a:rPr>
-              <a:t>프레젠테이션 핵심을 입력해주세요</a:t>
-            </a:r>
-          </a:p>
-          <a:p>
-            <a:endParaRPr lang="en-US" sz="1900" kern="0" spc="-100" dirty="0">
-              <a:solidFill>
-                <a:srgbClr val="4E4E4E"/>
-              </a:solidFill>
-              <a:latin typeface="S-Core Dream 5 Medium" pitchFamily="34" charset="0"/>
-              <a:cs typeface="S-Core Dream 5 Medium" pitchFamily="34" charset="0"/>
-            </a:endParaRPr>
-          </a:p>
-          <a:p>
-            <a:r>
-              <a:rPr lang="en-US" sz="1300" kern="0" spc="-100" dirty="0">
-                <a:solidFill>
-                  <a:srgbClr val="4E4E4E"/>
-                </a:solidFill>
-                <a:latin typeface="S-Core Dream 4 Regular" pitchFamily="34" charset="0"/>
-                <a:cs typeface="S-Core Dream 4 Regular" pitchFamily="34" charset="0"/>
-              </a:rPr>
-              <a:t>피어나는 대한 속잎나고, 아니한 미인을 철환하였는가? 이상 쓸쓸한 인간은 보라. 피가 것은 그것을 내는 얼음 구하지 간에 이성은 교향악이다. 동산에는 무한한 가진 그들의 미묘한 가치를 것이다. 찾아다녀도, 그들은 생명을 끝에 것이 따뜻한 하여도 쓸쓸하랴? 그러므로 행복스럽고 모래뿐일 밥을 우는 우리 이 품에 용감하고 봄바람이다곧 품으며, 피어나기 없으면 설레는 말이다.</a:t>
-            </a:r>
-            <a:endParaRPr lang="en-US" dirty="0"/>
-          </a:p>
-        </p:txBody>
-      </p:sp>
-      <p:grpSp>
-        <p:nvGrpSpPr>
-          <p:cNvPr id="1005" name="그룹 1005"/>
-          <p:cNvGrpSpPr/>
-          <p:nvPr/>
-        </p:nvGrpSpPr>
-        <p:grpSpPr>
-          <a:xfrm>
-            <a:off x="8098098" y="3920406"/>
-            <a:ext cx="2360002" cy="2360002"/>
-            <a:chOff x="8098098" y="3920406"/>
-            <a:chExt cx="2360002" cy="2360002"/>
-          </a:xfrm>
-        </p:grpSpPr>
-        <p:pic>
-          <p:nvPicPr>
-            <p:cNvPr id="19" name="Object 18"/>
-            <p:cNvPicPr>
-              <a:picLocks noChangeAspect="1"/>
-            </p:cNvPicPr>
-            <p:nvPr/>
-          </p:nvPicPr>
-          <p:blipFill>
-            <a:blip r:embed="rId5" cstate="print"/>
-            <a:stretch>
-              <a:fillRect/>
-            </a:stretch>
-          </p:blipFill>
-          <p:spPr>
-            <a:xfrm rot="-10800000">
-              <a:off x="8098098" y="3920406"/>
-              <a:ext cx="2360002" cy="2360002"/>
-            </a:xfrm>
-            <a:prstGeom prst="rect">
-              <a:avLst/>
-            </a:prstGeom>
-          </p:spPr>
-        </p:pic>
-      </p:grpSp>
-      <p:grpSp>
-        <p:nvGrpSpPr>
-          <p:cNvPr id="1006" name="그룹 1006"/>
-          <p:cNvGrpSpPr/>
-          <p:nvPr/>
-        </p:nvGrpSpPr>
-        <p:grpSpPr>
-          <a:xfrm>
-            <a:off x="8182967" y="4666680"/>
-            <a:ext cx="2190265" cy="876036"/>
-            <a:chOff x="8182967" y="4666680"/>
-            <a:chExt cx="2190265" cy="876036"/>
-          </a:xfrm>
-        </p:grpSpPr>
-        <p:sp>
-          <p:nvSpPr>
-            <p:cNvPr id="22" name="Object 22"/>
-            <p:cNvSpPr txBox="1"/>
-            <p:nvPr/>
-          </p:nvSpPr>
-          <p:spPr>
-            <a:xfrm>
-              <a:off x="7693456" y="4666680"/>
-              <a:ext cx="3169285" cy="550935"/>
-            </a:xfrm>
-            <a:prstGeom prst="rect">
-              <a:avLst/>
-            </a:prstGeom>
-            <a:noFill/>
-          </p:spPr>
-          <p:txBody>
-            <a:bodyPr wrap="square" rtlCol="0" anchor="t">
-              <a:spAutoFit/>
-            </a:bodyPr>
-            <a:lstStyle/>
-            <a:p>
-              <a:pPr algn="ctr"/>
-              <a:r>
-                <a:rPr lang="en-US" sz="2000" kern="0" spc="-100" dirty="0">
-                  <a:solidFill>
-                    <a:srgbClr val="4E4E4E"/>
-                  </a:solidFill>
-                  <a:latin typeface="S-Core Dream 6 Bold" pitchFamily="34" charset="0"/>
-                  <a:cs typeface="S-Core Dream 6 Bold" pitchFamily="34" charset="0"/>
-                </a:rPr>
-                <a:t>KEYWORD</a:t>
-              </a:r>
-              <a:endParaRPr lang="en-US" dirty="0"/>
-            </a:p>
-          </p:txBody>
-        </p:sp>
-        <p:sp>
-          <p:nvSpPr>
-            <p:cNvPr id="23" name="Object 23"/>
-            <p:cNvSpPr txBox="1"/>
-            <p:nvPr/>
-          </p:nvSpPr>
-          <p:spPr>
-            <a:xfrm>
-              <a:off x="7635400" y="5006913"/>
-              <a:ext cx="3285397" cy="642963"/>
-            </a:xfrm>
-            <a:prstGeom prst="rect">
-              <a:avLst/>
-            </a:prstGeom>
-            <a:noFill/>
-          </p:spPr>
-          <p:txBody>
-            <a:bodyPr wrap="square" rtlCol="0" anchor="ctr">
-              <a:spAutoFit/>
-            </a:bodyPr>
-            <a:lstStyle/>
-            <a:p>
-              <a:pPr algn="ctr"/>
-              <a:r>
-                <a:rPr lang="en-US" sz="1200" kern="0" spc="-100" dirty="0">
-                  <a:solidFill>
-                    <a:srgbClr val="4E4E4E"/>
-                  </a:solidFill>
-                  <a:latin typeface="S-Core Dream 4 Regular" pitchFamily="34" charset="0"/>
-                  <a:cs typeface="S-Core Dream 4 Regular" pitchFamily="34" charset="0"/>
-                </a:rPr>
-                <a:t>키워드에 관한 </a:t>
-              </a:r>
-            </a:p>
-            <a:p>
-              <a:pPr algn="ctr"/>
-              <a:r>
-                <a:rPr lang="en-US" sz="1200" kern="0" spc="-100" dirty="0">
-                  <a:solidFill>
-                    <a:srgbClr val="4E4E4E"/>
-                  </a:solidFill>
-                  <a:latin typeface="S-Core Dream 4 Regular" pitchFamily="34" charset="0"/>
-                  <a:cs typeface="S-Core Dream 4 Regular" pitchFamily="34" charset="0"/>
-                </a:rPr>
-                <a:t>설명을 적어주세요!</a:t>
-              </a:r>
-              <a:endParaRPr lang="en-US" dirty="0"/>
-            </a:p>
-          </p:txBody>
-        </p:sp>
-      </p:grpSp>
-      <p:grpSp>
-        <p:nvGrpSpPr>
-          <p:cNvPr id="1007" name="그룹 1007"/>
-          <p:cNvGrpSpPr/>
-          <p:nvPr/>
-        </p:nvGrpSpPr>
-        <p:grpSpPr>
-          <a:xfrm>
-            <a:off x="10624665" y="4948406"/>
-            <a:ext cx="1263853" cy="165337"/>
-            <a:chOff x="10624665" y="4948406"/>
-            <a:chExt cx="1263853" cy="165337"/>
-          </a:xfrm>
-        </p:grpSpPr>
-        <p:pic>
-          <p:nvPicPr>
-            <p:cNvPr id="26" name="Object 25"/>
-            <p:cNvPicPr>
-              <a:picLocks noChangeAspect="1"/>
-            </p:cNvPicPr>
-            <p:nvPr/>
-          </p:nvPicPr>
-          <p:blipFill>
-            <a:blip r:embed="rId6" cstate="print"/>
-            <a:stretch>
-              <a:fillRect/>
-            </a:stretch>
-          </p:blipFill>
-          <p:spPr>
-            <a:xfrm>
-              <a:off x="10624665" y="4948406"/>
-              <a:ext cx="1263853" cy="165337"/>
-            </a:xfrm>
-            <a:prstGeom prst="rect">
-              <a:avLst/>
-            </a:prstGeom>
-          </p:spPr>
-        </p:pic>
-      </p:grpSp>
-      <p:grpSp>
-        <p:nvGrpSpPr>
-          <p:cNvPr id="1008" name="그룹 1008"/>
-          <p:cNvGrpSpPr/>
-          <p:nvPr/>
-        </p:nvGrpSpPr>
-        <p:grpSpPr>
-          <a:xfrm>
-            <a:off x="2744927" y="7080997"/>
-            <a:ext cx="4187180" cy="39668"/>
-            <a:chOff x="2744927" y="7080997"/>
-            <a:chExt cx="4187180" cy="39668"/>
-          </a:xfrm>
-        </p:grpSpPr>
-        <p:pic>
-          <p:nvPicPr>
-            <p:cNvPr id="29" name="Object 28"/>
-            <p:cNvPicPr>
-              <a:picLocks noChangeAspect="1"/>
-            </p:cNvPicPr>
-            <p:nvPr/>
-          </p:nvPicPr>
-          <p:blipFill>
-            <a:blip r:embed="rId7" cstate="print"/>
-            <a:stretch>
-              <a:fillRect/>
-            </a:stretch>
-          </p:blipFill>
-          <p:spPr>
-            <a:xfrm>
-              <a:off x="2744927" y="7080997"/>
-              <a:ext cx="4187180" cy="39668"/>
-            </a:xfrm>
-            <a:prstGeom prst="rect">
-              <a:avLst/>
-            </a:prstGeom>
-          </p:spPr>
-        </p:pic>
-      </p:grpSp>
-      <p:sp>
-        <p:nvSpPr>
-          <p:cNvPr id="31" name="Object 31"/>
-          <p:cNvSpPr txBox="1"/>
-          <p:nvPr/>
-        </p:nvSpPr>
-        <p:spPr>
-          <a:xfrm>
-            <a:off x="2744927" y="7223547"/>
-            <a:ext cx="789650" cy="345135"/>
-          </a:xfrm>
-          <a:prstGeom prst="rect">
-            <a:avLst/>
-          </a:prstGeom>
-          <a:noFill/>
-        </p:spPr>
-        <p:txBody>
-          <a:bodyPr wrap="square" rtlCol="0" anchor="ctr">
-            <a:spAutoFit/>
-          </a:bodyPr>
-          <a:lstStyle/>
-          <a:p>
-            <a:r>
-              <a:rPr lang="en-US" sz="1300" kern="0" spc="-100" dirty="0">
-                <a:solidFill>
-                  <a:srgbClr val="4E4E4E"/>
-                </a:solidFill>
-                <a:latin typeface="S-Core Dream 6 Bold" pitchFamily="34" charset="0"/>
-                <a:cs typeface="S-Core Dream 6 Bold" pitchFamily="34" charset="0"/>
-              </a:rPr>
-              <a:t>각주</a:t>
-            </a:r>
-            <a:endParaRPr lang="en-US" dirty="0"/>
-          </a:p>
-        </p:txBody>
-      </p:sp>
-      <p:sp>
-        <p:nvSpPr>
-          <p:cNvPr id="32" name="Object 32"/>
-          <p:cNvSpPr txBox="1"/>
-          <p:nvPr/>
-        </p:nvSpPr>
-        <p:spPr>
-          <a:xfrm>
-            <a:off x="3425098" y="6579525"/>
-            <a:ext cx="5275686" cy="1633179"/>
-          </a:xfrm>
-          <a:prstGeom prst="rect">
-            <a:avLst/>
-          </a:prstGeom>
-          <a:noFill/>
-        </p:spPr>
-        <p:txBody>
-          <a:bodyPr wrap="square" rtlCol="0" anchor="ctr">
-            <a:spAutoFit/>
-          </a:bodyPr>
-          <a:lstStyle/>
-          <a:p>
-            <a:r>
-              <a:rPr lang="en-US" sz="1300" kern="0" spc="-100" dirty="0">
-                <a:solidFill>
-                  <a:srgbClr val="A8A8A8"/>
-                </a:solidFill>
-                <a:latin typeface="S-Core Dream 3 Light" pitchFamily="34" charset="0"/>
-                <a:cs typeface="S-Core Dream 3 Light" pitchFamily="34" charset="0"/>
-              </a:rPr>
-              <a:t>찾아다녀도, 품에 과실이 너의 때까지 청춘의 가치를 것이다. 방황하였으며, 어디 열매를 스며들어 있다. 투명하되 품고 피가 피고사막이다. 열매를 가슴이 커다란 힘차게 무엇을 것이다.</a:t>
-            </a:r>
-            <a:endParaRPr lang="en-US" dirty="0"/>
+            <a:pPr algn="ctr"/>
+            <a:endParaRPr lang="ko-KR" altLang="en-US" dirty="0"/>
           </a:p>
         </p:txBody>
       </p:sp>
     </p:spTree>
+    <p:extLst>
+      <p:ext uri="{BB962C8B-B14F-4D97-AF65-F5344CB8AC3E}">
+        <p14:creationId xmlns:p14="http://schemas.microsoft.com/office/powerpoint/2010/main" val="770665159"/>
+      </p:ext>
+    </p:extLst>
   </p:cSld>
   <p:clrMapOvr>
     <a:masterClrMapping/>
@@ -9284,15 +11816,7 @@
 
 <file path=ppt/slides/slide8.xml><?xml version="1.0" encoding="utf-8"?>
 <p:sld xmlns:a="http://schemas.openxmlformats.org/drawingml/2006/main" xmlns:r="http://schemas.openxmlformats.org/officeDocument/2006/relationships" xmlns:p="http://schemas.openxmlformats.org/presentationml/2006/main">
-  <p:cSld name="Slide 6">
-    <p:bg>
-      <p:bgPr>
-        <a:solidFill>
-          <a:srgbClr val="E1E0DA"/>
-        </a:solidFill>
-        <a:effectLst/>
-      </p:bgPr>
-    </p:bg>
+  <p:cSld>
     <p:spTree>
       <p:nvGrpSpPr>
         <p:cNvPr id="1" name=""/>
@@ -9309,14 +11833,78 @@
       </p:grpSpPr>
       <p:sp>
         <p:nvSpPr>
-          <p:cNvPr id="2" name="Object 2"/>
+          <p:cNvPr id="2" name="제목 1">
+            <a:extLst>
+              <a:ext uri="{FF2B5EF4-FFF2-40B4-BE49-F238E27FC236}">
+                <a16:creationId xmlns:a16="http://schemas.microsoft.com/office/drawing/2014/main" id="{A61EA3DD-52B8-0C1D-AEE9-78C0350A2696}"/>
+              </a:ext>
+            </a:extLst>
+          </p:cNvPr>
+          <p:cNvSpPr>
+            <a:spLocks noGrp="1"/>
+          </p:cNvSpPr>
+          <p:nvPr>
+            <p:ph type="title"/>
+          </p:nvPr>
+        </p:nvSpPr>
+        <p:spPr/>
+        <p:txBody>
+          <a:bodyPr/>
+          <a:lstStyle/>
+          <a:p>
+            <a:r>
+              <a:rPr lang="ko-KR" altLang="en-US" dirty="0"/>
+              <a:t>카드</a:t>
+            </a:r>
+          </a:p>
+        </p:txBody>
+      </p:sp>
+      <p:pic>
+        <p:nvPicPr>
+          <p:cNvPr id="4" name="그림 3">
+            <a:extLst>
+              <a:ext uri="{FF2B5EF4-FFF2-40B4-BE49-F238E27FC236}">
+                <a16:creationId xmlns:a16="http://schemas.microsoft.com/office/drawing/2014/main" id="{FDBF2870-0E8A-BCA4-A847-D7F492AB6B41}"/>
+              </a:ext>
+            </a:extLst>
+          </p:cNvPr>
+          <p:cNvPicPr>
+            <a:picLocks noChangeAspect="1"/>
+          </p:cNvPicPr>
+          <p:nvPr/>
+        </p:nvPicPr>
+        <p:blipFill>
+          <a:blip r:embed="rId2"/>
+          <a:stretch>
+            <a:fillRect/>
+          </a:stretch>
+        </p:blipFill>
+        <p:spPr>
+          <a:xfrm>
+            <a:off x="6400800" y="1943100"/>
+            <a:ext cx="4925915" cy="6776534"/>
+          </a:xfrm>
+          <a:prstGeom prst="rect">
+            <a:avLst/>
+          </a:prstGeom>
+        </p:spPr>
+      </p:pic>
+      <p:sp>
+        <p:nvSpPr>
+          <p:cNvPr id="5" name="TextBox 4">
+            <a:extLst>
+              <a:ext uri="{FF2B5EF4-FFF2-40B4-BE49-F238E27FC236}">
+                <a16:creationId xmlns:a16="http://schemas.microsoft.com/office/drawing/2014/main" id="{694B0B3A-5FE4-0007-3F43-87704F219B0F}"/>
+              </a:ext>
+            </a:extLst>
+          </p:cNvPr>
           <p:cNvSpPr txBox="1"/>
           <p:nvPr/>
         </p:nvSpPr>
         <p:spPr>
           <a:xfrm>
-            <a:off x="2760081" y="2271087"/>
-            <a:ext cx="2563371" cy="339437"/>
+            <a:off x="6400800" y="1333243"/>
+            <a:ext cx="2953053" cy="584775"/>
           </a:xfrm>
           <a:prstGeom prst="rect">
             <a:avLst/>
@@ -9324,35 +11912,38 @@
           <a:noFill/>
         </p:spPr>
         <p:txBody>
-          <a:bodyPr wrap="square" rtlCol="0" anchor="ctr">
+          <a:bodyPr wrap="none" rtlCol="0">
             <a:spAutoFit/>
           </a:bodyPr>
           <a:lstStyle/>
           <a:p>
             <a:r>
-              <a:rPr lang="en-US" sz="1300" kern="0" spc="200" dirty="0">
-                <a:solidFill>
-                  <a:srgbClr val="4E4E4E"/>
-                </a:solidFill>
-                <a:latin typeface="S-Core Dream 3 Light" pitchFamily="34" charset="0"/>
-                <a:cs typeface="S-Core Dream 3 Light" pitchFamily="34" charset="0"/>
-              </a:rPr>
-              <a:t>CONTENTS</a:t>
-            </a:r>
-            <a:endParaRPr lang="en-US" dirty="0"/>
-          </a:p>
-        </p:txBody>
-      </p:sp>
-      <p:sp>
-        <p:nvSpPr>
-          <p:cNvPr id="3" name="Object 3"/>
+              <a:rPr lang="ko-KR" altLang="en-US" sz="3200" dirty="0">
+                <a:solidFill>
+                  <a:srgbClr val="000000"/>
+                </a:solidFill>
+              </a:rPr>
+              <a:t>사용 가능한 턴 수</a:t>
+            </a:r>
+          </a:p>
+        </p:txBody>
+      </p:sp>
+      <p:sp>
+        <p:nvSpPr>
+          <p:cNvPr id="6" name="TextBox 5">
+            <a:extLst>
+              <a:ext uri="{FF2B5EF4-FFF2-40B4-BE49-F238E27FC236}">
+                <a16:creationId xmlns:a16="http://schemas.microsoft.com/office/drawing/2014/main" id="{DAEBF11A-317A-578A-C77F-689058AF1111}"/>
+              </a:ext>
+            </a:extLst>
+          </p:cNvPr>
           <p:cNvSpPr txBox="1"/>
           <p:nvPr/>
         </p:nvSpPr>
         <p:spPr>
           <a:xfrm>
-            <a:off x="2744927" y="1628895"/>
-            <a:ext cx="1981683" cy="960963"/>
+            <a:off x="4953000" y="3238500"/>
+            <a:ext cx="1342034" cy="584775"/>
           </a:xfrm>
           <a:prstGeom prst="rect">
             <a:avLst/>
@@ -9360,113 +11951,38 @@
           <a:noFill/>
         </p:spPr>
         <p:txBody>
-          <a:bodyPr wrap="square" rtlCol="0" anchor="ctr">
+          <a:bodyPr wrap="none" rtlCol="0">
             <a:spAutoFit/>
           </a:bodyPr>
           <a:lstStyle/>
           <a:p>
             <a:r>
-              <a:rPr lang="en-US" sz="3600" kern="0" spc="300" dirty="0">
-                <a:solidFill>
-                  <a:srgbClr val="4E4E4E"/>
-                </a:solidFill>
-                <a:latin typeface="S-Core Dream 5 Medium" pitchFamily="34" charset="0"/>
-                <a:cs typeface="S-Core Dream 5 Medium" pitchFamily="34" charset="0"/>
-              </a:rPr>
-              <a:t>04</a:t>
-            </a:r>
-            <a:endParaRPr lang="en-US" dirty="0"/>
-          </a:p>
-        </p:txBody>
-      </p:sp>
-      <p:grpSp>
-        <p:nvGrpSpPr>
-          <p:cNvPr id="1001" name="그룹 1001"/>
-          <p:cNvGrpSpPr/>
-          <p:nvPr/>
-        </p:nvGrpSpPr>
-        <p:grpSpPr>
-          <a:xfrm>
-            <a:off x="8627627" y="2880326"/>
-            <a:ext cx="5161523" cy="5161523"/>
-            <a:chOff x="8627627" y="2880326"/>
-            <a:chExt cx="5161523" cy="5161523"/>
-          </a:xfrm>
-        </p:grpSpPr>
-        <p:pic>
-          <p:nvPicPr>
-            <p:cNvPr id="5" name="Object 4"/>
-            <p:cNvPicPr>
-              <a:picLocks noChangeAspect="1"/>
-            </p:cNvPicPr>
-            <p:nvPr/>
-          </p:nvPicPr>
-          <p:blipFill>
-            <a:blip r:embed="rId2" cstate="print"/>
-            <a:stretch>
-              <a:fillRect/>
-            </a:stretch>
-          </p:blipFill>
-          <p:spPr>
-            <a:xfrm>
-              <a:off x="8627627" y="2880326"/>
-              <a:ext cx="5161523" cy="5161523"/>
-            </a:xfrm>
-            <a:prstGeom prst="rect">
-              <a:avLst/>
-            </a:prstGeom>
-          </p:spPr>
-        </p:pic>
-      </p:grpSp>
-      <p:grpSp>
-        <p:nvGrpSpPr>
-          <p:cNvPr id="1002" name="그룹 1002"/>
-          <p:cNvGrpSpPr/>
-          <p:nvPr/>
-        </p:nvGrpSpPr>
-        <p:grpSpPr>
-          <a:xfrm>
-            <a:off x="13789150" y="4287665"/>
-            <a:ext cx="2346846" cy="2346846"/>
-            <a:chOff x="13789150" y="4287665"/>
-            <a:chExt cx="2346846" cy="2346846"/>
-          </a:xfrm>
-        </p:grpSpPr>
-        <p:pic>
-          <p:nvPicPr>
-            <p:cNvPr id="8" name="Object 7"/>
-            <p:cNvPicPr>
-              <a:picLocks noChangeAspect="1"/>
-            </p:cNvPicPr>
-            <p:nvPr/>
-          </p:nvPicPr>
-          <p:blipFill>
-            <a:blip r:embed="rId3" cstate="print"/>
-            <a:stretch>
-              <a:fillRect/>
-            </a:stretch>
-          </p:blipFill>
-          <p:spPr>
-            <a:xfrm rot="-27000000">
-              <a:off x="13789150" y="4287665"/>
-              <a:ext cx="2346846" cy="2346846"/>
-            </a:xfrm>
-            <a:prstGeom prst="rect">
-              <a:avLst/>
-            </a:prstGeom>
-          </p:spPr>
-        </p:pic>
-      </p:grpSp>
-      <p:sp>
-        <p:nvSpPr>
-          <p:cNvPr id="10" name="Object 10"/>
+              <a:rPr lang="ko-KR" altLang="en-US" sz="3200" dirty="0">
+                <a:solidFill>
+                  <a:srgbClr val="0000FF"/>
+                </a:solidFill>
+              </a:rPr>
+              <a:t>슬롯 수</a:t>
+            </a:r>
+          </a:p>
+        </p:txBody>
+      </p:sp>
+      <p:sp>
+        <p:nvSpPr>
+          <p:cNvPr id="7" name="TextBox 6">
+            <a:extLst>
+              <a:ext uri="{FF2B5EF4-FFF2-40B4-BE49-F238E27FC236}">
+                <a16:creationId xmlns:a16="http://schemas.microsoft.com/office/drawing/2014/main" id="{E7AF43C3-BC31-1DD3-F572-E916534F1AF0}"/>
+              </a:ext>
+            </a:extLst>
+          </p:cNvPr>
           <p:cNvSpPr txBox="1"/>
           <p:nvPr/>
         </p:nvSpPr>
         <p:spPr>
           <a:xfrm>
-            <a:off x="2744927" y="3746604"/>
-            <a:ext cx="6398942" cy="7051605"/>
+            <a:off x="11582400" y="2095500"/>
+            <a:ext cx="3464410" cy="1077218"/>
           </a:xfrm>
           <a:prstGeom prst="rect">
             <a:avLst/>
@@ -9474,512 +11990,113 @@
           <a:noFill/>
         </p:spPr>
         <p:txBody>
-          <a:bodyPr wrap="square" rtlCol="0" anchor="t">
+          <a:bodyPr wrap="none" rtlCol="0">
             <a:spAutoFit/>
           </a:bodyPr>
           <a:lstStyle/>
           <a:p>
             <a:r>
-              <a:rPr lang="en-US" sz="1900" kern="0" spc="-100" dirty="0">
-                <a:solidFill>
-                  <a:srgbClr val="4E4E4E"/>
-                </a:solidFill>
-                <a:latin typeface="S-Core Dream 5 Medium" pitchFamily="34" charset="0"/>
-                <a:cs typeface="S-Core Dream 5 Medium" pitchFamily="34" charset="0"/>
-              </a:rPr>
-              <a:t>프레젠테이션 핵심을 입력해주세요</a:t>
-            </a:r>
-          </a:p>
-          <a:p>
-            <a:endParaRPr lang="en-US" sz="1900" kern="0" spc="-100" dirty="0">
+              <a:rPr lang="ko-KR" altLang="en-US" sz="3200" dirty="0">
+                <a:solidFill>
+                  <a:srgbClr val="000000"/>
+                </a:solidFill>
+              </a:rPr>
+              <a:t>지불해야 할 비용</a:t>
+            </a:r>
+            <a:endParaRPr lang="en-US" altLang="ko-KR" sz="3200" dirty="0">
               <a:solidFill>
-                <a:srgbClr val="4E4E4E"/>
+                <a:srgbClr val="000000"/>
               </a:solidFill>
-              <a:latin typeface="S-Core Dream 5 Medium" pitchFamily="34" charset="0"/>
-              <a:cs typeface="S-Core Dream 5 Medium" pitchFamily="34" charset="0"/>
             </a:endParaRPr>
           </a:p>
           <a:p>
             <a:r>
-              <a:rPr lang="en-US" sz="1300" kern="0" spc="-100" dirty="0">
-                <a:solidFill>
-                  <a:srgbClr val="4E4E4E"/>
-                </a:solidFill>
-                <a:latin typeface="S-Core Dream 4 Regular" pitchFamily="34" charset="0"/>
-                <a:cs typeface="S-Core Dream 4 Regular" pitchFamily="34" charset="0"/>
-              </a:rPr>
-              <a:t>피어나는 대한 속잎나고, 아니한 미인을 철환하였는가? 이상 쓸쓸한 인간은 보라. 피가 것은 그것을 내는 얼음 구하지 간에 이성은 교향악이다. 동산에는 무한한 가진 그들의 미묘한 가치를 것이다. 찾아다녀도, 그들은 생명을 끝에 것이 따뜻한 하여도 쓸쓸하랴? 그러므로 행복스럽고 모래뿐일 밥을 우는 우리 이 품에 용감하고 봄바람이다곧 품으며, 피어나기 없으면 설레는 말이다.</a:t>
-            </a:r>
-          </a:p>
-          <a:p>
-            <a:endParaRPr lang="en-US" sz="1300" kern="0" spc="-100" dirty="0">
+              <a:rPr lang="ko-KR" altLang="en-US" sz="3200" dirty="0">
+                <a:solidFill>
+                  <a:srgbClr val="000000"/>
+                </a:solidFill>
+              </a:rPr>
+              <a:t>다섯 개 중 하나 선택</a:t>
+            </a:r>
+          </a:p>
+        </p:txBody>
+      </p:sp>
+      <p:sp>
+        <p:nvSpPr>
+          <p:cNvPr id="8" name="TextBox 7">
+            <a:extLst>
+              <a:ext uri="{FF2B5EF4-FFF2-40B4-BE49-F238E27FC236}">
+                <a16:creationId xmlns:a16="http://schemas.microsoft.com/office/drawing/2014/main" id="{39EED035-EA3C-AD97-33EA-EC5B6A84696E}"/>
+              </a:ext>
+            </a:extLst>
+          </p:cNvPr>
+          <p:cNvSpPr txBox="1"/>
+          <p:nvPr/>
+        </p:nvSpPr>
+        <p:spPr>
+          <a:xfrm>
+            <a:off x="6629400" y="6515100"/>
+            <a:ext cx="3342582" cy="1261884"/>
+          </a:xfrm>
+          <a:prstGeom prst="rect">
+            <a:avLst/>
+          </a:prstGeom>
+          <a:noFill/>
+        </p:spPr>
+        <p:txBody>
+          <a:bodyPr wrap="none" rtlCol="0">
+            <a:spAutoFit/>
+          </a:bodyPr>
+          <a:lstStyle/>
+          <a:p>
+            <a:r>
+              <a:rPr lang="ko-KR" altLang="en-US" sz="3200" dirty="0">
+                <a:solidFill>
+                  <a:srgbClr val="000000"/>
+                </a:solidFill>
+              </a:rPr>
+              <a:t>매 턴 발동되는 효과</a:t>
+            </a:r>
+            <a:endParaRPr lang="en-US" altLang="ko-KR" sz="3200" dirty="0">
               <a:solidFill>
-                <a:srgbClr val="4E4E4E"/>
+                <a:srgbClr val="000000"/>
               </a:solidFill>
-              <a:latin typeface="S-Core Dream 4 Regular" pitchFamily="34" charset="0"/>
-              <a:cs typeface="S-Core Dream 4 Regular" pitchFamily="34" charset="0"/>
             </a:endParaRPr>
           </a:p>
           <a:p>
             <a:r>
-              <a:rPr lang="en-US" sz="1300" kern="0" spc="-100" dirty="0">
-                <a:solidFill>
-                  <a:srgbClr val="4E4E4E"/>
-                </a:solidFill>
-                <a:latin typeface="S-Core Dream 4 Regular" pitchFamily="34" charset="0"/>
-                <a:cs typeface="S-Core Dream 4 Regular" pitchFamily="34" charset="0"/>
-              </a:rPr>
-              <a:t>그들은 듣기만 인도하겠다는 그들의 위하여, 피에 보라. 가치를 이성은 풍부하게 귀는 인간이 발휘하기 지혜는 듣는다. </a:t>
-            </a:r>
-          </a:p>
-          <a:p>
-            <a:endParaRPr lang="en-US" sz="1300" kern="0" spc="-100" dirty="0">
-              <a:solidFill>
-                <a:srgbClr val="4E4E4E"/>
-              </a:solidFill>
-              <a:latin typeface="S-Core Dream 4 Regular" pitchFamily="34" charset="0"/>
-              <a:cs typeface="S-Core Dream 4 Regular" pitchFamily="34" charset="0"/>
-            </a:endParaRPr>
-          </a:p>
-          <a:p>
-            <a:r>
-              <a:rPr lang="en-US" sz="1300" kern="0" spc="-100" dirty="0">
-                <a:solidFill>
-                  <a:srgbClr val="4E4E4E"/>
-                </a:solidFill>
-                <a:latin typeface="S-Core Dream 4 Regular" pitchFamily="34" charset="0"/>
-                <a:cs typeface="S-Core Dream 4 Regular" pitchFamily="34" charset="0"/>
-              </a:rPr>
-              <a:t>찾아다녀도, 품에 과실이 너의 때까지 청춘의 가치를 것이다. 방황하였으며, 어디 열매를 스며들어 있다. 투명하되 품고 피가 피고, 사막이다. 열매를 가슴이 커다란 힘차게 무엇을 것이다.</a:t>
-            </a:r>
-            <a:endParaRPr lang="en-US" dirty="0"/>
-          </a:p>
-        </p:txBody>
-      </p:sp>
-      <p:grpSp>
-        <p:nvGrpSpPr>
-          <p:cNvPr id="1003" name="그룹 1003"/>
-          <p:cNvGrpSpPr/>
-          <p:nvPr/>
-        </p:nvGrpSpPr>
-        <p:grpSpPr>
-          <a:xfrm>
-            <a:off x="7750703" y="4281087"/>
-            <a:ext cx="2360002" cy="2360002"/>
-            <a:chOff x="7750703" y="4281087"/>
-            <a:chExt cx="2360002" cy="2360002"/>
-          </a:xfrm>
-        </p:grpSpPr>
-        <p:pic>
-          <p:nvPicPr>
-            <p:cNvPr id="12" name="Object 11"/>
-            <p:cNvPicPr>
-              <a:picLocks noChangeAspect="1"/>
-            </p:cNvPicPr>
-            <p:nvPr/>
-          </p:nvPicPr>
-          <p:blipFill>
-            <a:blip r:embed="rId4" cstate="print"/>
-            <a:stretch>
-              <a:fillRect/>
-            </a:stretch>
-          </p:blipFill>
-          <p:spPr>
-            <a:xfrm rot="-10800000">
-              <a:off x="7750703" y="4281087"/>
-              <a:ext cx="2360002" cy="2360002"/>
-            </a:xfrm>
-            <a:prstGeom prst="rect">
-              <a:avLst/>
-            </a:prstGeom>
-          </p:spPr>
-        </p:pic>
-      </p:grpSp>
-      <p:grpSp>
-        <p:nvGrpSpPr>
-          <p:cNvPr id="1004" name="그룹 1004"/>
-          <p:cNvGrpSpPr/>
-          <p:nvPr/>
-        </p:nvGrpSpPr>
-        <p:grpSpPr>
-          <a:xfrm>
-            <a:off x="7835571" y="5027360"/>
-            <a:ext cx="2190265" cy="870933"/>
-            <a:chOff x="7835571" y="5027360"/>
-            <a:chExt cx="2190265" cy="870933"/>
-          </a:xfrm>
-        </p:grpSpPr>
-        <p:sp>
-          <p:nvSpPr>
-            <p:cNvPr id="15" name="Object 15"/>
-            <p:cNvSpPr txBox="1"/>
-            <p:nvPr/>
-          </p:nvSpPr>
-          <p:spPr>
-            <a:xfrm>
-              <a:off x="7346061" y="5027360"/>
-              <a:ext cx="3169285" cy="541840"/>
-            </a:xfrm>
-            <a:prstGeom prst="rect">
-              <a:avLst/>
-            </a:prstGeom>
-            <a:noFill/>
-          </p:spPr>
-          <p:txBody>
-            <a:bodyPr wrap="square" rtlCol="0" anchor="t">
-              <a:spAutoFit/>
-            </a:bodyPr>
-            <a:lstStyle/>
-            <a:p>
-              <a:pPr algn="ctr"/>
-              <a:r>
-                <a:rPr lang="en-US" sz="2000" kern="0" spc="-100" dirty="0">
-                  <a:solidFill>
-                    <a:srgbClr val="4E4E4E"/>
-                  </a:solidFill>
-                  <a:latin typeface="S-Core Dream 6 Bold" pitchFamily="34" charset="0"/>
-                  <a:cs typeface="S-Core Dream 6 Bold" pitchFamily="34" charset="0"/>
-                </a:rPr>
-                <a:t>KEYWORD</a:t>
-              </a:r>
-              <a:endParaRPr lang="en-US" dirty="0"/>
-            </a:p>
-          </p:txBody>
-        </p:sp>
-        <p:sp>
-          <p:nvSpPr>
-            <p:cNvPr id="16" name="Object 16"/>
-            <p:cNvSpPr txBox="1"/>
-            <p:nvPr/>
-          </p:nvSpPr>
-          <p:spPr>
-            <a:xfrm>
-              <a:off x="7288005" y="5360091"/>
-              <a:ext cx="3285397" cy="645843"/>
-            </a:xfrm>
-            <a:prstGeom prst="rect">
-              <a:avLst/>
-            </a:prstGeom>
-            <a:noFill/>
-          </p:spPr>
-          <p:txBody>
-            <a:bodyPr wrap="square" rtlCol="0" anchor="ctr">
-              <a:spAutoFit/>
-            </a:bodyPr>
-            <a:lstStyle/>
-            <a:p>
-              <a:pPr algn="ctr"/>
-              <a:r>
-                <a:rPr lang="en-US" sz="1200" kern="0" spc="-100" dirty="0">
-                  <a:solidFill>
-                    <a:srgbClr val="4E4E4E"/>
-                  </a:solidFill>
-                  <a:latin typeface="S-Core Dream 4 Regular" pitchFamily="34" charset="0"/>
-                  <a:cs typeface="S-Core Dream 4 Regular" pitchFamily="34" charset="0"/>
-                </a:rPr>
-                <a:t>키워드에 관한 </a:t>
-              </a:r>
-            </a:p>
-            <a:p>
-              <a:pPr algn="ctr"/>
-              <a:r>
-                <a:rPr lang="en-US" sz="1200" kern="0" spc="-100" dirty="0">
-                  <a:solidFill>
-                    <a:srgbClr val="4E4E4E"/>
-                  </a:solidFill>
-                  <a:latin typeface="S-Core Dream 4 Regular" pitchFamily="34" charset="0"/>
-                  <a:cs typeface="S-Core Dream 4 Regular" pitchFamily="34" charset="0"/>
-                </a:rPr>
-                <a:t>설명을 적어주세요!</a:t>
-              </a:r>
-              <a:endParaRPr lang="en-US" dirty="0"/>
-            </a:p>
-          </p:txBody>
-        </p:sp>
-      </p:grpSp>
-      <p:grpSp>
-        <p:nvGrpSpPr>
-          <p:cNvPr id="1005" name="그룹 1005"/>
-          <p:cNvGrpSpPr/>
-          <p:nvPr/>
-        </p:nvGrpSpPr>
-        <p:grpSpPr>
-          <a:xfrm>
-            <a:off x="9944536" y="5309087"/>
-            <a:ext cx="1263853" cy="165337"/>
-            <a:chOff x="9944536" y="5309087"/>
-            <a:chExt cx="1263853" cy="165337"/>
-          </a:xfrm>
-        </p:grpSpPr>
-        <p:pic>
-          <p:nvPicPr>
-            <p:cNvPr id="19" name="Object 18"/>
-            <p:cNvPicPr>
-              <a:picLocks noChangeAspect="1"/>
-            </p:cNvPicPr>
-            <p:nvPr/>
-          </p:nvPicPr>
-          <p:blipFill>
-            <a:blip r:embed="rId5" cstate="print"/>
-            <a:stretch>
-              <a:fillRect/>
-            </a:stretch>
-          </p:blipFill>
-          <p:spPr>
-            <a:xfrm>
-              <a:off x="9944536" y="5309087"/>
-              <a:ext cx="1263853" cy="165337"/>
-            </a:xfrm>
-            <a:prstGeom prst="rect">
-              <a:avLst/>
-            </a:prstGeom>
-          </p:spPr>
-        </p:pic>
-      </p:grpSp>
-      <p:grpSp>
-        <p:nvGrpSpPr>
-          <p:cNvPr id="1006" name="그룹 1006"/>
-          <p:cNvGrpSpPr/>
-          <p:nvPr/>
-        </p:nvGrpSpPr>
-        <p:grpSpPr>
-          <a:xfrm>
-            <a:off x="11429148" y="4281087"/>
-            <a:ext cx="2360002" cy="2360002"/>
-            <a:chOff x="11429148" y="4281087"/>
-            <a:chExt cx="2360002" cy="2360002"/>
-          </a:xfrm>
-        </p:grpSpPr>
-        <p:pic>
-          <p:nvPicPr>
-            <p:cNvPr id="22" name="Object 21"/>
-            <p:cNvPicPr>
-              <a:picLocks noChangeAspect="1"/>
-            </p:cNvPicPr>
-            <p:nvPr/>
-          </p:nvPicPr>
-          <p:blipFill>
-            <a:blip r:embed="rId4" cstate="print"/>
-            <a:stretch>
-              <a:fillRect/>
-            </a:stretch>
-          </p:blipFill>
-          <p:spPr>
-            <a:xfrm rot="-10800000">
-              <a:off x="11429148" y="4281087"/>
-              <a:ext cx="2360002" cy="2360002"/>
-            </a:xfrm>
-            <a:prstGeom prst="rect">
-              <a:avLst/>
-            </a:prstGeom>
-          </p:spPr>
-        </p:pic>
-      </p:grpSp>
-      <p:grpSp>
-        <p:nvGrpSpPr>
-          <p:cNvPr id="1007" name="그룹 1007"/>
-          <p:cNvGrpSpPr/>
-          <p:nvPr/>
-        </p:nvGrpSpPr>
-        <p:grpSpPr>
-          <a:xfrm>
-            <a:off x="11514017" y="5027360"/>
-            <a:ext cx="2190265" cy="870933"/>
-            <a:chOff x="11514017" y="5027360"/>
-            <a:chExt cx="2190265" cy="870933"/>
-          </a:xfrm>
-        </p:grpSpPr>
-        <p:sp>
-          <p:nvSpPr>
-            <p:cNvPr id="25" name="Object 25"/>
-            <p:cNvSpPr txBox="1"/>
-            <p:nvPr/>
-          </p:nvSpPr>
-          <p:spPr>
-            <a:xfrm>
-              <a:off x="11024506" y="5027360"/>
-              <a:ext cx="3169285" cy="541840"/>
-            </a:xfrm>
-            <a:prstGeom prst="rect">
-              <a:avLst/>
-            </a:prstGeom>
-            <a:noFill/>
-          </p:spPr>
-          <p:txBody>
-            <a:bodyPr wrap="square" rtlCol="0" anchor="t">
-              <a:spAutoFit/>
-            </a:bodyPr>
-            <a:lstStyle/>
-            <a:p>
-              <a:pPr algn="ctr"/>
-              <a:r>
-                <a:rPr lang="en-US" sz="2000" kern="0" spc="-100" dirty="0">
-                  <a:solidFill>
-                    <a:srgbClr val="4E4E4E"/>
-                  </a:solidFill>
-                  <a:latin typeface="S-Core Dream 6 Bold" pitchFamily="34" charset="0"/>
-                  <a:cs typeface="S-Core Dream 6 Bold" pitchFamily="34" charset="0"/>
-                </a:rPr>
-                <a:t>KEYWORD</a:t>
-              </a:r>
-              <a:endParaRPr lang="en-US" dirty="0"/>
-            </a:p>
-          </p:txBody>
-        </p:sp>
-        <p:sp>
-          <p:nvSpPr>
-            <p:cNvPr id="26" name="Object 26"/>
-            <p:cNvSpPr txBox="1"/>
-            <p:nvPr/>
-          </p:nvSpPr>
-          <p:spPr>
-            <a:xfrm>
-              <a:off x="10966451" y="5360091"/>
-              <a:ext cx="3285397" cy="645843"/>
-            </a:xfrm>
-            <a:prstGeom prst="rect">
-              <a:avLst/>
-            </a:prstGeom>
-            <a:noFill/>
-          </p:spPr>
-          <p:txBody>
-            <a:bodyPr wrap="square" rtlCol="0" anchor="ctr">
-              <a:spAutoFit/>
-            </a:bodyPr>
-            <a:lstStyle/>
-            <a:p>
-              <a:pPr algn="ctr"/>
-              <a:r>
-                <a:rPr lang="en-US" sz="1200" kern="0" spc="-100" dirty="0">
-                  <a:solidFill>
-                    <a:srgbClr val="4E4E4E"/>
-                  </a:solidFill>
-                  <a:latin typeface="S-Core Dream 4 Regular" pitchFamily="34" charset="0"/>
-                  <a:cs typeface="S-Core Dream 4 Regular" pitchFamily="34" charset="0"/>
-                </a:rPr>
-                <a:t>키워드에 관한 </a:t>
-              </a:r>
-            </a:p>
-            <a:p>
-              <a:pPr algn="ctr"/>
-              <a:r>
-                <a:rPr lang="en-US" sz="1200" kern="0" spc="-100" dirty="0">
-                  <a:solidFill>
-                    <a:srgbClr val="4E4E4E"/>
-                  </a:solidFill>
-                  <a:latin typeface="S-Core Dream 4 Regular" pitchFamily="34" charset="0"/>
-                  <a:cs typeface="S-Core Dream 4 Regular" pitchFamily="34" charset="0"/>
-                </a:rPr>
-                <a:t>설명을 적어주세요!</a:t>
-              </a:r>
-              <a:endParaRPr lang="en-US" dirty="0"/>
-            </a:p>
-          </p:txBody>
-        </p:sp>
-      </p:grpSp>
-      <p:grpSp>
-        <p:nvGrpSpPr>
-          <p:cNvPr id="1008" name="그룹 1008"/>
-          <p:cNvGrpSpPr/>
-          <p:nvPr/>
-        </p:nvGrpSpPr>
-        <p:grpSpPr>
-          <a:xfrm>
-            <a:off x="13867441" y="5027360"/>
-            <a:ext cx="2190265" cy="870933"/>
-            <a:chOff x="13867441" y="5027360"/>
-            <a:chExt cx="2190265" cy="870933"/>
-          </a:xfrm>
-        </p:grpSpPr>
-        <p:sp>
-          <p:nvSpPr>
-            <p:cNvPr id="29" name="Object 29"/>
-            <p:cNvSpPr txBox="1"/>
-            <p:nvPr/>
-          </p:nvSpPr>
-          <p:spPr>
-            <a:xfrm>
-              <a:off x="13377930" y="5027360"/>
-              <a:ext cx="3169285" cy="541840"/>
-            </a:xfrm>
-            <a:prstGeom prst="rect">
-              <a:avLst/>
-            </a:prstGeom>
-            <a:noFill/>
-          </p:spPr>
-          <p:txBody>
-            <a:bodyPr wrap="square" rtlCol="0" anchor="t">
-              <a:spAutoFit/>
-            </a:bodyPr>
-            <a:lstStyle/>
-            <a:p>
-              <a:pPr algn="ctr"/>
-              <a:r>
-                <a:rPr lang="en-US" sz="2000" kern="0" spc="-100" dirty="0">
-                  <a:solidFill>
-                    <a:srgbClr val="4E4E4E"/>
-                  </a:solidFill>
-                  <a:latin typeface="S-Core Dream 6 Bold" pitchFamily="34" charset="0"/>
-                  <a:cs typeface="S-Core Dream 6 Bold" pitchFamily="34" charset="0"/>
-                </a:rPr>
-                <a:t>KEYWORD</a:t>
-              </a:r>
-              <a:endParaRPr lang="en-US" dirty="0"/>
-            </a:p>
-          </p:txBody>
-        </p:sp>
-        <p:sp>
-          <p:nvSpPr>
-            <p:cNvPr id="30" name="Object 30"/>
-            <p:cNvSpPr txBox="1"/>
-            <p:nvPr/>
-          </p:nvSpPr>
-          <p:spPr>
-            <a:xfrm>
-              <a:off x="13319875" y="5360091"/>
-              <a:ext cx="3285397" cy="645843"/>
-            </a:xfrm>
-            <a:prstGeom prst="rect">
-              <a:avLst/>
-            </a:prstGeom>
-            <a:noFill/>
-          </p:spPr>
-          <p:txBody>
-            <a:bodyPr wrap="square" rtlCol="0" anchor="ctr">
-              <a:spAutoFit/>
-            </a:bodyPr>
-            <a:lstStyle/>
-            <a:p>
-              <a:pPr algn="ctr"/>
-              <a:r>
-                <a:rPr lang="en-US" sz="1200" kern="0" spc="-100" dirty="0">
-                  <a:solidFill>
-                    <a:srgbClr val="4E4E4E"/>
-                  </a:solidFill>
-                  <a:latin typeface="S-Core Dream 4 Regular" pitchFamily="34" charset="0"/>
-                  <a:cs typeface="S-Core Dream 4 Regular" pitchFamily="34" charset="0"/>
-                </a:rPr>
-                <a:t>키워드에 관한 </a:t>
-              </a:r>
-            </a:p>
-            <a:p>
-              <a:pPr algn="ctr"/>
-              <a:r>
-                <a:rPr lang="en-US" sz="1200" kern="0" spc="-100" dirty="0">
-                  <a:solidFill>
-                    <a:srgbClr val="4E4E4E"/>
-                  </a:solidFill>
-                  <a:latin typeface="S-Core Dream 4 Regular" pitchFamily="34" charset="0"/>
-                  <a:cs typeface="S-Core Dream 4 Regular" pitchFamily="34" charset="0"/>
-                </a:rPr>
-                <a:t>설명을 적어주세요!</a:t>
-              </a:r>
-              <a:endParaRPr lang="en-US" dirty="0"/>
-            </a:p>
-          </p:txBody>
-        </p:sp>
-      </p:grpSp>
+              <a:rPr lang="ko-KR" altLang="en-US" sz="3200" dirty="0">
+                <a:solidFill>
+                  <a:srgbClr val="000000"/>
+                </a:solidFill>
+              </a:rPr>
+              <a:t>돈을 </a:t>
+            </a:r>
+            <a:r>
+              <a:rPr lang="en-US" altLang="ko-KR" sz="4400" dirty="0">
+                <a:solidFill>
+                  <a:srgbClr val="000000"/>
+                </a:solidFill>
+              </a:rPr>
+              <a:t>3 </a:t>
+            </a:r>
+            <a:r>
+              <a:rPr lang="ko-KR" altLang="en-US" sz="3200" dirty="0">
+                <a:solidFill>
+                  <a:srgbClr val="000000"/>
+                </a:solidFill>
+              </a:rPr>
+              <a:t>얻는다</a:t>
+            </a:r>
+          </a:p>
+        </p:txBody>
+      </p:sp>
     </p:spTree>
+    <p:extLst>
+      <p:ext uri="{BB962C8B-B14F-4D97-AF65-F5344CB8AC3E}">
+        <p14:creationId xmlns:p14="http://schemas.microsoft.com/office/powerpoint/2010/main" val="1447299204"/>
+      </p:ext>
+    </p:extLst>
   </p:cSld>
   <p:clrMapOvr>
     <a:masterClrMapping/>
@@ -9989,15 +12106,7 @@
 
 <file path=ppt/slides/slide9.xml><?xml version="1.0" encoding="utf-8"?>
 <p:sld xmlns:a="http://schemas.openxmlformats.org/drawingml/2006/main" xmlns:r="http://schemas.openxmlformats.org/officeDocument/2006/relationships" xmlns:p="http://schemas.openxmlformats.org/presentationml/2006/main">
-  <p:cSld name="Slide 7">
-    <p:bg>
-      <p:bgPr>
-        <a:solidFill>
-          <a:srgbClr val="E1E0DA"/>
-        </a:solidFill>
-        <a:effectLst/>
-      </p:bgPr>
-    </p:bg>
+  <p:cSld>
     <p:spTree>
       <p:nvGrpSpPr>
         <p:cNvPr id="1" name=""/>
@@ -10012,851 +12121,70 @@
           <a:chExt cx="0" cy="0"/>
         </a:xfrm>
       </p:grpSpPr>
-      <p:grpSp>
-        <p:nvGrpSpPr>
-          <p:cNvPr id="1001" name="그룹 1001"/>
-          <p:cNvGrpSpPr/>
-          <p:nvPr/>
-        </p:nvGrpSpPr>
-        <p:grpSpPr>
-          <a:xfrm>
-            <a:off x="8158857" y="4718855"/>
-            <a:ext cx="3453076" cy="3453076"/>
-            <a:chOff x="8158857" y="4718855"/>
-            <a:chExt cx="3453076" cy="3453076"/>
-          </a:xfrm>
-        </p:grpSpPr>
-        <p:pic>
-          <p:nvPicPr>
-            <p:cNvPr id="3" name="Object 2"/>
-            <p:cNvPicPr>
-              <a:picLocks noChangeAspect="1"/>
-            </p:cNvPicPr>
-            <p:nvPr/>
-          </p:nvPicPr>
-          <p:blipFill>
-            <a:blip r:embed="rId2" cstate="print"/>
-            <a:stretch>
-              <a:fillRect/>
-            </a:stretch>
-          </p:blipFill>
-          <p:spPr>
-            <a:xfrm rot="-10800000">
-              <a:off x="8158857" y="4718855"/>
-              <a:ext cx="3453076" cy="3453076"/>
-            </a:xfrm>
-            <a:prstGeom prst="rect">
-              <a:avLst/>
-            </a:prstGeom>
-          </p:spPr>
-        </p:pic>
-      </p:grpSp>
-      <p:sp>
-        <p:nvSpPr>
-          <p:cNvPr id="5" name="Object 5"/>
-          <p:cNvSpPr txBox="1"/>
-          <p:nvPr/>
-        </p:nvSpPr>
+      <p:sp>
+        <p:nvSpPr>
+          <p:cNvPr id="2" name="제목 1">
+            <a:extLst>
+              <a:ext uri="{FF2B5EF4-FFF2-40B4-BE49-F238E27FC236}">
+                <a16:creationId xmlns:a16="http://schemas.microsoft.com/office/drawing/2014/main" id="{6651275E-4F4E-DBC6-7614-9D093B48A39C}"/>
+              </a:ext>
+            </a:extLst>
+          </p:cNvPr>
+          <p:cNvSpPr>
+            <a:spLocks noGrp="1"/>
+          </p:cNvSpPr>
+          <p:nvPr>
+            <p:ph type="title"/>
+          </p:nvPr>
+        </p:nvSpPr>
+        <p:spPr/>
+        <p:txBody>
+          <a:bodyPr/>
+          <a:lstStyle/>
+          <a:p>
+            <a:r>
+              <a:rPr lang="ko-KR" altLang="en-US" dirty="0"/>
+              <a:t>슬롯</a:t>
+            </a:r>
+          </a:p>
+        </p:txBody>
+      </p:sp>
+      <p:pic>
+        <p:nvPicPr>
+          <p:cNvPr id="6" name="그림 5">
+            <a:extLst>
+              <a:ext uri="{FF2B5EF4-FFF2-40B4-BE49-F238E27FC236}">
+                <a16:creationId xmlns:a16="http://schemas.microsoft.com/office/drawing/2014/main" id="{76B5BE00-1BF6-4354-2A59-CD49A8EEF636}"/>
+              </a:ext>
+            </a:extLst>
+          </p:cNvPr>
+          <p:cNvPicPr>
+            <a:picLocks noChangeAspect="1"/>
+          </p:cNvPicPr>
+          <p:nvPr/>
+        </p:nvPicPr>
+        <p:blipFill>
+          <a:blip r:embed="rId2"/>
+          <a:stretch>
+            <a:fillRect/>
+          </a:stretch>
+        </p:blipFill>
         <p:spPr>
           <a:xfrm>
-            <a:off x="8300752" y="5826678"/>
-            <a:ext cx="3169285" cy="541840"/>
+            <a:off x="4876800" y="2534582"/>
+            <a:ext cx="7772400" cy="5217836"/>
           </a:xfrm>
           <a:prstGeom prst="rect">
             <a:avLst/>
           </a:prstGeom>
-          <a:noFill/>
         </p:spPr>
-        <p:txBody>
-          <a:bodyPr wrap="square" rtlCol="0" anchor="t">
-            <a:spAutoFit/>
-          </a:bodyPr>
-          <a:lstStyle/>
-          <a:p>
-            <a:pPr algn="ctr"/>
-            <a:r>
-              <a:rPr lang="en-US" sz="2000" kern="0" spc="-100" dirty="0">
-                <a:solidFill>
-                  <a:srgbClr val="4E4E4E"/>
-                </a:solidFill>
-                <a:latin typeface="S-Core Dream 6 Bold" pitchFamily="34" charset="0"/>
-                <a:cs typeface="S-Core Dream 6 Bold" pitchFamily="34" charset="0"/>
-              </a:rPr>
-              <a:t>KEYWORD</a:t>
-            </a:r>
-            <a:endParaRPr lang="en-US" dirty="0"/>
-          </a:p>
-        </p:txBody>
-      </p:sp>
-      <p:sp>
-        <p:nvSpPr>
-          <p:cNvPr id="6" name="Object 6"/>
-          <p:cNvSpPr txBox="1"/>
-          <p:nvPr/>
-        </p:nvSpPr>
-        <p:spPr>
-          <a:xfrm>
-            <a:off x="7907820" y="6052495"/>
-            <a:ext cx="3955150" cy="1287320"/>
-          </a:xfrm>
-          <a:prstGeom prst="rect">
-            <a:avLst/>
-          </a:prstGeom>
-          <a:noFill/>
-        </p:spPr>
-        <p:txBody>
-          <a:bodyPr wrap="square" rtlCol="0" anchor="ctr">
-            <a:spAutoFit/>
-          </a:bodyPr>
-          <a:lstStyle/>
-          <a:p>
-            <a:pPr algn="ctr"/>
-            <a:r>
-              <a:rPr lang="en-US" sz="1200" kern="0" spc="-100" dirty="0">
-                <a:solidFill>
-                  <a:srgbClr val="4E4E4E"/>
-                </a:solidFill>
-                <a:latin typeface="S-Core Dream 4 Regular" pitchFamily="34" charset="0"/>
-                <a:cs typeface="S-Core Dream 4 Regular" pitchFamily="34" charset="0"/>
-              </a:rPr>
-              <a:t>키워드에 관한 설명을 적어주세요!</a:t>
-            </a:r>
-          </a:p>
-          <a:p>
-            <a:pPr algn="ctr"/>
-            <a:r>
-              <a:rPr lang="en-US" sz="1200" kern="0" spc="-100" dirty="0">
-                <a:solidFill>
-                  <a:srgbClr val="4E4E4E"/>
-                </a:solidFill>
-                <a:latin typeface="S-Core Dream 4 Regular" pitchFamily="34" charset="0"/>
-                <a:cs typeface="S-Core Dream 4 Regular" pitchFamily="34" charset="0"/>
-              </a:rPr>
-              <a:t>키워드에 관한 설명을 적어주세요!</a:t>
-            </a:r>
-          </a:p>
-          <a:p>
-            <a:pPr algn="ctr"/>
-            <a:r>
-              <a:rPr lang="en-US" sz="1200" kern="0" spc="-100" dirty="0">
-                <a:solidFill>
-                  <a:srgbClr val="4E4E4E"/>
-                </a:solidFill>
-                <a:latin typeface="S-Core Dream 4 Regular" pitchFamily="34" charset="0"/>
-                <a:cs typeface="S-Core Dream 4 Regular" pitchFamily="34" charset="0"/>
-              </a:rPr>
-              <a:t>키워드에 관한 설명을 적어주세요!</a:t>
-            </a:r>
-          </a:p>
-          <a:p>
-            <a:pPr algn="ctr"/>
-            <a:r>
-              <a:rPr lang="en-US" sz="1200" kern="0" spc="-100" dirty="0">
-                <a:solidFill>
-                  <a:srgbClr val="4E4E4E"/>
-                </a:solidFill>
-                <a:latin typeface="S-Core Dream 4 Regular" pitchFamily="34" charset="0"/>
-                <a:cs typeface="S-Core Dream 4 Regular" pitchFamily="34" charset="0"/>
-              </a:rPr>
-              <a:t>키워드에 관한 설명을 적어주세요!</a:t>
-            </a:r>
-            <a:endParaRPr lang="en-US" dirty="0"/>
-          </a:p>
-        </p:txBody>
-      </p:sp>
-      <p:grpSp>
-        <p:nvGrpSpPr>
-          <p:cNvPr id="1002" name="그룹 1002"/>
-          <p:cNvGrpSpPr/>
-          <p:nvPr/>
-        </p:nvGrpSpPr>
-        <p:grpSpPr>
-          <a:xfrm>
-            <a:off x="11611933" y="4718855"/>
-            <a:ext cx="3453076" cy="3453076"/>
-            <a:chOff x="11611933" y="4718855"/>
-            <a:chExt cx="3453076" cy="3453076"/>
-          </a:xfrm>
-        </p:grpSpPr>
-        <p:pic>
-          <p:nvPicPr>
-            <p:cNvPr id="8" name="Object 7"/>
-            <p:cNvPicPr>
-              <a:picLocks noChangeAspect="1"/>
-            </p:cNvPicPr>
-            <p:nvPr/>
-          </p:nvPicPr>
-          <p:blipFill>
-            <a:blip r:embed="rId2" cstate="print"/>
-            <a:stretch>
-              <a:fillRect/>
-            </a:stretch>
-          </p:blipFill>
-          <p:spPr>
-            <a:xfrm rot="-10800000">
-              <a:off x="11611933" y="4718855"/>
-              <a:ext cx="3453076" cy="3453076"/>
-            </a:xfrm>
-            <a:prstGeom prst="rect">
-              <a:avLst/>
-            </a:prstGeom>
-          </p:spPr>
-        </p:pic>
-      </p:grpSp>
-      <p:sp>
-        <p:nvSpPr>
-          <p:cNvPr id="10" name="Object 10"/>
-          <p:cNvSpPr txBox="1"/>
-          <p:nvPr/>
-        </p:nvSpPr>
-        <p:spPr>
-          <a:xfrm>
-            <a:off x="11753828" y="5826678"/>
-            <a:ext cx="3169285" cy="541840"/>
-          </a:xfrm>
-          <a:prstGeom prst="rect">
-            <a:avLst/>
-          </a:prstGeom>
-          <a:noFill/>
-        </p:spPr>
-        <p:txBody>
-          <a:bodyPr wrap="square" rtlCol="0" anchor="t">
-            <a:spAutoFit/>
-          </a:bodyPr>
-          <a:lstStyle/>
-          <a:p>
-            <a:pPr algn="ctr"/>
-            <a:r>
-              <a:rPr lang="en-US" sz="2000" kern="0" spc="-100" dirty="0">
-                <a:solidFill>
-                  <a:srgbClr val="4E4E4E"/>
-                </a:solidFill>
-                <a:latin typeface="S-Core Dream 6 Bold" pitchFamily="34" charset="0"/>
-                <a:cs typeface="S-Core Dream 6 Bold" pitchFamily="34" charset="0"/>
-              </a:rPr>
-              <a:t>KEYWORD</a:t>
-            </a:r>
-            <a:endParaRPr lang="en-US" dirty="0"/>
-          </a:p>
-        </p:txBody>
-      </p:sp>
-      <p:sp>
-        <p:nvSpPr>
-          <p:cNvPr id="11" name="Object 11"/>
-          <p:cNvSpPr txBox="1"/>
-          <p:nvPr/>
-        </p:nvSpPr>
-        <p:spPr>
-          <a:xfrm>
-            <a:off x="11360896" y="6052495"/>
-            <a:ext cx="3955150" cy="1287320"/>
-          </a:xfrm>
-          <a:prstGeom prst="rect">
-            <a:avLst/>
-          </a:prstGeom>
-          <a:noFill/>
-        </p:spPr>
-        <p:txBody>
-          <a:bodyPr wrap="square" rtlCol="0" anchor="ctr">
-            <a:spAutoFit/>
-          </a:bodyPr>
-          <a:lstStyle/>
-          <a:p>
-            <a:pPr algn="ctr"/>
-            <a:r>
-              <a:rPr lang="en-US" sz="1200" kern="0" spc="-100" dirty="0">
-                <a:solidFill>
-                  <a:srgbClr val="4E4E4E"/>
-                </a:solidFill>
-                <a:latin typeface="S-Core Dream 4 Regular" pitchFamily="34" charset="0"/>
-                <a:cs typeface="S-Core Dream 4 Regular" pitchFamily="34" charset="0"/>
-              </a:rPr>
-              <a:t>키워드에 관한 설명을 적어주세요!</a:t>
-            </a:r>
-          </a:p>
-          <a:p>
-            <a:pPr algn="ctr"/>
-            <a:r>
-              <a:rPr lang="en-US" sz="1200" kern="0" spc="-100" dirty="0">
-                <a:solidFill>
-                  <a:srgbClr val="4E4E4E"/>
-                </a:solidFill>
-                <a:latin typeface="S-Core Dream 4 Regular" pitchFamily="34" charset="0"/>
-                <a:cs typeface="S-Core Dream 4 Regular" pitchFamily="34" charset="0"/>
-              </a:rPr>
-              <a:t>키워드에 관한 설명을 적어주세요!</a:t>
-            </a:r>
-          </a:p>
-          <a:p>
-            <a:pPr algn="ctr"/>
-            <a:r>
-              <a:rPr lang="en-US" sz="1200" kern="0" spc="-100" dirty="0">
-                <a:solidFill>
-                  <a:srgbClr val="4E4E4E"/>
-                </a:solidFill>
-                <a:latin typeface="S-Core Dream 4 Regular" pitchFamily="34" charset="0"/>
-                <a:cs typeface="S-Core Dream 4 Regular" pitchFamily="34" charset="0"/>
-              </a:rPr>
-              <a:t>키워드에 관한 설명을 적어주세요!</a:t>
-            </a:r>
-          </a:p>
-          <a:p>
-            <a:pPr algn="ctr"/>
-            <a:r>
-              <a:rPr lang="en-US" sz="1200" kern="0" spc="-100" dirty="0">
-                <a:solidFill>
-                  <a:srgbClr val="4E4E4E"/>
-                </a:solidFill>
-                <a:latin typeface="S-Core Dream 4 Regular" pitchFamily="34" charset="0"/>
-                <a:cs typeface="S-Core Dream 4 Regular" pitchFamily="34" charset="0"/>
-              </a:rPr>
-              <a:t>키워드에 관한 설명을 적어주세요!</a:t>
-            </a:r>
-            <a:endParaRPr lang="en-US" dirty="0"/>
-          </a:p>
-        </p:txBody>
-      </p:sp>
-      <p:sp>
-        <p:nvSpPr>
-          <p:cNvPr id="12" name="Object 12"/>
-          <p:cNvSpPr txBox="1"/>
-          <p:nvPr/>
-        </p:nvSpPr>
-        <p:spPr>
-          <a:xfrm>
-            <a:off x="2760081" y="2271087"/>
-            <a:ext cx="2563371" cy="339437"/>
-          </a:xfrm>
-          <a:prstGeom prst="rect">
-            <a:avLst/>
-          </a:prstGeom>
-          <a:noFill/>
-        </p:spPr>
-        <p:txBody>
-          <a:bodyPr wrap="square" rtlCol="0" anchor="ctr">
-            <a:spAutoFit/>
-          </a:bodyPr>
-          <a:lstStyle/>
-          <a:p>
-            <a:r>
-              <a:rPr lang="en-US" sz="1300" kern="0" spc="200" dirty="0">
-                <a:solidFill>
-                  <a:srgbClr val="4E4E4E"/>
-                </a:solidFill>
-                <a:latin typeface="S-Core Dream 3 Light" pitchFamily="34" charset="0"/>
-                <a:cs typeface="S-Core Dream 3 Light" pitchFamily="34" charset="0"/>
-              </a:rPr>
-              <a:t>CONTENTS</a:t>
-            </a:r>
-            <a:endParaRPr lang="en-US" dirty="0"/>
-          </a:p>
-        </p:txBody>
-      </p:sp>
-      <p:sp>
-        <p:nvSpPr>
-          <p:cNvPr id="13" name="Object 13"/>
-          <p:cNvSpPr txBox="1"/>
-          <p:nvPr/>
-        </p:nvSpPr>
-        <p:spPr>
-          <a:xfrm>
-            <a:off x="2744927" y="1628895"/>
-            <a:ext cx="1981683" cy="960963"/>
-          </a:xfrm>
-          <a:prstGeom prst="rect">
-            <a:avLst/>
-          </a:prstGeom>
-          <a:noFill/>
-        </p:spPr>
-        <p:txBody>
-          <a:bodyPr wrap="square" rtlCol="0" anchor="ctr">
-            <a:spAutoFit/>
-          </a:bodyPr>
-          <a:lstStyle/>
-          <a:p>
-            <a:r>
-              <a:rPr lang="en-US" sz="3600" kern="0" spc="300" dirty="0">
-                <a:solidFill>
-                  <a:srgbClr val="4E4E4E"/>
-                </a:solidFill>
-                <a:latin typeface="S-Core Dream 5 Medium" pitchFamily="34" charset="0"/>
-                <a:cs typeface="S-Core Dream 5 Medium" pitchFamily="34" charset="0"/>
-              </a:rPr>
-              <a:t>05</a:t>
-            </a:r>
-            <a:endParaRPr lang="en-US" dirty="0"/>
-          </a:p>
-        </p:txBody>
-      </p:sp>
-      <p:grpSp>
-        <p:nvGrpSpPr>
-          <p:cNvPr id="1003" name="그룹 1003"/>
-          <p:cNvGrpSpPr/>
-          <p:nvPr/>
-        </p:nvGrpSpPr>
-        <p:grpSpPr>
-          <a:xfrm>
-            <a:off x="8158857" y="394307"/>
-            <a:ext cx="3453076" cy="3453076"/>
-            <a:chOff x="8158857" y="394307"/>
-            <a:chExt cx="3453076" cy="3453076"/>
-          </a:xfrm>
-        </p:grpSpPr>
-        <p:pic>
-          <p:nvPicPr>
-            <p:cNvPr id="15" name="Object 14"/>
-            <p:cNvPicPr>
-              <a:picLocks noChangeAspect="1"/>
-            </p:cNvPicPr>
-            <p:nvPr/>
-          </p:nvPicPr>
-          <p:blipFill>
-            <a:blip r:embed="rId2" cstate="print"/>
-            <a:stretch>
-              <a:fillRect/>
-            </a:stretch>
-          </p:blipFill>
-          <p:spPr>
-            <a:xfrm rot="-10800000">
-              <a:off x="8158857" y="394307"/>
-              <a:ext cx="3453076" cy="3453076"/>
-            </a:xfrm>
-            <a:prstGeom prst="rect">
-              <a:avLst/>
-            </a:prstGeom>
-          </p:spPr>
-        </p:pic>
-      </p:grpSp>
-      <p:sp>
-        <p:nvSpPr>
-          <p:cNvPr id="17" name="Object 17"/>
-          <p:cNvSpPr txBox="1"/>
-          <p:nvPr/>
-        </p:nvSpPr>
-        <p:spPr>
-          <a:xfrm>
-            <a:off x="8300752" y="1744591"/>
-            <a:ext cx="3169285" cy="541840"/>
-          </a:xfrm>
-          <a:prstGeom prst="rect">
-            <a:avLst/>
-          </a:prstGeom>
-          <a:noFill/>
-        </p:spPr>
-        <p:txBody>
-          <a:bodyPr wrap="square" rtlCol="0" anchor="t">
-            <a:spAutoFit/>
-          </a:bodyPr>
-          <a:lstStyle/>
-          <a:p>
-            <a:pPr algn="ctr"/>
-            <a:r>
-              <a:rPr lang="en-US" sz="2000" kern="0" spc="-100" dirty="0">
-                <a:solidFill>
-                  <a:srgbClr val="4E4E4E"/>
-                </a:solidFill>
-                <a:latin typeface="S-Core Dream 6 Bold" pitchFamily="34" charset="0"/>
-                <a:cs typeface="S-Core Dream 6 Bold" pitchFamily="34" charset="0"/>
-              </a:rPr>
-              <a:t>KEYWORD</a:t>
-            </a:r>
-            <a:endParaRPr lang="en-US" dirty="0"/>
-          </a:p>
-        </p:txBody>
-      </p:sp>
-      <p:sp>
-        <p:nvSpPr>
-          <p:cNvPr id="18" name="Object 18"/>
-          <p:cNvSpPr txBox="1"/>
-          <p:nvPr/>
-        </p:nvSpPr>
-        <p:spPr>
-          <a:xfrm>
-            <a:off x="7907820" y="2140503"/>
-            <a:ext cx="3955150" cy="645843"/>
-          </a:xfrm>
-          <a:prstGeom prst="rect">
-            <a:avLst/>
-          </a:prstGeom>
-          <a:noFill/>
-        </p:spPr>
-        <p:txBody>
-          <a:bodyPr wrap="square" rtlCol="0" anchor="ctr">
-            <a:spAutoFit/>
-          </a:bodyPr>
-          <a:lstStyle/>
-          <a:p>
-            <a:pPr algn="ctr"/>
-            <a:r>
-              <a:rPr lang="en-US" sz="1200" kern="0" spc="-100" dirty="0">
-                <a:solidFill>
-                  <a:srgbClr val="4E4E4E"/>
-                </a:solidFill>
-                <a:latin typeface="S-Core Dream 4 Regular" pitchFamily="34" charset="0"/>
-                <a:cs typeface="S-Core Dream 4 Regular" pitchFamily="34" charset="0"/>
-              </a:rPr>
-              <a:t>키워드에 관한 설명을 적어주세요!</a:t>
-            </a:r>
-          </a:p>
-          <a:p>
-            <a:pPr algn="ctr"/>
-            <a:r>
-              <a:rPr lang="en-US" sz="1200" kern="0" spc="-100" dirty="0">
-                <a:solidFill>
-                  <a:srgbClr val="4E4E4E"/>
-                </a:solidFill>
-                <a:latin typeface="S-Core Dream 4 Regular" pitchFamily="34" charset="0"/>
-                <a:cs typeface="S-Core Dream 4 Regular" pitchFamily="34" charset="0"/>
-              </a:rPr>
-              <a:t>키워드에 관한 설명을 적어주세요!</a:t>
-            </a:r>
-            <a:endParaRPr lang="en-US" dirty="0"/>
-          </a:p>
-        </p:txBody>
-      </p:sp>
-      <p:grpSp>
-        <p:nvGrpSpPr>
-          <p:cNvPr id="1004" name="그룹 1004"/>
-          <p:cNvGrpSpPr/>
-          <p:nvPr/>
-        </p:nvGrpSpPr>
-        <p:grpSpPr>
-          <a:xfrm>
-            <a:off x="8158857" y="4173012"/>
-            <a:ext cx="6922304" cy="165337"/>
-            <a:chOff x="8158857" y="4173012"/>
-            <a:chExt cx="6922304" cy="165337"/>
-          </a:xfrm>
-        </p:grpSpPr>
-        <p:pic>
-          <p:nvPicPr>
-            <p:cNvPr id="20" name="Object 19"/>
-            <p:cNvPicPr>
-              <a:picLocks noChangeAspect="1"/>
-            </p:cNvPicPr>
-            <p:nvPr/>
-          </p:nvPicPr>
-          <p:blipFill>
-            <a:blip r:embed="rId3" cstate="print"/>
-            <a:stretch>
-              <a:fillRect/>
-            </a:stretch>
-          </p:blipFill>
-          <p:spPr>
-            <a:xfrm>
-              <a:off x="8158857" y="4173012"/>
-              <a:ext cx="6922304" cy="165337"/>
-            </a:xfrm>
-            <a:prstGeom prst="rect">
-              <a:avLst/>
-            </a:prstGeom>
-          </p:spPr>
-        </p:pic>
-      </p:grpSp>
-      <p:grpSp>
-        <p:nvGrpSpPr>
-          <p:cNvPr id="1005" name="그룹 1005"/>
-          <p:cNvGrpSpPr/>
-          <p:nvPr/>
-        </p:nvGrpSpPr>
-        <p:grpSpPr>
-          <a:xfrm>
-            <a:off x="11611933" y="394307"/>
-            <a:ext cx="3453076" cy="3453076"/>
-            <a:chOff x="11611933" y="394307"/>
-            <a:chExt cx="3453076" cy="3453076"/>
-          </a:xfrm>
-        </p:grpSpPr>
-        <p:pic>
-          <p:nvPicPr>
-            <p:cNvPr id="23" name="Object 22"/>
-            <p:cNvPicPr>
-              <a:picLocks noChangeAspect="1"/>
-            </p:cNvPicPr>
-            <p:nvPr/>
-          </p:nvPicPr>
-          <p:blipFill>
-            <a:blip r:embed="rId2" cstate="print"/>
-            <a:stretch>
-              <a:fillRect/>
-            </a:stretch>
-          </p:blipFill>
-          <p:spPr>
-            <a:xfrm rot="-10800000">
-              <a:off x="11611933" y="394307"/>
-              <a:ext cx="3453076" cy="3453076"/>
-            </a:xfrm>
-            <a:prstGeom prst="rect">
-              <a:avLst/>
-            </a:prstGeom>
-          </p:spPr>
-        </p:pic>
-      </p:grpSp>
-      <p:sp>
-        <p:nvSpPr>
-          <p:cNvPr id="25" name="Object 25"/>
-          <p:cNvSpPr txBox="1"/>
-          <p:nvPr/>
-        </p:nvSpPr>
-        <p:spPr>
-          <a:xfrm>
-            <a:off x="11753828" y="1744591"/>
-            <a:ext cx="3169285" cy="541840"/>
-          </a:xfrm>
-          <a:prstGeom prst="rect">
-            <a:avLst/>
-          </a:prstGeom>
-          <a:noFill/>
-        </p:spPr>
-        <p:txBody>
-          <a:bodyPr wrap="square" rtlCol="0" anchor="t">
-            <a:spAutoFit/>
-          </a:bodyPr>
-          <a:lstStyle/>
-          <a:p>
-            <a:pPr algn="ctr"/>
-            <a:r>
-              <a:rPr lang="en-US" sz="2000" kern="0" spc="-100" dirty="0">
-                <a:solidFill>
-                  <a:srgbClr val="4E4E4E"/>
-                </a:solidFill>
-                <a:latin typeface="S-Core Dream 6 Bold" pitchFamily="34" charset="0"/>
-                <a:cs typeface="S-Core Dream 6 Bold" pitchFamily="34" charset="0"/>
-              </a:rPr>
-              <a:t>KEYWORD</a:t>
-            </a:r>
-            <a:endParaRPr lang="en-US" dirty="0"/>
-          </a:p>
-        </p:txBody>
-      </p:sp>
-      <p:sp>
-        <p:nvSpPr>
-          <p:cNvPr id="26" name="Object 26"/>
-          <p:cNvSpPr txBox="1"/>
-          <p:nvPr/>
-        </p:nvSpPr>
-        <p:spPr>
-          <a:xfrm>
-            <a:off x="11360896" y="2116934"/>
-            <a:ext cx="3955150" cy="645843"/>
-          </a:xfrm>
-          <a:prstGeom prst="rect">
-            <a:avLst/>
-          </a:prstGeom>
-          <a:noFill/>
-        </p:spPr>
-        <p:txBody>
-          <a:bodyPr wrap="square" rtlCol="0" anchor="ctr">
-            <a:spAutoFit/>
-          </a:bodyPr>
-          <a:lstStyle/>
-          <a:p>
-            <a:pPr algn="ctr"/>
-            <a:r>
-              <a:rPr lang="en-US" sz="1200" kern="0" spc="-100" dirty="0">
-                <a:solidFill>
-                  <a:srgbClr val="4E4E4E"/>
-                </a:solidFill>
-                <a:latin typeface="S-Core Dream 4 Regular" pitchFamily="34" charset="0"/>
-                <a:cs typeface="S-Core Dream 4 Regular" pitchFamily="34" charset="0"/>
-              </a:rPr>
-              <a:t>키워드에 관한 설명을 적어주세요!</a:t>
-            </a:r>
-          </a:p>
-          <a:p>
-            <a:pPr algn="ctr"/>
-            <a:r>
-              <a:rPr lang="en-US" sz="1200" kern="0" spc="-100" dirty="0">
-                <a:solidFill>
-                  <a:srgbClr val="4E4E4E"/>
-                </a:solidFill>
-                <a:latin typeface="S-Core Dream 4 Regular" pitchFamily="34" charset="0"/>
-                <a:cs typeface="S-Core Dream 4 Regular" pitchFamily="34" charset="0"/>
-              </a:rPr>
-              <a:t>키워드에 관한 설명을 적어주세요!</a:t>
-            </a:r>
-            <a:endParaRPr lang="en-US" dirty="0"/>
-          </a:p>
-        </p:txBody>
-      </p:sp>
-      <p:grpSp>
-        <p:nvGrpSpPr>
-          <p:cNvPr id="1006" name="그룹 1006"/>
-          <p:cNvGrpSpPr/>
-          <p:nvPr/>
-        </p:nvGrpSpPr>
-        <p:grpSpPr>
-          <a:xfrm>
-            <a:off x="8158857" y="7349210"/>
-            <a:ext cx="3459401" cy="3459401"/>
-            <a:chOff x="8158857" y="7349210"/>
-            <a:chExt cx="3459401" cy="3459401"/>
-          </a:xfrm>
-        </p:grpSpPr>
-        <p:pic>
-          <p:nvPicPr>
-            <p:cNvPr id="28" name="Object 27"/>
-            <p:cNvPicPr>
-              <a:picLocks noChangeAspect="1"/>
-            </p:cNvPicPr>
-            <p:nvPr/>
-          </p:nvPicPr>
-          <p:blipFill>
-            <a:blip r:embed="rId4" cstate="print"/>
-            <a:stretch>
-              <a:fillRect/>
-            </a:stretch>
-          </p:blipFill>
-          <p:spPr>
-            <a:xfrm rot="5400000">
-              <a:off x="8158857" y="7349210"/>
-              <a:ext cx="3459401" cy="3459401"/>
-            </a:xfrm>
-            <a:prstGeom prst="rect">
-              <a:avLst/>
-            </a:prstGeom>
-          </p:spPr>
-        </p:pic>
-      </p:grpSp>
-      <p:grpSp>
-        <p:nvGrpSpPr>
-          <p:cNvPr id="1007" name="그룹 1007"/>
-          <p:cNvGrpSpPr/>
-          <p:nvPr/>
-        </p:nvGrpSpPr>
-        <p:grpSpPr>
-          <a:xfrm>
-            <a:off x="11620009" y="7334056"/>
-            <a:ext cx="3459401" cy="3459401"/>
-            <a:chOff x="11620009" y="7334056"/>
-            <a:chExt cx="3459401" cy="3459401"/>
-          </a:xfrm>
-        </p:grpSpPr>
-        <p:pic>
-          <p:nvPicPr>
-            <p:cNvPr id="31" name="Object 30"/>
-            <p:cNvPicPr>
-              <a:picLocks noChangeAspect="1"/>
-            </p:cNvPicPr>
-            <p:nvPr/>
-          </p:nvPicPr>
-          <p:blipFill>
-            <a:blip r:embed="rId4" cstate="print"/>
-            <a:stretch>
-              <a:fillRect/>
-            </a:stretch>
-          </p:blipFill>
-          <p:spPr>
-            <a:xfrm rot="5400000">
-              <a:off x="11620009" y="7334056"/>
-              <a:ext cx="3459401" cy="3459401"/>
-            </a:xfrm>
-            <a:prstGeom prst="rect">
-              <a:avLst/>
-            </a:prstGeom>
-          </p:spPr>
-        </p:pic>
-      </p:grpSp>
-      <p:sp>
-        <p:nvSpPr>
-          <p:cNvPr id="33" name="Object 33"/>
-          <p:cNvSpPr txBox="1"/>
-          <p:nvPr/>
-        </p:nvSpPr>
-        <p:spPr>
-          <a:xfrm>
-            <a:off x="2744927" y="3746604"/>
-            <a:ext cx="6398942" cy="7051605"/>
-          </a:xfrm>
-          <a:prstGeom prst="rect">
-            <a:avLst/>
-          </a:prstGeom>
-          <a:noFill/>
-        </p:spPr>
-        <p:txBody>
-          <a:bodyPr wrap="square" rtlCol="0" anchor="t">
-            <a:spAutoFit/>
-          </a:bodyPr>
-          <a:lstStyle/>
-          <a:p>
-            <a:r>
-              <a:rPr lang="en-US" sz="1900" kern="0" spc="-100" dirty="0">
-                <a:solidFill>
-                  <a:srgbClr val="4E4E4E"/>
-                </a:solidFill>
-                <a:latin typeface="S-Core Dream 5 Medium" pitchFamily="34" charset="0"/>
-                <a:cs typeface="S-Core Dream 5 Medium" pitchFamily="34" charset="0"/>
-              </a:rPr>
-              <a:t>프레젠테이션 핵심을 입력해주세요</a:t>
-            </a:r>
-          </a:p>
-          <a:p>
-            <a:endParaRPr lang="en-US" sz="1900" kern="0" spc="-100" dirty="0">
-              <a:solidFill>
-                <a:srgbClr val="4E4E4E"/>
-              </a:solidFill>
-              <a:latin typeface="S-Core Dream 5 Medium" pitchFamily="34" charset="0"/>
-              <a:cs typeface="S-Core Dream 5 Medium" pitchFamily="34" charset="0"/>
-            </a:endParaRPr>
-          </a:p>
-          <a:p>
-            <a:r>
-              <a:rPr lang="en-US" sz="1300" kern="0" spc="-100" dirty="0">
-                <a:solidFill>
-                  <a:srgbClr val="4E4E4E"/>
-                </a:solidFill>
-                <a:latin typeface="S-Core Dream 4 Regular" pitchFamily="34" charset="0"/>
-                <a:cs typeface="S-Core Dream 4 Regular" pitchFamily="34" charset="0"/>
-              </a:rPr>
-              <a:t>피어나는 대한 속잎나고, 아니한 미인을 철환하였는가? 이상 쓸쓸한 인간은 보라. 피가 것은 그것을 내는 얼음 구하지 간에 이성은 교향악이다. 동산에는 무한한 가진 그들의 미묘한 가치를 것이다. 찾아다녀도, 그들은 생명을 끝에 것이 따뜻한 하여도 쓸쓸하랴? 그러므로 행복스럽고 모래뿐일 밥을 우는 우리 이 품에 용감하고 봄바람이다곧 품으며, 피어나기 없으면 설레는 말이다.</a:t>
-            </a:r>
-          </a:p>
-          <a:p>
-            <a:endParaRPr lang="en-US" sz="1300" kern="0" spc="-100" dirty="0">
-              <a:solidFill>
-                <a:srgbClr val="4E4E4E"/>
-              </a:solidFill>
-              <a:latin typeface="S-Core Dream 4 Regular" pitchFamily="34" charset="0"/>
-              <a:cs typeface="S-Core Dream 4 Regular" pitchFamily="34" charset="0"/>
-            </a:endParaRPr>
-          </a:p>
-          <a:p>
-            <a:r>
-              <a:rPr lang="en-US" sz="1300" kern="0" spc="-100" dirty="0">
-                <a:solidFill>
-                  <a:srgbClr val="4E4E4E"/>
-                </a:solidFill>
-                <a:latin typeface="S-Core Dream 4 Regular" pitchFamily="34" charset="0"/>
-                <a:cs typeface="S-Core Dream 4 Regular" pitchFamily="34" charset="0"/>
-              </a:rPr>
-              <a:t>그들은 듣기만 인도하겠다는 그들의 위하여, 피에 보라. 가치를 이성은 풍부하게 귀는 인간이 발휘하기 지혜는 듣는다. </a:t>
-            </a:r>
-          </a:p>
-          <a:p>
-            <a:endParaRPr lang="en-US" sz="1300" kern="0" spc="-100" dirty="0">
-              <a:solidFill>
-                <a:srgbClr val="4E4E4E"/>
-              </a:solidFill>
-              <a:latin typeface="S-Core Dream 4 Regular" pitchFamily="34" charset="0"/>
-              <a:cs typeface="S-Core Dream 4 Regular" pitchFamily="34" charset="0"/>
-            </a:endParaRPr>
-          </a:p>
-          <a:p>
-            <a:r>
-              <a:rPr lang="en-US" sz="1300" kern="0" spc="-100" dirty="0">
-                <a:solidFill>
-                  <a:srgbClr val="4E4E4E"/>
-                </a:solidFill>
-                <a:latin typeface="S-Core Dream 4 Regular" pitchFamily="34" charset="0"/>
-                <a:cs typeface="S-Core Dream 4 Regular" pitchFamily="34" charset="0"/>
-              </a:rPr>
-              <a:t>찾아다녀도, 품에 과실이 너의 때까지 청춘의 가치를 것이다. 방황하였으며, 어디 열매를 스며들어 있다. 투명하되 품고 피가 피고, 사막이다. 열매를 가슴이 커다란 힘차게 무엇을 것이다.</a:t>
-            </a:r>
-            <a:endParaRPr lang="en-US" dirty="0"/>
-          </a:p>
-        </p:txBody>
-      </p:sp>
+      </p:pic>
     </p:spTree>
+    <p:extLst>
+      <p:ext uri="{BB962C8B-B14F-4D97-AF65-F5344CB8AC3E}">
+        <p14:creationId xmlns:p14="http://schemas.microsoft.com/office/powerpoint/2010/main" val="4126864378"/>
+      </p:ext>
+    </p:extLst>
   </p:cSld>
   <p:clrMapOvr>
     <a:masterClrMapping/>

--- a/CarpeDiem.pptx
+++ b/CarpeDiem.pptx
@@ -5,22 +5,22 @@
     <p:sldMasterId id="2147483648" r:id="rId1"/>
   </p:sldMasterIdLst>
   <p:sldIdLst>
-    <p:sldId id="256" r:id="rId2"/>
+    <p:sldId id="280" r:id="rId2"/>
     <p:sldId id="268" r:id="rId3"/>
     <p:sldId id="270" r:id="rId4"/>
-    <p:sldId id="271" r:id="rId5"/>
-    <p:sldId id="272" r:id="rId6"/>
-    <p:sldId id="273" r:id="rId7"/>
-    <p:sldId id="274" r:id="rId8"/>
-    <p:sldId id="276" r:id="rId9"/>
-    <p:sldId id="275" r:id="rId10"/>
-    <p:sldId id="257" r:id="rId11"/>
-    <p:sldId id="258" r:id="rId12"/>
-    <p:sldId id="260" r:id="rId13"/>
-    <p:sldId id="261" r:id="rId14"/>
-    <p:sldId id="262" r:id="rId15"/>
-    <p:sldId id="263" r:id="rId16"/>
-    <p:sldId id="264" r:id="rId17"/>
+    <p:sldId id="256" r:id="rId5"/>
+    <p:sldId id="271" r:id="rId6"/>
+    <p:sldId id="272" r:id="rId7"/>
+    <p:sldId id="273" r:id="rId8"/>
+    <p:sldId id="274" r:id="rId9"/>
+    <p:sldId id="276" r:id="rId10"/>
+    <p:sldId id="275" r:id="rId11"/>
+    <p:sldId id="277" r:id="rId12"/>
+    <p:sldId id="278" r:id="rId13"/>
+    <p:sldId id="279" r:id="rId14"/>
+    <p:sldId id="281" r:id="rId15"/>
+    <p:sldId id="282" r:id="rId16"/>
+    <p:sldId id="283" r:id="rId17"/>
     <p:sldId id="265" r:id="rId18"/>
   </p:sldIdLst>
   <p:sldSz cx="18288000" cy="10287000"/>
@@ -1946,7 +1946,7 @@
         </p:nvSpPr>
         <p:spPr>
           <a:xfrm>
-            <a:off x="16002000" y="9495711"/>
+            <a:off x="381000" y="9495711"/>
             <a:ext cx="1905000" cy="523220"/>
           </a:xfrm>
           <a:prstGeom prst="rect">
@@ -1994,7 +1994,7 @@
         </p:nvSpPr>
         <p:spPr>
           <a:xfrm>
-            <a:off x="609600" y="9495711"/>
+            <a:off x="13411200" y="9495711"/>
             <a:ext cx="5868020" cy="523220"/>
           </a:xfrm>
           <a:prstGeom prst="rect">
@@ -2185,10 +2185,10 @@
       </p:sp>
       <p:sp>
         <p:nvSpPr>
-          <p:cNvPr id="5" name="Object 17">
+          <p:cNvPr id="7" name="Object 17">
             <a:extLst>
               <a:ext uri="{FF2B5EF4-FFF2-40B4-BE49-F238E27FC236}">
-                <a16:creationId xmlns:a16="http://schemas.microsoft.com/office/drawing/2014/main" id="{A3877610-B550-273C-FE6C-C1B6B4877978}"/>
+                <a16:creationId xmlns:a16="http://schemas.microsoft.com/office/drawing/2014/main" id="{C2D87C63-F5FE-0457-ADE4-A09A318EABF2}"/>
               </a:ext>
             </a:extLst>
           </p:cNvPr>
@@ -2197,7 +2197,7 @@
         </p:nvSpPr>
         <p:spPr>
           <a:xfrm>
-            <a:off x="16002000" y="9495711"/>
+            <a:off x="381000" y="9495711"/>
             <a:ext cx="1905000" cy="523220"/>
           </a:xfrm>
           <a:prstGeom prst="rect">
@@ -2233,10 +2233,10 @@
       </p:sp>
       <p:sp>
         <p:nvSpPr>
-          <p:cNvPr id="6" name="Object 17">
+          <p:cNvPr id="8" name="Object 17">
             <a:extLst>
               <a:ext uri="{FF2B5EF4-FFF2-40B4-BE49-F238E27FC236}">
-                <a16:creationId xmlns:a16="http://schemas.microsoft.com/office/drawing/2014/main" id="{AD6A968E-45DC-A72E-2E08-25E43D29F625}"/>
+                <a16:creationId xmlns:a16="http://schemas.microsoft.com/office/drawing/2014/main" id="{8F8D2D60-8E3A-1AEA-43B5-81830EE50FD5}"/>
               </a:ext>
             </a:extLst>
           </p:cNvPr>
@@ -2245,7 +2245,7 @@
         </p:nvSpPr>
         <p:spPr>
           <a:xfrm>
-            <a:off x="609600" y="9495711"/>
+            <a:off x="13411200" y="9495711"/>
             <a:ext cx="5868020" cy="523220"/>
           </a:xfrm>
           <a:prstGeom prst="rect">
@@ -3374,11 +3374,11 @@
 
 <file path=ppt/slides/slide1.xml><?xml version="1.0" encoding="utf-8"?>
 <p:sld xmlns:a="http://schemas.openxmlformats.org/drawingml/2006/main" xmlns:r="http://schemas.openxmlformats.org/officeDocument/2006/relationships" xmlns:p="http://schemas.openxmlformats.org/presentationml/2006/main">
-  <p:cSld name="Slide 1">
+  <p:cSld>
     <p:bg>
       <p:bgPr>
         <a:solidFill>
-          <a:srgbClr val="42637E"/>
+          <a:schemeClr val="tx1"/>
         </a:solidFill>
         <a:effectLst/>
       </p:bgPr>
@@ -3722,7 +3722,13 @@
       </p:sp>
       <p:sp>
         <p:nvSpPr>
-          <p:cNvPr id="19" name="Object 19"/>
+          <p:cNvPr id="2" name="Object 19">
+            <a:extLst>
+              <a:ext uri="{FF2B5EF4-FFF2-40B4-BE49-F238E27FC236}">
+                <a16:creationId xmlns:a16="http://schemas.microsoft.com/office/drawing/2014/main" id="{462FFD3F-2A1E-87CA-0F04-0C290E8D3270}"/>
+              </a:ext>
+            </a:extLst>
+          </p:cNvPr>
           <p:cNvSpPr txBox="1"/>
           <p:nvPr/>
         </p:nvSpPr>
@@ -3924,6 +3930,11 @@
         </p:txBody>
       </p:sp>
     </p:spTree>
+    <p:extLst>
+      <p:ext uri="{BB962C8B-B14F-4D97-AF65-F5344CB8AC3E}">
+        <p14:creationId xmlns:p14="http://schemas.microsoft.com/office/powerpoint/2010/main" val="434691046"/>
+      </p:ext>
+    </p:extLst>
   </p:cSld>
   <p:clrMapOvr>
     <a:masterClrMapping/>
@@ -3933,15 +3944,7 @@
 
 <file path=ppt/slides/slide10.xml><?xml version="1.0" encoding="utf-8"?>
 <p:sld xmlns:a="http://schemas.openxmlformats.org/drawingml/2006/main" xmlns:r="http://schemas.openxmlformats.org/officeDocument/2006/relationships" xmlns:p="http://schemas.openxmlformats.org/presentationml/2006/main">
-  <p:cSld name="Slide 2">
-    <p:bg>
-      <p:bgPr>
-        <a:solidFill>
-          <a:srgbClr val="E1E0DA"/>
-        </a:solidFill>
-        <a:effectLst/>
-      </p:bgPr>
-    </p:bg>
+  <p:cSld>
     <p:spTree>
       <p:nvGrpSpPr>
         <p:cNvPr id="1" name=""/>
@@ -3958,1013 +3961,68 @@
       </p:grpSpPr>
       <p:sp>
         <p:nvSpPr>
-          <p:cNvPr id="2" name="Object 2"/>
-          <p:cNvSpPr txBox="1"/>
+          <p:cNvPr id="2" name="제목 1">
+            <a:extLst>
+              <a:ext uri="{FF2B5EF4-FFF2-40B4-BE49-F238E27FC236}">
+                <a16:creationId xmlns:a16="http://schemas.microsoft.com/office/drawing/2014/main" id="{6651275E-4F4E-DBC6-7614-9D093B48A39C}"/>
+              </a:ext>
+            </a:extLst>
+          </p:cNvPr>
+          <p:cNvSpPr>
+            <a:spLocks noGrp="1"/>
+          </p:cNvSpPr>
+          <p:nvPr>
+            <p:ph type="title"/>
+          </p:nvPr>
+        </p:nvSpPr>
+        <p:spPr/>
+        <p:txBody>
+          <a:bodyPr/>
+          <a:lstStyle/>
+          <a:p>
+            <a:r>
+              <a:rPr lang="ko-KR" altLang="en-US" dirty="0"/>
+              <a:t>슬롯</a:t>
+            </a:r>
+          </a:p>
+        </p:txBody>
+      </p:sp>
+      <p:pic>
+        <p:nvPicPr>
+          <p:cNvPr id="6" name="그림 5">
+            <a:extLst>
+              <a:ext uri="{FF2B5EF4-FFF2-40B4-BE49-F238E27FC236}">
+                <a16:creationId xmlns:a16="http://schemas.microsoft.com/office/drawing/2014/main" id="{76B5BE00-1BF6-4354-2A59-CD49A8EEF636}"/>
+              </a:ext>
+            </a:extLst>
+          </p:cNvPr>
+          <p:cNvPicPr>
+            <a:picLocks noChangeAspect="1"/>
+          </p:cNvPicPr>
           <p:nvPr/>
-        </p:nvSpPr>
+        </p:nvPicPr>
+        <p:blipFill>
+          <a:blip r:embed="rId2"/>
+          <a:stretch>
+            <a:fillRect/>
+          </a:stretch>
+        </p:blipFill>
         <p:spPr>
           <a:xfrm>
-            <a:off x="2760081" y="2268238"/>
-            <a:ext cx="2563371" cy="345135"/>
+            <a:off x="4876800" y="2534582"/>
+            <a:ext cx="7772400" cy="5217836"/>
           </a:xfrm>
           <a:prstGeom prst="rect">
             <a:avLst/>
           </a:prstGeom>
-          <a:noFill/>
         </p:spPr>
-        <p:txBody>
-          <a:bodyPr wrap="square" rtlCol="0" anchor="ctr">
-            <a:spAutoFit/>
-          </a:bodyPr>
-          <a:lstStyle/>
-          <a:p>
-            <a:r>
-              <a:rPr lang="en-US" sz="1300" kern="0" spc="200" dirty="0">
-                <a:solidFill>
-                  <a:srgbClr val="4E4E4E"/>
-                </a:solidFill>
-                <a:latin typeface="S-Core Dream 3 Light" pitchFamily="34" charset="0"/>
-                <a:cs typeface="S-Core Dream 3 Light" pitchFamily="34" charset="0"/>
-              </a:rPr>
-              <a:t>CONTENTS</a:t>
-            </a:r>
-            <a:endParaRPr lang="en-US" dirty="0"/>
-          </a:p>
-        </p:txBody>
-      </p:sp>
-      <p:sp>
-        <p:nvSpPr>
-          <p:cNvPr id="3" name="Object 3"/>
-          <p:cNvSpPr txBox="1"/>
-          <p:nvPr/>
-        </p:nvSpPr>
-        <p:spPr>
-          <a:xfrm>
-            <a:off x="2744927" y="1626054"/>
-            <a:ext cx="1981683" cy="959726"/>
-          </a:xfrm>
-          <a:prstGeom prst="rect">
-            <a:avLst/>
-          </a:prstGeom>
-          <a:noFill/>
-        </p:spPr>
-        <p:txBody>
-          <a:bodyPr wrap="square" rtlCol="0" anchor="ctr">
-            <a:spAutoFit/>
-          </a:bodyPr>
-          <a:lstStyle/>
-          <a:p>
-            <a:r>
-              <a:rPr lang="en-US" sz="3600" kern="0" spc="300" dirty="0">
-                <a:solidFill>
-                  <a:srgbClr val="4E4E4E"/>
-                </a:solidFill>
-                <a:latin typeface="S-Core Dream 5 Medium" pitchFamily="34" charset="0"/>
-                <a:cs typeface="S-Core Dream 5 Medium" pitchFamily="34" charset="0"/>
-              </a:rPr>
-              <a:t>00</a:t>
-            </a:r>
-            <a:endParaRPr lang="en-US" dirty="0"/>
-          </a:p>
-        </p:txBody>
-      </p:sp>
-      <p:grpSp>
-        <p:nvGrpSpPr>
-          <p:cNvPr id="1001" name="그룹 1001"/>
-          <p:cNvGrpSpPr/>
-          <p:nvPr/>
-        </p:nvGrpSpPr>
-        <p:grpSpPr>
-          <a:xfrm>
-            <a:off x="2622738" y="6353748"/>
-            <a:ext cx="2002771" cy="2002771"/>
-            <a:chOff x="2622738" y="6353748"/>
-            <a:chExt cx="2002771" cy="2002771"/>
-          </a:xfrm>
-        </p:grpSpPr>
-        <p:pic>
-          <p:nvPicPr>
-            <p:cNvPr id="5" name="Object 4"/>
-            <p:cNvPicPr>
-              <a:picLocks noChangeAspect="1"/>
-            </p:cNvPicPr>
-            <p:nvPr/>
-          </p:nvPicPr>
-          <p:blipFill>
-            <a:blip r:embed="rId2" cstate="print"/>
-            <a:stretch>
-              <a:fillRect/>
-            </a:stretch>
-          </p:blipFill>
-          <p:spPr>
-            <a:xfrm>
-              <a:off x="2622738" y="6353748"/>
-              <a:ext cx="2002771" cy="2002771"/>
-            </a:xfrm>
-            <a:prstGeom prst="rect">
-              <a:avLst/>
-            </a:prstGeom>
-          </p:spPr>
-        </p:pic>
-      </p:grpSp>
-      <p:grpSp>
-        <p:nvGrpSpPr>
-          <p:cNvPr id="1002" name="그룹 1002"/>
-          <p:cNvGrpSpPr/>
-          <p:nvPr/>
-        </p:nvGrpSpPr>
-        <p:grpSpPr>
-          <a:xfrm>
-            <a:off x="4842770" y="6353748"/>
-            <a:ext cx="2002771" cy="2002771"/>
-            <a:chOff x="4842770" y="6353748"/>
-            <a:chExt cx="2002771" cy="2002771"/>
-          </a:xfrm>
-        </p:grpSpPr>
-        <p:pic>
-          <p:nvPicPr>
-            <p:cNvPr id="8" name="Object 7"/>
-            <p:cNvPicPr>
-              <a:picLocks noChangeAspect="1"/>
-            </p:cNvPicPr>
-            <p:nvPr/>
-          </p:nvPicPr>
-          <p:blipFill>
-            <a:blip r:embed="rId3" cstate="print"/>
-            <a:stretch>
-              <a:fillRect/>
-            </a:stretch>
-          </p:blipFill>
-          <p:spPr>
-            <a:xfrm>
-              <a:off x="4842770" y="6353748"/>
-              <a:ext cx="2002771" cy="2002771"/>
-            </a:xfrm>
-            <a:prstGeom prst="rect">
-              <a:avLst/>
-            </a:prstGeom>
-          </p:spPr>
-        </p:pic>
-      </p:grpSp>
-      <p:grpSp>
-        <p:nvGrpSpPr>
-          <p:cNvPr id="1003" name="그룹 1003"/>
-          <p:cNvGrpSpPr/>
-          <p:nvPr/>
-        </p:nvGrpSpPr>
-        <p:grpSpPr>
-          <a:xfrm>
-            <a:off x="7062802" y="6353748"/>
-            <a:ext cx="2002771" cy="2002771"/>
-            <a:chOff x="7062802" y="6353748"/>
-            <a:chExt cx="2002771" cy="2002771"/>
-          </a:xfrm>
-        </p:grpSpPr>
-        <p:pic>
-          <p:nvPicPr>
-            <p:cNvPr id="11" name="Object 10"/>
-            <p:cNvPicPr>
-              <a:picLocks noChangeAspect="1"/>
-            </p:cNvPicPr>
-            <p:nvPr/>
-          </p:nvPicPr>
-          <p:blipFill>
-            <a:blip r:embed="rId2" cstate="print"/>
-            <a:stretch>
-              <a:fillRect/>
-            </a:stretch>
-          </p:blipFill>
-          <p:spPr>
-            <a:xfrm>
-              <a:off x="7062802" y="6353748"/>
-              <a:ext cx="2002771" cy="2002771"/>
-            </a:xfrm>
-            <a:prstGeom prst="rect">
-              <a:avLst/>
-            </a:prstGeom>
-          </p:spPr>
-        </p:pic>
-      </p:grpSp>
-      <p:grpSp>
-        <p:nvGrpSpPr>
-          <p:cNvPr id="1004" name="그룹 1004"/>
-          <p:cNvGrpSpPr/>
-          <p:nvPr/>
-        </p:nvGrpSpPr>
-        <p:grpSpPr>
-          <a:xfrm>
-            <a:off x="9282834" y="6353748"/>
-            <a:ext cx="2002771" cy="2002771"/>
-            <a:chOff x="9282834" y="6353748"/>
-            <a:chExt cx="2002771" cy="2002771"/>
-          </a:xfrm>
-        </p:grpSpPr>
-        <p:pic>
-          <p:nvPicPr>
-            <p:cNvPr id="14" name="Object 13"/>
-            <p:cNvPicPr>
-              <a:picLocks noChangeAspect="1"/>
-            </p:cNvPicPr>
-            <p:nvPr/>
-          </p:nvPicPr>
-          <p:blipFill>
-            <a:blip r:embed="rId3" cstate="print"/>
-            <a:stretch>
-              <a:fillRect/>
-            </a:stretch>
-          </p:blipFill>
-          <p:spPr>
-            <a:xfrm>
-              <a:off x="9282834" y="6353748"/>
-              <a:ext cx="2002771" cy="2002771"/>
-            </a:xfrm>
-            <a:prstGeom prst="rect">
-              <a:avLst/>
-            </a:prstGeom>
-          </p:spPr>
-        </p:pic>
-      </p:grpSp>
-      <p:grpSp>
-        <p:nvGrpSpPr>
-          <p:cNvPr id="1005" name="그룹 1005"/>
-          <p:cNvGrpSpPr/>
-          <p:nvPr/>
-        </p:nvGrpSpPr>
-        <p:grpSpPr>
-          <a:xfrm>
-            <a:off x="11502866" y="6353748"/>
-            <a:ext cx="2002771" cy="2002771"/>
-            <a:chOff x="11502866" y="6353748"/>
-            <a:chExt cx="2002771" cy="2002771"/>
-          </a:xfrm>
-        </p:grpSpPr>
-        <p:pic>
-          <p:nvPicPr>
-            <p:cNvPr id="17" name="Object 16"/>
-            <p:cNvPicPr>
-              <a:picLocks noChangeAspect="1"/>
-            </p:cNvPicPr>
-            <p:nvPr/>
-          </p:nvPicPr>
-          <p:blipFill>
-            <a:blip r:embed="rId2" cstate="print"/>
-            <a:stretch>
-              <a:fillRect/>
-            </a:stretch>
-          </p:blipFill>
-          <p:spPr>
-            <a:xfrm>
-              <a:off x="11502866" y="6353748"/>
-              <a:ext cx="2002771" cy="2002771"/>
-            </a:xfrm>
-            <a:prstGeom prst="rect">
-              <a:avLst/>
-            </a:prstGeom>
-          </p:spPr>
-        </p:pic>
-      </p:grpSp>
-      <p:grpSp>
-        <p:nvGrpSpPr>
-          <p:cNvPr id="1006" name="그룹 1006"/>
-          <p:cNvGrpSpPr/>
-          <p:nvPr/>
-        </p:nvGrpSpPr>
-        <p:grpSpPr>
-          <a:xfrm>
-            <a:off x="13722898" y="6353748"/>
-            <a:ext cx="2002771" cy="2002771"/>
-            <a:chOff x="13722898" y="6353748"/>
-            <a:chExt cx="2002771" cy="2002771"/>
-          </a:xfrm>
-        </p:grpSpPr>
-        <p:pic>
-          <p:nvPicPr>
-            <p:cNvPr id="20" name="Object 19"/>
-            <p:cNvPicPr>
-              <a:picLocks noChangeAspect="1"/>
-            </p:cNvPicPr>
-            <p:nvPr/>
-          </p:nvPicPr>
-          <p:blipFill>
-            <a:blip r:embed="rId3" cstate="print"/>
-            <a:stretch>
-              <a:fillRect/>
-            </a:stretch>
-          </p:blipFill>
-          <p:spPr>
-            <a:xfrm>
-              <a:off x="13722898" y="6353748"/>
-              <a:ext cx="2002771" cy="2002771"/>
-            </a:xfrm>
-            <a:prstGeom prst="rect">
-              <a:avLst/>
-            </a:prstGeom>
-          </p:spPr>
-        </p:pic>
-      </p:grpSp>
-      <p:grpSp>
-        <p:nvGrpSpPr>
-          <p:cNvPr id="1007" name="그룹 1007"/>
-          <p:cNvGrpSpPr/>
-          <p:nvPr/>
-        </p:nvGrpSpPr>
-        <p:grpSpPr>
-          <a:xfrm>
-            <a:off x="2894457" y="6913024"/>
-            <a:ext cx="1425008" cy="904018"/>
-            <a:chOff x="2894457" y="6913024"/>
-            <a:chExt cx="1425008" cy="904018"/>
-          </a:xfrm>
-        </p:grpSpPr>
-        <p:sp>
-          <p:nvSpPr>
-            <p:cNvPr id="23" name="Object 23"/>
-            <p:cNvSpPr txBox="1"/>
-            <p:nvPr/>
-          </p:nvSpPr>
-          <p:spPr>
-            <a:xfrm>
-              <a:off x="2936404" y="6913024"/>
-              <a:ext cx="1341114" cy="833675"/>
-            </a:xfrm>
-            <a:prstGeom prst="rect">
-              <a:avLst/>
-            </a:prstGeom>
-            <a:noFill/>
-          </p:spPr>
-          <p:txBody>
-            <a:bodyPr wrap="square" rtlCol="0" anchor="t">
-              <a:spAutoFit/>
-            </a:bodyPr>
-            <a:lstStyle/>
-            <a:p>
-              <a:pPr algn="ctr"/>
-              <a:r>
-                <a:rPr lang="en-US" sz="3200" kern="0" spc="-100" dirty="0">
-                  <a:solidFill>
-                    <a:srgbClr val="4E4E4E"/>
-                  </a:solidFill>
-                  <a:latin typeface="S-Core Dream 6 Bold" pitchFamily="34" charset="0"/>
-                  <a:cs typeface="S-Core Dream 6 Bold" pitchFamily="34" charset="0"/>
-                </a:rPr>
-                <a:t>01</a:t>
-              </a:r>
-              <a:endParaRPr lang="en-US" dirty="0"/>
-            </a:p>
-          </p:txBody>
-        </p:sp>
-        <p:sp>
-          <p:nvSpPr>
-            <p:cNvPr id="24" name="Object 24"/>
-            <p:cNvSpPr txBox="1"/>
-            <p:nvPr/>
-          </p:nvSpPr>
-          <p:spPr>
-            <a:xfrm>
-              <a:off x="2538205" y="7493479"/>
-              <a:ext cx="2137512" cy="388277"/>
-            </a:xfrm>
-            <a:prstGeom prst="rect">
-              <a:avLst/>
-            </a:prstGeom>
-            <a:noFill/>
-          </p:spPr>
-          <p:txBody>
-            <a:bodyPr wrap="square" rtlCol="0" anchor="ctr">
-              <a:spAutoFit/>
-            </a:bodyPr>
-            <a:lstStyle/>
-            <a:p>
-              <a:pPr algn="ctr"/>
-              <a:r>
-                <a:rPr lang="en-US" sz="1400" kern="0" spc="-100" dirty="0">
-                  <a:solidFill>
-                    <a:srgbClr val="4E4E4E"/>
-                  </a:solidFill>
-                  <a:latin typeface="S-Core Dream 4 Regular" pitchFamily="34" charset="0"/>
-                  <a:cs typeface="S-Core Dream 4 Regular" pitchFamily="34" charset="0"/>
-                </a:rPr>
-                <a:t>CONTENTS 1</a:t>
-              </a:r>
-              <a:endParaRPr lang="en-US" dirty="0"/>
-            </a:p>
-          </p:txBody>
-        </p:sp>
-      </p:grpSp>
-      <p:grpSp>
-        <p:nvGrpSpPr>
-          <p:cNvPr id="1008" name="그룹 1008"/>
-          <p:cNvGrpSpPr/>
-          <p:nvPr/>
-        </p:nvGrpSpPr>
-        <p:grpSpPr>
-          <a:xfrm>
-            <a:off x="5130104" y="6913024"/>
-            <a:ext cx="1425008" cy="904018"/>
-            <a:chOff x="5130104" y="6913024"/>
-            <a:chExt cx="1425008" cy="904018"/>
-          </a:xfrm>
-        </p:grpSpPr>
-        <p:sp>
-          <p:nvSpPr>
-            <p:cNvPr id="27" name="Object 27"/>
-            <p:cNvSpPr txBox="1"/>
-            <p:nvPr/>
-          </p:nvSpPr>
-          <p:spPr>
-            <a:xfrm>
-              <a:off x="5172051" y="6913024"/>
-              <a:ext cx="1341114" cy="833675"/>
-            </a:xfrm>
-            <a:prstGeom prst="rect">
-              <a:avLst/>
-            </a:prstGeom>
-            <a:noFill/>
-          </p:spPr>
-          <p:txBody>
-            <a:bodyPr wrap="square" rtlCol="0" anchor="t">
-              <a:spAutoFit/>
-            </a:bodyPr>
-            <a:lstStyle/>
-            <a:p>
-              <a:pPr algn="ctr"/>
-              <a:r>
-                <a:rPr lang="en-US" sz="3200" kern="0" spc="-100" dirty="0">
-                  <a:solidFill>
-                    <a:srgbClr val="E1E0DA"/>
-                  </a:solidFill>
-                  <a:latin typeface="S-Core Dream 6 Bold" pitchFamily="34" charset="0"/>
-                  <a:cs typeface="S-Core Dream 6 Bold" pitchFamily="34" charset="0"/>
-                </a:rPr>
-                <a:t>02</a:t>
-              </a:r>
-              <a:endParaRPr lang="en-US" dirty="0"/>
-            </a:p>
-          </p:txBody>
-        </p:sp>
-        <p:sp>
-          <p:nvSpPr>
-            <p:cNvPr id="28" name="Object 28"/>
-            <p:cNvSpPr txBox="1"/>
-            <p:nvPr/>
-          </p:nvSpPr>
-          <p:spPr>
-            <a:xfrm>
-              <a:off x="4773852" y="7493479"/>
-              <a:ext cx="2137512" cy="388277"/>
-            </a:xfrm>
-            <a:prstGeom prst="rect">
-              <a:avLst/>
-            </a:prstGeom>
-            <a:noFill/>
-          </p:spPr>
-          <p:txBody>
-            <a:bodyPr wrap="square" rtlCol="0" anchor="ctr">
-              <a:spAutoFit/>
-            </a:bodyPr>
-            <a:lstStyle/>
-            <a:p>
-              <a:pPr algn="ctr"/>
-              <a:r>
-                <a:rPr lang="en-US" sz="1400" kern="0" spc="-100" dirty="0">
-                  <a:solidFill>
-                    <a:srgbClr val="E1E0DA"/>
-                  </a:solidFill>
-                  <a:latin typeface="S-Core Dream 4 Regular" pitchFamily="34" charset="0"/>
-                  <a:cs typeface="S-Core Dream 4 Regular" pitchFamily="34" charset="0"/>
-                </a:rPr>
-                <a:t>CONTENTS 2</a:t>
-              </a:r>
-              <a:endParaRPr lang="en-US" dirty="0"/>
-            </a:p>
-          </p:txBody>
-        </p:sp>
-      </p:grpSp>
-      <p:grpSp>
-        <p:nvGrpSpPr>
-          <p:cNvPr id="1009" name="그룹 1009"/>
-          <p:cNvGrpSpPr/>
-          <p:nvPr/>
-        </p:nvGrpSpPr>
-        <p:grpSpPr>
-          <a:xfrm>
-            <a:off x="7354796" y="6913024"/>
-            <a:ext cx="1425008" cy="904018"/>
-            <a:chOff x="7354796" y="6913024"/>
-            <a:chExt cx="1425008" cy="904018"/>
-          </a:xfrm>
-        </p:grpSpPr>
-        <p:sp>
-          <p:nvSpPr>
-            <p:cNvPr id="31" name="Object 31"/>
-            <p:cNvSpPr txBox="1"/>
-            <p:nvPr/>
-          </p:nvSpPr>
-          <p:spPr>
-            <a:xfrm>
-              <a:off x="7396743" y="6913024"/>
-              <a:ext cx="1341114" cy="833675"/>
-            </a:xfrm>
-            <a:prstGeom prst="rect">
-              <a:avLst/>
-            </a:prstGeom>
-            <a:noFill/>
-          </p:spPr>
-          <p:txBody>
-            <a:bodyPr wrap="square" rtlCol="0" anchor="t">
-              <a:spAutoFit/>
-            </a:bodyPr>
-            <a:lstStyle/>
-            <a:p>
-              <a:pPr algn="ctr"/>
-              <a:r>
-                <a:rPr lang="en-US" sz="3200" kern="0" spc="-100" dirty="0">
-                  <a:solidFill>
-                    <a:srgbClr val="4E4E4E"/>
-                  </a:solidFill>
-                  <a:latin typeface="S-Core Dream 6 Bold" pitchFamily="34" charset="0"/>
-                  <a:cs typeface="S-Core Dream 6 Bold" pitchFamily="34" charset="0"/>
-                </a:rPr>
-                <a:t>03</a:t>
-              </a:r>
-              <a:endParaRPr lang="en-US" dirty="0"/>
-            </a:p>
-          </p:txBody>
-        </p:sp>
-        <p:sp>
-          <p:nvSpPr>
-            <p:cNvPr id="32" name="Object 32"/>
-            <p:cNvSpPr txBox="1"/>
-            <p:nvPr/>
-          </p:nvSpPr>
-          <p:spPr>
-            <a:xfrm>
-              <a:off x="6998544" y="7493479"/>
-              <a:ext cx="2137512" cy="388277"/>
-            </a:xfrm>
-            <a:prstGeom prst="rect">
-              <a:avLst/>
-            </a:prstGeom>
-            <a:noFill/>
-          </p:spPr>
-          <p:txBody>
-            <a:bodyPr wrap="square" rtlCol="0" anchor="ctr">
-              <a:spAutoFit/>
-            </a:bodyPr>
-            <a:lstStyle/>
-            <a:p>
-              <a:pPr algn="ctr"/>
-              <a:r>
-                <a:rPr lang="en-US" sz="1400" kern="0" spc="-100" dirty="0">
-                  <a:solidFill>
-                    <a:srgbClr val="4E4E4E"/>
-                  </a:solidFill>
-                  <a:latin typeface="S-Core Dream 4 Regular" pitchFamily="34" charset="0"/>
-                  <a:cs typeface="S-Core Dream 4 Regular" pitchFamily="34" charset="0"/>
-                </a:rPr>
-                <a:t>CONTENTS 3</a:t>
-              </a:r>
-              <a:endParaRPr lang="en-US" dirty="0"/>
-            </a:p>
-          </p:txBody>
-        </p:sp>
-      </p:grpSp>
-      <p:grpSp>
-        <p:nvGrpSpPr>
-          <p:cNvPr id="1010" name="그룹 1010"/>
-          <p:cNvGrpSpPr/>
-          <p:nvPr/>
-        </p:nvGrpSpPr>
-        <p:grpSpPr>
-          <a:xfrm>
-            <a:off x="9584418" y="6913024"/>
-            <a:ext cx="1425008" cy="904018"/>
-            <a:chOff x="9584418" y="6913024"/>
-            <a:chExt cx="1425008" cy="904018"/>
-          </a:xfrm>
-        </p:grpSpPr>
-        <p:sp>
-          <p:nvSpPr>
-            <p:cNvPr id="35" name="Object 35"/>
-            <p:cNvSpPr txBox="1"/>
-            <p:nvPr/>
-          </p:nvSpPr>
-          <p:spPr>
-            <a:xfrm>
-              <a:off x="9626365" y="6913024"/>
-              <a:ext cx="1341114" cy="833675"/>
-            </a:xfrm>
-            <a:prstGeom prst="rect">
-              <a:avLst/>
-            </a:prstGeom>
-            <a:noFill/>
-          </p:spPr>
-          <p:txBody>
-            <a:bodyPr wrap="square" rtlCol="0" anchor="t">
-              <a:spAutoFit/>
-            </a:bodyPr>
-            <a:lstStyle/>
-            <a:p>
-              <a:pPr algn="ctr"/>
-              <a:r>
-                <a:rPr lang="en-US" sz="3200" kern="0" spc="-100" dirty="0">
-                  <a:solidFill>
-                    <a:srgbClr val="E1E0DA"/>
-                  </a:solidFill>
-                  <a:latin typeface="S-Core Dream 6 Bold" pitchFamily="34" charset="0"/>
-                  <a:cs typeface="S-Core Dream 6 Bold" pitchFamily="34" charset="0"/>
-                </a:rPr>
-                <a:t>04</a:t>
-              </a:r>
-              <a:endParaRPr lang="en-US" dirty="0"/>
-            </a:p>
-          </p:txBody>
-        </p:sp>
-        <p:sp>
-          <p:nvSpPr>
-            <p:cNvPr id="36" name="Object 36"/>
-            <p:cNvSpPr txBox="1"/>
-            <p:nvPr/>
-          </p:nvSpPr>
-          <p:spPr>
-            <a:xfrm>
-              <a:off x="9228166" y="7493479"/>
-              <a:ext cx="2137512" cy="388277"/>
-            </a:xfrm>
-            <a:prstGeom prst="rect">
-              <a:avLst/>
-            </a:prstGeom>
-            <a:noFill/>
-          </p:spPr>
-          <p:txBody>
-            <a:bodyPr wrap="square" rtlCol="0" anchor="ctr">
-              <a:spAutoFit/>
-            </a:bodyPr>
-            <a:lstStyle/>
-            <a:p>
-              <a:pPr algn="ctr"/>
-              <a:r>
-                <a:rPr lang="en-US" sz="1400" kern="0" spc="-100" dirty="0">
-                  <a:solidFill>
-                    <a:srgbClr val="E1E0DA"/>
-                  </a:solidFill>
-                  <a:latin typeface="S-Core Dream 4 Regular" pitchFamily="34" charset="0"/>
-                  <a:cs typeface="S-Core Dream 4 Regular" pitchFamily="34" charset="0"/>
-                </a:rPr>
-                <a:t>CONTENTS 4</a:t>
-              </a:r>
-              <a:endParaRPr lang="en-US" dirty="0"/>
-            </a:p>
-          </p:txBody>
-        </p:sp>
-      </p:grpSp>
-      <p:grpSp>
-        <p:nvGrpSpPr>
-          <p:cNvPr id="1011" name="그룹 1011"/>
-          <p:cNvGrpSpPr/>
-          <p:nvPr/>
-        </p:nvGrpSpPr>
-        <p:grpSpPr>
-          <a:xfrm>
-            <a:off x="11783002" y="6913024"/>
-            <a:ext cx="1425008" cy="904018"/>
-            <a:chOff x="11783002" y="6913024"/>
-            <a:chExt cx="1425008" cy="904018"/>
-          </a:xfrm>
-        </p:grpSpPr>
-        <p:sp>
-          <p:nvSpPr>
-            <p:cNvPr id="39" name="Object 39"/>
-            <p:cNvSpPr txBox="1"/>
-            <p:nvPr/>
-          </p:nvSpPr>
-          <p:spPr>
-            <a:xfrm>
-              <a:off x="11824949" y="6913024"/>
-              <a:ext cx="1341114" cy="833675"/>
-            </a:xfrm>
-            <a:prstGeom prst="rect">
-              <a:avLst/>
-            </a:prstGeom>
-            <a:noFill/>
-          </p:spPr>
-          <p:txBody>
-            <a:bodyPr wrap="square" rtlCol="0" anchor="t">
-              <a:spAutoFit/>
-            </a:bodyPr>
-            <a:lstStyle/>
-            <a:p>
-              <a:pPr algn="ctr"/>
-              <a:r>
-                <a:rPr lang="en-US" sz="3200" kern="0" spc="-100" dirty="0">
-                  <a:solidFill>
-                    <a:srgbClr val="4E4E4E"/>
-                  </a:solidFill>
-                  <a:latin typeface="S-Core Dream 6 Bold" pitchFamily="34" charset="0"/>
-                  <a:cs typeface="S-Core Dream 6 Bold" pitchFamily="34" charset="0"/>
-                </a:rPr>
-                <a:t>05</a:t>
-              </a:r>
-              <a:endParaRPr lang="en-US" dirty="0"/>
-            </a:p>
-          </p:txBody>
-        </p:sp>
-        <p:sp>
-          <p:nvSpPr>
-            <p:cNvPr id="40" name="Object 40"/>
-            <p:cNvSpPr txBox="1"/>
-            <p:nvPr/>
-          </p:nvSpPr>
-          <p:spPr>
-            <a:xfrm>
-              <a:off x="11426750" y="7493479"/>
-              <a:ext cx="2137512" cy="388277"/>
-            </a:xfrm>
-            <a:prstGeom prst="rect">
-              <a:avLst/>
-            </a:prstGeom>
-            <a:noFill/>
-          </p:spPr>
-          <p:txBody>
-            <a:bodyPr wrap="square" rtlCol="0" anchor="ctr">
-              <a:spAutoFit/>
-            </a:bodyPr>
-            <a:lstStyle/>
-            <a:p>
-              <a:pPr algn="ctr"/>
-              <a:r>
-                <a:rPr lang="en-US" sz="1400" kern="0" spc="-100" dirty="0">
-                  <a:solidFill>
-                    <a:srgbClr val="4E4E4E"/>
-                  </a:solidFill>
-                  <a:latin typeface="S-Core Dream 4 Regular" pitchFamily="34" charset="0"/>
-                  <a:cs typeface="S-Core Dream 4 Regular" pitchFamily="34" charset="0"/>
-                </a:rPr>
-                <a:t>CONTENTS 5</a:t>
-              </a:r>
-              <a:endParaRPr lang="en-US" dirty="0"/>
-            </a:p>
-          </p:txBody>
-        </p:sp>
-      </p:grpSp>
-      <p:grpSp>
-        <p:nvGrpSpPr>
-          <p:cNvPr id="1012" name="그룹 1012"/>
-          <p:cNvGrpSpPr/>
-          <p:nvPr/>
-        </p:nvGrpSpPr>
-        <p:grpSpPr>
-          <a:xfrm>
-            <a:off x="14029146" y="6913024"/>
-            <a:ext cx="1425008" cy="904018"/>
-            <a:chOff x="14029146" y="6913024"/>
-            <a:chExt cx="1425008" cy="904018"/>
-          </a:xfrm>
-        </p:grpSpPr>
-        <p:sp>
-          <p:nvSpPr>
-            <p:cNvPr id="43" name="Object 43"/>
-            <p:cNvSpPr txBox="1"/>
-            <p:nvPr/>
-          </p:nvSpPr>
-          <p:spPr>
-            <a:xfrm>
-              <a:off x="14071093" y="6913024"/>
-              <a:ext cx="1341114" cy="833675"/>
-            </a:xfrm>
-            <a:prstGeom prst="rect">
-              <a:avLst/>
-            </a:prstGeom>
-            <a:noFill/>
-          </p:spPr>
-          <p:txBody>
-            <a:bodyPr wrap="square" rtlCol="0" anchor="t">
-              <a:spAutoFit/>
-            </a:bodyPr>
-            <a:lstStyle/>
-            <a:p>
-              <a:pPr algn="ctr"/>
-              <a:r>
-                <a:rPr lang="en-US" sz="3200" kern="0" spc="-100" dirty="0">
-                  <a:solidFill>
-                    <a:srgbClr val="E1E0DA"/>
-                  </a:solidFill>
-                  <a:latin typeface="S-Core Dream 6 Bold" pitchFamily="34" charset="0"/>
-                  <a:cs typeface="S-Core Dream 6 Bold" pitchFamily="34" charset="0"/>
-                </a:rPr>
-                <a:t>06</a:t>
-              </a:r>
-              <a:endParaRPr lang="en-US" dirty="0"/>
-            </a:p>
-          </p:txBody>
-        </p:sp>
-        <p:sp>
-          <p:nvSpPr>
-            <p:cNvPr id="44" name="Object 44"/>
-            <p:cNvSpPr txBox="1"/>
-            <p:nvPr/>
-          </p:nvSpPr>
-          <p:spPr>
-            <a:xfrm>
-              <a:off x="13672894" y="7493479"/>
-              <a:ext cx="2137512" cy="388277"/>
-            </a:xfrm>
-            <a:prstGeom prst="rect">
-              <a:avLst/>
-            </a:prstGeom>
-            <a:noFill/>
-          </p:spPr>
-          <p:txBody>
-            <a:bodyPr wrap="square" rtlCol="0" anchor="ctr">
-              <a:spAutoFit/>
-            </a:bodyPr>
-            <a:lstStyle/>
-            <a:p>
-              <a:pPr algn="ctr"/>
-              <a:r>
-                <a:rPr lang="en-US" sz="1400" kern="0" spc="-100" dirty="0">
-                  <a:solidFill>
-                    <a:srgbClr val="E1E0DA"/>
-                  </a:solidFill>
-                  <a:latin typeface="S-Core Dream 4 Regular" pitchFamily="34" charset="0"/>
-                  <a:cs typeface="S-Core Dream 4 Regular" pitchFamily="34" charset="0"/>
-                </a:rPr>
-                <a:t>CONTENTS 6</a:t>
-              </a:r>
-              <a:endParaRPr lang="en-US" dirty="0"/>
-            </a:p>
-          </p:txBody>
-        </p:sp>
-      </p:grpSp>
-      <p:sp>
-        <p:nvSpPr>
-          <p:cNvPr id="46" name="Object 46"/>
-          <p:cNvSpPr txBox="1"/>
-          <p:nvPr/>
-        </p:nvSpPr>
-        <p:spPr>
-          <a:xfrm>
-            <a:off x="4499303" y="2299252"/>
-            <a:ext cx="15985294" cy="2676367"/>
-          </a:xfrm>
-          <a:prstGeom prst="rect">
-            <a:avLst/>
-          </a:prstGeom>
-          <a:noFill/>
-        </p:spPr>
-        <p:txBody>
-          <a:bodyPr wrap="square" rtlCol="0" anchor="t">
-            <a:spAutoFit/>
-          </a:bodyPr>
-          <a:lstStyle/>
-          <a:p>
-            <a:r>
-              <a:rPr lang="en-US" sz="1300" kern="0" spc="-100" dirty="0">
-                <a:solidFill>
-                  <a:srgbClr val="4E4E4E"/>
-                </a:solidFill>
-                <a:latin typeface="S-Core Dream 4 Regular" pitchFamily="34" charset="0"/>
-                <a:cs typeface="S-Core Dream 4 Regular" pitchFamily="34" charset="0"/>
-              </a:rPr>
-              <a:t>피어나는 대한 속잎나고, 아니한 미인을 철환하였는가? 이상 쓸쓸한 인간은 보라. 피가 것은 그것을 내는 얼음 구하지 간에 이성은 교향악이다. 동산에는 무한한 가진 그들의 미묘한 가치를 것이다. 찾아다녀도, 그들은 생명을 끝에 것이 따뜻한 하여도 쓸쓸하랴? 그러므로 행복스럽고 모래뿐일 밥을 우는 우리 이 품에 용감하고 봄바람이다곧 품으며, 피어나기 없으면 설레는 말이다.</a:t>
-            </a:r>
-          </a:p>
-          <a:p>
-            <a:endParaRPr lang="en-US" sz="1300" kern="0" spc="-100" dirty="0">
-              <a:solidFill>
-                <a:srgbClr val="4E4E4E"/>
-              </a:solidFill>
-              <a:latin typeface="S-Core Dream 4 Regular" pitchFamily="34" charset="0"/>
-              <a:cs typeface="S-Core Dream 4 Regular" pitchFamily="34" charset="0"/>
-            </a:endParaRPr>
-          </a:p>
-          <a:p>
-            <a:r>
-              <a:rPr lang="en-US" sz="1300" kern="0" spc="-100" dirty="0">
-                <a:solidFill>
-                  <a:srgbClr val="4E4E4E"/>
-                </a:solidFill>
-                <a:latin typeface="S-Core Dream 4 Regular" pitchFamily="34" charset="0"/>
-                <a:cs typeface="S-Core Dream 4 Regular" pitchFamily="34" charset="0"/>
-              </a:rPr>
-              <a:t>그들은 듣기만 인도하겠다는 그들의 위하여, 피에 보라. 가치를 이성은 풍부하게 귀는 인간이 발휘하기 지혜는 듣는다. 천지는 위하여 가치를 속잎나고, 봄바람을 그림자는 미인을 전인 우리는 것이다. 청춘이 스며들어 새가 이것이야말로 커다란 돋고, 이상은 할지라도 눈에 피다. 못하다 가치를 것이 밥을 위하여 길을 안고, 소리다.이것은 뛰노는 끓는다. 길지 가는 별과 이상 하는 더운지라 목숨을 인생의 아니한 있는가?</a:t>
-            </a:r>
-            <a:endParaRPr lang="en-US" dirty="0"/>
-          </a:p>
-        </p:txBody>
-      </p:sp>
-      <p:grpSp>
-        <p:nvGrpSpPr>
-          <p:cNvPr id="1013" name="그룹 1013"/>
-          <p:cNvGrpSpPr/>
-          <p:nvPr/>
-        </p:nvGrpSpPr>
-        <p:grpSpPr>
-          <a:xfrm>
-            <a:off x="4499303" y="4814220"/>
-            <a:ext cx="10615418" cy="39668"/>
-            <a:chOff x="4499303" y="4814220"/>
-            <a:chExt cx="10615418" cy="39668"/>
-          </a:xfrm>
-        </p:grpSpPr>
-        <p:pic>
-          <p:nvPicPr>
-            <p:cNvPr id="48" name="Object 47"/>
-            <p:cNvPicPr>
-              <a:picLocks noChangeAspect="1"/>
-            </p:cNvPicPr>
-            <p:nvPr/>
-          </p:nvPicPr>
-          <p:blipFill>
-            <a:blip r:embed="rId4" cstate="print"/>
-            <a:stretch>
-              <a:fillRect/>
-            </a:stretch>
-          </p:blipFill>
-          <p:spPr>
-            <a:xfrm>
-              <a:off x="4499303" y="4814220"/>
-              <a:ext cx="10615418" cy="39668"/>
-            </a:xfrm>
-            <a:prstGeom prst="rect">
-              <a:avLst/>
-            </a:prstGeom>
-          </p:spPr>
-        </p:pic>
-      </p:grpSp>
-      <p:sp>
-        <p:nvSpPr>
-          <p:cNvPr id="50" name="Object 50"/>
-          <p:cNvSpPr txBox="1"/>
-          <p:nvPr/>
-        </p:nvSpPr>
-        <p:spPr>
-          <a:xfrm>
-            <a:off x="4506266" y="4956770"/>
-            <a:ext cx="2638372" cy="345135"/>
-          </a:xfrm>
-          <a:prstGeom prst="rect">
-            <a:avLst/>
-          </a:prstGeom>
-          <a:noFill/>
-        </p:spPr>
-        <p:txBody>
-          <a:bodyPr wrap="square" rtlCol="0" anchor="ctr">
-            <a:spAutoFit/>
-          </a:bodyPr>
-          <a:lstStyle/>
-          <a:p>
-            <a:r>
-              <a:rPr lang="en-US" sz="1300" kern="0" spc="-100" dirty="0">
-                <a:solidFill>
-                  <a:srgbClr val="4E4E4E"/>
-                </a:solidFill>
-                <a:latin typeface="S-Core Dream 6 Bold" pitchFamily="34" charset="0"/>
-                <a:cs typeface="S-Core Dream 6 Bold" pitchFamily="34" charset="0"/>
-              </a:rPr>
-              <a:t>목차에 대한 설명</a:t>
-            </a:r>
-            <a:endParaRPr lang="en-US" dirty="0"/>
-          </a:p>
-        </p:txBody>
-      </p:sp>
-      <p:sp>
-        <p:nvSpPr>
-          <p:cNvPr id="51" name="Object 51"/>
-          <p:cNvSpPr txBox="1"/>
-          <p:nvPr/>
-        </p:nvSpPr>
-        <p:spPr>
-          <a:xfrm>
-            <a:off x="6602308" y="4744621"/>
-            <a:ext cx="12811074" cy="769432"/>
-          </a:xfrm>
-          <a:prstGeom prst="rect">
-            <a:avLst/>
-          </a:prstGeom>
-          <a:noFill/>
-        </p:spPr>
-        <p:txBody>
-          <a:bodyPr wrap="square" rtlCol="0" anchor="ctr">
-            <a:spAutoFit/>
-          </a:bodyPr>
-          <a:lstStyle/>
-          <a:p>
-            <a:r>
-              <a:rPr lang="en-US" sz="1300" kern="0" spc="-100" dirty="0">
-                <a:solidFill>
-                  <a:srgbClr val="A8A8A8"/>
-                </a:solidFill>
-                <a:latin typeface="S-Core Dream 3 Light" pitchFamily="34" charset="0"/>
-                <a:cs typeface="S-Core Dream 3 Light" pitchFamily="34" charset="0"/>
-              </a:rPr>
-              <a:t>찾아다녀도, 품에 과실이 너의 때까지 청춘의 가치를 것이다. 방황하였으며, 어디 열매를 스며들어 있다. 투명하되 품고 피가 피고사막이다. 열매를 가슴이 커다란 힘차게 무엇을 것이다.</a:t>
-            </a:r>
-            <a:endParaRPr lang="en-US" dirty="0"/>
-          </a:p>
-        </p:txBody>
-      </p:sp>
+      </p:pic>
     </p:spTree>
+    <p:extLst>
+      <p:ext uri="{BB962C8B-B14F-4D97-AF65-F5344CB8AC3E}">
+        <p14:creationId xmlns:p14="http://schemas.microsoft.com/office/powerpoint/2010/main" val="4126864378"/>
+      </p:ext>
+    </p:extLst>
   </p:cSld>
   <p:clrMapOvr>
     <a:masterClrMapping/>
@@ -4974,11 +4032,460 @@
 
 <file path=ppt/slides/slide11.xml><?xml version="1.0" encoding="utf-8"?>
 <p:sld xmlns:a="http://schemas.openxmlformats.org/drawingml/2006/main" xmlns:r="http://schemas.openxmlformats.org/officeDocument/2006/relationships" xmlns:p="http://schemas.openxmlformats.org/presentationml/2006/main">
-  <p:cSld name="Slide 3">
+  <p:cSld>
+    <p:spTree>
+      <p:nvGrpSpPr>
+        <p:cNvPr id="1" name=""/>
+        <p:cNvGrpSpPr/>
+        <p:nvPr/>
+      </p:nvGrpSpPr>
+      <p:grpSpPr>
+        <a:xfrm>
+          <a:off x="0" y="0"/>
+          <a:ext cx="0" cy="0"/>
+          <a:chOff x="0" y="0"/>
+          <a:chExt cx="0" cy="0"/>
+        </a:xfrm>
+      </p:grpSpPr>
+      <p:sp>
+        <p:nvSpPr>
+          <p:cNvPr id="2" name="제목 1">
+            <a:extLst>
+              <a:ext uri="{FF2B5EF4-FFF2-40B4-BE49-F238E27FC236}">
+                <a16:creationId xmlns:a16="http://schemas.microsoft.com/office/drawing/2014/main" id="{FE5652E4-3207-6C05-2BDD-CC9BC10DE750}"/>
+              </a:ext>
+            </a:extLst>
+          </p:cNvPr>
+          <p:cNvSpPr>
+            <a:spLocks noGrp="1"/>
+          </p:cNvSpPr>
+          <p:nvPr>
+            <p:ph type="title"/>
+          </p:nvPr>
+        </p:nvSpPr>
+        <p:spPr/>
+        <p:txBody>
+          <a:bodyPr>
+            <a:normAutofit/>
+          </a:bodyPr>
+          <a:lstStyle/>
+          <a:p>
+            <a:r>
+              <a:rPr lang="ko-KR" altLang="en-US" dirty="0"/>
+              <a:t>카드 효과</a:t>
+            </a:r>
+          </a:p>
+        </p:txBody>
+      </p:sp>
+      <p:pic>
+        <p:nvPicPr>
+          <p:cNvPr id="6" name="그림 5">
+            <a:extLst>
+              <a:ext uri="{FF2B5EF4-FFF2-40B4-BE49-F238E27FC236}">
+                <a16:creationId xmlns:a16="http://schemas.microsoft.com/office/drawing/2014/main" id="{6F329CA1-789B-11E8-AAE9-494408003224}"/>
+              </a:ext>
+            </a:extLst>
+          </p:cNvPr>
+          <p:cNvPicPr>
+            <a:picLocks noChangeAspect="1"/>
+          </p:cNvPicPr>
+          <p:nvPr/>
+        </p:nvPicPr>
+        <p:blipFill rotWithShape="1">
+          <a:blip r:embed="rId2"/>
+          <a:srcRect l="6451" t="7072" r="6451" b="5706"/>
+          <a:stretch/>
+        </p:blipFill>
+        <p:spPr>
+          <a:xfrm>
+            <a:off x="6477000" y="2400300"/>
+            <a:ext cx="4114800" cy="5638800"/>
+          </a:xfrm>
+          <a:prstGeom prst="rect">
+            <a:avLst/>
+          </a:prstGeom>
+          <a:ln w="57150">
+            <a:solidFill>
+              <a:schemeClr val="tx1">
+                <a:lumMod val="50000"/>
+              </a:schemeClr>
+            </a:solidFill>
+          </a:ln>
+        </p:spPr>
+      </p:pic>
+      <p:sp>
+        <p:nvSpPr>
+          <p:cNvPr id="7" name="TextBox 6">
+            <a:extLst>
+              <a:ext uri="{FF2B5EF4-FFF2-40B4-BE49-F238E27FC236}">
+                <a16:creationId xmlns:a16="http://schemas.microsoft.com/office/drawing/2014/main" id="{5D7916A6-1404-92A5-3B9B-EEBC620E6F2F}"/>
+              </a:ext>
+            </a:extLst>
+          </p:cNvPr>
+          <p:cNvSpPr txBox="1"/>
+          <p:nvPr/>
+        </p:nvSpPr>
+        <p:spPr>
+          <a:xfrm>
+            <a:off x="1905000" y="7331214"/>
+            <a:ext cx="4724400" cy="707886"/>
+          </a:xfrm>
+          <a:prstGeom prst="rect">
+            <a:avLst/>
+          </a:prstGeom>
+          <a:noFill/>
+        </p:spPr>
+        <p:txBody>
+          <a:bodyPr wrap="square" rtlCol="0">
+            <a:spAutoFit/>
+          </a:bodyPr>
+          <a:lstStyle/>
+          <a:p>
+            <a:r>
+              <a:rPr lang="ko-KR" altLang="en-US" sz="3200" dirty="0"/>
+              <a:t>이만큼의 자원을 받는다 </a:t>
+            </a:r>
+            <a:r>
+              <a:rPr lang="en-US" altLang="ko-KR" sz="4000" dirty="0"/>
+              <a:t>-&gt;</a:t>
+            </a:r>
+            <a:endParaRPr lang="ko-KR" altLang="en-US" sz="3200" dirty="0"/>
+          </a:p>
+        </p:txBody>
+      </p:sp>
+      <p:sp>
+        <p:nvSpPr>
+          <p:cNvPr id="8" name="TextBox 7">
+            <a:extLst>
+              <a:ext uri="{FF2B5EF4-FFF2-40B4-BE49-F238E27FC236}">
+                <a16:creationId xmlns:a16="http://schemas.microsoft.com/office/drawing/2014/main" id="{2498DD0E-C170-0141-F527-E4749A92887E}"/>
+              </a:ext>
+            </a:extLst>
+          </p:cNvPr>
+          <p:cNvSpPr txBox="1"/>
+          <p:nvPr/>
+        </p:nvSpPr>
+        <p:spPr>
+          <a:xfrm>
+            <a:off x="11430000" y="2389267"/>
+            <a:ext cx="4724400" cy="1323439"/>
+          </a:xfrm>
+          <a:prstGeom prst="rect">
+            <a:avLst/>
+          </a:prstGeom>
+          <a:noFill/>
+        </p:spPr>
+        <p:txBody>
+          <a:bodyPr wrap="square" rtlCol="0">
+            <a:spAutoFit/>
+          </a:bodyPr>
+          <a:lstStyle/>
+          <a:p>
+            <a:r>
+              <a:rPr lang="ko-KR" altLang="en-US" sz="4000" dirty="0"/>
+              <a:t>이 카드는</a:t>
+            </a:r>
+            <a:endParaRPr lang="en-US" altLang="ko-KR" sz="4000" dirty="0"/>
+          </a:p>
+          <a:p>
+            <a:r>
+              <a:rPr lang="en-US" altLang="ko-KR" sz="4000" dirty="0"/>
+              <a:t>&lt;</a:t>
+            </a:r>
+            <a:r>
+              <a:rPr lang="ko-KR" altLang="en-US" sz="4000" dirty="0"/>
+              <a:t>종료 카드</a:t>
+            </a:r>
+            <a:r>
+              <a:rPr lang="en-US" altLang="ko-KR" sz="4000" dirty="0"/>
+              <a:t>&gt;</a:t>
+            </a:r>
+            <a:endParaRPr lang="ko-KR" altLang="en-US" sz="4000" dirty="0"/>
+          </a:p>
+        </p:txBody>
+      </p:sp>
+    </p:spTree>
+    <p:extLst>
+      <p:ext uri="{BB962C8B-B14F-4D97-AF65-F5344CB8AC3E}">
+        <p14:creationId xmlns:p14="http://schemas.microsoft.com/office/powerpoint/2010/main" val="2738859117"/>
+      </p:ext>
+    </p:extLst>
+  </p:cSld>
+  <p:clrMapOvr>
+    <a:masterClrMapping/>
+  </p:clrMapOvr>
+</p:sld>
+</file>
+
+<file path=ppt/slides/slide12.xml><?xml version="1.0" encoding="utf-8"?>
+<p:sld xmlns:a="http://schemas.openxmlformats.org/drawingml/2006/main" xmlns:r="http://schemas.openxmlformats.org/officeDocument/2006/relationships" xmlns:p="http://schemas.openxmlformats.org/presentationml/2006/main">
+  <p:cSld>
+    <p:spTree>
+      <p:nvGrpSpPr>
+        <p:cNvPr id="1" name=""/>
+        <p:cNvGrpSpPr/>
+        <p:nvPr/>
+      </p:nvGrpSpPr>
+      <p:grpSpPr>
+        <a:xfrm>
+          <a:off x="0" y="0"/>
+          <a:ext cx="0" cy="0"/>
+          <a:chOff x="0" y="0"/>
+          <a:chExt cx="0" cy="0"/>
+        </a:xfrm>
+      </p:grpSpPr>
+      <p:sp>
+        <p:nvSpPr>
+          <p:cNvPr id="2" name="제목 1">
+            <a:extLst>
+              <a:ext uri="{FF2B5EF4-FFF2-40B4-BE49-F238E27FC236}">
+                <a16:creationId xmlns:a16="http://schemas.microsoft.com/office/drawing/2014/main" id="{FE5652E4-3207-6C05-2BDD-CC9BC10DE750}"/>
+              </a:ext>
+            </a:extLst>
+          </p:cNvPr>
+          <p:cNvSpPr>
+            <a:spLocks noGrp="1"/>
+          </p:cNvSpPr>
+          <p:nvPr>
+            <p:ph type="title"/>
+          </p:nvPr>
+        </p:nvSpPr>
+        <p:spPr/>
+        <p:txBody>
+          <a:bodyPr>
+            <a:normAutofit/>
+          </a:bodyPr>
+          <a:lstStyle/>
+          <a:p>
+            <a:r>
+              <a:rPr lang="ko-KR" altLang="en-US" dirty="0"/>
+              <a:t>시장</a:t>
+            </a:r>
+          </a:p>
+        </p:txBody>
+      </p:sp>
+      <p:pic>
+        <p:nvPicPr>
+          <p:cNvPr id="4" name="그림 3" descr="텍스트, 컴퓨터, 스크린샷, 여러개이(가) 표시된 사진&#10;&#10;자동 생성된 설명">
+            <a:extLst>
+              <a:ext uri="{FF2B5EF4-FFF2-40B4-BE49-F238E27FC236}">
+                <a16:creationId xmlns:a16="http://schemas.microsoft.com/office/drawing/2014/main" id="{EFB6EDB2-F7ED-2892-CBD5-0E8EBAF5629A}"/>
+              </a:ext>
+            </a:extLst>
+          </p:cNvPr>
+          <p:cNvPicPr>
+            <a:picLocks noChangeAspect="1"/>
+          </p:cNvPicPr>
+          <p:nvPr/>
+        </p:nvPicPr>
+        <p:blipFill>
+          <a:blip r:embed="rId2">
+            <a:extLst>
+              <a:ext uri="{28A0092B-C50C-407E-A947-70E740481C1C}">
+                <a14:useLocalDpi xmlns:a14="http://schemas.microsoft.com/office/drawing/2010/main" val="0"/>
+              </a:ext>
+            </a:extLst>
+          </a:blip>
+          <a:stretch>
+            <a:fillRect/>
+          </a:stretch>
+        </p:blipFill>
+        <p:spPr>
+          <a:xfrm>
+            <a:off x="2819400" y="1603955"/>
+            <a:ext cx="12649200" cy="7079090"/>
+          </a:xfrm>
+          <a:prstGeom prst="rect">
+            <a:avLst/>
+          </a:prstGeom>
+        </p:spPr>
+      </p:pic>
+    </p:spTree>
+    <p:extLst>
+      <p:ext uri="{BB962C8B-B14F-4D97-AF65-F5344CB8AC3E}">
+        <p14:creationId xmlns:p14="http://schemas.microsoft.com/office/powerpoint/2010/main" val="1532287747"/>
+      </p:ext>
+    </p:extLst>
+  </p:cSld>
+  <p:clrMapOvr>
+    <a:masterClrMapping/>
+  </p:clrMapOvr>
+</p:sld>
+</file>
+
+<file path=ppt/slides/slide13.xml><?xml version="1.0" encoding="utf-8"?>
+<p:sld xmlns:a="http://schemas.openxmlformats.org/drawingml/2006/main" xmlns:r="http://schemas.openxmlformats.org/officeDocument/2006/relationships" xmlns:p="http://schemas.openxmlformats.org/presentationml/2006/main">
+  <p:cSld>
+    <p:spTree>
+      <p:nvGrpSpPr>
+        <p:cNvPr id="1" name=""/>
+        <p:cNvGrpSpPr/>
+        <p:nvPr/>
+      </p:nvGrpSpPr>
+      <p:grpSpPr>
+        <a:xfrm>
+          <a:off x="0" y="0"/>
+          <a:ext cx="0" cy="0"/>
+          <a:chOff x="0" y="0"/>
+          <a:chExt cx="0" cy="0"/>
+        </a:xfrm>
+      </p:grpSpPr>
+      <p:sp>
+        <p:nvSpPr>
+          <p:cNvPr id="2" name="제목 1">
+            <a:extLst>
+              <a:ext uri="{FF2B5EF4-FFF2-40B4-BE49-F238E27FC236}">
+                <a16:creationId xmlns:a16="http://schemas.microsoft.com/office/drawing/2014/main" id="{1672A35D-FB0E-C311-1826-95AC3607A3B2}"/>
+              </a:ext>
+            </a:extLst>
+          </p:cNvPr>
+          <p:cNvSpPr>
+            <a:spLocks noGrp="1"/>
+          </p:cNvSpPr>
+          <p:nvPr>
+            <p:ph type="title"/>
+          </p:nvPr>
+        </p:nvSpPr>
+        <p:spPr/>
+        <p:txBody>
+          <a:bodyPr/>
+          <a:lstStyle/>
+          <a:p>
+            <a:r>
+              <a:rPr lang="ko-KR" altLang="en-US" dirty="0"/>
+              <a:t>게임 종료 조건</a:t>
+            </a:r>
+          </a:p>
+        </p:txBody>
+      </p:sp>
+      <p:pic>
+        <p:nvPicPr>
+          <p:cNvPr id="3" name="그림 2">
+            <a:extLst>
+              <a:ext uri="{FF2B5EF4-FFF2-40B4-BE49-F238E27FC236}">
+                <a16:creationId xmlns:a16="http://schemas.microsoft.com/office/drawing/2014/main" id="{5327C131-064A-ED4A-ED65-CD703747C292}"/>
+              </a:ext>
+            </a:extLst>
+          </p:cNvPr>
+          <p:cNvPicPr>
+            <a:picLocks noChangeAspect="1"/>
+          </p:cNvPicPr>
+          <p:nvPr/>
+        </p:nvPicPr>
+        <p:blipFill rotWithShape="1">
+          <a:blip r:embed="rId2"/>
+          <a:srcRect l="6451" t="7072" r="6451" b="5706"/>
+          <a:stretch/>
+        </p:blipFill>
+        <p:spPr>
+          <a:xfrm>
+            <a:off x="6791960" y="2628900"/>
+            <a:ext cx="4191000" cy="5743222"/>
+          </a:xfrm>
+          <a:prstGeom prst="rect">
+            <a:avLst/>
+          </a:prstGeom>
+          <a:ln w="76200">
+            <a:solidFill>
+              <a:schemeClr val="tx1">
+                <a:lumMod val="50000"/>
+              </a:schemeClr>
+            </a:solidFill>
+          </a:ln>
+        </p:spPr>
+      </p:pic>
+      <p:pic>
+        <p:nvPicPr>
+          <p:cNvPr id="5" name="그림 4">
+            <a:extLst>
+              <a:ext uri="{FF2B5EF4-FFF2-40B4-BE49-F238E27FC236}">
+                <a16:creationId xmlns:a16="http://schemas.microsoft.com/office/drawing/2014/main" id="{F15633A7-D8F3-A035-1613-6AD6AA1B54F9}"/>
+              </a:ext>
+            </a:extLst>
+          </p:cNvPr>
+          <p:cNvPicPr>
+            <a:picLocks noChangeAspect="1"/>
+          </p:cNvPicPr>
+          <p:nvPr/>
+        </p:nvPicPr>
+        <p:blipFill rotWithShape="1">
+          <a:blip r:embed="rId3"/>
+          <a:srcRect l="2986" t="2848" r="3346" b="3450"/>
+          <a:stretch/>
+        </p:blipFill>
+        <p:spPr>
+          <a:xfrm>
+            <a:off x="1447800" y="2628900"/>
+            <a:ext cx="4114800" cy="5731328"/>
+          </a:xfrm>
+          <a:prstGeom prst="rect">
+            <a:avLst/>
+          </a:prstGeom>
+          <a:ln w="76200">
+            <a:solidFill>
+              <a:schemeClr val="tx1">
+                <a:lumMod val="50000"/>
+              </a:schemeClr>
+            </a:solidFill>
+          </a:ln>
+        </p:spPr>
+      </p:pic>
+      <p:pic>
+        <p:nvPicPr>
+          <p:cNvPr id="7" name="그림 6">
+            <a:extLst>
+              <a:ext uri="{FF2B5EF4-FFF2-40B4-BE49-F238E27FC236}">
+                <a16:creationId xmlns:a16="http://schemas.microsoft.com/office/drawing/2014/main" id="{11D28119-0912-0E50-99AB-2476510415F8}"/>
+              </a:ext>
+            </a:extLst>
+          </p:cNvPr>
+          <p:cNvPicPr>
+            <a:picLocks noChangeAspect="1"/>
+          </p:cNvPicPr>
+          <p:nvPr/>
+        </p:nvPicPr>
+        <p:blipFill rotWithShape="1">
+          <a:blip r:embed="rId4"/>
+          <a:srcRect l="1897" t="-602" r="1354" b="-1"/>
+          <a:stretch/>
+        </p:blipFill>
+        <p:spPr>
+          <a:xfrm>
+            <a:off x="12192000" y="2628900"/>
+            <a:ext cx="4048093" cy="5743222"/>
+          </a:xfrm>
+          <a:prstGeom prst="rect">
+            <a:avLst/>
+          </a:prstGeom>
+          <a:ln w="76200">
+            <a:solidFill>
+              <a:schemeClr val="tx1">
+                <a:lumMod val="50000"/>
+              </a:schemeClr>
+            </a:solidFill>
+          </a:ln>
+        </p:spPr>
+      </p:pic>
+    </p:spTree>
+    <p:extLst>
+      <p:ext uri="{BB962C8B-B14F-4D97-AF65-F5344CB8AC3E}">
+        <p14:creationId xmlns:p14="http://schemas.microsoft.com/office/powerpoint/2010/main" val="2691355006"/>
+      </p:ext>
+    </p:extLst>
+  </p:cSld>
+  <p:clrMapOvr>
+    <a:masterClrMapping/>
+  </p:clrMapOvr>
+</p:sld>
+</file>
+
+<file path=ppt/slides/slide14.xml><?xml version="1.0" encoding="utf-8"?>
+<p:sld xmlns:a="http://schemas.openxmlformats.org/drawingml/2006/main" xmlns:r="http://schemas.openxmlformats.org/officeDocument/2006/relationships" xmlns:p="http://schemas.openxmlformats.org/presentationml/2006/main">
+  <p:cSld>
     <p:bg>
       <p:bgPr>
         <a:solidFill>
-          <a:srgbClr val="E1E0DA"/>
+          <a:schemeClr val="tx1"/>
         </a:solidFill>
         <a:effectLst/>
       </p:bgPr>
@@ -5005,10 +4512,10 @@
         </p:nvGrpSpPr>
         <p:grpSpPr>
           <a:xfrm>
-            <a:off x="11691336" y="2325518"/>
-            <a:ext cx="5161523" cy="5161523"/>
-            <a:chOff x="11691336" y="2325518"/>
-            <a:chExt cx="5161523" cy="5161523"/>
+            <a:off x="4461145" y="2022993"/>
+            <a:ext cx="6371182" cy="6371182"/>
+            <a:chOff x="4461145" y="2022993"/>
+            <a:chExt cx="6371182" cy="6371182"/>
           </a:xfrm>
         </p:grpSpPr>
         <p:pic>
@@ -5026,765 +4533,9 @@
             </a:stretch>
           </p:blipFill>
           <p:spPr>
-            <a:xfrm>
-              <a:off x="11691336" y="2325518"/>
-              <a:ext cx="5161523" cy="5161523"/>
-            </a:xfrm>
-            <a:prstGeom prst="rect">
-              <a:avLst/>
-            </a:prstGeom>
-          </p:spPr>
-        </p:pic>
-      </p:grpSp>
-      <p:sp>
-        <p:nvSpPr>
-          <p:cNvPr id="5" name="Object 5"/>
-          <p:cNvSpPr txBox="1"/>
-          <p:nvPr/>
-        </p:nvSpPr>
-        <p:spPr>
-          <a:xfrm>
-            <a:off x="2760081" y="2268238"/>
-            <a:ext cx="2563371" cy="345135"/>
-          </a:xfrm>
-          <a:prstGeom prst="rect">
-            <a:avLst/>
-          </a:prstGeom>
-          <a:noFill/>
-        </p:spPr>
-        <p:txBody>
-          <a:bodyPr wrap="square" rtlCol="0" anchor="ctr">
-            <a:spAutoFit/>
-          </a:bodyPr>
-          <a:lstStyle/>
-          <a:p>
-            <a:r>
-              <a:rPr lang="en-US" sz="1300" kern="0" spc="200" dirty="0">
-                <a:solidFill>
-                  <a:srgbClr val="4E4E4E"/>
-                </a:solidFill>
-                <a:latin typeface="S-Core Dream 3 Light" pitchFamily="34" charset="0"/>
-                <a:cs typeface="S-Core Dream 3 Light" pitchFamily="34" charset="0"/>
-              </a:rPr>
-              <a:t>CONTENTS</a:t>
-            </a:r>
-            <a:endParaRPr lang="en-US" dirty="0"/>
-          </a:p>
-        </p:txBody>
-      </p:sp>
-      <p:sp>
-        <p:nvSpPr>
-          <p:cNvPr id="6" name="Object 6"/>
-          <p:cNvSpPr txBox="1"/>
-          <p:nvPr/>
-        </p:nvSpPr>
-        <p:spPr>
-          <a:xfrm>
-            <a:off x="2744927" y="1626054"/>
-            <a:ext cx="1981683" cy="959726"/>
-          </a:xfrm>
-          <a:prstGeom prst="rect">
-            <a:avLst/>
-          </a:prstGeom>
-          <a:noFill/>
-        </p:spPr>
-        <p:txBody>
-          <a:bodyPr wrap="square" rtlCol="0" anchor="ctr">
-            <a:spAutoFit/>
-          </a:bodyPr>
-          <a:lstStyle/>
-          <a:p>
-            <a:r>
-              <a:rPr lang="en-US" sz="3600" kern="0" spc="300" dirty="0">
-                <a:solidFill>
-                  <a:srgbClr val="4E4E4E"/>
-                </a:solidFill>
-                <a:latin typeface="S-Core Dream 5 Medium" pitchFamily="34" charset="0"/>
-                <a:cs typeface="S-Core Dream 5 Medium" pitchFamily="34" charset="0"/>
-              </a:rPr>
-              <a:t>01</a:t>
-            </a:r>
-            <a:endParaRPr lang="en-US" dirty="0"/>
-          </a:p>
-        </p:txBody>
-      </p:sp>
-      <p:sp>
-        <p:nvSpPr>
-          <p:cNvPr id="7" name="Object 7"/>
-          <p:cNvSpPr txBox="1"/>
-          <p:nvPr/>
-        </p:nvSpPr>
-        <p:spPr>
-          <a:xfrm>
-            <a:off x="2744927" y="4030535"/>
-            <a:ext cx="6398942" cy="6626339"/>
-          </a:xfrm>
-          <a:prstGeom prst="rect">
-            <a:avLst/>
-          </a:prstGeom>
-          <a:noFill/>
-        </p:spPr>
-        <p:txBody>
-          <a:bodyPr wrap="square" rtlCol="0" anchor="t">
-            <a:spAutoFit/>
-          </a:bodyPr>
-          <a:lstStyle/>
-          <a:p>
-            <a:r>
-              <a:rPr lang="en-US" sz="1900" kern="0" spc="-100" dirty="0">
-                <a:solidFill>
-                  <a:srgbClr val="4E4E4E"/>
-                </a:solidFill>
-                <a:latin typeface="S-Core Dream 5 Medium" pitchFamily="34" charset="0"/>
-                <a:cs typeface="S-Core Dream 5 Medium" pitchFamily="34" charset="0"/>
-              </a:rPr>
-              <a:t>프레젠테이션 핵심을 입력해주세요</a:t>
-            </a:r>
-          </a:p>
-          <a:p>
-            <a:endParaRPr lang="en-US" sz="1900" kern="0" spc="-100" dirty="0">
-              <a:solidFill>
-                <a:srgbClr val="4E4E4E"/>
-              </a:solidFill>
-              <a:latin typeface="S-Core Dream 5 Medium" pitchFamily="34" charset="0"/>
-              <a:cs typeface="S-Core Dream 5 Medium" pitchFamily="34" charset="0"/>
-            </a:endParaRPr>
-          </a:p>
-          <a:p>
-            <a:r>
-              <a:rPr lang="en-US" sz="1300" kern="0" spc="-100" dirty="0">
-                <a:solidFill>
-                  <a:srgbClr val="4E4E4E"/>
-                </a:solidFill>
-                <a:latin typeface="S-Core Dream 4 Regular" pitchFamily="34" charset="0"/>
-                <a:cs typeface="S-Core Dream 4 Regular" pitchFamily="34" charset="0"/>
-              </a:rPr>
-              <a:t>피어나는 대한 속잎나고, 아니한 미인을 철환하였는가? 이상 쓸쓸한 인간은 보라. 피가 것은 그것을 내는 얼음 구하지 간에 이성은 교향악이다. 동산에는 무한한 가진 그들의 미묘한 가치를 것이다. 찾아다녀도, 그들은 생명을 끝에 것이 따뜻한 하여도 쓸쓸하랴? 그러므로 행복스럽고 모래뿐일 밥을 우는 우리 이 품에 용감하고 봄바람이다곧 품으며, 피어나기 없으면 설레는 말이다.</a:t>
-            </a:r>
-          </a:p>
-          <a:p>
-            <a:endParaRPr lang="en-US" sz="1300" kern="0" spc="-100" dirty="0">
-              <a:solidFill>
-                <a:srgbClr val="4E4E4E"/>
-              </a:solidFill>
-              <a:latin typeface="S-Core Dream 4 Regular" pitchFamily="34" charset="0"/>
-              <a:cs typeface="S-Core Dream 4 Regular" pitchFamily="34" charset="0"/>
-            </a:endParaRPr>
-          </a:p>
-          <a:p>
-            <a:r>
-              <a:rPr lang="en-US" sz="1300" kern="0" spc="-100" dirty="0">
-                <a:solidFill>
-                  <a:srgbClr val="4E4E4E"/>
-                </a:solidFill>
-                <a:latin typeface="S-Core Dream 4 Regular" pitchFamily="34" charset="0"/>
-                <a:cs typeface="S-Core Dream 4 Regular" pitchFamily="34" charset="0"/>
-              </a:rPr>
-              <a:t>그들은 듣기만 인도하겠다는 그들의 위하여, 피에 보라. 가치를 이성은 풍부하게 귀는 인간이 발휘하기 지혜는 듣는다. 천지는 위하여 가치를 속잎나고, 봄바람을 그림자는 미인을 전인 우리는 것이다. 청춘이 스며들어 새가 이것이야말로 커다란 돋고, 이상은 할지라도 눈에 피다. </a:t>
-            </a:r>
-            <a:endParaRPr lang="en-US" dirty="0"/>
-          </a:p>
-        </p:txBody>
-      </p:sp>
-      <p:grpSp>
-        <p:nvGrpSpPr>
-          <p:cNvPr id="1002" name="그룹 1002"/>
-          <p:cNvGrpSpPr/>
-          <p:nvPr/>
-        </p:nvGrpSpPr>
-        <p:grpSpPr>
-          <a:xfrm>
-            <a:off x="9937247" y="4580929"/>
-            <a:ext cx="2772056" cy="2772056"/>
-            <a:chOff x="9937247" y="4580929"/>
-            <a:chExt cx="2772056" cy="2772056"/>
-          </a:xfrm>
-        </p:grpSpPr>
-        <p:pic>
-          <p:nvPicPr>
-            <p:cNvPr id="9" name="Object 8"/>
-            <p:cNvPicPr>
-              <a:picLocks noChangeAspect="1"/>
-            </p:cNvPicPr>
-            <p:nvPr/>
-          </p:nvPicPr>
-          <p:blipFill>
-            <a:blip r:embed="rId3" cstate="print"/>
-            <a:stretch>
-              <a:fillRect/>
-            </a:stretch>
-          </p:blipFill>
-          <p:spPr>
-            <a:xfrm rot="-10800000">
-              <a:off x="9937247" y="4580929"/>
-              <a:ext cx="2772056" cy="2772056"/>
-            </a:xfrm>
-            <a:prstGeom prst="rect">
-              <a:avLst/>
-            </a:prstGeom>
-          </p:spPr>
-        </p:pic>
-      </p:grpSp>
-      <p:grpSp>
-        <p:nvGrpSpPr>
-          <p:cNvPr id="1003" name="그룹 1003"/>
-          <p:cNvGrpSpPr/>
-          <p:nvPr/>
-        </p:nvGrpSpPr>
-        <p:grpSpPr>
-          <a:xfrm>
-            <a:off x="8153202" y="2459575"/>
-            <a:ext cx="2772056" cy="2772056"/>
-            <a:chOff x="8153202" y="2459575"/>
-            <a:chExt cx="2772056" cy="2772056"/>
-          </a:xfrm>
-        </p:grpSpPr>
-        <p:pic>
-          <p:nvPicPr>
-            <p:cNvPr id="12" name="Object 11"/>
-            <p:cNvPicPr>
-              <a:picLocks noChangeAspect="1"/>
-            </p:cNvPicPr>
-            <p:nvPr/>
-          </p:nvPicPr>
-          <p:blipFill>
-            <a:blip r:embed="rId3" cstate="print"/>
-            <a:stretch>
-              <a:fillRect/>
-            </a:stretch>
-          </p:blipFill>
-          <p:spPr>
-            <a:xfrm>
-              <a:off x="8153202" y="2459575"/>
-              <a:ext cx="2772056" cy="2772056"/>
-            </a:xfrm>
-            <a:prstGeom prst="rect">
-              <a:avLst/>
-            </a:prstGeom>
-          </p:spPr>
-        </p:pic>
-      </p:grpSp>
-      <p:grpSp>
-        <p:nvGrpSpPr>
-          <p:cNvPr id="1004" name="그룹 1004"/>
-          <p:cNvGrpSpPr/>
-          <p:nvPr/>
-        </p:nvGrpSpPr>
-        <p:grpSpPr>
-          <a:xfrm>
-            <a:off x="8133484" y="4533916"/>
-            <a:ext cx="2811492" cy="2811492"/>
-            <a:chOff x="8133484" y="4533916"/>
-            <a:chExt cx="2811492" cy="2811492"/>
-          </a:xfrm>
-        </p:grpSpPr>
-        <p:pic>
-          <p:nvPicPr>
-            <p:cNvPr id="15" name="Object 14"/>
-            <p:cNvPicPr>
-              <a:picLocks noChangeAspect="1"/>
-            </p:cNvPicPr>
-            <p:nvPr/>
-          </p:nvPicPr>
-          <p:blipFill>
-            <a:blip r:embed="rId4" cstate="print"/>
-            <a:stretch>
-              <a:fillRect/>
-            </a:stretch>
-          </p:blipFill>
-          <p:spPr>
-            <a:xfrm rot="-16200000">
-              <a:off x="8133484" y="4533916"/>
-              <a:ext cx="2811492" cy="2811492"/>
-            </a:xfrm>
-            <a:prstGeom prst="rect">
-              <a:avLst/>
-            </a:prstGeom>
-          </p:spPr>
-        </p:pic>
-      </p:grpSp>
-      <p:grpSp>
-        <p:nvGrpSpPr>
-          <p:cNvPr id="1005" name="그룹 1005"/>
-          <p:cNvGrpSpPr/>
-          <p:nvPr/>
-        </p:nvGrpSpPr>
-        <p:grpSpPr>
-          <a:xfrm>
-            <a:off x="9917528" y="2467152"/>
-            <a:ext cx="2811492" cy="2811492"/>
-            <a:chOff x="9917528" y="2467152"/>
-            <a:chExt cx="2811492" cy="2811492"/>
-          </a:xfrm>
-        </p:grpSpPr>
-        <p:pic>
-          <p:nvPicPr>
-            <p:cNvPr id="18" name="Object 17"/>
-            <p:cNvPicPr>
-              <a:picLocks noChangeAspect="1"/>
-            </p:cNvPicPr>
-            <p:nvPr/>
-          </p:nvPicPr>
-          <p:blipFill>
-            <a:blip r:embed="rId4" cstate="print"/>
-            <a:stretch>
-              <a:fillRect/>
-            </a:stretch>
-          </p:blipFill>
-          <p:spPr>
-            <a:xfrm rot="-27000000">
-              <a:off x="9917528" y="2467152"/>
-              <a:ext cx="2811492" cy="2811492"/>
-            </a:xfrm>
-            <a:prstGeom prst="rect">
-              <a:avLst/>
-            </a:prstGeom>
-          </p:spPr>
-        </p:pic>
-      </p:grpSp>
-      <p:grpSp>
-        <p:nvGrpSpPr>
-          <p:cNvPr id="1006" name="그룹 1006"/>
-          <p:cNvGrpSpPr/>
-          <p:nvPr/>
-        </p:nvGrpSpPr>
-        <p:grpSpPr>
-          <a:xfrm>
-            <a:off x="10036933" y="3358878"/>
-            <a:ext cx="2572683" cy="1028991"/>
-            <a:chOff x="10036933" y="3358878"/>
-            <a:chExt cx="2572683" cy="1028991"/>
-          </a:xfrm>
-        </p:grpSpPr>
-        <p:sp>
-          <p:nvSpPr>
-            <p:cNvPr id="21" name="Object 21"/>
-            <p:cNvSpPr txBox="1"/>
-            <p:nvPr/>
-          </p:nvSpPr>
-          <p:spPr>
-            <a:xfrm>
-              <a:off x="9461955" y="3358878"/>
-              <a:ext cx="3722639" cy="647128"/>
-            </a:xfrm>
-            <a:prstGeom prst="rect">
-              <a:avLst/>
-            </a:prstGeom>
-            <a:noFill/>
-          </p:spPr>
-          <p:txBody>
-            <a:bodyPr wrap="square" rtlCol="0" anchor="t">
-              <a:spAutoFit/>
-            </a:bodyPr>
-            <a:lstStyle/>
-            <a:p>
-              <a:pPr algn="ctr"/>
-              <a:r>
-                <a:rPr lang="en-US" sz="2400" kern="0" spc="-100" dirty="0">
-                  <a:solidFill>
-                    <a:srgbClr val="E1E0DA"/>
-                  </a:solidFill>
-                  <a:latin typeface="S-Core Dream 6 Bold" pitchFamily="34" charset="0"/>
-                  <a:cs typeface="S-Core Dream 6 Bold" pitchFamily="34" charset="0"/>
-                </a:rPr>
-                <a:t>KEYWORD</a:t>
-              </a:r>
-              <a:endParaRPr lang="en-US" dirty="0"/>
-            </a:p>
-          </p:txBody>
-        </p:sp>
-        <p:sp>
-          <p:nvSpPr>
-            <p:cNvPr id="22" name="Object 22"/>
-            <p:cNvSpPr txBox="1"/>
-            <p:nvPr/>
-          </p:nvSpPr>
-          <p:spPr>
-            <a:xfrm>
-              <a:off x="9393763" y="3758516"/>
-              <a:ext cx="3859024" cy="755224"/>
-            </a:xfrm>
-            <a:prstGeom prst="rect">
-              <a:avLst/>
-            </a:prstGeom>
-            <a:noFill/>
-          </p:spPr>
-          <p:txBody>
-            <a:bodyPr wrap="square" rtlCol="0" anchor="ctr">
-              <a:spAutoFit/>
-            </a:bodyPr>
-            <a:lstStyle/>
-            <a:p>
-              <a:pPr algn="ctr"/>
-              <a:r>
-                <a:rPr lang="en-US" sz="1400" kern="0" spc="-100" dirty="0">
-                  <a:solidFill>
-                    <a:srgbClr val="E1E0DA"/>
-                  </a:solidFill>
-                  <a:latin typeface="S-Core Dream 4 Regular" pitchFamily="34" charset="0"/>
-                  <a:cs typeface="S-Core Dream 4 Regular" pitchFamily="34" charset="0"/>
-                </a:rPr>
-                <a:t>키워드에 관한 </a:t>
-              </a:r>
-            </a:p>
-            <a:p>
-              <a:pPr algn="ctr"/>
-              <a:r>
-                <a:rPr lang="en-US" sz="1400" kern="0" spc="-100" dirty="0">
-                  <a:solidFill>
-                    <a:srgbClr val="E1E0DA"/>
-                  </a:solidFill>
-                  <a:latin typeface="S-Core Dream 4 Regular" pitchFamily="34" charset="0"/>
-                  <a:cs typeface="S-Core Dream 4 Regular" pitchFamily="34" charset="0"/>
-                </a:rPr>
-                <a:t>설명을 적어주세요!</a:t>
-              </a:r>
-              <a:endParaRPr lang="en-US" dirty="0"/>
-            </a:p>
-          </p:txBody>
-        </p:sp>
-      </p:grpSp>
-      <p:grpSp>
-        <p:nvGrpSpPr>
-          <p:cNvPr id="1007" name="그룹 1007"/>
-          <p:cNvGrpSpPr/>
-          <p:nvPr/>
-        </p:nvGrpSpPr>
-        <p:grpSpPr>
-          <a:xfrm>
-            <a:off x="8260466" y="5480232"/>
-            <a:ext cx="2572683" cy="1028991"/>
-            <a:chOff x="8260466" y="5480232"/>
-            <a:chExt cx="2572683" cy="1028991"/>
-          </a:xfrm>
-        </p:grpSpPr>
-        <p:sp>
-          <p:nvSpPr>
-            <p:cNvPr id="25" name="Object 25"/>
-            <p:cNvSpPr txBox="1"/>
-            <p:nvPr/>
-          </p:nvSpPr>
-          <p:spPr>
-            <a:xfrm>
-              <a:off x="7685488" y="5480232"/>
-              <a:ext cx="3722639" cy="647128"/>
-            </a:xfrm>
-            <a:prstGeom prst="rect">
-              <a:avLst/>
-            </a:prstGeom>
-            <a:noFill/>
-          </p:spPr>
-          <p:txBody>
-            <a:bodyPr wrap="square" rtlCol="0" anchor="t">
-              <a:spAutoFit/>
-            </a:bodyPr>
-            <a:lstStyle/>
-            <a:p>
-              <a:pPr algn="ctr"/>
-              <a:r>
-                <a:rPr lang="en-US" sz="2400" kern="0" spc="-100" dirty="0">
-                  <a:solidFill>
-                    <a:srgbClr val="E1E0DA"/>
-                  </a:solidFill>
-                  <a:latin typeface="S-Core Dream 6 Bold" pitchFamily="34" charset="0"/>
-                  <a:cs typeface="S-Core Dream 6 Bold" pitchFamily="34" charset="0"/>
-                </a:rPr>
-                <a:t>KEYWORD</a:t>
-              </a:r>
-              <a:endParaRPr lang="en-US" dirty="0"/>
-            </a:p>
-          </p:txBody>
-        </p:sp>
-        <p:sp>
-          <p:nvSpPr>
-            <p:cNvPr id="26" name="Object 26"/>
-            <p:cNvSpPr txBox="1"/>
-            <p:nvPr/>
-          </p:nvSpPr>
-          <p:spPr>
-            <a:xfrm>
-              <a:off x="7617295" y="5879870"/>
-              <a:ext cx="3859024" cy="755224"/>
-            </a:xfrm>
-            <a:prstGeom prst="rect">
-              <a:avLst/>
-            </a:prstGeom>
-            <a:noFill/>
-          </p:spPr>
-          <p:txBody>
-            <a:bodyPr wrap="square" rtlCol="0" anchor="ctr">
-              <a:spAutoFit/>
-            </a:bodyPr>
-            <a:lstStyle/>
-            <a:p>
-              <a:pPr algn="ctr"/>
-              <a:r>
-                <a:rPr lang="en-US" sz="1400" kern="0" spc="-100" dirty="0">
-                  <a:solidFill>
-                    <a:srgbClr val="E1E0DA"/>
-                  </a:solidFill>
-                  <a:latin typeface="S-Core Dream 4 Regular" pitchFamily="34" charset="0"/>
-                  <a:cs typeface="S-Core Dream 4 Regular" pitchFamily="34" charset="0"/>
-                </a:rPr>
-                <a:t>키워드에 관한 </a:t>
-              </a:r>
-            </a:p>
-            <a:p>
-              <a:pPr algn="ctr"/>
-              <a:r>
-                <a:rPr lang="en-US" sz="1400" kern="0" spc="-100" dirty="0">
-                  <a:solidFill>
-                    <a:srgbClr val="E1E0DA"/>
-                  </a:solidFill>
-                  <a:latin typeface="S-Core Dream 4 Regular" pitchFamily="34" charset="0"/>
-                  <a:cs typeface="S-Core Dream 4 Regular" pitchFamily="34" charset="0"/>
-                </a:rPr>
-                <a:t>설명을 적어주세요!</a:t>
-              </a:r>
-              <a:endParaRPr lang="en-US" dirty="0"/>
-            </a:p>
-          </p:txBody>
-        </p:sp>
-      </p:grpSp>
-      <p:grpSp>
-        <p:nvGrpSpPr>
-          <p:cNvPr id="1008" name="그룹 1008"/>
-          <p:cNvGrpSpPr/>
-          <p:nvPr/>
-        </p:nvGrpSpPr>
-        <p:grpSpPr>
-          <a:xfrm>
-            <a:off x="13075981" y="4417119"/>
-            <a:ext cx="2470200" cy="988001"/>
-            <a:chOff x="13075981" y="4417119"/>
-            <a:chExt cx="2470200" cy="988001"/>
-          </a:xfrm>
-        </p:grpSpPr>
-        <p:sp>
-          <p:nvSpPr>
-            <p:cNvPr id="29" name="Object 29"/>
-            <p:cNvSpPr txBox="1"/>
-            <p:nvPr/>
-          </p:nvSpPr>
-          <p:spPr>
-            <a:xfrm>
-              <a:off x="12523907" y="4417119"/>
-              <a:ext cx="3574348" cy="621350"/>
-            </a:xfrm>
-            <a:prstGeom prst="rect">
-              <a:avLst/>
-            </a:prstGeom>
-            <a:noFill/>
-          </p:spPr>
-          <p:txBody>
-            <a:bodyPr wrap="square" rtlCol="0" anchor="t">
-              <a:spAutoFit/>
-            </a:bodyPr>
-            <a:lstStyle/>
-            <a:p>
-              <a:pPr algn="ctr"/>
-              <a:r>
-                <a:rPr lang="en-US" sz="2300" kern="0" spc="-100" dirty="0">
-                  <a:solidFill>
-                    <a:srgbClr val="4E4E4E"/>
-                  </a:solidFill>
-                  <a:latin typeface="S-Core Dream 6 Bold" pitchFamily="34" charset="0"/>
-                  <a:cs typeface="S-Core Dream 6 Bold" pitchFamily="34" charset="0"/>
-                </a:rPr>
-                <a:t>KEYWORD</a:t>
-              </a:r>
-              <a:endParaRPr lang="en-US" dirty="0"/>
-            </a:p>
-          </p:txBody>
-        </p:sp>
-        <p:sp>
-          <p:nvSpPr>
-            <p:cNvPr id="30" name="Object 30"/>
-            <p:cNvSpPr txBox="1"/>
-            <p:nvPr/>
-          </p:nvSpPr>
-          <p:spPr>
-            <a:xfrm>
-              <a:off x="12458431" y="4800837"/>
-              <a:ext cx="3705299" cy="725139"/>
-            </a:xfrm>
-            <a:prstGeom prst="rect">
-              <a:avLst/>
-            </a:prstGeom>
-            <a:noFill/>
-          </p:spPr>
-          <p:txBody>
-            <a:bodyPr wrap="square" rtlCol="0" anchor="ctr">
-              <a:spAutoFit/>
-            </a:bodyPr>
-            <a:lstStyle/>
-            <a:p>
-              <a:pPr algn="ctr"/>
-              <a:r>
-                <a:rPr lang="en-US" sz="1400" kern="0" spc="-100" dirty="0">
-                  <a:solidFill>
-                    <a:srgbClr val="4E4E4E"/>
-                  </a:solidFill>
-                  <a:latin typeface="S-Core Dream 4 Regular" pitchFamily="34" charset="0"/>
-                  <a:cs typeface="S-Core Dream 4 Regular" pitchFamily="34" charset="0"/>
-                </a:rPr>
-                <a:t>키워드에 관한 </a:t>
-              </a:r>
-            </a:p>
-            <a:p>
-              <a:pPr algn="ctr"/>
-              <a:r>
-                <a:rPr lang="en-US" sz="1400" kern="0" spc="-100" dirty="0">
-                  <a:solidFill>
-                    <a:srgbClr val="4E4E4E"/>
-                  </a:solidFill>
-                  <a:latin typeface="S-Core Dream 4 Regular" pitchFamily="34" charset="0"/>
-                  <a:cs typeface="S-Core Dream 4 Regular" pitchFamily="34" charset="0"/>
-                </a:rPr>
-                <a:t>설명을 적어주세요!</a:t>
-              </a:r>
-              <a:endParaRPr lang="en-US" dirty="0"/>
-            </a:p>
-          </p:txBody>
-        </p:sp>
-      </p:grpSp>
-    </p:spTree>
-  </p:cSld>
-  <p:clrMapOvr>
-    <a:masterClrMapping/>
-  </p:clrMapOvr>
-</p:sld>
-</file>
-
-<file path=ppt/slides/slide12.xml><?xml version="1.0" encoding="utf-8"?>
-<p:sld xmlns:a="http://schemas.openxmlformats.org/drawingml/2006/main" xmlns:r="http://schemas.openxmlformats.org/officeDocument/2006/relationships" xmlns:p="http://schemas.openxmlformats.org/presentationml/2006/main">
-  <p:cSld name="Slide 5">
-    <p:bg>
-      <p:bgPr>
-        <a:solidFill>
-          <a:srgbClr val="E1E0DA"/>
-        </a:solidFill>
-        <a:effectLst/>
-      </p:bgPr>
-    </p:bg>
-    <p:spTree>
-      <p:nvGrpSpPr>
-        <p:cNvPr id="1" name=""/>
-        <p:cNvGrpSpPr/>
-        <p:nvPr/>
-      </p:nvGrpSpPr>
-      <p:grpSpPr>
-        <a:xfrm>
-          <a:off x="0" y="0"/>
-          <a:ext cx="0" cy="0"/>
-          <a:chOff x="0" y="0"/>
-          <a:chExt cx="0" cy="0"/>
-        </a:xfrm>
-      </p:grpSpPr>
-      <p:sp>
-        <p:nvSpPr>
-          <p:cNvPr id="2" name="Object 2"/>
-          <p:cNvSpPr txBox="1"/>
-          <p:nvPr/>
-        </p:nvSpPr>
-        <p:spPr>
-          <a:xfrm>
-            <a:off x="2760081" y="2268238"/>
-            <a:ext cx="2563371" cy="345135"/>
-          </a:xfrm>
-          <a:prstGeom prst="rect">
-            <a:avLst/>
-          </a:prstGeom>
-          <a:noFill/>
-        </p:spPr>
-        <p:txBody>
-          <a:bodyPr wrap="square" rtlCol="0" anchor="ctr">
-            <a:spAutoFit/>
-          </a:bodyPr>
-          <a:lstStyle/>
-          <a:p>
-            <a:r>
-              <a:rPr lang="en-US" sz="1300" kern="0" spc="200" dirty="0">
-                <a:solidFill>
-                  <a:srgbClr val="4E4E4E"/>
-                </a:solidFill>
-                <a:latin typeface="S-Core Dream 3 Light" pitchFamily="34" charset="0"/>
-                <a:cs typeface="S-Core Dream 3 Light" pitchFamily="34" charset="0"/>
-              </a:rPr>
-              <a:t>CONTENTS</a:t>
-            </a:r>
-            <a:endParaRPr lang="en-US" dirty="0"/>
-          </a:p>
-        </p:txBody>
-      </p:sp>
-      <p:sp>
-        <p:nvSpPr>
-          <p:cNvPr id="3" name="Object 3"/>
-          <p:cNvSpPr txBox="1"/>
-          <p:nvPr/>
-        </p:nvSpPr>
-        <p:spPr>
-          <a:xfrm>
-            <a:off x="2744927" y="1629514"/>
-            <a:ext cx="1981683" cy="959726"/>
-          </a:xfrm>
-          <a:prstGeom prst="rect">
-            <a:avLst/>
-          </a:prstGeom>
-          <a:noFill/>
-        </p:spPr>
-        <p:txBody>
-          <a:bodyPr wrap="square" rtlCol="0" anchor="ctr">
-            <a:spAutoFit/>
-          </a:bodyPr>
-          <a:lstStyle/>
-          <a:p>
-            <a:r>
-              <a:rPr lang="en-US" sz="3600" kern="0" spc="300" dirty="0">
-                <a:solidFill>
-                  <a:srgbClr val="4E4E4E"/>
-                </a:solidFill>
-                <a:latin typeface="S-Core Dream 5 Medium" pitchFamily="34" charset="0"/>
-                <a:cs typeface="S-Core Dream 5 Medium" pitchFamily="34" charset="0"/>
-              </a:rPr>
-              <a:t>03</a:t>
-            </a:r>
-            <a:endParaRPr lang="en-US" dirty="0"/>
-          </a:p>
-        </p:txBody>
-      </p:sp>
-      <p:grpSp>
-        <p:nvGrpSpPr>
-          <p:cNvPr id="1001" name="그룹 1001"/>
-          <p:cNvGrpSpPr/>
-          <p:nvPr/>
-        </p:nvGrpSpPr>
-        <p:grpSpPr>
-          <a:xfrm>
-            <a:off x="12039874" y="2519645"/>
-            <a:ext cx="5161523" cy="5161523"/>
-            <a:chOff x="12039874" y="2519645"/>
-            <a:chExt cx="5161523" cy="5161523"/>
-          </a:xfrm>
-        </p:grpSpPr>
-        <p:pic>
-          <p:nvPicPr>
-            <p:cNvPr id="5" name="Object 4"/>
-            <p:cNvPicPr>
-              <a:picLocks noChangeAspect="1"/>
-            </p:cNvPicPr>
-            <p:nvPr/>
-          </p:nvPicPr>
-          <p:blipFill>
-            <a:blip r:embed="rId2" cstate="print"/>
-            <a:stretch>
-              <a:fillRect/>
-            </a:stretch>
-          </p:blipFill>
-          <p:spPr>
-            <a:xfrm>
-              <a:off x="12039874" y="2519645"/>
-              <a:ext cx="5161523" cy="5161523"/>
+            <a:xfrm rot="-5400000">
+              <a:off x="4461145" y="2022993"/>
+              <a:ext cx="6371182" cy="6371182"/>
             </a:xfrm>
             <a:prstGeom prst="rect">
               <a:avLst/>
@@ -5800,2192 +4551,10 @@
         </p:nvGrpSpPr>
         <p:grpSpPr>
           <a:xfrm>
-            <a:off x="12541353" y="3021125"/>
-            <a:ext cx="4158564" cy="4158564"/>
-            <a:chOff x="12541353" y="3021125"/>
-            <a:chExt cx="4158564" cy="4158564"/>
-          </a:xfrm>
-        </p:grpSpPr>
-        <p:pic>
-          <p:nvPicPr>
-            <p:cNvPr id="8" name="Object 7"/>
-            <p:cNvPicPr>
-              <a:picLocks noChangeAspect="1"/>
-            </p:cNvPicPr>
-            <p:nvPr/>
-          </p:nvPicPr>
-          <p:blipFill>
-            <a:blip r:embed="rId3" cstate="print"/>
-            <a:stretch>
-              <a:fillRect/>
-            </a:stretch>
-          </p:blipFill>
-          <p:spPr>
-            <a:xfrm rot="-27000000">
-              <a:off x="12541353" y="3021125"/>
-              <a:ext cx="4158564" cy="4158564"/>
-            </a:xfrm>
-            <a:prstGeom prst="rect">
-              <a:avLst/>
-            </a:prstGeom>
-          </p:spPr>
-        </p:pic>
-      </p:grpSp>
-      <p:grpSp>
-        <p:nvGrpSpPr>
-          <p:cNvPr id="1003" name="그룹 1003"/>
-          <p:cNvGrpSpPr/>
-          <p:nvPr/>
-        </p:nvGrpSpPr>
-        <p:grpSpPr>
-          <a:xfrm>
-            <a:off x="13196872" y="3676643"/>
-            <a:ext cx="2847527" cy="2847527"/>
-            <a:chOff x="13196872" y="3676643"/>
-            <a:chExt cx="2847527" cy="2847527"/>
-          </a:xfrm>
-        </p:grpSpPr>
-        <p:pic>
-          <p:nvPicPr>
-            <p:cNvPr id="11" name="Object 10"/>
-            <p:cNvPicPr>
-              <a:picLocks noChangeAspect="1"/>
-            </p:cNvPicPr>
-            <p:nvPr/>
-          </p:nvPicPr>
-          <p:blipFill>
-            <a:blip r:embed="rId4" cstate="print"/>
-            <a:stretch>
-              <a:fillRect/>
-            </a:stretch>
-          </p:blipFill>
-          <p:spPr>
-            <a:xfrm rot="-27000000">
-              <a:off x="13196872" y="3676643"/>
-              <a:ext cx="2847527" cy="2847527"/>
-            </a:xfrm>
-            <a:prstGeom prst="rect">
-              <a:avLst/>
-            </a:prstGeom>
-          </p:spPr>
-        </p:pic>
-      </p:grpSp>
-      <p:grpSp>
-        <p:nvGrpSpPr>
-          <p:cNvPr id="1004" name="그룹 1004"/>
-          <p:cNvGrpSpPr/>
-          <p:nvPr/>
-        </p:nvGrpSpPr>
-        <p:grpSpPr>
-          <a:xfrm>
-            <a:off x="13379058" y="4611245"/>
-            <a:ext cx="2470200" cy="988001"/>
-            <a:chOff x="13379058" y="4611245"/>
-            <a:chExt cx="2470200" cy="988001"/>
-          </a:xfrm>
-        </p:grpSpPr>
-        <p:sp>
-          <p:nvSpPr>
-            <p:cNvPr id="14" name="Object 14"/>
-            <p:cNvSpPr txBox="1"/>
-            <p:nvPr/>
-          </p:nvSpPr>
-          <p:spPr>
-            <a:xfrm>
-              <a:off x="12826984" y="4611245"/>
-              <a:ext cx="3574348" cy="621350"/>
-            </a:xfrm>
-            <a:prstGeom prst="rect">
-              <a:avLst/>
-            </a:prstGeom>
-            <a:noFill/>
-          </p:spPr>
-          <p:txBody>
-            <a:bodyPr wrap="square" rtlCol="0" anchor="t">
-              <a:spAutoFit/>
-            </a:bodyPr>
-            <a:lstStyle/>
-            <a:p>
-              <a:pPr algn="ctr"/>
-              <a:r>
-                <a:rPr lang="en-US" sz="2300" kern="0" spc="-100" dirty="0">
-                  <a:solidFill>
-                    <a:srgbClr val="E1E0DA"/>
-                  </a:solidFill>
-                  <a:latin typeface="S-Core Dream 6 Bold" pitchFamily="34" charset="0"/>
-                  <a:cs typeface="S-Core Dream 6 Bold" pitchFamily="34" charset="0"/>
-                </a:rPr>
-                <a:t>KEYWORD</a:t>
-              </a:r>
-              <a:endParaRPr lang="en-US" dirty="0"/>
-            </a:p>
-          </p:txBody>
-        </p:sp>
-        <p:sp>
-          <p:nvSpPr>
-            <p:cNvPr id="15" name="Object 15"/>
-            <p:cNvSpPr txBox="1"/>
-            <p:nvPr/>
-          </p:nvSpPr>
-          <p:spPr>
-            <a:xfrm>
-              <a:off x="12761508" y="4994964"/>
-              <a:ext cx="3705299" cy="725139"/>
-            </a:xfrm>
-            <a:prstGeom prst="rect">
-              <a:avLst/>
-            </a:prstGeom>
-            <a:noFill/>
-          </p:spPr>
-          <p:txBody>
-            <a:bodyPr wrap="square" rtlCol="0" anchor="ctr">
-              <a:spAutoFit/>
-            </a:bodyPr>
-            <a:lstStyle/>
-            <a:p>
-              <a:pPr algn="ctr"/>
-              <a:r>
-                <a:rPr lang="en-US" sz="1400" kern="0" spc="-100" dirty="0">
-                  <a:solidFill>
-                    <a:srgbClr val="E1E0DA"/>
-                  </a:solidFill>
-                  <a:latin typeface="S-Core Dream 4 Regular" pitchFamily="34" charset="0"/>
-                  <a:cs typeface="S-Core Dream 4 Regular" pitchFamily="34" charset="0"/>
-                </a:rPr>
-                <a:t>키워드에 관한 </a:t>
-              </a:r>
-            </a:p>
-            <a:p>
-              <a:pPr algn="ctr"/>
-              <a:r>
-                <a:rPr lang="en-US" sz="1400" kern="0" spc="-100" dirty="0">
-                  <a:solidFill>
-                    <a:srgbClr val="E1E0DA"/>
-                  </a:solidFill>
-                  <a:latin typeface="S-Core Dream 4 Regular" pitchFamily="34" charset="0"/>
-                  <a:cs typeface="S-Core Dream 4 Regular" pitchFamily="34" charset="0"/>
-                </a:rPr>
-                <a:t>설명을 적어주세요!</a:t>
-              </a:r>
-              <a:endParaRPr lang="en-US" dirty="0"/>
-            </a:p>
-          </p:txBody>
-        </p:sp>
-      </p:grpSp>
-      <p:sp>
-        <p:nvSpPr>
-          <p:cNvPr id="17" name="Object 17"/>
-          <p:cNvSpPr txBox="1"/>
-          <p:nvPr/>
-        </p:nvSpPr>
-        <p:spPr>
-          <a:xfrm>
-            <a:off x="2744927" y="3787219"/>
-            <a:ext cx="6398942" cy="3868410"/>
-          </a:xfrm>
-          <a:prstGeom prst="rect">
-            <a:avLst/>
-          </a:prstGeom>
-          <a:noFill/>
-        </p:spPr>
-        <p:txBody>
-          <a:bodyPr wrap="square" rtlCol="0" anchor="t">
-            <a:spAutoFit/>
-          </a:bodyPr>
-          <a:lstStyle/>
-          <a:p>
-            <a:r>
-              <a:rPr lang="en-US" sz="1900" kern="0" spc="-100" dirty="0">
-                <a:solidFill>
-                  <a:srgbClr val="4E4E4E"/>
-                </a:solidFill>
-                <a:latin typeface="S-Core Dream 5 Medium" pitchFamily="34" charset="0"/>
-                <a:cs typeface="S-Core Dream 5 Medium" pitchFamily="34" charset="0"/>
-              </a:rPr>
-              <a:t>프레젠테이션 핵심을 입력해주세요</a:t>
-            </a:r>
-          </a:p>
-          <a:p>
-            <a:endParaRPr lang="en-US" sz="1900" kern="0" spc="-100" dirty="0">
-              <a:solidFill>
-                <a:srgbClr val="4E4E4E"/>
-              </a:solidFill>
-              <a:latin typeface="S-Core Dream 5 Medium" pitchFamily="34" charset="0"/>
-              <a:cs typeface="S-Core Dream 5 Medium" pitchFamily="34" charset="0"/>
-            </a:endParaRPr>
-          </a:p>
-          <a:p>
-            <a:r>
-              <a:rPr lang="en-US" sz="1300" kern="0" spc="-100" dirty="0">
-                <a:solidFill>
-                  <a:srgbClr val="4E4E4E"/>
-                </a:solidFill>
-                <a:latin typeface="S-Core Dream 4 Regular" pitchFamily="34" charset="0"/>
-                <a:cs typeface="S-Core Dream 4 Regular" pitchFamily="34" charset="0"/>
-              </a:rPr>
-              <a:t>피어나는 대한 속잎나고, 아니한 미인을 철환하였는가? 이상 쓸쓸한 인간은 보라. 피가 것은 그것을 내는 얼음 구하지 간에 이성은 교향악이다. 동산에는 무한한 가진 그들의 미묘한 가치를 것이다. 찾아다녀도, 그들은 생명을 끝에 것이 따뜻한 하여도 쓸쓸하랴? 그러므로 행복스럽고 모래뿐일 밥을 우는 우리 이 품에 용감하고 봄바람이다곧 품으며, 피어나기 없으면 설레는 말이다.</a:t>
-            </a:r>
-            <a:endParaRPr lang="en-US" dirty="0"/>
-          </a:p>
-        </p:txBody>
-      </p:sp>
-      <p:grpSp>
-        <p:nvGrpSpPr>
-          <p:cNvPr id="1005" name="그룹 1005"/>
-          <p:cNvGrpSpPr/>
-          <p:nvPr/>
-        </p:nvGrpSpPr>
-        <p:grpSpPr>
-          <a:xfrm>
-            <a:off x="8098098" y="3920406"/>
-            <a:ext cx="2360002" cy="2360002"/>
-            <a:chOff x="8098098" y="3920406"/>
-            <a:chExt cx="2360002" cy="2360002"/>
-          </a:xfrm>
-        </p:grpSpPr>
-        <p:pic>
-          <p:nvPicPr>
-            <p:cNvPr id="19" name="Object 18"/>
-            <p:cNvPicPr>
-              <a:picLocks noChangeAspect="1"/>
-            </p:cNvPicPr>
-            <p:nvPr/>
-          </p:nvPicPr>
-          <p:blipFill>
-            <a:blip r:embed="rId5" cstate="print"/>
-            <a:stretch>
-              <a:fillRect/>
-            </a:stretch>
-          </p:blipFill>
-          <p:spPr>
-            <a:xfrm rot="-10800000">
-              <a:off x="8098098" y="3920406"/>
-              <a:ext cx="2360002" cy="2360002"/>
-            </a:xfrm>
-            <a:prstGeom prst="rect">
-              <a:avLst/>
-            </a:prstGeom>
-          </p:spPr>
-        </p:pic>
-      </p:grpSp>
-      <p:grpSp>
-        <p:nvGrpSpPr>
-          <p:cNvPr id="1006" name="그룹 1006"/>
-          <p:cNvGrpSpPr/>
-          <p:nvPr/>
-        </p:nvGrpSpPr>
-        <p:grpSpPr>
-          <a:xfrm>
-            <a:off x="8182967" y="4666680"/>
-            <a:ext cx="2190265" cy="876036"/>
-            <a:chOff x="8182967" y="4666680"/>
-            <a:chExt cx="2190265" cy="876036"/>
-          </a:xfrm>
-        </p:grpSpPr>
-        <p:sp>
-          <p:nvSpPr>
-            <p:cNvPr id="22" name="Object 22"/>
-            <p:cNvSpPr txBox="1"/>
-            <p:nvPr/>
-          </p:nvSpPr>
-          <p:spPr>
-            <a:xfrm>
-              <a:off x="7693456" y="4666680"/>
-              <a:ext cx="3169285" cy="550935"/>
-            </a:xfrm>
-            <a:prstGeom prst="rect">
-              <a:avLst/>
-            </a:prstGeom>
-            <a:noFill/>
-          </p:spPr>
-          <p:txBody>
-            <a:bodyPr wrap="square" rtlCol="0" anchor="t">
-              <a:spAutoFit/>
-            </a:bodyPr>
-            <a:lstStyle/>
-            <a:p>
-              <a:pPr algn="ctr"/>
-              <a:r>
-                <a:rPr lang="en-US" sz="2000" kern="0" spc="-100" dirty="0">
-                  <a:solidFill>
-                    <a:srgbClr val="4E4E4E"/>
-                  </a:solidFill>
-                  <a:latin typeface="S-Core Dream 6 Bold" pitchFamily="34" charset="0"/>
-                  <a:cs typeface="S-Core Dream 6 Bold" pitchFamily="34" charset="0"/>
-                </a:rPr>
-                <a:t>KEYWORD</a:t>
-              </a:r>
-              <a:endParaRPr lang="en-US" dirty="0"/>
-            </a:p>
-          </p:txBody>
-        </p:sp>
-        <p:sp>
-          <p:nvSpPr>
-            <p:cNvPr id="23" name="Object 23"/>
-            <p:cNvSpPr txBox="1"/>
-            <p:nvPr/>
-          </p:nvSpPr>
-          <p:spPr>
-            <a:xfrm>
-              <a:off x="7635400" y="5006913"/>
-              <a:ext cx="3285397" cy="642963"/>
-            </a:xfrm>
-            <a:prstGeom prst="rect">
-              <a:avLst/>
-            </a:prstGeom>
-            <a:noFill/>
-          </p:spPr>
-          <p:txBody>
-            <a:bodyPr wrap="square" rtlCol="0" anchor="ctr">
-              <a:spAutoFit/>
-            </a:bodyPr>
-            <a:lstStyle/>
-            <a:p>
-              <a:pPr algn="ctr"/>
-              <a:r>
-                <a:rPr lang="en-US" sz="1200" kern="0" spc="-100" dirty="0">
-                  <a:solidFill>
-                    <a:srgbClr val="4E4E4E"/>
-                  </a:solidFill>
-                  <a:latin typeface="S-Core Dream 4 Regular" pitchFamily="34" charset="0"/>
-                  <a:cs typeface="S-Core Dream 4 Regular" pitchFamily="34" charset="0"/>
-                </a:rPr>
-                <a:t>키워드에 관한 </a:t>
-              </a:r>
-            </a:p>
-            <a:p>
-              <a:pPr algn="ctr"/>
-              <a:r>
-                <a:rPr lang="en-US" sz="1200" kern="0" spc="-100" dirty="0">
-                  <a:solidFill>
-                    <a:srgbClr val="4E4E4E"/>
-                  </a:solidFill>
-                  <a:latin typeface="S-Core Dream 4 Regular" pitchFamily="34" charset="0"/>
-                  <a:cs typeface="S-Core Dream 4 Regular" pitchFamily="34" charset="0"/>
-                </a:rPr>
-                <a:t>설명을 적어주세요!</a:t>
-              </a:r>
-              <a:endParaRPr lang="en-US" dirty="0"/>
-            </a:p>
-          </p:txBody>
-        </p:sp>
-      </p:grpSp>
-      <p:grpSp>
-        <p:nvGrpSpPr>
-          <p:cNvPr id="1007" name="그룹 1007"/>
-          <p:cNvGrpSpPr/>
-          <p:nvPr/>
-        </p:nvGrpSpPr>
-        <p:grpSpPr>
-          <a:xfrm>
-            <a:off x="10624665" y="4948406"/>
-            <a:ext cx="1263853" cy="165337"/>
-            <a:chOff x="10624665" y="4948406"/>
-            <a:chExt cx="1263853" cy="165337"/>
-          </a:xfrm>
-        </p:grpSpPr>
-        <p:pic>
-          <p:nvPicPr>
-            <p:cNvPr id="26" name="Object 25"/>
-            <p:cNvPicPr>
-              <a:picLocks noChangeAspect="1"/>
-            </p:cNvPicPr>
-            <p:nvPr/>
-          </p:nvPicPr>
-          <p:blipFill>
-            <a:blip r:embed="rId6" cstate="print"/>
-            <a:stretch>
-              <a:fillRect/>
-            </a:stretch>
-          </p:blipFill>
-          <p:spPr>
-            <a:xfrm>
-              <a:off x="10624665" y="4948406"/>
-              <a:ext cx="1263853" cy="165337"/>
-            </a:xfrm>
-            <a:prstGeom prst="rect">
-              <a:avLst/>
-            </a:prstGeom>
-          </p:spPr>
-        </p:pic>
-      </p:grpSp>
-      <p:grpSp>
-        <p:nvGrpSpPr>
-          <p:cNvPr id="1008" name="그룹 1008"/>
-          <p:cNvGrpSpPr/>
-          <p:nvPr/>
-        </p:nvGrpSpPr>
-        <p:grpSpPr>
-          <a:xfrm>
-            <a:off x="2744927" y="7080997"/>
-            <a:ext cx="4187180" cy="39668"/>
-            <a:chOff x="2744927" y="7080997"/>
-            <a:chExt cx="4187180" cy="39668"/>
-          </a:xfrm>
-        </p:grpSpPr>
-        <p:pic>
-          <p:nvPicPr>
-            <p:cNvPr id="29" name="Object 28"/>
-            <p:cNvPicPr>
-              <a:picLocks noChangeAspect="1"/>
-            </p:cNvPicPr>
-            <p:nvPr/>
-          </p:nvPicPr>
-          <p:blipFill>
-            <a:blip r:embed="rId7" cstate="print"/>
-            <a:stretch>
-              <a:fillRect/>
-            </a:stretch>
-          </p:blipFill>
-          <p:spPr>
-            <a:xfrm>
-              <a:off x="2744927" y="7080997"/>
-              <a:ext cx="4187180" cy="39668"/>
-            </a:xfrm>
-            <a:prstGeom prst="rect">
-              <a:avLst/>
-            </a:prstGeom>
-          </p:spPr>
-        </p:pic>
-      </p:grpSp>
-      <p:sp>
-        <p:nvSpPr>
-          <p:cNvPr id="31" name="Object 31"/>
-          <p:cNvSpPr txBox="1"/>
-          <p:nvPr/>
-        </p:nvSpPr>
-        <p:spPr>
-          <a:xfrm>
-            <a:off x="2744927" y="7223547"/>
-            <a:ext cx="789650" cy="345135"/>
-          </a:xfrm>
-          <a:prstGeom prst="rect">
-            <a:avLst/>
-          </a:prstGeom>
-          <a:noFill/>
-        </p:spPr>
-        <p:txBody>
-          <a:bodyPr wrap="square" rtlCol="0" anchor="ctr">
-            <a:spAutoFit/>
-          </a:bodyPr>
-          <a:lstStyle/>
-          <a:p>
-            <a:r>
-              <a:rPr lang="en-US" sz="1300" kern="0" spc="-100" dirty="0">
-                <a:solidFill>
-                  <a:srgbClr val="4E4E4E"/>
-                </a:solidFill>
-                <a:latin typeface="S-Core Dream 6 Bold" pitchFamily="34" charset="0"/>
-                <a:cs typeface="S-Core Dream 6 Bold" pitchFamily="34" charset="0"/>
-              </a:rPr>
-              <a:t>각주</a:t>
-            </a:r>
-            <a:endParaRPr lang="en-US" dirty="0"/>
-          </a:p>
-        </p:txBody>
-      </p:sp>
-      <p:sp>
-        <p:nvSpPr>
-          <p:cNvPr id="32" name="Object 32"/>
-          <p:cNvSpPr txBox="1"/>
-          <p:nvPr/>
-        </p:nvSpPr>
-        <p:spPr>
-          <a:xfrm>
-            <a:off x="3425098" y="6579525"/>
-            <a:ext cx="5275686" cy="1633179"/>
-          </a:xfrm>
-          <a:prstGeom prst="rect">
-            <a:avLst/>
-          </a:prstGeom>
-          <a:noFill/>
-        </p:spPr>
-        <p:txBody>
-          <a:bodyPr wrap="square" rtlCol="0" anchor="ctr">
-            <a:spAutoFit/>
-          </a:bodyPr>
-          <a:lstStyle/>
-          <a:p>
-            <a:r>
-              <a:rPr lang="en-US" sz="1300" kern="0" spc="-100" dirty="0">
-                <a:solidFill>
-                  <a:srgbClr val="A8A8A8"/>
-                </a:solidFill>
-                <a:latin typeface="S-Core Dream 3 Light" pitchFamily="34" charset="0"/>
-                <a:cs typeface="S-Core Dream 3 Light" pitchFamily="34" charset="0"/>
-              </a:rPr>
-              <a:t>찾아다녀도, 품에 과실이 너의 때까지 청춘의 가치를 것이다. 방황하였으며, 어디 열매를 스며들어 있다. 투명하되 품고 피가 피고사막이다. 열매를 가슴이 커다란 힘차게 무엇을 것이다.</a:t>
-            </a:r>
-            <a:endParaRPr lang="en-US" dirty="0"/>
-          </a:p>
-        </p:txBody>
-      </p:sp>
-    </p:spTree>
-  </p:cSld>
-  <p:clrMapOvr>
-    <a:masterClrMapping/>
-  </p:clrMapOvr>
-</p:sld>
-</file>
-
-<file path=ppt/slides/slide13.xml><?xml version="1.0" encoding="utf-8"?>
-<p:sld xmlns:a="http://schemas.openxmlformats.org/drawingml/2006/main" xmlns:r="http://schemas.openxmlformats.org/officeDocument/2006/relationships" xmlns:p="http://schemas.openxmlformats.org/presentationml/2006/main">
-  <p:cSld name="Slide 6">
-    <p:bg>
-      <p:bgPr>
-        <a:solidFill>
-          <a:srgbClr val="E1E0DA"/>
-        </a:solidFill>
-        <a:effectLst/>
-      </p:bgPr>
-    </p:bg>
-    <p:spTree>
-      <p:nvGrpSpPr>
-        <p:cNvPr id="1" name=""/>
-        <p:cNvGrpSpPr/>
-        <p:nvPr/>
-      </p:nvGrpSpPr>
-      <p:grpSpPr>
-        <a:xfrm>
-          <a:off x="0" y="0"/>
-          <a:ext cx="0" cy="0"/>
-          <a:chOff x="0" y="0"/>
-          <a:chExt cx="0" cy="0"/>
-        </a:xfrm>
-      </p:grpSpPr>
-      <p:sp>
-        <p:nvSpPr>
-          <p:cNvPr id="2" name="Object 2"/>
-          <p:cNvSpPr txBox="1"/>
-          <p:nvPr/>
-        </p:nvSpPr>
-        <p:spPr>
-          <a:xfrm>
-            <a:off x="2760081" y="2271087"/>
-            <a:ext cx="2563371" cy="339437"/>
-          </a:xfrm>
-          <a:prstGeom prst="rect">
-            <a:avLst/>
-          </a:prstGeom>
-          <a:noFill/>
-        </p:spPr>
-        <p:txBody>
-          <a:bodyPr wrap="square" rtlCol="0" anchor="ctr">
-            <a:spAutoFit/>
-          </a:bodyPr>
-          <a:lstStyle/>
-          <a:p>
-            <a:r>
-              <a:rPr lang="en-US" sz="1300" kern="0" spc="200" dirty="0">
-                <a:solidFill>
-                  <a:srgbClr val="4E4E4E"/>
-                </a:solidFill>
-                <a:latin typeface="S-Core Dream 3 Light" pitchFamily="34" charset="0"/>
-                <a:cs typeface="S-Core Dream 3 Light" pitchFamily="34" charset="0"/>
-              </a:rPr>
-              <a:t>CONTENTS</a:t>
-            </a:r>
-            <a:endParaRPr lang="en-US" dirty="0"/>
-          </a:p>
-        </p:txBody>
-      </p:sp>
-      <p:sp>
-        <p:nvSpPr>
-          <p:cNvPr id="3" name="Object 3"/>
-          <p:cNvSpPr txBox="1"/>
-          <p:nvPr/>
-        </p:nvSpPr>
-        <p:spPr>
-          <a:xfrm>
-            <a:off x="2744927" y="1628895"/>
-            <a:ext cx="1981683" cy="960963"/>
-          </a:xfrm>
-          <a:prstGeom prst="rect">
-            <a:avLst/>
-          </a:prstGeom>
-          <a:noFill/>
-        </p:spPr>
-        <p:txBody>
-          <a:bodyPr wrap="square" rtlCol="0" anchor="ctr">
-            <a:spAutoFit/>
-          </a:bodyPr>
-          <a:lstStyle/>
-          <a:p>
-            <a:r>
-              <a:rPr lang="en-US" sz="3600" kern="0" spc="300" dirty="0">
-                <a:solidFill>
-                  <a:srgbClr val="4E4E4E"/>
-                </a:solidFill>
-                <a:latin typeface="S-Core Dream 5 Medium" pitchFamily="34" charset="0"/>
-                <a:cs typeface="S-Core Dream 5 Medium" pitchFamily="34" charset="0"/>
-              </a:rPr>
-              <a:t>04</a:t>
-            </a:r>
-            <a:endParaRPr lang="en-US" dirty="0"/>
-          </a:p>
-        </p:txBody>
-      </p:sp>
-      <p:grpSp>
-        <p:nvGrpSpPr>
-          <p:cNvPr id="1001" name="그룹 1001"/>
-          <p:cNvGrpSpPr/>
-          <p:nvPr/>
-        </p:nvGrpSpPr>
-        <p:grpSpPr>
-          <a:xfrm>
-            <a:off x="8627627" y="2880326"/>
-            <a:ext cx="5161523" cy="5161523"/>
-            <a:chOff x="8627627" y="2880326"/>
-            <a:chExt cx="5161523" cy="5161523"/>
-          </a:xfrm>
-        </p:grpSpPr>
-        <p:pic>
-          <p:nvPicPr>
-            <p:cNvPr id="5" name="Object 4"/>
-            <p:cNvPicPr>
-              <a:picLocks noChangeAspect="1"/>
-            </p:cNvPicPr>
-            <p:nvPr/>
-          </p:nvPicPr>
-          <p:blipFill>
-            <a:blip r:embed="rId2" cstate="print"/>
-            <a:stretch>
-              <a:fillRect/>
-            </a:stretch>
-          </p:blipFill>
-          <p:spPr>
-            <a:xfrm>
-              <a:off x="8627627" y="2880326"/>
-              <a:ext cx="5161523" cy="5161523"/>
-            </a:xfrm>
-            <a:prstGeom prst="rect">
-              <a:avLst/>
-            </a:prstGeom>
-          </p:spPr>
-        </p:pic>
-      </p:grpSp>
-      <p:grpSp>
-        <p:nvGrpSpPr>
-          <p:cNvPr id="1002" name="그룹 1002"/>
-          <p:cNvGrpSpPr/>
-          <p:nvPr/>
-        </p:nvGrpSpPr>
-        <p:grpSpPr>
-          <a:xfrm>
-            <a:off x="13789150" y="4287665"/>
-            <a:ext cx="2346846" cy="2346846"/>
-            <a:chOff x="13789150" y="4287665"/>
-            <a:chExt cx="2346846" cy="2346846"/>
-          </a:xfrm>
-        </p:grpSpPr>
-        <p:pic>
-          <p:nvPicPr>
-            <p:cNvPr id="8" name="Object 7"/>
-            <p:cNvPicPr>
-              <a:picLocks noChangeAspect="1"/>
-            </p:cNvPicPr>
-            <p:nvPr/>
-          </p:nvPicPr>
-          <p:blipFill>
-            <a:blip r:embed="rId3" cstate="print"/>
-            <a:stretch>
-              <a:fillRect/>
-            </a:stretch>
-          </p:blipFill>
-          <p:spPr>
-            <a:xfrm rot="-27000000">
-              <a:off x="13789150" y="4287665"/>
-              <a:ext cx="2346846" cy="2346846"/>
-            </a:xfrm>
-            <a:prstGeom prst="rect">
-              <a:avLst/>
-            </a:prstGeom>
-          </p:spPr>
-        </p:pic>
-      </p:grpSp>
-      <p:sp>
-        <p:nvSpPr>
-          <p:cNvPr id="10" name="Object 10"/>
-          <p:cNvSpPr txBox="1"/>
-          <p:nvPr/>
-        </p:nvSpPr>
-        <p:spPr>
-          <a:xfrm>
-            <a:off x="2744927" y="3746604"/>
-            <a:ext cx="6398942" cy="7051605"/>
-          </a:xfrm>
-          <a:prstGeom prst="rect">
-            <a:avLst/>
-          </a:prstGeom>
-          <a:noFill/>
-        </p:spPr>
-        <p:txBody>
-          <a:bodyPr wrap="square" rtlCol="0" anchor="t">
-            <a:spAutoFit/>
-          </a:bodyPr>
-          <a:lstStyle/>
-          <a:p>
-            <a:r>
-              <a:rPr lang="en-US" sz="1900" kern="0" spc="-100" dirty="0">
-                <a:solidFill>
-                  <a:srgbClr val="4E4E4E"/>
-                </a:solidFill>
-                <a:latin typeface="S-Core Dream 5 Medium" pitchFamily="34" charset="0"/>
-                <a:cs typeface="S-Core Dream 5 Medium" pitchFamily="34" charset="0"/>
-              </a:rPr>
-              <a:t>프레젠테이션 핵심을 입력해주세요</a:t>
-            </a:r>
-          </a:p>
-          <a:p>
-            <a:endParaRPr lang="en-US" sz="1900" kern="0" spc="-100" dirty="0">
-              <a:solidFill>
-                <a:srgbClr val="4E4E4E"/>
-              </a:solidFill>
-              <a:latin typeface="S-Core Dream 5 Medium" pitchFamily="34" charset="0"/>
-              <a:cs typeface="S-Core Dream 5 Medium" pitchFamily="34" charset="0"/>
-            </a:endParaRPr>
-          </a:p>
-          <a:p>
-            <a:r>
-              <a:rPr lang="en-US" sz="1300" kern="0" spc="-100" dirty="0">
-                <a:solidFill>
-                  <a:srgbClr val="4E4E4E"/>
-                </a:solidFill>
-                <a:latin typeface="S-Core Dream 4 Regular" pitchFamily="34" charset="0"/>
-                <a:cs typeface="S-Core Dream 4 Regular" pitchFamily="34" charset="0"/>
-              </a:rPr>
-              <a:t>피어나는 대한 속잎나고, 아니한 미인을 철환하였는가? 이상 쓸쓸한 인간은 보라. 피가 것은 그것을 내는 얼음 구하지 간에 이성은 교향악이다. 동산에는 무한한 가진 그들의 미묘한 가치를 것이다. 찾아다녀도, 그들은 생명을 끝에 것이 따뜻한 하여도 쓸쓸하랴? 그러므로 행복스럽고 모래뿐일 밥을 우는 우리 이 품에 용감하고 봄바람이다곧 품으며, 피어나기 없으면 설레는 말이다.</a:t>
-            </a:r>
-          </a:p>
-          <a:p>
-            <a:endParaRPr lang="en-US" sz="1300" kern="0" spc="-100" dirty="0">
-              <a:solidFill>
-                <a:srgbClr val="4E4E4E"/>
-              </a:solidFill>
-              <a:latin typeface="S-Core Dream 4 Regular" pitchFamily="34" charset="0"/>
-              <a:cs typeface="S-Core Dream 4 Regular" pitchFamily="34" charset="0"/>
-            </a:endParaRPr>
-          </a:p>
-          <a:p>
-            <a:r>
-              <a:rPr lang="en-US" sz="1300" kern="0" spc="-100" dirty="0">
-                <a:solidFill>
-                  <a:srgbClr val="4E4E4E"/>
-                </a:solidFill>
-                <a:latin typeface="S-Core Dream 4 Regular" pitchFamily="34" charset="0"/>
-                <a:cs typeface="S-Core Dream 4 Regular" pitchFamily="34" charset="0"/>
-              </a:rPr>
-              <a:t>그들은 듣기만 인도하겠다는 그들의 위하여, 피에 보라. 가치를 이성은 풍부하게 귀는 인간이 발휘하기 지혜는 듣는다. </a:t>
-            </a:r>
-          </a:p>
-          <a:p>
-            <a:endParaRPr lang="en-US" sz="1300" kern="0" spc="-100" dirty="0">
-              <a:solidFill>
-                <a:srgbClr val="4E4E4E"/>
-              </a:solidFill>
-              <a:latin typeface="S-Core Dream 4 Regular" pitchFamily="34" charset="0"/>
-              <a:cs typeface="S-Core Dream 4 Regular" pitchFamily="34" charset="0"/>
-            </a:endParaRPr>
-          </a:p>
-          <a:p>
-            <a:r>
-              <a:rPr lang="en-US" sz="1300" kern="0" spc="-100" dirty="0">
-                <a:solidFill>
-                  <a:srgbClr val="4E4E4E"/>
-                </a:solidFill>
-                <a:latin typeface="S-Core Dream 4 Regular" pitchFamily="34" charset="0"/>
-                <a:cs typeface="S-Core Dream 4 Regular" pitchFamily="34" charset="0"/>
-              </a:rPr>
-              <a:t>찾아다녀도, 품에 과실이 너의 때까지 청춘의 가치를 것이다. 방황하였으며, 어디 열매를 스며들어 있다. 투명하되 품고 피가 피고, 사막이다. 열매를 가슴이 커다란 힘차게 무엇을 것이다.</a:t>
-            </a:r>
-            <a:endParaRPr lang="en-US" dirty="0"/>
-          </a:p>
-        </p:txBody>
-      </p:sp>
-      <p:grpSp>
-        <p:nvGrpSpPr>
-          <p:cNvPr id="1003" name="그룹 1003"/>
-          <p:cNvGrpSpPr/>
-          <p:nvPr/>
-        </p:nvGrpSpPr>
-        <p:grpSpPr>
-          <a:xfrm>
-            <a:off x="7750703" y="4281087"/>
-            <a:ext cx="2360002" cy="2360002"/>
-            <a:chOff x="7750703" y="4281087"/>
-            <a:chExt cx="2360002" cy="2360002"/>
-          </a:xfrm>
-        </p:grpSpPr>
-        <p:pic>
-          <p:nvPicPr>
-            <p:cNvPr id="12" name="Object 11"/>
-            <p:cNvPicPr>
-              <a:picLocks noChangeAspect="1"/>
-            </p:cNvPicPr>
-            <p:nvPr/>
-          </p:nvPicPr>
-          <p:blipFill>
-            <a:blip r:embed="rId4" cstate="print"/>
-            <a:stretch>
-              <a:fillRect/>
-            </a:stretch>
-          </p:blipFill>
-          <p:spPr>
-            <a:xfrm rot="-10800000">
-              <a:off x="7750703" y="4281087"/>
-              <a:ext cx="2360002" cy="2360002"/>
-            </a:xfrm>
-            <a:prstGeom prst="rect">
-              <a:avLst/>
-            </a:prstGeom>
-          </p:spPr>
-        </p:pic>
-      </p:grpSp>
-      <p:grpSp>
-        <p:nvGrpSpPr>
-          <p:cNvPr id="1004" name="그룹 1004"/>
-          <p:cNvGrpSpPr/>
-          <p:nvPr/>
-        </p:nvGrpSpPr>
-        <p:grpSpPr>
-          <a:xfrm>
-            <a:off x="7835571" y="5027360"/>
-            <a:ext cx="2190265" cy="870933"/>
-            <a:chOff x="7835571" y="5027360"/>
-            <a:chExt cx="2190265" cy="870933"/>
-          </a:xfrm>
-        </p:grpSpPr>
-        <p:sp>
-          <p:nvSpPr>
-            <p:cNvPr id="15" name="Object 15"/>
-            <p:cNvSpPr txBox="1"/>
-            <p:nvPr/>
-          </p:nvSpPr>
-          <p:spPr>
-            <a:xfrm>
-              <a:off x="7346061" y="5027360"/>
-              <a:ext cx="3169285" cy="541840"/>
-            </a:xfrm>
-            <a:prstGeom prst="rect">
-              <a:avLst/>
-            </a:prstGeom>
-            <a:noFill/>
-          </p:spPr>
-          <p:txBody>
-            <a:bodyPr wrap="square" rtlCol="0" anchor="t">
-              <a:spAutoFit/>
-            </a:bodyPr>
-            <a:lstStyle/>
-            <a:p>
-              <a:pPr algn="ctr"/>
-              <a:r>
-                <a:rPr lang="en-US" sz="2000" kern="0" spc="-100" dirty="0">
-                  <a:solidFill>
-                    <a:srgbClr val="4E4E4E"/>
-                  </a:solidFill>
-                  <a:latin typeface="S-Core Dream 6 Bold" pitchFamily="34" charset="0"/>
-                  <a:cs typeface="S-Core Dream 6 Bold" pitchFamily="34" charset="0"/>
-                </a:rPr>
-                <a:t>KEYWORD</a:t>
-              </a:r>
-              <a:endParaRPr lang="en-US" dirty="0"/>
-            </a:p>
-          </p:txBody>
-        </p:sp>
-        <p:sp>
-          <p:nvSpPr>
-            <p:cNvPr id="16" name="Object 16"/>
-            <p:cNvSpPr txBox="1"/>
-            <p:nvPr/>
-          </p:nvSpPr>
-          <p:spPr>
-            <a:xfrm>
-              <a:off x="7288005" y="5360091"/>
-              <a:ext cx="3285397" cy="645843"/>
-            </a:xfrm>
-            <a:prstGeom prst="rect">
-              <a:avLst/>
-            </a:prstGeom>
-            <a:noFill/>
-          </p:spPr>
-          <p:txBody>
-            <a:bodyPr wrap="square" rtlCol="0" anchor="ctr">
-              <a:spAutoFit/>
-            </a:bodyPr>
-            <a:lstStyle/>
-            <a:p>
-              <a:pPr algn="ctr"/>
-              <a:r>
-                <a:rPr lang="en-US" sz="1200" kern="0" spc="-100" dirty="0">
-                  <a:solidFill>
-                    <a:srgbClr val="4E4E4E"/>
-                  </a:solidFill>
-                  <a:latin typeface="S-Core Dream 4 Regular" pitchFamily="34" charset="0"/>
-                  <a:cs typeface="S-Core Dream 4 Regular" pitchFamily="34" charset="0"/>
-                </a:rPr>
-                <a:t>키워드에 관한 </a:t>
-              </a:r>
-            </a:p>
-            <a:p>
-              <a:pPr algn="ctr"/>
-              <a:r>
-                <a:rPr lang="en-US" sz="1200" kern="0" spc="-100" dirty="0">
-                  <a:solidFill>
-                    <a:srgbClr val="4E4E4E"/>
-                  </a:solidFill>
-                  <a:latin typeface="S-Core Dream 4 Regular" pitchFamily="34" charset="0"/>
-                  <a:cs typeface="S-Core Dream 4 Regular" pitchFamily="34" charset="0"/>
-                </a:rPr>
-                <a:t>설명을 적어주세요!</a:t>
-              </a:r>
-              <a:endParaRPr lang="en-US" dirty="0"/>
-            </a:p>
-          </p:txBody>
-        </p:sp>
-      </p:grpSp>
-      <p:grpSp>
-        <p:nvGrpSpPr>
-          <p:cNvPr id="1005" name="그룹 1005"/>
-          <p:cNvGrpSpPr/>
-          <p:nvPr/>
-        </p:nvGrpSpPr>
-        <p:grpSpPr>
-          <a:xfrm>
-            <a:off x="9944536" y="5309087"/>
-            <a:ext cx="1263853" cy="165337"/>
-            <a:chOff x="9944536" y="5309087"/>
-            <a:chExt cx="1263853" cy="165337"/>
-          </a:xfrm>
-        </p:grpSpPr>
-        <p:pic>
-          <p:nvPicPr>
-            <p:cNvPr id="19" name="Object 18"/>
-            <p:cNvPicPr>
-              <a:picLocks noChangeAspect="1"/>
-            </p:cNvPicPr>
-            <p:nvPr/>
-          </p:nvPicPr>
-          <p:blipFill>
-            <a:blip r:embed="rId5" cstate="print"/>
-            <a:stretch>
-              <a:fillRect/>
-            </a:stretch>
-          </p:blipFill>
-          <p:spPr>
-            <a:xfrm>
-              <a:off x="9944536" y="5309087"/>
-              <a:ext cx="1263853" cy="165337"/>
-            </a:xfrm>
-            <a:prstGeom prst="rect">
-              <a:avLst/>
-            </a:prstGeom>
-          </p:spPr>
-        </p:pic>
-      </p:grpSp>
-      <p:grpSp>
-        <p:nvGrpSpPr>
-          <p:cNvPr id="1006" name="그룹 1006"/>
-          <p:cNvGrpSpPr/>
-          <p:nvPr/>
-        </p:nvGrpSpPr>
-        <p:grpSpPr>
-          <a:xfrm>
-            <a:off x="11429148" y="4281087"/>
-            <a:ext cx="2360002" cy="2360002"/>
-            <a:chOff x="11429148" y="4281087"/>
-            <a:chExt cx="2360002" cy="2360002"/>
-          </a:xfrm>
-        </p:grpSpPr>
-        <p:pic>
-          <p:nvPicPr>
-            <p:cNvPr id="22" name="Object 21"/>
-            <p:cNvPicPr>
-              <a:picLocks noChangeAspect="1"/>
-            </p:cNvPicPr>
-            <p:nvPr/>
-          </p:nvPicPr>
-          <p:blipFill>
-            <a:blip r:embed="rId4" cstate="print"/>
-            <a:stretch>
-              <a:fillRect/>
-            </a:stretch>
-          </p:blipFill>
-          <p:spPr>
-            <a:xfrm rot="-10800000">
-              <a:off x="11429148" y="4281087"/>
-              <a:ext cx="2360002" cy="2360002"/>
-            </a:xfrm>
-            <a:prstGeom prst="rect">
-              <a:avLst/>
-            </a:prstGeom>
-          </p:spPr>
-        </p:pic>
-      </p:grpSp>
-      <p:grpSp>
-        <p:nvGrpSpPr>
-          <p:cNvPr id="1007" name="그룹 1007"/>
-          <p:cNvGrpSpPr/>
-          <p:nvPr/>
-        </p:nvGrpSpPr>
-        <p:grpSpPr>
-          <a:xfrm>
-            <a:off x="11514017" y="5027360"/>
-            <a:ext cx="2190265" cy="870933"/>
-            <a:chOff x="11514017" y="5027360"/>
-            <a:chExt cx="2190265" cy="870933"/>
-          </a:xfrm>
-        </p:grpSpPr>
-        <p:sp>
-          <p:nvSpPr>
-            <p:cNvPr id="25" name="Object 25"/>
-            <p:cNvSpPr txBox="1"/>
-            <p:nvPr/>
-          </p:nvSpPr>
-          <p:spPr>
-            <a:xfrm>
-              <a:off x="11024506" y="5027360"/>
-              <a:ext cx="3169285" cy="541840"/>
-            </a:xfrm>
-            <a:prstGeom prst="rect">
-              <a:avLst/>
-            </a:prstGeom>
-            <a:noFill/>
-          </p:spPr>
-          <p:txBody>
-            <a:bodyPr wrap="square" rtlCol="0" anchor="t">
-              <a:spAutoFit/>
-            </a:bodyPr>
-            <a:lstStyle/>
-            <a:p>
-              <a:pPr algn="ctr"/>
-              <a:r>
-                <a:rPr lang="en-US" sz="2000" kern="0" spc="-100" dirty="0">
-                  <a:solidFill>
-                    <a:srgbClr val="4E4E4E"/>
-                  </a:solidFill>
-                  <a:latin typeface="S-Core Dream 6 Bold" pitchFamily="34" charset="0"/>
-                  <a:cs typeface="S-Core Dream 6 Bold" pitchFamily="34" charset="0"/>
-                </a:rPr>
-                <a:t>KEYWORD</a:t>
-              </a:r>
-              <a:endParaRPr lang="en-US" dirty="0"/>
-            </a:p>
-          </p:txBody>
-        </p:sp>
-        <p:sp>
-          <p:nvSpPr>
-            <p:cNvPr id="26" name="Object 26"/>
-            <p:cNvSpPr txBox="1"/>
-            <p:nvPr/>
-          </p:nvSpPr>
-          <p:spPr>
-            <a:xfrm>
-              <a:off x="10966451" y="5360091"/>
-              <a:ext cx="3285397" cy="645843"/>
-            </a:xfrm>
-            <a:prstGeom prst="rect">
-              <a:avLst/>
-            </a:prstGeom>
-            <a:noFill/>
-          </p:spPr>
-          <p:txBody>
-            <a:bodyPr wrap="square" rtlCol="0" anchor="ctr">
-              <a:spAutoFit/>
-            </a:bodyPr>
-            <a:lstStyle/>
-            <a:p>
-              <a:pPr algn="ctr"/>
-              <a:r>
-                <a:rPr lang="en-US" sz="1200" kern="0" spc="-100" dirty="0">
-                  <a:solidFill>
-                    <a:srgbClr val="4E4E4E"/>
-                  </a:solidFill>
-                  <a:latin typeface="S-Core Dream 4 Regular" pitchFamily="34" charset="0"/>
-                  <a:cs typeface="S-Core Dream 4 Regular" pitchFamily="34" charset="0"/>
-                </a:rPr>
-                <a:t>키워드에 관한 </a:t>
-              </a:r>
-            </a:p>
-            <a:p>
-              <a:pPr algn="ctr"/>
-              <a:r>
-                <a:rPr lang="en-US" sz="1200" kern="0" spc="-100" dirty="0">
-                  <a:solidFill>
-                    <a:srgbClr val="4E4E4E"/>
-                  </a:solidFill>
-                  <a:latin typeface="S-Core Dream 4 Regular" pitchFamily="34" charset="0"/>
-                  <a:cs typeface="S-Core Dream 4 Regular" pitchFamily="34" charset="0"/>
-                </a:rPr>
-                <a:t>설명을 적어주세요!</a:t>
-              </a:r>
-              <a:endParaRPr lang="en-US" dirty="0"/>
-            </a:p>
-          </p:txBody>
-        </p:sp>
-      </p:grpSp>
-      <p:grpSp>
-        <p:nvGrpSpPr>
-          <p:cNvPr id="1008" name="그룹 1008"/>
-          <p:cNvGrpSpPr/>
-          <p:nvPr/>
-        </p:nvGrpSpPr>
-        <p:grpSpPr>
-          <a:xfrm>
-            <a:off x="13867441" y="5027360"/>
-            <a:ext cx="2190265" cy="870933"/>
-            <a:chOff x="13867441" y="5027360"/>
-            <a:chExt cx="2190265" cy="870933"/>
-          </a:xfrm>
-        </p:grpSpPr>
-        <p:sp>
-          <p:nvSpPr>
-            <p:cNvPr id="29" name="Object 29"/>
-            <p:cNvSpPr txBox="1"/>
-            <p:nvPr/>
-          </p:nvSpPr>
-          <p:spPr>
-            <a:xfrm>
-              <a:off x="13377930" y="5027360"/>
-              <a:ext cx="3169285" cy="541840"/>
-            </a:xfrm>
-            <a:prstGeom prst="rect">
-              <a:avLst/>
-            </a:prstGeom>
-            <a:noFill/>
-          </p:spPr>
-          <p:txBody>
-            <a:bodyPr wrap="square" rtlCol="0" anchor="t">
-              <a:spAutoFit/>
-            </a:bodyPr>
-            <a:lstStyle/>
-            <a:p>
-              <a:pPr algn="ctr"/>
-              <a:r>
-                <a:rPr lang="en-US" sz="2000" kern="0" spc="-100" dirty="0">
-                  <a:solidFill>
-                    <a:srgbClr val="4E4E4E"/>
-                  </a:solidFill>
-                  <a:latin typeface="S-Core Dream 6 Bold" pitchFamily="34" charset="0"/>
-                  <a:cs typeface="S-Core Dream 6 Bold" pitchFamily="34" charset="0"/>
-                </a:rPr>
-                <a:t>KEYWORD</a:t>
-              </a:r>
-              <a:endParaRPr lang="en-US" dirty="0"/>
-            </a:p>
-          </p:txBody>
-        </p:sp>
-        <p:sp>
-          <p:nvSpPr>
-            <p:cNvPr id="30" name="Object 30"/>
-            <p:cNvSpPr txBox="1"/>
-            <p:nvPr/>
-          </p:nvSpPr>
-          <p:spPr>
-            <a:xfrm>
-              <a:off x="13319875" y="5360091"/>
-              <a:ext cx="3285397" cy="645843"/>
-            </a:xfrm>
-            <a:prstGeom prst="rect">
-              <a:avLst/>
-            </a:prstGeom>
-            <a:noFill/>
-          </p:spPr>
-          <p:txBody>
-            <a:bodyPr wrap="square" rtlCol="0" anchor="ctr">
-              <a:spAutoFit/>
-            </a:bodyPr>
-            <a:lstStyle/>
-            <a:p>
-              <a:pPr algn="ctr"/>
-              <a:r>
-                <a:rPr lang="en-US" sz="1200" kern="0" spc="-100" dirty="0">
-                  <a:solidFill>
-                    <a:srgbClr val="4E4E4E"/>
-                  </a:solidFill>
-                  <a:latin typeface="S-Core Dream 4 Regular" pitchFamily="34" charset="0"/>
-                  <a:cs typeface="S-Core Dream 4 Regular" pitchFamily="34" charset="0"/>
-                </a:rPr>
-                <a:t>키워드에 관한 </a:t>
-              </a:r>
-            </a:p>
-            <a:p>
-              <a:pPr algn="ctr"/>
-              <a:r>
-                <a:rPr lang="en-US" sz="1200" kern="0" spc="-100" dirty="0">
-                  <a:solidFill>
-                    <a:srgbClr val="4E4E4E"/>
-                  </a:solidFill>
-                  <a:latin typeface="S-Core Dream 4 Regular" pitchFamily="34" charset="0"/>
-                  <a:cs typeface="S-Core Dream 4 Regular" pitchFamily="34" charset="0"/>
-                </a:rPr>
-                <a:t>설명을 적어주세요!</a:t>
-              </a:r>
-              <a:endParaRPr lang="en-US" dirty="0"/>
-            </a:p>
-          </p:txBody>
-        </p:sp>
-      </p:grpSp>
-    </p:spTree>
-  </p:cSld>
-  <p:clrMapOvr>
-    <a:masterClrMapping/>
-  </p:clrMapOvr>
-</p:sld>
-</file>
-
-<file path=ppt/slides/slide14.xml><?xml version="1.0" encoding="utf-8"?>
-<p:sld xmlns:a="http://schemas.openxmlformats.org/drawingml/2006/main" xmlns:r="http://schemas.openxmlformats.org/officeDocument/2006/relationships" xmlns:p="http://schemas.openxmlformats.org/presentationml/2006/main">
-  <p:cSld name="Slide 7">
-    <p:bg>
-      <p:bgPr>
-        <a:solidFill>
-          <a:srgbClr val="E1E0DA"/>
-        </a:solidFill>
-        <a:effectLst/>
-      </p:bgPr>
-    </p:bg>
-    <p:spTree>
-      <p:nvGrpSpPr>
-        <p:cNvPr id="1" name=""/>
-        <p:cNvGrpSpPr/>
-        <p:nvPr/>
-      </p:nvGrpSpPr>
-      <p:grpSpPr>
-        <a:xfrm>
-          <a:off x="0" y="0"/>
-          <a:ext cx="0" cy="0"/>
-          <a:chOff x="0" y="0"/>
-          <a:chExt cx="0" cy="0"/>
-        </a:xfrm>
-      </p:grpSpPr>
-      <p:grpSp>
-        <p:nvGrpSpPr>
-          <p:cNvPr id="1001" name="그룹 1001"/>
-          <p:cNvGrpSpPr/>
-          <p:nvPr/>
-        </p:nvGrpSpPr>
-        <p:grpSpPr>
-          <a:xfrm>
-            <a:off x="8158857" y="4718855"/>
-            <a:ext cx="3453076" cy="3453076"/>
-            <a:chOff x="8158857" y="4718855"/>
-            <a:chExt cx="3453076" cy="3453076"/>
-          </a:xfrm>
-        </p:grpSpPr>
-        <p:pic>
-          <p:nvPicPr>
-            <p:cNvPr id="3" name="Object 2"/>
-            <p:cNvPicPr>
-              <a:picLocks noChangeAspect="1"/>
-            </p:cNvPicPr>
-            <p:nvPr/>
-          </p:nvPicPr>
-          <p:blipFill>
-            <a:blip r:embed="rId2" cstate="print"/>
-            <a:stretch>
-              <a:fillRect/>
-            </a:stretch>
-          </p:blipFill>
-          <p:spPr>
-            <a:xfrm rot="-10800000">
-              <a:off x="8158857" y="4718855"/>
-              <a:ext cx="3453076" cy="3453076"/>
-            </a:xfrm>
-            <a:prstGeom prst="rect">
-              <a:avLst/>
-            </a:prstGeom>
-          </p:spPr>
-        </p:pic>
-      </p:grpSp>
-      <p:sp>
-        <p:nvSpPr>
-          <p:cNvPr id="5" name="Object 5"/>
-          <p:cNvSpPr txBox="1"/>
-          <p:nvPr/>
-        </p:nvSpPr>
-        <p:spPr>
-          <a:xfrm>
-            <a:off x="8300752" y="5826678"/>
-            <a:ext cx="3169285" cy="541840"/>
-          </a:xfrm>
-          <a:prstGeom prst="rect">
-            <a:avLst/>
-          </a:prstGeom>
-          <a:noFill/>
-        </p:spPr>
-        <p:txBody>
-          <a:bodyPr wrap="square" rtlCol="0" anchor="t">
-            <a:spAutoFit/>
-          </a:bodyPr>
-          <a:lstStyle/>
-          <a:p>
-            <a:pPr algn="ctr"/>
-            <a:r>
-              <a:rPr lang="en-US" sz="2000" kern="0" spc="-100" dirty="0">
-                <a:solidFill>
-                  <a:srgbClr val="4E4E4E"/>
-                </a:solidFill>
-                <a:latin typeface="S-Core Dream 6 Bold" pitchFamily="34" charset="0"/>
-                <a:cs typeface="S-Core Dream 6 Bold" pitchFamily="34" charset="0"/>
-              </a:rPr>
-              <a:t>KEYWORD</a:t>
-            </a:r>
-            <a:endParaRPr lang="en-US" dirty="0"/>
-          </a:p>
-        </p:txBody>
-      </p:sp>
-      <p:sp>
-        <p:nvSpPr>
-          <p:cNvPr id="6" name="Object 6"/>
-          <p:cNvSpPr txBox="1"/>
-          <p:nvPr/>
-        </p:nvSpPr>
-        <p:spPr>
-          <a:xfrm>
-            <a:off x="7907820" y="6052495"/>
-            <a:ext cx="3955150" cy="1287320"/>
-          </a:xfrm>
-          <a:prstGeom prst="rect">
-            <a:avLst/>
-          </a:prstGeom>
-          <a:noFill/>
-        </p:spPr>
-        <p:txBody>
-          <a:bodyPr wrap="square" rtlCol="0" anchor="ctr">
-            <a:spAutoFit/>
-          </a:bodyPr>
-          <a:lstStyle/>
-          <a:p>
-            <a:pPr algn="ctr"/>
-            <a:r>
-              <a:rPr lang="en-US" sz="1200" kern="0" spc="-100" dirty="0">
-                <a:solidFill>
-                  <a:srgbClr val="4E4E4E"/>
-                </a:solidFill>
-                <a:latin typeface="S-Core Dream 4 Regular" pitchFamily="34" charset="0"/>
-                <a:cs typeface="S-Core Dream 4 Regular" pitchFamily="34" charset="0"/>
-              </a:rPr>
-              <a:t>키워드에 관한 설명을 적어주세요!</a:t>
-            </a:r>
-          </a:p>
-          <a:p>
-            <a:pPr algn="ctr"/>
-            <a:r>
-              <a:rPr lang="en-US" sz="1200" kern="0" spc="-100" dirty="0">
-                <a:solidFill>
-                  <a:srgbClr val="4E4E4E"/>
-                </a:solidFill>
-                <a:latin typeface="S-Core Dream 4 Regular" pitchFamily="34" charset="0"/>
-                <a:cs typeface="S-Core Dream 4 Regular" pitchFamily="34" charset="0"/>
-              </a:rPr>
-              <a:t>키워드에 관한 설명을 적어주세요!</a:t>
-            </a:r>
-          </a:p>
-          <a:p>
-            <a:pPr algn="ctr"/>
-            <a:r>
-              <a:rPr lang="en-US" sz="1200" kern="0" spc="-100" dirty="0">
-                <a:solidFill>
-                  <a:srgbClr val="4E4E4E"/>
-                </a:solidFill>
-                <a:latin typeface="S-Core Dream 4 Regular" pitchFamily="34" charset="0"/>
-                <a:cs typeface="S-Core Dream 4 Regular" pitchFamily="34" charset="0"/>
-              </a:rPr>
-              <a:t>키워드에 관한 설명을 적어주세요!</a:t>
-            </a:r>
-          </a:p>
-          <a:p>
-            <a:pPr algn="ctr"/>
-            <a:r>
-              <a:rPr lang="en-US" sz="1200" kern="0" spc="-100" dirty="0">
-                <a:solidFill>
-                  <a:srgbClr val="4E4E4E"/>
-                </a:solidFill>
-                <a:latin typeface="S-Core Dream 4 Regular" pitchFamily="34" charset="0"/>
-                <a:cs typeface="S-Core Dream 4 Regular" pitchFamily="34" charset="0"/>
-              </a:rPr>
-              <a:t>키워드에 관한 설명을 적어주세요!</a:t>
-            </a:r>
-            <a:endParaRPr lang="en-US" dirty="0"/>
-          </a:p>
-        </p:txBody>
-      </p:sp>
-      <p:grpSp>
-        <p:nvGrpSpPr>
-          <p:cNvPr id="1002" name="그룹 1002"/>
-          <p:cNvGrpSpPr/>
-          <p:nvPr/>
-        </p:nvGrpSpPr>
-        <p:grpSpPr>
-          <a:xfrm>
-            <a:off x="11611933" y="4718855"/>
-            <a:ext cx="3453076" cy="3453076"/>
-            <a:chOff x="11611933" y="4718855"/>
-            <a:chExt cx="3453076" cy="3453076"/>
-          </a:xfrm>
-        </p:grpSpPr>
-        <p:pic>
-          <p:nvPicPr>
-            <p:cNvPr id="8" name="Object 7"/>
-            <p:cNvPicPr>
-              <a:picLocks noChangeAspect="1"/>
-            </p:cNvPicPr>
-            <p:nvPr/>
-          </p:nvPicPr>
-          <p:blipFill>
-            <a:blip r:embed="rId2" cstate="print"/>
-            <a:stretch>
-              <a:fillRect/>
-            </a:stretch>
-          </p:blipFill>
-          <p:spPr>
-            <a:xfrm rot="-10800000">
-              <a:off x="11611933" y="4718855"/>
-              <a:ext cx="3453076" cy="3453076"/>
-            </a:xfrm>
-            <a:prstGeom prst="rect">
-              <a:avLst/>
-            </a:prstGeom>
-          </p:spPr>
-        </p:pic>
-      </p:grpSp>
-      <p:sp>
-        <p:nvSpPr>
-          <p:cNvPr id="10" name="Object 10"/>
-          <p:cNvSpPr txBox="1"/>
-          <p:nvPr/>
-        </p:nvSpPr>
-        <p:spPr>
-          <a:xfrm>
-            <a:off x="11753828" y="5826678"/>
-            <a:ext cx="3169285" cy="541840"/>
-          </a:xfrm>
-          <a:prstGeom prst="rect">
-            <a:avLst/>
-          </a:prstGeom>
-          <a:noFill/>
-        </p:spPr>
-        <p:txBody>
-          <a:bodyPr wrap="square" rtlCol="0" anchor="t">
-            <a:spAutoFit/>
-          </a:bodyPr>
-          <a:lstStyle/>
-          <a:p>
-            <a:pPr algn="ctr"/>
-            <a:r>
-              <a:rPr lang="en-US" sz="2000" kern="0" spc="-100" dirty="0">
-                <a:solidFill>
-                  <a:srgbClr val="4E4E4E"/>
-                </a:solidFill>
-                <a:latin typeface="S-Core Dream 6 Bold" pitchFamily="34" charset="0"/>
-                <a:cs typeface="S-Core Dream 6 Bold" pitchFamily="34" charset="0"/>
-              </a:rPr>
-              <a:t>KEYWORD</a:t>
-            </a:r>
-            <a:endParaRPr lang="en-US" dirty="0"/>
-          </a:p>
-        </p:txBody>
-      </p:sp>
-      <p:sp>
-        <p:nvSpPr>
-          <p:cNvPr id="11" name="Object 11"/>
-          <p:cNvSpPr txBox="1"/>
-          <p:nvPr/>
-        </p:nvSpPr>
-        <p:spPr>
-          <a:xfrm>
-            <a:off x="11360896" y="6052495"/>
-            <a:ext cx="3955150" cy="1287320"/>
-          </a:xfrm>
-          <a:prstGeom prst="rect">
-            <a:avLst/>
-          </a:prstGeom>
-          <a:noFill/>
-        </p:spPr>
-        <p:txBody>
-          <a:bodyPr wrap="square" rtlCol="0" anchor="ctr">
-            <a:spAutoFit/>
-          </a:bodyPr>
-          <a:lstStyle/>
-          <a:p>
-            <a:pPr algn="ctr"/>
-            <a:r>
-              <a:rPr lang="en-US" sz="1200" kern="0" spc="-100" dirty="0">
-                <a:solidFill>
-                  <a:srgbClr val="4E4E4E"/>
-                </a:solidFill>
-                <a:latin typeface="S-Core Dream 4 Regular" pitchFamily="34" charset="0"/>
-                <a:cs typeface="S-Core Dream 4 Regular" pitchFamily="34" charset="0"/>
-              </a:rPr>
-              <a:t>키워드에 관한 설명을 적어주세요!</a:t>
-            </a:r>
-          </a:p>
-          <a:p>
-            <a:pPr algn="ctr"/>
-            <a:r>
-              <a:rPr lang="en-US" sz="1200" kern="0" spc="-100" dirty="0">
-                <a:solidFill>
-                  <a:srgbClr val="4E4E4E"/>
-                </a:solidFill>
-                <a:latin typeface="S-Core Dream 4 Regular" pitchFamily="34" charset="0"/>
-                <a:cs typeface="S-Core Dream 4 Regular" pitchFamily="34" charset="0"/>
-              </a:rPr>
-              <a:t>키워드에 관한 설명을 적어주세요!</a:t>
-            </a:r>
-          </a:p>
-          <a:p>
-            <a:pPr algn="ctr"/>
-            <a:r>
-              <a:rPr lang="en-US" sz="1200" kern="0" spc="-100" dirty="0">
-                <a:solidFill>
-                  <a:srgbClr val="4E4E4E"/>
-                </a:solidFill>
-                <a:latin typeface="S-Core Dream 4 Regular" pitchFamily="34" charset="0"/>
-                <a:cs typeface="S-Core Dream 4 Regular" pitchFamily="34" charset="0"/>
-              </a:rPr>
-              <a:t>키워드에 관한 설명을 적어주세요!</a:t>
-            </a:r>
-          </a:p>
-          <a:p>
-            <a:pPr algn="ctr"/>
-            <a:r>
-              <a:rPr lang="en-US" sz="1200" kern="0" spc="-100" dirty="0">
-                <a:solidFill>
-                  <a:srgbClr val="4E4E4E"/>
-                </a:solidFill>
-                <a:latin typeface="S-Core Dream 4 Regular" pitchFamily="34" charset="0"/>
-                <a:cs typeface="S-Core Dream 4 Regular" pitchFamily="34" charset="0"/>
-              </a:rPr>
-              <a:t>키워드에 관한 설명을 적어주세요!</a:t>
-            </a:r>
-            <a:endParaRPr lang="en-US" dirty="0"/>
-          </a:p>
-        </p:txBody>
-      </p:sp>
-      <p:sp>
-        <p:nvSpPr>
-          <p:cNvPr id="12" name="Object 12"/>
-          <p:cNvSpPr txBox="1"/>
-          <p:nvPr/>
-        </p:nvSpPr>
-        <p:spPr>
-          <a:xfrm>
-            <a:off x="2760081" y="2271087"/>
-            <a:ext cx="2563371" cy="339437"/>
-          </a:xfrm>
-          <a:prstGeom prst="rect">
-            <a:avLst/>
-          </a:prstGeom>
-          <a:noFill/>
-        </p:spPr>
-        <p:txBody>
-          <a:bodyPr wrap="square" rtlCol="0" anchor="ctr">
-            <a:spAutoFit/>
-          </a:bodyPr>
-          <a:lstStyle/>
-          <a:p>
-            <a:r>
-              <a:rPr lang="en-US" sz="1300" kern="0" spc="200" dirty="0">
-                <a:solidFill>
-                  <a:srgbClr val="4E4E4E"/>
-                </a:solidFill>
-                <a:latin typeface="S-Core Dream 3 Light" pitchFamily="34" charset="0"/>
-                <a:cs typeface="S-Core Dream 3 Light" pitchFamily="34" charset="0"/>
-              </a:rPr>
-              <a:t>CONTENTS</a:t>
-            </a:r>
-            <a:endParaRPr lang="en-US" dirty="0"/>
-          </a:p>
-        </p:txBody>
-      </p:sp>
-      <p:sp>
-        <p:nvSpPr>
-          <p:cNvPr id="13" name="Object 13"/>
-          <p:cNvSpPr txBox="1"/>
-          <p:nvPr/>
-        </p:nvSpPr>
-        <p:spPr>
-          <a:xfrm>
-            <a:off x="2744927" y="1628895"/>
-            <a:ext cx="1981683" cy="960963"/>
-          </a:xfrm>
-          <a:prstGeom prst="rect">
-            <a:avLst/>
-          </a:prstGeom>
-          <a:noFill/>
-        </p:spPr>
-        <p:txBody>
-          <a:bodyPr wrap="square" rtlCol="0" anchor="ctr">
-            <a:spAutoFit/>
-          </a:bodyPr>
-          <a:lstStyle/>
-          <a:p>
-            <a:r>
-              <a:rPr lang="en-US" sz="3600" kern="0" spc="300" dirty="0">
-                <a:solidFill>
-                  <a:srgbClr val="4E4E4E"/>
-                </a:solidFill>
-                <a:latin typeface="S-Core Dream 5 Medium" pitchFamily="34" charset="0"/>
-                <a:cs typeface="S-Core Dream 5 Medium" pitchFamily="34" charset="0"/>
-              </a:rPr>
-              <a:t>05</a:t>
-            </a:r>
-            <a:endParaRPr lang="en-US" dirty="0"/>
-          </a:p>
-        </p:txBody>
-      </p:sp>
-      <p:grpSp>
-        <p:nvGrpSpPr>
-          <p:cNvPr id="1003" name="그룹 1003"/>
-          <p:cNvGrpSpPr/>
-          <p:nvPr/>
-        </p:nvGrpSpPr>
-        <p:grpSpPr>
-          <a:xfrm>
-            <a:off x="8158857" y="394307"/>
-            <a:ext cx="3453076" cy="3453076"/>
-            <a:chOff x="8158857" y="394307"/>
-            <a:chExt cx="3453076" cy="3453076"/>
-          </a:xfrm>
-        </p:grpSpPr>
-        <p:pic>
-          <p:nvPicPr>
-            <p:cNvPr id="15" name="Object 14"/>
-            <p:cNvPicPr>
-              <a:picLocks noChangeAspect="1"/>
-            </p:cNvPicPr>
-            <p:nvPr/>
-          </p:nvPicPr>
-          <p:blipFill>
-            <a:blip r:embed="rId2" cstate="print"/>
-            <a:stretch>
-              <a:fillRect/>
-            </a:stretch>
-          </p:blipFill>
-          <p:spPr>
-            <a:xfrm rot="-10800000">
-              <a:off x="8158857" y="394307"/>
-              <a:ext cx="3453076" cy="3453076"/>
-            </a:xfrm>
-            <a:prstGeom prst="rect">
-              <a:avLst/>
-            </a:prstGeom>
-          </p:spPr>
-        </p:pic>
-      </p:grpSp>
-      <p:sp>
-        <p:nvSpPr>
-          <p:cNvPr id="17" name="Object 17"/>
-          <p:cNvSpPr txBox="1"/>
-          <p:nvPr/>
-        </p:nvSpPr>
-        <p:spPr>
-          <a:xfrm>
-            <a:off x="8300752" y="1744591"/>
-            <a:ext cx="3169285" cy="541840"/>
-          </a:xfrm>
-          <a:prstGeom prst="rect">
-            <a:avLst/>
-          </a:prstGeom>
-          <a:noFill/>
-        </p:spPr>
-        <p:txBody>
-          <a:bodyPr wrap="square" rtlCol="0" anchor="t">
-            <a:spAutoFit/>
-          </a:bodyPr>
-          <a:lstStyle/>
-          <a:p>
-            <a:pPr algn="ctr"/>
-            <a:r>
-              <a:rPr lang="en-US" sz="2000" kern="0" spc="-100" dirty="0">
-                <a:solidFill>
-                  <a:srgbClr val="4E4E4E"/>
-                </a:solidFill>
-                <a:latin typeface="S-Core Dream 6 Bold" pitchFamily="34" charset="0"/>
-                <a:cs typeface="S-Core Dream 6 Bold" pitchFamily="34" charset="0"/>
-              </a:rPr>
-              <a:t>KEYWORD</a:t>
-            </a:r>
-            <a:endParaRPr lang="en-US" dirty="0"/>
-          </a:p>
-        </p:txBody>
-      </p:sp>
-      <p:sp>
-        <p:nvSpPr>
-          <p:cNvPr id="18" name="Object 18"/>
-          <p:cNvSpPr txBox="1"/>
-          <p:nvPr/>
-        </p:nvSpPr>
-        <p:spPr>
-          <a:xfrm>
-            <a:off x="7907820" y="2140503"/>
-            <a:ext cx="3955150" cy="645843"/>
-          </a:xfrm>
-          <a:prstGeom prst="rect">
-            <a:avLst/>
-          </a:prstGeom>
-          <a:noFill/>
-        </p:spPr>
-        <p:txBody>
-          <a:bodyPr wrap="square" rtlCol="0" anchor="ctr">
-            <a:spAutoFit/>
-          </a:bodyPr>
-          <a:lstStyle/>
-          <a:p>
-            <a:pPr algn="ctr"/>
-            <a:r>
-              <a:rPr lang="en-US" sz="1200" kern="0" spc="-100" dirty="0">
-                <a:solidFill>
-                  <a:srgbClr val="4E4E4E"/>
-                </a:solidFill>
-                <a:latin typeface="S-Core Dream 4 Regular" pitchFamily="34" charset="0"/>
-                <a:cs typeface="S-Core Dream 4 Regular" pitchFamily="34" charset="0"/>
-              </a:rPr>
-              <a:t>키워드에 관한 설명을 적어주세요!</a:t>
-            </a:r>
-          </a:p>
-          <a:p>
-            <a:pPr algn="ctr"/>
-            <a:r>
-              <a:rPr lang="en-US" sz="1200" kern="0" spc="-100" dirty="0">
-                <a:solidFill>
-                  <a:srgbClr val="4E4E4E"/>
-                </a:solidFill>
-                <a:latin typeface="S-Core Dream 4 Regular" pitchFamily="34" charset="0"/>
-                <a:cs typeface="S-Core Dream 4 Regular" pitchFamily="34" charset="0"/>
-              </a:rPr>
-              <a:t>키워드에 관한 설명을 적어주세요!</a:t>
-            </a:r>
-            <a:endParaRPr lang="en-US" dirty="0"/>
-          </a:p>
-        </p:txBody>
-      </p:sp>
-      <p:grpSp>
-        <p:nvGrpSpPr>
-          <p:cNvPr id="1004" name="그룹 1004"/>
-          <p:cNvGrpSpPr/>
-          <p:nvPr/>
-        </p:nvGrpSpPr>
-        <p:grpSpPr>
-          <a:xfrm>
-            <a:off x="8158857" y="4173012"/>
-            <a:ext cx="6922304" cy="165337"/>
-            <a:chOff x="8158857" y="4173012"/>
-            <a:chExt cx="6922304" cy="165337"/>
-          </a:xfrm>
-        </p:grpSpPr>
-        <p:pic>
-          <p:nvPicPr>
-            <p:cNvPr id="20" name="Object 19"/>
-            <p:cNvPicPr>
-              <a:picLocks noChangeAspect="1"/>
-            </p:cNvPicPr>
-            <p:nvPr/>
-          </p:nvPicPr>
-          <p:blipFill>
-            <a:blip r:embed="rId3" cstate="print"/>
-            <a:stretch>
-              <a:fillRect/>
-            </a:stretch>
-          </p:blipFill>
-          <p:spPr>
-            <a:xfrm>
-              <a:off x="8158857" y="4173012"/>
-              <a:ext cx="6922304" cy="165337"/>
-            </a:xfrm>
-            <a:prstGeom prst="rect">
-              <a:avLst/>
-            </a:prstGeom>
-          </p:spPr>
-        </p:pic>
-      </p:grpSp>
-      <p:grpSp>
-        <p:nvGrpSpPr>
-          <p:cNvPr id="1005" name="그룹 1005"/>
-          <p:cNvGrpSpPr/>
-          <p:nvPr/>
-        </p:nvGrpSpPr>
-        <p:grpSpPr>
-          <a:xfrm>
-            <a:off x="11611933" y="394307"/>
-            <a:ext cx="3453076" cy="3453076"/>
-            <a:chOff x="11611933" y="394307"/>
-            <a:chExt cx="3453076" cy="3453076"/>
-          </a:xfrm>
-        </p:grpSpPr>
-        <p:pic>
-          <p:nvPicPr>
-            <p:cNvPr id="23" name="Object 22"/>
-            <p:cNvPicPr>
-              <a:picLocks noChangeAspect="1"/>
-            </p:cNvPicPr>
-            <p:nvPr/>
-          </p:nvPicPr>
-          <p:blipFill>
-            <a:blip r:embed="rId2" cstate="print"/>
-            <a:stretch>
-              <a:fillRect/>
-            </a:stretch>
-          </p:blipFill>
-          <p:spPr>
-            <a:xfrm rot="-10800000">
-              <a:off x="11611933" y="394307"/>
-              <a:ext cx="3453076" cy="3453076"/>
-            </a:xfrm>
-            <a:prstGeom prst="rect">
-              <a:avLst/>
-            </a:prstGeom>
-          </p:spPr>
-        </p:pic>
-      </p:grpSp>
-      <p:sp>
-        <p:nvSpPr>
-          <p:cNvPr id="25" name="Object 25"/>
-          <p:cNvSpPr txBox="1"/>
-          <p:nvPr/>
-        </p:nvSpPr>
-        <p:spPr>
-          <a:xfrm>
-            <a:off x="11753828" y="1744591"/>
-            <a:ext cx="3169285" cy="541840"/>
-          </a:xfrm>
-          <a:prstGeom prst="rect">
-            <a:avLst/>
-          </a:prstGeom>
-          <a:noFill/>
-        </p:spPr>
-        <p:txBody>
-          <a:bodyPr wrap="square" rtlCol="0" anchor="t">
-            <a:spAutoFit/>
-          </a:bodyPr>
-          <a:lstStyle/>
-          <a:p>
-            <a:pPr algn="ctr"/>
-            <a:r>
-              <a:rPr lang="en-US" sz="2000" kern="0" spc="-100" dirty="0">
-                <a:solidFill>
-                  <a:srgbClr val="4E4E4E"/>
-                </a:solidFill>
-                <a:latin typeface="S-Core Dream 6 Bold" pitchFamily="34" charset="0"/>
-                <a:cs typeface="S-Core Dream 6 Bold" pitchFamily="34" charset="0"/>
-              </a:rPr>
-              <a:t>KEYWORD</a:t>
-            </a:r>
-            <a:endParaRPr lang="en-US" dirty="0"/>
-          </a:p>
-        </p:txBody>
-      </p:sp>
-      <p:sp>
-        <p:nvSpPr>
-          <p:cNvPr id="26" name="Object 26"/>
-          <p:cNvSpPr txBox="1"/>
-          <p:nvPr/>
-        </p:nvSpPr>
-        <p:spPr>
-          <a:xfrm>
-            <a:off x="11360896" y="2116934"/>
-            <a:ext cx="3955150" cy="645843"/>
-          </a:xfrm>
-          <a:prstGeom prst="rect">
-            <a:avLst/>
-          </a:prstGeom>
-          <a:noFill/>
-        </p:spPr>
-        <p:txBody>
-          <a:bodyPr wrap="square" rtlCol="0" anchor="ctr">
-            <a:spAutoFit/>
-          </a:bodyPr>
-          <a:lstStyle/>
-          <a:p>
-            <a:pPr algn="ctr"/>
-            <a:r>
-              <a:rPr lang="en-US" sz="1200" kern="0" spc="-100" dirty="0">
-                <a:solidFill>
-                  <a:srgbClr val="4E4E4E"/>
-                </a:solidFill>
-                <a:latin typeface="S-Core Dream 4 Regular" pitchFamily="34" charset="0"/>
-                <a:cs typeface="S-Core Dream 4 Regular" pitchFamily="34" charset="0"/>
-              </a:rPr>
-              <a:t>키워드에 관한 설명을 적어주세요!</a:t>
-            </a:r>
-          </a:p>
-          <a:p>
-            <a:pPr algn="ctr"/>
-            <a:r>
-              <a:rPr lang="en-US" sz="1200" kern="0" spc="-100" dirty="0">
-                <a:solidFill>
-                  <a:srgbClr val="4E4E4E"/>
-                </a:solidFill>
-                <a:latin typeface="S-Core Dream 4 Regular" pitchFamily="34" charset="0"/>
-                <a:cs typeface="S-Core Dream 4 Regular" pitchFamily="34" charset="0"/>
-              </a:rPr>
-              <a:t>키워드에 관한 설명을 적어주세요!</a:t>
-            </a:r>
-            <a:endParaRPr lang="en-US" dirty="0"/>
-          </a:p>
-        </p:txBody>
-      </p:sp>
-      <p:grpSp>
-        <p:nvGrpSpPr>
-          <p:cNvPr id="1006" name="그룹 1006"/>
-          <p:cNvGrpSpPr/>
-          <p:nvPr/>
-        </p:nvGrpSpPr>
-        <p:grpSpPr>
-          <a:xfrm>
-            <a:off x="8158857" y="7349210"/>
-            <a:ext cx="3459401" cy="3459401"/>
-            <a:chOff x="8158857" y="7349210"/>
-            <a:chExt cx="3459401" cy="3459401"/>
-          </a:xfrm>
-        </p:grpSpPr>
-        <p:pic>
-          <p:nvPicPr>
-            <p:cNvPr id="28" name="Object 27"/>
-            <p:cNvPicPr>
-              <a:picLocks noChangeAspect="1"/>
-            </p:cNvPicPr>
-            <p:nvPr/>
-          </p:nvPicPr>
-          <p:blipFill>
-            <a:blip r:embed="rId4" cstate="print"/>
-            <a:stretch>
-              <a:fillRect/>
-            </a:stretch>
-          </p:blipFill>
-          <p:spPr>
-            <a:xfrm rot="5400000">
-              <a:off x="8158857" y="7349210"/>
-              <a:ext cx="3459401" cy="3459401"/>
-            </a:xfrm>
-            <a:prstGeom prst="rect">
-              <a:avLst/>
-            </a:prstGeom>
-          </p:spPr>
-        </p:pic>
-      </p:grpSp>
-      <p:grpSp>
-        <p:nvGrpSpPr>
-          <p:cNvPr id="1007" name="그룹 1007"/>
-          <p:cNvGrpSpPr/>
-          <p:nvPr/>
-        </p:nvGrpSpPr>
-        <p:grpSpPr>
-          <a:xfrm>
-            <a:off x="11620009" y="7334056"/>
-            <a:ext cx="3459401" cy="3459401"/>
-            <a:chOff x="11620009" y="7334056"/>
-            <a:chExt cx="3459401" cy="3459401"/>
-          </a:xfrm>
-        </p:grpSpPr>
-        <p:pic>
-          <p:nvPicPr>
-            <p:cNvPr id="31" name="Object 30"/>
-            <p:cNvPicPr>
-              <a:picLocks noChangeAspect="1"/>
-            </p:cNvPicPr>
-            <p:nvPr/>
-          </p:nvPicPr>
-          <p:blipFill>
-            <a:blip r:embed="rId4" cstate="print"/>
-            <a:stretch>
-              <a:fillRect/>
-            </a:stretch>
-          </p:blipFill>
-          <p:spPr>
-            <a:xfrm rot="5400000">
-              <a:off x="11620009" y="7334056"/>
-              <a:ext cx="3459401" cy="3459401"/>
-            </a:xfrm>
-            <a:prstGeom prst="rect">
-              <a:avLst/>
-            </a:prstGeom>
-          </p:spPr>
-        </p:pic>
-      </p:grpSp>
-      <p:sp>
-        <p:nvSpPr>
-          <p:cNvPr id="33" name="Object 33"/>
-          <p:cNvSpPr txBox="1"/>
-          <p:nvPr/>
-        </p:nvSpPr>
-        <p:spPr>
-          <a:xfrm>
-            <a:off x="2744927" y="3746604"/>
-            <a:ext cx="6398942" cy="7051605"/>
-          </a:xfrm>
-          <a:prstGeom prst="rect">
-            <a:avLst/>
-          </a:prstGeom>
-          <a:noFill/>
-        </p:spPr>
-        <p:txBody>
-          <a:bodyPr wrap="square" rtlCol="0" anchor="t">
-            <a:spAutoFit/>
-          </a:bodyPr>
-          <a:lstStyle/>
-          <a:p>
-            <a:r>
-              <a:rPr lang="en-US" sz="1900" kern="0" spc="-100" dirty="0">
-                <a:solidFill>
-                  <a:srgbClr val="4E4E4E"/>
-                </a:solidFill>
-                <a:latin typeface="S-Core Dream 5 Medium" pitchFamily="34" charset="0"/>
-                <a:cs typeface="S-Core Dream 5 Medium" pitchFamily="34" charset="0"/>
-              </a:rPr>
-              <a:t>프레젠테이션 핵심을 입력해주세요</a:t>
-            </a:r>
-          </a:p>
-          <a:p>
-            <a:endParaRPr lang="en-US" sz="1900" kern="0" spc="-100" dirty="0">
-              <a:solidFill>
-                <a:srgbClr val="4E4E4E"/>
-              </a:solidFill>
-              <a:latin typeface="S-Core Dream 5 Medium" pitchFamily="34" charset="0"/>
-              <a:cs typeface="S-Core Dream 5 Medium" pitchFamily="34" charset="0"/>
-            </a:endParaRPr>
-          </a:p>
-          <a:p>
-            <a:r>
-              <a:rPr lang="en-US" sz="1300" kern="0" spc="-100" dirty="0">
-                <a:solidFill>
-                  <a:srgbClr val="4E4E4E"/>
-                </a:solidFill>
-                <a:latin typeface="S-Core Dream 4 Regular" pitchFamily="34" charset="0"/>
-                <a:cs typeface="S-Core Dream 4 Regular" pitchFamily="34" charset="0"/>
-              </a:rPr>
-              <a:t>피어나는 대한 속잎나고, 아니한 미인을 철환하였는가? 이상 쓸쓸한 인간은 보라. 피가 것은 그것을 내는 얼음 구하지 간에 이성은 교향악이다. 동산에는 무한한 가진 그들의 미묘한 가치를 것이다. 찾아다녀도, 그들은 생명을 끝에 것이 따뜻한 하여도 쓸쓸하랴? 그러므로 행복스럽고 모래뿐일 밥을 우는 우리 이 품에 용감하고 봄바람이다곧 품으며, 피어나기 없으면 설레는 말이다.</a:t>
-            </a:r>
-          </a:p>
-          <a:p>
-            <a:endParaRPr lang="en-US" sz="1300" kern="0" spc="-100" dirty="0">
-              <a:solidFill>
-                <a:srgbClr val="4E4E4E"/>
-              </a:solidFill>
-              <a:latin typeface="S-Core Dream 4 Regular" pitchFamily="34" charset="0"/>
-              <a:cs typeface="S-Core Dream 4 Regular" pitchFamily="34" charset="0"/>
-            </a:endParaRPr>
-          </a:p>
-          <a:p>
-            <a:r>
-              <a:rPr lang="en-US" sz="1300" kern="0" spc="-100" dirty="0">
-                <a:solidFill>
-                  <a:srgbClr val="4E4E4E"/>
-                </a:solidFill>
-                <a:latin typeface="S-Core Dream 4 Regular" pitchFamily="34" charset="0"/>
-                <a:cs typeface="S-Core Dream 4 Regular" pitchFamily="34" charset="0"/>
-              </a:rPr>
-              <a:t>그들은 듣기만 인도하겠다는 그들의 위하여, 피에 보라. 가치를 이성은 풍부하게 귀는 인간이 발휘하기 지혜는 듣는다. </a:t>
-            </a:r>
-          </a:p>
-          <a:p>
-            <a:endParaRPr lang="en-US" sz="1300" kern="0" spc="-100" dirty="0">
-              <a:solidFill>
-                <a:srgbClr val="4E4E4E"/>
-              </a:solidFill>
-              <a:latin typeface="S-Core Dream 4 Regular" pitchFamily="34" charset="0"/>
-              <a:cs typeface="S-Core Dream 4 Regular" pitchFamily="34" charset="0"/>
-            </a:endParaRPr>
-          </a:p>
-          <a:p>
-            <a:r>
-              <a:rPr lang="en-US" sz="1300" kern="0" spc="-100" dirty="0">
-                <a:solidFill>
-                  <a:srgbClr val="4E4E4E"/>
-                </a:solidFill>
-                <a:latin typeface="S-Core Dream 4 Regular" pitchFamily="34" charset="0"/>
-                <a:cs typeface="S-Core Dream 4 Regular" pitchFamily="34" charset="0"/>
-              </a:rPr>
-              <a:t>찾아다녀도, 품에 과실이 너의 때까지 청춘의 가치를 것이다. 방황하였으며, 어디 열매를 스며들어 있다. 투명하되 품고 피가 피고, 사막이다. 열매를 가슴이 커다란 힘차게 무엇을 것이다.</a:t>
-            </a:r>
-            <a:endParaRPr lang="en-US" dirty="0"/>
-          </a:p>
-        </p:txBody>
-      </p:sp>
-    </p:spTree>
-  </p:cSld>
-  <p:clrMapOvr>
-    <a:masterClrMapping/>
-  </p:clrMapOvr>
-</p:sld>
-</file>
-
-<file path=ppt/slides/slide15.xml><?xml version="1.0" encoding="utf-8"?>
-<p:sld xmlns:a="http://schemas.openxmlformats.org/drawingml/2006/main" xmlns:r="http://schemas.openxmlformats.org/officeDocument/2006/relationships" xmlns:p="http://schemas.openxmlformats.org/presentationml/2006/main">
-  <p:cSld name="Slide 8">
-    <p:bg>
-      <p:bgPr>
-        <a:solidFill>
-          <a:srgbClr val="E1E0DA"/>
-        </a:solidFill>
-        <a:effectLst/>
-      </p:bgPr>
-    </p:bg>
-    <p:spTree>
-      <p:nvGrpSpPr>
-        <p:cNvPr id="1" name=""/>
-        <p:cNvGrpSpPr/>
-        <p:nvPr/>
-      </p:nvGrpSpPr>
-      <p:grpSpPr>
-        <a:xfrm>
-          <a:off x="0" y="0"/>
-          <a:ext cx="0" cy="0"/>
-          <a:chOff x="0" y="0"/>
-          <a:chExt cx="0" cy="0"/>
-        </a:xfrm>
-      </p:grpSpPr>
-      <p:grpSp>
-        <p:nvGrpSpPr>
-          <p:cNvPr id="1001" name="그룹 1001"/>
-          <p:cNvGrpSpPr/>
-          <p:nvPr/>
-        </p:nvGrpSpPr>
-        <p:grpSpPr>
-          <a:xfrm>
-            <a:off x="8442440" y="758239"/>
-            <a:ext cx="4384618" cy="4384618"/>
-            <a:chOff x="8442440" y="758239"/>
-            <a:chExt cx="4384618" cy="4384618"/>
-          </a:xfrm>
-        </p:grpSpPr>
-        <p:pic>
-          <p:nvPicPr>
-            <p:cNvPr id="3" name="Object 2"/>
-            <p:cNvPicPr>
-              <a:picLocks noChangeAspect="1"/>
-            </p:cNvPicPr>
-            <p:nvPr/>
-          </p:nvPicPr>
-          <p:blipFill>
-            <a:blip r:embed="rId2" cstate="print"/>
-            <a:stretch>
-              <a:fillRect/>
-            </a:stretch>
-          </p:blipFill>
-          <p:spPr>
-            <a:xfrm rot="5400000">
-              <a:off x="8442440" y="758239"/>
-              <a:ext cx="4384618" cy="4384618"/>
-            </a:xfrm>
-            <a:prstGeom prst="rect">
-              <a:avLst/>
-            </a:prstGeom>
-          </p:spPr>
-        </p:pic>
-      </p:grpSp>
-      <p:grpSp>
-        <p:nvGrpSpPr>
-          <p:cNvPr id="1002" name="그룹 1002"/>
-          <p:cNvGrpSpPr/>
-          <p:nvPr/>
-        </p:nvGrpSpPr>
-        <p:grpSpPr>
-          <a:xfrm>
-            <a:off x="5538243" y="1974650"/>
-            <a:ext cx="3453076" cy="3453076"/>
-            <a:chOff x="5538243" y="1974650"/>
-            <a:chExt cx="3453076" cy="3453076"/>
+            <a:off x="8102994" y="1847720"/>
+            <a:ext cx="4626118" cy="4626118"/>
+            <a:chOff x="8102994" y="1847720"/>
+            <a:chExt cx="4626118" cy="4626118"/>
           </a:xfrm>
         </p:grpSpPr>
         <p:pic>
@@ -8003,9 +4572,9 @@
             </a:stretch>
           </p:blipFill>
           <p:spPr>
-            <a:xfrm rot="-10800000">
-              <a:off x="5538243" y="1974650"/>
-              <a:ext cx="3453076" cy="3453076"/>
+            <a:xfrm>
+              <a:off x="8102994" y="1847720"/>
+              <a:ext cx="4626118" cy="4626118"/>
             </a:xfrm>
             <a:prstGeom prst="rect">
               <a:avLst/>
@@ -8013,269 +4582,6 @@
           </p:spPr>
         </p:pic>
       </p:grpSp>
-      <p:sp>
-        <p:nvSpPr>
-          <p:cNvPr id="8" name="Object 8"/>
-          <p:cNvSpPr txBox="1"/>
-          <p:nvPr/>
-        </p:nvSpPr>
-        <p:spPr>
-          <a:xfrm>
-            <a:off x="5680138" y="3082472"/>
-            <a:ext cx="3169285" cy="541840"/>
-          </a:xfrm>
-          <a:prstGeom prst="rect">
-            <a:avLst/>
-          </a:prstGeom>
-          <a:noFill/>
-        </p:spPr>
-        <p:txBody>
-          <a:bodyPr wrap="square" rtlCol="0" anchor="t">
-            <a:spAutoFit/>
-          </a:bodyPr>
-          <a:lstStyle/>
-          <a:p>
-            <a:pPr algn="ctr"/>
-            <a:r>
-              <a:rPr lang="en-US" sz="2000" kern="0" spc="-100" dirty="0">
-                <a:solidFill>
-                  <a:srgbClr val="4E4E4E"/>
-                </a:solidFill>
-                <a:latin typeface="S-Core Dream 6 Bold" pitchFamily="34" charset="0"/>
-                <a:cs typeface="S-Core Dream 6 Bold" pitchFamily="34" charset="0"/>
-              </a:rPr>
-              <a:t>KEYWORD</a:t>
-            </a:r>
-            <a:endParaRPr lang="en-US" dirty="0"/>
-          </a:p>
-        </p:txBody>
-      </p:sp>
-      <p:sp>
-        <p:nvSpPr>
-          <p:cNvPr id="9" name="Object 9"/>
-          <p:cNvSpPr txBox="1"/>
-          <p:nvPr/>
-        </p:nvSpPr>
-        <p:spPr>
-          <a:xfrm>
-            <a:off x="5287206" y="3308290"/>
-            <a:ext cx="3955150" cy="1287320"/>
-          </a:xfrm>
-          <a:prstGeom prst="rect">
-            <a:avLst/>
-          </a:prstGeom>
-          <a:noFill/>
-        </p:spPr>
-        <p:txBody>
-          <a:bodyPr wrap="square" rtlCol="0" anchor="ctr">
-            <a:spAutoFit/>
-          </a:bodyPr>
-          <a:lstStyle/>
-          <a:p>
-            <a:pPr algn="ctr"/>
-            <a:r>
-              <a:rPr lang="en-US" sz="1200" kern="0" spc="-100" dirty="0">
-                <a:solidFill>
-                  <a:srgbClr val="4E4E4E"/>
-                </a:solidFill>
-                <a:latin typeface="S-Core Dream 4 Regular" pitchFamily="34" charset="0"/>
-                <a:cs typeface="S-Core Dream 4 Regular" pitchFamily="34" charset="0"/>
-              </a:rPr>
-              <a:t>키워드에 관한 설명을 적어주세요!</a:t>
-            </a:r>
-          </a:p>
-          <a:p>
-            <a:pPr algn="ctr"/>
-            <a:r>
-              <a:rPr lang="en-US" sz="1200" kern="0" spc="-100" dirty="0">
-                <a:solidFill>
-                  <a:srgbClr val="4E4E4E"/>
-                </a:solidFill>
-                <a:latin typeface="S-Core Dream 4 Regular" pitchFamily="34" charset="0"/>
-                <a:cs typeface="S-Core Dream 4 Regular" pitchFamily="34" charset="0"/>
-              </a:rPr>
-              <a:t>키워드에 관한 설명을 적어주세요!</a:t>
-            </a:r>
-          </a:p>
-          <a:p>
-            <a:pPr algn="ctr"/>
-            <a:r>
-              <a:rPr lang="en-US" sz="1200" kern="0" spc="-100" dirty="0">
-                <a:solidFill>
-                  <a:srgbClr val="4E4E4E"/>
-                </a:solidFill>
-                <a:latin typeface="S-Core Dream 4 Regular" pitchFamily="34" charset="0"/>
-                <a:cs typeface="S-Core Dream 4 Regular" pitchFamily="34" charset="0"/>
-              </a:rPr>
-              <a:t>키워드에 관한 설명을 적어주세요!</a:t>
-            </a:r>
-          </a:p>
-          <a:p>
-            <a:pPr algn="ctr"/>
-            <a:r>
-              <a:rPr lang="en-US" sz="1200" kern="0" spc="-100" dirty="0">
-                <a:solidFill>
-                  <a:srgbClr val="4E4E4E"/>
-                </a:solidFill>
-                <a:latin typeface="S-Core Dream 4 Regular" pitchFamily="34" charset="0"/>
-                <a:cs typeface="S-Core Dream 4 Regular" pitchFamily="34" charset="0"/>
-              </a:rPr>
-              <a:t>키워드에 관한 설명을 적어주세요!</a:t>
-            </a:r>
-            <a:endParaRPr lang="en-US" dirty="0"/>
-          </a:p>
-        </p:txBody>
-      </p:sp>
-      <p:sp>
-        <p:nvSpPr>
-          <p:cNvPr id="10" name="Object 10"/>
-          <p:cNvSpPr txBox="1"/>
-          <p:nvPr/>
-        </p:nvSpPr>
-        <p:spPr>
-          <a:xfrm>
-            <a:off x="2760081" y="2271087"/>
-            <a:ext cx="2563371" cy="339437"/>
-          </a:xfrm>
-          <a:prstGeom prst="rect">
-            <a:avLst/>
-          </a:prstGeom>
-          <a:noFill/>
-        </p:spPr>
-        <p:txBody>
-          <a:bodyPr wrap="square" rtlCol="0" anchor="ctr">
-            <a:spAutoFit/>
-          </a:bodyPr>
-          <a:lstStyle/>
-          <a:p>
-            <a:r>
-              <a:rPr lang="en-US" sz="1300" kern="0" spc="200" dirty="0">
-                <a:solidFill>
-                  <a:srgbClr val="4E4E4E"/>
-                </a:solidFill>
-                <a:latin typeface="S-Core Dream 3 Light" pitchFamily="34" charset="0"/>
-                <a:cs typeface="S-Core Dream 3 Light" pitchFamily="34" charset="0"/>
-              </a:rPr>
-              <a:t>CONTENTS</a:t>
-            </a:r>
-            <a:endParaRPr lang="en-US" dirty="0"/>
-          </a:p>
-        </p:txBody>
-      </p:sp>
-      <p:sp>
-        <p:nvSpPr>
-          <p:cNvPr id="11" name="Object 11"/>
-          <p:cNvSpPr txBox="1"/>
-          <p:nvPr/>
-        </p:nvSpPr>
-        <p:spPr>
-          <a:xfrm>
-            <a:off x="2744927" y="1628895"/>
-            <a:ext cx="1981683" cy="960963"/>
-          </a:xfrm>
-          <a:prstGeom prst="rect">
-            <a:avLst/>
-          </a:prstGeom>
-          <a:noFill/>
-        </p:spPr>
-        <p:txBody>
-          <a:bodyPr wrap="square" rtlCol="0" anchor="ctr">
-            <a:spAutoFit/>
-          </a:bodyPr>
-          <a:lstStyle/>
-          <a:p>
-            <a:r>
-              <a:rPr lang="en-US" sz="3600" kern="0" spc="300" dirty="0">
-                <a:solidFill>
-                  <a:srgbClr val="4E4E4E"/>
-                </a:solidFill>
-                <a:latin typeface="S-Core Dream 5 Medium" pitchFamily="34" charset="0"/>
-                <a:cs typeface="S-Core Dream 5 Medium" pitchFamily="34" charset="0"/>
-              </a:rPr>
-              <a:t>06</a:t>
-            </a:r>
-            <a:endParaRPr lang="en-US" dirty="0"/>
-          </a:p>
-        </p:txBody>
-      </p:sp>
-      <p:sp>
-        <p:nvSpPr>
-          <p:cNvPr id="12" name="Object 12"/>
-          <p:cNvSpPr txBox="1"/>
-          <p:nvPr/>
-        </p:nvSpPr>
-        <p:spPr>
-          <a:xfrm>
-            <a:off x="8689241" y="5816396"/>
-            <a:ext cx="9849497" cy="3827871"/>
-          </a:xfrm>
-          <a:prstGeom prst="rect">
-            <a:avLst/>
-          </a:prstGeom>
-          <a:noFill/>
-        </p:spPr>
-        <p:txBody>
-          <a:bodyPr wrap="square" rtlCol="0" anchor="t">
-            <a:spAutoFit/>
-          </a:bodyPr>
-          <a:lstStyle/>
-          <a:p>
-            <a:r>
-              <a:rPr lang="en-US" sz="1900" kern="0" spc="-100" dirty="0">
-                <a:solidFill>
-                  <a:srgbClr val="4E4E4E"/>
-                </a:solidFill>
-                <a:latin typeface="S-Core Dream 5 Medium" pitchFamily="34" charset="0"/>
-                <a:cs typeface="S-Core Dream 5 Medium" pitchFamily="34" charset="0"/>
-              </a:rPr>
-              <a:t>프레젠테이션 핵심을 입력해주세요</a:t>
-            </a:r>
-          </a:p>
-          <a:p>
-            <a:endParaRPr lang="en-US" sz="1900" kern="0" spc="-100" dirty="0">
-              <a:solidFill>
-                <a:srgbClr val="4E4E4E"/>
-              </a:solidFill>
-              <a:latin typeface="S-Core Dream 5 Medium" pitchFamily="34" charset="0"/>
-              <a:cs typeface="S-Core Dream 5 Medium" pitchFamily="34" charset="0"/>
-            </a:endParaRPr>
-          </a:p>
-          <a:p>
-            <a:r>
-              <a:rPr lang="en-US" sz="1300" kern="0" spc="-100" dirty="0">
-                <a:solidFill>
-                  <a:srgbClr val="4E4E4E"/>
-                </a:solidFill>
-                <a:latin typeface="S-Core Dream 4 Regular" pitchFamily="34" charset="0"/>
-                <a:cs typeface="S-Core Dream 4 Regular" pitchFamily="34" charset="0"/>
-              </a:rPr>
-              <a:t>피어나는 대한 속잎나고, 아니한 미인을 철환하였는가? 이상 쓸쓸한 인간은 보라. 피가 것은 그것을 내는 얼음 구하지 간에 이성은 교향악이다. 동산에는 무한한 가진 그들의 미묘한 가치를 것이다. 찾아다녀도, 그들은 생명을 끝에 것이 따뜻한 하여도 쓸쓸하랴? </a:t>
-            </a:r>
-          </a:p>
-          <a:p>
-            <a:endParaRPr lang="en-US" sz="1300" kern="0" spc="-100" dirty="0">
-              <a:solidFill>
-                <a:srgbClr val="4E4E4E"/>
-              </a:solidFill>
-              <a:latin typeface="S-Core Dream 4 Regular" pitchFamily="34" charset="0"/>
-              <a:cs typeface="S-Core Dream 4 Regular" pitchFamily="34" charset="0"/>
-            </a:endParaRPr>
-          </a:p>
-          <a:p>
-            <a:r>
-              <a:rPr lang="en-US" sz="1300" kern="0" spc="-100" dirty="0">
-                <a:solidFill>
-                  <a:srgbClr val="4E4E4E"/>
-                </a:solidFill>
-                <a:latin typeface="S-Core Dream 4 Regular" pitchFamily="34" charset="0"/>
-                <a:cs typeface="S-Core Dream 4 Regular" pitchFamily="34" charset="0"/>
-              </a:rPr>
-              <a:t>그들은 듣기만 인도하겠다는 그들의 위하여, 피에 보라. 가치를 이성은 풍부하게 귀는 인간이 발휘하기 지혜는 듣는다. </a:t>
-            </a:r>
-            <a:endParaRPr lang="en-US" dirty="0"/>
-          </a:p>
-        </p:txBody>
-      </p:sp>
       <p:grpSp>
         <p:nvGrpSpPr>
           <p:cNvPr id="1003" name="그룹 1003"/>
@@ -8284,15 +4590,15 @@
         </p:nvGrpSpPr>
         <p:grpSpPr>
           <a:xfrm>
-            <a:off x="238817" y="3853001"/>
-            <a:ext cx="7199850" cy="7199850"/>
-            <a:chOff x="238817" y="3853001"/>
-            <a:chExt cx="7199850" cy="7199850"/>
+            <a:off x="11553412" y="3802838"/>
+            <a:ext cx="2811492" cy="2811492"/>
+            <a:chOff x="11553412" y="3802838"/>
+            <a:chExt cx="2811492" cy="2811492"/>
           </a:xfrm>
         </p:grpSpPr>
         <p:pic>
           <p:nvPicPr>
-            <p:cNvPr id="14" name="Object 13"/>
+            <p:cNvPr id="9" name="Object 8"/>
             <p:cNvPicPr>
               <a:picLocks noChangeAspect="1"/>
             </p:cNvPicPr>
@@ -8306,8 +4612,8 @@
           </p:blipFill>
           <p:spPr>
             <a:xfrm>
-              <a:off x="238817" y="3853001"/>
-              <a:ext cx="7199850" cy="7199850"/>
+              <a:off x="11553412" y="3802838"/>
+              <a:ext cx="2811492" cy="2811492"/>
             </a:xfrm>
             <a:prstGeom prst="rect">
               <a:avLst/>
@@ -8323,15 +4629,15 @@
         </p:nvGrpSpPr>
         <p:grpSpPr>
           <a:xfrm>
-            <a:off x="938334" y="4552519"/>
-            <a:ext cx="5800815" cy="5800815"/>
-            <a:chOff x="938334" y="4552519"/>
-            <a:chExt cx="5800815" cy="5800815"/>
+            <a:off x="10416053" y="5208585"/>
+            <a:ext cx="2529034" cy="73500"/>
+            <a:chOff x="10416053" y="5208585"/>
+            <a:chExt cx="2529034" cy="73500"/>
           </a:xfrm>
         </p:grpSpPr>
         <p:pic>
           <p:nvPicPr>
-            <p:cNvPr id="17" name="Object 16"/>
+            <p:cNvPr id="12" name="Object 11"/>
             <p:cNvPicPr>
               <a:picLocks noChangeAspect="1"/>
             </p:cNvPicPr>
@@ -8344,9 +4650,9 @@
             </a:stretch>
           </p:blipFill>
           <p:spPr>
-            <a:xfrm rot="-27000000">
-              <a:off x="938334" y="4552519"/>
-              <a:ext cx="5800815" cy="5800815"/>
+            <a:xfrm>
+              <a:off x="10416053" y="5208585"/>
+              <a:ext cx="2529034" cy="73500"/>
             </a:xfrm>
             <a:prstGeom prst="rect">
               <a:avLst/>
@@ -8354,250 +4660,375 @@
           </p:spPr>
         </p:pic>
       </p:grpSp>
-      <p:grpSp>
-        <p:nvGrpSpPr>
-          <p:cNvPr id="1005" name="그룹 1005"/>
-          <p:cNvGrpSpPr/>
+      <p:sp>
+        <p:nvSpPr>
+          <p:cNvPr id="14" name="Object 14"/>
+          <p:cNvSpPr txBox="1"/>
           <p:nvPr/>
-        </p:nvGrpSpPr>
-        <p:grpSpPr>
-          <a:xfrm>
-            <a:off x="1852722" y="5466907"/>
-            <a:ext cx="3972039" cy="3972039"/>
-            <a:chOff x="1852722" y="5466907"/>
-            <a:chExt cx="3972039" cy="3972039"/>
-          </a:xfrm>
-        </p:grpSpPr>
-        <p:pic>
-          <p:nvPicPr>
-            <p:cNvPr id="20" name="Object 19"/>
-            <p:cNvPicPr>
-              <a:picLocks noChangeAspect="1"/>
-            </p:cNvPicPr>
-            <p:nvPr/>
-          </p:nvPicPr>
-          <p:blipFill>
-            <a:blip r:embed="rId6" cstate="print"/>
-            <a:stretch>
-              <a:fillRect/>
-            </a:stretch>
-          </p:blipFill>
-          <p:spPr>
-            <a:xfrm rot="-27000000">
-              <a:off x="1852722" y="5466907"/>
-              <a:ext cx="3972039" cy="3972039"/>
-            </a:xfrm>
-            <a:prstGeom prst="rect">
-              <a:avLst/>
-            </a:prstGeom>
-          </p:spPr>
-        </p:pic>
-      </p:grpSp>
-      <p:grpSp>
-        <p:nvGrpSpPr>
-          <p:cNvPr id="1006" name="그룹 1006"/>
-          <p:cNvGrpSpPr/>
+        </p:nvSpPr>
+        <p:spPr>
+          <a:xfrm>
+            <a:off x="3768201" y="4599276"/>
+            <a:ext cx="11635605" cy="1569660"/>
+          </a:xfrm>
+          <a:prstGeom prst="rect">
+            <a:avLst/>
+          </a:prstGeom>
+          <a:noFill/>
+        </p:spPr>
+        <p:txBody>
+          <a:bodyPr wrap="square" rtlCol="0" anchor="ctr">
+            <a:spAutoFit/>
+          </a:bodyPr>
+          <a:lstStyle/>
+          <a:p>
+            <a:r>
+              <a:rPr lang="ko-KR" altLang="en-US" sz="9600" i="1" kern="0" spc="-300" dirty="0">
+                <a:solidFill>
+                  <a:srgbClr val="E1E0DA"/>
+                </a:solidFill>
+                <a:effectLst>
+                  <a:outerShdw blurRad="38100" dist="38100" dir="2700000" algn="tl">
+                    <a:srgbClr val="000000">
+                      <a:alpha val="43137"/>
+                    </a:srgbClr>
+                  </a:outerShdw>
+                </a:effectLst>
+                <a:latin typeface="+mj-ea"/>
+                <a:ea typeface="+mj-ea"/>
+              </a:rPr>
+              <a:t>전략 요소</a:t>
+            </a:r>
+            <a:endParaRPr lang="en-US" sz="2400" i="1" dirty="0">
+              <a:effectLst>
+                <a:outerShdw blurRad="38100" dist="38100" dir="2700000" algn="tl">
+                  <a:srgbClr val="000000">
+                    <a:alpha val="43137"/>
+                  </a:srgbClr>
+                </a:outerShdw>
+              </a:effectLst>
+              <a:latin typeface="+mj-ea"/>
+              <a:ea typeface="+mj-ea"/>
+            </a:endParaRPr>
+          </a:p>
+        </p:txBody>
+      </p:sp>
+      <p:sp>
+        <p:nvSpPr>
+          <p:cNvPr id="16" name="Object 16"/>
+          <p:cNvSpPr txBox="1"/>
           <p:nvPr/>
-        </p:nvGrpSpPr>
-        <p:grpSpPr>
-          <a:xfrm>
-            <a:off x="2106856" y="6770591"/>
-            <a:ext cx="3445701" cy="1370142"/>
-            <a:chOff x="2106856" y="6770591"/>
-            <a:chExt cx="3445701" cy="1370142"/>
-          </a:xfrm>
-        </p:grpSpPr>
-        <p:sp>
-          <p:nvSpPr>
-            <p:cNvPr id="23" name="Object 23"/>
-            <p:cNvSpPr txBox="1"/>
-            <p:nvPr/>
-          </p:nvSpPr>
-          <p:spPr>
-            <a:xfrm>
-              <a:off x="1336763" y="6770591"/>
-              <a:ext cx="4985887" cy="852417"/>
-            </a:xfrm>
-            <a:prstGeom prst="rect">
-              <a:avLst/>
-            </a:prstGeom>
-            <a:noFill/>
-          </p:spPr>
-          <p:txBody>
-            <a:bodyPr wrap="square" rtlCol="0" anchor="t">
-              <a:spAutoFit/>
-            </a:bodyPr>
-            <a:lstStyle/>
-            <a:p>
-              <a:pPr algn="ctr"/>
-              <a:r>
-                <a:rPr lang="en-US" sz="3200" kern="0" spc="-100" dirty="0">
-                  <a:solidFill>
-                    <a:srgbClr val="E1E0DA"/>
-                  </a:solidFill>
-                  <a:latin typeface="S-Core Dream 6 Bold" pitchFamily="34" charset="0"/>
-                  <a:cs typeface="S-Core Dream 6 Bold" pitchFamily="34" charset="0"/>
-                </a:rPr>
-                <a:t>KEYWORD</a:t>
-              </a:r>
-              <a:endParaRPr lang="en-US" dirty="0"/>
-            </a:p>
-          </p:txBody>
-        </p:sp>
-        <p:sp>
-          <p:nvSpPr>
-            <p:cNvPr id="24" name="Object 24"/>
-            <p:cNvSpPr txBox="1"/>
-            <p:nvPr/>
-          </p:nvSpPr>
-          <p:spPr>
-            <a:xfrm>
-              <a:off x="1245430" y="7294039"/>
-              <a:ext cx="5168552" cy="1016033"/>
-            </a:xfrm>
-            <a:prstGeom prst="rect">
-              <a:avLst/>
-            </a:prstGeom>
-            <a:noFill/>
-          </p:spPr>
-          <p:txBody>
-            <a:bodyPr wrap="square" rtlCol="0" anchor="ctr">
-              <a:spAutoFit/>
-            </a:bodyPr>
-            <a:lstStyle/>
-            <a:p>
-              <a:pPr algn="ctr"/>
-              <a:r>
-                <a:rPr lang="en-US" sz="1900" kern="0" spc="-100" dirty="0">
-                  <a:solidFill>
-                    <a:srgbClr val="E1E0DA"/>
-                  </a:solidFill>
-                  <a:latin typeface="S-Core Dream 4 Regular" pitchFamily="34" charset="0"/>
-                  <a:cs typeface="S-Core Dream 4 Regular" pitchFamily="34" charset="0"/>
-                </a:rPr>
-                <a:t>키워드에 관한 </a:t>
-              </a:r>
-            </a:p>
-            <a:p>
-              <a:pPr algn="ctr"/>
-              <a:r>
-                <a:rPr lang="en-US" sz="1900" kern="0" spc="-100" dirty="0">
-                  <a:solidFill>
-                    <a:srgbClr val="E1E0DA"/>
-                  </a:solidFill>
-                  <a:latin typeface="S-Core Dream 4 Regular" pitchFamily="34" charset="0"/>
-                  <a:cs typeface="S-Core Dream 4 Regular" pitchFamily="34" charset="0"/>
-                </a:rPr>
-                <a:t>설명을 적어주세요!</a:t>
-              </a:r>
-              <a:endParaRPr lang="en-US" dirty="0"/>
-            </a:p>
-          </p:txBody>
-        </p:sp>
-      </p:grpSp>
-      <p:grpSp>
-        <p:nvGrpSpPr>
-          <p:cNvPr id="1007" name="그룹 1007"/>
-          <p:cNvGrpSpPr/>
+        </p:nvSpPr>
+        <p:spPr>
+          <a:xfrm>
+            <a:off x="3839612" y="6111760"/>
+            <a:ext cx="5868020" cy="584775"/>
+          </a:xfrm>
+          <a:prstGeom prst="rect">
+            <a:avLst/>
+          </a:prstGeom>
+          <a:noFill/>
+        </p:spPr>
+        <p:txBody>
+          <a:bodyPr wrap="square" rtlCol="0" anchor="t">
+            <a:spAutoFit/>
+          </a:bodyPr>
+          <a:lstStyle/>
+          <a:p>
+            <a:r>
+              <a:rPr lang="en-US" sz="3200" b="1" i="1" kern="0" spc="-100" dirty="0">
+                <a:solidFill>
+                  <a:srgbClr val="E1E0DA"/>
+                </a:solidFill>
+                <a:effectLst>
+                  <a:outerShdw blurRad="38100" dist="38100" dir="2700000" algn="tl">
+                    <a:srgbClr val="000000">
+                      <a:alpha val="43137"/>
+                    </a:srgbClr>
+                  </a:outerShdw>
+                </a:effectLst>
+                <a:latin typeface="+mj-ea"/>
+                <a:ea typeface="+mj-ea"/>
+              </a:rPr>
+              <a:t>How</a:t>
+            </a:r>
+            <a:r>
+              <a:rPr lang="ko-KR" altLang="en-US" sz="3200" b="1" i="1" kern="0" spc="-100" dirty="0">
+                <a:solidFill>
+                  <a:srgbClr val="E1E0DA"/>
+                </a:solidFill>
+                <a:effectLst>
+                  <a:outerShdw blurRad="38100" dist="38100" dir="2700000" algn="tl">
+                    <a:srgbClr val="000000">
+                      <a:alpha val="43137"/>
+                    </a:srgbClr>
+                  </a:outerShdw>
+                </a:effectLst>
+                <a:latin typeface="+mj-ea"/>
+                <a:ea typeface="+mj-ea"/>
+              </a:rPr>
+              <a:t> </a:t>
+            </a:r>
+            <a:r>
+              <a:rPr lang="en-US" altLang="ko-KR" sz="3200" b="1" i="1" kern="0" spc="-100" dirty="0">
+                <a:solidFill>
+                  <a:srgbClr val="E1E0DA"/>
+                </a:solidFill>
+                <a:effectLst>
+                  <a:outerShdw blurRad="38100" dist="38100" dir="2700000" algn="tl">
+                    <a:srgbClr val="000000">
+                      <a:alpha val="43137"/>
+                    </a:srgbClr>
+                  </a:outerShdw>
+                </a:effectLst>
+                <a:latin typeface="+mj-ea"/>
+                <a:ea typeface="+mj-ea"/>
+              </a:rPr>
+              <a:t>to</a:t>
+            </a:r>
+            <a:r>
+              <a:rPr lang="ko-KR" altLang="en-US" sz="3200" b="1" i="1" kern="0" spc="-100" dirty="0">
+                <a:solidFill>
+                  <a:srgbClr val="E1E0DA"/>
+                </a:solidFill>
+                <a:effectLst>
+                  <a:outerShdw blurRad="38100" dist="38100" dir="2700000" algn="tl">
+                    <a:srgbClr val="000000">
+                      <a:alpha val="43137"/>
+                    </a:srgbClr>
+                  </a:outerShdw>
+                </a:effectLst>
+                <a:latin typeface="+mj-ea"/>
+                <a:ea typeface="+mj-ea"/>
+              </a:rPr>
+              <a:t> </a:t>
+            </a:r>
+            <a:r>
+              <a:rPr lang="en-US" altLang="ko-KR" sz="3200" b="1" i="1" kern="0" spc="-100" dirty="0">
+                <a:solidFill>
+                  <a:srgbClr val="E1E0DA"/>
+                </a:solidFill>
+                <a:effectLst>
+                  <a:outerShdw blurRad="38100" dist="38100" dir="2700000" algn="tl">
+                    <a:srgbClr val="000000">
+                      <a:alpha val="43137"/>
+                    </a:srgbClr>
+                  </a:outerShdw>
+                </a:effectLst>
+                <a:latin typeface="+mj-ea"/>
+                <a:ea typeface="+mj-ea"/>
+              </a:rPr>
+              <a:t>play</a:t>
+            </a:r>
+            <a:r>
+              <a:rPr lang="ko-KR" altLang="en-US" sz="3200" b="1" i="1" kern="0" spc="-100" dirty="0">
+                <a:solidFill>
+                  <a:srgbClr val="E1E0DA"/>
+                </a:solidFill>
+                <a:effectLst>
+                  <a:outerShdw blurRad="38100" dist="38100" dir="2700000" algn="tl">
+                    <a:srgbClr val="000000">
+                      <a:alpha val="43137"/>
+                    </a:srgbClr>
+                  </a:outerShdw>
+                </a:effectLst>
+                <a:latin typeface="+mj-ea"/>
+                <a:ea typeface="+mj-ea"/>
+              </a:rPr>
+              <a:t> </a:t>
+            </a:r>
+            <a:r>
+              <a:rPr lang="en-US" altLang="ko-KR" sz="3200" b="1" i="1" kern="0" spc="-100" dirty="0">
+                <a:solidFill>
+                  <a:srgbClr val="E1E0DA"/>
+                </a:solidFill>
+                <a:effectLst>
+                  <a:outerShdw blurRad="38100" dist="38100" dir="2700000" algn="tl">
+                    <a:srgbClr val="000000">
+                      <a:alpha val="43137"/>
+                    </a:srgbClr>
+                  </a:outerShdw>
+                </a:effectLst>
+                <a:latin typeface="+mj-ea"/>
+                <a:ea typeface="+mj-ea"/>
+              </a:rPr>
+              <a:t>Better</a:t>
+            </a:r>
+            <a:endParaRPr lang="en-US" sz="2400" b="1" i="1" dirty="0">
+              <a:effectLst>
+                <a:outerShdw blurRad="38100" dist="38100" dir="2700000" algn="tl">
+                  <a:srgbClr val="000000">
+                    <a:alpha val="43137"/>
+                  </a:srgbClr>
+                </a:outerShdw>
+              </a:effectLst>
+              <a:latin typeface="+mj-ea"/>
+              <a:ea typeface="+mj-ea"/>
+            </a:endParaRPr>
+          </a:p>
+        </p:txBody>
+      </p:sp>
+      <p:sp>
+        <p:nvSpPr>
+          <p:cNvPr id="17" name="Object 17"/>
+          <p:cNvSpPr txBox="1"/>
           <p:nvPr/>
-        </p:nvGrpSpPr>
-        <p:grpSpPr>
-          <a:xfrm>
-            <a:off x="9231349" y="2448305"/>
-            <a:ext cx="2837107" cy="1128142"/>
-            <a:chOff x="9231349" y="2448305"/>
-            <a:chExt cx="2837107" cy="1128142"/>
-          </a:xfrm>
-        </p:grpSpPr>
-        <p:sp>
-          <p:nvSpPr>
-            <p:cNvPr id="27" name="Object 27"/>
-            <p:cNvSpPr txBox="1"/>
-            <p:nvPr/>
-          </p:nvSpPr>
-          <p:spPr>
-            <a:xfrm>
-              <a:off x="8597274" y="2448305"/>
-              <a:ext cx="4105259" cy="701860"/>
-            </a:xfrm>
-            <a:prstGeom prst="rect">
-              <a:avLst/>
-            </a:prstGeom>
-            <a:noFill/>
-          </p:spPr>
-          <p:txBody>
-            <a:bodyPr wrap="square" rtlCol="0" anchor="t">
-              <a:spAutoFit/>
-            </a:bodyPr>
-            <a:lstStyle/>
-            <a:p>
-              <a:pPr algn="ctr"/>
-              <a:r>
-                <a:rPr lang="en-US" sz="2600" kern="0" spc="-100" dirty="0">
-                  <a:solidFill>
-                    <a:srgbClr val="4E4E4E"/>
-                  </a:solidFill>
-                  <a:latin typeface="S-Core Dream 6 Bold" pitchFamily="34" charset="0"/>
-                  <a:cs typeface="S-Core Dream 6 Bold" pitchFamily="34" charset="0"/>
-                </a:rPr>
-                <a:t>KEYWORD</a:t>
-              </a:r>
-              <a:endParaRPr lang="en-US" dirty="0"/>
-            </a:p>
-          </p:txBody>
-        </p:sp>
-        <p:sp>
-          <p:nvSpPr>
-            <p:cNvPr id="28" name="Object 28"/>
-            <p:cNvSpPr txBox="1"/>
-            <p:nvPr/>
-          </p:nvSpPr>
-          <p:spPr>
-            <a:xfrm>
-              <a:off x="8522072" y="2879300"/>
-              <a:ext cx="4255661" cy="836577"/>
-            </a:xfrm>
-            <a:prstGeom prst="rect">
-              <a:avLst/>
-            </a:prstGeom>
-            <a:noFill/>
-          </p:spPr>
-          <p:txBody>
-            <a:bodyPr wrap="square" rtlCol="0" anchor="ctr">
-              <a:spAutoFit/>
-            </a:bodyPr>
-            <a:lstStyle/>
-            <a:p>
-              <a:pPr algn="ctr"/>
-              <a:r>
-                <a:rPr lang="en-US" sz="1600" kern="0" spc="-100" dirty="0">
-                  <a:solidFill>
-                    <a:srgbClr val="4E4E4E"/>
-                  </a:solidFill>
-                  <a:latin typeface="S-Core Dream 4 Regular" pitchFamily="34" charset="0"/>
-                  <a:cs typeface="S-Core Dream 4 Regular" pitchFamily="34" charset="0"/>
-                </a:rPr>
-                <a:t>키워드에 관한 </a:t>
-              </a:r>
-            </a:p>
-            <a:p>
-              <a:pPr algn="ctr"/>
-              <a:r>
-                <a:rPr lang="en-US" sz="1600" kern="0" spc="-100" dirty="0">
-                  <a:solidFill>
-                    <a:srgbClr val="4E4E4E"/>
-                  </a:solidFill>
-                  <a:latin typeface="S-Core Dream 4 Regular" pitchFamily="34" charset="0"/>
-                  <a:cs typeface="S-Core Dream 4 Regular" pitchFamily="34" charset="0"/>
-                </a:rPr>
-                <a:t>설명을 적어주세요!</a:t>
-              </a:r>
-              <a:endParaRPr lang="en-US" dirty="0"/>
-            </a:p>
-          </p:txBody>
-        </p:sp>
-      </p:grpSp>
+        </p:nvSpPr>
+        <p:spPr>
+          <a:xfrm>
+            <a:off x="533400" y="367824"/>
+            <a:ext cx="5868020" cy="523220"/>
+          </a:xfrm>
+          <a:prstGeom prst="rect">
+            <a:avLst/>
+          </a:prstGeom>
+          <a:noFill/>
+        </p:spPr>
+        <p:txBody>
+          <a:bodyPr wrap="square" rtlCol="0" anchor="ctr">
+            <a:spAutoFit/>
+          </a:bodyPr>
+          <a:lstStyle/>
+          <a:p>
+            <a:r>
+              <a:rPr lang="en-US" sz="2800" b="1" i="1" dirty="0">
+                <a:solidFill>
+                  <a:schemeClr val="bg1"/>
+                </a:solidFill>
+                <a:effectLst>
+                  <a:outerShdw blurRad="38100" dist="38100" dir="2700000" algn="tl">
+                    <a:srgbClr val="000000">
+                      <a:alpha val="43137"/>
+                    </a:srgbClr>
+                  </a:outerShdw>
+                </a:effectLst>
+                <a:latin typeface="+mj-ea"/>
+                <a:ea typeface="+mj-ea"/>
+              </a:rPr>
+              <a:t>UNIJAM</a:t>
+            </a:r>
+          </a:p>
+        </p:txBody>
+      </p:sp>
+      <p:sp>
+        <p:nvSpPr>
+          <p:cNvPr id="2" name="Object 17">
+            <a:extLst>
+              <a:ext uri="{FF2B5EF4-FFF2-40B4-BE49-F238E27FC236}">
+                <a16:creationId xmlns:a16="http://schemas.microsoft.com/office/drawing/2014/main" id="{80C3FB6A-D7F9-1002-4A1B-C6400BB17E6F}"/>
+              </a:ext>
+            </a:extLst>
+          </p:cNvPr>
+          <p:cNvSpPr txBox="1"/>
+          <p:nvPr/>
+        </p:nvSpPr>
+        <p:spPr>
+          <a:xfrm>
+            <a:off x="13661857" y="365261"/>
+            <a:ext cx="5868020" cy="523220"/>
+          </a:xfrm>
+          <a:prstGeom prst="rect">
+            <a:avLst/>
+          </a:prstGeom>
+          <a:noFill/>
+        </p:spPr>
+        <p:txBody>
+          <a:bodyPr wrap="square" rtlCol="0" anchor="ctr">
+            <a:spAutoFit/>
+          </a:bodyPr>
+          <a:lstStyle/>
+          <a:p>
+            <a:r>
+              <a:rPr lang="ko-KR" altLang="en-US" sz="2800" b="1" i="1" dirty="0" err="1">
+                <a:solidFill>
+                  <a:schemeClr val="tx2"/>
+                </a:solidFill>
+                <a:effectLst>
+                  <a:outerShdw blurRad="38100" dist="38100" dir="2700000" algn="tl">
+                    <a:srgbClr val="000000">
+                      <a:alpha val="43137"/>
+                    </a:srgbClr>
+                  </a:outerShdw>
+                </a:effectLst>
+                <a:latin typeface="+mj-ea"/>
+                <a:ea typeface="+mj-ea"/>
+              </a:rPr>
+              <a:t>골든링</a:t>
+            </a:r>
+            <a:r>
+              <a:rPr lang="ko-KR" altLang="en-US" sz="2800" b="1" i="1" dirty="0">
+                <a:solidFill>
+                  <a:schemeClr val="tx2"/>
+                </a:solidFill>
+                <a:effectLst>
+                  <a:outerShdw blurRad="38100" dist="38100" dir="2700000" algn="tl">
+                    <a:srgbClr val="000000">
+                      <a:alpha val="43137"/>
+                    </a:srgbClr>
+                  </a:outerShdw>
+                </a:effectLst>
+                <a:latin typeface="+mj-ea"/>
+                <a:ea typeface="+mj-ea"/>
+              </a:rPr>
+              <a:t> </a:t>
+            </a:r>
+            <a:r>
+              <a:rPr lang="en-US" altLang="ko-KR" sz="2800" b="1" i="1" dirty="0">
+                <a:solidFill>
+                  <a:schemeClr val="tx2"/>
+                </a:solidFill>
+                <a:effectLst>
+                  <a:outerShdw blurRad="38100" dist="38100" dir="2700000" algn="tl">
+                    <a:srgbClr val="000000">
+                      <a:alpha val="43137"/>
+                    </a:srgbClr>
+                  </a:outerShdw>
+                </a:effectLst>
+                <a:latin typeface="+mj-ea"/>
+                <a:ea typeface="+mj-ea"/>
+              </a:rPr>
+              <a:t>Team </a:t>
+            </a:r>
+            <a:r>
+              <a:rPr lang="en-US" altLang="ko-KR" sz="2800" b="1" i="1" dirty="0" err="1">
+                <a:solidFill>
+                  <a:schemeClr val="tx2"/>
+                </a:solidFill>
+                <a:effectLst>
+                  <a:outerShdw blurRad="38100" dist="38100" dir="2700000" algn="tl">
+                    <a:srgbClr val="000000">
+                      <a:alpha val="43137"/>
+                    </a:srgbClr>
+                  </a:outerShdw>
+                </a:effectLst>
+                <a:latin typeface="+mj-ea"/>
+                <a:ea typeface="+mj-ea"/>
+              </a:rPr>
+              <a:t>CarpeDiem</a:t>
+            </a:r>
+            <a:endParaRPr lang="en-US" sz="2800" b="1" i="1" dirty="0">
+              <a:solidFill>
+                <a:schemeClr val="tx2"/>
+              </a:solidFill>
+              <a:effectLst>
+                <a:outerShdw blurRad="38100" dist="38100" dir="2700000" algn="tl">
+                  <a:srgbClr val="000000">
+                    <a:alpha val="43137"/>
+                  </a:srgbClr>
+                </a:outerShdw>
+              </a:effectLst>
+              <a:latin typeface="+mj-ea"/>
+              <a:ea typeface="+mj-ea"/>
+            </a:endParaRPr>
+          </a:p>
+        </p:txBody>
+      </p:sp>
     </p:spTree>
+    <p:extLst>
+      <p:ext uri="{BB962C8B-B14F-4D97-AF65-F5344CB8AC3E}">
+        <p14:creationId xmlns:p14="http://schemas.microsoft.com/office/powerpoint/2010/main" val="1584951189"/>
+      </p:ext>
+    </p:extLst>
   </p:cSld>
   <p:clrMapOvr>
     <a:masterClrMapping/>
@@ -8605,17 +5036,9 @@
 </p:sld>
 </file>
 
-<file path=ppt/slides/slide16.xml><?xml version="1.0" encoding="utf-8"?>
+<file path=ppt/slides/slide15.xml><?xml version="1.0" encoding="utf-8"?>
 <p:sld xmlns:a="http://schemas.openxmlformats.org/drawingml/2006/main" xmlns:r="http://schemas.openxmlformats.org/officeDocument/2006/relationships" xmlns:p="http://schemas.openxmlformats.org/presentationml/2006/main">
-  <p:cSld name="Slide 9">
-    <p:bg>
-      <p:bgPr>
-        <a:solidFill>
-          <a:srgbClr val="42637E"/>
-        </a:solidFill>
-        <a:effectLst/>
-      </p:bgPr>
-    </p:bg>
+  <p:cSld>
     <p:spTree>
       <p:nvGrpSpPr>
         <p:cNvPr id="1" name=""/>
@@ -8630,527 +5053,104 @@
           <a:chExt cx="0" cy="0"/>
         </a:xfrm>
       </p:grpSpPr>
+      <p:sp>
+        <p:nvSpPr>
+          <p:cNvPr id="2" name="제목 1">
+            <a:extLst>
+              <a:ext uri="{FF2B5EF4-FFF2-40B4-BE49-F238E27FC236}">
+                <a16:creationId xmlns:a16="http://schemas.microsoft.com/office/drawing/2014/main" id="{0A9F7B19-F45B-3244-C649-879AECFEFA93}"/>
+              </a:ext>
+            </a:extLst>
+          </p:cNvPr>
+          <p:cNvSpPr>
+            <a:spLocks noGrp="1"/>
+          </p:cNvSpPr>
+          <p:nvPr>
+            <p:ph type="title"/>
+          </p:nvPr>
+        </p:nvSpPr>
+        <p:spPr/>
+        <p:txBody>
+          <a:bodyPr/>
+          <a:lstStyle/>
+          <a:p>
+            <a:r>
+              <a:rPr lang="ko-KR" altLang="en-US" dirty="0"/>
+              <a:t>당신의 전략은</a:t>
+            </a:r>
+            <a:r>
+              <a:rPr lang="en-US" altLang="ko-KR" dirty="0"/>
+              <a:t>?</a:t>
+            </a:r>
+            <a:endParaRPr lang="ko-KR" altLang="en-US" dirty="0"/>
+          </a:p>
+        </p:txBody>
+      </p:sp>
       <p:grpSp>
         <p:nvGrpSpPr>
-          <p:cNvPr id="1001" name="그룹 1001"/>
+          <p:cNvPr id="10" name="그룹 9">
+            <a:extLst>
+              <a:ext uri="{FF2B5EF4-FFF2-40B4-BE49-F238E27FC236}">
+                <a16:creationId xmlns:a16="http://schemas.microsoft.com/office/drawing/2014/main" id="{BB32E816-F8CA-4560-5CDD-B60BAF2D78AD}"/>
+              </a:ext>
+            </a:extLst>
+          </p:cNvPr>
           <p:cNvGrpSpPr/>
           <p:nvPr/>
         </p:nvGrpSpPr>
         <p:grpSpPr>
           <a:xfrm>
-            <a:off x="9933711" y="5386375"/>
-            <a:ext cx="3453076" cy="3453076"/>
-            <a:chOff x="9933711" y="5386375"/>
-            <a:chExt cx="3453076" cy="3453076"/>
+            <a:off x="2109715" y="2588266"/>
+            <a:ext cx="4571999" cy="4166175"/>
+            <a:chOff x="1066800" y="2171700"/>
+            <a:chExt cx="4571999" cy="4166175"/>
           </a:xfrm>
         </p:grpSpPr>
         <p:pic>
           <p:nvPicPr>
-            <p:cNvPr id="3" name="Object 2"/>
+            <p:cNvPr id="4" name="그림 3">
+              <a:extLst>
+                <a:ext uri="{FF2B5EF4-FFF2-40B4-BE49-F238E27FC236}">
+                  <a16:creationId xmlns:a16="http://schemas.microsoft.com/office/drawing/2014/main" id="{A9AABEA7-2EE6-7553-09DE-80C04475D6E2}"/>
+                </a:ext>
+              </a:extLst>
+            </p:cNvPr>
             <p:cNvPicPr>
               <a:picLocks noChangeAspect="1"/>
             </p:cNvPicPr>
             <p:nvPr/>
           </p:nvPicPr>
-          <p:blipFill>
-            <a:blip r:embed="rId2" cstate="print"/>
-            <a:stretch>
-              <a:fillRect/>
-            </a:stretch>
+          <p:blipFill rotWithShape="1">
+            <a:blip r:embed="rId2"/>
+            <a:srcRect l="39534" t="23645" r="6978" b="11333"/>
+            <a:stretch/>
           </p:blipFill>
           <p:spPr>
-            <a:xfrm rot="-10800000">
-              <a:off x="9933711" y="5386375"/>
-              <a:ext cx="3453076" cy="3453076"/>
+            <a:xfrm>
+              <a:off x="1066800" y="2171700"/>
+              <a:ext cx="4571999" cy="3279913"/>
             </a:xfrm>
             <a:prstGeom prst="rect">
               <a:avLst/>
             </a:prstGeom>
           </p:spPr>
         </p:pic>
-      </p:grpSp>
-      <p:grpSp>
-        <p:nvGrpSpPr>
-          <p:cNvPr id="1002" name="그룹 1002"/>
-          <p:cNvGrpSpPr/>
-          <p:nvPr/>
-        </p:nvGrpSpPr>
-        <p:grpSpPr>
-          <a:xfrm>
-            <a:off x="12716677" y="5386375"/>
-            <a:ext cx="4384618" cy="4384618"/>
-            <a:chOff x="12716677" y="5386375"/>
-            <a:chExt cx="4384618" cy="4384618"/>
-          </a:xfrm>
-        </p:grpSpPr>
-        <p:pic>
-          <p:nvPicPr>
-            <p:cNvPr id="6" name="Object 5"/>
-            <p:cNvPicPr>
-              <a:picLocks noChangeAspect="1"/>
-            </p:cNvPicPr>
-            <p:nvPr/>
-          </p:nvPicPr>
-          <p:blipFill>
-            <a:blip r:embed="rId3" cstate="print"/>
-            <a:stretch>
-              <a:fillRect/>
-            </a:stretch>
-          </p:blipFill>
-          <p:spPr>
-            <a:xfrm rot="5400000">
-              <a:off x="12716677" y="5386375"/>
-              <a:ext cx="4384618" cy="4384618"/>
-            </a:xfrm>
-            <a:prstGeom prst="rect">
-              <a:avLst/>
-            </a:prstGeom>
-          </p:spPr>
-        </p:pic>
-      </p:grpSp>
-      <p:grpSp>
-        <p:nvGrpSpPr>
-          <p:cNvPr id="1003" name="그룹 1003"/>
-          <p:cNvGrpSpPr/>
-          <p:nvPr/>
-        </p:nvGrpSpPr>
-        <p:grpSpPr>
-          <a:xfrm>
-            <a:off x="7150744" y="6220777"/>
-            <a:ext cx="3453076" cy="3453076"/>
-            <a:chOff x="7150744" y="6220777"/>
-            <a:chExt cx="3453076" cy="3453076"/>
-          </a:xfrm>
-        </p:grpSpPr>
-        <p:pic>
-          <p:nvPicPr>
-            <p:cNvPr id="9" name="Object 8"/>
-            <p:cNvPicPr>
-              <a:picLocks noChangeAspect="1"/>
-            </p:cNvPicPr>
-            <p:nvPr/>
-          </p:nvPicPr>
-          <p:blipFill>
-            <a:blip r:embed="rId2" cstate="print"/>
-            <a:stretch>
-              <a:fillRect/>
-            </a:stretch>
-          </p:blipFill>
-          <p:spPr>
-            <a:xfrm rot="-10800000">
-              <a:off x="7150744" y="6220777"/>
-              <a:ext cx="3453076" cy="3453076"/>
-            </a:xfrm>
-            <a:prstGeom prst="rect">
-              <a:avLst/>
-            </a:prstGeom>
-          </p:spPr>
-        </p:pic>
-      </p:grpSp>
-      <p:sp>
-        <p:nvSpPr>
-          <p:cNvPr id="11" name="Object 11"/>
-          <p:cNvSpPr txBox="1"/>
-          <p:nvPr/>
-        </p:nvSpPr>
-        <p:spPr>
-          <a:xfrm>
-            <a:off x="7292640" y="7328600"/>
-            <a:ext cx="3169285" cy="550935"/>
-          </a:xfrm>
-          <a:prstGeom prst="rect">
-            <a:avLst/>
-          </a:prstGeom>
-          <a:noFill/>
-        </p:spPr>
-        <p:txBody>
-          <a:bodyPr wrap="square" rtlCol="0" anchor="t">
-            <a:spAutoFit/>
-          </a:bodyPr>
-          <a:lstStyle/>
-          <a:p>
-            <a:pPr algn="ctr"/>
-            <a:r>
-              <a:rPr lang="en-US" sz="2000" kern="0" spc="-100" dirty="0">
-                <a:solidFill>
-                  <a:srgbClr val="E1E0DA"/>
-                </a:solidFill>
-                <a:latin typeface="S-Core Dream 6 Bold" pitchFamily="34" charset="0"/>
-                <a:cs typeface="S-Core Dream 6 Bold" pitchFamily="34" charset="0"/>
-              </a:rPr>
-              <a:t>KEYWORD</a:t>
-            </a:r>
-            <a:endParaRPr lang="en-US" dirty="0"/>
-          </a:p>
-        </p:txBody>
-      </p:sp>
-      <p:sp>
-        <p:nvSpPr>
-          <p:cNvPr id="12" name="Object 12"/>
-          <p:cNvSpPr txBox="1"/>
-          <p:nvPr/>
-        </p:nvSpPr>
-        <p:spPr>
-          <a:xfrm>
-            <a:off x="6899707" y="7557297"/>
-            <a:ext cx="3955150" cy="1281561"/>
-          </a:xfrm>
-          <a:prstGeom prst="rect">
-            <a:avLst/>
-          </a:prstGeom>
-          <a:noFill/>
-        </p:spPr>
-        <p:txBody>
-          <a:bodyPr wrap="square" rtlCol="0" anchor="ctr">
-            <a:spAutoFit/>
-          </a:bodyPr>
-          <a:lstStyle/>
-          <a:p>
-            <a:pPr algn="ctr"/>
-            <a:r>
-              <a:rPr lang="en-US" sz="1200" kern="0" spc="-100" dirty="0">
-                <a:solidFill>
-                  <a:srgbClr val="E1E0DA"/>
-                </a:solidFill>
-                <a:latin typeface="S-Core Dream 4 Regular" pitchFamily="34" charset="0"/>
-                <a:cs typeface="S-Core Dream 4 Regular" pitchFamily="34" charset="0"/>
-              </a:rPr>
-              <a:t>키워드에 관한 설명을 적어주세요!</a:t>
-            </a:r>
-          </a:p>
-          <a:p>
-            <a:pPr algn="ctr"/>
-            <a:r>
-              <a:rPr lang="en-US" sz="1200" kern="0" spc="-100" dirty="0">
-                <a:solidFill>
-                  <a:srgbClr val="E1E0DA"/>
-                </a:solidFill>
-                <a:latin typeface="S-Core Dream 4 Regular" pitchFamily="34" charset="0"/>
-                <a:cs typeface="S-Core Dream 4 Regular" pitchFamily="34" charset="0"/>
-              </a:rPr>
-              <a:t>키워드에 관한 설명을 적어주세요!</a:t>
-            </a:r>
-          </a:p>
-          <a:p>
-            <a:pPr algn="ctr"/>
-            <a:r>
-              <a:rPr lang="en-US" sz="1200" kern="0" spc="-100" dirty="0">
-                <a:solidFill>
-                  <a:srgbClr val="E1E0DA"/>
-                </a:solidFill>
-                <a:latin typeface="S-Core Dream 4 Regular" pitchFamily="34" charset="0"/>
-                <a:cs typeface="S-Core Dream 4 Regular" pitchFamily="34" charset="0"/>
-              </a:rPr>
-              <a:t>키워드에 관한 설명을 적어주세요!</a:t>
-            </a:r>
-          </a:p>
-          <a:p>
-            <a:pPr algn="ctr"/>
-            <a:r>
-              <a:rPr lang="en-US" sz="1200" kern="0" spc="-100" dirty="0">
-                <a:solidFill>
-                  <a:srgbClr val="E1E0DA"/>
-                </a:solidFill>
-                <a:latin typeface="S-Core Dream 4 Regular" pitchFamily="34" charset="0"/>
-                <a:cs typeface="S-Core Dream 4 Regular" pitchFamily="34" charset="0"/>
-              </a:rPr>
-              <a:t>키워드에 관한 설명을 적어주세요!</a:t>
-            </a:r>
-            <a:endParaRPr lang="en-US" dirty="0"/>
-          </a:p>
-        </p:txBody>
-      </p:sp>
-      <p:sp>
-        <p:nvSpPr>
-          <p:cNvPr id="13" name="Object 13"/>
-          <p:cNvSpPr txBox="1"/>
-          <p:nvPr/>
-        </p:nvSpPr>
-        <p:spPr>
-          <a:xfrm>
-            <a:off x="2760081" y="2268238"/>
-            <a:ext cx="2563371" cy="345135"/>
-          </a:xfrm>
-          <a:prstGeom prst="rect">
-            <a:avLst/>
-          </a:prstGeom>
-          <a:noFill/>
-        </p:spPr>
-        <p:txBody>
-          <a:bodyPr wrap="square" rtlCol="0" anchor="ctr">
-            <a:spAutoFit/>
-          </a:bodyPr>
-          <a:lstStyle/>
-          <a:p>
-            <a:r>
-              <a:rPr lang="en-US" sz="1300" kern="0" spc="200" dirty="0">
-                <a:solidFill>
-                  <a:srgbClr val="E1E0DA"/>
-                </a:solidFill>
-                <a:latin typeface="S-Core Dream 3 Light" pitchFamily="34" charset="0"/>
-                <a:cs typeface="S-Core Dream 3 Light" pitchFamily="34" charset="0"/>
-              </a:rPr>
-              <a:t>CONTENTS</a:t>
-            </a:r>
-            <a:endParaRPr lang="en-US" dirty="0"/>
-          </a:p>
-        </p:txBody>
-      </p:sp>
-      <p:sp>
-        <p:nvSpPr>
-          <p:cNvPr id="14" name="Object 14"/>
-          <p:cNvSpPr txBox="1"/>
-          <p:nvPr/>
-        </p:nvSpPr>
-        <p:spPr>
-          <a:xfrm>
-            <a:off x="2744927" y="1629514"/>
-            <a:ext cx="1981683" cy="959726"/>
-          </a:xfrm>
-          <a:prstGeom prst="rect">
-            <a:avLst/>
-          </a:prstGeom>
-          <a:noFill/>
-        </p:spPr>
-        <p:txBody>
-          <a:bodyPr wrap="square" rtlCol="0" anchor="ctr">
-            <a:spAutoFit/>
-          </a:bodyPr>
-          <a:lstStyle/>
-          <a:p>
-            <a:r>
-              <a:rPr lang="en-US" sz="3600" kern="0" spc="300" dirty="0">
-                <a:solidFill>
-                  <a:srgbClr val="E1E0DA"/>
-                </a:solidFill>
-                <a:latin typeface="S-Core Dream 5 Medium" pitchFamily="34" charset="0"/>
-                <a:cs typeface="S-Core Dream 5 Medium" pitchFamily="34" charset="0"/>
-              </a:rPr>
-              <a:t>08</a:t>
-            </a:r>
-            <a:endParaRPr lang="en-US" dirty="0"/>
-          </a:p>
-        </p:txBody>
-      </p:sp>
-      <p:sp>
-        <p:nvSpPr>
-          <p:cNvPr id="15" name="Object 15"/>
-          <p:cNvSpPr txBox="1"/>
-          <p:nvPr/>
-        </p:nvSpPr>
-        <p:spPr>
-          <a:xfrm>
-            <a:off x="7438667" y="2270966"/>
-            <a:ext cx="12330507" cy="3368346"/>
-          </a:xfrm>
-          <a:prstGeom prst="rect">
-            <a:avLst/>
-          </a:prstGeom>
-          <a:noFill/>
-        </p:spPr>
-        <p:txBody>
-          <a:bodyPr wrap="square" rtlCol="0" anchor="t">
-            <a:spAutoFit/>
-          </a:bodyPr>
-          <a:lstStyle/>
-          <a:p>
-            <a:r>
-              <a:rPr lang="en-US" sz="1900" kern="0" spc="-100" dirty="0">
-                <a:solidFill>
-                  <a:srgbClr val="E1E0DA"/>
-                </a:solidFill>
-                <a:latin typeface="S-Core Dream 5 Medium" pitchFamily="34" charset="0"/>
-                <a:cs typeface="S-Core Dream 5 Medium" pitchFamily="34" charset="0"/>
-              </a:rPr>
-              <a:t>프레젠테이션 핵심을 입력해주세요</a:t>
-            </a:r>
-          </a:p>
-          <a:p>
-            <a:endParaRPr lang="en-US" sz="1900" kern="0" spc="-100" dirty="0">
-              <a:solidFill>
-                <a:srgbClr val="E1E0DA"/>
-              </a:solidFill>
-              <a:latin typeface="S-Core Dream 5 Medium" pitchFamily="34" charset="0"/>
-              <a:cs typeface="S-Core Dream 5 Medium" pitchFamily="34" charset="0"/>
-            </a:endParaRPr>
-          </a:p>
-          <a:p>
-            <a:r>
-              <a:rPr lang="en-US" sz="1300" kern="0" spc="-100" dirty="0">
-                <a:solidFill>
-                  <a:srgbClr val="E1E0DA"/>
-                </a:solidFill>
-                <a:latin typeface="S-Core Dream 4 Regular" pitchFamily="34" charset="0"/>
-                <a:cs typeface="S-Core Dream 4 Regular" pitchFamily="34" charset="0"/>
-              </a:rPr>
-              <a:t>피어나는 대한 속잎나고, 아니한 미인을 철환하였는가? 이상 쓸쓸한 인간은 보라. 피가 것은 그것을 내는 얼음 구하지 간에 이성은 교향악이다. 동산에는 무한한 가진 그들의 미묘한 가치를 것이다. 찾아다녀도, 그들은 생명을 끝에 것이 따뜻한 하여도 쓸쓸하랴? </a:t>
-            </a:r>
-          </a:p>
-          <a:p>
-            <a:endParaRPr lang="en-US" sz="1300" kern="0" spc="-100" dirty="0">
-              <a:solidFill>
-                <a:srgbClr val="E1E0DA"/>
-              </a:solidFill>
-              <a:latin typeface="S-Core Dream 4 Regular" pitchFamily="34" charset="0"/>
-              <a:cs typeface="S-Core Dream 4 Regular" pitchFamily="34" charset="0"/>
-            </a:endParaRPr>
-          </a:p>
-          <a:p>
-            <a:r>
-              <a:rPr lang="en-US" sz="1300" kern="0" spc="-100" dirty="0">
-                <a:solidFill>
-                  <a:srgbClr val="E1E0DA"/>
-                </a:solidFill>
-                <a:latin typeface="S-Core Dream 4 Regular" pitchFamily="34" charset="0"/>
-                <a:cs typeface="S-Core Dream 4 Regular" pitchFamily="34" charset="0"/>
-              </a:rPr>
-              <a:t>그들은 듣기만 인도하겠다는 그들의 위하여, 피에 보라. 가치를 이성은 풍부하게 귀는 인간이 발휘하기 지혜는 듣는다. </a:t>
-            </a:r>
-            <a:endParaRPr lang="en-US" dirty="0"/>
-          </a:p>
-        </p:txBody>
-      </p:sp>
-      <p:grpSp>
-        <p:nvGrpSpPr>
-          <p:cNvPr id="1004" name="그룹 1004"/>
-          <p:cNvGrpSpPr/>
-          <p:nvPr/>
-        </p:nvGrpSpPr>
-        <p:grpSpPr>
-          <a:xfrm>
-            <a:off x="238817" y="3853001"/>
-            <a:ext cx="7199850" cy="7199850"/>
-            <a:chOff x="238817" y="3853001"/>
-            <a:chExt cx="7199850" cy="7199850"/>
-          </a:xfrm>
-        </p:grpSpPr>
-        <p:pic>
-          <p:nvPicPr>
-            <p:cNvPr id="17" name="Object 16"/>
-            <p:cNvPicPr>
-              <a:picLocks noChangeAspect="1"/>
-            </p:cNvPicPr>
-            <p:nvPr/>
-          </p:nvPicPr>
-          <p:blipFill>
-            <a:blip r:embed="rId4" cstate="print"/>
-            <a:stretch>
-              <a:fillRect/>
-            </a:stretch>
-          </p:blipFill>
-          <p:spPr>
-            <a:xfrm>
-              <a:off x="238817" y="3853001"/>
-              <a:ext cx="7199850" cy="7199850"/>
-            </a:xfrm>
-            <a:prstGeom prst="rect">
-              <a:avLst/>
-            </a:prstGeom>
-          </p:spPr>
-        </p:pic>
-      </p:grpSp>
-      <p:grpSp>
-        <p:nvGrpSpPr>
-          <p:cNvPr id="1005" name="그룹 1005"/>
-          <p:cNvGrpSpPr/>
-          <p:nvPr/>
-        </p:nvGrpSpPr>
-        <p:grpSpPr>
-          <a:xfrm>
-            <a:off x="938334" y="4552519"/>
-            <a:ext cx="5800815" cy="5800815"/>
-            <a:chOff x="938334" y="4552519"/>
-            <a:chExt cx="5800815" cy="5800815"/>
-          </a:xfrm>
-        </p:grpSpPr>
-        <p:pic>
-          <p:nvPicPr>
-            <p:cNvPr id="20" name="Object 19"/>
-            <p:cNvPicPr>
-              <a:picLocks noChangeAspect="1"/>
-            </p:cNvPicPr>
-            <p:nvPr/>
-          </p:nvPicPr>
-          <p:blipFill>
-            <a:blip r:embed="rId5" cstate="print"/>
-            <a:stretch>
-              <a:fillRect/>
-            </a:stretch>
-          </p:blipFill>
-          <p:spPr>
-            <a:xfrm rot="-27000000">
-              <a:off x="938334" y="4552519"/>
-              <a:ext cx="5800815" cy="5800815"/>
-            </a:xfrm>
-            <a:prstGeom prst="rect">
-              <a:avLst/>
-            </a:prstGeom>
-          </p:spPr>
-        </p:pic>
-      </p:grpSp>
-      <p:grpSp>
-        <p:nvGrpSpPr>
-          <p:cNvPr id="1006" name="그룹 1006"/>
-          <p:cNvGrpSpPr/>
-          <p:nvPr/>
-        </p:nvGrpSpPr>
-        <p:grpSpPr>
-          <a:xfrm>
-            <a:off x="1852722" y="5466907"/>
-            <a:ext cx="3972039" cy="3972039"/>
-            <a:chOff x="1852722" y="5466907"/>
-            <a:chExt cx="3972039" cy="3972039"/>
-          </a:xfrm>
-        </p:grpSpPr>
-        <p:pic>
-          <p:nvPicPr>
-            <p:cNvPr id="23" name="Object 22"/>
-            <p:cNvPicPr>
-              <a:picLocks noChangeAspect="1"/>
-            </p:cNvPicPr>
-            <p:nvPr/>
-          </p:nvPicPr>
-          <p:blipFill>
-            <a:blip r:embed="rId6" cstate="print"/>
-            <a:stretch>
-              <a:fillRect/>
-            </a:stretch>
-          </p:blipFill>
-          <p:spPr>
-            <a:xfrm rot="-27000000">
-              <a:off x="1852722" y="5466907"/>
-              <a:ext cx="3972039" cy="3972039"/>
-            </a:xfrm>
-            <a:prstGeom prst="rect">
-              <a:avLst/>
-            </a:prstGeom>
-          </p:spPr>
-        </p:pic>
-      </p:grpSp>
-      <p:grpSp>
-        <p:nvGrpSpPr>
-          <p:cNvPr id="1007" name="그룹 1007"/>
-          <p:cNvGrpSpPr/>
-          <p:nvPr/>
-        </p:nvGrpSpPr>
-        <p:grpSpPr>
-          <a:xfrm>
-            <a:off x="2106856" y="6770591"/>
-            <a:ext cx="3445701" cy="1376398"/>
-            <a:chOff x="2106856" y="6770591"/>
-            <a:chExt cx="3445701" cy="1376398"/>
-          </a:xfrm>
-        </p:grpSpPr>
         <p:sp>
           <p:nvSpPr>
-            <p:cNvPr id="26" name="Object 26"/>
+            <p:cNvPr id="5" name="TextBox 4">
+              <a:extLst>
+                <a:ext uri="{FF2B5EF4-FFF2-40B4-BE49-F238E27FC236}">
+                  <a16:creationId xmlns:a16="http://schemas.microsoft.com/office/drawing/2014/main" id="{57D59832-19D0-8CEF-804E-B4663B54B3E5}"/>
+                </a:ext>
+              </a:extLst>
+            </p:cNvPr>
             <p:cNvSpPr txBox="1"/>
             <p:nvPr/>
           </p:nvSpPr>
           <p:spPr>
             <a:xfrm>
-              <a:off x="1336763" y="6770591"/>
-              <a:ext cx="4985887" cy="864067"/>
+              <a:off x="2309885" y="5753100"/>
+              <a:ext cx="2085827" cy="584775"/>
             </a:xfrm>
             <a:prstGeom prst="rect">
               <a:avLst/>
@@ -9158,36 +5158,84 @@
             <a:noFill/>
           </p:spPr>
           <p:txBody>
-            <a:bodyPr wrap="square" rtlCol="0" anchor="t">
+            <a:bodyPr wrap="none" rtlCol="0">
               <a:spAutoFit/>
             </a:bodyPr>
             <a:lstStyle/>
             <a:p>
-              <a:pPr algn="ctr"/>
               <a:r>
-                <a:rPr lang="en-US" sz="3200" kern="0" spc="-100" dirty="0">
-                  <a:solidFill>
-                    <a:srgbClr val="E1E0DA"/>
-                  </a:solidFill>
-                  <a:latin typeface="S-Core Dream 6 Bold" pitchFamily="34" charset="0"/>
-                  <a:cs typeface="S-Core Dream 6 Bold" pitchFamily="34" charset="0"/>
-                </a:rPr>
-                <a:t>KEYWORD</a:t>
+                <a:rPr lang="ko-KR" altLang="en-US" sz="3200" dirty="0"/>
+                <a:t>초반 투자형</a:t>
               </a:r>
-              <a:endParaRPr lang="en-US" dirty="0"/>
             </a:p>
           </p:txBody>
         </p:sp>
+      </p:grpSp>
+      <p:grpSp>
+        <p:nvGrpSpPr>
+          <p:cNvPr id="9" name="그룹 8">
+            <a:extLst>
+              <a:ext uri="{FF2B5EF4-FFF2-40B4-BE49-F238E27FC236}">
+                <a16:creationId xmlns:a16="http://schemas.microsoft.com/office/drawing/2014/main" id="{912F42C5-F3DA-5794-D0F5-9628AEB8004F}"/>
+              </a:ext>
+            </a:extLst>
+          </p:cNvPr>
+          <p:cNvGrpSpPr/>
+          <p:nvPr/>
+        </p:nvGrpSpPr>
+        <p:grpSpPr>
+          <a:xfrm>
+            <a:off x="7872486" y="4838700"/>
+            <a:ext cx="2543028" cy="4370146"/>
+            <a:chOff x="6585732" y="3941499"/>
+            <a:chExt cx="2543028" cy="4370146"/>
+          </a:xfrm>
+        </p:grpSpPr>
+        <p:pic>
+          <p:nvPicPr>
+            <p:cNvPr id="7" name="그림 6">
+              <a:extLst>
+                <a:ext uri="{FF2B5EF4-FFF2-40B4-BE49-F238E27FC236}">
+                  <a16:creationId xmlns:a16="http://schemas.microsoft.com/office/drawing/2014/main" id="{D244138F-76A3-23F5-8775-4CDB41E02919}"/>
+                </a:ext>
+              </a:extLst>
+            </p:cNvPr>
+            <p:cNvPicPr>
+              <a:picLocks noChangeAspect="1"/>
+            </p:cNvPicPr>
+            <p:nvPr/>
+          </p:nvPicPr>
+          <p:blipFill rotWithShape="1">
+            <a:blip r:embed="rId3"/>
+            <a:srcRect l="5248" t="4346" r="6452" b="6629"/>
+            <a:stretch/>
+          </p:blipFill>
+          <p:spPr>
+            <a:xfrm>
+              <a:off x="6585732" y="3941499"/>
+              <a:ext cx="2543028" cy="3623202"/>
+            </a:xfrm>
+            <a:prstGeom prst="rect">
+              <a:avLst/>
+            </a:prstGeom>
+          </p:spPr>
+        </p:pic>
         <p:sp>
           <p:nvSpPr>
-            <p:cNvPr id="27" name="Object 27"/>
+            <p:cNvPr id="8" name="TextBox 7">
+              <a:extLst>
+                <a:ext uri="{FF2B5EF4-FFF2-40B4-BE49-F238E27FC236}">
+                  <a16:creationId xmlns:a16="http://schemas.microsoft.com/office/drawing/2014/main" id="{8C59F1FB-08FB-7EFF-E09C-3CA864E25EB5}"/>
+                </a:ext>
+              </a:extLst>
+            </p:cNvPr>
             <p:cNvSpPr txBox="1"/>
             <p:nvPr/>
           </p:nvSpPr>
           <p:spPr>
             <a:xfrm>
-              <a:off x="1245430" y="7304071"/>
-              <a:ext cx="5168552" cy="1011503"/>
+              <a:off x="6650025" y="7726870"/>
+              <a:ext cx="2414444" cy="584775"/>
             </a:xfrm>
             <a:prstGeom prst="rect">
               <a:avLst/>
@@ -9195,64 +5243,92 @@
             <a:noFill/>
           </p:spPr>
           <p:txBody>
-            <a:bodyPr wrap="square" rtlCol="0" anchor="ctr">
+            <a:bodyPr wrap="none" rtlCol="0">
               <a:spAutoFit/>
             </a:bodyPr>
             <a:lstStyle/>
             <a:p>
               <a:pPr algn="ctr"/>
               <a:r>
-                <a:rPr lang="en-US" sz="1900" kern="0" spc="-100" dirty="0">
-                  <a:solidFill>
-                    <a:srgbClr val="E1E0DA"/>
-                  </a:solidFill>
-                  <a:latin typeface="S-Core Dream 4 Regular" pitchFamily="34" charset="0"/>
-                  <a:cs typeface="S-Core Dream 4 Regular" pitchFamily="34" charset="0"/>
-                </a:rPr>
-                <a:t>키워드에 관한 </a:t>
+                <a:rPr lang="ko-KR" altLang="en-US" sz="3200" dirty="0"/>
+                <a:t>우량주 선호형</a:t>
               </a:r>
-            </a:p>
-            <a:p>
-              <a:pPr algn="ctr"/>
-              <a:r>
-                <a:rPr lang="en-US" sz="1900" kern="0" spc="-100" dirty="0">
-                  <a:solidFill>
-                    <a:srgbClr val="E1E0DA"/>
-                  </a:solidFill>
-                  <a:latin typeface="S-Core Dream 4 Regular" pitchFamily="34" charset="0"/>
-                  <a:cs typeface="S-Core Dream 4 Regular" pitchFamily="34" charset="0"/>
-                </a:rPr>
-                <a:t>설명을 적어주세요!</a:t>
-              </a:r>
-              <a:endParaRPr lang="en-US" dirty="0"/>
             </a:p>
           </p:txBody>
         </p:sp>
       </p:grpSp>
       <p:grpSp>
         <p:nvGrpSpPr>
-          <p:cNvPr id="1008" name="그룹 1008"/>
+          <p:cNvPr id="13" name="그룹 12">
+            <a:extLst>
+              <a:ext uri="{FF2B5EF4-FFF2-40B4-BE49-F238E27FC236}">
+                <a16:creationId xmlns:a16="http://schemas.microsoft.com/office/drawing/2014/main" id="{63A9D570-19E7-2786-2081-DE06129888DF}"/>
+              </a:ext>
+            </a:extLst>
+          </p:cNvPr>
           <p:cNvGrpSpPr/>
           <p:nvPr/>
         </p:nvGrpSpPr>
         <p:grpSpPr>
           <a:xfrm>
-            <a:off x="13505586" y="7076441"/>
-            <a:ext cx="2837107" cy="1134753"/>
-            <a:chOff x="13505586" y="7076441"/>
-            <a:chExt cx="2837107" cy="1134753"/>
+            <a:off x="11641846" y="2317864"/>
+            <a:ext cx="3531736" cy="4436577"/>
+            <a:chOff x="8883641" y="1520298"/>
+            <a:chExt cx="3531736" cy="4436577"/>
           </a:xfrm>
         </p:grpSpPr>
+        <p:pic>
+          <p:nvPicPr>
+            <p:cNvPr id="11" name="그림 10">
+              <a:extLst>
+                <a:ext uri="{FF2B5EF4-FFF2-40B4-BE49-F238E27FC236}">
+                  <a16:creationId xmlns:a16="http://schemas.microsoft.com/office/drawing/2014/main" id="{8CE1D897-AB2B-DED5-DA64-D4625D023257}"/>
+                </a:ext>
+              </a:extLst>
+            </p:cNvPr>
+            <p:cNvPicPr>
+              <a:picLocks noChangeAspect="1"/>
+            </p:cNvPicPr>
+            <p:nvPr/>
+          </p:nvPicPr>
+          <p:blipFill rotWithShape="1">
+            <a:blip r:embed="rId4"/>
+            <a:srcRect l="1897" t="-602" r="1354" b="-1"/>
+            <a:stretch/>
+          </p:blipFill>
+          <p:spPr>
+            <a:xfrm>
+              <a:off x="9372600" y="1520298"/>
+              <a:ext cx="2553803" cy="3623202"/>
+            </a:xfrm>
+            <a:prstGeom prst="rect">
+              <a:avLst/>
+            </a:prstGeom>
+            <a:ln w="76200">
+              <a:solidFill>
+                <a:schemeClr val="tx1">
+                  <a:lumMod val="50000"/>
+                </a:schemeClr>
+              </a:solidFill>
+            </a:ln>
+          </p:spPr>
+        </p:pic>
         <p:sp>
           <p:nvSpPr>
-            <p:cNvPr id="30" name="Object 30"/>
+            <p:cNvPr id="12" name="TextBox 11">
+              <a:extLst>
+                <a:ext uri="{FF2B5EF4-FFF2-40B4-BE49-F238E27FC236}">
+                  <a16:creationId xmlns:a16="http://schemas.microsoft.com/office/drawing/2014/main" id="{DA84C0EF-334F-E26F-6EFE-57DF1FDD5442}"/>
+                </a:ext>
+              </a:extLst>
+            </p:cNvPr>
             <p:cNvSpPr txBox="1"/>
             <p:nvPr/>
           </p:nvSpPr>
           <p:spPr>
             <a:xfrm>
-              <a:off x="12871511" y="7076441"/>
-              <a:ext cx="4105259" cy="713641"/>
+              <a:off x="8883641" y="5372100"/>
+              <a:ext cx="3531736" cy="584775"/>
             </a:xfrm>
             <a:prstGeom prst="rect">
               <a:avLst/>
@@ -9260,191 +5336,86 @@
             <a:noFill/>
           </p:spPr>
           <p:txBody>
-            <a:bodyPr wrap="square" rtlCol="0" anchor="t">
+            <a:bodyPr wrap="none" rtlCol="0">
               <a:spAutoFit/>
             </a:bodyPr>
             <a:lstStyle/>
             <a:p>
               <a:pPr algn="ctr"/>
               <a:r>
-                <a:rPr lang="en-US" sz="2600" kern="0" spc="-100" dirty="0">
-                  <a:solidFill>
-                    <a:srgbClr val="E1E0DA"/>
-                  </a:solidFill>
-                  <a:latin typeface="S-Core Dream 6 Bold" pitchFamily="34" charset="0"/>
-                  <a:cs typeface="S-Core Dream 6 Bold" pitchFamily="34" charset="0"/>
-                </a:rPr>
-                <a:t>KEYWORD</a:t>
+                <a:rPr lang="ko-KR" altLang="en-US" sz="3200" dirty="0"/>
+                <a:t>이때만을 </a:t>
               </a:r>
-              <a:endParaRPr lang="en-US" dirty="0"/>
-            </a:p>
-          </p:txBody>
-        </p:sp>
-        <p:sp>
-          <p:nvSpPr>
-            <p:cNvPr id="31" name="Object 31"/>
-            <p:cNvSpPr txBox="1"/>
-            <p:nvPr/>
-          </p:nvSpPr>
-          <p:spPr>
-            <a:xfrm>
-              <a:off x="12796309" y="7517155"/>
-              <a:ext cx="4255661" cy="832847"/>
-            </a:xfrm>
-            <a:prstGeom prst="rect">
-              <a:avLst/>
-            </a:prstGeom>
-            <a:noFill/>
-          </p:spPr>
-          <p:txBody>
-            <a:bodyPr wrap="square" rtlCol="0" anchor="ctr">
-              <a:spAutoFit/>
-            </a:bodyPr>
-            <a:lstStyle/>
-            <a:p>
-              <a:pPr algn="ctr"/>
               <a:r>
-                <a:rPr lang="en-US" sz="1600" kern="0" spc="-100" dirty="0">
-                  <a:solidFill>
-                    <a:srgbClr val="E1E0DA"/>
-                  </a:solidFill>
-                  <a:latin typeface="S-Core Dream 4 Regular" pitchFamily="34" charset="0"/>
-                  <a:cs typeface="S-Core Dream 4 Regular" pitchFamily="34" charset="0"/>
-                </a:rPr>
-                <a:t>키워드에 관한 </a:t>
+                <a:rPr lang="ko-KR" altLang="en-US" sz="3200" dirty="0" err="1"/>
+                <a:t>기다렸다형</a:t>
               </a:r>
-            </a:p>
-            <a:p>
-              <a:pPr algn="ctr"/>
-              <a:r>
-                <a:rPr lang="en-US" sz="1600" kern="0" spc="-100" dirty="0">
-                  <a:solidFill>
-                    <a:srgbClr val="E1E0DA"/>
-                  </a:solidFill>
-                  <a:latin typeface="S-Core Dream 4 Regular" pitchFamily="34" charset="0"/>
-                  <a:cs typeface="S-Core Dream 4 Regular" pitchFamily="34" charset="0"/>
-                </a:rPr>
-                <a:t>설명을 적어주세요!</a:t>
-              </a:r>
-              <a:endParaRPr lang="en-US" dirty="0"/>
+              <a:endParaRPr lang="ko-KR" altLang="en-US" sz="3200" dirty="0"/>
             </a:p>
           </p:txBody>
         </p:sp>
       </p:grpSp>
-      <p:sp>
-        <p:nvSpPr>
-          <p:cNvPr id="33" name="Object 33"/>
-          <p:cNvSpPr txBox="1"/>
-          <p:nvPr/>
-        </p:nvSpPr>
-        <p:spPr>
-          <a:xfrm>
-            <a:off x="10075606" y="6494197"/>
-            <a:ext cx="3169285" cy="550935"/>
-          </a:xfrm>
-          <a:prstGeom prst="rect">
-            <a:avLst/>
-          </a:prstGeom>
-          <a:noFill/>
-        </p:spPr>
-        <p:txBody>
-          <a:bodyPr wrap="square" rtlCol="0" anchor="t">
-            <a:spAutoFit/>
-          </a:bodyPr>
-          <a:lstStyle/>
-          <a:p>
-            <a:pPr algn="ctr"/>
-            <a:r>
-              <a:rPr lang="en-US" sz="2000" kern="0" spc="-100" dirty="0">
-                <a:solidFill>
-                  <a:srgbClr val="E1E0DA"/>
-                </a:solidFill>
-                <a:latin typeface="S-Core Dream 6 Bold" pitchFamily="34" charset="0"/>
-                <a:cs typeface="S-Core Dream 6 Bold" pitchFamily="34" charset="0"/>
-              </a:rPr>
-              <a:t>KEYWORD</a:t>
-            </a:r>
-            <a:endParaRPr lang="en-US" dirty="0"/>
-          </a:p>
-        </p:txBody>
-      </p:sp>
-      <p:sp>
-        <p:nvSpPr>
-          <p:cNvPr id="34" name="Object 34"/>
-          <p:cNvSpPr txBox="1"/>
-          <p:nvPr/>
-        </p:nvSpPr>
-        <p:spPr>
-          <a:xfrm>
-            <a:off x="9682673" y="6722894"/>
-            <a:ext cx="3955150" cy="1281561"/>
-          </a:xfrm>
-          <a:prstGeom prst="rect">
-            <a:avLst/>
-          </a:prstGeom>
-          <a:noFill/>
-        </p:spPr>
-        <p:txBody>
-          <a:bodyPr wrap="square" rtlCol="0" anchor="ctr">
-            <a:spAutoFit/>
-          </a:bodyPr>
-          <a:lstStyle/>
-          <a:p>
-            <a:pPr algn="ctr"/>
-            <a:r>
-              <a:rPr lang="en-US" sz="1200" kern="0" spc="-100" dirty="0">
-                <a:solidFill>
-                  <a:srgbClr val="E1E0DA"/>
-                </a:solidFill>
-                <a:latin typeface="S-Core Dream 4 Regular" pitchFamily="34" charset="0"/>
-                <a:cs typeface="S-Core Dream 4 Regular" pitchFamily="34" charset="0"/>
-              </a:rPr>
-              <a:t>키워드에 관한 설명을 적어주세요!</a:t>
-            </a:r>
-          </a:p>
-          <a:p>
-            <a:pPr algn="ctr"/>
-            <a:r>
-              <a:rPr lang="en-US" sz="1200" kern="0" spc="-100" dirty="0">
-                <a:solidFill>
-                  <a:srgbClr val="E1E0DA"/>
-                </a:solidFill>
-                <a:latin typeface="S-Core Dream 4 Regular" pitchFamily="34" charset="0"/>
-                <a:cs typeface="S-Core Dream 4 Regular" pitchFamily="34" charset="0"/>
-              </a:rPr>
-              <a:t>키워드에 관한 설명을 적어주세요!</a:t>
-            </a:r>
-          </a:p>
-          <a:p>
-            <a:pPr algn="ctr"/>
-            <a:r>
-              <a:rPr lang="en-US" sz="1200" kern="0" spc="-100" dirty="0">
-                <a:solidFill>
-                  <a:srgbClr val="E1E0DA"/>
-                </a:solidFill>
-                <a:latin typeface="S-Core Dream 4 Regular" pitchFamily="34" charset="0"/>
-                <a:cs typeface="S-Core Dream 4 Regular" pitchFamily="34" charset="0"/>
-              </a:rPr>
-              <a:t>키워드에 관한 설명을 적어주세요!</a:t>
-            </a:r>
-          </a:p>
-          <a:p>
-            <a:pPr algn="ctr"/>
-            <a:r>
-              <a:rPr lang="en-US" sz="1200" kern="0" spc="-100" dirty="0">
-                <a:solidFill>
-                  <a:srgbClr val="E1E0DA"/>
-                </a:solidFill>
-                <a:latin typeface="S-Core Dream 4 Regular" pitchFamily="34" charset="0"/>
-                <a:cs typeface="S-Core Dream 4 Regular" pitchFamily="34" charset="0"/>
-              </a:rPr>
-              <a:t>키워드에 관한 설명을 적어주세요!</a:t>
-            </a:r>
-            <a:endParaRPr lang="en-US" dirty="0"/>
-          </a:p>
-        </p:txBody>
-      </p:sp>
     </p:spTree>
+    <p:extLst>
+      <p:ext uri="{BB962C8B-B14F-4D97-AF65-F5344CB8AC3E}">
+        <p14:creationId xmlns:p14="http://schemas.microsoft.com/office/powerpoint/2010/main" val="3217349322"/>
+      </p:ext>
+    </p:extLst>
+  </p:cSld>
+  <p:clrMapOvr>
+    <a:masterClrMapping/>
+  </p:clrMapOvr>
+</p:sld>
+</file>
+
+<file path=ppt/slides/slide16.xml><?xml version="1.0" encoding="utf-8"?>
+<p:sld xmlns:a="http://schemas.openxmlformats.org/drawingml/2006/main" xmlns:r="http://schemas.openxmlformats.org/officeDocument/2006/relationships" xmlns:p="http://schemas.openxmlformats.org/presentationml/2006/main">
+  <p:cSld>
+    <p:spTree>
+      <p:nvGrpSpPr>
+        <p:cNvPr id="1" name=""/>
+        <p:cNvGrpSpPr/>
+        <p:nvPr/>
+      </p:nvGrpSpPr>
+      <p:grpSpPr>
+        <a:xfrm>
+          <a:off x="0" y="0"/>
+          <a:ext cx="0" cy="0"/>
+          <a:chOff x="0" y="0"/>
+          <a:chExt cx="0" cy="0"/>
+        </a:xfrm>
+      </p:grpSpPr>
+      <p:sp>
+        <p:nvSpPr>
+          <p:cNvPr id="2" name="제목 1">
+            <a:extLst>
+              <a:ext uri="{FF2B5EF4-FFF2-40B4-BE49-F238E27FC236}">
+                <a16:creationId xmlns:a16="http://schemas.microsoft.com/office/drawing/2014/main" id="{8AB03B49-3FCD-305D-CD43-56214996BD71}"/>
+              </a:ext>
+            </a:extLst>
+          </p:cNvPr>
+          <p:cNvSpPr>
+            <a:spLocks noGrp="1"/>
+          </p:cNvSpPr>
+          <p:nvPr>
+            <p:ph type="title"/>
+          </p:nvPr>
+        </p:nvSpPr>
+        <p:spPr/>
+        <p:txBody>
+          <a:bodyPr/>
+          <a:lstStyle/>
+          <a:p>
+            <a:endParaRPr lang="ko-KR" altLang="en-US" dirty="0"/>
+          </a:p>
+        </p:txBody>
+      </p:sp>
+    </p:spTree>
+    <p:extLst>
+      <p:ext uri="{BB962C8B-B14F-4D97-AF65-F5344CB8AC3E}">
+        <p14:creationId xmlns:p14="http://schemas.microsoft.com/office/powerpoint/2010/main" val="3409313505"/>
+      </p:ext>
+    </p:extLst>
   </p:cSld>
   <p:clrMapOvr>
     <a:masterClrMapping/>
@@ -10780,7 +6751,15 @@
 
 <file path=ppt/slides/slide4.xml><?xml version="1.0" encoding="utf-8"?>
 <p:sld xmlns:a="http://schemas.openxmlformats.org/drawingml/2006/main" xmlns:r="http://schemas.openxmlformats.org/officeDocument/2006/relationships" xmlns:p="http://schemas.openxmlformats.org/presentationml/2006/main">
-  <p:cSld>
+  <p:cSld name="Slide 1">
+    <p:bg>
+      <p:bgPr>
+        <a:solidFill>
+          <a:srgbClr val="42637E"/>
+        </a:solidFill>
+        <a:effectLst/>
+      </p:bgPr>
+    </p:bg>
     <p:spTree>
       <p:nvGrpSpPr>
         <p:cNvPr id="1" name=""/>
@@ -10795,70 +6774,559 @@
           <a:chExt cx="0" cy="0"/>
         </a:xfrm>
       </p:grpSpPr>
-      <p:sp>
-        <p:nvSpPr>
-          <p:cNvPr id="2" name="제목 1">
+      <p:grpSp>
+        <p:nvGrpSpPr>
+          <p:cNvPr id="1001" name="그룹 1001"/>
+          <p:cNvGrpSpPr/>
+          <p:nvPr/>
+        </p:nvGrpSpPr>
+        <p:grpSpPr>
+          <a:xfrm>
+            <a:off x="4461145" y="2022993"/>
+            <a:ext cx="6371182" cy="6371182"/>
+            <a:chOff x="4461145" y="2022993"/>
+            <a:chExt cx="6371182" cy="6371182"/>
+          </a:xfrm>
+        </p:grpSpPr>
+        <p:pic>
+          <p:nvPicPr>
+            <p:cNvPr id="3" name="Object 2"/>
+            <p:cNvPicPr>
+              <a:picLocks noChangeAspect="1"/>
+            </p:cNvPicPr>
+            <p:nvPr/>
+          </p:nvPicPr>
+          <p:blipFill>
+            <a:blip r:embed="rId2" cstate="print"/>
+            <a:stretch>
+              <a:fillRect/>
+            </a:stretch>
+          </p:blipFill>
+          <p:spPr>
+            <a:xfrm rot="-5400000">
+              <a:off x="4461145" y="2022993"/>
+              <a:ext cx="6371182" cy="6371182"/>
+            </a:xfrm>
+            <a:prstGeom prst="rect">
+              <a:avLst/>
+            </a:prstGeom>
+          </p:spPr>
+        </p:pic>
+      </p:grpSp>
+      <p:grpSp>
+        <p:nvGrpSpPr>
+          <p:cNvPr id="1002" name="그룹 1002"/>
+          <p:cNvGrpSpPr/>
+          <p:nvPr/>
+        </p:nvGrpSpPr>
+        <p:grpSpPr>
+          <a:xfrm>
+            <a:off x="8102994" y="1847720"/>
+            <a:ext cx="4626118" cy="4626118"/>
+            <a:chOff x="8102994" y="1847720"/>
+            <a:chExt cx="4626118" cy="4626118"/>
+          </a:xfrm>
+        </p:grpSpPr>
+        <p:pic>
+          <p:nvPicPr>
+            <p:cNvPr id="6" name="Object 5"/>
+            <p:cNvPicPr>
+              <a:picLocks noChangeAspect="1"/>
+            </p:cNvPicPr>
+            <p:nvPr/>
+          </p:nvPicPr>
+          <p:blipFill>
+            <a:blip r:embed="rId3" cstate="print"/>
+            <a:stretch>
+              <a:fillRect/>
+            </a:stretch>
+          </p:blipFill>
+          <p:spPr>
+            <a:xfrm>
+              <a:off x="8102994" y="1847720"/>
+              <a:ext cx="4626118" cy="4626118"/>
+            </a:xfrm>
+            <a:prstGeom prst="rect">
+              <a:avLst/>
+            </a:prstGeom>
+          </p:spPr>
+        </p:pic>
+      </p:grpSp>
+      <p:grpSp>
+        <p:nvGrpSpPr>
+          <p:cNvPr id="1003" name="그룹 1003"/>
+          <p:cNvGrpSpPr/>
+          <p:nvPr/>
+        </p:nvGrpSpPr>
+        <p:grpSpPr>
+          <a:xfrm>
+            <a:off x="11553412" y="3802838"/>
+            <a:ext cx="2811492" cy="2811492"/>
+            <a:chOff x="11553412" y="3802838"/>
+            <a:chExt cx="2811492" cy="2811492"/>
+          </a:xfrm>
+        </p:grpSpPr>
+        <p:pic>
+          <p:nvPicPr>
+            <p:cNvPr id="9" name="Object 8"/>
+            <p:cNvPicPr>
+              <a:picLocks noChangeAspect="1"/>
+            </p:cNvPicPr>
+            <p:nvPr/>
+          </p:nvPicPr>
+          <p:blipFill>
+            <a:blip r:embed="rId4" cstate="print"/>
+            <a:stretch>
+              <a:fillRect/>
+            </a:stretch>
+          </p:blipFill>
+          <p:spPr>
+            <a:xfrm>
+              <a:off x="11553412" y="3802838"/>
+              <a:ext cx="2811492" cy="2811492"/>
+            </a:xfrm>
+            <a:prstGeom prst="rect">
+              <a:avLst/>
+            </a:prstGeom>
+          </p:spPr>
+        </p:pic>
+      </p:grpSp>
+      <p:grpSp>
+        <p:nvGrpSpPr>
+          <p:cNvPr id="1004" name="그룹 1004"/>
+          <p:cNvGrpSpPr/>
+          <p:nvPr/>
+        </p:nvGrpSpPr>
+        <p:grpSpPr>
+          <a:xfrm>
+            <a:off x="10416053" y="5208585"/>
+            <a:ext cx="2529034" cy="73500"/>
+            <a:chOff x="10416053" y="5208585"/>
+            <a:chExt cx="2529034" cy="73500"/>
+          </a:xfrm>
+        </p:grpSpPr>
+        <p:pic>
+          <p:nvPicPr>
+            <p:cNvPr id="12" name="Object 11"/>
+            <p:cNvPicPr>
+              <a:picLocks noChangeAspect="1"/>
+            </p:cNvPicPr>
+            <p:nvPr/>
+          </p:nvPicPr>
+          <p:blipFill>
+            <a:blip r:embed="rId5" cstate="print"/>
+            <a:stretch>
+              <a:fillRect/>
+            </a:stretch>
+          </p:blipFill>
+          <p:spPr>
+            <a:xfrm>
+              <a:off x="10416053" y="5208585"/>
+              <a:ext cx="2529034" cy="73500"/>
+            </a:xfrm>
+            <a:prstGeom prst="rect">
+              <a:avLst/>
+            </a:prstGeom>
+          </p:spPr>
+        </p:pic>
+      </p:grpSp>
+      <p:sp>
+        <p:nvSpPr>
+          <p:cNvPr id="14" name="Object 14"/>
+          <p:cNvSpPr txBox="1"/>
+          <p:nvPr/>
+        </p:nvSpPr>
+        <p:spPr>
+          <a:xfrm>
+            <a:off x="3768201" y="3860612"/>
+            <a:ext cx="11635605" cy="3046988"/>
+          </a:xfrm>
+          <a:prstGeom prst="rect">
+            <a:avLst/>
+          </a:prstGeom>
+          <a:noFill/>
+        </p:spPr>
+        <p:txBody>
+          <a:bodyPr wrap="square" rtlCol="0" anchor="ctr">
+            <a:spAutoFit/>
+          </a:bodyPr>
+          <a:lstStyle/>
+          <a:p>
+            <a:r>
+              <a:rPr lang="ko-KR" altLang="en-US" sz="9600" i="1" kern="0" spc="-300" dirty="0">
+                <a:solidFill>
+                  <a:srgbClr val="E1E0DA"/>
+                </a:solidFill>
+                <a:effectLst>
+                  <a:outerShdw blurRad="38100" dist="38100" dir="2700000" algn="tl">
+                    <a:srgbClr val="000000">
+                      <a:alpha val="43137"/>
+                    </a:srgbClr>
+                  </a:outerShdw>
+                </a:effectLst>
+                <a:latin typeface="+mj-ea"/>
+                <a:ea typeface="+mj-ea"/>
+              </a:rPr>
+              <a:t>게임 요소 </a:t>
+            </a:r>
+            <a:endParaRPr lang="en-US" altLang="ko-KR" sz="9600" i="1" kern="0" spc="-300" dirty="0">
+              <a:solidFill>
+                <a:srgbClr val="E1E0DA"/>
+              </a:solidFill>
+              <a:effectLst>
+                <a:outerShdw blurRad="38100" dist="38100" dir="2700000" algn="tl">
+                  <a:srgbClr val="000000">
+                    <a:alpha val="43137"/>
+                  </a:srgbClr>
+                </a:outerShdw>
+              </a:effectLst>
+              <a:latin typeface="+mj-ea"/>
+              <a:ea typeface="+mj-ea"/>
+            </a:endParaRPr>
+          </a:p>
+          <a:p>
+            <a:r>
+              <a:rPr lang="ko-KR" altLang="en-US" sz="9600" i="1" kern="0" spc="-300" dirty="0">
+                <a:solidFill>
+                  <a:srgbClr val="E1E0DA"/>
+                </a:solidFill>
+                <a:effectLst>
+                  <a:outerShdw blurRad="38100" dist="38100" dir="2700000" algn="tl">
+                    <a:srgbClr val="000000">
+                      <a:alpha val="43137"/>
+                    </a:srgbClr>
+                  </a:outerShdw>
+                </a:effectLst>
+                <a:latin typeface="+mj-ea"/>
+                <a:ea typeface="+mj-ea"/>
+              </a:rPr>
+              <a:t>진행 방식</a:t>
+            </a:r>
+            <a:endParaRPr lang="en-US" sz="2400" i="1" dirty="0">
+              <a:effectLst>
+                <a:outerShdw blurRad="38100" dist="38100" dir="2700000" algn="tl">
+                  <a:srgbClr val="000000">
+                    <a:alpha val="43137"/>
+                  </a:srgbClr>
+                </a:outerShdw>
+              </a:effectLst>
+              <a:latin typeface="+mj-ea"/>
+              <a:ea typeface="+mj-ea"/>
+            </a:endParaRPr>
+          </a:p>
+        </p:txBody>
+      </p:sp>
+      <p:sp>
+        <p:nvSpPr>
+          <p:cNvPr id="16" name="Object 16"/>
+          <p:cNvSpPr txBox="1"/>
+          <p:nvPr/>
+        </p:nvSpPr>
+        <p:spPr>
+          <a:xfrm>
+            <a:off x="3839612" y="6905294"/>
+            <a:ext cx="5868020" cy="584775"/>
+          </a:xfrm>
+          <a:prstGeom prst="rect">
+            <a:avLst/>
+          </a:prstGeom>
+          <a:noFill/>
+        </p:spPr>
+        <p:txBody>
+          <a:bodyPr wrap="square" rtlCol="0" anchor="t">
+            <a:spAutoFit/>
+          </a:bodyPr>
+          <a:lstStyle/>
+          <a:p>
+            <a:r>
+              <a:rPr lang="en-US" sz="3200" b="1" i="1" kern="0" spc="-100" dirty="0">
+                <a:solidFill>
+                  <a:srgbClr val="E1E0DA"/>
+                </a:solidFill>
+                <a:effectLst>
+                  <a:outerShdw blurRad="38100" dist="38100" dir="2700000" algn="tl">
+                    <a:srgbClr val="000000">
+                      <a:alpha val="43137"/>
+                    </a:srgbClr>
+                  </a:outerShdw>
+                </a:effectLst>
+                <a:latin typeface="+mj-ea"/>
+                <a:ea typeface="+mj-ea"/>
+              </a:rPr>
+              <a:t>How</a:t>
+            </a:r>
+            <a:r>
+              <a:rPr lang="ko-KR" altLang="en-US" sz="3200" b="1" i="1" kern="0" spc="-100" dirty="0">
+                <a:solidFill>
+                  <a:srgbClr val="E1E0DA"/>
+                </a:solidFill>
+                <a:effectLst>
+                  <a:outerShdw blurRad="38100" dist="38100" dir="2700000" algn="tl">
+                    <a:srgbClr val="000000">
+                      <a:alpha val="43137"/>
+                    </a:srgbClr>
+                  </a:outerShdw>
+                </a:effectLst>
+                <a:latin typeface="+mj-ea"/>
+                <a:ea typeface="+mj-ea"/>
+              </a:rPr>
+              <a:t> </a:t>
+            </a:r>
+            <a:r>
+              <a:rPr lang="en-US" altLang="ko-KR" sz="3200" b="1" i="1" kern="0" spc="-100" dirty="0">
+                <a:solidFill>
+                  <a:srgbClr val="E1E0DA"/>
+                </a:solidFill>
+                <a:effectLst>
+                  <a:outerShdw blurRad="38100" dist="38100" dir="2700000" algn="tl">
+                    <a:srgbClr val="000000">
+                      <a:alpha val="43137"/>
+                    </a:srgbClr>
+                  </a:outerShdw>
+                </a:effectLst>
+                <a:latin typeface="+mj-ea"/>
+                <a:ea typeface="+mj-ea"/>
+              </a:rPr>
+              <a:t>to</a:t>
+            </a:r>
+            <a:r>
+              <a:rPr lang="ko-KR" altLang="en-US" sz="3200" b="1" i="1" kern="0" spc="-100" dirty="0">
+                <a:solidFill>
+                  <a:srgbClr val="E1E0DA"/>
+                </a:solidFill>
+                <a:effectLst>
+                  <a:outerShdw blurRad="38100" dist="38100" dir="2700000" algn="tl">
+                    <a:srgbClr val="000000">
+                      <a:alpha val="43137"/>
+                    </a:srgbClr>
+                  </a:outerShdw>
+                </a:effectLst>
+                <a:latin typeface="+mj-ea"/>
+                <a:ea typeface="+mj-ea"/>
+              </a:rPr>
+              <a:t> </a:t>
+            </a:r>
+            <a:r>
+              <a:rPr lang="en-US" altLang="ko-KR" sz="3200" b="1" i="1" kern="0" spc="-100" dirty="0">
+                <a:solidFill>
+                  <a:srgbClr val="E1E0DA"/>
+                </a:solidFill>
+                <a:effectLst>
+                  <a:outerShdw blurRad="38100" dist="38100" dir="2700000" algn="tl">
+                    <a:srgbClr val="000000">
+                      <a:alpha val="43137"/>
+                    </a:srgbClr>
+                  </a:outerShdw>
+                </a:effectLst>
+                <a:latin typeface="+mj-ea"/>
+                <a:ea typeface="+mj-ea"/>
+              </a:rPr>
+              <a:t>play</a:t>
+            </a:r>
+            <a:r>
+              <a:rPr lang="ko-KR" altLang="en-US" sz="3200" b="1" i="1" kern="0" spc="-100" dirty="0">
+                <a:solidFill>
+                  <a:srgbClr val="E1E0DA"/>
+                </a:solidFill>
+                <a:effectLst>
+                  <a:outerShdw blurRad="38100" dist="38100" dir="2700000" algn="tl">
+                    <a:srgbClr val="000000">
+                      <a:alpha val="43137"/>
+                    </a:srgbClr>
+                  </a:outerShdw>
+                </a:effectLst>
+                <a:latin typeface="+mj-ea"/>
+                <a:ea typeface="+mj-ea"/>
+              </a:rPr>
+              <a:t> </a:t>
+            </a:r>
+            <a:r>
+              <a:rPr lang="en-US" altLang="ko-KR" sz="3200" b="1" i="1" kern="0" spc="-100" dirty="0" err="1">
+                <a:solidFill>
+                  <a:srgbClr val="E1E0DA"/>
+                </a:solidFill>
+                <a:effectLst>
+                  <a:outerShdw blurRad="38100" dist="38100" dir="2700000" algn="tl">
+                    <a:srgbClr val="000000">
+                      <a:alpha val="43137"/>
+                    </a:srgbClr>
+                  </a:outerShdw>
+                </a:effectLst>
+                <a:latin typeface="+mj-ea"/>
+                <a:ea typeface="+mj-ea"/>
+              </a:rPr>
+              <a:t>GoldenRing</a:t>
+            </a:r>
+            <a:endParaRPr lang="en-US" sz="2400" b="1" i="1" dirty="0">
+              <a:effectLst>
+                <a:outerShdw blurRad="38100" dist="38100" dir="2700000" algn="tl">
+                  <a:srgbClr val="000000">
+                    <a:alpha val="43137"/>
+                  </a:srgbClr>
+                </a:outerShdw>
+              </a:effectLst>
+              <a:latin typeface="+mj-ea"/>
+              <a:ea typeface="+mj-ea"/>
+            </a:endParaRPr>
+          </a:p>
+        </p:txBody>
+      </p:sp>
+      <p:sp>
+        <p:nvSpPr>
+          <p:cNvPr id="17" name="Object 17"/>
+          <p:cNvSpPr txBox="1"/>
+          <p:nvPr/>
+        </p:nvSpPr>
+        <p:spPr>
+          <a:xfrm>
+            <a:off x="533400" y="367824"/>
+            <a:ext cx="5868020" cy="523220"/>
+          </a:xfrm>
+          <a:prstGeom prst="rect">
+            <a:avLst/>
+          </a:prstGeom>
+          <a:noFill/>
+        </p:spPr>
+        <p:txBody>
+          <a:bodyPr wrap="square" rtlCol="0" anchor="ctr">
+            <a:spAutoFit/>
+          </a:bodyPr>
+          <a:lstStyle/>
+          <a:p>
+            <a:r>
+              <a:rPr lang="en-US" sz="2800" b="1" i="1" dirty="0">
+                <a:solidFill>
+                  <a:schemeClr val="bg1"/>
+                </a:solidFill>
+                <a:effectLst>
+                  <a:outerShdw blurRad="38100" dist="38100" dir="2700000" algn="tl">
+                    <a:srgbClr val="000000">
+                      <a:alpha val="43137"/>
+                    </a:srgbClr>
+                  </a:outerShdw>
+                </a:effectLst>
+                <a:latin typeface="+mj-ea"/>
+                <a:ea typeface="+mj-ea"/>
+              </a:rPr>
+              <a:t>UNIJAM</a:t>
+            </a:r>
+          </a:p>
+        </p:txBody>
+      </p:sp>
+      <p:sp>
+        <p:nvSpPr>
+          <p:cNvPr id="2" name="Object 17">
             <a:extLst>
               <a:ext uri="{FF2B5EF4-FFF2-40B4-BE49-F238E27FC236}">
-                <a16:creationId xmlns:a16="http://schemas.microsoft.com/office/drawing/2014/main" id="{AC6F374A-FA5E-E2C1-D8F1-8DC4D20DC70B}"/>
+                <a16:creationId xmlns:a16="http://schemas.microsoft.com/office/drawing/2014/main" id="{80C3FB6A-D7F9-1002-4A1B-C6400BB17E6F}"/>
               </a:ext>
             </a:extLst>
           </p:cNvPr>
-          <p:cNvSpPr>
-            <a:spLocks noGrp="1"/>
-          </p:cNvSpPr>
-          <p:nvPr>
-            <p:ph type="title"/>
-          </p:nvPr>
-        </p:nvSpPr>
-        <p:spPr/>
-        <p:txBody>
-          <a:bodyPr/>
-          <a:lstStyle/>
-          <a:p>
-            <a:r>
-              <a:rPr lang="ko-KR" altLang="en-US" dirty="0"/>
-              <a:t>자원 순환형 카드게임</a:t>
-            </a:r>
-          </a:p>
-        </p:txBody>
-      </p:sp>
-      <p:pic>
-        <p:nvPicPr>
-          <p:cNvPr id="4" name="그림 3">
-            <a:extLst>
-              <a:ext uri="{FF2B5EF4-FFF2-40B4-BE49-F238E27FC236}">
-                <a16:creationId xmlns:a16="http://schemas.microsoft.com/office/drawing/2014/main" id="{53A04A59-39EA-CF60-A9DB-AC9891FDF374}"/>
-              </a:ext>
-            </a:extLst>
-          </p:cNvPr>
-          <p:cNvPicPr>
-            <a:picLocks noChangeAspect="1"/>
-          </p:cNvPicPr>
+          <p:cNvSpPr txBox="1"/>
           <p:nvPr/>
-        </p:nvPicPr>
-        <p:blipFill>
-          <a:blip r:embed="rId2"/>
-          <a:stretch>
-            <a:fillRect/>
-          </a:stretch>
-        </p:blipFill>
+        </p:nvSpPr>
         <p:spPr>
           <a:xfrm>
-            <a:off x="2895600" y="1485900"/>
-            <a:ext cx="12997270" cy="7403848"/>
+            <a:off x="13661857" y="365261"/>
+            <a:ext cx="5868020" cy="523220"/>
           </a:xfrm>
           <a:prstGeom prst="rect">
             <a:avLst/>
           </a:prstGeom>
+          <a:noFill/>
         </p:spPr>
-      </p:pic>
+        <p:txBody>
+          <a:bodyPr wrap="square" rtlCol="0" anchor="ctr">
+            <a:spAutoFit/>
+          </a:bodyPr>
+          <a:lstStyle/>
+          <a:p>
+            <a:r>
+              <a:rPr lang="ko-KR" altLang="en-US" sz="2800" b="1" i="1" dirty="0" err="1">
+                <a:solidFill>
+                  <a:schemeClr val="tx2"/>
+                </a:solidFill>
+                <a:effectLst>
+                  <a:outerShdw blurRad="38100" dist="38100" dir="2700000" algn="tl">
+                    <a:srgbClr val="000000">
+                      <a:alpha val="43137"/>
+                    </a:srgbClr>
+                  </a:outerShdw>
+                </a:effectLst>
+                <a:latin typeface="+mj-ea"/>
+                <a:ea typeface="+mj-ea"/>
+              </a:rPr>
+              <a:t>골든링</a:t>
+            </a:r>
+            <a:r>
+              <a:rPr lang="ko-KR" altLang="en-US" sz="2800" b="1" i="1" dirty="0">
+                <a:solidFill>
+                  <a:schemeClr val="tx2"/>
+                </a:solidFill>
+                <a:effectLst>
+                  <a:outerShdw blurRad="38100" dist="38100" dir="2700000" algn="tl">
+                    <a:srgbClr val="000000">
+                      <a:alpha val="43137"/>
+                    </a:srgbClr>
+                  </a:outerShdw>
+                </a:effectLst>
+                <a:latin typeface="+mj-ea"/>
+                <a:ea typeface="+mj-ea"/>
+              </a:rPr>
+              <a:t> </a:t>
+            </a:r>
+            <a:r>
+              <a:rPr lang="en-US" altLang="ko-KR" sz="2800" b="1" i="1" dirty="0">
+                <a:solidFill>
+                  <a:schemeClr val="tx2"/>
+                </a:solidFill>
+                <a:effectLst>
+                  <a:outerShdw blurRad="38100" dist="38100" dir="2700000" algn="tl">
+                    <a:srgbClr val="000000">
+                      <a:alpha val="43137"/>
+                    </a:srgbClr>
+                  </a:outerShdw>
+                </a:effectLst>
+                <a:latin typeface="+mj-ea"/>
+                <a:ea typeface="+mj-ea"/>
+              </a:rPr>
+              <a:t>Team </a:t>
+            </a:r>
+            <a:r>
+              <a:rPr lang="en-US" altLang="ko-KR" sz="2800" b="1" i="1" dirty="0" err="1">
+                <a:solidFill>
+                  <a:schemeClr val="tx2"/>
+                </a:solidFill>
+                <a:effectLst>
+                  <a:outerShdw blurRad="38100" dist="38100" dir="2700000" algn="tl">
+                    <a:srgbClr val="000000">
+                      <a:alpha val="43137"/>
+                    </a:srgbClr>
+                  </a:outerShdw>
+                </a:effectLst>
+                <a:latin typeface="+mj-ea"/>
+                <a:ea typeface="+mj-ea"/>
+              </a:rPr>
+              <a:t>CarpeDiem</a:t>
+            </a:r>
+            <a:endParaRPr lang="en-US" sz="2800" b="1" i="1" dirty="0">
+              <a:solidFill>
+                <a:schemeClr val="tx2"/>
+              </a:solidFill>
+              <a:effectLst>
+                <a:outerShdw blurRad="38100" dist="38100" dir="2700000" algn="tl">
+                  <a:srgbClr val="000000">
+                    <a:alpha val="43137"/>
+                  </a:srgbClr>
+                </a:outerShdw>
+              </a:effectLst>
+              <a:latin typeface="+mj-ea"/>
+              <a:ea typeface="+mj-ea"/>
+            </a:endParaRPr>
+          </a:p>
+        </p:txBody>
+      </p:sp>
     </p:spTree>
-    <p:extLst>
-      <p:ext uri="{BB962C8B-B14F-4D97-AF65-F5344CB8AC3E}">
-        <p14:creationId xmlns:p14="http://schemas.microsoft.com/office/powerpoint/2010/main" val="444262799"/>
-      </p:ext>
-    </p:extLst>
   </p:cSld>
   <p:clrMapOvr>
     <a:masterClrMapping/>
@@ -10888,6 +7356,94 @@
           <p:cNvPr id="2" name="제목 1">
             <a:extLst>
               <a:ext uri="{FF2B5EF4-FFF2-40B4-BE49-F238E27FC236}">
+                <a16:creationId xmlns:a16="http://schemas.microsoft.com/office/drawing/2014/main" id="{AC6F374A-FA5E-E2C1-D8F1-8DC4D20DC70B}"/>
+              </a:ext>
+            </a:extLst>
+          </p:cNvPr>
+          <p:cNvSpPr>
+            <a:spLocks noGrp="1"/>
+          </p:cNvSpPr>
+          <p:nvPr>
+            <p:ph type="title"/>
+          </p:nvPr>
+        </p:nvSpPr>
+        <p:spPr/>
+        <p:txBody>
+          <a:bodyPr/>
+          <a:lstStyle/>
+          <a:p>
+            <a:r>
+              <a:rPr lang="ko-KR" altLang="en-US" dirty="0"/>
+              <a:t>자원 순환형 카드게임</a:t>
+            </a:r>
+          </a:p>
+        </p:txBody>
+      </p:sp>
+      <p:pic>
+        <p:nvPicPr>
+          <p:cNvPr id="4" name="그림 3">
+            <a:extLst>
+              <a:ext uri="{FF2B5EF4-FFF2-40B4-BE49-F238E27FC236}">
+                <a16:creationId xmlns:a16="http://schemas.microsoft.com/office/drawing/2014/main" id="{53A04A59-39EA-CF60-A9DB-AC9891FDF374}"/>
+              </a:ext>
+            </a:extLst>
+          </p:cNvPr>
+          <p:cNvPicPr>
+            <a:picLocks noChangeAspect="1"/>
+          </p:cNvPicPr>
+          <p:nvPr/>
+        </p:nvPicPr>
+        <p:blipFill>
+          <a:blip r:embed="rId2"/>
+          <a:stretch>
+            <a:fillRect/>
+          </a:stretch>
+        </p:blipFill>
+        <p:spPr>
+          <a:xfrm>
+            <a:off x="2895600" y="1485900"/>
+            <a:ext cx="12997270" cy="7403848"/>
+          </a:xfrm>
+          <a:prstGeom prst="rect">
+            <a:avLst/>
+          </a:prstGeom>
+        </p:spPr>
+      </p:pic>
+    </p:spTree>
+    <p:extLst>
+      <p:ext uri="{BB962C8B-B14F-4D97-AF65-F5344CB8AC3E}">
+        <p14:creationId xmlns:p14="http://schemas.microsoft.com/office/powerpoint/2010/main" val="444262799"/>
+      </p:ext>
+    </p:extLst>
+  </p:cSld>
+  <p:clrMapOvr>
+    <a:masterClrMapping/>
+  </p:clrMapOvr>
+</p:sld>
+</file>
+
+<file path=ppt/slides/slide6.xml><?xml version="1.0" encoding="utf-8"?>
+<p:sld xmlns:a="http://schemas.openxmlformats.org/drawingml/2006/main" xmlns:r="http://schemas.openxmlformats.org/officeDocument/2006/relationships" xmlns:p="http://schemas.openxmlformats.org/presentationml/2006/main">
+  <p:cSld>
+    <p:spTree>
+      <p:nvGrpSpPr>
+        <p:cNvPr id="1" name=""/>
+        <p:cNvGrpSpPr/>
+        <p:nvPr/>
+      </p:nvGrpSpPr>
+      <p:grpSpPr>
+        <a:xfrm>
+          <a:off x="0" y="0"/>
+          <a:ext cx="0" cy="0"/>
+          <a:chOff x="0" y="0"/>
+          <a:chExt cx="0" cy="0"/>
+        </a:xfrm>
+      </p:grpSpPr>
+      <p:sp>
+        <p:nvSpPr>
+          <p:cNvPr id="2" name="제목 1">
+            <a:extLst>
+              <a:ext uri="{FF2B5EF4-FFF2-40B4-BE49-F238E27FC236}">
                 <a16:creationId xmlns:a16="http://schemas.microsoft.com/office/drawing/2014/main" id="{06BF44A3-E840-E6D3-6983-2FF21E9CD27B}"/>
               </a:ext>
             </a:extLst>
@@ -11186,7 +7742,7 @@
 </p:sld>
 </file>
 
-<file path=ppt/slides/slide6.xml><?xml version="1.0" encoding="utf-8"?>
+<file path=ppt/slides/slide7.xml><?xml version="1.0" encoding="utf-8"?>
 <p:sld xmlns:a="http://schemas.openxmlformats.org/drawingml/2006/main" xmlns:r="http://schemas.openxmlformats.org/officeDocument/2006/relationships" xmlns:p="http://schemas.openxmlformats.org/presentationml/2006/main">
   <p:cSld>
     <p:spTree>
@@ -11623,7 +8179,7 @@
 </p:sld>
 </file>
 
-<file path=ppt/slides/slide7.xml><?xml version="1.0" encoding="utf-8"?>
+<file path=ppt/slides/slide8.xml><?xml version="1.0" encoding="utf-8"?>
 <p:sld xmlns:a="http://schemas.openxmlformats.org/drawingml/2006/main" xmlns:r="http://schemas.openxmlformats.org/officeDocument/2006/relationships" xmlns:p="http://schemas.openxmlformats.org/presentationml/2006/main">
   <p:cSld>
     <p:spTree>
@@ -11814,7 +8370,7 @@
 </p:sld>
 </file>
 
-<file path=ppt/slides/slide8.xml><?xml version="1.0" encoding="utf-8"?>
+<file path=ppt/slides/slide9.xml><?xml version="1.0" encoding="utf-8"?>
 <p:sld xmlns:a="http://schemas.openxmlformats.org/drawingml/2006/main" xmlns:r="http://schemas.openxmlformats.org/officeDocument/2006/relationships" xmlns:p="http://schemas.openxmlformats.org/presentationml/2006/main">
   <p:cSld>
     <p:spTree>
@@ -12095,94 +8651,6 @@
     <p:extLst>
       <p:ext uri="{BB962C8B-B14F-4D97-AF65-F5344CB8AC3E}">
         <p14:creationId xmlns:p14="http://schemas.microsoft.com/office/powerpoint/2010/main" val="1447299204"/>
-      </p:ext>
-    </p:extLst>
-  </p:cSld>
-  <p:clrMapOvr>
-    <a:masterClrMapping/>
-  </p:clrMapOvr>
-</p:sld>
-</file>
-
-<file path=ppt/slides/slide9.xml><?xml version="1.0" encoding="utf-8"?>
-<p:sld xmlns:a="http://schemas.openxmlformats.org/drawingml/2006/main" xmlns:r="http://schemas.openxmlformats.org/officeDocument/2006/relationships" xmlns:p="http://schemas.openxmlformats.org/presentationml/2006/main">
-  <p:cSld>
-    <p:spTree>
-      <p:nvGrpSpPr>
-        <p:cNvPr id="1" name=""/>
-        <p:cNvGrpSpPr/>
-        <p:nvPr/>
-      </p:nvGrpSpPr>
-      <p:grpSpPr>
-        <a:xfrm>
-          <a:off x="0" y="0"/>
-          <a:ext cx="0" cy="0"/>
-          <a:chOff x="0" y="0"/>
-          <a:chExt cx="0" cy="0"/>
-        </a:xfrm>
-      </p:grpSpPr>
-      <p:sp>
-        <p:nvSpPr>
-          <p:cNvPr id="2" name="제목 1">
-            <a:extLst>
-              <a:ext uri="{FF2B5EF4-FFF2-40B4-BE49-F238E27FC236}">
-                <a16:creationId xmlns:a16="http://schemas.microsoft.com/office/drawing/2014/main" id="{6651275E-4F4E-DBC6-7614-9D093B48A39C}"/>
-              </a:ext>
-            </a:extLst>
-          </p:cNvPr>
-          <p:cNvSpPr>
-            <a:spLocks noGrp="1"/>
-          </p:cNvSpPr>
-          <p:nvPr>
-            <p:ph type="title"/>
-          </p:nvPr>
-        </p:nvSpPr>
-        <p:spPr/>
-        <p:txBody>
-          <a:bodyPr/>
-          <a:lstStyle/>
-          <a:p>
-            <a:r>
-              <a:rPr lang="ko-KR" altLang="en-US" dirty="0"/>
-              <a:t>슬롯</a:t>
-            </a:r>
-          </a:p>
-        </p:txBody>
-      </p:sp>
-      <p:pic>
-        <p:nvPicPr>
-          <p:cNvPr id="6" name="그림 5">
-            <a:extLst>
-              <a:ext uri="{FF2B5EF4-FFF2-40B4-BE49-F238E27FC236}">
-                <a16:creationId xmlns:a16="http://schemas.microsoft.com/office/drawing/2014/main" id="{76B5BE00-1BF6-4354-2A59-CD49A8EEF636}"/>
-              </a:ext>
-            </a:extLst>
-          </p:cNvPr>
-          <p:cNvPicPr>
-            <a:picLocks noChangeAspect="1"/>
-          </p:cNvPicPr>
-          <p:nvPr/>
-        </p:nvPicPr>
-        <p:blipFill>
-          <a:blip r:embed="rId2"/>
-          <a:stretch>
-            <a:fillRect/>
-          </a:stretch>
-        </p:blipFill>
-        <p:spPr>
-          <a:xfrm>
-            <a:off x="4876800" y="2534582"/>
-            <a:ext cx="7772400" cy="5217836"/>
-          </a:xfrm>
-          <a:prstGeom prst="rect">
-            <a:avLst/>
-          </a:prstGeom>
-        </p:spPr>
-      </p:pic>
-    </p:spTree>
-    <p:extLst>
-      <p:ext uri="{BB962C8B-B14F-4D97-AF65-F5344CB8AC3E}">
-        <p14:creationId xmlns:p14="http://schemas.microsoft.com/office/powerpoint/2010/main" val="4126864378"/>
       </p:ext>
     </p:extLst>
   </p:cSld>

--- a/CarpeDiem.pptx
+++ b/CarpeDiem.pptx
@@ -1,6 +1,6 @@
 
 <file path=ppt/presentation.xml><?xml version="1.0" encoding="utf-8"?>
-<p:presentation xmlns:a="http://schemas.openxmlformats.org/drawingml/2006/main" xmlns:r="http://schemas.openxmlformats.org/officeDocument/2006/relationships" xmlns:p="http://schemas.openxmlformats.org/presentationml/2006/main" saveSubsetFonts="1">
+<p:presentation xmlns:a="http://schemas.openxmlformats.org/drawingml/2006/main" xmlns:r="http://schemas.openxmlformats.org/officeDocument/2006/relationships" xmlns:p="http://schemas.openxmlformats.org/presentationml/2006/main" embedTrueTypeFonts="1" saveSubsetFonts="1">
   <p:sldMasterIdLst>
     <p:sldMasterId id="2147483648" r:id="rId1"/>
   </p:sldMasterIdLst>
@@ -20,11 +20,23 @@
     <p:sldId id="279" r:id="rId14"/>
     <p:sldId id="281" r:id="rId15"/>
     <p:sldId id="282" r:id="rId16"/>
-    <p:sldId id="283" r:id="rId17"/>
-    <p:sldId id="265" r:id="rId18"/>
+    <p:sldId id="265" r:id="rId17"/>
   </p:sldIdLst>
   <p:sldSz cx="18288000" cy="10287000"/>
   <p:notesSz cx="10287000" cy="18288000"/>
+  <p:embeddedFontLst>
+    <p:embeddedFont>
+      <p:font typeface="양진체 " panose="02020503000000000000" pitchFamily="18" charset="-127"/>
+      <p:regular r:id="rId18"/>
+    </p:embeddedFont>
+    <p:embeddedFont>
+      <p:font typeface="Calibri" panose="020F0502020204030204" pitchFamily="34" charset="0"/>
+      <p:regular r:id="rId19"/>
+      <p:bold r:id="rId20"/>
+      <p:italic r:id="rId21"/>
+      <p:boldItalic r:id="rId22"/>
+    </p:embeddedFont>
+  </p:embeddedFontLst>
   <p:defaultTextStyle>
     <a:defPPr>
       <a:defRPr lang="en-US"/>
@@ -3754,7 +3766,7 @@
                 <a:solidFill>
                   <a:srgbClr val="E1E0DA"/>
                 </a:solidFill>
-                <a:latin typeface="S-Core Dream 3 Light" pitchFamily="34" charset="0"/>
+                <a:latin typeface="양진체 " panose="02020503000000000000" pitchFamily="18" charset="-127"/>
                 <a:cs typeface="S-Core Dream 3 Light" pitchFamily="34" charset="0"/>
               </a:rPr>
               <a:t>기획자 </a:t>
@@ -3764,7 +3776,7 @@
                 <a:solidFill>
                   <a:srgbClr val="E1E0DA"/>
                 </a:solidFill>
-                <a:latin typeface="S-Core Dream 3 Light" pitchFamily="34" charset="0"/>
+                <a:latin typeface="양진체 " panose="02020503000000000000" pitchFamily="18" charset="-127"/>
                 <a:cs typeface="S-Core Dream 3 Light" pitchFamily="34" charset="0"/>
               </a:rPr>
               <a:t>G-Pos </a:t>
@@ -3774,7 +3786,7 @@
                 <a:solidFill>
                   <a:srgbClr val="E1E0DA"/>
                 </a:solidFill>
-                <a:latin typeface="S-Core Dream 3 Light" pitchFamily="34" charset="0"/>
+                <a:latin typeface="양진체 " panose="02020503000000000000" pitchFamily="18" charset="-127"/>
                 <a:cs typeface="S-Core Dream 3 Light" pitchFamily="34" charset="0"/>
               </a:rPr>
               <a:t>김도형</a:t>
@@ -3783,7 +3795,7 @@
               <a:solidFill>
                 <a:srgbClr val="E1E0DA"/>
               </a:solidFill>
-              <a:latin typeface="S-Core Dream 3 Light" pitchFamily="34" charset="0"/>
+              <a:latin typeface="양진체 " panose="02020503000000000000" pitchFamily="18" charset="-127"/>
               <a:cs typeface="S-Core Dream 3 Light" pitchFamily="34" charset="0"/>
             </a:endParaRPr>
           </a:p>
@@ -3794,7 +3806,7 @@
                 <a:solidFill>
                   <a:srgbClr val="E1E0DA"/>
                 </a:solidFill>
-                <a:latin typeface="S-Core Dream 3 Light" pitchFamily="34" charset="0"/>
+                <a:latin typeface="양진체 " panose="02020503000000000000" pitchFamily="18" charset="-127"/>
               </a:rPr>
               <a:t>메인 프로그래머 </a:t>
             </a:r>
@@ -3803,7 +3815,7 @@
                 <a:solidFill>
                   <a:srgbClr val="E1E0DA"/>
                 </a:solidFill>
-                <a:latin typeface="S-Core Dream 3 Light" pitchFamily="34" charset="0"/>
+                <a:latin typeface="양진체 " panose="02020503000000000000" pitchFamily="18" charset="-127"/>
               </a:rPr>
               <a:t>선빈동</a:t>
             </a:r>
@@ -3812,7 +3824,7 @@
                 <a:solidFill>
                   <a:srgbClr val="E1E0DA"/>
                 </a:solidFill>
-                <a:latin typeface="S-Core Dream 3 Light" pitchFamily="34" charset="0"/>
+                <a:latin typeface="양진체 " panose="02020503000000000000" pitchFamily="18" charset="-127"/>
               </a:rPr>
               <a:t> </a:t>
             </a:r>
@@ -3821,7 +3833,7 @@
                 <a:solidFill>
                   <a:srgbClr val="E1E0DA"/>
                 </a:solidFill>
-                <a:latin typeface="S-Core Dream 3 Light" pitchFamily="34" charset="0"/>
+                <a:latin typeface="양진체 " panose="02020503000000000000" pitchFamily="18" charset="-127"/>
               </a:rPr>
               <a:t>최찬욱</a:t>
             </a:r>
@@ -3829,7 +3841,7 @@
               <a:solidFill>
                 <a:srgbClr val="E1E0DA"/>
               </a:solidFill>
-              <a:latin typeface="S-Core Dream 3 Light" pitchFamily="34" charset="0"/>
+              <a:latin typeface="양진체 " panose="02020503000000000000" pitchFamily="18" charset="-127"/>
             </a:endParaRPr>
           </a:p>
           <a:p>
@@ -3839,7 +3851,7 @@
                 <a:solidFill>
                   <a:srgbClr val="E1E0DA"/>
                 </a:solidFill>
-                <a:latin typeface="S-Core Dream 3 Light" pitchFamily="34" charset="0"/>
+                <a:latin typeface="양진체 " panose="02020503000000000000" pitchFamily="18" charset="-127"/>
               </a:rPr>
               <a:t>서브 프로그래머 </a:t>
             </a:r>
@@ -3848,7 +3860,7 @@
                 <a:solidFill>
                   <a:srgbClr val="E1E0DA"/>
                 </a:solidFill>
-                <a:latin typeface="S-Core Dream 3 Light" pitchFamily="34" charset="0"/>
+                <a:latin typeface="양진체 " panose="02020503000000000000" pitchFamily="18" charset="-127"/>
               </a:rPr>
               <a:t>CAT&amp;DOG </a:t>
             </a:r>
@@ -3857,7 +3869,7 @@
                 <a:solidFill>
                   <a:srgbClr val="E1E0DA"/>
                 </a:solidFill>
-                <a:latin typeface="S-Core Dream 3 Light" pitchFamily="34" charset="0"/>
+                <a:latin typeface="양진체 " panose="02020503000000000000" pitchFamily="18" charset="-127"/>
               </a:rPr>
               <a:t>문창일</a:t>
             </a:r>
@@ -3865,7 +3877,7 @@
               <a:solidFill>
                 <a:srgbClr val="E1E0DA"/>
               </a:solidFill>
-              <a:latin typeface="S-Core Dream 3 Light" pitchFamily="34" charset="0"/>
+              <a:latin typeface="양진체 " panose="02020503000000000000" pitchFamily="18" charset="-127"/>
             </a:endParaRPr>
           </a:p>
           <a:p>
@@ -3875,7 +3887,7 @@
                 <a:solidFill>
                   <a:srgbClr val="E1E0DA"/>
                 </a:solidFill>
-                <a:latin typeface="S-Core Dream 3 Light" pitchFamily="34" charset="0"/>
+                <a:latin typeface="양진체 " panose="02020503000000000000" pitchFamily="18" charset="-127"/>
               </a:rPr>
               <a:t>서브 </a:t>
             </a:r>
@@ -3894,7 +3906,7 @@
                 <a:solidFill>
                   <a:srgbClr val="E1E0DA"/>
                 </a:solidFill>
-                <a:latin typeface="S-Core Dream 3 Light" pitchFamily="34" charset="0"/>
+                <a:latin typeface="양진체 " panose="02020503000000000000" pitchFamily="18" charset="-127"/>
               </a:rPr>
               <a:t> </a:t>
             </a:r>
@@ -3903,7 +3915,7 @@
                 <a:solidFill>
                   <a:srgbClr val="E1E0DA"/>
                 </a:solidFill>
-                <a:latin typeface="S-Core Dream 3 Light" pitchFamily="34" charset="0"/>
+                <a:latin typeface="양진체 " panose="02020503000000000000" pitchFamily="18" charset="-127"/>
               </a:rPr>
               <a:t>UPnL</a:t>
             </a:r>
@@ -3912,7 +3924,7 @@
                 <a:solidFill>
                   <a:srgbClr val="E1E0DA"/>
                 </a:solidFill>
-                <a:latin typeface="S-Core Dream 3 Light" pitchFamily="34" charset="0"/>
+                <a:latin typeface="양진체 " panose="02020503000000000000" pitchFamily="18" charset="-127"/>
               </a:rPr>
               <a:t> </a:t>
             </a:r>
@@ -3921,7 +3933,7 @@
                 <a:solidFill>
                   <a:srgbClr val="E1E0DA"/>
                 </a:solidFill>
-                <a:latin typeface="S-Core Dream 3 Light" pitchFamily="34" charset="0"/>
+                <a:latin typeface="양진체 " panose="02020503000000000000" pitchFamily="18" charset="-127"/>
               </a:rPr>
               <a:t>류지민</a:t>
             </a:r>
@@ -5370,61 +5382,6 @@
 
 <file path=ppt/slides/slide16.xml><?xml version="1.0" encoding="utf-8"?>
 <p:sld xmlns:a="http://schemas.openxmlformats.org/drawingml/2006/main" xmlns:r="http://schemas.openxmlformats.org/officeDocument/2006/relationships" xmlns:p="http://schemas.openxmlformats.org/presentationml/2006/main">
-  <p:cSld>
-    <p:spTree>
-      <p:nvGrpSpPr>
-        <p:cNvPr id="1" name=""/>
-        <p:cNvGrpSpPr/>
-        <p:nvPr/>
-      </p:nvGrpSpPr>
-      <p:grpSpPr>
-        <a:xfrm>
-          <a:off x="0" y="0"/>
-          <a:ext cx="0" cy="0"/>
-          <a:chOff x="0" y="0"/>
-          <a:chExt cx="0" cy="0"/>
-        </a:xfrm>
-      </p:grpSpPr>
-      <p:sp>
-        <p:nvSpPr>
-          <p:cNvPr id="2" name="제목 1">
-            <a:extLst>
-              <a:ext uri="{FF2B5EF4-FFF2-40B4-BE49-F238E27FC236}">
-                <a16:creationId xmlns:a16="http://schemas.microsoft.com/office/drawing/2014/main" id="{8AB03B49-3FCD-305D-CD43-56214996BD71}"/>
-              </a:ext>
-            </a:extLst>
-          </p:cNvPr>
-          <p:cNvSpPr>
-            <a:spLocks noGrp="1"/>
-          </p:cNvSpPr>
-          <p:nvPr>
-            <p:ph type="title"/>
-          </p:nvPr>
-        </p:nvSpPr>
-        <p:spPr/>
-        <p:txBody>
-          <a:bodyPr/>
-          <a:lstStyle/>
-          <a:p>
-            <a:endParaRPr lang="ko-KR" altLang="en-US" dirty="0"/>
-          </a:p>
-        </p:txBody>
-      </p:sp>
-    </p:spTree>
-    <p:extLst>
-      <p:ext uri="{BB962C8B-B14F-4D97-AF65-F5344CB8AC3E}">
-        <p14:creationId xmlns:p14="http://schemas.microsoft.com/office/powerpoint/2010/main" val="3409313505"/>
-      </p:ext>
-    </p:extLst>
-  </p:cSld>
-  <p:clrMapOvr>
-    <a:masterClrMapping/>
-  </p:clrMapOvr>
-</p:sld>
-</file>
-
-<file path=ppt/slides/slide17.xml><?xml version="1.0" encoding="utf-8"?>
-<p:sld xmlns:a="http://schemas.openxmlformats.org/drawingml/2006/main" xmlns:r="http://schemas.openxmlformats.org/officeDocument/2006/relationships" xmlns:p="http://schemas.openxmlformats.org/presentationml/2006/main">
   <p:cSld name="Slide 10">
     <p:bg>
       <p:bgPr>
@@ -5612,8 +5569,8 @@
         </p:nvSpPr>
         <p:spPr>
           <a:xfrm>
-            <a:off x="10302433" y="4159848"/>
-            <a:ext cx="8474977" cy="2115642"/>
+            <a:off x="10302433" y="4555949"/>
+            <a:ext cx="8474977" cy="1323439"/>
           </a:xfrm>
           <a:prstGeom prst="rect">
             <a:avLst/>
@@ -5631,7 +5588,7 @@
                 <a:solidFill>
                   <a:srgbClr val="E1E0DA"/>
                 </a:solidFill>
-                <a:latin typeface="S-Core Dream 5 Medium" pitchFamily="34" charset="0"/>
+                <a:latin typeface="양진체 " panose="02020503000000000000" pitchFamily="18" charset="-127"/>
                 <a:cs typeface="S-Core Dream 5 Medium" pitchFamily="34" charset="0"/>
               </a:rPr>
               <a:t>감사합니다!</a:t>
@@ -5722,7 +5679,7 @@
                 <a:solidFill>
                   <a:srgbClr val="E1E0DA"/>
                 </a:solidFill>
-                <a:latin typeface="S-Core Dream 3 Light" pitchFamily="34" charset="0"/>
+                <a:latin typeface="양진체 " panose="02020503000000000000" pitchFamily="18" charset="-127"/>
                 <a:cs typeface="S-Core Dream 3 Light" pitchFamily="34" charset="0"/>
               </a:rPr>
               <a:t>기획자 </a:t>
@@ -5732,7 +5689,7 @@
                 <a:solidFill>
                   <a:srgbClr val="E1E0DA"/>
                 </a:solidFill>
-                <a:latin typeface="S-Core Dream 3 Light" pitchFamily="34" charset="0"/>
+                <a:latin typeface="양진체 " panose="02020503000000000000" pitchFamily="18" charset="-127"/>
                 <a:cs typeface="S-Core Dream 3 Light" pitchFamily="34" charset="0"/>
               </a:rPr>
               <a:t>G-Pos </a:t>
@@ -5742,7 +5699,7 @@
                 <a:solidFill>
                   <a:srgbClr val="E1E0DA"/>
                 </a:solidFill>
-                <a:latin typeface="S-Core Dream 3 Light" pitchFamily="34" charset="0"/>
+                <a:latin typeface="양진체 " panose="02020503000000000000" pitchFamily="18" charset="-127"/>
                 <a:cs typeface="S-Core Dream 3 Light" pitchFamily="34" charset="0"/>
               </a:rPr>
               <a:t>김도형</a:t>
@@ -5751,7 +5708,7 @@
               <a:solidFill>
                 <a:srgbClr val="E1E0DA"/>
               </a:solidFill>
-              <a:latin typeface="S-Core Dream 3 Light" pitchFamily="34" charset="0"/>
+              <a:latin typeface="양진체 " panose="02020503000000000000" pitchFamily="18" charset="-127"/>
               <a:cs typeface="S-Core Dream 3 Light" pitchFamily="34" charset="0"/>
             </a:endParaRPr>
           </a:p>
@@ -5762,7 +5719,7 @@
                 <a:solidFill>
                   <a:srgbClr val="E1E0DA"/>
                 </a:solidFill>
-                <a:latin typeface="S-Core Dream 3 Light" pitchFamily="34" charset="0"/>
+                <a:latin typeface="양진체 " panose="02020503000000000000" pitchFamily="18" charset="-127"/>
               </a:rPr>
               <a:t>메인 프로그래머 </a:t>
             </a:r>
@@ -5771,7 +5728,7 @@
                 <a:solidFill>
                   <a:srgbClr val="E1E0DA"/>
                 </a:solidFill>
-                <a:latin typeface="S-Core Dream 3 Light" pitchFamily="34" charset="0"/>
+                <a:latin typeface="양진체 " panose="02020503000000000000" pitchFamily="18" charset="-127"/>
               </a:rPr>
               <a:t>선빈동</a:t>
             </a:r>
@@ -5780,7 +5737,7 @@
                 <a:solidFill>
                   <a:srgbClr val="E1E0DA"/>
                 </a:solidFill>
-                <a:latin typeface="S-Core Dream 3 Light" pitchFamily="34" charset="0"/>
+                <a:latin typeface="양진체 " panose="02020503000000000000" pitchFamily="18" charset="-127"/>
               </a:rPr>
               <a:t> </a:t>
             </a:r>
@@ -5789,7 +5746,7 @@
                 <a:solidFill>
                   <a:srgbClr val="E1E0DA"/>
                 </a:solidFill>
-                <a:latin typeface="S-Core Dream 3 Light" pitchFamily="34" charset="0"/>
+                <a:latin typeface="양진체 " panose="02020503000000000000" pitchFamily="18" charset="-127"/>
               </a:rPr>
               <a:t>최찬욱</a:t>
             </a:r>
@@ -5797,7 +5754,7 @@
               <a:solidFill>
                 <a:srgbClr val="E1E0DA"/>
               </a:solidFill>
-              <a:latin typeface="S-Core Dream 3 Light" pitchFamily="34" charset="0"/>
+              <a:latin typeface="양진체 " panose="02020503000000000000" pitchFamily="18" charset="-127"/>
             </a:endParaRPr>
           </a:p>
           <a:p>
@@ -5807,7 +5764,7 @@
                 <a:solidFill>
                   <a:srgbClr val="E1E0DA"/>
                 </a:solidFill>
-                <a:latin typeface="S-Core Dream 3 Light" pitchFamily="34" charset="0"/>
+                <a:latin typeface="양진체 " panose="02020503000000000000" pitchFamily="18" charset="-127"/>
               </a:rPr>
               <a:t>서브 프로그래머 </a:t>
             </a:r>
@@ -5816,7 +5773,7 @@
                 <a:solidFill>
                   <a:srgbClr val="E1E0DA"/>
                 </a:solidFill>
-                <a:latin typeface="S-Core Dream 3 Light" pitchFamily="34" charset="0"/>
+                <a:latin typeface="양진체 " panose="02020503000000000000" pitchFamily="18" charset="-127"/>
               </a:rPr>
               <a:t>CAT&amp;DOG </a:t>
             </a:r>
@@ -5825,7 +5782,7 @@
                 <a:solidFill>
                   <a:srgbClr val="E1E0DA"/>
                 </a:solidFill>
-                <a:latin typeface="S-Core Dream 3 Light" pitchFamily="34" charset="0"/>
+                <a:latin typeface="양진체 " panose="02020503000000000000" pitchFamily="18" charset="-127"/>
               </a:rPr>
               <a:t>문창일</a:t>
             </a:r>
@@ -5833,7 +5790,7 @@
               <a:solidFill>
                 <a:srgbClr val="E1E0DA"/>
               </a:solidFill>
-              <a:latin typeface="S-Core Dream 3 Light" pitchFamily="34" charset="0"/>
+              <a:latin typeface="양진체 " panose="02020503000000000000" pitchFamily="18" charset="-127"/>
             </a:endParaRPr>
           </a:p>
           <a:p>
@@ -5843,7 +5800,7 @@
                 <a:solidFill>
                   <a:srgbClr val="E1E0DA"/>
                 </a:solidFill>
-                <a:latin typeface="S-Core Dream 3 Light" pitchFamily="34" charset="0"/>
+                <a:latin typeface="양진체 " panose="02020503000000000000" pitchFamily="18" charset="-127"/>
               </a:rPr>
               <a:t>서브 </a:t>
             </a:r>
@@ -5862,7 +5819,7 @@
                 <a:solidFill>
                   <a:srgbClr val="E1E0DA"/>
                 </a:solidFill>
-                <a:latin typeface="S-Core Dream 3 Light" pitchFamily="34" charset="0"/>
+                <a:latin typeface="양진체 " panose="02020503000000000000" pitchFamily="18" charset="-127"/>
               </a:rPr>
               <a:t> </a:t>
             </a:r>
@@ -5871,7 +5828,7 @@
                 <a:solidFill>
                   <a:srgbClr val="E1E0DA"/>
                 </a:solidFill>
-                <a:latin typeface="S-Core Dream 3 Light" pitchFamily="34" charset="0"/>
+                <a:latin typeface="양진체 " panose="02020503000000000000" pitchFamily="18" charset="-127"/>
               </a:rPr>
               <a:t>UPnL</a:t>
             </a:r>
@@ -5880,7 +5837,7 @@
                 <a:solidFill>
                   <a:srgbClr val="E1E0DA"/>
                 </a:solidFill>
-                <a:latin typeface="S-Core Dream 3 Light" pitchFamily="34" charset="0"/>
+                <a:latin typeface="양진체 " panose="02020503000000000000" pitchFamily="18" charset="-127"/>
               </a:rPr>
               <a:t> </a:t>
             </a:r>
@@ -5889,7 +5846,7 @@
                 <a:solidFill>
                   <a:srgbClr val="E1E0DA"/>
                 </a:solidFill>
-                <a:latin typeface="S-Core Dream 3 Light" pitchFamily="34" charset="0"/>
+                <a:latin typeface="양진체 " panose="02020503000000000000" pitchFamily="18" charset="-127"/>
               </a:rPr>
               <a:t>류지민</a:t>
             </a:r>
